--- a/slides/4_stability.pptx
+++ b/slides/4_stability.pptx
@@ -490,7 +490,7 @@
           <a:p>
             <a:fld id="{506E0FD1-891F-4B1E-916D-E9B585160BB8}" type="datetimeFigureOut">
               <a:rPr lang="en-GB" smtClean="0"/>
-              <a:t>24/01/2026</a:t>
+              <a:t>29/01/2026</a:t>
             </a:fld>
             <a:endParaRPr lang="en-GB"/>
           </a:p>
@@ -907,7 +907,7 @@
           <a:p>
             <a:fld id="{D68C3F22-27B2-44E3-9C5F-D08126455F6F}" type="datetime1">
               <a:rPr lang="en-GB" smtClean="0"/>
-              <a:t>24/01/2026</a:t>
+              <a:t>29/01/2026</a:t>
             </a:fld>
             <a:endParaRPr lang="en-GB"/>
           </a:p>
@@ -1107,7 +1107,7 @@
           <a:p>
             <a:fld id="{1CD03846-7BF6-4FB6-A921-FF3379ADBD4C}" type="datetime1">
               <a:rPr lang="en-GB" smtClean="0"/>
-              <a:t>24/01/2026</a:t>
+              <a:t>29/01/2026</a:t>
             </a:fld>
             <a:endParaRPr lang="en-GB"/>
           </a:p>
@@ -1317,7 +1317,7 @@
           <a:p>
             <a:fld id="{99E1B91A-3FD0-4144-9C84-63E9688ED2FE}" type="datetime1">
               <a:rPr lang="en-GB" smtClean="0"/>
-              <a:t>24/01/2026</a:t>
+              <a:t>29/01/2026</a:t>
             </a:fld>
             <a:endParaRPr lang="en-GB"/>
           </a:p>
@@ -1517,7 +1517,7 @@
           <a:p>
             <a:fld id="{5295ED7B-FEAD-4734-819F-93EF4B0EA908}" type="datetime1">
               <a:rPr lang="en-GB" smtClean="0"/>
-              <a:t>24/01/2026</a:t>
+              <a:t>29/01/2026</a:t>
             </a:fld>
             <a:endParaRPr lang="en-GB"/>
           </a:p>
@@ -1793,7 +1793,7 @@
           <a:p>
             <a:fld id="{D2D5D4B4-C926-4B45-8815-1ED8911179A2}" type="datetime1">
               <a:rPr lang="en-GB" smtClean="0"/>
-              <a:t>24/01/2026</a:t>
+              <a:t>29/01/2026</a:t>
             </a:fld>
             <a:endParaRPr lang="en-GB"/>
           </a:p>
@@ -2061,7 +2061,7 @@
           <a:p>
             <a:fld id="{B4C5210A-0E37-4935-93AF-69F21A5F712F}" type="datetime1">
               <a:rPr lang="en-GB" smtClean="0"/>
-              <a:t>24/01/2026</a:t>
+              <a:t>29/01/2026</a:t>
             </a:fld>
             <a:endParaRPr lang="en-GB"/>
           </a:p>
@@ -2476,7 +2476,7 @@
           <a:p>
             <a:fld id="{3D3A6B2F-436C-4691-80E8-9C890E000E9D}" type="datetime1">
               <a:rPr lang="en-GB" smtClean="0"/>
-              <a:t>24/01/2026</a:t>
+              <a:t>29/01/2026</a:t>
             </a:fld>
             <a:endParaRPr lang="en-GB"/>
           </a:p>
@@ -2618,7 +2618,7 @@
           <a:p>
             <a:fld id="{84385F4C-D74B-496F-8D21-97E3549C783B}" type="datetime1">
               <a:rPr lang="en-GB" smtClean="0"/>
-              <a:t>24/01/2026</a:t>
+              <a:t>29/01/2026</a:t>
             </a:fld>
             <a:endParaRPr lang="en-GB"/>
           </a:p>
@@ -2731,7 +2731,7 @@
           <a:p>
             <a:fld id="{0CBDCB32-C241-4703-A832-4EB47BD54E83}" type="datetime1">
               <a:rPr lang="en-GB" smtClean="0"/>
-              <a:t>24/01/2026</a:t>
+              <a:t>29/01/2026</a:t>
             </a:fld>
             <a:endParaRPr lang="en-GB"/>
           </a:p>
@@ -3044,7 +3044,7 @@
           <a:p>
             <a:fld id="{85C150FF-BE95-4D25-A16A-E368A81CBF24}" type="datetime1">
               <a:rPr lang="en-GB" smtClean="0"/>
-              <a:t>24/01/2026</a:t>
+              <a:t>29/01/2026</a:t>
             </a:fld>
             <a:endParaRPr lang="en-GB"/>
           </a:p>
@@ -3333,7 +3333,7 @@
           <a:p>
             <a:fld id="{F3C5DB4B-B349-43C9-A424-BADA723AD9F1}" type="datetime1">
               <a:rPr lang="en-GB" smtClean="0"/>
-              <a:t>24/01/2026</a:t>
+              <a:t>29/01/2026</a:t>
             </a:fld>
             <a:endParaRPr lang="en-GB"/>
           </a:p>
@@ -3576,7 +3576,7 @@
           <a:p>
             <a:fld id="{12632426-0A0C-405F-A3D0-2D11AA44702A}" type="datetime1">
               <a:rPr lang="en-GB" smtClean="0"/>
-              <a:t>24/01/2026</a:t>
+              <a:t>29/01/2026</a:t>
             </a:fld>
             <a:endParaRPr lang="en-GB"/>
           </a:p>
@@ -4718,15 +4718,7 @@
             </a:pPr>
             <a:r>
               <a:rPr lang="de-DE" dirty="0"/>
-              <a:t>Systems, </a:t>
-            </a:r>
-            <a:r>
-              <a:rPr lang="de-DE" dirty="0" err="1"/>
-              <a:t>Processes</a:t>
-            </a:r>
-            <a:r>
-              <a:rPr lang="de-DE" dirty="0"/>
-              <a:t>, Models</a:t>
+              <a:t>Systems</a:t>
             </a:r>
           </a:p>
           <a:p>

--- a/slides/4_stability.pptx
+++ b/slides/4_stability.pptx
@@ -5,21 +5,23 @@
     <p:sldMasterId id="2147483648" r:id="rId1"/>
   </p:sldMasterIdLst>
   <p:notesMasterIdLst>
-    <p:notesMasterId r:id="rId14"/>
+    <p:notesMasterId r:id="rId16"/>
   </p:notesMasterIdLst>
   <p:sldIdLst>
     <p:sldId id="256" r:id="rId2"/>
     <p:sldId id="265" r:id="rId3"/>
     <p:sldId id="266" r:id="rId4"/>
     <p:sldId id="267" r:id="rId5"/>
-    <p:sldId id="268" r:id="rId6"/>
-    <p:sldId id="269" r:id="rId7"/>
-    <p:sldId id="270" r:id="rId8"/>
-    <p:sldId id="271" r:id="rId9"/>
-    <p:sldId id="272" r:id="rId10"/>
-    <p:sldId id="273" r:id="rId11"/>
-    <p:sldId id="274" r:id="rId12"/>
-    <p:sldId id="275" r:id="rId13"/>
+    <p:sldId id="293" r:id="rId6"/>
+    <p:sldId id="295" r:id="rId7"/>
+    <p:sldId id="294" r:id="rId8"/>
+    <p:sldId id="296" r:id="rId9"/>
+    <p:sldId id="270" r:id="rId10"/>
+    <p:sldId id="271" r:id="rId11"/>
+    <p:sldId id="272" r:id="rId12"/>
+    <p:sldId id="273" r:id="rId13"/>
+    <p:sldId id="274" r:id="rId14"/>
+    <p:sldId id="275" r:id="rId15"/>
   </p:sldIdLst>
   <p:sldSz cx="12192000" cy="6858000"/>
   <p:notesSz cx="6858000" cy="9144000"/>
@@ -490,7 +492,7 @@
           <a:p>
             <a:fld id="{506E0FD1-891F-4B1E-916D-E9B585160BB8}" type="datetimeFigureOut">
               <a:rPr lang="en-GB" smtClean="0"/>
-              <a:t>29/01/2026</a:t>
+              <a:t>07/02/2026</a:t>
             </a:fld>
             <a:endParaRPr lang="en-GB"/>
           </a:p>
@@ -907,7 +909,7 @@
           <a:p>
             <a:fld id="{D68C3F22-27B2-44E3-9C5F-D08126455F6F}" type="datetime1">
               <a:rPr lang="en-GB" smtClean="0"/>
-              <a:t>29/01/2026</a:t>
+              <a:t>07/02/2026</a:t>
             </a:fld>
             <a:endParaRPr lang="en-GB"/>
           </a:p>
@@ -1107,7 +1109,7 @@
           <a:p>
             <a:fld id="{1CD03846-7BF6-4FB6-A921-FF3379ADBD4C}" type="datetime1">
               <a:rPr lang="en-GB" smtClean="0"/>
-              <a:t>29/01/2026</a:t>
+              <a:t>07/02/2026</a:t>
             </a:fld>
             <a:endParaRPr lang="en-GB"/>
           </a:p>
@@ -1317,7 +1319,7 @@
           <a:p>
             <a:fld id="{99E1B91A-3FD0-4144-9C84-63E9688ED2FE}" type="datetime1">
               <a:rPr lang="en-GB" smtClean="0"/>
-              <a:t>29/01/2026</a:t>
+              <a:t>07/02/2026</a:t>
             </a:fld>
             <a:endParaRPr lang="en-GB"/>
           </a:p>
@@ -1517,7 +1519,7 @@
           <a:p>
             <a:fld id="{5295ED7B-FEAD-4734-819F-93EF4B0EA908}" type="datetime1">
               <a:rPr lang="en-GB" smtClean="0"/>
-              <a:t>29/01/2026</a:t>
+              <a:t>07/02/2026</a:t>
             </a:fld>
             <a:endParaRPr lang="en-GB"/>
           </a:p>
@@ -1793,7 +1795,7 @@
           <a:p>
             <a:fld id="{D2D5D4B4-C926-4B45-8815-1ED8911179A2}" type="datetime1">
               <a:rPr lang="en-GB" smtClean="0"/>
-              <a:t>29/01/2026</a:t>
+              <a:t>07/02/2026</a:t>
             </a:fld>
             <a:endParaRPr lang="en-GB"/>
           </a:p>
@@ -2061,7 +2063,7 @@
           <a:p>
             <a:fld id="{B4C5210A-0E37-4935-93AF-69F21A5F712F}" type="datetime1">
               <a:rPr lang="en-GB" smtClean="0"/>
-              <a:t>29/01/2026</a:t>
+              <a:t>07/02/2026</a:t>
             </a:fld>
             <a:endParaRPr lang="en-GB"/>
           </a:p>
@@ -2476,7 +2478,7 @@
           <a:p>
             <a:fld id="{3D3A6B2F-436C-4691-80E8-9C890E000E9D}" type="datetime1">
               <a:rPr lang="en-GB" smtClean="0"/>
-              <a:t>29/01/2026</a:t>
+              <a:t>07/02/2026</a:t>
             </a:fld>
             <a:endParaRPr lang="en-GB"/>
           </a:p>
@@ -2618,7 +2620,7 @@
           <a:p>
             <a:fld id="{84385F4C-D74B-496F-8D21-97E3549C783B}" type="datetime1">
               <a:rPr lang="en-GB" smtClean="0"/>
-              <a:t>29/01/2026</a:t>
+              <a:t>07/02/2026</a:t>
             </a:fld>
             <a:endParaRPr lang="en-GB"/>
           </a:p>
@@ -2731,7 +2733,7 @@
           <a:p>
             <a:fld id="{0CBDCB32-C241-4703-A832-4EB47BD54E83}" type="datetime1">
               <a:rPr lang="en-GB" smtClean="0"/>
-              <a:t>29/01/2026</a:t>
+              <a:t>07/02/2026</a:t>
             </a:fld>
             <a:endParaRPr lang="en-GB"/>
           </a:p>
@@ -3044,7 +3046,7 @@
           <a:p>
             <a:fld id="{85C150FF-BE95-4D25-A16A-E368A81CBF24}" type="datetime1">
               <a:rPr lang="en-GB" smtClean="0"/>
-              <a:t>29/01/2026</a:t>
+              <a:t>07/02/2026</a:t>
             </a:fld>
             <a:endParaRPr lang="en-GB"/>
           </a:p>
@@ -3333,7 +3335,7 @@
           <a:p>
             <a:fld id="{F3C5DB4B-B349-43C9-A424-BADA723AD9F1}" type="datetime1">
               <a:rPr lang="en-GB" smtClean="0"/>
-              <a:t>29/01/2026</a:t>
+              <a:t>07/02/2026</a:t>
             </a:fld>
             <a:endParaRPr lang="en-GB"/>
           </a:p>
@@ -3576,7 +3578,7 @@
           <a:p>
             <a:fld id="{12632426-0A0C-405F-A3D0-2D11AA44702A}" type="datetime1">
               <a:rPr lang="en-GB" smtClean="0"/>
-              <a:t>29/01/2026</a:t>
+              <a:t>07/02/2026</a:t>
             </a:fld>
             <a:endParaRPr lang="en-GB"/>
           </a:p>
@@ -4092,7 +4094,7 @@
           <p:cNvPr id="2" name="Titel 1">
             <a:extLst>
               <a:ext uri="{FF2B5EF4-FFF2-40B4-BE49-F238E27FC236}">
-                <a16:creationId xmlns:a16="http://schemas.microsoft.com/office/drawing/2014/main" id="{F6FE5387-4C13-F9A0-420D-3C1E54D948AB}"/>
+                <a16:creationId xmlns:a16="http://schemas.microsoft.com/office/drawing/2014/main" id="{CE99F1FF-5A04-077E-D84A-6C578EAA003C}"/>
               </a:ext>
             </a:extLst>
           </p:cNvPr>
@@ -4109,45 +4111,99 @@
           <a:lstStyle/>
           <a:p>
             <a:r>
-              <a:rPr lang="de-DE" dirty="0" err="1"/>
-              <a:t>Frequency</a:t>
-            </a:r>
-            <a:r>
-              <a:rPr lang="de-DE" dirty="0"/>
-              <a:t>-Domain </a:t>
-            </a:r>
+              <a:rPr lang="de-DE" dirty="0"/>
+              <a:t>Pole-Zero </a:t>
+            </a:r>
+            <a:r>
+              <a:rPr lang="de-DE" dirty="0" err="1"/>
+              <a:t>Diagrams</a:t>
+            </a:r>
+            <a:endParaRPr lang="de-DE" dirty="0"/>
+          </a:p>
+        </p:txBody>
+      </p:sp>
+      <p:sp>
+        <p:nvSpPr>
+          <p:cNvPr id="3" name="Inhaltsplatzhalter 2">
+            <a:extLst>
+              <a:ext uri="{FF2B5EF4-FFF2-40B4-BE49-F238E27FC236}">
+                <a16:creationId xmlns:a16="http://schemas.microsoft.com/office/drawing/2014/main" id="{9E3CA8AA-BDFD-EE45-F29F-F739D9849959}"/>
+              </a:ext>
+            </a:extLst>
+          </p:cNvPr>
+          <p:cNvSpPr>
+            <a:spLocks noGrp="1"/>
+          </p:cNvSpPr>
+          <p:nvPr>
+            <p:ph idx="1"/>
+          </p:nvPr>
+        </p:nvSpPr>
+        <p:spPr/>
+        <p:txBody>
+          <a:bodyPr/>
+          <a:lstStyle/>
+          <a:p>
+            <a:r>
+              <a:rPr lang="de-DE" dirty="0" err="1"/>
+              <a:t>Graphical</a:t>
+            </a:r>
+            <a:r>
+              <a:rPr lang="de-DE" dirty="0"/>
+              <a:t> </a:t>
+            </a:r>
+            <a:r>
+              <a:rPr lang="de-DE" dirty="0" err="1"/>
+              <a:t>representation</a:t>
+            </a:r>
+            <a:r>
+              <a:rPr lang="de-DE" dirty="0"/>
+              <a:t> in </a:t>
+            </a:r>
+            <a:r>
+              <a:rPr lang="de-DE" dirty="0" err="1"/>
+              <a:t>complex</a:t>
+            </a:r>
+            <a:r>
+              <a:rPr lang="de-DE" dirty="0"/>
+              <a:t> plane</a:t>
+            </a:r>
+          </a:p>
+          <a:p>
             <a:r>
               <a:rPr lang="de-DE" dirty="0" err="1"/>
               <a:t>Stability</a:t>
             </a:r>
+            <a:r>
+              <a:rPr lang="de-DE" dirty="0"/>
+              <a:t> visible at a </a:t>
+            </a:r>
+            <a:r>
+              <a:rPr lang="de-DE" dirty="0" err="1"/>
+              <a:t>glance</a:t>
+            </a:r>
             <a:endParaRPr lang="de-DE" dirty="0"/>
           </a:p>
-        </p:txBody>
-      </p:sp>
-      <p:sp>
-        <p:nvSpPr>
-          <p:cNvPr id="3" name="Inhaltsplatzhalter 2">
-            <a:extLst>
-              <a:ext uri="{FF2B5EF4-FFF2-40B4-BE49-F238E27FC236}">
-                <a16:creationId xmlns:a16="http://schemas.microsoft.com/office/drawing/2014/main" id="{453D7CE1-C65E-F11F-3A4B-8EC03F1E1BC8}"/>
-              </a:ext>
-            </a:extLst>
-          </p:cNvPr>
-          <p:cNvSpPr>
-            <a:spLocks noGrp="1"/>
-          </p:cNvSpPr>
-          <p:nvPr>
-            <p:ph idx="1"/>
-          </p:nvPr>
-        </p:nvSpPr>
-        <p:spPr/>
-        <p:txBody>
-          <a:bodyPr/>
-          <a:lstStyle/>
-          <a:p>
-            <a:r>
-              <a:rPr lang="de-DE" dirty="0" err="1"/>
-              <a:t>Stability</a:t>
+          <a:p>
+            <a:pPr marL="0" indent="0">
+              <a:buNone/>
+            </a:pPr>
+            <a:endParaRPr lang="de-DE" dirty="0"/>
+          </a:p>
+          <a:p>
+            <a:pPr marL="0" indent="0">
+              <a:buNone/>
+            </a:pPr>
+            <a:r>
+              <a:rPr lang="de-DE" b="1" dirty="0"/>
+              <a:t>Image:</a:t>
+            </a:r>
+            <a:r>
+              <a:rPr lang="de-DE" dirty="0"/>
+              <a:t> s-plane </a:t>
+            </a:r>
+            <a:r>
+              <a:rPr lang="de-DE" dirty="0" err="1"/>
+              <a:t>with</a:t>
             </a:r>
             <a:r>
               <a:rPr lang="de-DE" dirty="0"/>
@@ -4155,49 +4211,18 @@
             </a:r>
             <a:r>
               <a:rPr lang="de-DE" dirty="0" err="1"/>
-              <a:t>inferred</a:t>
-            </a:r>
-            <a:r>
-              <a:rPr lang="de-DE" dirty="0"/>
-              <a:t> </a:t>
-            </a:r>
-            <a:r>
-              <a:rPr lang="de-DE" dirty="0" err="1"/>
-              <a:t>from</a:t>
-            </a:r>
-            <a:r>
-              <a:rPr lang="de-DE" dirty="0"/>
-              <a:t> </a:t>
-            </a:r>
-            <a:r>
-              <a:rPr lang="de-DE" dirty="0" err="1"/>
-              <a:t>frequency</a:t>
-            </a:r>
-            <a:r>
-              <a:rPr lang="de-DE" dirty="0"/>
-              <a:t> </a:t>
-            </a:r>
-            <a:r>
-              <a:rPr lang="de-DE" dirty="0" err="1"/>
-              <a:t>response</a:t>
+              <a:t>poles</a:t>
+            </a:r>
+            <a:r>
+              <a:rPr lang="de-DE" dirty="0"/>
+              <a:t> and </a:t>
+            </a:r>
+            <a:r>
+              <a:rPr lang="de-DE" dirty="0" err="1"/>
+              <a:t>zeros</a:t>
             </a:r>
             <a:endParaRPr lang="de-DE" dirty="0"/>
           </a:p>
-          <a:p>
-            <a:r>
-              <a:rPr lang="de-DE" dirty="0" err="1"/>
-              <a:t>Avoids</a:t>
-            </a:r>
-            <a:r>
-              <a:rPr lang="de-DE" dirty="0"/>
-              <a:t> explicit pole </a:t>
-            </a:r>
-            <a:r>
-              <a:rPr lang="de-DE" dirty="0" err="1"/>
-              <a:t>calculation</a:t>
-            </a:r>
-            <a:endParaRPr lang="de-DE" dirty="0"/>
-          </a:p>
         </p:txBody>
       </p:sp>
       <p:sp>
@@ -4205,7 +4230,7 @@
           <p:cNvPr id="4" name="Foliennummernplatzhalter 3">
             <a:extLst>
               <a:ext uri="{FF2B5EF4-FFF2-40B4-BE49-F238E27FC236}">
-                <a16:creationId xmlns:a16="http://schemas.microsoft.com/office/drawing/2014/main" id="{D854C762-1E44-BE87-DF59-C1B9C35E2945}"/>
+                <a16:creationId xmlns:a16="http://schemas.microsoft.com/office/drawing/2014/main" id="{EA7928FD-EA29-8BF1-2D4C-EFF827F68C12}"/>
               </a:ext>
             </a:extLst>
           </p:cNvPr>
@@ -4232,7 +4257,7 @@
     </p:spTree>
     <p:extLst>
       <p:ext uri="{BB962C8B-B14F-4D97-AF65-F5344CB8AC3E}">
-        <p14:creationId xmlns:p14="http://schemas.microsoft.com/office/powerpoint/2010/main" val="890260999"/>
+        <p14:creationId xmlns:p14="http://schemas.microsoft.com/office/powerpoint/2010/main" val="3732035512"/>
       </p:ext>
     </p:extLst>
   </p:cSld>
@@ -4264,7 +4289,7 @@
           <p:cNvPr id="2" name="Titel 1">
             <a:extLst>
               <a:ext uri="{FF2B5EF4-FFF2-40B4-BE49-F238E27FC236}">
-                <a16:creationId xmlns:a16="http://schemas.microsoft.com/office/drawing/2014/main" id="{2A122470-E3B4-6307-0EA5-F1B7F554835F}"/>
+                <a16:creationId xmlns:a16="http://schemas.microsoft.com/office/drawing/2014/main" id="{B43EB291-3617-973F-8E27-86ACF15D8731}"/>
               </a:ext>
             </a:extLst>
           </p:cNvPr>
@@ -4282,7 +4307,7 @@
           <a:p>
             <a:r>
               <a:rPr lang="de-DE" dirty="0" err="1"/>
-              <a:t>Nyquist</a:t>
+              <a:t>Stability</a:t>
             </a:r>
             <a:r>
               <a:rPr lang="de-DE" dirty="0"/>
@@ -4290,36 +4315,86 @@
             </a:r>
             <a:r>
               <a:rPr lang="de-DE" dirty="0" err="1"/>
-              <a:t>Criterion</a:t>
+              <a:t>of</a:t>
+            </a:r>
+            <a:r>
+              <a:rPr lang="de-DE" dirty="0"/>
+              <a:t> </a:t>
+            </a:r>
+            <a:r>
+              <a:rPr lang="de-DE" dirty="0" err="1"/>
+              <a:t>Continuous</a:t>
+            </a:r>
+            <a:r>
+              <a:rPr lang="de-DE" dirty="0"/>
+              <a:t>-Time Systems</a:t>
+            </a:r>
+          </a:p>
+        </p:txBody>
+      </p:sp>
+      <p:sp>
+        <p:nvSpPr>
+          <p:cNvPr id="3" name="Inhaltsplatzhalter 2">
+            <a:extLst>
+              <a:ext uri="{FF2B5EF4-FFF2-40B4-BE49-F238E27FC236}">
+                <a16:creationId xmlns:a16="http://schemas.microsoft.com/office/drawing/2014/main" id="{5D956592-B7CC-DA1D-26BD-9F6DCF27D941}"/>
+              </a:ext>
+            </a:extLst>
+          </p:cNvPr>
+          <p:cNvSpPr>
+            <a:spLocks noGrp="1"/>
+          </p:cNvSpPr>
+          <p:nvPr>
+            <p:ph idx="1"/>
+          </p:nvPr>
+        </p:nvSpPr>
+        <p:spPr/>
+        <p:txBody>
+          <a:bodyPr/>
+          <a:lstStyle/>
+          <a:p>
+            <a:r>
+              <a:rPr lang="de-DE" dirty="0" err="1"/>
+              <a:t>Stable</a:t>
+            </a:r>
+            <a:r>
+              <a:rPr lang="de-DE" dirty="0"/>
+              <a:t> </a:t>
+            </a:r>
+            <a:r>
+              <a:rPr lang="de-DE" dirty="0" err="1"/>
+              <a:t>if</a:t>
+            </a:r>
+            <a:r>
+              <a:rPr lang="de-DE" dirty="0"/>
+              <a:t> all </a:t>
+            </a:r>
+            <a:r>
+              <a:rPr lang="de-DE" dirty="0" err="1"/>
+              <a:t>poles</a:t>
+            </a:r>
+            <a:r>
+              <a:rPr lang="de-DE" dirty="0"/>
+              <a:t> </a:t>
+            </a:r>
+            <a:r>
+              <a:rPr lang="de-DE" dirty="0" err="1"/>
+              <a:t>have</a:t>
+            </a:r>
+            <a:r>
+              <a:rPr lang="de-DE" dirty="0"/>
+              <a:t> negative real </a:t>
+            </a:r>
+            <a:r>
+              <a:rPr lang="de-DE" dirty="0" err="1"/>
+              <a:t>part</a:t>
             </a:r>
             <a:endParaRPr lang="de-DE" dirty="0"/>
           </a:p>
-        </p:txBody>
-      </p:sp>
-      <p:sp>
-        <p:nvSpPr>
-          <p:cNvPr id="3" name="Inhaltsplatzhalter 2">
-            <a:extLst>
-              <a:ext uri="{FF2B5EF4-FFF2-40B4-BE49-F238E27FC236}">
-                <a16:creationId xmlns:a16="http://schemas.microsoft.com/office/drawing/2014/main" id="{C52AFC97-0C0F-D7E6-966D-ED72FE114700}"/>
-              </a:ext>
-            </a:extLst>
-          </p:cNvPr>
-          <p:cNvSpPr>
-            <a:spLocks noGrp="1"/>
-          </p:cNvSpPr>
-          <p:nvPr>
-            <p:ph idx="1"/>
-          </p:nvPr>
-        </p:nvSpPr>
-        <p:spPr/>
-        <p:txBody>
-          <a:bodyPr/>
-          <a:lstStyle/>
-          <a:p>
-            <a:r>
-              <a:rPr lang="de-DE" dirty="0" err="1"/>
-              <a:t>Encirclement</a:t>
+          <a:p>
+            <a:r>
+              <a:rPr lang="de-DE" dirty="0" err="1"/>
+              <a:t>Marginally</a:t>
             </a:r>
             <a:r>
               <a:rPr lang="de-DE" dirty="0"/>
@@ -4327,7 +4402,7 @@
             </a:r>
             <a:r>
               <a:rPr lang="de-DE" dirty="0" err="1"/>
-              <a:t>of</a:t>
+              <a:t>stable</a:t>
             </a:r>
             <a:r>
               <a:rPr lang="de-DE" dirty="0"/>
@@ -4335,7 +4410,7 @@
             </a:r>
             <a:r>
               <a:rPr lang="de-DE" dirty="0" err="1"/>
-              <a:t>critical</a:t>
+              <a:t>if</a:t>
             </a:r>
             <a:r>
               <a:rPr lang="de-DE" dirty="0"/>
@@ -4343,18 +4418,30 @@
             </a:r>
             <a:r>
               <a:rPr lang="de-DE" dirty="0" err="1"/>
-              <a:t>point</a:t>
+              <a:t>poles</a:t>
+            </a:r>
+            <a:r>
+              <a:rPr lang="de-DE" dirty="0"/>
+              <a:t> on </a:t>
+            </a:r>
+            <a:r>
+              <a:rPr lang="de-DE" dirty="0" err="1"/>
+              <a:t>imaginary</a:t>
+            </a:r>
+            <a:r>
+              <a:rPr lang="de-DE" dirty="0"/>
+              <a:t> </a:t>
+            </a:r>
+            <a:r>
+              <a:rPr lang="de-DE" dirty="0" err="1"/>
+              <a:t>axis</a:t>
             </a:r>
             <a:endParaRPr lang="de-DE" dirty="0"/>
           </a:p>
           <a:p>
             <a:r>
-              <a:rPr lang="de-DE" dirty="0"/>
-              <a:t>Links </a:t>
-            </a:r>
-            <a:r>
-              <a:rPr lang="de-DE" dirty="0" err="1"/>
-              <a:t>frequency</a:t>
+              <a:rPr lang="de-DE" dirty="0" err="1"/>
+              <a:t>Unstable</a:t>
             </a:r>
             <a:r>
               <a:rPr lang="de-DE" dirty="0"/>
@@ -4362,45 +4449,10 @@
             </a:r>
             <a:r>
               <a:rPr lang="de-DE" dirty="0" err="1"/>
-              <a:t>response</a:t>
-            </a:r>
-            <a:r>
-              <a:rPr lang="de-DE" dirty="0"/>
-              <a:t> </a:t>
-            </a:r>
-            <a:r>
-              <a:rPr lang="de-DE" dirty="0" err="1"/>
-              <a:t>to</a:t>
-            </a:r>
-            <a:r>
-              <a:rPr lang="de-DE" dirty="0"/>
-              <a:t> </a:t>
-            </a:r>
-            <a:r>
-              <a:rPr lang="de-DE" dirty="0" err="1"/>
-              <a:t>stability</a:t>
+              <a:t>otherwise</a:t>
             </a:r>
             <a:endParaRPr lang="de-DE" dirty="0"/>
           </a:p>
-          <a:p>
-            <a:r>
-              <a:rPr lang="de-DE" dirty="0"/>
-              <a:t>Powerful but </a:t>
-            </a:r>
-            <a:r>
-              <a:rPr lang="de-DE" dirty="0" err="1"/>
-              <a:t>conceptually</a:t>
-            </a:r>
-            <a:r>
-              <a:rPr lang="de-DE" dirty="0"/>
-              <a:t> </a:t>
-            </a:r>
-            <a:r>
-              <a:rPr lang="de-DE" dirty="0" err="1"/>
-              <a:t>challenging</a:t>
-            </a:r>
-            <a:endParaRPr lang="de-DE" dirty="0"/>
-          </a:p>
         </p:txBody>
       </p:sp>
       <p:sp>
@@ -4408,7 +4460,7 @@
           <p:cNvPr id="4" name="Foliennummernplatzhalter 3">
             <a:extLst>
               <a:ext uri="{FF2B5EF4-FFF2-40B4-BE49-F238E27FC236}">
-                <a16:creationId xmlns:a16="http://schemas.microsoft.com/office/drawing/2014/main" id="{9695D79B-140F-ED0F-12F1-D63F0CD77AA1}"/>
+                <a16:creationId xmlns:a16="http://schemas.microsoft.com/office/drawing/2014/main" id="{1D91BC1F-3367-2175-29F8-BD9E03A1D44E}"/>
               </a:ext>
             </a:extLst>
           </p:cNvPr>
@@ -4435,7 +4487,7 @@
     </p:spTree>
     <p:extLst>
       <p:ext uri="{BB962C8B-B14F-4D97-AF65-F5344CB8AC3E}">
-        <p14:creationId xmlns:p14="http://schemas.microsoft.com/office/powerpoint/2010/main" val="1043321803"/>
+        <p14:creationId xmlns:p14="http://schemas.microsoft.com/office/powerpoint/2010/main" val="843895330"/>
       </p:ext>
     </p:extLst>
   </p:cSld>
@@ -4467,7 +4519,7 @@
           <p:cNvPr id="2" name="Titel 1">
             <a:extLst>
               <a:ext uri="{FF2B5EF4-FFF2-40B4-BE49-F238E27FC236}">
-                <a16:creationId xmlns:a16="http://schemas.microsoft.com/office/drawing/2014/main" id="{E3D76B9D-A952-FA61-3FEA-B2C35BC9EBA5}"/>
+                <a16:creationId xmlns:a16="http://schemas.microsoft.com/office/drawing/2014/main" id="{F6FE5387-4C13-F9A0-420D-3C1E54D948AB}"/>
               </a:ext>
             </a:extLst>
           </p:cNvPr>
@@ -4485,15 +4537,15 @@
           <a:p>
             <a:r>
               <a:rPr lang="de-DE" dirty="0" err="1"/>
-              <a:t>Gain</a:t>
-            </a:r>
-            <a:r>
-              <a:rPr lang="de-DE" dirty="0"/>
-              <a:t> and Phase </a:t>
-            </a:r>
-            <a:r>
-              <a:rPr lang="de-DE" dirty="0" err="1"/>
-              <a:t>Margins</a:t>
+              <a:t>Frequency</a:t>
+            </a:r>
+            <a:r>
+              <a:rPr lang="de-DE" dirty="0"/>
+              <a:t>-Domain </a:t>
+            </a:r>
+            <a:r>
+              <a:rPr lang="de-DE" dirty="0" err="1"/>
+              <a:t>Stability</a:t>
             </a:r>
             <a:endParaRPr lang="de-DE" dirty="0"/>
           </a:p>
@@ -4504,7 +4556,7 @@
           <p:cNvPr id="3" name="Inhaltsplatzhalter 2">
             <a:extLst>
               <a:ext uri="{FF2B5EF4-FFF2-40B4-BE49-F238E27FC236}">
-                <a16:creationId xmlns:a16="http://schemas.microsoft.com/office/drawing/2014/main" id="{841DCEC5-E062-73EC-599B-965A44B5F682}"/>
+                <a16:creationId xmlns:a16="http://schemas.microsoft.com/office/drawing/2014/main" id="{453D7CE1-C65E-F11F-3A4B-8EC03F1E1BC8}"/>
               </a:ext>
             </a:extLst>
           </p:cNvPr>
@@ -4522,7 +4574,7 @@
           <a:p>
             <a:r>
               <a:rPr lang="de-DE" dirty="0" err="1"/>
-              <a:t>Measure</a:t>
+              <a:t>Stability</a:t>
             </a:r>
             <a:r>
               <a:rPr lang="de-DE" dirty="0"/>
@@ -4530,7 +4582,7 @@
             </a:r>
             <a:r>
               <a:rPr lang="de-DE" dirty="0" err="1"/>
-              <a:t>distance</a:t>
+              <a:t>inferred</a:t>
             </a:r>
             <a:r>
               <a:rPr lang="de-DE" dirty="0"/>
@@ -4538,7 +4590,7 @@
             </a:r>
             <a:r>
               <a:rPr lang="de-DE" dirty="0" err="1"/>
-              <a:t>to</a:t>
+              <a:t>from</a:t>
             </a:r>
             <a:r>
               <a:rPr lang="de-DE" dirty="0"/>
@@ -4546,60 +4598,33 @@
             </a:r>
             <a:r>
               <a:rPr lang="de-DE" dirty="0" err="1"/>
-              <a:t>instability</a:t>
+              <a:t>frequency</a:t>
+            </a:r>
+            <a:r>
+              <a:rPr lang="de-DE" dirty="0"/>
+              <a:t> </a:t>
+            </a:r>
+            <a:r>
+              <a:rPr lang="de-DE" dirty="0" err="1"/>
+              <a:t>response</a:t>
             </a:r>
             <a:endParaRPr lang="de-DE" dirty="0"/>
           </a:p>
           <a:p>
             <a:r>
               <a:rPr lang="de-DE" dirty="0" err="1"/>
-              <a:t>Practical</a:t>
-            </a:r>
-            <a:r>
-              <a:rPr lang="de-DE" dirty="0"/>
-              <a:t> </a:t>
-            </a:r>
-            <a:r>
-              <a:rPr lang="de-DE" dirty="0" err="1"/>
-              <a:t>robustness</a:t>
-            </a:r>
-            <a:r>
-              <a:rPr lang="de-DE" dirty="0"/>
-              <a:t> </a:t>
-            </a:r>
-            <a:r>
-              <a:rPr lang="de-DE" dirty="0" err="1"/>
-              <a:t>indicators</a:t>
+              <a:t>Avoids</a:t>
+            </a:r>
+            <a:r>
+              <a:rPr lang="de-DE" dirty="0"/>
+              <a:t> explicit pole </a:t>
+            </a:r>
+            <a:r>
+              <a:rPr lang="de-DE" dirty="0" err="1"/>
+              <a:t>calculation</a:t>
             </a:r>
             <a:endParaRPr lang="de-DE" dirty="0"/>
           </a:p>
-          <a:p>
-            <a:r>
-              <a:rPr lang="de-DE" dirty="0"/>
-              <a:t>Read </a:t>
-            </a:r>
-            <a:r>
-              <a:rPr lang="de-DE" dirty="0" err="1"/>
-              <a:t>directly</a:t>
-            </a:r>
-            <a:r>
-              <a:rPr lang="de-DE" dirty="0"/>
-              <a:t> </a:t>
-            </a:r>
-            <a:r>
-              <a:rPr lang="de-DE" dirty="0" err="1"/>
-              <a:t>from</a:t>
-            </a:r>
-            <a:r>
-              <a:rPr lang="de-DE" dirty="0"/>
-              <a:t> Bode </a:t>
-            </a:r>
-            <a:r>
-              <a:rPr lang="de-DE" dirty="0" err="1"/>
-              <a:t>plots</a:t>
-            </a:r>
-            <a:endParaRPr lang="de-DE" dirty="0"/>
-          </a:p>
         </p:txBody>
       </p:sp>
       <p:sp>
@@ -4607,7 +4632,7 @@
           <p:cNvPr id="4" name="Foliennummernplatzhalter 3">
             <a:extLst>
               <a:ext uri="{FF2B5EF4-FFF2-40B4-BE49-F238E27FC236}">
-                <a16:creationId xmlns:a16="http://schemas.microsoft.com/office/drawing/2014/main" id="{B0C0EBA0-2646-D649-137B-265D744CEEEB}"/>
+                <a16:creationId xmlns:a16="http://schemas.microsoft.com/office/drawing/2014/main" id="{D854C762-1E44-BE87-DF59-C1B9C35E2945}"/>
               </a:ext>
             </a:extLst>
           </p:cNvPr>
@@ -4626,6 +4651,408 @@
             <a:fld id="{08C366F5-AFAD-49CB-854A-9D9E238FCA13}" type="slidenum">
               <a:rPr lang="en-GB" smtClean="0"/>
               <a:t>12</a:t>
+            </a:fld>
+            <a:endParaRPr lang="en-GB"/>
+          </a:p>
+        </p:txBody>
+      </p:sp>
+    </p:spTree>
+    <p:extLst>
+      <p:ext uri="{BB962C8B-B14F-4D97-AF65-F5344CB8AC3E}">
+        <p14:creationId xmlns:p14="http://schemas.microsoft.com/office/powerpoint/2010/main" val="890260999"/>
+      </p:ext>
+    </p:extLst>
+  </p:cSld>
+  <p:clrMapOvr>
+    <a:masterClrMapping/>
+  </p:clrMapOvr>
+</p:sld>
+</file>
+
+<file path=ppt/slides/slide13.xml><?xml version="1.0" encoding="utf-8"?>
+<p:sld xmlns:a="http://schemas.openxmlformats.org/drawingml/2006/main" xmlns:r="http://schemas.openxmlformats.org/officeDocument/2006/relationships" xmlns:p="http://schemas.openxmlformats.org/presentationml/2006/main">
+  <p:cSld>
+    <p:spTree>
+      <p:nvGrpSpPr>
+        <p:cNvPr id="1" name=""/>
+        <p:cNvGrpSpPr/>
+        <p:nvPr/>
+      </p:nvGrpSpPr>
+      <p:grpSpPr>
+        <a:xfrm>
+          <a:off x="0" y="0"/>
+          <a:ext cx="0" cy="0"/>
+          <a:chOff x="0" y="0"/>
+          <a:chExt cx="0" cy="0"/>
+        </a:xfrm>
+      </p:grpSpPr>
+      <p:sp>
+        <p:nvSpPr>
+          <p:cNvPr id="2" name="Titel 1">
+            <a:extLst>
+              <a:ext uri="{FF2B5EF4-FFF2-40B4-BE49-F238E27FC236}">
+                <a16:creationId xmlns:a16="http://schemas.microsoft.com/office/drawing/2014/main" id="{2A122470-E3B4-6307-0EA5-F1B7F554835F}"/>
+              </a:ext>
+            </a:extLst>
+          </p:cNvPr>
+          <p:cNvSpPr>
+            <a:spLocks noGrp="1"/>
+          </p:cNvSpPr>
+          <p:nvPr>
+            <p:ph type="title"/>
+          </p:nvPr>
+        </p:nvSpPr>
+        <p:spPr/>
+        <p:txBody>
+          <a:bodyPr/>
+          <a:lstStyle/>
+          <a:p>
+            <a:r>
+              <a:rPr lang="de-DE" dirty="0" err="1"/>
+              <a:t>Nyquist</a:t>
+            </a:r>
+            <a:r>
+              <a:rPr lang="de-DE" dirty="0"/>
+              <a:t> </a:t>
+            </a:r>
+            <a:r>
+              <a:rPr lang="de-DE" dirty="0" err="1"/>
+              <a:t>Criterion</a:t>
+            </a:r>
+            <a:endParaRPr lang="de-DE" dirty="0"/>
+          </a:p>
+        </p:txBody>
+      </p:sp>
+      <p:sp>
+        <p:nvSpPr>
+          <p:cNvPr id="3" name="Inhaltsplatzhalter 2">
+            <a:extLst>
+              <a:ext uri="{FF2B5EF4-FFF2-40B4-BE49-F238E27FC236}">
+                <a16:creationId xmlns:a16="http://schemas.microsoft.com/office/drawing/2014/main" id="{C52AFC97-0C0F-D7E6-966D-ED72FE114700}"/>
+              </a:ext>
+            </a:extLst>
+          </p:cNvPr>
+          <p:cNvSpPr>
+            <a:spLocks noGrp="1"/>
+          </p:cNvSpPr>
+          <p:nvPr>
+            <p:ph idx="1"/>
+          </p:nvPr>
+        </p:nvSpPr>
+        <p:spPr/>
+        <p:txBody>
+          <a:bodyPr/>
+          <a:lstStyle/>
+          <a:p>
+            <a:r>
+              <a:rPr lang="de-DE" dirty="0" err="1"/>
+              <a:t>Encirclement</a:t>
+            </a:r>
+            <a:r>
+              <a:rPr lang="de-DE" dirty="0"/>
+              <a:t> </a:t>
+            </a:r>
+            <a:r>
+              <a:rPr lang="de-DE" dirty="0" err="1"/>
+              <a:t>of</a:t>
+            </a:r>
+            <a:r>
+              <a:rPr lang="de-DE" dirty="0"/>
+              <a:t> </a:t>
+            </a:r>
+            <a:r>
+              <a:rPr lang="de-DE" dirty="0" err="1"/>
+              <a:t>critical</a:t>
+            </a:r>
+            <a:r>
+              <a:rPr lang="de-DE" dirty="0"/>
+              <a:t> </a:t>
+            </a:r>
+            <a:r>
+              <a:rPr lang="de-DE" dirty="0" err="1"/>
+              <a:t>point</a:t>
+            </a:r>
+            <a:endParaRPr lang="de-DE" dirty="0"/>
+          </a:p>
+          <a:p>
+            <a:r>
+              <a:rPr lang="de-DE" dirty="0"/>
+              <a:t>Links </a:t>
+            </a:r>
+            <a:r>
+              <a:rPr lang="de-DE" dirty="0" err="1"/>
+              <a:t>frequency</a:t>
+            </a:r>
+            <a:r>
+              <a:rPr lang="de-DE" dirty="0"/>
+              <a:t> </a:t>
+            </a:r>
+            <a:r>
+              <a:rPr lang="de-DE" dirty="0" err="1"/>
+              <a:t>response</a:t>
+            </a:r>
+            <a:r>
+              <a:rPr lang="de-DE" dirty="0"/>
+              <a:t> </a:t>
+            </a:r>
+            <a:r>
+              <a:rPr lang="de-DE" dirty="0" err="1"/>
+              <a:t>to</a:t>
+            </a:r>
+            <a:r>
+              <a:rPr lang="de-DE" dirty="0"/>
+              <a:t> </a:t>
+            </a:r>
+            <a:r>
+              <a:rPr lang="de-DE" dirty="0" err="1"/>
+              <a:t>stability</a:t>
+            </a:r>
+            <a:endParaRPr lang="de-DE" dirty="0"/>
+          </a:p>
+          <a:p>
+            <a:r>
+              <a:rPr lang="de-DE" dirty="0"/>
+              <a:t>Powerful but </a:t>
+            </a:r>
+            <a:r>
+              <a:rPr lang="de-DE" dirty="0" err="1"/>
+              <a:t>conceptually</a:t>
+            </a:r>
+            <a:r>
+              <a:rPr lang="de-DE" dirty="0"/>
+              <a:t> </a:t>
+            </a:r>
+            <a:r>
+              <a:rPr lang="de-DE" dirty="0" err="1"/>
+              <a:t>challenging</a:t>
+            </a:r>
+            <a:endParaRPr lang="de-DE" dirty="0"/>
+          </a:p>
+        </p:txBody>
+      </p:sp>
+      <p:sp>
+        <p:nvSpPr>
+          <p:cNvPr id="4" name="Foliennummernplatzhalter 3">
+            <a:extLst>
+              <a:ext uri="{FF2B5EF4-FFF2-40B4-BE49-F238E27FC236}">
+                <a16:creationId xmlns:a16="http://schemas.microsoft.com/office/drawing/2014/main" id="{9695D79B-140F-ED0F-12F1-D63F0CD77AA1}"/>
+              </a:ext>
+            </a:extLst>
+          </p:cNvPr>
+          <p:cNvSpPr>
+            <a:spLocks noGrp="1"/>
+          </p:cNvSpPr>
+          <p:nvPr>
+            <p:ph type="sldNum" sz="quarter" idx="12"/>
+          </p:nvPr>
+        </p:nvSpPr>
+        <p:spPr/>
+        <p:txBody>
+          <a:bodyPr/>
+          <a:lstStyle/>
+          <a:p>
+            <a:fld id="{08C366F5-AFAD-49CB-854A-9D9E238FCA13}" type="slidenum">
+              <a:rPr lang="en-GB" smtClean="0"/>
+              <a:t>13</a:t>
+            </a:fld>
+            <a:endParaRPr lang="en-GB"/>
+          </a:p>
+        </p:txBody>
+      </p:sp>
+    </p:spTree>
+    <p:extLst>
+      <p:ext uri="{BB962C8B-B14F-4D97-AF65-F5344CB8AC3E}">
+        <p14:creationId xmlns:p14="http://schemas.microsoft.com/office/powerpoint/2010/main" val="1043321803"/>
+      </p:ext>
+    </p:extLst>
+  </p:cSld>
+  <p:clrMapOvr>
+    <a:masterClrMapping/>
+  </p:clrMapOvr>
+</p:sld>
+</file>
+
+<file path=ppt/slides/slide14.xml><?xml version="1.0" encoding="utf-8"?>
+<p:sld xmlns:a="http://schemas.openxmlformats.org/drawingml/2006/main" xmlns:r="http://schemas.openxmlformats.org/officeDocument/2006/relationships" xmlns:p="http://schemas.openxmlformats.org/presentationml/2006/main">
+  <p:cSld>
+    <p:spTree>
+      <p:nvGrpSpPr>
+        <p:cNvPr id="1" name=""/>
+        <p:cNvGrpSpPr/>
+        <p:nvPr/>
+      </p:nvGrpSpPr>
+      <p:grpSpPr>
+        <a:xfrm>
+          <a:off x="0" y="0"/>
+          <a:ext cx="0" cy="0"/>
+          <a:chOff x="0" y="0"/>
+          <a:chExt cx="0" cy="0"/>
+        </a:xfrm>
+      </p:grpSpPr>
+      <p:sp>
+        <p:nvSpPr>
+          <p:cNvPr id="2" name="Titel 1">
+            <a:extLst>
+              <a:ext uri="{FF2B5EF4-FFF2-40B4-BE49-F238E27FC236}">
+                <a16:creationId xmlns:a16="http://schemas.microsoft.com/office/drawing/2014/main" id="{E3D76B9D-A952-FA61-3FEA-B2C35BC9EBA5}"/>
+              </a:ext>
+            </a:extLst>
+          </p:cNvPr>
+          <p:cNvSpPr>
+            <a:spLocks noGrp="1"/>
+          </p:cNvSpPr>
+          <p:nvPr>
+            <p:ph type="title"/>
+          </p:nvPr>
+        </p:nvSpPr>
+        <p:spPr/>
+        <p:txBody>
+          <a:bodyPr/>
+          <a:lstStyle/>
+          <a:p>
+            <a:r>
+              <a:rPr lang="de-DE" dirty="0" err="1"/>
+              <a:t>Gain</a:t>
+            </a:r>
+            <a:r>
+              <a:rPr lang="de-DE" dirty="0"/>
+              <a:t> and Phase </a:t>
+            </a:r>
+            <a:r>
+              <a:rPr lang="de-DE" dirty="0" err="1"/>
+              <a:t>Margins</a:t>
+            </a:r>
+            <a:endParaRPr lang="de-DE" dirty="0"/>
+          </a:p>
+        </p:txBody>
+      </p:sp>
+      <p:sp>
+        <p:nvSpPr>
+          <p:cNvPr id="3" name="Inhaltsplatzhalter 2">
+            <a:extLst>
+              <a:ext uri="{FF2B5EF4-FFF2-40B4-BE49-F238E27FC236}">
+                <a16:creationId xmlns:a16="http://schemas.microsoft.com/office/drawing/2014/main" id="{841DCEC5-E062-73EC-599B-965A44B5F682}"/>
+              </a:ext>
+            </a:extLst>
+          </p:cNvPr>
+          <p:cNvSpPr>
+            <a:spLocks noGrp="1"/>
+          </p:cNvSpPr>
+          <p:nvPr>
+            <p:ph idx="1"/>
+          </p:nvPr>
+        </p:nvSpPr>
+        <p:spPr/>
+        <p:txBody>
+          <a:bodyPr/>
+          <a:lstStyle/>
+          <a:p>
+            <a:r>
+              <a:rPr lang="de-DE" dirty="0" err="1"/>
+              <a:t>Measure</a:t>
+            </a:r>
+            <a:r>
+              <a:rPr lang="de-DE" dirty="0"/>
+              <a:t> </a:t>
+            </a:r>
+            <a:r>
+              <a:rPr lang="de-DE" dirty="0" err="1"/>
+              <a:t>distance</a:t>
+            </a:r>
+            <a:r>
+              <a:rPr lang="de-DE" dirty="0"/>
+              <a:t> </a:t>
+            </a:r>
+            <a:r>
+              <a:rPr lang="de-DE" dirty="0" err="1"/>
+              <a:t>to</a:t>
+            </a:r>
+            <a:r>
+              <a:rPr lang="de-DE" dirty="0"/>
+              <a:t> </a:t>
+            </a:r>
+            <a:r>
+              <a:rPr lang="de-DE" dirty="0" err="1"/>
+              <a:t>instability</a:t>
+            </a:r>
+            <a:endParaRPr lang="de-DE" dirty="0"/>
+          </a:p>
+          <a:p>
+            <a:r>
+              <a:rPr lang="de-DE" dirty="0" err="1"/>
+              <a:t>Practical</a:t>
+            </a:r>
+            <a:r>
+              <a:rPr lang="de-DE" dirty="0"/>
+              <a:t> </a:t>
+            </a:r>
+            <a:r>
+              <a:rPr lang="de-DE" dirty="0" err="1"/>
+              <a:t>robustness</a:t>
+            </a:r>
+            <a:r>
+              <a:rPr lang="de-DE" dirty="0"/>
+              <a:t> </a:t>
+            </a:r>
+            <a:r>
+              <a:rPr lang="de-DE" dirty="0" err="1"/>
+              <a:t>indicators</a:t>
+            </a:r>
+            <a:endParaRPr lang="de-DE" dirty="0"/>
+          </a:p>
+          <a:p>
+            <a:r>
+              <a:rPr lang="de-DE" dirty="0"/>
+              <a:t>Read </a:t>
+            </a:r>
+            <a:r>
+              <a:rPr lang="de-DE" dirty="0" err="1"/>
+              <a:t>directly</a:t>
+            </a:r>
+            <a:r>
+              <a:rPr lang="de-DE" dirty="0"/>
+              <a:t> </a:t>
+            </a:r>
+            <a:r>
+              <a:rPr lang="de-DE" dirty="0" err="1"/>
+              <a:t>from</a:t>
+            </a:r>
+            <a:r>
+              <a:rPr lang="de-DE" dirty="0"/>
+              <a:t> Bode </a:t>
+            </a:r>
+            <a:r>
+              <a:rPr lang="de-DE" dirty="0" err="1"/>
+              <a:t>plots</a:t>
+            </a:r>
+            <a:endParaRPr lang="de-DE" dirty="0"/>
+          </a:p>
+        </p:txBody>
+      </p:sp>
+      <p:sp>
+        <p:nvSpPr>
+          <p:cNvPr id="4" name="Foliennummernplatzhalter 3">
+            <a:extLst>
+              <a:ext uri="{FF2B5EF4-FFF2-40B4-BE49-F238E27FC236}">
+                <a16:creationId xmlns:a16="http://schemas.microsoft.com/office/drawing/2014/main" id="{B0C0EBA0-2646-D649-137B-265D744CEEEB}"/>
+              </a:ext>
+            </a:extLst>
+          </p:cNvPr>
+          <p:cNvSpPr>
+            <a:spLocks noGrp="1"/>
+          </p:cNvSpPr>
+          <p:nvPr>
+            <p:ph type="sldNum" sz="quarter" idx="12"/>
+          </p:nvPr>
+        </p:nvSpPr>
+        <p:spPr/>
+        <p:txBody>
+          <a:bodyPr/>
+          <a:lstStyle/>
+          <a:p>
+            <a:fld id="{08C366F5-AFAD-49CB-854A-9D9E238FCA13}" type="slidenum">
+              <a:rPr lang="en-GB" smtClean="0"/>
+              <a:t>14</a:t>
             </a:fld>
             <a:endParaRPr lang="en-GB"/>
           </a:p>
@@ -5301,7 +5728,7 @@
           <p:cNvPr id="2" name="Titel 1">
             <a:extLst>
               <a:ext uri="{FF2B5EF4-FFF2-40B4-BE49-F238E27FC236}">
-                <a16:creationId xmlns:a16="http://schemas.microsoft.com/office/drawing/2014/main" id="{F8889E17-A4B9-76AF-5525-2BFA889EB50A}"/>
+                <a16:creationId xmlns:a16="http://schemas.microsoft.com/office/drawing/2014/main" id="{12AE154C-424D-C203-2075-F6C80B025307}"/>
               </a:ext>
             </a:extLst>
           </p:cNvPr>
@@ -5319,124 +5746,503 @@
           <a:p>
             <a:r>
               <a:rPr lang="de-DE" dirty="0"/>
-              <a:t>Poles and Transient Response</a:t>
-            </a:r>
-          </a:p>
-        </p:txBody>
-      </p:sp>
-      <p:sp>
-        <p:nvSpPr>
-          <p:cNvPr id="3" name="Inhaltsplatzhalter 2">
-            <a:extLst>
-              <a:ext uri="{FF2B5EF4-FFF2-40B4-BE49-F238E27FC236}">
-                <a16:creationId xmlns:a16="http://schemas.microsoft.com/office/drawing/2014/main" id="{F44BA443-EE2C-C13E-096F-5C05F226A951}"/>
-              </a:ext>
-            </a:extLst>
-          </p:cNvPr>
-          <p:cNvSpPr>
-            <a:spLocks noGrp="1"/>
-          </p:cNvSpPr>
-          <p:nvPr>
-            <p:ph idx="1"/>
-          </p:nvPr>
-        </p:nvSpPr>
-        <p:spPr/>
-        <p:txBody>
-          <a:bodyPr/>
-          <a:lstStyle/>
-          <a:p>
-            <a:r>
-              <a:rPr lang="de-DE" dirty="0"/>
-              <a:t>Real </a:t>
-            </a:r>
-            <a:r>
-              <a:rPr lang="de-DE" dirty="0" err="1"/>
-              <a:t>poles</a:t>
-            </a:r>
-            <a:r>
-              <a:rPr lang="de-DE" dirty="0"/>
-              <a:t> → </a:t>
-            </a:r>
-            <a:r>
-              <a:rPr lang="de-DE" dirty="0" err="1"/>
-              <a:t>exponential</a:t>
-            </a:r>
-            <a:r>
-              <a:rPr lang="de-DE" dirty="0"/>
-              <a:t> </a:t>
-            </a:r>
-            <a:r>
-              <a:rPr lang="de-DE" dirty="0" err="1"/>
-              <a:t>behavior</a:t>
-            </a:r>
-            <a:endParaRPr lang="de-DE" dirty="0"/>
-          </a:p>
-          <a:p>
-            <a:r>
-              <a:rPr lang="de-DE" dirty="0" err="1"/>
-              <a:t>Complex</a:t>
-            </a:r>
-            <a:r>
-              <a:rPr lang="de-DE" dirty="0"/>
-              <a:t> </a:t>
-            </a:r>
-            <a:r>
-              <a:rPr lang="de-DE" dirty="0" err="1"/>
-              <a:t>poles</a:t>
-            </a:r>
-            <a:r>
-              <a:rPr lang="de-DE" dirty="0"/>
-              <a:t> → </a:t>
-            </a:r>
-            <a:r>
-              <a:rPr lang="de-DE" dirty="0" err="1"/>
-              <a:t>oscillations</a:t>
-            </a:r>
-            <a:endParaRPr lang="de-DE" dirty="0"/>
-          </a:p>
-          <a:p>
-            <a:r>
-              <a:rPr lang="de-DE" dirty="0"/>
-              <a:t>Pole </a:t>
-            </a:r>
-            <a:r>
-              <a:rPr lang="de-DE" dirty="0" err="1"/>
-              <a:t>location</a:t>
-            </a:r>
-            <a:r>
-              <a:rPr lang="de-DE" dirty="0"/>
-              <a:t> </a:t>
-            </a:r>
-            <a:r>
-              <a:rPr lang="de-DE" dirty="0" err="1"/>
-              <a:t>determines</a:t>
-            </a:r>
-            <a:r>
-              <a:rPr lang="de-DE" dirty="0"/>
-              <a:t> </a:t>
-            </a:r>
-            <a:r>
-              <a:rPr lang="de-DE" dirty="0" err="1"/>
-              <a:t>speed</a:t>
-            </a:r>
-            <a:r>
-              <a:rPr lang="de-DE" dirty="0"/>
-              <a:t> and </a:t>
-            </a:r>
-            <a:r>
-              <a:rPr lang="de-DE" dirty="0" err="1"/>
-              <a:t>damping</a:t>
-            </a:r>
-            <a:endParaRPr lang="de-DE" dirty="0"/>
-          </a:p>
-        </p:txBody>
-      </p:sp>
+              <a:t>Interpretation </a:t>
+            </a:r>
+            <a:r>
+              <a:rPr lang="de-DE" dirty="0" err="1"/>
+              <a:t>of</a:t>
+            </a:r>
+            <a:r>
+              <a:rPr lang="de-DE" dirty="0"/>
+              <a:t> Poles</a:t>
+            </a:r>
+          </a:p>
+        </p:txBody>
+      </p:sp>
+      <mc:AlternateContent xmlns:mc="http://schemas.openxmlformats.org/markup-compatibility/2006">
+        <mc:Choice xmlns:a14="http://schemas.microsoft.com/office/drawing/2010/main" Requires="a14">
+          <p:sp>
+            <p:nvSpPr>
+              <p:cNvPr id="3" name="Inhaltsplatzhalter 2">
+                <a:extLst>
+                  <a:ext uri="{FF2B5EF4-FFF2-40B4-BE49-F238E27FC236}">
+                    <a16:creationId xmlns:a16="http://schemas.microsoft.com/office/drawing/2014/main" id="{4E65B0AF-C18E-51FA-36D7-9E446827542B}"/>
+                  </a:ext>
+                </a:extLst>
+              </p:cNvPr>
+              <p:cNvSpPr>
+                <a:spLocks noGrp="1"/>
+              </p:cNvSpPr>
+              <p:nvPr>
+                <p:ph idx="1"/>
+              </p:nvPr>
+            </p:nvSpPr>
+            <p:spPr/>
+            <p:txBody>
+              <a:bodyPr>
+                <a:normAutofit fontScale="92500" lnSpcReduction="20000"/>
+              </a:bodyPr>
+              <a:lstStyle/>
+              <a:p>
+                <a:pPr marL="0" indent="0">
+                  <a:buNone/>
+                </a:pPr>
+                <a:r>
+                  <a:rPr lang="de-DE" dirty="0"/>
+                  <a:t>If real: </a:t>
+                </a:r>
+                <a:r>
+                  <a:rPr lang="de-DE" dirty="0" err="1"/>
+                  <a:t>purely</a:t>
+                </a:r>
+                <a:r>
+                  <a:rPr lang="de-DE" dirty="0"/>
+                  <a:t> </a:t>
+                </a:r>
+                <a:r>
+                  <a:rPr lang="de-DE" dirty="0" err="1"/>
+                  <a:t>exponential</a:t>
+                </a:r>
+                <a:r>
+                  <a:rPr lang="de-DE" dirty="0"/>
+                  <a:t>, </a:t>
+                </a:r>
+                <a:r>
+                  <a:rPr lang="de-DE" dirty="0" err="1"/>
+                  <a:t>no</a:t>
+                </a:r>
+                <a:r>
+                  <a:rPr lang="de-DE" dirty="0"/>
+                  <a:t> </a:t>
+                </a:r>
+                <a:r>
+                  <a:rPr lang="de-DE" dirty="0" err="1"/>
+                  <a:t>oscillation</a:t>
+                </a:r>
+                <a:endParaRPr lang="de-DE" dirty="0"/>
+              </a:p>
+              <a:p>
+                <a14:m>
+                  <m:oMath xmlns:m="http://schemas.openxmlformats.org/officeDocument/2006/math">
+                    <m:sSub>
+                      <m:sSubPr>
+                        <m:ctrlPr>
+                          <a:rPr lang="de-DE" i="1">
+                            <a:latin typeface="Cambria Math" panose="02040503050406030204" pitchFamily="18" charset="0"/>
+                          </a:rPr>
+                        </m:ctrlPr>
+                      </m:sSubPr>
+                      <m:e>
+                        <m:r>
+                          <m:rPr>
+                            <m:sty m:val="p"/>
+                          </m:rPr>
+                          <a:rPr lang="de-DE" b="0" i="0" smtClean="0">
+                            <a:latin typeface="Cambria Math" panose="02040503050406030204" pitchFamily="18" charset="0"/>
+                          </a:rPr>
+                          <m:t>Re</m:t>
+                        </m:r>
+                        <m:r>
+                          <a:rPr lang="de-DE" b="0" i="1" smtClean="0">
+                            <a:latin typeface="Cambria Math" panose="02040503050406030204" pitchFamily="18" charset="0"/>
+                          </a:rPr>
+                          <m:t>(</m:t>
+                        </m:r>
+                        <m:r>
+                          <a:rPr lang="de-DE" i="1">
+                            <a:latin typeface="Cambria Math" panose="02040503050406030204" pitchFamily="18" charset="0"/>
+                          </a:rPr>
+                          <m:t>𝑠</m:t>
+                        </m:r>
+                      </m:e>
+                      <m:sub>
+                        <m:r>
+                          <a:rPr lang="de-DE" i="1">
+                            <a:latin typeface="Cambria Math" panose="02040503050406030204" pitchFamily="18" charset="0"/>
+                          </a:rPr>
+                          <m:t>𝑝</m:t>
+                        </m:r>
+                      </m:sub>
+                    </m:sSub>
+                    <m:r>
+                      <a:rPr lang="de-DE" b="0" i="1" smtClean="0">
+                        <a:latin typeface="Cambria Math" panose="02040503050406030204" pitchFamily="18" charset="0"/>
+                      </a:rPr>
+                      <m:t>)&lt;0</m:t>
+                    </m:r>
+                  </m:oMath>
+                </a14:m>
+                <a:r>
+                  <a:rPr lang="de-DE" dirty="0"/>
+                  <a:t>: </a:t>
+                </a:r>
+                <a:r>
+                  <a:rPr lang="de-DE" dirty="0" err="1"/>
+                  <a:t>exponential</a:t>
+                </a:r>
+                <a:r>
+                  <a:rPr lang="de-DE" dirty="0"/>
+                  <a:t> </a:t>
+                </a:r>
+                <a:r>
+                  <a:rPr lang="de-DE" dirty="0" err="1"/>
+                  <a:t>decay</a:t>
+                </a:r>
+                <a:endParaRPr lang="de-DE" dirty="0"/>
+              </a:p>
+              <a:p>
+                <a14:m>
+                  <m:oMath xmlns:m="http://schemas.openxmlformats.org/officeDocument/2006/math">
+                    <m:sSub>
+                      <m:sSubPr>
+                        <m:ctrlPr>
+                          <a:rPr lang="de-DE" i="1">
+                            <a:latin typeface="Cambria Math" panose="02040503050406030204" pitchFamily="18" charset="0"/>
+                          </a:rPr>
+                        </m:ctrlPr>
+                      </m:sSubPr>
+                      <m:e>
+                        <m:r>
+                          <m:rPr>
+                            <m:sty m:val="p"/>
+                          </m:rPr>
+                          <a:rPr lang="de-DE">
+                            <a:latin typeface="Cambria Math" panose="02040503050406030204" pitchFamily="18" charset="0"/>
+                          </a:rPr>
+                          <m:t>Re</m:t>
+                        </m:r>
+                        <m:r>
+                          <a:rPr lang="de-DE" i="1">
+                            <a:latin typeface="Cambria Math" panose="02040503050406030204" pitchFamily="18" charset="0"/>
+                          </a:rPr>
+                          <m:t>(</m:t>
+                        </m:r>
+                        <m:r>
+                          <a:rPr lang="de-DE" i="1">
+                            <a:latin typeface="Cambria Math" panose="02040503050406030204" pitchFamily="18" charset="0"/>
+                          </a:rPr>
+                          <m:t>𝑠</m:t>
+                        </m:r>
+                      </m:e>
+                      <m:sub>
+                        <m:r>
+                          <a:rPr lang="de-DE" i="1">
+                            <a:latin typeface="Cambria Math" panose="02040503050406030204" pitchFamily="18" charset="0"/>
+                          </a:rPr>
+                          <m:t>𝑝</m:t>
+                        </m:r>
+                      </m:sub>
+                    </m:sSub>
+                    <m:r>
+                      <a:rPr lang="de-DE" i="1">
+                        <a:latin typeface="Cambria Math" panose="02040503050406030204" pitchFamily="18" charset="0"/>
+                      </a:rPr>
+                      <m:t>)</m:t>
+                    </m:r>
+                    <m:r>
+                      <a:rPr lang="de-DE" b="0" i="1" smtClean="0">
+                        <a:latin typeface="Cambria Math" panose="02040503050406030204" pitchFamily="18" charset="0"/>
+                      </a:rPr>
+                      <m:t>&gt;</m:t>
+                    </m:r>
+                    <m:r>
+                      <a:rPr lang="de-DE" i="1">
+                        <a:latin typeface="Cambria Math" panose="02040503050406030204" pitchFamily="18" charset="0"/>
+                      </a:rPr>
+                      <m:t>0</m:t>
+                    </m:r>
+                  </m:oMath>
+                </a14:m>
+                <a:r>
+                  <a:rPr lang="de-DE" dirty="0"/>
+                  <a:t>: </a:t>
+                </a:r>
+                <a:r>
+                  <a:rPr lang="de-DE" dirty="0" err="1"/>
+                  <a:t>exponential</a:t>
+                </a:r>
+                <a:r>
+                  <a:rPr lang="de-DE" dirty="0"/>
+                  <a:t> </a:t>
+                </a:r>
+                <a:r>
+                  <a:rPr lang="de-DE" dirty="0" err="1"/>
+                  <a:t>growth</a:t>
+                </a:r>
+                <a:r>
+                  <a:rPr lang="de-DE" dirty="0"/>
+                  <a:t> </a:t>
+                </a:r>
+                <a:r>
+                  <a:rPr lang="de-DE" dirty="0">
+                    <a:sym typeface="Wingdings" pitchFamily="2" charset="2"/>
+                  </a:rPr>
+                  <a:t> </a:t>
+                </a:r>
+                <a:r>
+                  <a:rPr lang="de-DE" dirty="0" err="1">
+                    <a:sym typeface="Wingdings" pitchFamily="2" charset="2"/>
+                  </a:rPr>
+                  <a:t>instability</a:t>
+                </a:r>
+                <a:endParaRPr lang="de-DE" dirty="0"/>
+              </a:p>
+              <a:p>
+                <a:pPr marL="0" indent="0">
+                  <a:buNone/>
+                </a:pPr>
+                <a:r>
+                  <a:rPr lang="de-DE" dirty="0">
+                    <a:sym typeface="Wingdings" pitchFamily="2" charset="2"/>
+                  </a:rPr>
+                  <a:t> Single real pole: PT1</a:t>
+                </a:r>
+                <a:endParaRPr lang="de-DE" dirty="0"/>
+              </a:p>
+              <a:p>
+                <a:pPr marL="0" indent="0">
+                  <a:buNone/>
+                </a:pPr>
+                <a:endParaRPr lang="de-DE" dirty="0"/>
+              </a:p>
+              <a:p>
+                <a:pPr marL="0" indent="0">
+                  <a:buNone/>
+                </a:pPr>
+                <a:r>
+                  <a:rPr lang="de-DE" dirty="0" err="1"/>
+                  <a:t>If</a:t>
+                </a:r>
+                <a:r>
+                  <a:rPr lang="de-DE" dirty="0"/>
+                  <a:t> </a:t>
+                </a:r>
+                <a:r>
+                  <a:rPr lang="de-DE" dirty="0" err="1"/>
+                  <a:t>complex</a:t>
+                </a:r>
+                <a:r>
+                  <a:rPr lang="de-DE" dirty="0"/>
+                  <a:t>: (</a:t>
+                </a:r>
+                <a:r>
+                  <a:rPr lang="de-DE" dirty="0" err="1"/>
+                  <a:t>damped</a:t>
+                </a:r>
+                <a:r>
+                  <a:rPr lang="de-DE" dirty="0"/>
+                  <a:t>) </a:t>
+                </a:r>
+                <a:r>
+                  <a:rPr lang="de-DE" dirty="0" err="1"/>
+                  <a:t>oscillation</a:t>
+                </a:r>
+                <a:endParaRPr lang="de-DE" dirty="0"/>
+              </a:p>
+              <a:p>
+                <a:pPr marL="0" indent="0">
+                  <a:buNone/>
+                </a:pPr>
+                <a:endParaRPr lang="de-DE" dirty="0"/>
+              </a:p>
+              <a:p>
+                <a:pPr marL="0" indent="0">
+                  <a:buNone/>
+                </a:pPr>
+                <a:endParaRPr lang="de-DE" dirty="0"/>
+              </a:p>
+              <a:p>
+                <a:pPr marL="0" indent="0">
+                  <a:buNone/>
+                </a:pPr>
+                <a:r>
+                  <a:rPr lang="de-DE" dirty="0">
+                    <a:sym typeface="Wingdings" pitchFamily="2" charset="2"/>
+                  </a:rPr>
+                  <a:t> </a:t>
+                </a:r>
+                <a:r>
+                  <a:rPr lang="de-DE" dirty="0" err="1">
+                    <a:sym typeface="Wingdings" pitchFamily="2" charset="2"/>
+                  </a:rPr>
+                  <a:t>Two</a:t>
+                </a:r>
+                <a:r>
+                  <a:rPr lang="de-DE" dirty="0">
+                    <a:sym typeface="Wingdings" pitchFamily="2" charset="2"/>
+                  </a:rPr>
+                  <a:t> real </a:t>
+                </a:r>
+                <a:r>
+                  <a:rPr lang="de-DE" dirty="0" err="1">
+                    <a:sym typeface="Wingdings" pitchFamily="2" charset="2"/>
+                  </a:rPr>
+                  <a:t>poles</a:t>
+                </a:r>
+                <a:r>
+                  <a:rPr lang="de-DE" dirty="0">
+                    <a:sym typeface="Wingdings" pitchFamily="2" charset="2"/>
+                  </a:rPr>
+                  <a:t>: </a:t>
+                </a:r>
+                <a:r>
+                  <a:rPr lang="de-DE" dirty="0" err="1">
+                    <a:sym typeface="Wingdings" pitchFamily="2" charset="2"/>
+                  </a:rPr>
+                  <a:t>aperiodic</a:t>
+                </a:r>
+                <a:r>
+                  <a:rPr lang="de-DE" dirty="0">
+                    <a:sym typeface="Wingdings" pitchFamily="2" charset="2"/>
+                  </a:rPr>
+                  <a:t> PT2 (</a:t>
+                </a:r>
+                <a:r>
+                  <a:rPr lang="de-DE" dirty="0" err="1">
+                    <a:sym typeface="Wingdings" pitchFamily="2" charset="2"/>
+                  </a:rPr>
+                  <a:t>sum</a:t>
+                </a:r>
+                <a:r>
+                  <a:rPr lang="de-DE" dirty="0">
+                    <a:sym typeface="Wingdings" pitchFamily="2" charset="2"/>
+                  </a:rPr>
+                  <a:t> </a:t>
+                </a:r>
+                <a:r>
+                  <a:rPr lang="de-DE" dirty="0" err="1">
+                    <a:sym typeface="Wingdings" pitchFamily="2" charset="2"/>
+                  </a:rPr>
+                  <a:t>of</a:t>
+                </a:r>
+                <a:r>
+                  <a:rPr lang="de-DE" dirty="0">
+                    <a:sym typeface="Wingdings" pitchFamily="2" charset="2"/>
+                  </a:rPr>
+                  <a:t> </a:t>
+                </a:r>
+                <a:r>
+                  <a:rPr lang="de-DE" dirty="0" err="1">
+                    <a:sym typeface="Wingdings" pitchFamily="2" charset="2"/>
+                  </a:rPr>
+                  <a:t>two</a:t>
+                </a:r>
+                <a:r>
+                  <a:rPr lang="de-DE" dirty="0">
+                    <a:sym typeface="Wingdings" pitchFamily="2" charset="2"/>
+                  </a:rPr>
+                  <a:t> </a:t>
+                </a:r>
+                <a:r>
+                  <a:rPr lang="de-DE" dirty="0" err="1">
+                    <a:sym typeface="Wingdings" pitchFamily="2" charset="2"/>
+                  </a:rPr>
+                  <a:t>exponential</a:t>
+                </a:r>
+                <a:r>
+                  <a:rPr lang="de-DE" dirty="0">
+                    <a:sym typeface="Wingdings" pitchFamily="2" charset="2"/>
+                  </a:rPr>
+                  <a:t> </a:t>
+                </a:r>
+                <a:r>
+                  <a:rPr lang="de-DE" dirty="0" err="1">
+                    <a:sym typeface="Wingdings" pitchFamily="2" charset="2"/>
+                  </a:rPr>
+                  <a:t>terms</a:t>
+                </a:r>
+                <a:r>
+                  <a:rPr lang="de-DE" dirty="0">
+                    <a:sym typeface="Wingdings" pitchFamily="2" charset="2"/>
+                  </a:rPr>
+                  <a:t>)</a:t>
+                </a:r>
+              </a:p>
+              <a:p>
+                <a:pPr marL="0" indent="0">
+                  <a:buNone/>
+                </a:pPr>
+                <a:r>
+                  <a:rPr lang="de-DE" dirty="0">
+                    <a:sym typeface="Wingdings" pitchFamily="2" charset="2"/>
+                  </a:rPr>
+                  <a:t> </a:t>
+                </a:r>
+                <a:r>
+                  <a:rPr lang="de-DE" dirty="0" err="1">
+                    <a:sym typeface="Wingdings" pitchFamily="2" charset="2"/>
+                  </a:rPr>
+                  <a:t>Conjugate</a:t>
+                </a:r>
+                <a:r>
+                  <a:rPr lang="de-DE" dirty="0">
+                    <a:sym typeface="Wingdings" pitchFamily="2" charset="2"/>
+                  </a:rPr>
+                  <a:t> pole pair: </a:t>
+                </a:r>
+                <a:r>
+                  <a:rPr lang="de-DE" dirty="0" err="1">
+                    <a:sym typeface="Wingdings" pitchFamily="2" charset="2"/>
+                  </a:rPr>
+                  <a:t>oscillating</a:t>
+                </a:r>
+                <a:r>
+                  <a:rPr lang="de-DE" dirty="0">
+                    <a:sym typeface="Wingdings" pitchFamily="2" charset="2"/>
+                  </a:rPr>
+                  <a:t> PT2</a:t>
+                </a:r>
+                <a:endParaRPr lang="de-DE" dirty="0"/>
+              </a:p>
+            </p:txBody>
+          </p:sp>
+        </mc:Choice>
+        <mc:Fallback>
+          <p:sp>
+            <p:nvSpPr>
+              <p:cNvPr id="3" name="Inhaltsplatzhalter 2">
+                <a:extLst>
+                  <a:ext uri="{FF2B5EF4-FFF2-40B4-BE49-F238E27FC236}">
+                    <a16:creationId xmlns:a16="http://schemas.microsoft.com/office/drawing/2014/main" id="{4E65B0AF-C18E-51FA-36D7-9E446827542B}"/>
+                  </a:ext>
+                </a:extLst>
+              </p:cNvPr>
+              <p:cNvSpPr>
+                <a:spLocks noGrp="1" noRot="1" noChangeAspect="1" noMove="1" noResize="1" noEditPoints="1" noAdjustHandles="1" noChangeArrowheads="1" noChangeShapeType="1" noTextEdit="1"/>
+              </p:cNvSpPr>
+              <p:nvPr>
+                <p:ph idx="1"/>
+              </p:nvPr>
+            </p:nvSpPr>
+            <p:spPr>
+              <a:blipFill>
+                <a:blip r:embed="rId2"/>
+                <a:stretch>
+                  <a:fillRect l="-1086" t="-3488"/>
+                </a:stretch>
+              </a:blipFill>
+            </p:spPr>
+            <p:txBody>
+              <a:bodyPr/>
+              <a:lstStyle/>
+              <a:p>
+                <a:r>
+                  <a:rPr lang="de-DE">
+                    <a:noFill/>
+                  </a:rPr>
+                  <a:t> </a:t>
+                </a:r>
+              </a:p>
+            </p:txBody>
+          </p:sp>
+        </mc:Fallback>
+      </mc:AlternateContent>
       <p:sp>
         <p:nvSpPr>
           <p:cNvPr id="4" name="Foliennummernplatzhalter 3">
             <a:extLst>
               <a:ext uri="{FF2B5EF4-FFF2-40B4-BE49-F238E27FC236}">
-                <a16:creationId xmlns:a16="http://schemas.microsoft.com/office/drawing/2014/main" id="{BA52AD4E-490B-D750-116D-ECF160E17F81}"/>
+                <a16:creationId xmlns:a16="http://schemas.microsoft.com/office/drawing/2014/main" id="{FE80A277-EABA-D25C-37DF-1CE92DC9B2F0}"/>
               </a:ext>
             </a:extLst>
           </p:cNvPr>
@@ -5460,10 +6266,308 @@
           </a:p>
         </p:txBody>
       </p:sp>
+      <mc:AlternateContent xmlns:mc="http://schemas.openxmlformats.org/markup-compatibility/2006" xmlns:a14="http://schemas.microsoft.com/office/drawing/2010/main">
+        <mc:Choice Requires="a14">
+          <p:sp>
+            <p:nvSpPr>
+              <p:cNvPr id="5" name="Textfeld 4">
+                <a:extLst>
+                  <a:ext uri="{FF2B5EF4-FFF2-40B4-BE49-F238E27FC236}">
+                    <a16:creationId xmlns:a16="http://schemas.microsoft.com/office/drawing/2014/main" id="{D1C34838-0C4B-EE78-789F-FC094D2A34A6}"/>
+                  </a:ext>
+                </a:extLst>
+              </p:cNvPr>
+              <p:cNvSpPr txBox="1"/>
+              <p:nvPr/>
+            </p:nvSpPr>
+            <p:spPr>
+              <a:xfrm>
+                <a:off x="2760953" y="4313878"/>
+                <a:ext cx="2059622" cy="523348"/>
+              </a:xfrm>
+              <a:prstGeom prst="rect">
+                <a:avLst/>
+              </a:prstGeom>
+              <a:noFill/>
+            </p:spPr>
+            <p:txBody>
+              <a:bodyPr wrap="square">
+                <a:spAutoFit/>
+              </a:bodyPr>
+              <a:lstStyle/>
+              <a:p>
+                <a:pPr/>
+                <a14:m>
+                  <m:oMathPara xmlns:m="http://schemas.openxmlformats.org/officeDocument/2006/math">
+                    <m:oMathParaPr>
+                      <m:jc m:val="centerGroup"/>
+                    </m:oMathParaPr>
+                    <m:oMath xmlns:m="http://schemas.openxmlformats.org/officeDocument/2006/math">
+                      <m:sSub>
+                        <m:sSubPr>
+                          <m:ctrlPr>
+                            <a:rPr lang="de-DE" sz="2600" i="1">
+                              <a:latin typeface="Cambria Math" panose="02040503050406030204" pitchFamily="18" charset="0"/>
+                            </a:rPr>
+                          </m:ctrlPr>
+                        </m:sSubPr>
+                        <m:e>
+                          <m:r>
+                            <a:rPr lang="de-DE" sz="2600" i="1">
+                              <a:latin typeface="Cambria Math" panose="02040503050406030204" pitchFamily="18" charset="0"/>
+                            </a:rPr>
+                            <m:t>𝑠</m:t>
+                          </m:r>
+                        </m:e>
+                        <m:sub>
+                          <m:r>
+                            <a:rPr lang="de-DE" sz="2600" i="1">
+                              <a:latin typeface="Cambria Math" panose="02040503050406030204" pitchFamily="18" charset="0"/>
+                            </a:rPr>
+                            <m:t>𝑝</m:t>
+                          </m:r>
+                        </m:sub>
+                      </m:sSub>
+                      <m:r>
+                        <a:rPr lang="de-DE" sz="2600" i="1" smtClean="0">
+                          <a:latin typeface="Cambria Math" panose="02040503050406030204" pitchFamily="18" charset="0"/>
+                        </a:rPr>
+                        <m:t>=</m:t>
+                      </m:r>
+                      <m:r>
+                        <a:rPr lang="de-DE" sz="2600" i="1">
+                          <a:latin typeface="Cambria Math" panose="02040503050406030204" pitchFamily="18" charset="0"/>
+                          <a:ea typeface="Cambria Math" panose="02040503050406030204" pitchFamily="18" charset="0"/>
+                        </a:rPr>
+                        <m:t>𝜎</m:t>
+                      </m:r>
+                      <m:r>
+                        <a:rPr lang="de-DE" sz="2600" i="1">
+                          <a:latin typeface="Cambria Math" panose="02040503050406030204" pitchFamily="18" charset="0"/>
+                          <a:ea typeface="Cambria Math" panose="02040503050406030204" pitchFamily="18" charset="0"/>
+                        </a:rPr>
+                        <m:t>+</m:t>
+                      </m:r>
+                      <m:r>
+                        <a:rPr lang="de-DE" sz="2600" i="1">
+                          <a:latin typeface="Cambria Math" panose="02040503050406030204" pitchFamily="18" charset="0"/>
+                          <a:ea typeface="Cambria Math" panose="02040503050406030204" pitchFamily="18" charset="0"/>
+                        </a:rPr>
+                        <m:t>𝑗</m:t>
+                      </m:r>
+                      <m:r>
+                        <a:rPr lang="de-DE" sz="2600" i="1">
+                          <a:latin typeface="Cambria Math" panose="02040503050406030204" pitchFamily="18" charset="0"/>
+                          <a:ea typeface="Cambria Math" panose="02040503050406030204" pitchFamily="18" charset="0"/>
+                        </a:rPr>
+                        <m:t>𝜔</m:t>
+                      </m:r>
+                    </m:oMath>
+                  </m:oMathPara>
+                </a14:m>
+                <a:endParaRPr lang="de-DE" sz="2600" dirty="0"/>
+              </a:p>
+            </p:txBody>
+          </p:sp>
+        </mc:Choice>
+        <mc:Fallback xmlns="">
+          <p:sp>
+            <p:nvSpPr>
+              <p:cNvPr id="5" name="Textfeld 4">
+                <a:extLst>
+                  <a:ext uri="{FF2B5EF4-FFF2-40B4-BE49-F238E27FC236}">
+                    <a16:creationId xmlns:a16="http://schemas.microsoft.com/office/drawing/2014/main" id="{D1C34838-0C4B-EE78-789F-FC094D2A34A6}"/>
+                  </a:ext>
+                </a:extLst>
+              </p:cNvPr>
+              <p:cNvSpPr txBox="1">
+                <a:spLocks noRot="1" noChangeAspect="1" noMove="1" noResize="1" noEditPoints="1" noAdjustHandles="1" noChangeArrowheads="1" noChangeShapeType="1" noTextEdit="1"/>
+              </p:cNvSpPr>
+              <p:nvPr/>
+            </p:nvSpPr>
+            <p:spPr>
+              <a:xfrm>
+                <a:off x="2760953" y="4313878"/>
+                <a:ext cx="2059622" cy="523348"/>
+              </a:xfrm>
+              <a:prstGeom prst="rect">
+                <a:avLst/>
+              </a:prstGeom>
+              <a:blipFill>
+                <a:blip r:embed="rId3"/>
+                <a:stretch>
+                  <a:fillRect b="-9302"/>
+                </a:stretch>
+              </a:blipFill>
+            </p:spPr>
+            <p:txBody>
+              <a:bodyPr/>
+              <a:lstStyle/>
+              <a:p>
+                <a:r>
+                  <a:rPr lang="de-DE">
+                    <a:noFill/>
+                  </a:rPr>
+                  <a:t> </a:t>
+                </a:r>
+              </a:p>
+            </p:txBody>
+          </p:sp>
+        </mc:Fallback>
+      </mc:AlternateContent>
+      <p:cxnSp>
+        <p:nvCxnSpPr>
+          <p:cNvPr id="6" name="Gerade Verbindung mit Pfeil 5">
+            <a:extLst>
+              <a:ext uri="{FF2B5EF4-FFF2-40B4-BE49-F238E27FC236}">
+                <a16:creationId xmlns:a16="http://schemas.microsoft.com/office/drawing/2014/main" id="{B6CE1D18-FDED-9E60-C451-0F5CBA67C7A2}"/>
+              </a:ext>
+            </a:extLst>
+          </p:cNvPr>
+          <p:cNvCxnSpPr>
+            <a:cxnSpLocks/>
+          </p:cNvCxnSpPr>
+          <p:nvPr/>
+        </p:nvCxnSpPr>
+        <p:spPr>
+          <a:xfrm>
+            <a:off x="3462287" y="4185152"/>
+            <a:ext cx="230819" cy="310720"/>
+          </a:xfrm>
+          <a:prstGeom prst="straightConnector1">
+            <a:avLst/>
+          </a:prstGeom>
+          <a:ln>
+            <a:tailEnd type="triangle"/>
+          </a:ln>
+        </p:spPr>
+        <p:style>
+          <a:lnRef idx="2">
+            <a:schemeClr val="accent1"/>
+          </a:lnRef>
+          <a:fillRef idx="0">
+            <a:schemeClr val="accent1"/>
+          </a:fillRef>
+          <a:effectRef idx="1">
+            <a:schemeClr val="accent1"/>
+          </a:effectRef>
+          <a:fontRef idx="minor">
+            <a:schemeClr val="tx1"/>
+          </a:fontRef>
+        </p:style>
+      </p:cxnSp>
+      <p:cxnSp>
+        <p:nvCxnSpPr>
+          <p:cNvPr id="7" name="Gerade Verbindung mit Pfeil 6">
+            <a:extLst>
+              <a:ext uri="{FF2B5EF4-FFF2-40B4-BE49-F238E27FC236}">
+                <a16:creationId xmlns:a16="http://schemas.microsoft.com/office/drawing/2014/main" id="{19073C81-2635-6669-91BA-470FD3850C9F}"/>
+              </a:ext>
+            </a:extLst>
+          </p:cNvPr>
+          <p:cNvCxnSpPr>
+            <a:cxnSpLocks/>
+          </p:cNvCxnSpPr>
+          <p:nvPr/>
+        </p:nvCxnSpPr>
+        <p:spPr>
+          <a:xfrm flipH="1">
+            <a:off x="4509857" y="4178941"/>
+            <a:ext cx="190131" cy="310720"/>
+          </a:xfrm>
+          <a:prstGeom prst="straightConnector1">
+            <a:avLst/>
+          </a:prstGeom>
+          <a:ln>
+            <a:tailEnd type="triangle"/>
+          </a:ln>
+        </p:spPr>
+        <p:style>
+          <a:lnRef idx="2">
+            <a:schemeClr val="accent1"/>
+          </a:lnRef>
+          <a:fillRef idx="0">
+            <a:schemeClr val="accent1"/>
+          </a:fillRef>
+          <a:effectRef idx="1">
+            <a:schemeClr val="accent1"/>
+          </a:effectRef>
+          <a:fontRef idx="minor">
+            <a:schemeClr val="tx1"/>
+          </a:fontRef>
+        </p:style>
+      </p:cxnSp>
+      <p:sp>
+        <p:nvSpPr>
+          <p:cNvPr id="12" name="Textfeld 11">
+            <a:extLst>
+              <a:ext uri="{FF2B5EF4-FFF2-40B4-BE49-F238E27FC236}">
+                <a16:creationId xmlns:a16="http://schemas.microsoft.com/office/drawing/2014/main" id="{CF580F19-875F-D665-7ADB-17773E0F3910}"/>
+              </a:ext>
+            </a:extLst>
+          </p:cNvPr>
+          <p:cNvSpPr txBox="1"/>
+          <p:nvPr/>
+        </p:nvSpPr>
+        <p:spPr>
+          <a:xfrm>
+            <a:off x="9982200" y="1027906"/>
+            <a:ext cx="1622880" cy="646331"/>
+          </a:xfrm>
+          <a:prstGeom prst="rect">
+            <a:avLst/>
+          </a:prstGeom>
+          <a:noFill/>
+          <a:ln>
+            <a:solidFill>
+              <a:schemeClr val="tx1"/>
+            </a:solidFill>
+          </a:ln>
+        </p:spPr>
+        <p:txBody>
+          <a:bodyPr wrap="none" rtlCol="0">
+            <a:spAutoFit/>
+          </a:bodyPr>
+          <a:lstStyle/>
+          <a:p>
+            <a:r>
+              <a:rPr lang="de-DE" dirty="0"/>
+              <a:t>PT1: </a:t>
+            </a:r>
+            <a:r>
+              <a:rPr lang="de-DE" dirty="0" err="1"/>
+              <a:t>one</a:t>
+            </a:r>
+            <a:r>
+              <a:rPr lang="de-DE" dirty="0"/>
+              <a:t> pole</a:t>
+            </a:r>
+          </a:p>
+          <a:p>
+            <a:r>
+              <a:rPr lang="de-DE" dirty="0"/>
+              <a:t>PT2: </a:t>
+            </a:r>
+            <a:r>
+              <a:rPr lang="de-DE" dirty="0" err="1"/>
+              <a:t>two</a:t>
+            </a:r>
+            <a:r>
+              <a:rPr lang="de-DE" dirty="0"/>
+              <a:t> </a:t>
+            </a:r>
+            <a:r>
+              <a:rPr lang="de-DE" dirty="0" err="1"/>
+              <a:t>poles</a:t>
+            </a:r>
+            <a:endParaRPr lang="de-DE" dirty="0"/>
+          </a:p>
+        </p:txBody>
+      </p:sp>
     </p:spTree>
     <p:extLst>
       <p:ext uri="{BB962C8B-B14F-4D97-AF65-F5344CB8AC3E}">
-        <p14:creationId xmlns:p14="http://schemas.microsoft.com/office/powerpoint/2010/main" val="2140000421"/>
+        <p14:creationId xmlns:p14="http://schemas.microsoft.com/office/powerpoint/2010/main" val="3803669674"/>
       </p:ext>
     </p:extLst>
   </p:cSld>
@@ -5495,7 +6599,7 @@
           <p:cNvPr id="2" name="Titel 1">
             <a:extLst>
               <a:ext uri="{FF2B5EF4-FFF2-40B4-BE49-F238E27FC236}">
-                <a16:creationId xmlns:a16="http://schemas.microsoft.com/office/drawing/2014/main" id="{63C4C06E-59FD-3088-8E14-3B7D79665C84}"/>
+                <a16:creationId xmlns:a16="http://schemas.microsoft.com/office/drawing/2014/main" id="{B66F9A38-8992-E7C7-CEBD-AC1A098C1A2C}"/>
               </a:ext>
             </a:extLst>
           </p:cNvPr>
@@ -5513,11 +6617,54 @@
           <a:p>
             <a:r>
               <a:rPr lang="de-DE" dirty="0"/>
-              <a:t>Zeros and System </a:t>
-            </a:r>
-            <a:r>
-              <a:rPr lang="de-DE" dirty="0" err="1"/>
-              <a:t>Behavior</a:t>
+              <a:t>Pole Location</a:t>
+            </a:r>
+          </a:p>
+        </p:txBody>
+      </p:sp>
+      <p:sp>
+        <p:nvSpPr>
+          <p:cNvPr id="3" name="Inhaltsplatzhalter 2">
+            <a:extLst>
+              <a:ext uri="{FF2B5EF4-FFF2-40B4-BE49-F238E27FC236}">
+                <a16:creationId xmlns:a16="http://schemas.microsoft.com/office/drawing/2014/main" id="{C62C7A46-3151-BCA2-732D-A5FE2D3F7889}"/>
+              </a:ext>
+            </a:extLst>
+          </p:cNvPr>
+          <p:cNvSpPr>
+            <a:spLocks noGrp="1"/>
+          </p:cNvSpPr>
+          <p:nvPr>
+            <p:ph idx="1"/>
+          </p:nvPr>
+        </p:nvSpPr>
+        <p:spPr/>
+        <p:txBody>
+          <a:bodyPr/>
+          <a:lstStyle/>
+          <a:p>
+            <a:pPr marL="0" indent="0">
+              <a:buNone/>
+            </a:pPr>
+            <a:r>
+              <a:rPr lang="de-DE" dirty="0" err="1"/>
+              <a:t>Determines</a:t>
+            </a:r>
+            <a:r>
+              <a:rPr lang="de-DE" dirty="0"/>
+              <a:t> </a:t>
+            </a:r>
+            <a:r>
+              <a:rPr lang="de-DE" dirty="0" err="1"/>
+              <a:t>speed</a:t>
+            </a:r>
+            <a:r>
+              <a:rPr lang="de-DE" dirty="0"/>
+              <a:t> and </a:t>
+            </a:r>
+            <a:r>
+              <a:rPr lang="de-DE" dirty="0" err="1"/>
+              <a:t>damping</a:t>
             </a:r>
             <a:endParaRPr lang="de-DE" dirty="0"/>
           </a:p>
@@ -5525,105 +6672,10 @@
       </p:sp>
       <p:sp>
         <p:nvSpPr>
-          <p:cNvPr id="3" name="Inhaltsplatzhalter 2">
-            <a:extLst>
-              <a:ext uri="{FF2B5EF4-FFF2-40B4-BE49-F238E27FC236}">
-                <a16:creationId xmlns:a16="http://schemas.microsoft.com/office/drawing/2014/main" id="{9FCE55A7-A3B8-3043-2947-3314D566EC9A}"/>
-              </a:ext>
-            </a:extLst>
-          </p:cNvPr>
-          <p:cNvSpPr>
-            <a:spLocks noGrp="1"/>
-          </p:cNvSpPr>
-          <p:nvPr>
-            <p:ph idx="1"/>
-          </p:nvPr>
-        </p:nvSpPr>
-        <p:spPr/>
-        <p:txBody>
-          <a:bodyPr/>
-          <a:lstStyle/>
-          <a:p>
-            <a:r>
-              <a:rPr lang="de-DE" dirty="0"/>
-              <a:t>Shape transient </a:t>
-            </a:r>
-            <a:r>
-              <a:rPr lang="de-DE" dirty="0" err="1"/>
-              <a:t>response</a:t>
-            </a:r>
-            <a:endParaRPr lang="de-DE" dirty="0"/>
-          </a:p>
-          <a:p>
-            <a:r>
-              <a:rPr lang="de-DE" dirty="0"/>
-              <a:t>Can </a:t>
-            </a:r>
-            <a:r>
-              <a:rPr lang="de-DE" dirty="0" err="1"/>
-              <a:t>cause</a:t>
-            </a:r>
-            <a:r>
-              <a:rPr lang="de-DE" dirty="0"/>
-              <a:t> </a:t>
-            </a:r>
-            <a:r>
-              <a:rPr lang="de-DE" dirty="0" err="1"/>
-              <a:t>overshoot</a:t>
-            </a:r>
-            <a:r>
-              <a:rPr lang="de-DE" dirty="0"/>
-              <a:t> </a:t>
-            </a:r>
-            <a:r>
-              <a:rPr lang="de-DE" dirty="0" err="1"/>
-              <a:t>or</a:t>
-            </a:r>
-            <a:r>
-              <a:rPr lang="de-DE" dirty="0"/>
-              <a:t> inverse </a:t>
-            </a:r>
-            <a:r>
-              <a:rPr lang="de-DE" dirty="0" err="1"/>
-              <a:t>response</a:t>
-            </a:r>
-            <a:endParaRPr lang="de-DE" dirty="0"/>
-          </a:p>
-          <a:p>
-            <a:r>
-              <a:rPr lang="de-DE" dirty="0"/>
-              <a:t>Do not </a:t>
-            </a:r>
-            <a:r>
-              <a:rPr lang="de-DE" dirty="0" err="1"/>
-              <a:t>determine</a:t>
-            </a:r>
-            <a:r>
-              <a:rPr lang="de-DE" dirty="0"/>
-              <a:t> </a:t>
-            </a:r>
-            <a:r>
-              <a:rPr lang="de-DE" dirty="0" err="1"/>
-              <a:t>stability</a:t>
-            </a:r>
-            <a:r>
-              <a:rPr lang="de-DE" dirty="0"/>
-              <a:t> </a:t>
-            </a:r>
-            <a:r>
-              <a:rPr lang="de-DE" dirty="0" err="1"/>
-              <a:t>alone</a:t>
-            </a:r>
-            <a:endParaRPr lang="de-DE" dirty="0"/>
-          </a:p>
-        </p:txBody>
-      </p:sp>
-      <p:sp>
-        <p:nvSpPr>
           <p:cNvPr id="4" name="Foliennummernplatzhalter 3">
             <a:extLst>
               <a:ext uri="{FF2B5EF4-FFF2-40B4-BE49-F238E27FC236}">
-                <a16:creationId xmlns:a16="http://schemas.microsoft.com/office/drawing/2014/main" id="{E706D874-03D9-75B3-E36C-7CB33B4A8CE1}"/>
+                <a16:creationId xmlns:a16="http://schemas.microsoft.com/office/drawing/2014/main" id="{DAAA6DAE-C973-9649-A3CB-300E719F60ED}"/>
               </a:ext>
             </a:extLst>
           </p:cNvPr>
@@ -5650,7 +6702,7 @@
     </p:spTree>
     <p:extLst>
       <p:ext uri="{BB962C8B-B14F-4D97-AF65-F5344CB8AC3E}">
-        <p14:creationId xmlns:p14="http://schemas.microsoft.com/office/powerpoint/2010/main" val="3352602852"/>
+        <p14:creationId xmlns:p14="http://schemas.microsoft.com/office/powerpoint/2010/main" val="2051008682"/>
       </p:ext>
     </p:extLst>
   </p:cSld>
@@ -5682,7 +6734,7 @@
           <p:cNvPr id="2" name="Titel 1">
             <a:extLst>
               <a:ext uri="{FF2B5EF4-FFF2-40B4-BE49-F238E27FC236}">
-                <a16:creationId xmlns:a16="http://schemas.microsoft.com/office/drawing/2014/main" id="{B5DFCC16-0D2B-21AE-232A-0DDA543647C4}"/>
+                <a16:creationId xmlns:a16="http://schemas.microsoft.com/office/drawing/2014/main" id="{FA400246-61A5-767F-909C-8A5B4C446DD2}"/>
               </a:ext>
             </a:extLst>
           </p:cNvPr>
@@ -5699,49 +6751,119 @@
           <a:lstStyle/>
           <a:p>
             <a:r>
-              <a:rPr lang="de-DE" dirty="0" err="1"/>
-              <a:t>Resonance</a:t>
+              <a:rPr lang="de-DE" dirty="0"/>
+              <a:t>Interpretation </a:t>
+            </a:r>
+            <a:r>
+              <a:rPr lang="de-DE" dirty="0" err="1"/>
+              <a:t>of</a:t>
+            </a:r>
+            <a:r>
+              <a:rPr lang="de-DE" dirty="0"/>
+              <a:t> Zeros</a:t>
+            </a:r>
+          </a:p>
+        </p:txBody>
+      </p:sp>
+      <p:sp>
+        <p:nvSpPr>
+          <p:cNvPr id="3" name="Inhaltsplatzhalter 2">
+            <a:extLst>
+              <a:ext uri="{FF2B5EF4-FFF2-40B4-BE49-F238E27FC236}">
+                <a16:creationId xmlns:a16="http://schemas.microsoft.com/office/drawing/2014/main" id="{FDEECDF6-3FEB-A177-D7A8-7BB02317806C}"/>
+              </a:ext>
+            </a:extLst>
+          </p:cNvPr>
+          <p:cNvSpPr>
+            <a:spLocks noGrp="1"/>
+          </p:cNvSpPr>
+          <p:nvPr>
+            <p:ph idx="1"/>
+          </p:nvPr>
+        </p:nvSpPr>
+        <p:spPr/>
+        <p:txBody>
+          <a:bodyPr>
+            <a:normAutofit/>
+          </a:bodyPr>
+          <a:lstStyle/>
+          <a:p>
+            <a:pPr marL="0" indent="0">
+              <a:buNone/>
+            </a:pPr>
+            <a:r>
+              <a:rPr lang="de-DE" dirty="0"/>
+              <a:t>More </a:t>
+            </a:r>
+            <a:r>
+              <a:rPr lang="de-DE" dirty="0" err="1"/>
+              <a:t>zeros</a:t>
+            </a:r>
+            <a:r>
+              <a:rPr lang="de-DE" dirty="0"/>
+              <a:t> </a:t>
+            </a:r>
+            <a:r>
+              <a:rPr lang="de-DE" dirty="0" err="1"/>
+              <a:t>mean</a:t>
             </a:r>
             <a:endParaRPr lang="de-DE" dirty="0"/>
           </a:p>
-        </p:txBody>
-      </p:sp>
-      <p:sp>
-        <p:nvSpPr>
-          <p:cNvPr id="3" name="Inhaltsplatzhalter 2">
-            <a:extLst>
-              <a:ext uri="{FF2B5EF4-FFF2-40B4-BE49-F238E27FC236}">
-                <a16:creationId xmlns:a16="http://schemas.microsoft.com/office/drawing/2014/main" id="{39744DD0-77F3-3905-9B5D-BBD65695955C}"/>
-              </a:ext>
-            </a:extLst>
-          </p:cNvPr>
-          <p:cNvSpPr>
-            <a:spLocks noGrp="1"/>
-          </p:cNvSpPr>
-          <p:nvPr>
-            <p:ph idx="1"/>
-          </p:nvPr>
-        </p:nvSpPr>
-        <p:spPr/>
-        <p:txBody>
-          <a:bodyPr/>
-          <a:lstStyle/>
-          <a:p>
-            <a:r>
-              <a:rPr lang="de-DE" dirty="0"/>
-              <a:t>Large </a:t>
+          <a:p>
+            <a:r>
+              <a:rPr lang="de-DE" dirty="0" err="1"/>
+              <a:t>stronger</a:t>
+            </a:r>
+            <a:r>
+              <a:rPr lang="de-DE" dirty="0"/>
+              <a:t> </a:t>
+            </a:r>
+            <a:r>
+              <a:rPr lang="de-DE" dirty="0" err="1"/>
+              <a:t>shaping</a:t>
+            </a:r>
+            <a:r>
+              <a:rPr lang="de-DE" dirty="0"/>
+              <a:t> </a:t>
+            </a:r>
+            <a:r>
+              <a:rPr lang="de-DE" dirty="0" err="1"/>
+              <a:t>of</a:t>
+            </a:r>
+            <a:r>
+              <a:rPr lang="de-DE" dirty="0"/>
+              <a:t> </a:t>
+            </a:r>
+            <a:r>
+              <a:rPr lang="de-DE" dirty="0" err="1"/>
+              <a:t>the</a:t>
+            </a:r>
+            <a:r>
+              <a:rPr lang="de-DE" dirty="0"/>
+              <a:t> </a:t>
+            </a:r>
+            <a:r>
+              <a:rPr lang="de-DE" dirty="0" err="1"/>
+              <a:t>input</a:t>
+            </a:r>
+            <a:r>
+              <a:rPr lang="de-DE" dirty="0"/>
+              <a:t> </a:t>
             </a:r>
             <a:r>
               <a:rPr lang="de-DE" dirty="0" err="1"/>
               <a:t>response</a:t>
             </a:r>
-            <a:r>
-              <a:rPr lang="de-DE" dirty="0"/>
-              <a:t> at </a:t>
-            </a:r>
-            <a:r>
-              <a:rPr lang="de-DE" dirty="0" err="1"/>
-              <a:t>certain</a:t>
+            <a:endParaRPr lang="de-DE" dirty="0"/>
+          </a:p>
+          <a:p>
+            <a:r>
+              <a:rPr lang="de-DE" dirty="0"/>
+              <a:t>high-</a:t>
+            </a:r>
+            <a:r>
+              <a:rPr lang="de-DE" dirty="0" err="1"/>
+              <a:t>frequency</a:t>
             </a:r>
             <a:r>
               <a:rPr lang="de-DE" dirty="0"/>
@@ -5749,14 +6871,39 @@
             </a:r>
             <a:r>
               <a:rPr lang="de-DE" dirty="0" err="1"/>
-              <a:t>frequencies</a:t>
+              <a:t>gain</a:t>
+            </a:r>
+            <a:r>
+              <a:rPr lang="de-DE" dirty="0"/>
+              <a:t> </a:t>
+            </a:r>
+            <a:r>
+              <a:rPr lang="de-DE" dirty="0" err="1"/>
+              <a:t>increases</a:t>
             </a:r>
             <a:endParaRPr lang="de-DE" dirty="0"/>
           </a:p>
           <a:p>
-            <a:r>
-              <a:rPr lang="de-DE" dirty="0" err="1"/>
-              <a:t>Related</a:t>
+            <a:pPr marL="0" indent="0">
+              <a:buNone/>
+            </a:pPr>
+            <a:endParaRPr lang="de-DE" dirty="0"/>
+          </a:p>
+          <a:p>
+            <a:pPr marL="0" indent="0">
+              <a:buNone/>
+            </a:pPr>
+            <a:r>
+              <a:rPr lang="de-DE" dirty="0" err="1"/>
+              <a:t>If</a:t>
+            </a:r>
+            <a:r>
+              <a:rPr lang="de-DE" dirty="0"/>
+              <a:t> real: </a:t>
+            </a:r>
+            <a:r>
+              <a:rPr lang="de-DE" dirty="0" err="1"/>
+              <a:t>affect</a:t>
             </a:r>
             <a:r>
               <a:rPr lang="de-DE" dirty="0"/>
@@ -5764,7 +6911,31 @@
             </a:r>
             <a:r>
               <a:rPr lang="de-DE" dirty="0" err="1"/>
-              <a:t>to</a:t>
+              <a:t>slope</a:t>
+            </a:r>
+            <a:r>
+              <a:rPr lang="de-DE" dirty="0"/>
+              <a:t> and initial </a:t>
+            </a:r>
+            <a:r>
+              <a:rPr lang="de-DE" dirty="0" err="1"/>
+              <a:t>behavior</a:t>
+            </a:r>
+            <a:endParaRPr lang="de-DE" dirty="0"/>
+          </a:p>
+          <a:p>
+            <a:pPr marL="0" indent="0">
+              <a:buNone/>
+            </a:pPr>
+            <a:endParaRPr lang="de-DE" dirty="0"/>
+          </a:p>
+          <a:p>
+            <a:pPr marL="0" indent="0">
+              <a:buNone/>
+            </a:pPr>
+            <a:r>
+              <a:rPr lang="de-DE" dirty="0" err="1"/>
+              <a:t>If</a:t>
             </a:r>
             <a:r>
               <a:rPr lang="de-DE" dirty="0"/>
@@ -5772,7 +6943,15 @@
             </a:r>
             <a:r>
               <a:rPr lang="de-DE" dirty="0" err="1"/>
-              <a:t>lightly</a:t>
+              <a:t>complex</a:t>
+            </a:r>
+            <a:r>
+              <a:rPr lang="de-DE" dirty="0"/>
+              <a:t>: </a:t>
+            </a:r>
+            <a:r>
+              <a:rPr lang="de-DE" dirty="0" err="1"/>
+              <a:t>affect</a:t>
             </a:r>
             <a:r>
               <a:rPr lang="de-DE" dirty="0"/>
@@ -5780,7 +6959,15 @@
             </a:r>
             <a:r>
               <a:rPr lang="de-DE" dirty="0" err="1"/>
-              <a:t>damped</a:t>
+              <a:t>phase</a:t>
+            </a:r>
+            <a:r>
+              <a:rPr lang="de-DE" dirty="0"/>
+              <a:t> and </a:t>
+            </a:r>
+            <a:r>
+              <a:rPr lang="de-DE" dirty="0" err="1"/>
+              <a:t>shape</a:t>
             </a:r>
             <a:r>
               <a:rPr lang="de-DE" dirty="0"/>
@@ -5788,33 +6975,26 @@
             </a:r>
             <a:r>
               <a:rPr lang="de-DE" dirty="0" err="1"/>
-              <a:t>poles</a:t>
+              <a:t>of</a:t>
+            </a:r>
+            <a:r>
+              <a:rPr lang="de-DE" dirty="0"/>
+              <a:t> </a:t>
+            </a:r>
+            <a:r>
+              <a:rPr lang="de-DE" dirty="0" err="1"/>
+              <a:t>the</a:t>
+            </a:r>
+            <a:r>
+              <a:rPr lang="de-DE" dirty="0"/>
+              <a:t> transient </a:t>
+            </a:r>
+            <a:r>
+              <a:rPr lang="de-DE" dirty="0" err="1"/>
+              <a:t>response</a:t>
             </a:r>
             <a:endParaRPr lang="de-DE" dirty="0"/>
           </a:p>
-          <a:p>
-            <a:r>
-              <a:rPr lang="de-DE" dirty="0" err="1"/>
-              <a:t>Important</a:t>
-            </a:r>
-            <a:r>
-              <a:rPr lang="de-DE" dirty="0"/>
-              <a:t> in </a:t>
-            </a:r>
-            <a:r>
-              <a:rPr lang="de-DE" dirty="0" err="1"/>
-              <a:t>mechanical</a:t>
-            </a:r>
-            <a:r>
-              <a:rPr lang="de-DE" dirty="0"/>
-              <a:t> </a:t>
-            </a:r>
-            <a:r>
-              <a:rPr lang="de-DE" dirty="0" err="1"/>
-              <a:t>systems</a:t>
-            </a:r>
-            <a:endParaRPr lang="de-DE" dirty="0"/>
-          </a:p>
         </p:txBody>
       </p:sp>
       <p:sp>
@@ -5822,7 +7002,7 @@
           <p:cNvPr id="4" name="Foliennummernplatzhalter 3">
             <a:extLst>
               <a:ext uri="{FF2B5EF4-FFF2-40B4-BE49-F238E27FC236}">
-                <a16:creationId xmlns:a16="http://schemas.microsoft.com/office/drawing/2014/main" id="{918F3785-E407-2135-F374-A57AC02B317E}"/>
+                <a16:creationId xmlns:a16="http://schemas.microsoft.com/office/drawing/2014/main" id="{F75A1E12-F588-EDED-8AD9-0CC86AD6B7B4}"/>
               </a:ext>
             </a:extLst>
           </p:cNvPr>
@@ -5849,7 +7029,7 @@
     </p:spTree>
     <p:extLst>
       <p:ext uri="{BB962C8B-B14F-4D97-AF65-F5344CB8AC3E}">
-        <p14:creationId xmlns:p14="http://schemas.microsoft.com/office/powerpoint/2010/main" val="1490908636"/>
+        <p14:creationId xmlns:p14="http://schemas.microsoft.com/office/powerpoint/2010/main" val="77516454"/>
       </p:ext>
     </p:extLst>
   </p:cSld>
@@ -5881,7 +7061,7 @@
           <p:cNvPr id="2" name="Titel 1">
             <a:extLst>
               <a:ext uri="{FF2B5EF4-FFF2-40B4-BE49-F238E27FC236}">
-                <a16:creationId xmlns:a16="http://schemas.microsoft.com/office/drawing/2014/main" id="{CE99F1FF-5A04-077E-D84A-6C578EAA003C}"/>
+                <a16:creationId xmlns:a16="http://schemas.microsoft.com/office/drawing/2014/main" id="{1174229D-E0D0-4F27-687E-14E5F50EF990}"/>
               </a:ext>
             </a:extLst>
           </p:cNvPr>
@@ -5899,125 +7079,677 @@
           <a:p>
             <a:r>
               <a:rPr lang="de-DE" dirty="0"/>
-              <a:t>Pole-Zero </a:t>
-            </a:r>
-            <a:r>
-              <a:rPr lang="de-DE" dirty="0" err="1"/>
-              <a:t>Diagrams</a:t>
-            </a:r>
-            <a:endParaRPr lang="de-DE" dirty="0"/>
-          </a:p>
-        </p:txBody>
-      </p:sp>
-      <p:sp>
-        <p:nvSpPr>
-          <p:cNvPr id="3" name="Inhaltsplatzhalter 2">
-            <a:extLst>
-              <a:ext uri="{FF2B5EF4-FFF2-40B4-BE49-F238E27FC236}">
-                <a16:creationId xmlns:a16="http://schemas.microsoft.com/office/drawing/2014/main" id="{9E3CA8AA-BDFD-EE45-F29F-F739D9849959}"/>
-              </a:ext>
-            </a:extLst>
-          </p:cNvPr>
-          <p:cNvSpPr>
-            <a:spLocks noGrp="1"/>
-          </p:cNvSpPr>
-          <p:nvPr>
-            <p:ph idx="1"/>
-          </p:nvPr>
-        </p:nvSpPr>
-        <p:spPr/>
-        <p:txBody>
-          <a:bodyPr/>
-          <a:lstStyle/>
-          <a:p>
-            <a:r>
-              <a:rPr lang="de-DE" dirty="0" err="1"/>
-              <a:t>Graphical</a:t>
-            </a:r>
-            <a:r>
-              <a:rPr lang="de-DE" dirty="0"/>
-              <a:t> </a:t>
-            </a:r>
-            <a:r>
-              <a:rPr lang="de-DE" dirty="0" err="1"/>
-              <a:t>representation</a:t>
-            </a:r>
-            <a:r>
-              <a:rPr lang="de-DE" dirty="0"/>
-              <a:t> in </a:t>
-            </a:r>
-            <a:r>
-              <a:rPr lang="de-DE" dirty="0" err="1"/>
-              <a:t>complex</a:t>
-            </a:r>
-            <a:r>
-              <a:rPr lang="de-DE" dirty="0"/>
-              <a:t> plane</a:t>
-            </a:r>
-          </a:p>
-          <a:p>
-            <a:r>
-              <a:rPr lang="de-DE" dirty="0" err="1"/>
-              <a:t>Stability</a:t>
-            </a:r>
-            <a:r>
-              <a:rPr lang="de-DE" dirty="0"/>
-              <a:t> visible at a </a:t>
-            </a:r>
-            <a:r>
-              <a:rPr lang="de-DE" dirty="0" err="1"/>
-              <a:t>glance</a:t>
-            </a:r>
-            <a:endParaRPr lang="de-DE" dirty="0"/>
-          </a:p>
-          <a:p>
-            <a:pPr marL="0" indent="0">
-              <a:buNone/>
-            </a:pPr>
-            <a:endParaRPr lang="de-DE" dirty="0"/>
-          </a:p>
-          <a:p>
-            <a:pPr marL="0" indent="0">
-              <a:buNone/>
-            </a:pPr>
-            <a:r>
-              <a:rPr lang="de-DE" b="1" dirty="0"/>
-              <a:t>Image:</a:t>
-            </a:r>
-            <a:r>
-              <a:rPr lang="de-DE" dirty="0"/>
-              <a:t> s-plane </a:t>
-            </a:r>
-            <a:r>
-              <a:rPr lang="de-DE" dirty="0" err="1"/>
-              <a:t>with</a:t>
-            </a:r>
-            <a:r>
-              <a:rPr lang="de-DE" dirty="0"/>
-              <a:t> </a:t>
-            </a:r>
-            <a:r>
-              <a:rPr lang="de-DE" dirty="0" err="1"/>
-              <a:t>poles</a:t>
-            </a:r>
-            <a:r>
-              <a:rPr lang="de-DE" dirty="0"/>
-              <a:t> and </a:t>
-            </a:r>
-            <a:r>
-              <a:rPr lang="de-DE" dirty="0" err="1"/>
-              <a:t>zeros</a:t>
-            </a:r>
-            <a:endParaRPr lang="de-DE" dirty="0"/>
-          </a:p>
-        </p:txBody>
-      </p:sp>
+              <a:t>Zero Location</a:t>
+            </a:r>
+          </a:p>
+        </p:txBody>
+      </p:sp>
+      <mc:AlternateContent xmlns:mc="http://schemas.openxmlformats.org/markup-compatibility/2006">
+        <mc:Choice xmlns:a14="http://schemas.microsoft.com/office/drawing/2010/main" Requires="a14">
+          <p:sp>
+            <p:nvSpPr>
+              <p:cNvPr id="3" name="Inhaltsplatzhalter 2">
+                <a:extLst>
+                  <a:ext uri="{FF2B5EF4-FFF2-40B4-BE49-F238E27FC236}">
+                    <a16:creationId xmlns:a16="http://schemas.microsoft.com/office/drawing/2014/main" id="{9DB4A523-7894-C0D4-3451-DAD8F7E33D7D}"/>
+                  </a:ext>
+                </a:extLst>
+              </p:cNvPr>
+              <p:cNvSpPr>
+                <a:spLocks noGrp="1"/>
+              </p:cNvSpPr>
+              <p:nvPr>
+                <p:ph idx="1"/>
+              </p:nvPr>
+            </p:nvSpPr>
+            <p:spPr/>
+            <p:txBody>
+              <a:bodyPr>
+                <a:normAutofit fontScale="70000" lnSpcReduction="20000"/>
+              </a:bodyPr>
+              <a:lstStyle/>
+              <a:p>
+                <a:pPr marL="0" indent="0">
+                  <a:buNone/>
+                </a:pPr>
+                <a:r>
+                  <a:rPr lang="de-DE" dirty="0"/>
+                  <a:t>Zeros in </a:t>
+                </a:r>
+                <a:r>
+                  <a:rPr lang="de-DE" dirty="0" err="1"/>
+                  <a:t>left</a:t>
+                </a:r>
+                <a:r>
+                  <a:rPr lang="de-DE" dirty="0"/>
+                  <a:t> half-plane (LHP), i.e., </a:t>
+                </a:r>
+                <a14:m>
+                  <m:oMath xmlns:m="http://schemas.openxmlformats.org/officeDocument/2006/math">
+                    <m:sSub>
+                      <m:sSubPr>
+                        <m:ctrlPr>
+                          <a:rPr lang="de-DE" i="1">
+                            <a:latin typeface="Cambria Math" panose="02040503050406030204" pitchFamily="18" charset="0"/>
+                          </a:rPr>
+                        </m:ctrlPr>
+                      </m:sSubPr>
+                      <m:e>
+                        <m:r>
+                          <m:rPr>
+                            <m:sty m:val="p"/>
+                          </m:rPr>
+                          <a:rPr lang="de-DE">
+                            <a:latin typeface="Cambria Math" panose="02040503050406030204" pitchFamily="18" charset="0"/>
+                          </a:rPr>
+                          <m:t>Re</m:t>
+                        </m:r>
+                        <m:r>
+                          <a:rPr lang="de-DE" i="1">
+                            <a:latin typeface="Cambria Math" panose="02040503050406030204" pitchFamily="18" charset="0"/>
+                          </a:rPr>
+                          <m:t>(</m:t>
+                        </m:r>
+                        <m:r>
+                          <a:rPr lang="de-DE" i="1">
+                            <a:latin typeface="Cambria Math" panose="02040503050406030204" pitchFamily="18" charset="0"/>
+                          </a:rPr>
+                          <m:t>𝑠</m:t>
+                        </m:r>
+                      </m:e>
+                      <m:sub>
+                        <m:r>
+                          <a:rPr lang="de-DE" i="1">
+                            <a:latin typeface="Cambria Math" panose="02040503050406030204" pitchFamily="18" charset="0"/>
+                          </a:rPr>
+                          <m:t>0</m:t>
+                        </m:r>
+                      </m:sub>
+                    </m:sSub>
+                    <m:r>
+                      <a:rPr lang="de-DE" i="1">
+                        <a:latin typeface="Cambria Math" panose="02040503050406030204" pitchFamily="18" charset="0"/>
+                      </a:rPr>
+                      <m:t>)&lt;0</m:t>
+                    </m:r>
+                  </m:oMath>
+                </a14:m>
+                <a:r>
+                  <a:rPr lang="de-DE" dirty="0"/>
+                  <a:t>, </a:t>
+                </a:r>
+                <a:r>
+                  <a:rPr lang="de-DE" dirty="0" err="1"/>
+                  <a:t>are</a:t>
+                </a:r>
+                <a:r>
+                  <a:rPr lang="de-DE" dirty="0"/>
+                  <a:t> </a:t>
+                </a:r>
+                <a:r>
+                  <a:rPr lang="de-DE" dirty="0" err="1"/>
+                  <a:t>called</a:t>
+                </a:r>
+                <a:r>
+                  <a:rPr lang="de-DE" dirty="0"/>
+                  <a:t> minimum-phase </a:t>
+                </a:r>
+                <a:r>
+                  <a:rPr lang="de-DE" dirty="0" err="1"/>
+                  <a:t>zeros</a:t>
+                </a:r>
+                <a:r>
+                  <a:rPr lang="de-DE" dirty="0"/>
+                  <a:t>:</a:t>
+                </a:r>
+              </a:p>
+              <a:p>
+                <a:pPr marL="0" indent="0">
+                  <a:buNone/>
+                </a:pPr>
+                <a:r>
+                  <a:rPr lang="de-DE" dirty="0" err="1"/>
+                  <a:t>speed</a:t>
+                </a:r>
+                <a:r>
+                  <a:rPr lang="de-DE" dirty="0"/>
+                  <a:t> </a:t>
+                </a:r>
+                <a:r>
+                  <a:rPr lang="de-DE" dirty="0" err="1"/>
+                  <a:t>up</a:t>
+                </a:r>
+                <a:r>
+                  <a:rPr lang="de-DE" dirty="0"/>
+                  <a:t> </a:t>
+                </a:r>
+                <a:r>
+                  <a:rPr lang="de-DE" dirty="0" err="1"/>
+                  <a:t>response</a:t>
+                </a:r>
+                <a:r>
+                  <a:rPr lang="de-DE" dirty="0"/>
+                  <a:t>, </a:t>
+                </a:r>
+                <a:r>
+                  <a:rPr lang="de-DE" dirty="0" err="1"/>
+                  <a:t>can</a:t>
+                </a:r>
+                <a:r>
+                  <a:rPr lang="de-DE" dirty="0"/>
+                  <a:t> </a:t>
+                </a:r>
+                <a:r>
+                  <a:rPr lang="de-DE" dirty="0" err="1"/>
+                  <a:t>increase</a:t>
+                </a:r>
+                <a:r>
+                  <a:rPr lang="de-DE" dirty="0"/>
+                  <a:t> </a:t>
+                </a:r>
+                <a:r>
+                  <a:rPr lang="de-DE" dirty="0" err="1"/>
+                  <a:t>overshoot</a:t>
+                </a:r>
+                <a:r>
+                  <a:rPr lang="de-DE" dirty="0"/>
+                  <a:t> (</a:t>
+                </a:r>
+                <a:r>
+                  <a:rPr lang="de-DE" dirty="0" err="1"/>
+                  <a:t>caused</a:t>
+                </a:r>
+                <a:r>
+                  <a:rPr lang="de-DE" dirty="0"/>
+                  <a:t> </a:t>
+                </a:r>
+                <a:r>
+                  <a:rPr lang="de-DE" dirty="0" err="1"/>
+                  <a:t>by</a:t>
+                </a:r>
+                <a:r>
+                  <a:rPr lang="de-DE" dirty="0"/>
+                  <a:t> </a:t>
+                </a:r>
+                <a:r>
+                  <a:rPr lang="de-DE" dirty="0" err="1"/>
+                  <a:t>complex</a:t>
+                </a:r>
+                <a:r>
+                  <a:rPr lang="de-DE" dirty="0"/>
+                  <a:t> </a:t>
+                </a:r>
+                <a:r>
+                  <a:rPr lang="de-DE" dirty="0" err="1"/>
+                  <a:t>poles</a:t>
+                </a:r>
+                <a:r>
+                  <a:rPr lang="de-DE" dirty="0"/>
+                  <a:t>), </a:t>
+                </a:r>
+                <a:r>
+                  <a:rPr lang="de-DE" dirty="0" err="1"/>
+                  <a:t>add</a:t>
+                </a:r>
+                <a:r>
+                  <a:rPr lang="de-DE" dirty="0"/>
+                  <a:t> </a:t>
+                </a:r>
+                <a:r>
+                  <a:rPr lang="de-DE" dirty="0" err="1"/>
+                  <a:t>phase</a:t>
+                </a:r>
+                <a:r>
+                  <a:rPr lang="de-DE" dirty="0"/>
+                  <a:t> </a:t>
+                </a:r>
+                <a:r>
+                  <a:rPr lang="de-DE" dirty="0" err="1"/>
+                  <a:t>lead</a:t>
+                </a:r>
+                <a:r>
+                  <a:rPr lang="de-DE" dirty="0"/>
+                  <a:t> </a:t>
+                </a:r>
+                <a:endParaRPr lang="de-DE" i="1" dirty="0">
+                  <a:latin typeface="Cambria Math" panose="02040503050406030204" pitchFamily="18" charset="0"/>
+                </a:endParaRPr>
+              </a:p>
+              <a:p>
+                <a:pPr marL="0" indent="0">
+                  <a:buNone/>
+                </a:pPr>
+                <a:endParaRPr lang="de-DE" i="1" dirty="0">
+                  <a:latin typeface="Cambria Math" panose="02040503050406030204" pitchFamily="18" charset="0"/>
+                </a:endParaRPr>
+              </a:p>
+              <a:p>
+                <a:pPr marL="0" indent="0">
+                  <a:buNone/>
+                </a:pPr>
+                <a:r>
+                  <a:rPr lang="de-DE" dirty="0"/>
+                  <a:t>Zeros in </a:t>
+                </a:r>
+                <a:r>
+                  <a:rPr lang="de-DE" dirty="0" err="1"/>
+                  <a:t>right</a:t>
+                </a:r>
+                <a:r>
+                  <a:rPr lang="de-DE" dirty="0"/>
+                  <a:t> half-plane (RHP), i.e., </a:t>
+                </a:r>
+                <a14:m>
+                  <m:oMath xmlns:m="http://schemas.openxmlformats.org/officeDocument/2006/math">
+                    <m:sSub>
+                      <m:sSubPr>
+                        <m:ctrlPr>
+                          <a:rPr lang="de-DE" i="1">
+                            <a:latin typeface="Cambria Math" panose="02040503050406030204" pitchFamily="18" charset="0"/>
+                          </a:rPr>
+                        </m:ctrlPr>
+                      </m:sSubPr>
+                      <m:e>
+                        <m:r>
+                          <m:rPr>
+                            <m:sty m:val="p"/>
+                          </m:rPr>
+                          <a:rPr lang="de-DE">
+                            <a:latin typeface="Cambria Math" panose="02040503050406030204" pitchFamily="18" charset="0"/>
+                          </a:rPr>
+                          <m:t>Re</m:t>
+                        </m:r>
+                        <m:r>
+                          <a:rPr lang="de-DE" i="1">
+                            <a:latin typeface="Cambria Math" panose="02040503050406030204" pitchFamily="18" charset="0"/>
+                          </a:rPr>
+                          <m:t>(</m:t>
+                        </m:r>
+                        <m:r>
+                          <a:rPr lang="de-DE" i="1">
+                            <a:latin typeface="Cambria Math" panose="02040503050406030204" pitchFamily="18" charset="0"/>
+                          </a:rPr>
+                          <m:t>𝑠</m:t>
+                        </m:r>
+                      </m:e>
+                      <m:sub>
+                        <m:r>
+                          <a:rPr lang="de-DE" i="1">
+                            <a:latin typeface="Cambria Math" panose="02040503050406030204" pitchFamily="18" charset="0"/>
+                          </a:rPr>
+                          <m:t>0</m:t>
+                        </m:r>
+                      </m:sub>
+                    </m:sSub>
+                    <m:r>
+                      <a:rPr lang="de-DE" i="1">
+                        <a:latin typeface="Cambria Math" panose="02040503050406030204" pitchFamily="18" charset="0"/>
+                      </a:rPr>
+                      <m:t>)&lt;0</m:t>
+                    </m:r>
+                  </m:oMath>
+                </a14:m>
+                <a:r>
+                  <a:rPr lang="de-DE" dirty="0"/>
+                  <a:t>, </a:t>
+                </a:r>
+                <a:r>
+                  <a:rPr lang="de-DE" dirty="0" err="1"/>
+                  <a:t>are</a:t>
+                </a:r>
+                <a:r>
+                  <a:rPr lang="de-DE" dirty="0"/>
+                  <a:t> </a:t>
+                </a:r>
+                <a:r>
+                  <a:rPr lang="de-DE" dirty="0" err="1"/>
+                  <a:t>called</a:t>
+                </a:r>
+                <a:r>
+                  <a:rPr lang="de-DE" dirty="0"/>
+                  <a:t> non-minimum-phase </a:t>
+                </a:r>
+                <a:r>
+                  <a:rPr lang="de-DE" dirty="0" err="1"/>
+                  <a:t>zeros</a:t>
+                </a:r>
+                <a:r>
+                  <a:rPr lang="de-DE" dirty="0"/>
+                  <a:t>:</a:t>
+                </a:r>
+                <a:endParaRPr lang="de-DE" i="1" dirty="0">
+                  <a:latin typeface="Cambria Math" panose="02040503050406030204" pitchFamily="18" charset="0"/>
+                </a:endParaRPr>
+              </a:p>
+              <a:p>
+                <a:pPr marL="0" indent="0">
+                  <a:buNone/>
+                </a:pPr>
+                <a:r>
+                  <a:rPr lang="de-DE" dirty="0" err="1"/>
+                  <a:t>cause</a:t>
+                </a:r>
+                <a:r>
+                  <a:rPr lang="de-DE" dirty="0"/>
+                  <a:t> inverse </a:t>
+                </a:r>
+                <a:r>
+                  <a:rPr lang="de-DE" dirty="0" err="1"/>
+                  <a:t>response</a:t>
+                </a:r>
+                <a:r>
+                  <a:rPr lang="de-DE" i="1" dirty="0"/>
+                  <a:t>, </a:t>
+                </a:r>
+                <a:r>
+                  <a:rPr lang="de-DE" dirty="0" err="1"/>
+                  <a:t>add</a:t>
+                </a:r>
+                <a:r>
+                  <a:rPr lang="de-DE" dirty="0"/>
+                  <a:t> </a:t>
+                </a:r>
+                <a:r>
+                  <a:rPr lang="de-DE" dirty="0" err="1"/>
+                  <a:t>phase</a:t>
+                </a:r>
+                <a:r>
+                  <a:rPr lang="de-DE" dirty="0"/>
+                  <a:t> lag</a:t>
+                </a:r>
+              </a:p>
+              <a:p>
+                <a:pPr marL="0" indent="0">
+                  <a:buNone/>
+                </a:pPr>
+                <a:endParaRPr lang="de-DE" dirty="0"/>
+              </a:p>
+              <a:p>
+                <a:pPr marL="0" indent="0">
+                  <a:buNone/>
+                </a:pPr>
+                <a:r>
+                  <a:rPr lang="de-DE" dirty="0"/>
+                  <a:t>At </a:t>
+                </a:r>
+                <a:r>
+                  <a:rPr lang="de-DE" dirty="0" err="1"/>
+                  <a:t>the</a:t>
+                </a:r>
+                <a:r>
+                  <a:rPr lang="de-DE" dirty="0"/>
+                  <a:t> </a:t>
+                </a:r>
+                <a:r>
+                  <a:rPr lang="de-DE" dirty="0" err="1"/>
+                  <a:t>origin</a:t>
+                </a:r>
+                <a:r>
+                  <a:rPr lang="de-DE" dirty="0"/>
+                  <a:t>: </a:t>
+                </a:r>
+                <a:r>
+                  <a:rPr lang="de-DE" dirty="0" err="1"/>
+                  <a:t>introduce</a:t>
+                </a:r>
+                <a:r>
+                  <a:rPr lang="de-DE" dirty="0"/>
+                  <a:t> </a:t>
+                </a:r>
+                <a:r>
+                  <a:rPr lang="de-DE" dirty="0" err="1"/>
+                  <a:t>differentiating</a:t>
+                </a:r>
+                <a:r>
+                  <a:rPr lang="de-DE" dirty="0"/>
+                  <a:t> </a:t>
+                </a:r>
+                <a:r>
+                  <a:rPr lang="de-DE" dirty="0" err="1"/>
+                  <a:t>behavior</a:t>
+                </a:r>
+                <a:endParaRPr lang="de-DE" dirty="0"/>
+              </a:p>
+              <a:p>
+                <a:pPr marL="0" indent="0">
+                  <a:buNone/>
+                </a:pPr>
+                <a:endParaRPr lang="de-DE" dirty="0"/>
+              </a:p>
+              <a:p>
+                <a:pPr marL="0" indent="0">
+                  <a:buNone/>
+                </a:pPr>
+                <a:r>
+                  <a:rPr lang="de-DE" dirty="0" err="1"/>
+                  <a:t>Near</a:t>
+                </a:r>
+                <a:r>
+                  <a:rPr lang="de-DE" dirty="0"/>
+                  <a:t> </a:t>
+                </a:r>
+                <a:r>
+                  <a:rPr lang="de-DE" dirty="0" err="1"/>
+                  <a:t>poles</a:t>
+                </a:r>
+                <a:r>
+                  <a:rPr lang="de-DE" dirty="0"/>
+                  <a:t>: </a:t>
+                </a:r>
+                <a:r>
+                  <a:rPr lang="de-DE" dirty="0" err="1"/>
+                  <a:t>modify</a:t>
+                </a:r>
+                <a:r>
+                  <a:rPr lang="de-DE" dirty="0"/>
+                  <a:t> </a:t>
+                </a:r>
+                <a:r>
+                  <a:rPr lang="de-DE" dirty="0" err="1"/>
+                  <a:t>or</a:t>
+                </a:r>
+                <a:r>
+                  <a:rPr lang="de-DE" dirty="0"/>
+                  <a:t> </a:t>
+                </a:r>
+                <a:r>
+                  <a:rPr lang="de-DE" dirty="0" err="1"/>
+                  <a:t>cancel</a:t>
+                </a:r>
+                <a:r>
+                  <a:rPr lang="de-DE" dirty="0"/>
+                  <a:t> </a:t>
+                </a:r>
+                <a:r>
+                  <a:rPr lang="de-DE" dirty="0" err="1"/>
+                  <a:t>dynamic</a:t>
+                </a:r>
+                <a:r>
+                  <a:rPr lang="de-DE" dirty="0"/>
+                  <a:t> </a:t>
+                </a:r>
+                <a:r>
+                  <a:rPr lang="de-DE" dirty="0" err="1"/>
+                  <a:t>modes</a:t>
+                </a:r>
+                <a:endParaRPr lang="de-DE" dirty="0"/>
+              </a:p>
+              <a:p>
+                <a:pPr marL="0" indent="0">
+                  <a:buNone/>
+                </a:pPr>
+                <a:endParaRPr lang="de-DE" dirty="0"/>
+              </a:p>
+              <a:p>
+                <a:pPr marL="0" indent="0">
+                  <a:buNone/>
+                </a:pPr>
+                <a:r>
+                  <a:rPr lang="de-DE" dirty="0"/>
+                  <a:t>An LHP </a:t>
+                </a:r>
+                <a:r>
+                  <a:rPr lang="de-DE" dirty="0" err="1"/>
+                  <a:t>zero</a:t>
+                </a:r>
+                <a:r>
+                  <a:rPr lang="de-DE" dirty="0"/>
+                  <a:t> </a:t>
+                </a:r>
+                <a:r>
+                  <a:rPr lang="de-DE" dirty="0" err="1"/>
+                  <a:t>close</a:t>
+                </a:r>
+                <a:r>
+                  <a:rPr lang="de-DE" dirty="0"/>
+                  <a:t> </a:t>
+                </a:r>
+                <a:r>
+                  <a:rPr lang="de-DE" dirty="0" err="1"/>
+                  <a:t>to</a:t>
+                </a:r>
+                <a:r>
+                  <a:rPr lang="de-DE" dirty="0"/>
+                  <a:t> </a:t>
+                </a:r>
+                <a:r>
+                  <a:rPr lang="de-DE" dirty="0" err="1"/>
+                  <a:t>the</a:t>
+                </a:r>
+                <a:r>
+                  <a:rPr lang="de-DE" dirty="0"/>
+                  <a:t> </a:t>
+                </a:r>
+                <a:r>
+                  <a:rPr lang="de-DE" dirty="0" err="1"/>
+                  <a:t>imaginary</a:t>
+                </a:r>
+                <a:r>
+                  <a:rPr lang="de-DE" dirty="0"/>
+                  <a:t> </a:t>
+                </a:r>
+                <a:r>
+                  <a:rPr lang="de-DE" dirty="0" err="1"/>
+                  <a:t>axis</a:t>
+                </a:r>
+                <a:r>
+                  <a:rPr lang="de-DE" dirty="0"/>
+                  <a:t> </a:t>
+                </a:r>
+                <a:r>
+                  <a:rPr lang="de-DE" dirty="0" err="1"/>
+                  <a:t>or</a:t>
+                </a:r>
+                <a:r>
+                  <a:rPr lang="de-DE" dirty="0"/>
+                  <a:t> a </a:t>
+                </a:r>
+                <a:r>
+                  <a:rPr lang="de-DE" dirty="0" err="1"/>
+                  <a:t>zero</a:t>
+                </a:r>
+                <a:r>
+                  <a:rPr lang="de-DE" dirty="0"/>
+                  <a:t> </a:t>
+                </a:r>
+                <a:r>
+                  <a:rPr lang="de-DE" dirty="0" err="1"/>
+                  <a:t>close</a:t>
+                </a:r>
+                <a:r>
+                  <a:rPr lang="de-DE" dirty="0"/>
+                  <a:t> </a:t>
+                </a:r>
+                <a:r>
+                  <a:rPr lang="de-DE" dirty="0" err="1"/>
+                  <a:t>to</a:t>
+                </a:r>
+                <a:r>
+                  <a:rPr lang="de-DE" dirty="0"/>
+                  <a:t> a dominant pole </a:t>
+                </a:r>
+                <a:r>
+                  <a:rPr lang="de-DE" dirty="0" err="1"/>
+                  <a:t>can</a:t>
+                </a:r>
+                <a:r>
+                  <a:rPr lang="de-DE" dirty="0"/>
+                  <a:t> </a:t>
+                </a:r>
+                <a:r>
+                  <a:rPr lang="de-DE" dirty="0" err="1"/>
+                  <a:t>increase</a:t>
+                </a:r>
+                <a:r>
+                  <a:rPr lang="de-DE" dirty="0"/>
+                  <a:t> </a:t>
+                </a:r>
+                <a:r>
+                  <a:rPr lang="de-DE" dirty="0" err="1"/>
+                  <a:t>overshoot</a:t>
+                </a:r>
+                <a:r>
+                  <a:rPr lang="de-DE" dirty="0"/>
+                  <a:t> </a:t>
+                </a:r>
+                <a:r>
+                  <a:rPr lang="de-DE" dirty="0" err="1"/>
+                  <a:t>significantly</a:t>
+                </a:r>
+                <a:r>
+                  <a:rPr lang="de-DE" dirty="0"/>
+                  <a:t>.</a:t>
+                </a:r>
+              </a:p>
+            </p:txBody>
+          </p:sp>
+        </mc:Choice>
+        <mc:Fallback>
+          <p:sp>
+            <p:nvSpPr>
+              <p:cNvPr id="3" name="Inhaltsplatzhalter 2">
+                <a:extLst>
+                  <a:ext uri="{FF2B5EF4-FFF2-40B4-BE49-F238E27FC236}">
+                    <a16:creationId xmlns:a16="http://schemas.microsoft.com/office/drawing/2014/main" id="{9DB4A523-7894-C0D4-3451-DAD8F7E33D7D}"/>
+                  </a:ext>
+                </a:extLst>
+              </p:cNvPr>
+              <p:cNvSpPr>
+                <a:spLocks noGrp="1" noRot="1" noChangeAspect="1" noMove="1" noResize="1" noEditPoints="1" noAdjustHandles="1" noChangeArrowheads="1" noChangeShapeType="1" noTextEdit="1"/>
+              </p:cNvSpPr>
+              <p:nvPr>
+                <p:ph idx="1"/>
+              </p:nvPr>
+            </p:nvSpPr>
+            <p:spPr>
+              <a:blipFill>
+                <a:blip r:embed="rId2"/>
+                <a:stretch>
+                  <a:fillRect l="-724" t="-2035"/>
+                </a:stretch>
+              </a:blipFill>
+            </p:spPr>
+            <p:txBody>
+              <a:bodyPr/>
+              <a:lstStyle/>
+              <a:p>
+                <a:r>
+                  <a:rPr lang="de-DE">
+                    <a:noFill/>
+                  </a:rPr>
+                  <a:t> </a:t>
+                </a:r>
+              </a:p>
+            </p:txBody>
+          </p:sp>
+        </mc:Fallback>
+      </mc:AlternateContent>
       <p:sp>
         <p:nvSpPr>
           <p:cNvPr id="4" name="Foliennummernplatzhalter 3">
             <a:extLst>
               <a:ext uri="{FF2B5EF4-FFF2-40B4-BE49-F238E27FC236}">
-                <a16:creationId xmlns:a16="http://schemas.microsoft.com/office/drawing/2014/main" id="{EA7928FD-EA29-8BF1-2D4C-EFF827F68C12}"/>
+                <a16:creationId xmlns:a16="http://schemas.microsoft.com/office/drawing/2014/main" id="{E1A5D622-9649-01DA-F740-FED2720BD535}"/>
               </a:ext>
             </a:extLst>
           </p:cNvPr>
@@ -6044,7 +7776,7 @@
     </p:spTree>
     <p:extLst>
       <p:ext uri="{BB962C8B-B14F-4D97-AF65-F5344CB8AC3E}">
-        <p14:creationId xmlns:p14="http://schemas.microsoft.com/office/powerpoint/2010/main" val="3732035512"/>
+        <p14:creationId xmlns:p14="http://schemas.microsoft.com/office/powerpoint/2010/main" val="1587296984"/>
       </p:ext>
     </p:extLst>
   </p:cSld>
@@ -6076,7 +7808,7 @@
           <p:cNvPr id="2" name="Titel 1">
             <a:extLst>
               <a:ext uri="{FF2B5EF4-FFF2-40B4-BE49-F238E27FC236}">
-                <a16:creationId xmlns:a16="http://schemas.microsoft.com/office/drawing/2014/main" id="{B43EB291-3617-973F-8E27-86ACF15D8731}"/>
+                <a16:creationId xmlns:a16="http://schemas.microsoft.com/office/drawing/2014/main" id="{B5DFCC16-0D2B-21AE-232A-0DDA543647C4}"/>
               </a:ext>
             </a:extLst>
           </p:cNvPr>
@@ -6094,7 +7826,48 @@
           <a:p>
             <a:r>
               <a:rPr lang="de-DE" dirty="0" err="1"/>
-              <a:t>Stability</a:t>
+              <a:t>Resonance</a:t>
+            </a:r>
+            <a:endParaRPr lang="de-DE" dirty="0"/>
+          </a:p>
+        </p:txBody>
+      </p:sp>
+      <p:sp>
+        <p:nvSpPr>
+          <p:cNvPr id="3" name="Inhaltsplatzhalter 2">
+            <a:extLst>
+              <a:ext uri="{FF2B5EF4-FFF2-40B4-BE49-F238E27FC236}">
+                <a16:creationId xmlns:a16="http://schemas.microsoft.com/office/drawing/2014/main" id="{39744DD0-77F3-3905-9B5D-BBD65695955C}"/>
+              </a:ext>
+            </a:extLst>
+          </p:cNvPr>
+          <p:cNvSpPr>
+            <a:spLocks noGrp="1"/>
+          </p:cNvSpPr>
+          <p:nvPr>
+            <p:ph idx="1"/>
+          </p:nvPr>
+        </p:nvSpPr>
+        <p:spPr/>
+        <p:txBody>
+          <a:bodyPr/>
+          <a:lstStyle/>
+          <a:p>
+            <a:r>
+              <a:rPr lang="de-DE" dirty="0"/>
+              <a:t>Large </a:t>
+            </a:r>
+            <a:r>
+              <a:rPr lang="de-DE" dirty="0" err="1"/>
+              <a:t>response</a:t>
+            </a:r>
+            <a:r>
+              <a:rPr lang="de-DE" dirty="0"/>
+              <a:t> at </a:t>
+            </a:r>
+            <a:r>
+              <a:rPr lang="de-DE" dirty="0" err="1"/>
+              <a:t>certain</a:t>
             </a:r>
             <a:r>
               <a:rPr lang="de-DE" dirty="0"/>
@@ -6102,7 +7875,14 @@
             </a:r>
             <a:r>
               <a:rPr lang="de-DE" dirty="0" err="1"/>
-              <a:t>of</a:t>
+              <a:t>frequencies</a:t>
+            </a:r>
+            <a:endParaRPr lang="de-DE" dirty="0"/>
+          </a:p>
+          <a:p>
+            <a:r>
+              <a:rPr lang="de-DE" dirty="0" err="1"/>
+              <a:t>Related</a:t>
             </a:r>
             <a:r>
               <a:rPr lang="de-DE" dirty="0"/>
@@ -6110,39 +7890,7 @@
             </a:r>
             <a:r>
               <a:rPr lang="de-DE" dirty="0" err="1"/>
-              <a:t>Continuous</a:t>
-            </a:r>
-            <a:r>
-              <a:rPr lang="de-DE" dirty="0"/>
-              <a:t>-Time Systems</a:t>
-            </a:r>
-          </a:p>
-        </p:txBody>
-      </p:sp>
-      <p:sp>
-        <p:nvSpPr>
-          <p:cNvPr id="3" name="Inhaltsplatzhalter 2">
-            <a:extLst>
-              <a:ext uri="{FF2B5EF4-FFF2-40B4-BE49-F238E27FC236}">
-                <a16:creationId xmlns:a16="http://schemas.microsoft.com/office/drawing/2014/main" id="{5D956592-B7CC-DA1D-26BD-9F6DCF27D941}"/>
-              </a:ext>
-            </a:extLst>
-          </p:cNvPr>
-          <p:cNvSpPr>
-            <a:spLocks noGrp="1"/>
-          </p:cNvSpPr>
-          <p:nvPr>
-            <p:ph idx="1"/>
-          </p:nvPr>
-        </p:nvSpPr>
-        <p:spPr/>
-        <p:txBody>
-          <a:bodyPr/>
-          <a:lstStyle/>
-          <a:p>
-            <a:r>
-              <a:rPr lang="de-DE" dirty="0" err="1"/>
-              <a:t>Stable</a:t>
+              <a:t>to</a:t>
             </a:r>
             <a:r>
               <a:rPr lang="de-DE" dirty="0"/>
@@ -6150,96 +7898,49 @@
             </a:r>
             <a:r>
               <a:rPr lang="de-DE" dirty="0" err="1"/>
-              <a:t>if</a:t>
-            </a:r>
-            <a:r>
-              <a:rPr lang="de-DE" dirty="0"/>
-              <a:t> all </a:t>
+              <a:t>lightly</a:t>
+            </a:r>
+            <a:r>
+              <a:rPr lang="de-DE" dirty="0"/>
+              <a:t> </a:t>
+            </a:r>
+            <a:r>
+              <a:rPr lang="de-DE" dirty="0" err="1"/>
+              <a:t>damped</a:t>
+            </a:r>
+            <a:r>
+              <a:rPr lang="de-DE" dirty="0"/>
+              <a:t> </a:t>
             </a:r>
             <a:r>
               <a:rPr lang="de-DE" dirty="0" err="1"/>
               <a:t>poles</a:t>
             </a:r>
+            <a:endParaRPr lang="de-DE" dirty="0"/>
+          </a:p>
+          <a:p>
+            <a:r>
+              <a:rPr lang="de-DE" dirty="0" err="1"/>
+              <a:t>Important</a:t>
+            </a:r>
+            <a:r>
+              <a:rPr lang="de-DE" dirty="0"/>
+              <a:t> in </a:t>
+            </a:r>
+            <a:r>
+              <a:rPr lang="de-DE" dirty="0" err="1"/>
+              <a:t>mechanical</a:t>
+            </a:r>
             <a:r>
               <a:rPr lang="de-DE" dirty="0"/>
               <a:t> </a:t>
             </a:r>
             <a:r>
               <a:rPr lang="de-DE" dirty="0" err="1"/>
-              <a:t>have</a:t>
-            </a:r>
-            <a:r>
-              <a:rPr lang="de-DE" dirty="0"/>
-              <a:t> negative real </a:t>
-            </a:r>
-            <a:r>
-              <a:rPr lang="de-DE" dirty="0" err="1"/>
-              <a:t>part</a:t>
+              <a:t>systems</a:t>
             </a:r>
             <a:endParaRPr lang="de-DE" dirty="0"/>
           </a:p>
-          <a:p>
-            <a:r>
-              <a:rPr lang="de-DE" dirty="0" err="1"/>
-              <a:t>Marginally</a:t>
-            </a:r>
-            <a:r>
-              <a:rPr lang="de-DE" dirty="0"/>
-              <a:t> </a:t>
-            </a:r>
-            <a:r>
-              <a:rPr lang="de-DE" dirty="0" err="1"/>
-              <a:t>stable</a:t>
-            </a:r>
-            <a:r>
-              <a:rPr lang="de-DE" dirty="0"/>
-              <a:t> </a:t>
-            </a:r>
-            <a:r>
-              <a:rPr lang="de-DE" dirty="0" err="1"/>
-              <a:t>if</a:t>
-            </a:r>
-            <a:r>
-              <a:rPr lang="de-DE" dirty="0"/>
-              <a:t> </a:t>
-            </a:r>
-            <a:r>
-              <a:rPr lang="de-DE" dirty="0" err="1"/>
-              <a:t>poles</a:t>
-            </a:r>
-            <a:r>
-              <a:rPr lang="de-DE" dirty="0"/>
-              <a:t> on </a:t>
-            </a:r>
-            <a:r>
-              <a:rPr lang="de-DE" dirty="0" err="1"/>
-              <a:t>imaginary</a:t>
-            </a:r>
-            <a:r>
-              <a:rPr lang="de-DE" dirty="0"/>
-              <a:t> </a:t>
-            </a:r>
-            <a:r>
-              <a:rPr lang="de-DE" dirty="0" err="1"/>
-              <a:t>axis</a:t>
-            </a:r>
-            <a:endParaRPr lang="de-DE" dirty="0"/>
-          </a:p>
-          <a:p>
-            <a:r>
-              <a:rPr lang="de-DE" dirty="0" err="1"/>
-              <a:t>Unstable</a:t>
-            </a:r>
-            <a:r>
-              <a:rPr lang="de-DE" dirty="0"/>
-              <a:t> </a:t>
-            </a:r>
-            <a:r>
-              <a:rPr lang="de-DE" dirty="0" err="1"/>
-              <a:t>otherwise</a:t>
-            </a:r>
-            <a:endParaRPr lang="de-DE" dirty="0"/>
-          </a:p>
         </p:txBody>
       </p:sp>
       <p:sp>
@@ -6247,7 +7948,7 @@
           <p:cNvPr id="4" name="Foliennummernplatzhalter 3">
             <a:extLst>
               <a:ext uri="{FF2B5EF4-FFF2-40B4-BE49-F238E27FC236}">
-                <a16:creationId xmlns:a16="http://schemas.microsoft.com/office/drawing/2014/main" id="{1D91BC1F-3367-2175-29F8-BD9E03A1D44E}"/>
+                <a16:creationId xmlns:a16="http://schemas.microsoft.com/office/drawing/2014/main" id="{918F3785-E407-2135-F374-A57AC02B317E}"/>
               </a:ext>
             </a:extLst>
           </p:cNvPr>
@@ -6274,7 +7975,7 @@
     </p:spTree>
     <p:extLst>
       <p:ext uri="{BB962C8B-B14F-4D97-AF65-F5344CB8AC3E}">
-        <p14:creationId xmlns:p14="http://schemas.microsoft.com/office/powerpoint/2010/main" val="843895330"/>
+        <p14:creationId xmlns:p14="http://schemas.microsoft.com/office/powerpoint/2010/main" val="1490908636"/>
       </p:ext>
     </p:extLst>
   </p:cSld>

--- a/slides/4_stability.pptx
+++ b/slides/4_stability.pptx
@@ -5,7 +5,7 @@
     <p:sldMasterId id="2147483648" r:id="rId1"/>
   </p:sldMasterIdLst>
   <p:notesMasterIdLst>
-    <p:notesMasterId r:id="rId16"/>
+    <p:notesMasterId r:id="rId19"/>
   </p:notesMasterIdLst>
   <p:sldIdLst>
     <p:sldId id="256" r:id="rId2"/>
@@ -14,14 +14,17 @@
     <p:sldId id="267" r:id="rId5"/>
     <p:sldId id="293" r:id="rId6"/>
     <p:sldId id="295" r:id="rId7"/>
-    <p:sldId id="294" r:id="rId8"/>
+    <p:sldId id="272" r:id="rId8"/>
     <p:sldId id="296" r:id="rId9"/>
-    <p:sldId id="270" r:id="rId10"/>
-    <p:sldId id="271" r:id="rId11"/>
-    <p:sldId id="272" r:id="rId12"/>
-    <p:sldId id="273" r:id="rId13"/>
-    <p:sldId id="274" r:id="rId14"/>
-    <p:sldId id="275" r:id="rId15"/>
+    <p:sldId id="294" r:id="rId10"/>
+    <p:sldId id="297" r:id="rId11"/>
+    <p:sldId id="299" r:id="rId12"/>
+    <p:sldId id="298" r:id="rId13"/>
+    <p:sldId id="271" r:id="rId14"/>
+    <p:sldId id="270" r:id="rId15"/>
+    <p:sldId id="273" r:id="rId16"/>
+    <p:sldId id="274" r:id="rId17"/>
+    <p:sldId id="275" r:id="rId18"/>
   </p:sldIdLst>
   <p:sldSz cx="12192000" cy="6858000"/>
   <p:notesSz cx="6858000" cy="9144000"/>
@@ -492,7 +495,7 @@
           <a:p>
             <a:fld id="{506E0FD1-891F-4B1E-916D-E9B585160BB8}" type="datetimeFigureOut">
               <a:rPr lang="en-GB" smtClean="0"/>
-              <a:t>07/02/2026</a:t>
+              <a:t>17/02/2026</a:t>
             </a:fld>
             <a:endParaRPr lang="en-GB"/>
           </a:p>
@@ -909,7 +912,7 @@
           <a:p>
             <a:fld id="{D68C3F22-27B2-44E3-9C5F-D08126455F6F}" type="datetime1">
               <a:rPr lang="en-GB" smtClean="0"/>
-              <a:t>07/02/2026</a:t>
+              <a:t>17/02/2026</a:t>
             </a:fld>
             <a:endParaRPr lang="en-GB"/>
           </a:p>
@@ -1109,7 +1112,7 @@
           <a:p>
             <a:fld id="{1CD03846-7BF6-4FB6-A921-FF3379ADBD4C}" type="datetime1">
               <a:rPr lang="en-GB" smtClean="0"/>
-              <a:t>07/02/2026</a:t>
+              <a:t>17/02/2026</a:t>
             </a:fld>
             <a:endParaRPr lang="en-GB"/>
           </a:p>
@@ -1319,7 +1322,7 @@
           <a:p>
             <a:fld id="{99E1B91A-3FD0-4144-9C84-63E9688ED2FE}" type="datetime1">
               <a:rPr lang="en-GB" smtClean="0"/>
-              <a:t>07/02/2026</a:t>
+              <a:t>17/02/2026</a:t>
             </a:fld>
             <a:endParaRPr lang="en-GB"/>
           </a:p>
@@ -1519,7 +1522,7 @@
           <a:p>
             <a:fld id="{5295ED7B-FEAD-4734-819F-93EF4B0EA908}" type="datetime1">
               <a:rPr lang="en-GB" smtClean="0"/>
-              <a:t>07/02/2026</a:t>
+              <a:t>17/02/2026</a:t>
             </a:fld>
             <a:endParaRPr lang="en-GB"/>
           </a:p>
@@ -1795,7 +1798,7 @@
           <a:p>
             <a:fld id="{D2D5D4B4-C926-4B45-8815-1ED8911179A2}" type="datetime1">
               <a:rPr lang="en-GB" smtClean="0"/>
-              <a:t>07/02/2026</a:t>
+              <a:t>17/02/2026</a:t>
             </a:fld>
             <a:endParaRPr lang="en-GB"/>
           </a:p>
@@ -2063,7 +2066,7 @@
           <a:p>
             <a:fld id="{B4C5210A-0E37-4935-93AF-69F21A5F712F}" type="datetime1">
               <a:rPr lang="en-GB" smtClean="0"/>
-              <a:t>07/02/2026</a:t>
+              <a:t>17/02/2026</a:t>
             </a:fld>
             <a:endParaRPr lang="en-GB"/>
           </a:p>
@@ -2478,7 +2481,7 @@
           <a:p>
             <a:fld id="{3D3A6B2F-436C-4691-80E8-9C890E000E9D}" type="datetime1">
               <a:rPr lang="en-GB" smtClean="0"/>
-              <a:t>07/02/2026</a:t>
+              <a:t>17/02/2026</a:t>
             </a:fld>
             <a:endParaRPr lang="en-GB"/>
           </a:p>
@@ -2620,7 +2623,7 @@
           <a:p>
             <a:fld id="{84385F4C-D74B-496F-8D21-97E3549C783B}" type="datetime1">
               <a:rPr lang="en-GB" smtClean="0"/>
-              <a:t>07/02/2026</a:t>
+              <a:t>17/02/2026</a:t>
             </a:fld>
             <a:endParaRPr lang="en-GB"/>
           </a:p>
@@ -2733,7 +2736,7 @@
           <a:p>
             <a:fld id="{0CBDCB32-C241-4703-A832-4EB47BD54E83}" type="datetime1">
               <a:rPr lang="en-GB" smtClean="0"/>
-              <a:t>07/02/2026</a:t>
+              <a:t>17/02/2026</a:t>
             </a:fld>
             <a:endParaRPr lang="en-GB"/>
           </a:p>
@@ -3046,7 +3049,7 @@
           <a:p>
             <a:fld id="{85C150FF-BE95-4D25-A16A-E368A81CBF24}" type="datetime1">
               <a:rPr lang="en-GB" smtClean="0"/>
-              <a:t>07/02/2026</a:t>
+              <a:t>17/02/2026</a:t>
             </a:fld>
             <a:endParaRPr lang="en-GB"/>
           </a:p>
@@ -3335,7 +3338,7 @@
           <a:p>
             <a:fld id="{F3C5DB4B-B349-43C9-A424-BADA723AD9F1}" type="datetime1">
               <a:rPr lang="en-GB" smtClean="0"/>
-              <a:t>07/02/2026</a:t>
+              <a:t>17/02/2026</a:t>
             </a:fld>
             <a:endParaRPr lang="en-GB"/>
           </a:p>
@@ -3578,7 +3581,7 @@
           <a:p>
             <a:fld id="{12632426-0A0C-405F-A3D0-2D11AA44702A}" type="datetime1">
               <a:rPr lang="en-GB" smtClean="0"/>
-              <a:t>07/02/2026</a:t>
+              <a:t>17/02/2026</a:t>
             </a:fld>
             <a:endParaRPr lang="en-GB"/>
           </a:p>
@@ -4091,10 +4094,10 @@
       </p:grpSpPr>
       <p:sp>
         <p:nvSpPr>
-          <p:cNvPr id="2" name="Titel 1">
-            <a:extLst>
-              <a:ext uri="{FF2B5EF4-FFF2-40B4-BE49-F238E27FC236}">
-                <a16:creationId xmlns:a16="http://schemas.microsoft.com/office/drawing/2014/main" id="{CE99F1FF-5A04-077E-D84A-6C578EAA003C}"/>
+          <p:cNvPr id="5" name="Titel 4">
+            <a:extLst>
+              <a:ext uri="{FF2B5EF4-FFF2-40B4-BE49-F238E27FC236}">
+                <a16:creationId xmlns:a16="http://schemas.microsoft.com/office/drawing/2014/main" id="{DC14D80D-9884-46DC-498B-99F092C65226}"/>
               </a:ext>
             </a:extLst>
           </p:cNvPr>
@@ -4111,95 +4114,12 @@
           <a:lstStyle/>
           <a:p>
             <a:r>
-              <a:rPr lang="de-DE" dirty="0"/>
-              <a:t>Pole-Zero </a:t>
-            </a:r>
-            <a:r>
-              <a:rPr lang="de-DE" dirty="0" err="1"/>
-              <a:t>Diagrams</a:t>
-            </a:r>
-            <a:endParaRPr lang="de-DE" dirty="0"/>
-          </a:p>
-        </p:txBody>
-      </p:sp>
-      <p:sp>
-        <p:nvSpPr>
-          <p:cNvPr id="3" name="Inhaltsplatzhalter 2">
-            <a:extLst>
-              <a:ext uri="{FF2B5EF4-FFF2-40B4-BE49-F238E27FC236}">
-                <a16:creationId xmlns:a16="http://schemas.microsoft.com/office/drawing/2014/main" id="{9E3CA8AA-BDFD-EE45-F29F-F739D9849959}"/>
-              </a:ext>
-            </a:extLst>
-          </p:cNvPr>
-          <p:cNvSpPr>
-            <a:spLocks noGrp="1"/>
-          </p:cNvSpPr>
-          <p:nvPr>
-            <p:ph idx="1"/>
-          </p:nvPr>
-        </p:nvSpPr>
-        <p:spPr/>
-        <p:txBody>
-          <a:bodyPr/>
-          <a:lstStyle/>
-          <a:p>
-            <a:r>
-              <a:rPr lang="de-DE" dirty="0" err="1"/>
-              <a:t>Graphical</a:t>
-            </a:r>
-            <a:r>
-              <a:rPr lang="de-DE" dirty="0"/>
-              <a:t> </a:t>
-            </a:r>
-            <a:r>
-              <a:rPr lang="de-DE" dirty="0" err="1"/>
-              <a:t>representation</a:t>
-            </a:r>
-            <a:r>
-              <a:rPr lang="de-DE" dirty="0"/>
-              <a:t> in </a:t>
-            </a:r>
-            <a:r>
-              <a:rPr lang="de-DE" dirty="0" err="1"/>
-              <a:t>complex</a:t>
-            </a:r>
-            <a:r>
-              <a:rPr lang="de-DE" dirty="0"/>
-              <a:t> plane</a:t>
-            </a:r>
-          </a:p>
-          <a:p>
-            <a:r>
-              <a:rPr lang="de-DE" dirty="0" err="1"/>
-              <a:t>Stability</a:t>
-            </a:r>
-            <a:r>
-              <a:rPr lang="de-DE" dirty="0"/>
-              <a:t> visible at a </a:t>
-            </a:r>
-            <a:r>
-              <a:rPr lang="de-DE" dirty="0" err="1"/>
-              <a:t>glance</a:t>
-            </a:r>
-            <a:endParaRPr lang="de-DE" dirty="0"/>
-          </a:p>
-          <a:p>
-            <a:pPr marL="0" indent="0">
-              <a:buNone/>
-            </a:pPr>
-            <a:endParaRPr lang="de-DE" dirty="0"/>
-          </a:p>
-          <a:p>
-            <a:pPr marL="0" indent="0">
-              <a:buNone/>
-            </a:pPr>
-            <a:r>
-              <a:rPr lang="de-DE" b="1" dirty="0"/>
-              <a:t>Image:</a:t>
-            </a:r>
-            <a:r>
-              <a:rPr lang="de-DE" dirty="0"/>
-              <a:t> s-plane </a:t>
+              <a:rPr lang="de-DE" dirty="0" err="1"/>
+              <a:t>Example</a:t>
+            </a:r>
+            <a:r>
+              <a:rPr lang="de-DE" dirty="0"/>
+              <a:t>: PT2 </a:t>
             </a:r>
             <a:r>
               <a:rPr lang="de-DE" dirty="0" err="1"/>
@@ -4207,21 +4127,8 @@
             </a:r>
             <a:r>
               <a:rPr lang="de-DE" dirty="0"/>
-              <a:t> </a:t>
-            </a:r>
-            <a:r>
-              <a:rPr lang="de-DE" dirty="0" err="1"/>
-              <a:t>poles</a:t>
-            </a:r>
-            <a:r>
-              <a:rPr lang="de-DE" dirty="0"/>
-              <a:t> and </a:t>
-            </a:r>
-            <a:r>
-              <a:rPr lang="de-DE" dirty="0" err="1"/>
-              <a:t>zeros</a:t>
-            </a:r>
-            <a:endParaRPr lang="de-DE" dirty="0"/>
+              <a:t> LHP and RHP Zero</a:t>
+            </a:r>
           </a:p>
         </p:txBody>
       </p:sp>
@@ -4230,7 +4137,7 @@
           <p:cNvPr id="4" name="Foliennummernplatzhalter 3">
             <a:extLst>
               <a:ext uri="{FF2B5EF4-FFF2-40B4-BE49-F238E27FC236}">
-                <a16:creationId xmlns:a16="http://schemas.microsoft.com/office/drawing/2014/main" id="{EA7928FD-EA29-8BF1-2D4C-EFF827F68C12}"/>
+                <a16:creationId xmlns:a16="http://schemas.microsoft.com/office/drawing/2014/main" id="{F729D9CC-BE20-5150-683A-F70E1A722F96}"/>
               </a:ext>
             </a:extLst>
           </p:cNvPr>
@@ -4254,10 +4161,266 @@
           </a:p>
         </p:txBody>
       </p:sp>
+      <p:pic>
+        <p:nvPicPr>
+          <p:cNvPr id="6" name="Grafik 5">
+            <a:extLst>
+              <a:ext uri="{FF2B5EF4-FFF2-40B4-BE49-F238E27FC236}">
+                <a16:creationId xmlns:a16="http://schemas.microsoft.com/office/drawing/2014/main" id="{4025D890-30AC-76BD-EF89-6FE72F7ECF65}"/>
+              </a:ext>
+            </a:extLst>
+          </p:cNvPr>
+          <p:cNvPicPr>
+            <a:picLocks noChangeAspect="1"/>
+          </p:cNvPicPr>
+          <p:nvPr/>
+        </p:nvPicPr>
+        <p:blipFill>
+          <a:blip r:embed="rId2"/>
+          <a:stretch>
+            <a:fillRect/>
+          </a:stretch>
+        </p:blipFill>
+        <p:spPr>
+          <a:xfrm>
+            <a:off x="3230986" y="1612814"/>
+            <a:ext cx="7717854" cy="4926098"/>
+          </a:xfrm>
+          <a:prstGeom prst="rect">
+            <a:avLst/>
+          </a:prstGeom>
+        </p:spPr>
+      </p:pic>
+      <p:sp>
+        <p:nvSpPr>
+          <p:cNvPr id="7" name="Textfeld 6">
+            <a:extLst>
+              <a:ext uri="{FF2B5EF4-FFF2-40B4-BE49-F238E27FC236}">
+                <a16:creationId xmlns:a16="http://schemas.microsoft.com/office/drawing/2014/main" id="{92F3C590-F620-D9AC-7113-6FFD282C2900}"/>
+              </a:ext>
+            </a:extLst>
+          </p:cNvPr>
+          <p:cNvSpPr txBox="1"/>
+          <p:nvPr/>
+        </p:nvSpPr>
+        <p:spPr>
+          <a:xfrm>
+            <a:off x="172560" y="1958009"/>
+            <a:ext cx="3365770" cy="769441"/>
+          </a:xfrm>
+          <a:prstGeom prst="rect">
+            <a:avLst/>
+          </a:prstGeom>
+          <a:noFill/>
+        </p:spPr>
+        <p:txBody>
+          <a:bodyPr wrap="square" rtlCol="0">
+            <a:spAutoFit/>
+          </a:bodyPr>
+          <a:lstStyle/>
+          <a:p>
+            <a:r>
+              <a:rPr lang="de-DE" sz="2200" dirty="0"/>
+              <a:t>LHP </a:t>
+            </a:r>
+            <a:r>
+              <a:rPr lang="de-DE" sz="2200" dirty="0" err="1"/>
+              <a:t>zero</a:t>
+            </a:r>
+            <a:r>
+              <a:rPr lang="de-DE" sz="2200" dirty="0"/>
+              <a:t>: </a:t>
+            </a:r>
+            <a:r>
+              <a:rPr lang="de-DE" sz="2200" dirty="0" err="1"/>
+              <a:t>faster</a:t>
+            </a:r>
+            <a:r>
+              <a:rPr lang="de-DE" sz="2200" dirty="0"/>
+              <a:t> </a:t>
+            </a:r>
+            <a:r>
+              <a:rPr lang="de-DE" sz="2200" dirty="0" err="1"/>
+              <a:t>response</a:t>
+            </a:r>
+            <a:r>
+              <a:rPr lang="de-DE" sz="2200" dirty="0"/>
+              <a:t>, </a:t>
+            </a:r>
+            <a:r>
+              <a:rPr lang="de-DE" sz="2200" dirty="0" err="1"/>
+              <a:t>increased</a:t>
+            </a:r>
+            <a:r>
+              <a:rPr lang="de-DE" sz="2200" dirty="0"/>
+              <a:t> </a:t>
+            </a:r>
+            <a:r>
+              <a:rPr lang="de-DE" sz="2200" dirty="0" err="1"/>
+              <a:t>overshoot</a:t>
+            </a:r>
+            <a:endParaRPr lang="de-DE" sz="2200" dirty="0"/>
+          </a:p>
+        </p:txBody>
+      </p:sp>
+      <p:cxnSp>
+        <p:nvCxnSpPr>
+          <p:cNvPr id="9" name="Gerade Verbindung mit Pfeil 8">
+            <a:extLst>
+              <a:ext uri="{FF2B5EF4-FFF2-40B4-BE49-F238E27FC236}">
+                <a16:creationId xmlns:a16="http://schemas.microsoft.com/office/drawing/2014/main" id="{29A930AC-DD7B-E33E-CE62-28D1B265AC63}"/>
+              </a:ext>
+            </a:extLst>
+          </p:cNvPr>
+          <p:cNvCxnSpPr>
+            <a:cxnSpLocks/>
+            <a:stCxn id="7" idx="3"/>
+          </p:cNvCxnSpPr>
+          <p:nvPr/>
+        </p:nvCxnSpPr>
+        <p:spPr>
+          <a:xfrm>
+            <a:off x="3538330" y="2342730"/>
+            <a:ext cx="884583" cy="161931"/>
+          </a:xfrm>
+          <a:prstGeom prst="straightConnector1">
+            <a:avLst/>
+          </a:prstGeom>
+          <a:ln>
+            <a:tailEnd type="triangle"/>
+          </a:ln>
+        </p:spPr>
+        <p:style>
+          <a:lnRef idx="2">
+            <a:schemeClr val="accent1"/>
+          </a:lnRef>
+          <a:fillRef idx="0">
+            <a:schemeClr val="accent1"/>
+          </a:fillRef>
+          <a:effectRef idx="1">
+            <a:schemeClr val="accent1"/>
+          </a:effectRef>
+          <a:fontRef idx="minor">
+            <a:schemeClr val="tx1"/>
+          </a:fontRef>
+        </p:style>
+      </p:cxnSp>
+      <p:sp>
+        <p:nvSpPr>
+          <p:cNvPr id="12" name="Textfeld 11">
+            <a:extLst>
+              <a:ext uri="{FF2B5EF4-FFF2-40B4-BE49-F238E27FC236}">
+                <a16:creationId xmlns:a16="http://schemas.microsoft.com/office/drawing/2014/main" id="{3052DF6C-0E49-5705-CEF1-9D753D6078C0}"/>
+              </a:ext>
+            </a:extLst>
+          </p:cNvPr>
+          <p:cNvSpPr txBox="1"/>
+          <p:nvPr/>
+        </p:nvSpPr>
+        <p:spPr>
+          <a:xfrm>
+            <a:off x="172560" y="5024324"/>
+            <a:ext cx="3475100" cy="769441"/>
+          </a:xfrm>
+          <a:prstGeom prst="rect">
+            <a:avLst/>
+          </a:prstGeom>
+          <a:noFill/>
+        </p:spPr>
+        <p:txBody>
+          <a:bodyPr wrap="square" rtlCol="0">
+            <a:spAutoFit/>
+          </a:bodyPr>
+          <a:lstStyle/>
+          <a:p>
+            <a:r>
+              <a:rPr lang="de-DE" sz="2200" dirty="0"/>
+              <a:t>RHP </a:t>
+            </a:r>
+            <a:r>
+              <a:rPr lang="de-DE" sz="2200" dirty="0" err="1"/>
+              <a:t>zero</a:t>
+            </a:r>
+            <a:r>
+              <a:rPr lang="de-DE" sz="2200" dirty="0"/>
+              <a:t>: inverse </a:t>
+            </a:r>
+            <a:r>
+              <a:rPr lang="de-DE" sz="2200" dirty="0" err="1"/>
+              <a:t>response</a:t>
+            </a:r>
+            <a:r>
+              <a:rPr lang="de-DE" sz="2200" dirty="0"/>
+              <a:t> </a:t>
+            </a:r>
+            <a:r>
+              <a:rPr lang="de-DE" sz="2200" dirty="0">
+                <a:sym typeface="Wingdings" pitchFamily="2" charset="2"/>
+              </a:rPr>
+              <a:t>(initial </a:t>
+            </a:r>
+            <a:r>
+              <a:rPr lang="de-DE" sz="2200" dirty="0" err="1">
+                <a:sym typeface="Wingdings" pitchFamily="2" charset="2"/>
+              </a:rPr>
+              <a:t>dip</a:t>
+            </a:r>
+            <a:r>
+              <a:rPr lang="de-DE" sz="2200" dirty="0">
+                <a:sym typeface="Wingdings" pitchFamily="2" charset="2"/>
+              </a:rPr>
+              <a:t>)</a:t>
+            </a:r>
+            <a:endParaRPr lang="de-DE" sz="2200" dirty="0"/>
+          </a:p>
+        </p:txBody>
+      </p:sp>
+      <p:cxnSp>
+        <p:nvCxnSpPr>
+          <p:cNvPr id="16" name="Gerade Verbindung mit Pfeil 15">
+            <a:extLst>
+              <a:ext uri="{FF2B5EF4-FFF2-40B4-BE49-F238E27FC236}">
+                <a16:creationId xmlns:a16="http://schemas.microsoft.com/office/drawing/2014/main" id="{C031EFAE-F109-B148-1884-D68FFE6118B0}"/>
+              </a:ext>
+            </a:extLst>
+          </p:cNvPr>
+          <p:cNvCxnSpPr>
+            <a:cxnSpLocks/>
+            <a:stCxn id="12" idx="3"/>
+          </p:cNvCxnSpPr>
+          <p:nvPr/>
+        </p:nvCxnSpPr>
+        <p:spPr>
+          <a:xfrm>
+            <a:off x="3647660" y="5409045"/>
+            <a:ext cx="636105" cy="220001"/>
+          </a:xfrm>
+          <a:prstGeom prst="straightConnector1">
+            <a:avLst/>
+          </a:prstGeom>
+          <a:ln>
+            <a:tailEnd type="triangle"/>
+          </a:ln>
+        </p:spPr>
+        <p:style>
+          <a:lnRef idx="2">
+            <a:schemeClr val="accent1"/>
+          </a:lnRef>
+          <a:fillRef idx="0">
+            <a:schemeClr val="accent1"/>
+          </a:fillRef>
+          <a:effectRef idx="1">
+            <a:schemeClr val="accent1"/>
+          </a:effectRef>
+          <a:fontRef idx="minor">
+            <a:schemeClr val="tx1"/>
+          </a:fontRef>
+        </p:style>
+      </p:cxnSp>
     </p:spTree>
     <p:extLst>
       <p:ext uri="{BB962C8B-B14F-4D97-AF65-F5344CB8AC3E}">
-        <p14:creationId xmlns:p14="http://schemas.microsoft.com/office/powerpoint/2010/main" val="3732035512"/>
+        <p14:creationId xmlns:p14="http://schemas.microsoft.com/office/powerpoint/2010/main" val="379771936"/>
       </p:ext>
     </p:extLst>
   </p:cSld>
@@ -4289,7 +4452,7 @@
           <p:cNvPr id="2" name="Titel 1">
             <a:extLst>
               <a:ext uri="{FF2B5EF4-FFF2-40B4-BE49-F238E27FC236}">
-                <a16:creationId xmlns:a16="http://schemas.microsoft.com/office/drawing/2014/main" id="{B43EB291-3617-973F-8E27-86ACF15D8731}"/>
+                <a16:creationId xmlns:a16="http://schemas.microsoft.com/office/drawing/2014/main" id="{ABA1AB49-B735-7ABD-9A76-36030B236901}"/>
               </a:ext>
             </a:extLst>
           </p:cNvPr>
@@ -4307,160 +4470,29 @@
           <a:p>
             <a:r>
               <a:rPr lang="de-DE" dirty="0" err="1"/>
-              <a:t>Stability</a:t>
-            </a:r>
-            <a:r>
-              <a:rPr lang="de-DE" dirty="0"/>
-              <a:t> </a:t>
-            </a:r>
-            <a:r>
-              <a:rPr lang="de-DE" dirty="0" err="1"/>
-              <a:t>of</a:t>
-            </a:r>
-            <a:r>
-              <a:rPr lang="de-DE" dirty="0"/>
-              <a:t> </a:t>
-            </a:r>
-            <a:r>
-              <a:rPr lang="de-DE" dirty="0" err="1"/>
-              <a:t>Continuous</a:t>
-            </a:r>
-            <a:r>
-              <a:rPr lang="de-DE" dirty="0"/>
-              <a:t>-Time Systems</a:t>
-            </a:r>
-          </a:p>
-        </p:txBody>
-      </p:sp>
-      <p:sp>
-        <p:nvSpPr>
-          <p:cNvPr id="3" name="Inhaltsplatzhalter 2">
-            <a:extLst>
-              <a:ext uri="{FF2B5EF4-FFF2-40B4-BE49-F238E27FC236}">
-                <a16:creationId xmlns:a16="http://schemas.microsoft.com/office/drawing/2014/main" id="{5D956592-B7CC-DA1D-26BD-9F6DCF27D941}"/>
-              </a:ext>
-            </a:extLst>
-          </p:cNvPr>
-          <p:cNvSpPr>
-            <a:spLocks noGrp="1"/>
-          </p:cNvSpPr>
-          <p:nvPr>
-            <p:ph idx="1"/>
-          </p:nvPr>
-        </p:nvSpPr>
-        <p:spPr/>
-        <p:txBody>
-          <a:bodyPr/>
-          <a:lstStyle/>
-          <a:p>
-            <a:r>
-              <a:rPr lang="de-DE" dirty="0" err="1"/>
-              <a:t>Stable</a:t>
-            </a:r>
-            <a:r>
-              <a:rPr lang="de-DE" dirty="0"/>
-              <a:t> </a:t>
-            </a:r>
-            <a:r>
-              <a:rPr lang="de-DE" dirty="0" err="1"/>
-              <a:t>if</a:t>
-            </a:r>
-            <a:r>
-              <a:rPr lang="de-DE" dirty="0"/>
-              <a:t> all </a:t>
-            </a:r>
-            <a:r>
-              <a:rPr lang="de-DE" dirty="0" err="1"/>
-              <a:t>poles</a:t>
-            </a:r>
-            <a:r>
-              <a:rPr lang="de-DE" dirty="0"/>
-              <a:t> </a:t>
-            </a:r>
-            <a:r>
-              <a:rPr lang="de-DE" dirty="0" err="1"/>
-              <a:t>have</a:t>
-            </a:r>
-            <a:r>
-              <a:rPr lang="de-DE" dirty="0"/>
-              <a:t> negative real </a:t>
-            </a:r>
-            <a:r>
-              <a:rPr lang="de-DE" dirty="0" err="1"/>
-              <a:t>part</a:t>
-            </a:r>
-            <a:endParaRPr lang="de-DE" dirty="0"/>
-          </a:p>
-          <a:p>
-            <a:r>
-              <a:rPr lang="de-DE" dirty="0" err="1"/>
-              <a:t>Marginally</a:t>
-            </a:r>
-            <a:r>
-              <a:rPr lang="de-DE" dirty="0"/>
-              <a:t> </a:t>
-            </a:r>
-            <a:r>
-              <a:rPr lang="de-DE" dirty="0" err="1"/>
-              <a:t>stable</a:t>
-            </a:r>
-            <a:r>
-              <a:rPr lang="de-DE" dirty="0"/>
-              <a:t> </a:t>
-            </a:r>
-            <a:r>
-              <a:rPr lang="de-DE" dirty="0" err="1"/>
-              <a:t>if</a:t>
-            </a:r>
-            <a:r>
-              <a:rPr lang="de-DE" dirty="0"/>
-              <a:t> </a:t>
-            </a:r>
-            <a:r>
-              <a:rPr lang="de-DE" dirty="0" err="1"/>
-              <a:t>poles</a:t>
-            </a:r>
-            <a:r>
-              <a:rPr lang="de-DE" dirty="0"/>
-              <a:t> on </a:t>
-            </a:r>
-            <a:r>
-              <a:rPr lang="de-DE" dirty="0" err="1"/>
-              <a:t>imaginary</a:t>
-            </a:r>
-            <a:r>
-              <a:rPr lang="de-DE" dirty="0"/>
-              <a:t> </a:t>
-            </a:r>
-            <a:r>
-              <a:rPr lang="de-DE" dirty="0" err="1"/>
-              <a:t>axis</a:t>
-            </a:r>
-            <a:endParaRPr lang="de-DE" dirty="0"/>
-          </a:p>
-          <a:p>
-            <a:r>
-              <a:rPr lang="de-DE" dirty="0" err="1"/>
-              <a:t>Unstable</a:t>
-            </a:r>
-            <a:r>
-              <a:rPr lang="de-DE" dirty="0"/>
-              <a:t> </a:t>
-            </a:r>
-            <a:r>
-              <a:rPr lang="de-DE" dirty="0" err="1"/>
-              <a:t>otherwise</a:t>
-            </a:r>
-            <a:endParaRPr lang="de-DE" dirty="0"/>
-          </a:p>
-        </p:txBody>
-      </p:sp>
-      <p:sp>
-        <p:nvSpPr>
-          <p:cNvPr id="4" name="Foliennummernplatzhalter 3">
-            <a:extLst>
-              <a:ext uri="{FF2B5EF4-FFF2-40B4-BE49-F238E27FC236}">
-                <a16:creationId xmlns:a16="http://schemas.microsoft.com/office/drawing/2014/main" id="{1D91BC1F-3367-2175-29F8-BD9E03A1D44E}"/>
+              <a:t>Example</a:t>
+            </a:r>
+            <a:r>
+              <a:rPr lang="de-DE" dirty="0"/>
+              <a:t>: PT2 </a:t>
+            </a:r>
+            <a:r>
+              <a:rPr lang="de-DE" dirty="0" err="1"/>
+              <a:t>with</a:t>
+            </a:r>
+            <a:r>
+              <a:rPr lang="de-DE" dirty="0"/>
+              <a:t> LHP and RHP Zero</a:t>
+            </a:r>
+          </a:p>
+        </p:txBody>
+      </p:sp>
+      <p:sp>
+        <p:nvSpPr>
+          <p:cNvPr id="3" name="Foliennummernplatzhalter 2">
+            <a:extLst>
+              <a:ext uri="{FF2B5EF4-FFF2-40B4-BE49-F238E27FC236}">
+                <a16:creationId xmlns:a16="http://schemas.microsoft.com/office/drawing/2014/main" id="{0C883CDC-34B6-3A26-EF2C-E286CA1F5DEF}"/>
               </a:ext>
             </a:extLst>
           </p:cNvPr>
@@ -4484,10 +4516,167 @@
           </a:p>
         </p:txBody>
       </p:sp>
+      <p:pic>
+        <p:nvPicPr>
+          <p:cNvPr id="4" name="Grafik 3">
+            <a:extLst>
+              <a:ext uri="{FF2B5EF4-FFF2-40B4-BE49-F238E27FC236}">
+                <a16:creationId xmlns:a16="http://schemas.microsoft.com/office/drawing/2014/main" id="{53BAF34D-91C9-8649-1EC3-A30D8607AC77}"/>
+              </a:ext>
+            </a:extLst>
+          </p:cNvPr>
+          <p:cNvPicPr>
+            <a:picLocks noChangeAspect="1"/>
+          </p:cNvPicPr>
+          <p:nvPr/>
+        </p:nvPicPr>
+        <p:blipFill>
+          <a:blip r:embed="rId2"/>
+          <a:stretch>
+            <a:fillRect/>
+          </a:stretch>
+        </p:blipFill>
+        <p:spPr>
+          <a:xfrm>
+            <a:off x="3284838" y="1820675"/>
+            <a:ext cx="7772400" cy="5037325"/>
+          </a:xfrm>
+          <a:prstGeom prst="rect">
+            <a:avLst/>
+          </a:prstGeom>
+        </p:spPr>
+      </p:pic>
+      <p:sp>
+        <p:nvSpPr>
+          <p:cNvPr id="6" name="Textfeld 5">
+            <a:extLst>
+              <a:ext uri="{FF2B5EF4-FFF2-40B4-BE49-F238E27FC236}">
+                <a16:creationId xmlns:a16="http://schemas.microsoft.com/office/drawing/2014/main" id="{E5658B4C-AC10-7F49-8680-937F67392DEC}"/>
+              </a:ext>
+            </a:extLst>
+          </p:cNvPr>
+          <p:cNvSpPr txBox="1"/>
+          <p:nvPr/>
+        </p:nvSpPr>
+        <p:spPr>
+          <a:xfrm>
+            <a:off x="178905" y="2777195"/>
+            <a:ext cx="3309729" cy="1446550"/>
+          </a:xfrm>
+          <a:prstGeom prst="rect">
+            <a:avLst/>
+          </a:prstGeom>
+          <a:noFill/>
+        </p:spPr>
+        <p:txBody>
+          <a:bodyPr wrap="square">
+            <a:spAutoFit/>
+          </a:bodyPr>
+          <a:lstStyle/>
+          <a:p>
+            <a:pPr>
+              <a:buNone/>
+            </a:pPr>
+            <a:r>
+              <a:rPr lang="de-DE" sz="2200" dirty="0"/>
+              <a:t>RHP </a:t>
+            </a:r>
+            <a:r>
+              <a:rPr lang="de-DE" sz="2200" dirty="0" err="1"/>
+              <a:t>zero</a:t>
+            </a:r>
+            <a:r>
+              <a:rPr lang="de-DE" sz="2200" dirty="0"/>
+              <a:t> </a:t>
+            </a:r>
+            <a:r>
+              <a:rPr lang="de-DE" sz="2200" dirty="0" err="1"/>
+              <a:t>closer</a:t>
+            </a:r>
+            <a:r>
+              <a:rPr lang="de-DE" sz="2200" dirty="0"/>
+              <a:t> </a:t>
+            </a:r>
+            <a:r>
+              <a:rPr lang="de-DE" sz="2200" dirty="0" err="1"/>
+              <a:t>to</a:t>
+            </a:r>
+            <a:r>
+              <a:rPr lang="de-DE" sz="2200" dirty="0"/>
+              <a:t> </a:t>
+            </a:r>
+            <a:r>
+              <a:rPr lang="de-DE" sz="2200" dirty="0" err="1"/>
+              <a:t>origin</a:t>
+            </a:r>
+            <a:r>
+              <a:rPr lang="de-DE" sz="2200" dirty="0"/>
+              <a:t>:</a:t>
+            </a:r>
+          </a:p>
+          <a:p>
+            <a:pPr marL="342900" indent="-342900">
+              <a:buFont typeface="Arial" panose="020B0604020202020204" pitchFamily="34" charset="0"/>
+              <a:buChar char="•"/>
+            </a:pPr>
+            <a:r>
+              <a:rPr lang="de-DE" sz="2200" dirty="0" err="1"/>
+              <a:t>stronger</a:t>
+            </a:r>
+            <a:r>
+              <a:rPr lang="de-DE" sz="2200" dirty="0"/>
+              <a:t> </a:t>
+            </a:r>
+            <a:r>
+              <a:rPr lang="de-DE" sz="2200" dirty="0" err="1"/>
+              <a:t>dip</a:t>
+            </a:r>
+            <a:endParaRPr lang="de-DE" sz="2200" dirty="0"/>
+          </a:p>
+          <a:p>
+            <a:pPr marL="342900" indent="-342900">
+              <a:buFont typeface="Arial" panose="020B0604020202020204" pitchFamily="34" charset="0"/>
+              <a:buChar char="•"/>
+            </a:pPr>
+            <a:r>
+              <a:rPr lang="de-DE" sz="2200" dirty="0" err="1"/>
+              <a:t>higher</a:t>
+            </a:r>
+            <a:r>
+              <a:rPr lang="de-DE" sz="2200" dirty="0"/>
+              <a:t> </a:t>
+            </a:r>
+            <a:r>
+              <a:rPr lang="de-DE" sz="2200" dirty="0" err="1"/>
+              <a:t>overshoot</a:t>
+            </a:r>
+            <a:endParaRPr lang="de-DE" sz="2200" dirty="0"/>
+          </a:p>
+          <a:p>
+            <a:pPr marL="342900" indent="-342900">
+              <a:buFont typeface="Arial" panose="020B0604020202020204" pitchFamily="34" charset="0"/>
+              <a:buChar char="•"/>
+            </a:pPr>
+            <a:r>
+              <a:rPr lang="de-DE" sz="2200" dirty="0" err="1"/>
+              <a:t>more</a:t>
+            </a:r>
+            <a:r>
+              <a:rPr lang="de-DE" sz="2200" dirty="0"/>
+              <a:t> </a:t>
+            </a:r>
+            <a:r>
+              <a:rPr lang="de-DE" sz="2200" dirty="0" err="1"/>
+              <a:t>sluggish</a:t>
+            </a:r>
+            <a:endParaRPr lang="de-DE" sz="2200" dirty="0"/>
+          </a:p>
+        </p:txBody>
+      </p:sp>
     </p:spTree>
     <p:extLst>
       <p:ext uri="{BB962C8B-B14F-4D97-AF65-F5344CB8AC3E}">
-        <p14:creationId xmlns:p14="http://schemas.microsoft.com/office/powerpoint/2010/main" val="843895330"/>
+        <p14:creationId xmlns:p14="http://schemas.microsoft.com/office/powerpoint/2010/main" val="2027630084"/>
       </p:ext>
     </p:extLst>
   </p:cSld>
@@ -4516,10 +4705,10 @@
       </p:grpSpPr>
       <p:sp>
         <p:nvSpPr>
-          <p:cNvPr id="2" name="Titel 1">
-            <a:extLst>
-              <a:ext uri="{FF2B5EF4-FFF2-40B4-BE49-F238E27FC236}">
-                <a16:creationId xmlns:a16="http://schemas.microsoft.com/office/drawing/2014/main" id="{F6FE5387-4C13-F9A0-420D-3C1E54D948AB}"/>
+          <p:cNvPr id="5" name="Titel 4">
+            <a:extLst>
+              <a:ext uri="{FF2B5EF4-FFF2-40B4-BE49-F238E27FC236}">
+                <a16:creationId xmlns:a16="http://schemas.microsoft.com/office/drawing/2014/main" id="{0DAD6DF8-6F83-43F5-EE29-F63CDFA9C6AA}"/>
               </a:ext>
             </a:extLst>
           </p:cNvPr>
@@ -4537,93 +4726,20 @@
           <a:p>
             <a:r>
               <a:rPr lang="de-DE" dirty="0" err="1"/>
-              <a:t>Frequency</a:t>
-            </a:r>
-            <a:r>
-              <a:rPr lang="de-DE" dirty="0"/>
-              <a:t>-Domain </a:t>
-            </a:r>
-            <a:r>
-              <a:rPr lang="de-DE" dirty="0" err="1"/>
-              <a:t>Stability</a:t>
-            </a:r>
-            <a:endParaRPr lang="de-DE" dirty="0"/>
-          </a:p>
-        </p:txBody>
-      </p:sp>
-      <p:sp>
-        <p:nvSpPr>
-          <p:cNvPr id="3" name="Inhaltsplatzhalter 2">
-            <a:extLst>
-              <a:ext uri="{FF2B5EF4-FFF2-40B4-BE49-F238E27FC236}">
-                <a16:creationId xmlns:a16="http://schemas.microsoft.com/office/drawing/2014/main" id="{453D7CE1-C65E-F11F-3A4B-8EC03F1E1BC8}"/>
-              </a:ext>
-            </a:extLst>
-          </p:cNvPr>
-          <p:cNvSpPr>
-            <a:spLocks noGrp="1"/>
-          </p:cNvSpPr>
-          <p:nvPr>
-            <p:ph idx="1"/>
-          </p:nvPr>
-        </p:nvSpPr>
-        <p:spPr/>
-        <p:txBody>
-          <a:bodyPr/>
-          <a:lstStyle/>
-          <a:p>
-            <a:r>
-              <a:rPr lang="de-DE" dirty="0" err="1"/>
-              <a:t>Stability</a:t>
-            </a:r>
-            <a:r>
-              <a:rPr lang="de-DE" dirty="0"/>
-              <a:t> </a:t>
-            </a:r>
-            <a:r>
-              <a:rPr lang="de-DE" dirty="0" err="1"/>
-              <a:t>inferred</a:t>
-            </a:r>
-            <a:r>
-              <a:rPr lang="de-DE" dirty="0"/>
-              <a:t> </a:t>
-            </a:r>
-            <a:r>
-              <a:rPr lang="de-DE" dirty="0" err="1"/>
-              <a:t>from</a:t>
-            </a:r>
-            <a:r>
-              <a:rPr lang="de-DE" dirty="0"/>
-              <a:t> </a:t>
-            </a:r>
-            <a:r>
-              <a:rPr lang="de-DE" dirty="0" err="1"/>
-              <a:t>frequency</a:t>
-            </a:r>
-            <a:r>
-              <a:rPr lang="de-DE" dirty="0"/>
-              <a:t> </a:t>
-            </a:r>
-            <a:r>
-              <a:rPr lang="de-DE" dirty="0" err="1"/>
-              <a:t>response</a:t>
-            </a:r>
-            <a:endParaRPr lang="de-DE" dirty="0"/>
-          </a:p>
-          <a:p>
-            <a:r>
-              <a:rPr lang="de-DE" dirty="0" err="1"/>
-              <a:t>Avoids</a:t>
-            </a:r>
-            <a:r>
-              <a:rPr lang="de-DE" dirty="0"/>
-              <a:t> explicit pole </a:t>
-            </a:r>
-            <a:r>
-              <a:rPr lang="de-DE" dirty="0" err="1"/>
-              <a:t>calculation</a:t>
-            </a:r>
-            <a:endParaRPr lang="de-DE" dirty="0"/>
+              <a:t>Example</a:t>
+            </a:r>
+            <a:r>
+              <a:rPr lang="de-DE" dirty="0"/>
+              <a:t>: PT2 </a:t>
+            </a:r>
+            <a:r>
+              <a:rPr lang="de-DE" dirty="0" err="1"/>
+              <a:t>with</a:t>
+            </a:r>
+            <a:r>
+              <a:rPr lang="de-DE" dirty="0"/>
+              <a:t> LHP and RHP Zero</a:t>
+            </a:r>
           </a:p>
         </p:txBody>
       </p:sp>
@@ -4632,7 +4748,7 @@
           <p:cNvPr id="4" name="Foliennummernplatzhalter 3">
             <a:extLst>
               <a:ext uri="{FF2B5EF4-FFF2-40B4-BE49-F238E27FC236}">
-                <a16:creationId xmlns:a16="http://schemas.microsoft.com/office/drawing/2014/main" id="{D854C762-1E44-BE87-DF59-C1B9C35E2945}"/>
+                <a16:creationId xmlns:a16="http://schemas.microsoft.com/office/drawing/2014/main" id="{5DB4680E-CA38-644F-7D27-23CCF858FC7B}"/>
               </a:ext>
             </a:extLst>
           </p:cNvPr>
@@ -4656,10 +4772,455 @@
           </a:p>
         </p:txBody>
       </p:sp>
+      <p:pic>
+        <p:nvPicPr>
+          <p:cNvPr id="6" name="Grafik 5">
+            <a:extLst>
+              <a:ext uri="{FF2B5EF4-FFF2-40B4-BE49-F238E27FC236}">
+                <a16:creationId xmlns:a16="http://schemas.microsoft.com/office/drawing/2014/main" id="{61639D8C-F0B8-C389-624E-00C7E4D74611}"/>
+              </a:ext>
+            </a:extLst>
+          </p:cNvPr>
+          <p:cNvPicPr>
+            <a:picLocks noChangeAspect="1"/>
+          </p:cNvPicPr>
+          <p:nvPr/>
+        </p:nvPicPr>
+        <p:blipFill>
+          <a:blip r:embed="rId2"/>
+          <a:stretch>
+            <a:fillRect/>
+          </a:stretch>
+        </p:blipFill>
+        <p:spPr>
+          <a:xfrm>
+            <a:off x="838200" y="1485410"/>
+            <a:ext cx="6178826" cy="5372590"/>
+          </a:xfrm>
+          <a:prstGeom prst="rect">
+            <a:avLst/>
+          </a:prstGeom>
+        </p:spPr>
+      </p:pic>
+      <p:sp>
+        <p:nvSpPr>
+          <p:cNvPr id="8" name="Textfeld 7">
+            <a:extLst>
+              <a:ext uri="{FF2B5EF4-FFF2-40B4-BE49-F238E27FC236}">
+                <a16:creationId xmlns:a16="http://schemas.microsoft.com/office/drawing/2014/main" id="{999766FA-8E8B-881A-1609-65F6CB2D28EC}"/>
+              </a:ext>
+            </a:extLst>
+          </p:cNvPr>
+          <p:cNvSpPr txBox="1"/>
+          <p:nvPr/>
+        </p:nvSpPr>
+        <p:spPr>
+          <a:xfrm>
+            <a:off x="7300704" y="1690688"/>
+            <a:ext cx="4318139" cy="769441"/>
+          </a:xfrm>
+          <a:prstGeom prst="rect">
+            <a:avLst/>
+          </a:prstGeom>
+          <a:noFill/>
+        </p:spPr>
+        <p:txBody>
+          <a:bodyPr wrap="square">
+            <a:spAutoFit/>
+          </a:bodyPr>
+          <a:lstStyle/>
+          <a:p>
+            <a:pPr>
+              <a:buNone/>
+            </a:pPr>
+            <a:r>
+              <a:rPr lang="de-DE" sz="2200" dirty="0">
+                <a:solidFill>
+                  <a:srgbClr val="0E0E0E"/>
+                </a:solidFill>
+                <a:latin typeface=".AppleSystemUIFont"/>
+              </a:rPr>
+              <a:t>Z</a:t>
+            </a:r>
+            <a:r>
+              <a:rPr lang="de-DE" sz="2200" dirty="0">
+                <a:solidFill>
+                  <a:srgbClr val="0E0E0E"/>
+                </a:solidFill>
+                <a:effectLst/>
+                <a:latin typeface=".AppleSystemUIFont"/>
+              </a:rPr>
+              <a:t>eros </a:t>
+            </a:r>
+            <a:r>
+              <a:rPr lang="de-DE" sz="2200" dirty="0" err="1">
+                <a:solidFill>
+                  <a:srgbClr val="0E0E0E"/>
+                </a:solidFill>
+                <a:effectLst/>
+                <a:latin typeface=".AppleSystemUIFont"/>
+              </a:rPr>
+              <a:t>increase</a:t>
+            </a:r>
+            <a:r>
+              <a:rPr lang="de-DE" sz="2200" dirty="0">
+                <a:solidFill>
+                  <a:srgbClr val="0E0E0E"/>
+                </a:solidFill>
+                <a:effectLst/>
+                <a:latin typeface=".AppleSystemUIFont"/>
+              </a:rPr>
+              <a:t> high-</a:t>
+            </a:r>
+            <a:r>
+              <a:rPr lang="de-DE" sz="2200" dirty="0" err="1">
+                <a:solidFill>
+                  <a:srgbClr val="0E0E0E"/>
+                </a:solidFill>
+                <a:effectLst/>
+                <a:latin typeface=".AppleSystemUIFont"/>
+              </a:rPr>
+              <a:t>frequency</a:t>
+            </a:r>
+            <a:r>
+              <a:rPr lang="de-DE" sz="2200" dirty="0">
+                <a:solidFill>
+                  <a:srgbClr val="0E0E0E"/>
+                </a:solidFill>
+                <a:effectLst/>
+                <a:latin typeface=".AppleSystemUIFont"/>
+              </a:rPr>
+              <a:t> </a:t>
+            </a:r>
+            <a:r>
+              <a:rPr lang="de-DE" sz="2200" dirty="0" err="1">
+                <a:solidFill>
+                  <a:srgbClr val="0E0E0E"/>
+                </a:solidFill>
+                <a:effectLst/>
+                <a:latin typeface=".AppleSystemUIFont"/>
+              </a:rPr>
+              <a:t>slope</a:t>
+            </a:r>
+            <a:r>
+              <a:rPr lang="de-DE" sz="2200" dirty="0">
+                <a:solidFill>
+                  <a:srgbClr val="0E0E0E"/>
+                </a:solidFill>
+                <a:effectLst/>
+                <a:latin typeface=".AppleSystemUIFont"/>
+              </a:rPr>
+              <a:t> in </a:t>
+            </a:r>
+            <a:r>
+              <a:rPr lang="de-DE" sz="2200" dirty="0" err="1">
+                <a:solidFill>
+                  <a:srgbClr val="0E0E0E"/>
+                </a:solidFill>
+                <a:effectLst/>
+                <a:latin typeface=".AppleSystemUIFont"/>
+              </a:rPr>
+              <a:t>the</a:t>
+            </a:r>
+            <a:r>
+              <a:rPr lang="de-DE" sz="2200" dirty="0">
+                <a:solidFill>
+                  <a:srgbClr val="0E0E0E"/>
+                </a:solidFill>
+                <a:effectLst/>
+                <a:latin typeface=".AppleSystemUIFont"/>
+              </a:rPr>
+              <a:t> same </a:t>
+            </a:r>
+            <a:r>
+              <a:rPr lang="de-DE" sz="2200" dirty="0" err="1">
+                <a:solidFill>
+                  <a:srgbClr val="0E0E0E"/>
+                </a:solidFill>
+                <a:effectLst/>
+                <a:latin typeface=".AppleSystemUIFont"/>
+              </a:rPr>
+              <a:t>way</a:t>
+            </a:r>
+            <a:endParaRPr lang="de-DE" sz="2200" dirty="0">
+              <a:solidFill>
+                <a:srgbClr val="0E0E0E"/>
+              </a:solidFill>
+              <a:effectLst/>
+              <a:latin typeface=".AppleSystemUIFont"/>
+            </a:endParaRPr>
+          </a:p>
+        </p:txBody>
+      </p:sp>
+      <p:cxnSp>
+        <p:nvCxnSpPr>
+          <p:cNvPr id="10" name="Gerade Verbindung mit Pfeil 9">
+            <a:extLst>
+              <a:ext uri="{FF2B5EF4-FFF2-40B4-BE49-F238E27FC236}">
+                <a16:creationId xmlns:a16="http://schemas.microsoft.com/office/drawing/2014/main" id="{6C9547C6-AFDE-0D11-D800-55CA7BB307B3}"/>
+              </a:ext>
+            </a:extLst>
+          </p:cNvPr>
+          <p:cNvCxnSpPr>
+            <a:stCxn id="8" idx="1"/>
+          </p:cNvCxnSpPr>
+          <p:nvPr/>
+        </p:nvCxnSpPr>
+        <p:spPr>
+          <a:xfrm flipH="1">
+            <a:off x="5923722" y="2075409"/>
+            <a:ext cx="1376982" cy="270226"/>
+          </a:xfrm>
+          <a:prstGeom prst="straightConnector1">
+            <a:avLst/>
+          </a:prstGeom>
+          <a:ln>
+            <a:tailEnd type="triangle"/>
+          </a:ln>
+        </p:spPr>
+        <p:style>
+          <a:lnRef idx="2">
+            <a:schemeClr val="accent1"/>
+          </a:lnRef>
+          <a:fillRef idx="0">
+            <a:schemeClr val="accent1"/>
+          </a:fillRef>
+          <a:effectRef idx="1">
+            <a:schemeClr val="accent1"/>
+          </a:effectRef>
+          <a:fontRef idx="minor">
+            <a:schemeClr val="tx1"/>
+          </a:fontRef>
+        </p:style>
+      </p:cxnSp>
+      <p:sp>
+        <p:nvSpPr>
+          <p:cNvPr id="11" name="Textfeld 10">
+            <a:extLst>
+              <a:ext uri="{FF2B5EF4-FFF2-40B4-BE49-F238E27FC236}">
+                <a16:creationId xmlns:a16="http://schemas.microsoft.com/office/drawing/2014/main" id="{A42CDFCF-51D4-72EA-9E87-669AF324145A}"/>
+              </a:ext>
+            </a:extLst>
+          </p:cNvPr>
+          <p:cNvSpPr txBox="1"/>
+          <p:nvPr/>
+        </p:nvSpPr>
+        <p:spPr>
+          <a:xfrm>
+            <a:off x="7300704" y="4171705"/>
+            <a:ext cx="4675767" cy="430887"/>
+          </a:xfrm>
+          <a:prstGeom prst="rect">
+            <a:avLst/>
+          </a:prstGeom>
+          <a:noFill/>
+        </p:spPr>
+        <p:txBody>
+          <a:bodyPr wrap="none" rtlCol="0">
+            <a:spAutoFit/>
+          </a:bodyPr>
+          <a:lstStyle/>
+          <a:p>
+            <a:r>
+              <a:rPr lang="de-DE" sz="2200" dirty="0"/>
+              <a:t>LHP </a:t>
+            </a:r>
+            <a:r>
+              <a:rPr lang="de-DE" sz="2200" dirty="0" err="1"/>
+              <a:t>zero</a:t>
+            </a:r>
+            <a:r>
+              <a:rPr lang="de-DE" sz="2200" dirty="0"/>
+              <a:t>: </a:t>
+            </a:r>
+            <a:r>
+              <a:rPr lang="de-DE" sz="2200" dirty="0" err="1"/>
+              <a:t>phase</a:t>
+            </a:r>
+            <a:r>
+              <a:rPr lang="de-DE" sz="2200" dirty="0"/>
+              <a:t> </a:t>
+            </a:r>
+            <a:r>
+              <a:rPr lang="de-DE" sz="2200" dirty="0" err="1"/>
+              <a:t>lead</a:t>
+            </a:r>
+            <a:r>
+              <a:rPr lang="de-DE" sz="2200" dirty="0"/>
+              <a:t>, </a:t>
+            </a:r>
+            <a:r>
+              <a:rPr lang="de-DE" sz="2200" dirty="0" err="1"/>
+              <a:t>from</a:t>
+            </a:r>
+            <a:r>
+              <a:rPr lang="de-DE" sz="2200" dirty="0"/>
+              <a:t> 0° </a:t>
+            </a:r>
+            <a:r>
+              <a:rPr lang="de-DE" sz="2200" dirty="0" err="1"/>
+              <a:t>to</a:t>
+            </a:r>
+            <a:r>
+              <a:rPr lang="de-DE" sz="2200" dirty="0"/>
+              <a:t> +90°</a:t>
+            </a:r>
+          </a:p>
+        </p:txBody>
+      </p:sp>
+      <p:sp>
+        <p:nvSpPr>
+          <p:cNvPr id="12" name="Textfeld 11">
+            <a:extLst>
+              <a:ext uri="{FF2B5EF4-FFF2-40B4-BE49-F238E27FC236}">
+                <a16:creationId xmlns:a16="http://schemas.microsoft.com/office/drawing/2014/main" id="{F82F1E1B-C466-8872-C27A-44D716CE0B23}"/>
+              </a:ext>
+            </a:extLst>
+          </p:cNvPr>
+          <p:cNvSpPr txBox="1"/>
+          <p:nvPr/>
+        </p:nvSpPr>
+        <p:spPr>
+          <a:xfrm>
+            <a:off x="7300703" y="5705645"/>
+            <a:ext cx="4534703" cy="430887"/>
+          </a:xfrm>
+          <a:prstGeom prst="rect">
+            <a:avLst/>
+          </a:prstGeom>
+          <a:noFill/>
+        </p:spPr>
+        <p:txBody>
+          <a:bodyPr wrap="none" rtlCol="0">
+            <a:spAutoFit/>
+          </a:bodyPr>
+          <a:lstStyle/>
+          <a:p>
+            <a:r>
+              <a:rPr lang="de-DE" sz="2200" dirty="0"/>
+              <a:t>RHP </a:t>
+            </a:r>
+            <a:r>
+              <a:rPr lang="de-DE" sz="2200" dirty="0" err="1"/>
+              <a:t>zero</a:t>
+            </a:r>
+            <a:r>
+              <a:rPr lang="de-DE" sz="2200" dirty="0"/>
+              <a:t>: </a:t>
+            </a:r>
+            <a:r>
+              <a:rPr lang="de-DE" sz="2200" dirty="0" err="1"/>
+              <a:t>phase</a:t>
+            </a:r>
+            <a:r>
+              <a:rPr lang="de-DE" sz="2200" dirty="0"/>
+              <a:t> lag, </a:t>
+            </a:r>
+            <a:r>
+              <a:rPr lang="de-DE" sz="2200" dirty="0" err="1"/>
+              <a:t>from</a:t>
+            </a:r>
+            <a:r>
+              <a:rPr lang="de-DE" sz="2200" dirty="0"/>
+              <a:t> 0° </a:t>
+            </a:r>
+            <a:r>
+              <a:rPr lang="de-DE" sz="2200" dirty="0" err="1"/>
+              <a:t>to</a:t>
+            </a:r>
+            <a:r>
+              <a:rPr lang="de-DE" sz="2200" dirty="0"/>
+              <a:t> +90°</a:t>
+            </a:r>
+          </a:p>
+        </p:txBody>
+      </p:sp>
+      <p:cxnSp>
+        <p:nvCxnSpPr>
+          <p:cNvPr id="14" name="Gerade Verbindung mit Pfeil 13">
+            <a:extLst>
+              <a:ext uri="{FF2B5EF4-FFF2-40B4-BE49-F238E27FC236}">
+                <a16:creationId xmlns:a16="http://schemas.microsoft.com/office/drawing/2014/main" id="{71D820FA-F9D2-BF5A-6F21-928943BB54AB}"/>
+              </a:ext>
+            </a:extLst>
+          </p:cNvPr>
+          <p:cNvCxnSpPr>
+            <a:stCxn id="11" idx="1"/>
+          </p:cNvCxnSpPr>
+          <p:nvPr/>
+        </p:nvCxnSpPr>
+        <p:spPr>
+          <a:xfrm flipH="1">
+            <a:off x="6612213" y="4387149"/>
+            <a:ext cx="688491" cy="562538"/>
+          </a:xfrm>
+          <a:prstGeom prst="straightConnector1">
+            <a:avLst/>
+          </a:prstGeom>
+          <a:ln>
+            <a:tailEnd type="triangle"/>
+          </a:ln>
+        </p:spPr>
+        <p:style>
+          <a:lnRef idx="2">
+            <a:schemeClr val="accent1"/>
+          </a:lnRef>
+          <a:fillRef idx="0">
+            <a:schemeClr val="accent1"/>
+          </a:fillRef>
+          <a:effectRef idx="1">
+            <a:schemeClr val="accent1"/>
+          </a:effectRef>
+          <a:fontRef idx="minor">
+            <a:schemeClr val="tx1"/>
+          </a:fontRef>
+        </p:style>
+      </p:cxnSp>
+      <p:cxnSp>
+        <p:nvCxnSpPr>
+          <p:cNvPr id="16" name="Gerade Verbindung mit Pfeil 15">
+            <a:extLst>
+              <a:ext uri="{FF2B5EF4-FFF2-40B4-BE49-F238E27FC236}">
+                <a16:creationId xmlns:a16="http://schemas.microsoft.com/office/drawing/2014/main" id="{921358FB-8DD3-5095-A5C2-45B1F05E35B5}"/>
+              </a:ext>
+            </a:extLst>
+          </p:cNvPr>
+          <p:cNvCxnSpPr>
+            <a:stCxn id="12" idx="1"/>
+          </p:cNvCxnSpPr>
+          <p:nvPr/>
+        </p:nvCxnSpPr>
+        <p:spPr>
+          <a:xfrm flipH="1">
+            <a:off x="6539948" y="5921089"/>
+            <a:ext cx="760755" cy="350502"/>
+          </a:xfrm>
+          <a:prstGeom prst="straightConnector1">
+            <a:avLst/>
+          </a:prstGeom>
+          <a:ln>
+            <a:tailEnd type="triangle"/>
+          </a:ln>
+        </p:spPr>
+        <p:style>
+          <a:lnRef idx="2">
+            <a:schemeClr val="accent1"/>
+          </a:lnRef>
+          <a:fillRef idx="0">
+            <a:schemeClr val="accent1"/>
+          </a:fillRef>
+          <a:effectRef idx="1">
+            <a:schemeClr val="accent1"/>
+          </a:effectRef>
+          <a:fontRef idx="minor">
+            <a:schemeClr val="tx1"/>
+          </a:fontRef>
+        </p:style>
+      </p:cxnSp>
     </p:spTree>
     <p:extLst>
       <p:ext uri="{BB962C8B-B14F-4D97-AF65-F5344CB8AC3E}">
-        <p14:creationId xmlns:p14="http://schemas.microsoft.com/office/powerpoint/2010/main" val="890260999"/>
+        <p14:creationId xmlns:p14="http://schemas.microsoft.com/office/powerpoint/2010/main" val="3882860923"/>
       </p:ext>
     </p:extLst>
   </p:cSld>
@@ -4691,7 +5252,7 @@
           <p:cNvPr id="2" name="Titel 1">
             <a:extLst>
               <a:ext uri="{FF2B5EF4-FFF2-40B4-BE49-F238E27FC236}">
-                <a16:creationId xmlns:a16="http://schemas.microsoft.com/office/drawing/2014/main" id="{2A122470-E3B4-6307-0EA5-F1B7F554835F}"/>
+                <a16:creationId xmlns:a16="http://schemas.microsoft.com/office/drawing/2014/main" id="{CE99F1FF-5A04-077E-D84A-6C578EAA003C}"/>
               </a:ext>
             </a:extLst>
           </p:cNvPr>
@@ -4708,16 +5269,12 @@
           <a:lstStyle/>
           <a:p>
             <a:r>
-              <a:rPr lang="de-DE" dirty="0" err="1"/>
-              <a:t>Nyquist</a:t>
-            </a:r>
-            <a:r>
-              <a:rPr lang="de-DE" dirty="0"/>
-              <a:t> </a:t>
-            </a:r>
-            <a:r>
-              <a:rPr lang="de-DE" dirty="0" err="1"/>
-              <a:t>Criterion</a:t>
+              <a:rPr lang="de-DE" dirty="0"/>
+              <a:t>Pole-Zero </a:t>
+            </a:r>
+            <a:r>
+              <a:rPr lang="de-DE" dirty="0" err="1"/>
+              <a:t>Diagrams</a:t>
             </a:r>
             <a:endParaRPr lang="de-DE" dirty="0"/>
           </a:p>
@@ -4728,7 +5285,7 @@
           <p:cNvPr id="3" name="Inhaltsplatzhalter 2">
             <a:extLst>
               <a:ext uri="{FF2B5EF4-FFF2-40B4-BE49-F238E27FC236}">
-                <a16:creationId xmlns:a16="http://schemas.microsoft.com/office/drawing/2014/main" id="{C52AFC97-0C0F-D7E6-966D-ED72FE114700}"/>
+                <a16:creationId xmlns:a16="http://schemas.microsoft.com/office/drawing/2014/main" id="{9E3CA8AA-BDFD-EE45-F29F-F739D9849959}"/>
               </a:ext>
             </a:extLst>
           </p:cNvPr>
@@ -4746,7 +5303,7 @@
           <a:p>
             <a:r>
               <a:rPr lang="de-DE" dirty="0" err="1"/>
-              <a:t>Encirclement</a:t>
+              <a:t>Graphical</a:t>
             </a:r>
             <a:r>
               <a:rPr lang="de-DE" dirty="0"/>
@@ -4754,80 +5311,36 @@
             </a:r>
             <a:r>
               <a:rPr lang="de-DE" dirty="0" err="1"/>
-              <a:t>of</a:t>
-            </a:r>
-            <a:r>
-              <a:rPr lang="de-DE" dirty="0"/>
-              <a:t> </a:t>
-            </a:r>
-            <a:r>
-              <a:rPr lang="de-DE" dirty="0" err="1"/>
-              <a:t>critical</a:t>
-            </a:r>
-            <a:r>
-              <a:rPr lang="de-DE" dirty="0"/>
-              <a:t> </a:t>
-            </a:r>
-            <a:r>
-              <a:rPr lang="de-DE" dirty="0" err="1"/>
-              <a:t>point</a:t>
+              <a:t>representation</a:t>
+            </a:r>
+            <a:r>
+              <a:rPr lang="de-DE" dirty="0"/>
+              <a:t> in </a:t>
+            </a:r>
+            <a:r>
+              <a:rPr lang="de-DE" dirty="0" err="1"/>
+              <a:t>complex</a:t>
+            </a:r>
+            <a:r>
+              <a:rPr lang="de-DE" dirty="0"/>
+              <a:t> plane</a:t>
+            </a:r>
+          </a:p>
+          <a:p>
+            <a:r>
+              <a:rPr lang="de-DE" dirty="0" err="1"/>
+              <a:t>Stability</a:t>
+            </a:r>
+            <a:r>
+              <a:rPr lang="de-DE" dirty="0"/>
+              <a:t> visible at a </a:t>
+            </a:r>
+            <a:r>
+              <a:rPr lang="de-DE" dirty="0" err="1"/>
+              <a:t>glance</a:t>
             </a:r>
             <a:endParaRPr lang="de-DE" dirty="0"/>
           </a:p>
-          <a:p>
-            <a:r>
-              <a:rPr lang="de-DE" dirty="0"/>
-              <a:t>Links </a:t>
-            </a:r>
-            <a:r>
-              <a:rPr lang="de-DE" dirty="0" err="1"/>
-              <a:t>frequency</a:t>
-            </a:r>
-            <a:r>
-              <a:rPr lang="de-DE" dirty="0"/>
-              <a:t> </a:t>
-            </a:r>
-            <a:r>
-              <a:rPr lang="de-DE" dirty="0" err="1"/>
-              <a:t>response</a:t>
-            </a:r>
-            <a:r>
-              <a:rPr lang="de-DE" dirty="0"/>
-              <a:t> </a:t>
-            </a:r>
-            <a:r>
-              <a:rPr lang="de-DE" dirty="0" err="1"/>
-              <a:t>to</a:t>
-            </a:r>
-            <a:r>
-              <a:rPr lang="de-DE" dirty="0"/>
-              <a:t> </a:t>
-            </a:r>
-            <a:r>
-              <a:rPr lang="de-DE" dirty="0" err="1"/>
-              <a:t>stability</a:t>
-            </a:r>
-            <a:endParaRPr lang="de-DE" dirty="0"/>
-          </a:p>
-          <a:p>
-            <a:r>
-              <a:rPr lang="de-DE" dirty="0"/>
-              <a:t>Powerful but </a:t>
-            </a:r>
-            <a:r>
-              <a:rPr lang="de-DE" dirty="0" err="1"/>
-              <a:t>conceptually</a:t>
-            </a:r>
-            <a:r>
-              <a:rPr lang="de-DE" dirty="0"/>
-              <a:t> </a:t>
-            </a:r>
-            <a:r>
-              <a:rPr lang="de-DE" dirty="0" err="1"/>
-              <a:t>challenging</a:t>
-            </a:r>
-            <a:endParaRPr lang="de-DE" dirty="0"/>
-          </a:p>
         </p:txBody>
       </p:sp>
       <p:sp>
@@ -4835,7 +5348,7 @@
           <p:cNvPr id="4" name="Foliennummernplatzhalter 3">
             <a:extLst>
               <a:ext uri="{FF2B5EF4-FFF2-40B4-BE49-F238E27FC236}">
-                <a16:creationId xmlns:a16="http://schemas.microsoft.com/office/drawing/2014/main" id="{9695D79B-140F-ED0F-12F1-D63F0CD77AA1}"/>
+                <a16:creationId xmlns:a16="http://schemas.microsoft.com/office/drawing/2014/main" id="{EA7928FD-EA29-8BF1-2D4C-EFF827F68C12}"/>
               </a:ext>
             </a:extLst>
           </p:cNvPr>
@@ -4859,10 +5372,160 @@
           </a:p>
         </p:txBody>
       </p:sp>
+      <p:pic>
+        <p:nvPicPr>
+          <p:cNvPr id="7" name="Grafik 6">
+            <a:extLst>
+              <a:ext uri="{FF2B5EF4-FFF2-40B4-BE49-F238E27FC236}">
+                <a16:creationId xmlns:a16="http://schemas.microsoft.com/office/drawing/2014/main" id="{FCB5E5E2-CA40-A303-38DF-1262BDFA0BA6}"/>
+              </a:ext>
+            </a:extLst>
+          </p:cNvPr>
+          <p:cNvPicPr>
+            <a:picLocks noChangeAspect="1"/>
+          </p:cNvPicPr>
+          <p:nvPr/>
+        </p:nvPicPr>
+        <p:blipFill>
+          <a:blip r:embed="rId2"/>
+          <a:stretch>
+            <a:fillRect/>
+          </a:stretch>
+        </p:blipFill>
+        <p:spPr>
+          <a:xfrm>
+            <a:off x="450644" y="3358183"/>
+            <a:ext cx="3947293" cy="3363291"/>
+          </a:xfrm>
+          <a:prstGeom prst="rect">
+            <a:avLst/>
+          </a:prstGeom>
+        </p:spPr>
+      </p:pic>
+      <p:pic>
+        <p:nvPicPr>
+          <p:cNvPr id="8" name="Grafik 7">
+            <a:extLst>
+              <a:ext uri="{FF2B5EF4-FFF2-40B4-BE49-F238E27FC236}">
+                <a16:creationId xmlns:a16="http://schemas.microsoft.com/office/drawing/2014/main" id="{BF99521C-C7EE-60AD-C979-030A92A35CA5}"/>
+              </a:ext>
+            </a:extLst>
+          </p:cNvPr>
+          <p:cNvPicPr>
+            <a:picLocks noChangeAspect="1"/>
+          </p:cNvPicPr>
+          <p:nvPr/>
+        </p:nvPicPr>
+        <p:blipFill>
+          <a:blip r:embed="rId3"/>
+          <a:stretch>
+            <a:fillRect/>
+          </a:stretch>
+        </p:blipFill>
+        <p:spPr>
+          <a:xfrm>
+            <a:off x="7117922" y="3358183"/>
+            <a:ext cx="3947294" cy="3363291"/>
+          </a:xfrm>
+          <a:prstGeom prst="rect">
+            <a:avLst/>
+          </a:prstGeom>
+        </p:spPr>
+      </p:pic>
+      <p:sp>
+        <p:nvSpPr>
+          <p:cNvPr id="11" name="Textfeld 10">
+            <a:extLst>
+              <a:ext uri="{FF2B5EF4-FFF2-40B4-BE49-F238E27FC236}">
+                <a16:creationId xmlns:a16="http://schemas.microsoft.com/office/drawing/2014/main" id="{70BADD84-9978-C5EE-F261-BBB05E7D5DEC}"/>
+              </a:ext>
+            </a:extLst>
+          </p:cNvPr>
+          <p:cNvSpPr txBox="1"/>
+          <p:nvPr/>
+        </p:nvSpPr>
+        <p:spPr>
+          <a:xfrm>
+            <a:off x="4397937" y="3429000"/>
+            <a:ext cx="2966959" cy="1015663"/>
+          </a:xfrm>
+          <a:prstGeom prst="rect">
+            <a:avLst/>
+          </a:prstGeom>
+          <a:noFill/>
+        </p:spPr>
+        <p:txBody>
+          <a:bodyPr wrap="square" rtlCol="0">
+            <a:spAutoFit/>
+          </a:bodyPr>
+          <a:lstStyle/>
+          <a:p>
+            <a:r>
+              <a:rPr lang="de-DE" sz="2000" dirty="0" err="1"/>
+              <a:t>Example</a:t>
+            </a:r>
+            <a:r>
+              <a:rPr lang="de-DE" sz="2000" dirty="0"/>
+              <a:t> </a:t>
+            </a:r>
+            <a:r>
+              <a:rPr lang="de-DE" sz="2000" dirty="0" err="1"/>
+              <a:t>from</a:t>
+            </a:r>
+            <a:r>
+              <a:rPr lang="de-DE" sz="2000" dirty="0"/>
+              <a:t> last </a:t>
+            </a:r>
+            <a:r>
+              <a:rPr lang="de-DE" sz="2000" dirty="0" err="1"/>
+              <a:t>slides</a:t>
+            </a:r>
+            <a:r>
+              <a:rPr lang="de-DE" sz="2000" dirty="0"/>
+              <a:t>: </a:t>
+            </a:r>
+            <a:r>
+              <a:rPr lang="de-DE" sz="2000" dirty="0" err="1"/>
+              <a:t>both</a:t>
+            </a:r>
+            <a:r>
+              <a:rPr lang="de-DE" sz="2000" dirty="0"/>
+              <a:t> </a:t>
+            </a:r>
+            <a:r>
+              <a:rPr lang="de-DE" sz="2000" dirty="0" err="1"/>
+              <a:t>systems</a:t>
+            </a:r>
+            <a:r>
+              <a:rPr lang="de-DE" sz="2000" dirty="0"/>
+              <a:t> </a:t>
+            </a:r>
+            <a:r>
+              <a:rPr lang="de-DE" sz="2000" dirty="0" err="1"/>
+              <a:t>stable</a:t>
+            </a:r>
+            <a:endParaRPr lang="de-DE" sz="2000" dirty="0"/>
+          </a:p>
+          <a:p>
+            <a:r>
+              <a:rPr lang="de-DE" sz="2000" dirty="0"/>
+              <a:t>(</a:t>
+            </a:r>
+            <a:r>
+              <a:rPr lang="de-DE" sz="2000" dirty="0" err="1"/>
+              <a:t>poles</a:t>
+            </a:r>
+            <a:r>
+              <a:rPr lang="de-DE" sz="2000" dirty="0"/>
+              <a:t> in LHP)</a:t>
+            </a:r>
+          </a:p>
+        </p:txBody>
+      </p:sp>
     </p:spTree>
     <p:extLst>
       <p:ext uri="{BB962C8B-B14F-4D97-AF65-F5344CB8AC3E}">
-        <p14:creationId xmlns:p14="http://schemas.microsoft.com/office/powerpoint/2010/main" val="1043321803"/>
+        <p14:creationId xmlns:p14="http://schemas.microsoft.com/office/powerpoint/2010/main" val="3732035512"/>
       </p:ext>
     </p:extLst>
   </p:cSld>
@@ -4894,7 +5557,7 @@
           <p:cNvPr id="2" name="Titel 1">
             <a:extLst>
               <a:ext uri="{FF2B5EF4-FFF2-40B4-BE49-F238E27FC236}">
-                <a16:creationId xmlns:a16="http://schemas.microsoft.com/office/drawing/2014/main" id="{E3D76B9D-A952-FA61-3FEA-B2C35BC9EBA5}"/>
+                <a16:creationId xmlns:a16="http://schemas.microsoft.com/office/drawing/2014/main" id="{B5DFCC16-0D2B-21AE-232A-0DDA543647C4}"/>
               </a:ext>
             </a:extLst>
           </p:cNvPr>
@@ -4912,15 +5575,7 @@
           <a:p>
             <a:r>
               <a:rPr lang="de-DE" dirty="0" err="1"/>
-              <a:t>Gain</a:t>
-            </a:r>
-            <a:r>
-              <a:rPr lang="de-DE" dirty="0"/>
-              <a:t> and Phase </a:t>
-            </a:r>
-            <a:r>
-              <a:rPr lang="de-DE" dirty="0" err="1"/>
-              <a:t>Margins</a:t>
+              <a:t>Resonance</a:t>
             </a:r>
             <a:endParaRPr lang="de-DE" dirty="0"/>
           </a:p>
@@ -4931,7 +5586,7 @@
           <p:cNvPr id="3" name="Inhaltsplatzhalter 2">
             <a:extLst>
               <a:ext uri="{FF2B5EF4-FFF2-40B4-BE49-F238E27FC236}">
-                <a16:creationId xmlns:a16="http://schemas.microsoft.com/office/drawing/2014/main" id="{841DCEC5-E062-73EC-599B-965A44B5F682}"/>
+                <a16:creationId xmlns:a16="http://schemas.microsoft.com/office/drawing/2014/main" id="{39744DD0-77F3-3905-9B5D-BBD65695955C}"/>
               </a:ext>
             </a:extLst>
           </p:cNvPr>
@@ -4948,8 +5603,20 @@
           <a:lstStyle/>
           <a:p>
             <a:r>
-              <a:rPr lang="de-DE" dirty="0" err="1"/>
-              <a:t>Measure</a:t>
+              <a:rPr lang="de-DE" dirty="0"/>
+              <a:t>Large </a:t>
+            </a:r>
+            <a:r>
+              <a:rPr lang="de-DE" dirty="0" err="1"/>
+              <a:t>response</a:t>
+            </a:r>
+            <a:r>
+              <a:rPr lang="de-DE" dirty="0"/>
+              <a:t> at </a:t>
+            </a:r>
+            <a:r>
+              <a:rPr lang="de-DE" dirty="0" err="1"/>
+              <a:t>certain</a:t>
             </a:r>
             <a:r>
               <a:rPr lang="de-DE" dirty="0"/>
@@ -4957,7 +5624,14 @@
             </a:r>
             <a:r>
               <a:rPr lang="de-DE" dirty="0" err="1"/>
-              <a:t>distance</a:t>
+              <a:t>frequencies</a:t>
+            </a:r>
+            <a:endParaRPr lang="de-DE" dirty="0"/>
+          </a:p>
+          <a:p>
+            <a:r>
+              <a:rPr lang="de-DE" dirty="0" err="1"/>
+              <a:t>Related</a:t>
             </a:r>
             <a:r>
               <a:rPr lang="de-DE" dirty="0"/>
@@ -4973,14 +5647,38 @@
             </a:r>
             <a:r>
               <a:rPr lang="de-DE" dirty="0" err="1"/>
-              <a:t>instability</a:t>
+              <a:t>lightly</a:t>
+            </a:r>
+            <a:r>
+              <a:rPr lang="de-DE" dirty="0"/>
+              <a:t> </a:t>
+            </a:r>
+            <a:r>
+              <a:rPr lang="de-DE" dirty="0" err="1"/>
+              <a:t>damped</a:t>
+            </a:r>
+            <a:r>
+              <a:rPr lang="de-DE" dirty="0"/>
+              <a:t> </a:t>
+            </a:r>
+            <a:r>
+              <a:rPr lang="de-DE" dirty="0" err="1"/>
+              <a:t>poles</a:t>
             </a:r>
             <a:endParaRPr lang="de-DE" dirty="0"/>
           </a:p>
           <a:p>
             <a:r>
               <a:rPr lang="de-DE" dirty="0" err="1"/>
-              <a:t>Practical</a:t>
+              <a:t>Important</a:t>
+            </a:r>
+            <a:r>
+              <a:rPr lang="de-DE" dirty="0"/>
+              <a:t> in </a:t>
+            </a:r>
+            <a:r>
+              <a:rPr lang="de-DE" dirty="0" err="1"/>
+              <a:t>mechanical</a:t>
             </a:r>
             <a:r>
               <a:rPr lang="de-DE" dirty="0"/>
@@ -4988,45 +5686,10 @@
             </a:r>
             <a:r>
               <a:rPr lang="de-DE" dirty="0" err="1"/>
-              <a:t>robustness</a:t>
-            </a:r>
-            <a:r>
-              <a:rPr lang="de-DE" dirty="0"/>
-              <a:t> </a:t>
-            </a:r>
-            <a:r>
-              <a:rPr lang="de-DE" dirty="0" err="1"/>
-              <a:t>indicators</a:t>
+              <a:t>systems</a:t>
             </a:r>
             <a:endParaRPr lang="de-DE" dirty="0"/>
           </a:p>
-          <a:p>
-            <a:r>
-              <a:rPr lang="de-DE" dirty="0"/>
-              <a:t>Read </a:t>
-            </a:r>
-            <a:r>
-              <a:rPr lang="de-DE" dirty="0" err="1"/>
-              <a:t>directly</a:t>
-            </a:r>
-            <a:r>
-              <a:rPr lang="de-DE" dirty="0"/>
-              <a:t> </a:t>
-            </a:r>
-            <a:r>
-              <a:rPr lang="de-DE" dirty="0" err="1"/>
-              <a:t>from</a:t>
-            </a:r>
-            <a:r>
-              <a:rPr lang="de-DE" dirty="0"/>
-              <a:t> Bode </a:t>
-            </a:r>
-            <a:r>
-              <a:rPr lang="de-DE" dirty="0" err="1"/>
-              <a:t>plots</a:t>
-            </a:r>
-            <a:endParaRPr lang="de-DE" dirty="0"/>
-          </a:p>
         </p:txBody>
       </p:sp>
       <p:sp>
@@ -5034,7 +5697,7 @@
           <p:cNvPr id="4" name="Foliennummernplatzhalter 3">
             <a:extLst>
               <a:ext uri="{FF2B5EF4-FFF2-40B4-BE49-F238E27FC236}">
-                <a16:creationId xmlns:a16="http://schemas.microsoft.com/office/drawing/2014/main" id="{B0C0EBA0-2646-D649-137B-265D744CEEEB}"/>
+                <a16:creationId xmlns:a16="http://schemas.microsoft.com/office/drawing/2014/main" id="{918F3785-E407-2135-F374-A57AC02B317E}"/>
               </a:ext>
             </a:extLst>
           </p:cNvPr>
@@ -5053,6 +5716,580 @@
             <a:fld id="{08C366F5-AFAD-49CB-854A-9D9E238FCA13}" type="slidenum">
               <a:rPr lang="en-GB" smtClean="0"/>
               <a:t>14</a:t>
+            </a:fld>
+            <a:endParaRPr lang="en-GB"/>
+          </a:p>
+        </p:txBody>
+      </p:sp>
+    </p:spTree>
+    <p:extLst>
+      <p:ext uri="{BB962C8B-B14F-4D97-AF65-F5344CB8AC3E}">
+        <p14:creationId xmlns:p14="http://schemas.microsoft.com/office/powerpoint/2010/main" val="1490908636"/>
+      </p:ext>
+    </p:extLst>
+  </p:cSld>
+  <p:clrMapOvr>
+    <a:masterClrMapping/>
+  </p:clrMapOvr>
+</p:sld>
+</file>
+
+<file path=ppt/slides/slide15.xml><?xml version="1.0" encoding="utf-8"?>
+<p:sld xmlns:a="http://schemas.openxmlformats.org/drawingml/2006/main" xmlns:r="http://schemas.openxmlformats.org/officeDocument/2006/relationships" xmlns:p="http://schemas.openxmlformats.org/presentationml/2006/main">
+  <p:cSld>
+    <p:spTree>
+      <p:nvGrpSpPr>
+        <p:cNvPr id="1" name=""/>
+        <p:cNvGrpSpPr/>
+        <p:nvPr/>
+      </p:nvGrpSpPr>
+      <p:grpSpPr>
+        <a:xfrm>
+          <a:off x="0" y="0"/>
+          <a:ext cx="0" cy="0"/>
+          <a:chOff x="0" y="0"/>
+          <a:chExt cx="0" cy="0"/>
+        </a:xfrm>
+      </p:grpSpPr>
+      <p:sp>
+        <p:nvSpPr>
+          <p:cNvPr id="2" name="Titel 1">
+            <a:extLst>
+              <a:ext uri="{FF2B5EF4-FFF2-40B4-BE49-F238E27FC236}">
+                <a16:creationId xmlns:a16="http://schemas.microsoft.com/office/drawing/2014/main" id="{F6FE5387-4C13-F9A0-420D-3C1E54D948AB}"/>
+              </a:ext>
+            </a:extLst>
+          </p:cNvPr>
+          <p:cNvSpPr>
+            <a:spLocks noGrp="1"/>
+          </p:cNvSpPr>
+          <p:nvPr>
+            <p:ph type="title"/>
+          </p:nvPr>
+        </p:nvSpPr>
+        <p:spPr/>
+        <p:txBody>
+          <a:bodyPr/>
+          <a:lstStyle/>
+          <a:p>
+            <a:r>
+              <a:rPr lang="de-DE" dirty="0" err="1"/>
+              <a:t>Frequency</a:t>
+            </a:r>
+            <a:r>
+              <a:rPr lang="de-DE" dirty="0"/>
+              <a:t>-Domain </a:t>
+            </a:r>
+            <a:r>
+              <a:rPr lang="de-DE" dirty="0" err="1"/>
+              <a:t>Stability</a:t>
+            </a:r>
+            <a:endParaRPr lang="de-DE" dirty="0"/>
+          </a:p>
+        </p:txBody>
+      </p:sp>
+      <p:sp>
+        <p:nvSpPr>
+          <p:cNvPr id="3" name="Inhaltsplatzhalter 2">
+            <a:extLst>
+              <a:ext uri="{FF2B5EF4-FFF2-40B4-BE49-F238E27FC236}">
+                <a16:creationId xmlns:a16="http://schemas.microsoft.com/office/drawing/2014/main" id="{453D7CE1-C65E-F11F-3A4B-8EC03F1E1BC8}"/>
+              </a:ext>
+            </a:extLst>
+          </p:cNvPr>
+          <p:cNvSpPr>
+            <a:spLocks noGrp="1"/>
+          </p:cNvSpPr>
+          <p:nvPr>
+            <p:ph idx="1"/>
+          </p:nvPr>
+        </p:nvSpPr>
+        <p:spPr/>
+        <p:txBody>
+          <a:bodyPr/>
+          <a:lstStyle/>
+          <a:p>
+            <a:r>
+              <a:rPr lang="de-DE" dirty="0" err="1"/>
+              <a:t>Stability</a:t>
+            </a:r>
+            <a:r>
+              <a:rPr lang="de-DE" dirty="0"/>
+              <a:t> </a:t>
+            </a:r>
+            <a:r>
+              <a:rPr lang="de-DE" dirty="0" err="1"/>
+              <a:t>inferred</a:t>
+            </a:r>
+            <a:r>
+              <a:rPr lang="de-DE" dirty="0"/>
+              <a:t> </a:t>
+            </a:r>
+            <a:r>
+              <a:rPr lang="de-DE" dirty="0" err="1"/>
+              <a:t>from</a:t>
+            </a:r>
+            <a:r>
+              <a:rPr lang="de-DE" dirty="0"/>
+              <a:t> </a:t>
+            </a:r>
+            <a:r>
+              <a:rPr lang="de-DE" dirty="0" err="1"/>
+              <a:t>frequency</a:t>
+            </a:r>
+            <a:r>
+              <a:rPr lang="de-DE" dirty="0"/>
+              <a:t> </a:t>
+            </a:r>
+            <a:r>
+              <a:rPr lang="de-DE" dirty="0" err="1"/>
+              <a:t>response</a:t>
+            </a:r>
+            <a:endParaRPr lang="de-DE" dirty="0"/>
+          </a:p>
+          <a:p>
+            <a:r>
+              <a:rPr lang="de-DE" dirty="0" err="1"/>
+              <a:t>Avoids</a:t>
+            </a:r>
+            <a:r>
+              <a:rPr lang="de-DE" dirty="0"/>
+              <a:t> explicit pole </a:t>
+            </a:r>
+            <a:r>
+              <a:rPr lang="de-DE" dirty="0" err="1"/>
+              <a:t>calculation</a:t>
+            </a:r>
+            <a:endParaRPr lang="de-DE" dirty="0"/>
+          </a:p>
+        </p:txBody>
+      </p:sp>
+      <p:sp>
+        <p:nvSpPr>
+          <p:cNvPr id="4" name="Foliennummernplatzhalter 3">
+            <a:extLst>
+              <a:ext uri="{FF2B5EF4-FFF2-40B4-BE49-F238E27FC236}">
+                <a16:creationId xmlns:a16="http://schemas.microsoft.com/office/drawing/2014/main" id="{D854C762-1E44-BE87-DF59-C1B9C35E2945}"/>
+              </a:ext>
+            </a:extLst>
+          </p:cNvPr>
+          <p:cNvSpPr>
+            <a:spLocks noGrp="1"/>
+          </p:cNvSpPr>
+          <p:nvPr>
+            <p:ph type="sldNum" sz="quarter" idx="12"/>
+          </p:nvPr>
+        </p:nvSpPr>
+        <p:spPr/>
+        <p:txBody>
+          <a:bodyPr/>
+          <a:lstStyle/>
+          <a:p>
+            <a:fld id="{08C366F5-AFAD-49CB-854A-9D9E238FCA13}" type="slidenum">
+              <a:rPr lang="en-GB" smtClean="0"/>
+              <a:t>15</a:t>
+            </a:fld>
+            <a:endParaRPr lang="en-GB"/>
+          </a:p>
+        </p:txBody>
+      </p:sp>
+    </p:spTree>
+    <p:extLst>
+      <p:ext uri="{BB962C8B-B14F-4D97-AF65-F5344CB8AC3E}">
+        <p14:creationId xmlns:p14="http://schemas.microsoft.com/office/powerpoint/2010/main" val="890260999"/>
+      </p:ext>
+    </p:extLst>
+  </p:cSld>
+  <p:clrMapOvr>
+    <a:masterClrMapping/>
+  </p:clrMapOvr>
+</p:sld>
+</file>
+
+<file path=ppt/slides/slide16.xml><?xml version="1.0" encoding="utf-8"?>
+<p:sld xmlns:a="http://schemas.openxmlformats.org/drawingml/2006/main" xmlns:r="http://schemas.openxmlformats.org/officeDocument/2006/relationships" xmlns:p="http://schemas.openxmlformats.org/presentationml/2006/main">
+  <p:cSld>
+    <p:spTree>
+      <p:nvGrpSpPr>
+        <p:cNvPr id="1" name=""/>
+        <p:cNvGrpSpPr/>
+        <p:nvPr/>
+      </p:nvGrpSpPr>
+      <p:grpSpPr>
+        <a:xfrm>
+          <a:off x="0" y="0"/>
+          <a:ext cx="0" cy="0"/>
+          <a:chOff x="0" y="0"/>
+          <a:chExt cx="0" cy="0"/>
+        </a:xfrm>
+      </p:grpSpPr>
+      <p:sp>
+        <p:nvSpPr>
+          <p:cNvPr id="2" name="Titel 1">
+            <a:extLst>
+              <a:ext uri="{FF2B5EF4-FFF2-40B4-BE49-F238E27FC236}">
+                <a16:creationId xmlns:a16="http://schemas.microsoft.com/office/drawing/2014/main" id="{2A122470-E3B4-6307-0EA5-F1B7F554835F}"/>
+              </a:ext>
+            </a:extLst>
+          </p:cNvPr>
+          <p:cNvSpPr>
+            <a:spLocks noGrp="1"/>
+          </p:cNvSpPr>
+          <p:nvPr>
+            <p:ph type="title"/>
+          </p:nvPr>
+        </p:nvSpPr>
+        <p:spPr/>
+        <p:txBody>
+          <a:bodyPr/>
+          <a:lstStyle/>
+          <a:p>
+            <a:r>
+              <a:rPr lang="de-DE" dirty="0" err="1"/>
+              <a:t>Nyquist</a:t>
+            </a:r>
+            <a:r>
+              <a:rPr lang="de-DE" dirty="0"/>
+              <a:t> </a:t>
+            </a:r>
+            <a:r>
+              <a:rPr lang="de-DE" dirty="0" err="1"/>
+              <a:t>Criterion</a:t>
+            </a:r>
+            <a:endParaRPr lang="de-DE" dirty="0"/>
+          </a:p>
+        </p:txBody>
+      </p:sp>
+      <p:sp>
+        <p:nvSpPr>
+          <p:cNvPr id="3" name="Inhaltsplatzhalter 2">
+            <a:extLst>
+              <a:ext uri="{FF2B5EF4-FFF2-40B4-BE49-F238E27FC236}">
+                <a16:creationId xmlns:a16="http://schemas.microsoft.com/office/drawing/2014/main" id="{C52AFC97-0C0F-D7E6-966D-ED72FE114700}"/>
+              </a:ext>
+            </a:extLst>
+          </p:cNvPr>
+          <p:cNvSpPr>
+            <a:spLocks noGrp="1"/>
+          </p:cNvSpPr>
+          <p:nvPr>
+            <p:ph idx="1"/>
+          </p:nvPr>
+        </p:nvSpPr>
+        <p:spPr/>
+        <p:txBody>
+          <a:bodyPr/>
+          <a:lstStyle/>
+          <a:p>
+            <a:r>
+              <a:rPr lang="de-DE" dirty="0" err="1"/>
+              <a:t>Encirclement</a:t>
+            </a:r>
+            <a:r>
+              <a:rPr lang="de-DE" dirty="0"/>
+              <a:t> </a:t>
+            </a:r>
+            <a:r>
+              <a:rPr lang="de-DE" dirty="0" err="1"/>
+              <a:t>of</a:t>
+            </a:r>
+            <a:r>
+              <a:rPr lang="de-DE" dirty="0"/>
+              <a:t> </a:t>
+            </a:r>
+            <a:r>
+              <a:rPr lang="de-DE" dirty="0" err="1"/>
+              <a:t>critical</a:t>
+            </a:r>
+            <a:r>
+              <a:rPr lang="de-DE" dirty="0"/>
+              <a:t> </a:t>
+            </a:r>
+            <a:r>
+              <a:rPr lang="de-DE" dirty="0" err="1"/>
+              <a:t>point</a:t>
+            </a:r>
+            <a:endParaRPr lang="de-DE" dirty="0"/>
+          </a:p>
+          <a:p>
+            <a:r>
+              <a:rPr lang="de-DE" dirty="0"/>
+              <a:t>Links </a:t>
+            </a:r>
+            <a:r>
+              <a:rPr lang="de-DE" dirty="0" err="1"/>
+              <a:t>frequency</a:t>
+            </a:r>
+            <a:r>
+              <a:rPr lang="de-DE" dirty="0"/>
+              <a:t> </a:t>
+            </a:r>
+            <a:r>
+              <a:rPr lang="de-DE" dirty="0" err="1"/>
+              <a:t>response</a:t>
+            </a:r>
+            <a:r>
+              <a:rPr lang="de-DE" dirty="0"/>
+              <a:t> </a:t>
+            </a:r>
+            <a:r>
+              <a:rPr lang="de-DE" dirty="0" err="1"/>
+              <a:t>to</a:t>
+            </a:r>
+            <a:r>
+              <a:rPr lang="de-DE" dirty="0"/>
+              <a:t> </a:t>
+            </a:r>
+            <a:r>
+              <a:rPr lang="de-DE" dirty="0" err="1"/>
+              <a:t>stability</a:t>
+            </a:r>
+            <a:endParaRPr lang="de-DE" dirty="0"/>
+          </a:p>
+          <a:p>
+            <a:r>
+              <a:rPr lang="de-DE" dirty="0"/>
+              <a:t>Powerful but </a:t>
+            </a:r>
+            <a:r>
+              <a:rPr lang="de-DE" dirty="0" err="1"/>
+              <a:t>conceptually</a:t>
+            </a:r>
+            <a:r>
+              <a:rPr lang="de-DE" dirty="0"/>
+              <a:t> </a:t>
+            </a:r>
+            <a:r>
+              <a:rPr lang="de-DE" dirty="0" err="1"/>
+              <a:t>challenging</a:t>
+            </a:r>
+            <a:endParaRPr lang="de-DE" dirty="0"/>
+          </a:p>
+        </p:txBody>
+      </p:sp>
+      <p:sp>
+        <p:nvSpPr>
+          <p:cNvPr id="4" name="Foliennummernplatzhalter 3">
+            <a:extLst>
+              <a:ext uri="{FF2B5EF4-FFF2-40B4-BE49-F238E27FC236}">
+                <a16:creationId xmlns:a16="http://schemas.microsoft.com/office/drawing/2014/main" id="{9695D79B-140F-ED0F-12F1-D63F0CD77AA1}"/>
+              </a:ext>
+            </a:extLst>
+          </p:cNvPr>
+          <p:cNvSpPr>
+            <a:spLocks noGrp="1"/>
+          </p:cNvSpPr>
+          <p:nvPr>
+            <p:ph type="sldNum" sz="quarter" idx="12"/>
+          </p:nvPr>
+        </p:nvSpPr>
+        <p:spPr/>
+        <p:txBody>
+          <a:bodyPr/>
+          <a:lstStyle/>
+          <a:p>
+            <a:fld id="{08C366F5-AFAD-49CB-854A-9D9E238FCA13}" type="slidenum">
+              <a:rPr lang="en-GB" smtClean="0"/>
+              <a:t>16</a:t>
+            </a:fld>
+            <a:endParaRPr lang="en-GB"/>
+          </a:p>
+        </p:txBody>
+      </p:sp>
+    </p:spTree>
+    <p:extLst>
+      <p:ext uri="{BB962C8B-B14F-4D97-AF65-F5344CB8AC3E}">
+        <p14:creationId xmlns:p14="http://schemas.microsoft.com/office/powerpoint/2010/main" val="1043321803"/>
+      </p:ext>
+    </p:extLst>
+  </p:cSld>
+  <p:clrMapOvr>
+    <a:masterClrMapping/>
+  </p:clrMapOvr>
+</p:sld>
+</file>
+
+<file path=ppt/slides/slide17.xml><?xml version="1.0" encoding="utf-8"?>
+<p:sld xmlns:a="http://schemas.openxmlformats.org/drawingml/2006/main" xmlns:r="http://schemas.openxmlformats.org/officeDocument/2006/relationships" xmlns:p="http://schemas.openxmlformats.org/presentationml/2006/main">
+  <p:cSld>
+    <p:spTree>
+      <p:nvGrpSpPr>
+        <p:cNvPr id="1" name=""/>
+        <p:cNvGrpSpPr/>
+        <p:nvPr/>
+      </p:nvGrpSpPr>
+      <p:grpSpPr>
+        <a:xfrm>
+          <a:off x="0" y="0"/>
+          <a:ext cx="0" cy="0"/>
+          <a:chOff x="0" y="0"/>
+          <a:chExt cx="0" cy="0"/>
+        </a:xfrm>
+      </p:grpSpPr>
+      <p:sp>
+        <p:nvSpPr>
+          <p:cNvPr id="2" name="Titel 1">
+            <a:extLst>
+              <a:ext uri="{FF2B5EF4-FFF2-40B4-BE49-F238E27FC236}">
+                <a16:creationId xmlns:a16="http://schemas.microsoft.com/office/drawing/2014/main" id="{E3D76B9D-A952-FA61-3FEA-B2C35BC9EBA5}"/>
+              </a:ext>
+            </a:extLst>
+          </p:cNvPr>
+          <p:cNvSpPr>
+            <a:spLocks noGrp="1"/>
+          </p:cNvSpPr>
+          <p:nvPr>
+            <p:ph type="title"/>
+          </p:nvPr>
+        </p:nvSpPr>
+        <p:spPr/>
+        <p:txBody>
+          <a:bodyPr/>
+          <a:lstStyle/>
+          <a:p>
+            <a:r>
+              <a:rPr lang="de-DE" dirty="0" err="1"/>
+              <a:t>Gain</a:t>
+            </a:r>
+            <a:r>
+              <a:rPr lang="de-DE" dirty="0"/>
+              <a:t> and Phase </a:t>
+            </a:r>
+            <a:r>
+              <a:rPr lang="de-DE" dirty="0" err="1"/>
+              <a:t>Margins</a:t>
+            </a:r>
+            <a:endParaRPr lang="de-DE" dirty="0"/>
+          </a:p>
+        </p:txBody>
+      </p:sp>
+      <p:sp>
+        <p:nvSpPr>
+          <p:cNvPr id="3" name="Inhaltsplatzhalter 2">
+            <a:extLst>
+              <a:ext uri="{FF2B5EF4-FFF2-40B4-BE49-F238E27FC236}">
+                <a16:creationId xmlns:a16="http://schemas.microsoft.com/office/drawing/2014/main" id="{841DCEC5-E062-73EC-599B-965A44B5F682}"/>
+              </a:ext>
+            </a:extLst>
+          </p:cNvPr>
+          <p:cNvSpPr>
+            <a:spLocks noGrp="1"/>
+          </p:cNvSpPr>
+          <p:nvPr>
+            <p:ph idx="1"/>
+          </p:nvPr>
+        </p:nvSpPr>
+        <p:spPr/>
+        <p:txBody>
+          <a:bodyPr/>
+          <a:lstStyle/>
+          <a:p>
+            <a:r>
+              <a:rPr lang="de-DE" dirty="0" err="1"/>
+              <a:t>Measure</a:t>
+            </a:r>
+            <a:r>
+              <a:rPr lang="de-DE" dirty="0"/>
+              <a:t> </a:t>
+            </a:r>
+            <a:r>
+              <a:rPr lang="de-DE" dirty="0" err="1"/>
+              <a:t>distance</a:t>
+            </a:r>
+            <a:r>
+              <a:rPr lang="de-DE" dirty="0"/>
+              <a:t> </a:t>
+            </a:r>
+            <a:r>
+              <a:rPr lang="de-DE" dirty="0" err="1"/>
+              <a:t>to</a:t>
+            </a:r>
+            <a:r>
+              <a:rPr lang="de-DE" dirty="0"/>
+              <a:t> </a:t>
+            </a:r>
+            <a:r>
+              <a:rPr lang="de-DE" dirty="0" err="1"/>
+              <a:t>instability</a:t>
+            </a:r>
+            <a:endParaRPr lang="de-DE" dirty="0"/>
+          </a:p>
+          <a:p>
+            <a:r>
+              <a:rPr lang="de-DE" dirty="0" err="1"/>
+              <a:t>Practical</a:t>
+            </a:r>
+            <a:r>
+              <a:rPr lang="de-DE" dirty="0"/>
+              <a:t> </a:t>
+            </a:r>
+            <a:r>
+              <a:rPr lang="de-DE" dirty="0" err="1"/>
+              <a:t>robustness</a:t>
+            </a:r>
+            <a:r>
+              <a:rPr lang="de-DE" dirty="0"/>
+              <a:t> </a:t>
+            </a:r>
+            <a:r>
+              <a:rPr lang="de-DE" dirty="0" err="1"/>
+              <a:t>indicators</a:t>
+            </a:r>
+            <a:endParaRPr lang="de-DE" dirty="0"/>
+          </a:p>
+          <a:p>
+            <a:r>
+              <a:rPr lang="de-DE" dirty="0"/>
+              <a:t>Read </a:t>
+            </a:r>
+            <a:r>
+              <a:rPr lang="de-DE" dirty="0" err="1"/>
+              <a:t>directly</a:t>
+            </a:r>
+            <a:r>
+              <a:rPr lang="de-DE" dirty="0"/>
+              <a:t> </a:t>
+            </a:r>
+            <a:r>
+              <a:rPr lang="de-DE" dirty="0" err="1"/>
+              <a:t>from</a:t>
+            </a:r>
+            <a:r>
+              <a:rPr lang="de-DE" dirty="0"/>
+              <a:t> Bode </a:t>
+            </a:r>
+            <a:r>
+              <a:rPr lang="de-DE" dirty="0" err="1"/>
+              <a:t>plots</a:t>
+            </a:r>
+            <a:endParaRPr lang="de-DE" dirty="0"/>
+          </a:p>
+        </p:txBody>
+      </p:sp>
+      <p:sp>
+        <p:nvSpPr>
+          <p:cNvPr id="4" name="Foliennummernplatzhalter 3">
+            <a:extLst>
+              <a:ext uri="{FF2B5EF4-FFF2-40B4-BE49-F238E27FC236}">
+                <a16:creationId xmlns:a16="http://schemas.microsoft.com/office/drawing/2014/main" id="{B0C0EBA0-2646-D649-137B-265D744CEEEB}"/>
+              </a:ext>
+            </a:extLst>
+          </p:cNvPr>
+          <p:cNvSpPr>
+            <a:spLocks noGrp="1"/>
+          </p:cNvSpPr>
+          <p:nvPr>
+            <p:ph type="sldNum" sz="quarter" idx="12"/>
+          </p:nvPr>
+        </p:nvSpPr>
+        <p:spPr/>
+        <p:txBody>
+          <a:bodyPr/>
+          <a:lstStyle/>
+          <a:p>
+            <a:fld id="{08C366F5-AFAD-49CB-854A-9D9E238FCA13}" type="slidenum">
+              <a:rPr lang="en-GB" smtClean="0"/>
+              <a:t>17</a:t>
             </a:fld>
             <a:endParaRPr lang="en-GB"/>
           </a:p>
@@ -5436,6 +6673,12 @@
             <a:endParaRPr lang="de-DE" dirty="0"/>
           </a:p>
           <a:p>
+            <a:pPr marL="0" indent="0">
+              <a:buNone/>
+            </a:pPr>
+            <a:endParaRPr lang="de-DE" dirty="0"/>
+          </a:p>
+          <a:p>
             <a:r>
               <a:rPr lang="de-DE" dirty="0" err="1"/>
               <a:t>Resonance</a:t>
@@ -5443,14 +6686,9 @@
             <a:endParaRPr lang="de-DE" dirty="0"/>
           </a:p>
           <a:p>
-            <a:r>
-              <a:rPr lang="de-DE" dirty="0"/>
-              <a:t>Pole-zero </a:t>
-            </a:r>
-            <a:r>
-              <a:rPr lang="de-DE" dirty="0" err="1"/>
-              <a:t>diagrams</a:t>
-            </a:r>
+            <a:pPr marL="0" indent="0">
+              <a:buNone/>
+            </a:pPr>
             <a:endParaRPr lang="de-DE" dirty="0"/>
           </a:p>
           <a:p>
@@ -5565,105 +6803,539 @@
           </a:p>
         </p:txBody>
       </p:sp>
-      <p:sp>
-        <p:nvSpPr>
-          <p:cNvPr id="3" name="Inhaltsplatzhalter 2">
-            <a:extLst>
-              <a:ext uri="{FF2B5EF4-FFF2-40B4-BE49-F238E27FC236}">
-                <a16:creationId xmlns:a16="http://schemas.microsoft.com/office/drawing/2014/main" id="{166FDBE5-DC6B-E55D-D642-F4079BD9ABB6}"/>
-              </a:ext>
-            </a:extLst>
-          </p:cNvPr>
-          <p:cNvSpPr>
-            <a:spLocks noGrp="1"/>
-          </p:cNvSpPr>
-          <p:nvPr>
-            <p:ph idx="1"/>
-          </p:nvPr>
-        </p:nvSpPr>
-        <p:spPr/>
-        <p:txBody>
-          <a:bodyPr/>
-          <a:lstStyle/>
-          <a:p>
-            <a:r>
-              <a:rPr lang="de-DE" dirty="0"/>
-              <a:t>Poles: </a:t>
-            </a:r>
-            <a:r>
-              <a:rPr lang="de-DE" dirty="0" err="1"/>
-              <a:t>roots</a:t>
-            </a:r>
-            <a:r>
-              <a:rPr lang="de-DE" dirty="0"/>
-              <a:t> </a:t>
-            </a:r>
-            <a:r>
-              <a:rPr lang="de-DE" dirty="0" err="1"/>
-              <a:t>of</a:t>
-            </a:r>
-            <a:r>
-              <a:rPr lang="de-DE" dirty="0"/>
-              <a:t> </a:t>
-            </a:r>
-            <a:r>
-              <a:rPr lang="de-DE" dirty="0" err="1"/>
-              <a:t>denominator</a:t>
-            </a:r>
-            <a:endParaRPr lang="de-DE" dirty="0"/>
-          </a:p>
-          <a:p>
-            <a:r>
-              <a:rPr lang="de-DE" dirty="0"/>
-              <a:t>Zeros: </a:t>
-            </a:r>
-            <a:r>
-              <a:rPr lang="de-DE" dirty="0" err="1"/>
-              <a:t>roots</a:t>
-            </a:r>
-            <a:r>
-              <a:rPr lang="de-DE" dirty="0"/>
-              <a:t> </a:t>
-            </a:r>
-            <a:r>
-              <a:rPr lang="de-DE" dirty="0" err="1"/>
-              <a:t>of</a:t>
-            </a:r>
-            <a:r>
-              <a:rPr lang="de-DE" dirty="0"/>
-              <a:t> </a:t>
-            </a:r>
-            <a:r>
-              <a:rPr lang="de-DE" dirty="0" err="1"/>
-              <a:t>numerator</a:t>
-            </a:r>
-            <a:endParaRPr lang="de-DE" dirty="0"/>
-          </a:p>
-          <a:p>
-            <a:r>
-              <a:rPr lang="de-DE" dirty="0" err="1"/>
-              <a:t>Determine</a:t>
-            </a:r>
-            <a:r>
-              <a:rPr lang="de-DE" dirty="0"/>
-              <a:t> </a:t>
-            </a:r>
-            <a:r>
-              <a:rPr lang="de-DE" dirty="0" err="1"/>
-              <a:t>system</a:t>
-            </a:r>
-            <a:r>
-              <a:rPr lang="de-DE" dirty="0"/>
-              <a:t> </a:t>
-            </a:r>
-            <a:r>
-              <a:rPr lang="de-DE" dirty="0" err="1"/>
-              <a:t>behavior</a:t>
-            </a:r>
-            <a:endParaRPr lang="de-DE" dirty="0"/>
-          </a:p>
-        </p:txBody>
-      </p:sp>
+      <mc:AlternateContent xmlns:mc="http://schemas.openxmlformats.org/markup-compatibility/2006" xmlns:a14="http://schemas.microsoft.com/office/drawing/2010/main">
+        <mc:Choice Requires="a14">
+          <p:sp>
+            <p:nvSpPr>
+              <p:cNvPr id="3" name="Inhaltsplatzhalter 2">
+                <a:extLst>
+                  <a:ext uri="{FF2B5EF4-FFF2-40B4-BE49-F238E27FC236}">
+                    <a16:creationId xmlns:a16="http://schemas.microsoft.com/office/drawing/2014/main" id="{166FDBE5-DC6B-E55D-D642-F4079BD9ABB6}"/>
+                  </a:ext>
+                </a:extLst>
+              </p:cNvPr>
+              <p:cNvSpPr>
+                <a:spLocks noGrp="1"/>
+              </p:cNvSpPr>
+              <p:nvPr>
+                <p:ph idx="1"/>
+              </p:nvPr>
+            </p:nvSpPr>
+            <p:spPr/>
+            <p:txBody>
+              <a:bodyPr>
+                <a:normAutofit/>
+              </a:bodyPr>
+              <a:lstStyle/>
+              <a:p>
+                <a:pPr marL="0" indent="0">
+                  <a:buNone/>
+                </a:pPr>
+                <a14:m>
+                  <m:oMathPara xmlns:m="http://schemas.openxmlformats.org/officeDocument/2006/math">
+                    <m:oMathParaPr>
+                      <m:jc m:val="centerGroup"/>
+                    </m:oMathParaPr>
+                    <m:oMath xmlns:m="http://schemas.openxmlformats.org/officeDocument/2006/math">
+                      <m:r>
+                        <a:rPr lang="de-DE" i="1" smtClean="0">
+                          <a:latin typeface="Cambria Math" panose="02040503050406030204" pitchFamily="18" charset="0"/>
+                        </a:rPr>
+                        <m:t>𝐺</m:t>
+                      </m:r>
+                      <m:d>
+                        <m:dPr>
+                          <m:ctrlPr>
+                            <a:rPr lang="de-DE" i="1">
+                              <a:latin typeface="Cambria Math" panose="02040503050406030204" pitchFamily="18" charset="0"/>
+                            </a:rPr>
+                          </m:ctrlPr>
+                        </m:dPr>
+                        <m:e>
+                          <m:r>
+                            <a:rPr lang="de-DE" i="1">
+                              <a:latin typeface="Cambria Math" panose="02040503050406030204" pitchFamily="18" charset="0"/>
+                            </a:rPr>
+                            <m:t>𝑠</m:t>
+                          </m:r>
+                        </m:e>
+                      </m:d>
+                      <m:r>
+                        <a:rPr lang="de-DE" i="1">
+                          <a:latin typeface="Cambria Math" panose="02040503050406030204" pitchFamily="18" charset="0"/>
+                        </a:rPr>
+                        <m:t>=</m:t>
+                      </m:r>
+                      <m:f>
+                        <m:fPr>
+                          <m:ctrlPr>
+                            <a:rPr lang="de-DE" i="1">
+                              <a:latin typeface="Cambria Math" panose="02040503050406030204" pitchFamily="18" charset="0"/>
+                            </a:rPr>
+                          </m:ctrlPr>
+                        </m:fPr>
+                        <m:num>
+                          <m:sSub>
+                            <m:sSubPr>
+                              <m:ctrlPr>
+                                <a:rPr lang="de-DE" i="1">
+                                  <a:latin typeface="Cambria Math" panose="02040503050406030204" pitchFamily="18" charset="0"/>
+                                </a:rPr>
+                              </m:ctrlPr>
+                            </m:sSubPr>
+                            <m:e>
+                              <m:r>
+                                <a:rPr lang="de-DE" i="1">
+                                  <a:latin typeface="Cambria Math" panose="02040503050406030204" pitchFamily="18" charset="0"/>
+                                </a:rPr>
+                                <m:t>𝑏</m:t>
+                              </m:r>
+                            </m:e>
+                            <m:sub>
+                              <m:r>
+                                <a:rPr lang="de-DE" i="1">
+                                  <a:latin typeface="Cambria Math" panose="02040503050406030204" pitchFamily="18" charset="0"/>
+                                </a:rPr>
+                                <m:t>𝑚</m:t>
+                              </m:r>
+                            </m:sub>
+                          </m:sSub>
+                        </m:num>
+                        <m:den>
+                          <m:sSub>
+                            <m:sSubPr>
+                              <m:ctrlPr>
+                                <a:rPr lang="de-DE" i="1">
+                                  <a:latin typeface="Cambria Math" panose="02040503050406030204" pitchFamily="18" charset="0"/>
+                                </a:rPr>
+                              </m:ctrlPr>
+                            </m:sSubPr>
+                            <m:e>
+                              <m:r>
+                                <a:rPr lang="de-DE" i="1">
+                                  <a:latin typeface="Cambria Math" panose="02040503050406030204" pitchFamily="18" charset="0"/>
+                                </a:rPr>
+                                <m:t>𝑎</m:t>
+                              </m:r>
+                            </m:e>
+                            <m:sub>
+                              <m:r>
+                                <a:rPr lang="de-DE" i="1">
+                                  <a:latin typeface="Cambria Math" panose="02040503050406030204" pitchFamily="18" charset="0"/>
+                                </a:rPr>
+                                <m:t>𝑛</m:t>
+                              </m:r>
+                            </m:sub>
+                          </m:sSub>
+                        </m:den>
+                      </m:f>
+                      <m:f>
+                        <m:fPr>
+                          <m:ctrlPr>
+                            <a:rPr lang="de-DE" i="1">
+                              <a:latin typeface="Cambria Math" panose="02040503050406030204" pitchFamily="18" charset="0"/>
+                            </a:rPr>
+                          </m:ctrlPr>
+                        </m:fPr>
+                        <m:num>
+                          <m:nary>
+                            <m:naryPr>
+                              <m:chr m:val="∏"/>
+                              <m:ctrlPr>
+                                <a:rPr lang="de-DE" i="1">
+                                  <a:latin typeface="Cambria Math" panose="02040503050406030204" pitchFamily="18" charset="0"/>
+                                </a:rPr>
+                              </m:ctrlPr>
+                            </m:naryPr>
+                            <m:sub>
+                              <m:r>
+                                <m:rPr>
+                                  <m:brk m:alnAt="23"/>
+                                </m:rPr>
+                                <a:rPr lang="de-DE" i="1">
+                                  <a:latin typeface="Cambria Math" panose="02040503050406030204" pitchFamily="18" charset="0"/>
+                                </a:rPr>
+                                <m:t>𝑖</m:t>
+                              </m:r>
+                              <m:r>
+                                <a:rPr lang="de-DE" i="1">
+                                  <a:latin typeface="Cambria Math" panose="02040503050406030204" pitchFamily="18" charset="0"/>
+                                </a:rPr>
+                                <m:t>=1</m:t>
+                              </m:r>
+                            </m:sub>
+                            <m:sup>
+                              <m:r>
+                                <a:rPr lang="de-DE" i="1">
+                                  <a:latin typeface="Cambria Math" panose="02040503050406030204" pitchFamily="18" charset="0"/>
+                                </a:rPr>
+                                <m:t>𝑚</m:t>
+                              </m:r>
+                            </m:sup>
+                            <m:e>
+                              <m:d>
+                                <m:dPr>
+                                  <m:ctrlPr>
+                                    <a:rPr lang="de-DE" i="1">
+                                      <a:latin typeface="Cambria Math" panose="02040503050406030204" pitchFamily="18" charset="0"/>
+                                    </a:rPr>
+                                  </m:ctrlPr>
+                                </m:dPr>
+                                <m:e>
+                                  <m:r>
+                                    <a:rPr lang="de-DE" i="1">
+                                      <a:latin typeface="Cambria Math" panose="02040503050406030204" pitchFamily="18" charset="0"/>
+                                    </a:rPr>
+                                    <m:t>𝑠</m:t>
+                                  </m:r>
+                                  <m:r>
+                                    <a:rPr lang="de-DE" i="1">
+                                      <a:latin typeface="Cambria Math" panose="02040503050406030204" pitchFamily="18" charset="0"/>
+                                    </a:rPr>
+                                    <m:t>−</m:t>
+                                  </m:r>
+                                  <m:sSub>
+                                    <m:sSubPr>
+                                      <m:ctrlPr>
+                                        <a:rPr lang="de-DE" i="1">
+                                          <a:latin typeface="Cambria Math" panose="02040503050406030204" pitchFamily="18" charset="0"/>
+                                        </a:rPr>
+                                      </m:ctrlPr>
+                                    </m:sSubPr>
+                                    <m:e>
+                                      <m:r>
+                                        <a:rPr lang="de-DE" i="1">
+                                          <a:latin typeface="Cambria Math" panose="02040503050406030204" pitchFamily="18" charset="0"/>
+                                        </a:rPr>
+                                        <m:t>𝑠</m:t>
+                                      </m:r>
+                                    </m:e>
+                                    <m:sub>
+                                      <m:r>
+                                        <a:rPr lang="de-DE" i="1">
+                                          <a:latin typeface="Cambria Math" panose="02040503050406030204" pitchFamily="18" charset="0"/>
+                                        </a:rPr>
+                                        <m:t>0</m:t>
+                                      </m:r>
+                                      <m:r>
+                                        <a:rPr lang="de-DE" i="1">
+                                          <a:latin typeface="Cambria Math" panose="02040503050406030204" pitchFamily="18" charset="0"/>
+                                        </a:rPr>
+                                        <m:t>𝑖</m:t>
+                                      </m:r>
+                                    </m:sub>
+                                  </m:sSub>
+                                </m:e>
+                              </m:d>
+                            </m:e>
+                          </m:nary>
+                        </m:num>
+                        <m:den>
+                          <m:nary>
+                            <m:naryPr>
+                              <m:chr m:val="∏"/>
+                              <m:ctrlPr>
+                                <a:rPr lang="de-DE" i="1">
+                                  <a:latin typeface="Cambria Math" panose="02040503050406030204" pitchFamily="18" charset="0"/>
+                                </a:rPr>
+                              </m:ctrlPr>
+                            </m:naryPr>
+                            <m:sub>
+                              <m:r>
+                                <m:rPr>
+                                  <m:brk m:alnAt="23"/>
+                                </m:rPr>
+                                <a:rPr lang="de-DE" i="1">
+                                  <a:latin typeface="Cambria Math" panose="02040503050406030204" pitchFamily="18" charset="0"/>
+                                </a:rPr>
+                                <m:t>𝑖</m:t>
+                              </m:r>
+                              <m:r>
+                                <a:rPr lang="de-DE" i="1">
+                                  <a:latin typeface="Cambria Math" panose="02040503050406030204" pitchFamily="18" charset="0"/>
+                                </a:rPr>
+                                <m:t>=1</m:t>
+                              </m:r>
+                            </m:sub>
+                            <m:sup>
+                              <m:r>
+                                <a:rPr lang="de-DE" i="1">
+                                  <a:latin typeface="Cambria Math" panose="02040503050406030204" pitchFamily="18" charset="0"/>
+                                </a:rPr>
+                                <m:t>𝑛</m:t>
+                              </m:r>
+                            </m:sup>
+                            <m:e>
+                              <m:d>
+                                <m:dPr>
+                                  <m:ctrlPr>
+                                    <a:rPr lang="de-DE" i="1">
+                                      <a:latin typeface="Cambria Math" panose="02040503050406030204" pitchFamily="18" charset="0"/>
+                                    </a:rPr>
+                                  </m:ctrlPr>
+                                </m:dPr>
+                                <m:e>
+                                  <m:r>
+                                    <a:rPr lang="de-DE" i="1">
+                                      <a:latin typeface="Cambria Math" panose="02040503050406030204" pitchFamily="18" charset="0"/>
+                                    </a:rPr>
+                                    <m:t>𝑠</m:t>
+                                  </m:r>
+                                  <m:r>
+                                    <a:rPr lang="de-DE" i="1">
+                                      <a:latin typeface="Cambria Math" panose="02040503050406030204" pitchFamily="18" charset="0"/>
+                                    </a:rPr>
+                                    <m:t>−</m:t>
+                                  </m:r>
+                                  <m:sSub>
+                                    <m:sSubPr>
+                                      <m:ctrlPr>
+                                        <a:rPr lang="de-DE" i="1">
+                                          <a:latin typeface="Cambria Math" panose="02040503050406030204" pitchFamily="18" charset="0"/>
+                                        </a:rPr>
+                                      </m:ctrlPr>
+                                    </m:sSubPr>
+                                    <m:e>
+                                      <m:r>
+                                        <a:rPr lang="de-DE" i="1">
+                                          <a:latin typeface="Cambria Math" panose="02040503050406030204" pitchFamily="18" charset="0"/>
+                                        </a:rPr>
+                                        <m:t>𝑠</m:t>
+                                      </m:r>
+                                    </m:e>
+                                    <m:sub>
+                                      <m:r>
+                                        <a:rPr lang="de-DE" i="1">
+                                          <a:latin typeface="Cambria Math" panose="02040503050406030204" pitchFamily="18" charset="0"/>
+                                        </a:rPr>
+                                        <m:t>𝑝𝑖</m:t>
+                                      </m:r>
+                                    </m:sub>
+                                  </m:sSub>
+                                </m:e>
+                              </m:d>
+                            </m:e>
+                          </m:nary>
+                        </m:den>
+                      </m:f>
+                    </m:oMath>
+                  </m:oMathPara>
+                </a14:m>
+                <a:endParaRPr lang="de-DE" dirty="0"/>
+              </a:p>
+              <a:p>
+                <a:pPr marL="0" indent="0">
+                  <a:buNone/>
+                </a:pPr>
+                <a:endParaRPr lang="de-DE" dirty="0"/>
+              </a:p>
+              <a:p>
+                <a:pPr marL="0" indent="0">
+                  <a:buNone/>
+                </a:pPr>
+                <a:r>
+                  <a:rPr lang="de-DE" dirty="0"/>
+                  <a:t>Poles: </a:t>
+                </a:r>
+                <a:r>
+                  <a:rPr lang="de-DE" dirty="0" err="1"/>
+                  <a:t>roots</a:t>
+                </a:r>
+                <a:r>
+                  <a:rPr lang="de-DE" dirty="0"/>
+                  <a:t> </a:t>
+                </a:r>
+                <a:r>
+                  <a:rPr lang="de-DE" dirty="0" err="1"/>
+                  <a:t>of</a:t>
+                </a:r>
+                <a:r>
+                  <a:rPr lang="de-DE" dirty="0"/>
+                  <a:t> </a:t>
+                </a:r>
+                <a:r>
+                  <a:rPr lang="de-DE" dirty="0" err="1"/>
+                  <a:t>denominator</a:t>
+                </a:r>
+                <a:r>
+                  <a:rPr lang="de-DE" dirty="0"/>
+                  <a:t> </a:t>
+                </a:r>
+                <a14:m>
+                  <m:oMath xmlns:m="http://schemas.openxmlformats.org/officeDocument/2006/math">
+                    <m:sSub>
+                      <m:sSubPr>
+                        <m:ctrlPr>
+                          <a:rPr lang="de-DE" i="1">
+                            <a:latin typeface="Cambria Math" panose="02040503050406030204" pitchFamily="18" charset="0"/>
+                          </a:rPr>
+                        </m:ctrlPr>
+                      </m:sSubPr>
+                      <m:e>
+                        <m:r>
+                          <a:rPr lang="de-DE" i="1">
+                            <a:latin typeface="Cambria Math" panose="02040503050406030204" pitchFamily="18" charset="0"/>
+                          </a:rPr>
+                          <m:t>𝑠</m:t>
+                        </m:r>
+                      </m:e>
+                      <m:sub>
+                        <m:r>
+                          <a:rPr lang="de-DE" b="0" i="1" smtClean="0">
+                            <a:latin typeface="Cambria Math" panose="02040503050406030204" pitchFamily="18" charset="0"/>
+                          </a:rPr>
+                          <m:t>𝑝</m:t>
+                        </m:r>
+                      </m:sub>
+                    </m:sSub>
+                  </m:oMath>
+                </a14:m>
+                <a:endParaRPr lang="de-DE" dirty="0"/>
+              </a:p>
+              <a:p>
+                <a:pPr marL="0" indent="0">
+                  <a:buNone/>
+                </a:pPr>
+                <a:endParaRPr lang="de-DE" dirty="0"/>
+              </a:p>
+              <a:p>
+                <a:pPr marL="0" indent="0">
+                  <a:buNone/>
+                </a:pPr>
+                <a:r>
+                  <a:rPr lang="de-DE" dirty="0"/>
+                  <a:t>Zeros: </a:t>
+                </a:r>
+                <a:r>
+                  <a:rPr lang="de-DE" dirty="0" err="1"/>
+                  <a:t>roots</a:t>
+                </a:r>
+                <a:r>
+                  <a:rPr lang="de-DE" dirty="0"/>
+                  <a:t> </a:t>
+                </a:r>
+                <a:r>
+                  <a:rPr lang="de-DE" dirty="0" err="1"/>
+                  <a:t>of</a:t>
+                </a:r>
+                <a:r>
+                  <a:rPr lang="de-DE" dirty="0"/>
+                  <a:t> </a:t>
+                </a:r>
+                <a:r>
+                  <a:rPr lang="de-DE" dirty="0" err="1"/>
+                  <a:t>numerator</a:t>
+                </a:r>
+                <a:r>
+                  <a:rPr lang="de-DE" dirty="0"/>
+                  <a:t> </a:t>
+                </a:r>
+                <a14:m>
+                  <m:oMath xmlns:m="http://schemas.openxmlformats.org/officeDocument/2006/math">
+                    <m:sSub>
+                      <m:sSubPr>
+                        <m:ctrlPr>
+                          <a:rPr lang="de-DE" i="1">
+                            <a:latin typeface="Cambria Math" panose="02040503050406030204" pitchFamily="18" charset="0"/>
+                          </a:rPr>
+                        </m:ctrlPr>
+                      </m:sSubPr>
+                      <m:e>
+                        <m:r>
+                          <a:rPr lang="de-DE" i="1">
+                            <a:latin typeface="Cambria Math" panose="02040503050406030204" pitchFamily="18" charset="0"/>
+                          </a:rPr>
+                          <m:t>𝑠</m:t>
+                        </m:r>
+                      </m:e>
+                      <m:sub>
+                        <m:r>
+                          <a:rPr lang="de-DE" i="1">
+                            <a:latin typeface="Cambria Math" panose="02040503050406030204" pitchFamily="18" charset="0"/>
+                          </a:rPr>
+                          <m:t>0</m:t>
+                        </m:r>
+                      </m:sub>
+                    </m:sSub>
+                  </m:oMath>
+                </a14:m>
+                <a:endParaRPr lang="de-DE" dirty="0"/>
+              </a:p>
+              <a:p>
+                <a:pPr marL="0" indent="0">
+                  <a:buNone/>
+                </a:pPr>
+                <a:endParaRPr lang="de-DE" dirty="0"/>
+              </a:p>
+              <a:p>
+                <a:pPr marL="0" indent="0">
+                  <a:buNone/>
+                </a:pPr>
+                <a:r>
+                  <a:rPr lang="de-DE" dirty="0" err="1"/>
+                  <a:t>Determine</a:t>
+                </a:r>
+                <a:r>
+                  <a:rPr lang="de-DE" dirty="0"/>
+                  <a:t> </a:t>
+                </a:r>
+                <a:r>
+                  <a:rPr lang="de-DE" dirty="0" err="1"/>
+                  <a:t>system</a:t>
+                </a:r>
+                <a:r>
+                  <a:rPr lang="de-DE" dirty="0"/>
+                  <a:t> </a:t>
+                </a:r>
+                <a:r>
+                  <a:rPr lang="de-DE" dirty="0" err="1"/>
+                  <a:t>behavior</a:t>
+                </a:r>
+                <a:endParaRPr lang="de-DE" dirty="0"/>
+              </a:p>
+            </p:txBody>
+          </p:sp>
+        </mc:Choice>
+        <mc:Fallback xmlns="">
+          <p:sp>
+            <p:nvSpPr>
+              <p:cNvPr id="3" name="Inhaltsplatzhalter 2">
+                <a:extLst>
+                  <a:ext uri="{FF2B5EF4-FFF2-40B4-BE49-F238E27FC236}">
+                    <a16:creationId xmlns:a16="http://schemas.microsoft.com/office/drawing/2014/main" id="{166FDBE5-DC6B-E55D-D642-F4079BD9ABB6}"/>
+                  </a:ext>
+                </a:extLst>
+              </p:cNvPr>
+              <p:cNvSpPr>
+                <a:spLocks noGrp="1" noRot="1" noChangeAspect="1" noMove="1" noResize="1" noEditPoints="1" noAdjustHandles="1" noChangeArrowheads="1" noChangeShapeType="1" noTextEdit="1"/>
+              </p:cNvSpPr>
+              <p:nvPr>
+                <p:ph idx="1"/>
+              </p:nvPr>
+            </p:nvSpPr>
+            <p:spPr>
+              <a:blipFill>
+                <a:blip r:embed="rId2"/>
+                <a:stretch>
+                  <a:fillRect l="-1206" t="-17151"/>
+                </a:stretch>
+              </a:blipFill>
+            </p:spPr>
+            <p:txBody>
+              <a:bodyPr/>
+              <a:lstStyle/>
+              <a:p>
+                <a:r>
+                  <a:rPr lang="de-DE">
+                    <a:noFill/>
+                  </a:rPr>
+                  <a:t> </a:t>
+                </a:r>
+              </a:p>
+            </p:txBody>
+          </p:sp>
+        </mc:Fallback>
+      </mc:AlternateContent>
       <p:sp>
         <p:nvSpPr>
           <p:cNvPr id="4" name="Foliennummernplatzhalter 3">
@@ -5759,8 +7431,8 @@
           </a:p>
         </p:txBody>
       </p:sp>
-      <mc:AlternateContent xmlns:mc="http://schemas.openxmlformats.org/markup-compatibility/2006">
-        <mc:Choice xmlns:a14="http://schemas.microsoft.com/office/drawing/2010/main" Requires="a14">
+      <mc:AlternateContent xmlns:mc="http://schemas.openxmlformats.org/markup-compatibility/2006" xmlns:a14="http://schemas.microsoft.com/office/drawing/2010/main">
+        <mc:Choice Requires="a14">
           <p:sp>
             <p:nvSpPr>
               <p:cNvPr id="3" name="Inhaltsplatzhalter 2">
@@ -5780,7 +7452,7 @@
             <p:spPr/>
             <p:txBody>
               <a:bodyPr>
-                <a:normAutofit fontScale="92500" lnSpcReduction="20000"/>
+                <a:noAutofit/>
               </a:bodyPr>
               <a:lstStyle/>
               <a:p>
@@ -5788,68 +7460,161 @@
                   <a:buNone/>
                 </a:pPr>
                 <a:r>
-                  <a:rPr lang="de-DE" dirty="0"/>
-                  <a:t>If real: </a:t>
-                </a:r>
-                <a:r>
-                  <a:rPr lang="de-DE" dirty="0" err="1"/>
-                  <a:t>purely</a:t>
-                </a:r>
-                <a:r>
-                  <a:rPr lang="de-DE" dirty="0"/>
+                  <a:rPr lang="de-DE" sz="2400" dirty="0" err="1"/>
+                  <a:t>System’s</a:t>
+                </a:r>
+                <a:r>
+                  <a:rPr lang="de-DE" sz="2400" dirty="0"/>
                   <a:t> </a:t>
                 </a:r>
                 <a:r>
-                  <a:rPr lang="de-DE" dirty="0" err="1"/>
-                  <a:t>exponential</a:t>
-                </a:r>
-                <a:r>
-                  <a:rPr lang="de-DE" dirty="0"/>
-                  <a:t>, </a:t>
-                </a:r>
-                <a:r>
-                  <a:rPr lang="de-DE" dirty="0" err="1"/>
-                  <a:t>no</a:t>
-                </a:r>
-                <a:r>
-                  <a:rPr lang="de-DE" dirty="0"/>
+                  <a:rPr lang="de-DE" sz="2400" dirty="0" err="1"/>
+                  <a:t>natural</a:t>
+                </a:r>
+                <a:r>
+                  <a:rPr lang="de-DE" sz="2400" dirty="0"/>
                   <a:t> </a:t>
                 </a:r>
                 <a:r>
-                  <a:rPr lang="de-DE" dirty="0" err="1"/>
-                  <a:t>oscillation</a:t>
-                </a:r>
-                <a:endParaRPr lang="de-DE" dirty="0"/>
+                  <a:rPr lang="de-DE" sz="2400" dirty="0" err="1"/>
+                  <a:t>response</a:t>
+                </a:r>
+                <a:r>
+                  <a:rPr lang="de-DE" sz="2400" dirty="0"/>
+                  <a:t>:</a:t>
+                </a:r>
               </a:p>
               <a:p>
+                <a:pPr marL="0" indent="0">
+                  <a:buNone/>
+                </a:pPr>
+                <a:r>
+                  <a:rPr lang="de-DE" sz="2400" dirty="0" err="1"/>
+                  <a:t>sum</a:t>
+                </a:r>
+                <a:r>
+                  <a:rPr lang="de-DE" sz="2400" dirty="0"/>
+                  <a:t> </a:t>
+                </a:r>
+                <a:r>
+                  <a:rPr lang="de-DE" sz="2400" dirty="0" err="1"/>
+                  <a:t>of</a:t>
+                </a:r>
+                <a:r>
+                  <a:rPr lang="de-DE" sz="2400" dirty="0"/>
+                  <a:t> </a:t>
+                </a:r>
+                <a:r>
+                  <a:rPr lang="de-DE" sz="2400" dirty="0" err="1"/>
+                  <a:t>terms</a:t>
+                </a:r>
+                <a:r>
+                  <a:rPr lang="de-DE" sz="2400" dirty="0"/>
+                  <a:t> like </a:t>
+                </a:r>
+                <a14:m>
+                  <m:oMath xmlns:m="http://schemas.openxmlformats.org/officeDocument/2006/math">
+                    <m:sSup>
+                      <m:sSupPr>
+                        <m:ctrlPr>
+                          <a:rPr lang="de-DE" sz="2400" i="1">
+                            <a:latin typeface="Cambria Math" panose="02040503050406030204" pitchFamily="18" charset="0"/>
+                          </a:rPr>
+                        </m:ctrlPr>
+                      </m:sSupPr>
+                      <m:e>
+                        <m:r>
+                          <a:rPr lang="de-DE" sz="2400" i="1">
+                            <a:latin typeface="Cambria Math" panose="02040503050406030204" pitchFamily="18" charset="0"/>
+                          </a:rPr>
+                          <m:t>𝑒</m:t>
+                        </m:r>
+                      </m:e>
+                      <m:sup>
+                        <m:sSub>
+                          <m:sSubPr>
+                            <m:ctrlPr>
+                              <a:rPr lang="de-DE" sz="2400" i="1">
+                                <a:latin typeface="Cambria Math" panose="02040503050406030204" pitchFamily="18" charset="0"/>
+                              </a:rPr>
+                            </m:ctrlPr>
+                          </m:sSubPr>
+                          <m:e>
+                            <m:r>
+                              <a:rPr lang="de-DE" sz="2400" i="1">
+                                <a:latin typeface="Cambria Math" panose="02040503050406030204" pitchFamily="18" charset="0"/>
+                              </a:rPr>
+                              <m:t>𝑠</m:t>
+                            </m:r>
+                          </m:e>
+                          <m:sub>
+                            <m:r>
+                              <a:rPr lang="de-DE" sz="2400" i="1">
+                                <a:latin typeface="Cambria Math" panose="02040503050406030204" pitchFamily="18" charset="0"/>
+                              </a:rPr>
+                              <m:t>𝑝</m:t>
+                            </m:r>
+                          </m:sub>
+                        </m:sSub>
+                        <m:r>
+                          <a:rPr lang="de-DE" sz="2400" i="1">
+                            <a:latin typeface="Cambria Math" panose="02040503050406030204" pitchFamily="18" charset="0"/>
+                          </a:rPr>
+                          <m:t>𝑡</m:t>
+                        </m:r>
+                      </m:sup>
+                    </m:sSup>
+                  </m:oMath>
+                </a14:m>
+                <a:r>
+                  <a:rPr lang="de-DE" sz="2400" dirty="0"/>
+                  <a:t> (</a:t>
+                </a:r>
+                <a:r>
+                  <a:rPr lang="de-DE" sz="2400" dirty="0" err="1"/>
+                  <a:t>one</a:t>
+                </a:r>
+                <a:r>
+                  <a:rPr lang="de-DE" sz="2400" dirty="0"/>
+                  <a:t> </a:t>
+                </a:r>
+                <a:r>
+                  <a:rPr lang="de-DE" sz="2400" dirty="0" err="1"/>
+                  <a:t>term</a:t>
+                </a:r>
+                <a:r>
+                  <a:rPr lang="de-DE" sz="2400" dirty="0"/>
+                  <a:t> </a:t>
+                </a:r>
+                <a:r>
+                  <a:rPr lang="de-DE" sz="2400" dirty="0" err="1"/>
+                  <a:t>for</a:t>
+                </a:r>
+                <a:r>
+                  <a:rPr lang="de-DE" sz="2400" dirty="0"/>
+                  <a:t> </a:t>
+                </a:r>
+                <a:r>
+                  <a:rPr lang="de-DE" sz="2400" dirty="0" err="1"/>
+                  <a:t>each</a:t>
+                </a:r>
+                <a:r>
+                  <a:rPr lang="de-DE" sz="2400" dirty="0"/>
+                  <a:t> pole </a:t>
+                </a:r>
                 <a14:m>
                   <m:oMath xmlns:m="http://schemas.openxmlformats.org/officeDocument/2006/math">
                     <m:sSub>
                       <m:sSubPr>
                         <m:ctrlPr>
-                          <a:rPr lang="de-DE" i="1">
+                          <a:rPr lang="de-DE" sz="2400" i="1">
                             <a:latin typeface="Cambria Math" panose="02040503050406030204" pitchFamily="18" charset="0"/>
                           </a:rPr>
                         </m:ctrlPr>
                       </m:sSubPr>
                       <m:e>
                         <m:r>
-                          <m:rPr>
-                            <m:sty m:val="p"/>
-                          </m:rPr>
-                          <a:rPr lang="de-DE" b="0" i="0" smtClean="0">
-                            <a:latin typeface="Cambria Math" panose="02040503050406030204" pitchFamily="18" charset="0"/>
-                          </a:rPr>
-                          <m:t>Re</m:t>
-                        </m:r>
-                        <m:r>
-                          <a:rPr lang="de-DE" b="0" i="1" smtClean="0">
-                            <a:latin typeface="Cambria Math" panose="02040503050406030204" pitchFamily="18" charset="0"/>
-                          </a:rPr>
-                          <m:t>(</m:t>
-                        </m:r>
-                        <m:r>
-                          <a:rPr lang="de-DE" i="1">
+                          <a:rPr lang="de-DE" sz="2400" i="1">
                             <a:latin typeface="Cambria Math" panose="02040503050406030204" pitchFamily="18" charset="0"/>
                           </a:rPr>
                           <m:t>𝑠</m:t>
@@ -5857,7 +7622,7 @@
                       </m:e>
                       <m:sub>
                         <m:r>
-                          <a:rPr lang="de-DE" i="1">
+                          <a:rPr lang="de-DE" sz="2400" i="1">
                             <a:latin typeface="Cambria Math" panose="02040503050406030204" pitchFamily="18" charset="0"/>
                           </a:rPr>
                           <m:t>𝑝</m:t>
@@ -5865,20 +7630,492 @@
                       </m:sub>
                     </m:sSub>
                     <m:r>
-                      <a:rPr lang="de-DE" b="0" i="1" smtClean="0">
+                      <a:rPr lang="de-DE" sz="2400" i="1">
                         <a:latin typeface="Cambria Math" panose="02040503050406030204" pitchFamily="18" charset="0"/>
                       </a:rPr>
-                      <m:t>)&lt;0</m:t>
+                      <m:t>=</m:t>
+                    </m:r>
+                    <m:r>
+                      <a:rPr lang="de-DE" sz="2400" i="1">
+                        <a:latin typeface="Cambria Math" panose="02040503050406030204" pitchFamily="18" charset="0"/>
+                        <a:ea typeface="Cambria Math" panose="02040503050406030204" pitchFamily="18" charset="0"/>
+                      </a:rPr>
+                      <m:t>𝜎</m:t>
+                    </m:r>
+                    <m:r>
+                      <a:rPr lang="de-DE" sz="2400" i="1">
+                        <a:latin typeface="Cambria Math" panose="02040503050406030204" pitchFamily="18" charset="0"/>
+                        <a:ea typeface="Cambria Math" panose="02040503050406030204" pitchFamily="18" charset="0"/>
+                      </a:rPr>
+                      <m:t>+</m:t>
+                    </m:r>
+                    <m:r>
+                      <a:rPr lang="de-DE" sz="2400" i="1">
+                        <a:latin typeface="Cambria Math" panose="02040503050406030204" pitchFamily="18" charset="0"/>
+                        <a:ea typeface="Cambria Math" panose="02040503050406030204" pitchFamily="18" charset="0"/>
+                      </a:rPr>
+                      <m:t>𝑗</m:t>
+                    </m:r>
+                    <m:r>
+                      <a:rPr lang="de-DE" sz="2400" i="1">
+                        <a:latin typeface="Cambria Math" panose="02040503050406030204" pitchFamily="18" charset="0"/>
+                        <a:ea typeface="Cambria Math" panose="02040503050406030204" pitchFamily="18" charset="0"/>
+                      </a:rPr>
+                      <m:t>𝜔</m:t>
                     </m:r>
                   </m:oMath>
                 </a14:m>
                 <a:r>
+                  <a:rPr lang="de-DE" sz="2400" dirty="0"/>
+                  <a:t>)</a:t>
+                </a:r>
+              </a:p>
+              <a:p>
+                <a:pPr marL="0" indent="0">
+                  <a:buNone/>
+                </a:pPr>
+                <a:endParaRPr lang="de-DE" sz="2400" dirty="0"/>
+              </a:p>
+              <a:p>
+                <a:pPr marL="0" indent="0">
+                  <a:buNone/>
+                </a:pPr>
+                <a:r>
+                  <a:rPr lang="de-DE" sz="2400" dirty="0"/>
+                  <a:t>Real </a:t>
+                </a:r>
+                <a14:m>
+                  <m:oMath xmlns:m="http://schemas.openxmlformats.org/officeDocument/2006/math">
+                    <m:sSub>
+                      <m:sSubPr>
+                        <m:ctrlPr>
+                          <a:rPr lang="de-DE" sz="2400" i="1">
+                            <a:latin typeface="Cambria Math" panose="02040503050406030204" pitchFamily="18" charset="0"/>
+                          </a:rPr>
+                        </m:ctrlPr>
+                      </m:sSubPr>
+                      <m:e>
+                        <m:r>
+                          <a:rPr lang="de-DE" sz="2400" i="1">
+                            <a:latin typeface="Cambria Math" panose="02040503050406030204" pitchFamily="18" charset="0"/>
+                          </a:rPr>
+                          <m:t>𝑠</m:t>
+                        </m:r>
+                      </m:e>
+                      <m:sub>
+                        <m:r>
+                          <a:rPr lang="de-DE" sz="2400" i="1">
+                            <a:latin typeface="Cambria Math" panose="02040503050406030204" pitchFamily="18" charset="0"/>
+                          </a:rPr>
+                          <m:t>𝑝</m:t>
+                        </m:r>
+                      </m:sub>
+                    </m:sSub>
+                  </m:oMath>
+                </a14:m>
+                <a:r>
+                  <a:rPr lang="de-DE" sz="2400" dirty="0"/>
+                  <a:t>: </a:t>
+                </a:r>
+                <a:r>
+                  <a:rPr lang="de-DE" sz="2400" dirty="0" err="1"/>
+                  <a:t>purely</a:t>
+                </a:r>
+                <a:r>
+                  <a:rPr lang="de-DE" sz="2400" dirty="0"/>
+                  <a:t> </a:t>
+                </a:r>
+                <a:r>
+                  <a:rPr lang="de-DE" sz="2400" dirty="0" err="1"/>
+                  <a:t>exponential</a:t>
+                </a:r>
+                <a:r>
+                  <a:rPr lang="de-DE" sz="2400" dirty="0"/>
+                  <a:t>, </a:t>
+                </a:r>
+                <a:r>
+                  <a:rPr lang="de-DE" sz="2400" dirty="0" err="1"/>
+                  <a:t>no</a:t>
+                </a:r>
+                <a:r>
+                  <a:rPr lang="de-DE" sz="2400" dirty="0"/>
+                  <a:t> </a:t>
+                </a:r>
+                <a:r>
+                  <a:rPr lang="de-DE" sz="2400" dirty="0" err="1"/>
+                  <a:t>oscillation</a:t>
+                </a:r>
+                <a:endParaRPr lang="de-DE" sz="2400" dirty="0"/>
+              </a:p>
+              <a:p>
+                <a:pPr marL="0" indent="0">
+                  <a:buNone/>
+                </a:pPr>
+                <a:endParaRPr lang="de-DE" sz="2400" dirty="0"/>
+              </a:p>
+              <a:p>
+                <a:pPr marL="0" indent="0">
+                  <a:buNone/>
+                </a:pPr>
+                <a:r>
+                  <a:rPr lang="de-DE" sz="2400" dirty="0" err="1"/>
+                  <a:t>Complex</a:t>
+                </a:r>
+                <a:r>
+                  <a:rPr lang="de-DE" sz="2400" dirty="0"/>
+                  <a:t> </a:t>
+                </a:r>
+                <a14:m>
+                  <m:oMath xmlns:m="http://schemas.openxmlformats.org/officeDocument/2006/math">
+                    <m:sSub>
+                      <m:sSubPr>
+                        <m:ctrlPr>
+                          <a:rPr lang="de-DE" sz="2400" i="1">
+                            <a:latin typeface="Cambria Math" panose="02040503050406030204" pitchFamily="18" charset="0"/>
+                          </a:rPr>
+                        </m:ctrlPr>
+                      </m:sSubPr>
+                      <m:e>
+                        <m:r>
+                          <a:rPr lang="de-DE" sz="2400" i="1">
+                            <a:latin typeface="Cambria Math" panose="02040503050406030204" pitchFamily="18" charset="0"/>
+                          </a:rPr>
+                          <m:t>𝑠</m:t>
+                        </m:r>
+                      </m:e>
+                      <m:sub>
+                        <m:r>
+                          <a:rPr lang="de-DE" sz="2400" i="1">
+                            <a:latin typeface="Cambria Math" panose="02040503050406030204" pitchFamily="18" charset="0"/>
+                          </a:rPr>
+                          <m:t>𝑝</m:t>
+                        </m:r>
+                      </m:sub>
+                    </m:sSub>
+                  </m:oMath>
+                </a14:m>
+                <a:r>
+                  <a:rPr lang="de-DE" sz="2400" dirty="0"/>
+                  <a:t>: (</a:t>
+                </a:r>
+                <a:r>
+                  <a:rPr lang="de-DE" sz="2400" dirty="0" err="1"/>
+                  <a:t>damped</a:t>
+                </a:r>
+                <a:r>
+                  <a:rPr lang="de-DE" sz="2400" dirty="0"/>
+                  <a:t>) </a:t>
+                </a:r>
+                <a:r>
+                  <a:rPr lang="de-DE" sz="2400" dirty="0" err="1"/>
+                  <a:t>oscillation</a:t>
+                </a:r>
+                <a:endParaRPr lang="de-DE" sz="2400" dirty="0"/>
+              </a:p>
+              <a:p>
+                <a:pPr marL="0" indent="0">
+                  <a:buNone/>
+                </a:pPr>
+                <a:endParaRPr lang="de-DE" sz="2400" dirty="0"/>
+              </a:p>
+              <a:p>
+                <a:r>
+                  <a:rPr lang="de-DE" sz="2400" dirty="0">
+                    <a:sym typeface="Wingdings" pitchFamily="2" charset="2"/>
+                  </a:rPr>
+                  <a:t>Single real pole: PT1</a:t>
+                </a:r>
+              </a:p>
+              <a:p>
+                <a:r>
+                  <a:rPr lang="de-DE" sz="2400" dirty="0" err="1">
+                    <a:sym typeface="Wingdings" pitchFamily="2" charset="2"/>
+                  </a:rPr>
+                  <a:t>Two</a:t>
+                </a:r>
+                <a:r>
+                  <a:rPr lang="de-DE" sz="2400" dirty="0">
+                    <a:sym typeface="Wingdings" pitchFamily="2" charset="2"/>
+                  </a:rPr>
+                  <a:t> real </a:t>
+                </a:r>
+                <a:r>
+                  <a:rPr lang="de-DE" sz="2400" dirty="0" err="1">
+                    <a:sym typeface="Wingdings" pitchFamily="2" charset="2"/>
+                  </a:rPr>
+                  <a:t>poles</a:t>
+                </a:r>
+                <a:r>
+                  <a:rPr lang="de-DE" sz="2400" dirty="0">
+                    <a:sym typeface="Wingdings" pitchFamily="2" charset="2"/>
+                  </a:rPr>
+                  <a:t>: </a:t>
+                </a:r>
+                <a:r>
+                  <a:rPr lang="de-DE" sz="2400" dirty="0" err="1">
+                    <a:sym typeface="Wingdings" pitchFamily="2" charset="2"/>
+                  </a:rPr>
+                  <a:t>aperiodic</a:t>
+                </a:r>
+                <a:r>
+                  <a:rPr lang="de-DE" sz="2400" dirty="0">
+                    <a:sym typeface="Wingdings" pitchFamily="2" charset="2"/>
+                  </a:rPr>
+                  <a:t> PT2 (</a:t>
+                </a:r>
+                <a:r>
+                  <a:rPr lang="de-DE" sz="2400" dirty="0" err="1">
+                    <a:sym typeface="Wingdings" pitchFamily="2" charset="2"/>
+                  </a:rPr>
+                  <a:t>sum</a:t>
+                </a:r>
+                <a:r>
+                  <a:rPr lang="de-DE" sz="2400" dirty="0">
+                    <a:sym typeface="Wingdings" pitchFamily="2" charset="2"/>
+                  </a:rPr>
+                  <a:t> </a:t>
+                </a:r>
+                <a:r>
+                  <a:rPr lang="de-DE" sz="2400" dirty="0" err="1">
+                    <a:sym typeface="Wingdings" pitchFamily="2" charset="2"/>
+                  </a:rPr>
+                  <a:t>of</a:t>
+                </a:r>
+                <a:r>
+                  <a:rPr lang="de-DE" sz="2400" dirty="0">
+                    <a:sym typeface="Wingdings" pitchFamily="2" charset="2"/>
+                  </a:rPr>
+                  <a:t> </a:t>
+                </a:r>
+                <a:r>
+                  <a:rPr lang="de-DE" sz="2400" dirty="0" err="1">
+                    <a:sym typeface="Wingdings" pitchFamily="2" charset="2"/>
+                  </a:rPr>
+                  <a:t>two</a:t>
+                </a:r>
+                <a:r>
+                  <a:rPr lang="de-DE" sz="2400" dirty="0">
+                    <a:sym typeface="Wingdings" pitchFamily="2" charset="2"/>
+                  </a:rPr>
+                  <a:t> </a:t>
+                </a:r>
+                <a:r>
+                  <a:rPr lang="de-DE" sz="2400" dirty="0" err="1">
+                    <a:sym typeface="Wingdings" pitchFamily="2" charset="2"/>
+                  </a:rPr>
+                  <a:t>exponential</a:t>
+                </a:r>
+                <a:r>
+                  <a:rPr lang="de-DE" sz="2400" dirty="0">
+                    <a:sym typeface="Wingdings" pitchFamily="2" charset="2"/>
+                  </a:rPr>
+                  <a:t> </a:t>
+                </a:r>
+                <a:r>
+                  <a:rPr lang="de-DE" sz="2400" dirty="0" err="1">
+                    <a:sym typeface="Wingdings" pitchFamily="2" charset="2"/>
+                  </a:rPr>
+                  <a:t>terms</a:t>
+                </a:r>
+                <a:r>
+                  <a:rPr lang="de-DE" sz="2400" dirty="0">
+                    <a:sym typeface="Wingdings" pitchFamily="2" charset="2"/>
+                  </a:rPr>
+                  <a:t>)</a:t>
+                </a:r>
+              </a:p>
+              <a:p>
+                <a:r>
+                  <a:rPr lang="de-DE" sz="2400" dirty="0" err="1">
+                    <a:sym typeface="Wingdings" pitchFamily="2" charset="2"/>
+                  </a:rPr>
+                  <a:t>Conjugate</a:t>
+                </a:r>
+                <a:r>
+                  <a:rPr lang="de-DE" sz="2400" dirty="0">
+                    <a:sym typeface="Wingdings" pitchFamily="2" charset="2"/>
+                  </a:rPr>
+                  <a:t> pole pair: </a:t>
+                </a:r>
+                <a:r>
+                  <a:rPr lang="de-DE" sz="2400" dirty="0" err="1">
+                    <a:sym typeface="Wingdings" pitchFamily="2" charset="2"/>
+                  </a:rPr>
+                  <a:t>oscillating</a:t>
+                </a:r>
+                <a:r>
+                  <a:rPr lang="de-DE" sz="2400" dirty="0">
+                    <a:sym typeface="Wingdings" pitchFamily="2" charset="2"/>
+                  </a:rPr>
+                  <a:t> PT2</a:t>
+                </a:r>
+                <a:endParaRPr lang="de-DE" sz="2400" dirty="0"/>
+              </a:p>
+            </p:txBody>
+          </p:sp>
+        </mc:Choice>
+        <mc:Fallback xmlns="">
+          <p:sp>
+            <p:nvSpPr>
+              <p:cNvPr id="3" name="Inhaltsplatzhalter 2">
+                <a:extLst>
+                  <a:ext uri="{FF2B5EF4-FFF2-40B4-BE49-F238E27FC236}">
+                    <a16:creationId xmlns:a16="http://schemas.microsoft.com/office/drawing/2014/main" id="{4E65B0AF-C18E-51FA-36D7-9E446827542B}"/>
+                  </a:ext>
+                </a:extLst>
+              </p:cNvPr>
+              <p:cNvSpPr>
+                <a:spLocks noGrp="1" noRot="1" noChangeAspect="1" noMove="1" noResize="1" noEditPoints="1" noAdjustHandles="1" noChangeArrowheads="1" noChangeShapeType="1" noTextEdit="1"/>
+              </p:cNvSpPr>
+              <p:nvPr>
+                <p:ph idx="1"/>
+              </p:nvPr>
+            </p:nvSpPr>
+            <p:spPr>
+              <a:blipFill>
+                <a:blip r:embed="rId2"/>
+                <a:stretch>
+                  <a:fillRect l="-965" t="-2035" b="-9012"/>
+                </a:stretch>
+              </a:blipFill>
+            </p:spPr>
+            <p:txBody>
+              <a:bodyPr/>
+              <a:lstStyle/>
+              <a:p>
+                <a:r>
+                  <a:rPr lang="de-DE">
+                    <a:noFill/>
+                  </a:rPr>
+                  <a:t> </a:t>
+                </a:r>
+              </a:p>
+            </p:txBody>
+          </p:sp>
+        </mc:Fallback>
+      </mc:AlternateContent>
+      <p:sp>
+        <p:nvSpPr>
+          <p:cNvPr id="4" name="Foliennummernplatzhalter 3">
+            <a:extLst>
+              <a:ext uri="{FF2B5EF4-FFF2-40B4-BE49-F238E27FC236}">
+                <a16:creationId xmlns:a16="http://schemas.microsoft.com/office/drawing/2014/main" id="{FE80A277-EABA-D25C-37DF-1CE92DC9B2F0}"/>
+              </a:ext>
+            </a:extLst>
+          </p:cNvPr>
+          <p:cNvSpPr>
+            <a:spLocks noGrp="1"/>
+          </p:cNvSpPr>
+          <p:nvPr>
+            <p:ph type="sldNum" sz="quarter" idx="12"/>
+          </p:nvPr>
+        </p:nvSpPr>
+        <p:spPr/>
+        <p:txBody>
+          <a:bodyPr/>
+          <a:lstStyle/>
+          <a:p>
+            <a:fld id="{08C366F5-AFAD-49CB-854A-9D9E238FCA13}" type="slidenum">
+              <a:rPr lang="en-GB" smtClean="0"/>
+              <a:t>5</a:t>
+            </a:fld>
+            <a:endParaRPr lang="en-GB"/>
+          </a:p>
+        </p:txBody>
+      </p:sp>
+    </p:spTree>
+    <p:extLst>
+      <p:ext uri="{BB962C8B-B14F-4D97-AF65-F5344CB8AC3E}">
+        <p14:creationId xmlns:p14="http://schemas.microsoft.com/office/powerpoint/2010/main" val="3803669674"/>
+      </p:ext>
+    </p:extLst>
+  </p:cSld>
+  <p:clrMapOvr>
+    <a:masterClrMapping/>
+  </p:clrMapOvr>
+</p:sld>
+</file>
+
+<file path=ppt/slides/slide6.xml><?xml version="1.0" encoding="utf-8"?>
+<p:sld xmlns:a="http://schemas.openxmlformats.org/drawingml/2006/main" xmlns:r="http://schemas.openxmlformats.org/officeDocument/2006/relationships" xmlns:p="http://schemas.openxmlformats.org/presentationml/2006/main">
+  <p:cSld>
+    <p:spTree>
+      <p:nvGrpSpPr>
+        <p:cNvPr id="1" name=""/>
+        <p:cNvGrpSpPr/>
+        <p:nvPr/>
+      </p:nvGrpSpPr>
+      <p:grpSpPr>
+        <a:xfrm>
+          <a:off x="0" y="0"/>
+          <a:ext cx="0" cy="0"/>
+          <a:chOff x="0" y="0"/>
+          <a:chExt cx="0" cy="0"/>
+        </a:xfrm>
+      </p:grpSpPr>
+      <p:sp>
+        <p:nvSpPr>
+          <p:cNvPr id="2" name="Titel 1">
+            <a:extLst>
+              <a:ext uri="{FF2B5EF4-FFF2-40B4-BE49-F238E27FC236}">
+                <a16:creationId xmlns:a16="http://schemas.microsoft.com/office/drawing/2014/main" id="{B66F9A38-8992-E7C7-CEBD-AC1A098C1A2C}"/>
+              </a:ext>
+            </a:extLst>
+          </p:cNvPr>
+          <p:cNvSpPr>
+            <a:spLocks noGrp="1"/>
+          </p:cNvSpPr>
+          <p:nvPr>
+            <p:ph type="title"/>
+          </p:nvPr>
+        </p:nvSpPr>
+        <p:spPr/>
+        <p:txBody>
+          <a:bodyPr/>
+          <a:lstStyle/>
+          <a:p>
+            <a:r>
+              <a:rPr lang="de-DE" dirty="0"/>
+              <a:t>Pole Location</a:t>
+            </a:r>
+          </a:p>
+        </p:txBody>
+      </p:sp>
+      <mc:AlternateContent xmlns:mc="http://schemas.openxmlformats.org/markup-compatibility/2006" xmlns:a14="http://schemas.microsoft.com/office/drawing/2010/main">
+        <mc:Choice Requires="a14">
+          <p:sp>
+            <p:nvSpPr>
+              <p:cNvPr id="3" name="Inhaltsplatzhalter 2">
+                <a:extLst>
+                  <a:ext uri="{FF2B5EF4-FFF2-40B4-BE49-F238E27FC236}">
+                    <a16:creationId xmlns:a16="http://schemas.microsoft.com/office/drawing/2014/main" id="{C62C7A46-3151-BCA2-732D-A5FE2D3F7889}"/>
+                  </a:ext>
+                </a:extLst>
+              </p:cNvPr>
+              <p:cNvSpPr>
+                <a:spLocks noGrp="1"/>
+              </p:cNvSpPr>
+              <p:nvPr>
+                <p:ph idx="1"/>
+              </p:nvPr>
+            </p:nvSpPr>
+            <p:spPr/>
+            <p:txBody>
+              <a:bodyPr>
+                <a:normAutofit fontScale="92500" lnSpcReduction="10000"/>
+              </a:bodyPr>
+              <a:lstStyle/>
+              <a:p>
+                <a:pPr marL="0" indent="0">
+                  <a:buNone/>
+                </a:pPr>
+                <a:r>
                   <a:rPr lang="de-DE" dirty="0"/>
-                  <a:t>: </a:t>
+                  <a:t>Pole real </a:t>
                 </a:r>
                 <a:r>
                   <a:rPr lang="de-DE" dirty="0" err="1"/>
-                  <a:t>exponential</a:t>
+                  <a:t>part</a:t>
                 </a:r>
                 <a:r>
                   <a:rPr lang="de-DE" dirty="0"/>
@@ -5886,8 +8123,33 @@
                 </a:r>
                 <a:r>
                   <a:rPr lang="de-DE" dirty="0" err="1"/>
+                  <a:t>determines</a:t>
+                </a:r>
+                <a:r>
+                  <a:rPr lang="de-DE" dirty="0"/>
+                  <a:t> </a:t>
+                </a:r>
+                <a:r>
+                  <a:rPr lang="de-DE" dirty="0" err="1"/>
                   <a:t>decay</a:t>
                 </a:r>
+                <a:r>
+                  <a:rPr lang="de-DE" dirty="0"/>
+                  <a:t>/</a:t>
+                </a:r>
+                <a:r>
+                  <a:rPr lang="de-DE" dirty="0" err="1"/>
+                  <a:t>growth</a:t>
+                </a:r>
+                <a:r>
+                  <a:rPr lang="de-DE" dirty="0"/>
+                  <a:t> rate</a:t>
+                </a:r>
+              </a:p>
+              <a:p>
+                <a:pPr marL="0" indent="0">
+                  <a:buNone/>
+                </a:pPr>
                 <a:endParaRPr lang="de-DE" dirty="0"/>
               </a:p>
               <a:p>
@@ -5937,25 +8199,13 @@
                       <a:rPr lang="de-DE" i="1">
                         <a:latin typeface="Cambria Math" panose="02040503050406030204" pitchFamily="18" charset="0"/>
                       </a:rPr>
-                      <m:t>)</m:t>
-                    </m:r>
-                    <m:r>
-                      <a:rPr lang="de-DE" b="0" i="1" smtClean="0">
-                        <a:latin typeface="Cambria Math" panose="02040503050406030204" pitchFamily="18" charset="0"/>
-                      </a:rPr>
-                      <m:t>&gt;</m:t>
-                    </m:r>
-                    <m:r>
-                      <a:rPr lang="de-DE" i="1">
-                        <a:latin typeface="Cambria Math" panose="02040503050406030204" pitchFamily="18" charset="0"/>
-                      </a:rPr>
-                      <m:t>0</m:t>
+                      <m:t>)&lt;0</m:t>
                     </m:r>
                   </m:oMath>
                 </a14:m>
                 <a:r>
                   <a:rPr lang="de-DE" dirty="0"/>
-                  <a:t>: </a:t>
+                  <a:t>, i.e., left half-plane (LHP): </a:t>
                 </a:r>
                 <a:r>
                   <a:rPr lang="de-DE" dirty="0" err="1"/>
@@ -5967,7 +8217,7 @@
                 </a:r>
                 <a:r>
                   <a:rPr lang="de-DE" dirty="0" err="1"/>
-                  <a:t>growth</a:t>
+                  <a:t>decay</a:t>
                 </a:r>
                 <a:r>
                   <a:rPr lang="de-DE" dirty="0"/>
@@ -5983,1147 +8233,13 @@
                   <a:rPr lang="de-DE" dirty="0" err="1">
                     <a:sym typeface="Wingdings" pitchFamily="2" charset="2"/>
                   </a:rPr>
-                  <a:t>instability</a:t>
-                </a:r>
-                <a:endParaRPr lang="de-DE" dirty="0"/>
+                  <a:t>stable</a:t>
+                </a:r>
+                <a:endParaRPr lang="de-DE" i="1" dirty="0">
+                  <a:latin typeface="Cambria Math" panose="02040503050406030204" pitchFamily="18" charset="0"/>
+                </a:endParaRPr>
               </a:p>
               <a:p>
-                <a:pPr marL="0" indent="0">
-                  <a:buNone/>
-                </a:pPr>
-                <a:r>
-                  <a:rPr lang="de-DE" dirty="0">
-                    <a:sym typeface="Wingdings" pitchFamily="2" charset="2"/>
-                  </a:rPr>
-                  <a:t> Single real pole: PT1</a:t>
-                </a:r>
-                <a:endParaRPr lang="de-DE" dirty="0"/>
-              </a:p>
-              <a:p>
-                <a:pPr marL="0" indent="0">
-                  <a:buNone/>
-                </a:pPr>
-                <a:endParaRPr lang="de-DE" dirty="0"/>
-              </a:p>
-              <a:p>
-                <a:pPr marL="0" indent="0">
-                  <a:buNone/>
-                </a:pPr>
-                <a:r>
-                  <a:rPr lang="de-DE" dirty="0" err="1"/>
-                  <a:t>If</a:t>
-                </a:r>
-                <a:r>
-                  <a:rPr lang="de-DE" dirty="0"/>
-                  <a:t> </a:t>
-                </a:r>
-                <a:r>
-                  <a:rPr lang="de-DE" dirty="0" err="1"/>
-                  <a:t>complex</a:t>
-                </a:r>
-                <a:r>
-                  <a:rPr lang="de-DE" dirty="0"/>
-                  <a:t>: (</a:t>
-                </a:r>
-                <a:r>
-                  <a:rPr lang="de-DE" dirty="0" err="1"/>
-                  <a:t>damped</a:t>
-                </a:r>
-                <a:r>
-                  <a:rPr lang="de-DE" dirty="0"/>
-                  <a:t>) </a:t>
-                </a:r>
-                <a:r>
-                  <a:rPr lang="de-DE" dirty="0" err="1"/>
-                  <a:t>oscillation</a:t>
-                </a:r>
-                <a:endParaRPr lang="de-DE" dirty="0"/>
-              </a:p>
-              <a:p>
-                <a:pPr marL="0" indent="0">
-                  <a:buNone/>
-                </a:pPr>
-                <a:endParaRPr lang="de-DE" dirty="0"/>
-              </a:p>
-              <a:p>
-                <a:pPr marL="0" indent="0">
-                  <a:buNone/>
-                </a:pPr>
-                <a:endParaRPr lang="de-DE" dirty="0"/>
-              </a:p>
-              <a:p>
-                <a:pPr marL="0" indent="0">
-                  <a:buNone/>
-                </a:pPr>
-                <a:r>
-                  <a:rPr lang="de-DE" dirty="0">
-                    <a:sym typeface="Wingdings" pitchFamily="2" charset="2"/>
-                  </a:rPr>
-                  <a:t> </a:t>
-                </a:r>
-                <a:r>
-                  <a:rPr lang="de-DE" dirty="0" err="1">
-                    <a:sym typeface="Wingdings" pitchFamily="2" charset="2"/>
-                  </a:rPr>
-                  <a:t>Two</a:t>
-                </a:r>
-                <a:r>
-                  <a:rPr lang="de-DE" dirty="0">
-                    <a:sym typeface="Wingdings" pitchFamily="2" charset="2"/>
-                  </a:rPr>
-                  <a:t> real </a:t>
-                </a:r>
-                <a:r>
-                  <a:rPr lang="de-DE" dirty="0" err="1">
-                    <a:sym typeface="Wingdings" pitchFamily="2" charset="2"/>
-                  </a:rPr>
-                  <a:t>poles</a:t>
-                </a:r>
-                <a:r>
-                  <a:rPr lang="de-DE" dirty="0">
-                    <a:sym typeface="Wingdings" pitchFamily="2" charset="2"/>
-                  </a:rPr>
-                  <a:t>: </a:t>
-                </a:r>
-                <a:r>
-                  <a:rPr lang="de-DE" dirty="0" err="1">
-                    <a:sym typeface="Wingdings" pitchFamily="2" charset="2"/>
-                  </a:rPr>
-                  <a:t>aperiodic</a:t>
-                </a:r>
-                <a:r>
-                  <a:rPr lang="de-DE" dirty="0">
-                    <a:sym typeface="Wingdings" pitchFamily="2" charset="2"/>
-                  </a:rPr>
-                  <a:t> PT2 (</a:t>
-                </a:r>
-                <a:r>
-                  <a:rPr lang="de-DE" dirty="0" err="1">
-                    <a:sym typeface="Wingdings" pitchFamily="2" charset="2"/>
-                  </a:rPr>
-                  <a:t>sum</a:t>
-                </a:r>
-                <a:r>
-                  <a:rPr lang="de-DE" dirty="0">
-                    <a:sym typeface="Wingdings" pitchFamily="2" charset="2"/>
-                  </a:rPr>
-                  <a:t> </a:t>
-                </a:r>
-                <a:r>
-                  <a:rPr lang="de-DE" dirty="0" err="1">
-                    <a:sym typeface="Wingdings" pitchFamily="2" charset="2"/>
-                  </a:rPr>
-                  <a:t>of</a:t>
-                </a:r>
-                <a:r>
-                  <a:rPr lang="de-DE" dirty="0">
-                    <a:sym typeface="Wingdings" pitchFamily="2" charset="2"/>
-                  </a:rPr>
-                  <a:t> </a:t>
-                </a:r>
-                <a:r>
-                  <a:rPr lang="de-DE" dirty="0" err="1">
-                    <a:sym typeface="Wingdings" pitchFamily="2" charset="2"/>
-                  </a:rPr>
-                  <a:t>two</a:t>
-                </a:r>
-                <a:r>
-                  <a:rPr lang="de-DE" dirty="0">
-                    <a:sym typeface="Wingdings" pitchFamily="2" charset="2"/>
-                  </a:rPr>
-                  <a:t> </a:t>
-                </a:r>
-                <a:r>
-                  <a:rPr lang="de-DE" dirty="0" err="1">
-                    <a:sym typeface="Wingdings" pitchFamily="2" charset="2"/>
-                  </a:rPr>
-                  <a:t>exponential</a:t>
-                </a:r>
-                <a:r>
-                  <a:rPr lang="de-DE" dirty="0">
-                    <a:sym typeface="Wingdings" pitchFamily="2" charset="2"/>
-                  </a:rPr>
-                  <a:t> </a:t>
-                </a:r>
-                <a:r>
-                  <a:rPr lang="de-DE" dirty="0" err="1">
-                    <a:sym typeface="Wingdings" pitchFamily="2" charset="2"/>
-                  </a:rPr>
-                  <a:t>terms</a:t>
-                </a:r>
-                <a:r>
-                  <a:rPr lang="de-DE" dirty="0">
-                    <a:sym typeface="Wingdings" pitchFamily="2" charset="2"/>
-                  </a:rPr>
-                  <a:t>)</a:t>
-                </a:r>
-              </a:p>
-              <a:p>
-                <a:pPr marL="0" indent="0">
-                  <a:buNone/>
-                </a:pPr>
-                <a:r>
-                  <a:rPr lang="de-DE" dirty="0">
-                    <a:sym typeface="Wingdings" pitchFamily="2" charset="2"/>
-                  </a:rPr>
-                  <a:t> </a:t>
-                </a:r>
-                <a:r>
-                  <a:rPr lang="de-DE" dirty="0" err="1">
-                    <a:sym typeface="Wingdings" pitchFamily="2" charset="2"/>
-                  </a:rPr>
-                  <a:t>Conjugate</a:t>
-                </a:r>
-                <a:r>
-                  <a:rPr lang="de-DE" dirty="0">
-                    <a:sym typeface="Wingdings" pitchFamily="2" charset="2"/>
-                  </a:rPr>
-                  <a:t> pole pair: </a:t>
-                </a:r>
-                <a:r>
-                  <a:rPr lang="de-DE" dirty="0" err="1">
-                    <a:sym typeface="Wingdings" pitchFamily="2" charset="2"/>
-                  </a:rPr>
-                  <a:t>oscillating</a:t>
-                </a:r>
-                <a:r>
-                  <a:rPr lang="de-DE" dirty="0">
-                    <a:sym typeface="Wingdings" pitchFamily="2" charset="2"/>
-                  </a:rPr>
-                  <a:t> PT2</a:t>
-                </a:r>
-                <a:endParaRPr lang="de-DE" dirty="0"/>
-              </a:p>
-            </p:txBody>
-          </p:sp>
-        </mc:Choice>
-        <mc:Fallback>
-          <p:sp>
-            <p:nvSpPr>
-              <p:cNvPr id="3" name="Inhaltsplatzhalter 2">
-                <a:extLst>
-                  <a:ext uri="{FF2B5EF4-FFF2-40B4-BE49-F238E27FC236}">
-                    <a16:creationId xmlns:a16="http://schemas.microsoft.com/office/drawing/2014/main" id="{4E65B0AF-C18E-51FA-36D7-9E446827542B}"/>
-                  </a:ext>
-                </a:extLst>
-              </p:cNvPr>
-              <p:cNvSpPr>
-                <a:spLocks noGrp="1" noRot="1" noChangeAspect="1" noMove="1" noResize="1" noEditPoints="1" noAdjustHandles="1" noChangeArrowheads="1" noChangeShapeType="1" noTextEdit="1"/>
-              </p:cNvSpPr>
-              <p:nvPr>
-                <p:ph idx="1"/>
-              </p:nvPr>
-            </p:nvSpPr>
-            <p:spPr>
-              <a:blipFill>
-                <a:blip r:embed="rId2"/>
-                <a:stretch>
-                  <a:fillRect l="-1086" t="-3488"/>
-                </a:stretch>
-              </a:blipFill>
-            </p:spPr>
-            <p:txBody>
-              <a:bodyPr/>
-              <a:lstStyle/>
-              <a:p>
-                <a:r>
-                  <a:rPr lang="de-DE">
-                    <a:noFill/>
-                  </a:rPr>
-                  <a:t> </a:t>
-                </a:r>
-              </a:p>
-            </p:txBody>
-          </p:sp>
-        </mc:Fallback>
-      </mc:AlternateContent>
-      <p:sp>
-        <p:nvSpPr>
-          <p:cNvPr id="4" name="Foliennummernplatzhalter 3">
-            <a:extLst>
-              <a:ext uri="{FF2B5EF4-FFF2-40B4-BE49-F238E27FC236}">
-                <a16:creationId xmlns:a16="http://schemas.microsoft.com/office/drawing/2014/main" id="{FE80A277-EABA-D25C-37DF-1CE92DC9B2F0}"/>
-              </a:ext>
-            </a:extLst>
-          </p:cNvPr>
-          <p:cNvSpPr>
-            <a:spLocks noGrp="1"/>
-          </p:cNvSpPr>
-          <p:nvPr>
-            <p:ph type="sldNum" sz="quarter" idx="12"/>
-          </p:nvPr>
-        </p:nvSpPr>
-        <p:spPr/>
-        <p:txBody>
-          <a:bodyPr/>
-          <a:lstStyle/>
-          <a:p>
-            <a:fld id="{08C366F5-AFAD-49CB-854A-9D9E238FCA13}" type="slidenum">
-              <a:rPr lang="en-GB" smtClean="0"/>
-              <a:t>5</a:t>
-            </a:fld>
-            <a:endParaRPr lang="en-GB"/>
-          </a:p>
-        </p:txBody>
-      </p:sp>
-      <mc:AlternateContent xmlns:mc="http://schemas.openxmlformats.org/markup-compatibility/2006" xmlns:a14="http://schemas.microsoft.com/office/drawing/2010/main">
-        <mc:Choice Requires="a14">
-          <p:sp>
-            <p:nvSpPr>
-              <p:cNvPr id="5" name="Textfeld 4">
-                <a:extLst>
-                  <a:ext uri="{FF2B5EF4-FFF2-40B4-BE49-F238E27FC236}">
-                    <a16:creationId xmlns:a16="http://schemas.microsoft.com/office/drawing/2014/main" id="{D1C34838-0C4B-EE78-789F-FC094D2A34A6}"/>
-                  </a:ext>
-                </a:extLst>
-              </p:cNvPr>
-              <p:cNvSpPr txBox="1"/>
-              <p:nvPr/>
-            </p:nvSpPr>
-            <p:spPr>
-              <a:xfrm>
-                <a:off x="2760953" y="4313878"/>
-                <a:ext cx="2059622" cy="523348"/>
-              </a:xfrm>
-              <a:prstGeom prst="rect">
-                <a:avLst/>
-              </a:prstGeom>
-              <a:noFill/>
-            </p:spPr>
-            <p:txBody>
-              <a:bodyPr wrap="square">
-                <a:spAutoFit/>
-              </a:bodyPr>
-              <a:lstStyle/>
-              <a:p>
-                <a:pPr/>
-                <a14:m>
-                  <m:oMathPara xmlns:m="http://schemas.openxmlformats.org/officeDocument/2006/math">
-                    <m:oMathParaPr>
-                      <m:jc m:val="centerGroup"/>
-                    </m:oMathParaPr>
-                    <m:oMath xmlns:m="http://schemas.openxmlformats.org/officeDocument/2006/math">
-                      <m:sSub>
-                        <m:sSubPr>
-                          <m:ctrlPr>
-                            <a:rPr lang="de-DE" sz="2600" i="1">
-                              <a:latin typeface="Cambria Math" panose="02040503050406030204" pitchFamily="18" charset="0"/>
-                            </a:rPr>
-                          </m:ctrlPr>
-                        </m:sSubPr>
-                        <m:e>
-                          <m:r>
-                            <a:rPr lang="de-DE" sz="2600" i="1">
-                              <a:latin typeface="Cambria Math" panose="02040503050406030204" pitchFamily="18" charset="0"/>
-                            </a:rPr>
-                            <m:t>𝑠</m:t>
-                          </m:r>
-                        </m:e>
-                        <m:sub>
-                          <m:r>
-                            <a:rPr lang="de-DE" sz="2600" i="1">
-                              <a:latin typeface="Cambria Math" panose="02040503050406030204" pitchFamily="18" charset="0"/>
-                            </a:rPr>
-                            <m:t>𝑝</m:t>
-                          </m:r>
-                        </m:sub>
-                      </m:sSub>
-                      <m:r>
-                        <a:rPr lang="de-DE" sz="2600" i="1" smtClean="0">
-                          <a:latin typeface="Cambria Math" panose="02040503050406030204" pitchFamily="18" charset="0"/>
-                        </a:rPr>
-                        <m:t>=</m:t>
-                      </m:r>
-                      <m:r>
-                        <a:rPr lang="de-DE" sz="2600" i="1">
-                          <a:latin typeface="Cambria Math" panose="02040503050406030204" pitchFamily="18" charset="0"/>
-                          <a:ea typeface="Cambria Math" panose="02040503050406030204" pitchFamily="18" charset="0"/>
-                        </a:rPr>
-                        <m:t>𝜎</m:t>
-                      </m:r>
-                      <m:r>
-                        <a:rPr lang="de-DE" sz="2600" i="1">
-                          <a:latin typeface="Cambria Math" panose="02040503050406030204" pitchFamily="18" charset="0"/>
-                          <a:ea typeface="Cambria Math" panose="02040503050406030204" pitchFamily="18" charset="0"/>
-                        </a:rPr>
-                        <m:t>+</m:t>
-                      </m:r>
-                      <m:r>
-                        <a:rPr lang="de-DE" sz="2600" i="1">
-                          <a:latin typeface="Cambria Math" panose="02040503050406030204" pitchFamily="18" charset="0"/>
-                          <a:ea typeface="Cambria Math" panose="02040503050406030204" pitchFamily="18" charset="0"/>
-                        </a:rPr>
-                        <m:t>𝑗</m:t>
-                      </m:r>
-                      <m:r>
-                        <a:rPr lang="de-DE" sz="2600" i="1">
-                          <a:latin typeface="Cambria Math" panose="02040503050406030204" pitchFamily="18" charset="0"/>
-                          <a:ea typeface="Cambria Math" panose="02040503050406030204" pitchFamily="18" charset="0"/>
-                        </a:rPr>
-                        <m:t>𝜔</m:t>
-                      </m:r>
-                    </m:oMath>
-                  </m:oMathPara>
-                </a14:m>
-                <a:endParaRPr lang="de-DE" sz="2600" dirty="0"/>
-              </a:p>
-            </p:txBody>
-          </p:sp>
-        </mc:Choice>
-        <mc:Fallback xmlns="">
-          <p:sp>
-            <p:nvSpPr>
-              <p:cNvPr id="5" name="Textfeld 4">
-                <a:extLst>
-                  <a:ext uri="{FF2B5EF4-FFF2-40B4-BE49-F238E27FC236}">
-                    <a16:creationId xmlns:a16="http://schemas.microsoft.com/office/drawing/2014/main" id="{D1C34838-0C4B-EE78-789F-FC094D2A34A6}"/>
-                  </a:ext>
-                </a:extLst>
-              </p:cNvPr>
-              <p:cNvSpPr txBox="1">
-                <a:spLocks noRot="1" noChangeAspect="1" noMove="1" noResize="1" noEditPoints="1" noAdjustHandles="1" noChangeArrowheads="1" noChangeShapeType="1" noTextEdit="1"/>
-              </p:cNvSpPr>
-              <p:nvPr/>
-            </p:nvSpPr>
-            <p:spPr>
-              <a:xfrm>
-                <a:off x="2760953" y="4313878"/>
-                <a:ext cx="2059622" cy="523348"/>
-              </a:xfrm>
-              <a:prstGeom prst="rect">
-                <a:avLst/>
-              </a:prstGeom>
-              <a:blipFill>
-                <a:blip r:embed="rId3"/>
-                <a:stretch>
-                  <a:fillRect b="-9302"/>
-                </a:stretch>
-              </a:blipFill>
-            </p:spPr>
-            <p:txBody>
-              <a:bodyPr/>
-              <a:lstStyle/>
-              <a:p>
-                <a:r>
-                  <a:rPr lang="de-DE">
-                    <a:noFill/>
-                  </a:rPr>
-                  <a:t> </a:t>
-                </a:r>
-              </a:p>
-            </p:txBody>
-          </p:sp>
-        </mc:Fallback>
-      </mc:AlternateContent>
-      <p:cxnSp>
-        <p:nvCxnSpPr>
-          <p:cNvPr id="6" name="Gerade Verbindung mit Pfeil 5">
-            <a:extLst>
-              <a:ext uri="{FF2B5EF4-FFF2-40B4-BE49-F238E27FC236}">
-                <a16:creationId xmlns:a16="http://schemas.microsoft.com/office/drawing/2014/main" id="{B6CE1D18-FDED-9E60-C451-0F5CBA67C7A2}"/>
-              </a:ext>
-            </a:extLst>
-          </p:cNvPr>
-          <p:cNvCxnSpPr>
-            <a:cxnSpLocks/>
-          </p:cNvCxnSpPr>
-          <p:nvPr/>
-        </p:nvCxnSpPr>
-        <p:spPr>
-          <a:xfrm>
-            <a:off x="3462287" y="4185152"/>
-            <a:ext cx="230819" cy="310720"/>
-          </a:xfrm>
-          <a:prstGeom prst="straightConnector1">
-            <a:avLst/>
-          </a:prstGeom>
-          <a:ln>
-            <a:tailEnd type="triangle"/>
-          </a:ln>
-        </p:spPr>
-        <p:style>
-          <a:lnRef idx="2">
-            <a:schemeClr val="accent1"/>
-          </a:lnRef>
-          <a:fillRef idx="0">
-            <a:schemeClr val="accent1"/>
-          </a:fillRef>
-          <a:effectRef idx="1">
-            <a:schemeClr val="accent1"/>
-          </a:effectRef>
-          <a:fontRef idx="minor">
-            <a:schemeClr val="tx1"/>
-          </a:fontRef>
-        </p:style>
-      </p:cxnSp>
-      <p:cxnSp>
-        <p:nvCxnSpPr>
-          <p:cNvPr id="7" name="Gerade Verbindung mit Pfeil 6">
-            <a:extLst>
-              <a:ext uri="{FF2B5EF4-FFF2-40B4-BE49-F238E27FC236}">
-                <a16:creationId xmlns:a16="http://schemas.microsoft.com/office/drawing/2014/main" id="{19073C81-2635-6669-91BA-470FD3850C9F}"/>
-              </a:ext>
-            </a:extLst>
-          </p:cNvPr>
-          <p:cNvCxnSpPr>
-            <a:cxnSpLocks/>
-          </p:cNvCxnSpPr>
-          <p:nvPr/>
-        </p:nvCxnSpPr>
-        <p:spPr>
-          <a:xfrm flipH="1">
-            <a:off x="4509857" y="4178941"/>
-            <a:ext cx="190131" cy="310720"/>
-          </a:xfrm>
-          <a:prstGeom prst="straightConnector1">
-            <a:avLst/>
-          </a:prstGeom>
-          <a:ln>
-            <a:tailEnd type="triangle"/>
-          </a:ln>
-        </p:spPr>
-        <p:style>
-          <a:lnRef idx="2">
-            <a:schemeClr val="accent1"/>
-          </a:lnRef>
-          <a:fillRef idx="0">
-            <a:schemeClr val="accent1"/>
-          </a:fillRef>
-          <a:effectRef idx="1">
-            <a:schemeClr val="accent1"/>
-          </a:effectRef>
-          <a:fontRef idx="minor">
-            <a:schemeClr val="tx1"/>
-          </a:fontRef>
-        </p:style>
-      </p:cxnSp>
-      <p:sp>
-        <p:nvSpPr>
-          <p:cNvPr id="12" name="Textfeld 11">
-            <a:extLst>
-              <a:ext uri="{FF2B5EF4-FFF2-40B4-BE49-F238E27FC236}">
-                <a16:creationId xmlns:a16="http://schemas.microsoft.com/office/drawing/2014/main" id="{CF580F19-875F-D665-7ADB-17773E0F3910}"/>
-              </a:ext>
-            </a:extLst>
-          </p:cNvPr>
-          <p:cNvSpPr txBox="1"/>
-          <p:nvPr/>
-        </p:nvSpPr>
-        <p:spPr>
-          <a:xfrm>
-            <a:off x="9982200" y="1027906"/>
-            <a:ext cx="1622880" cy="646331"/>
-          </a:xfrm>
-          <a:prstGeom prst="rect">
-            <a:avLst/>
-          </a:prstGeom>
-          <a:noFill/>
-          <a:ln>
-            <a:solidFill>
-              <a:schemeClr val="tx1"/>
-            </a:solidFill>
-          </a:ln>
-        </p:spPr>
-        <p:txBody>
-          <a:bodyPr wrap="none" rtlCol="0">
-            <a:spAutoFit/>
-          </a:bodyPr>
-          <a:lstStyle/>
-          <a:p>
-            <a:r>
-              <a:rPr lang="de-DE" dirty="0"/>
-              <a:t>PT1: </a:t>
-            </a:r>
-            <a:r>
-              <a:rPr lang="de-DE" dirty="0" err="1"/>
-              <a:t>one</a:t>
-            </a:r>
-            <a:r>
-              <a:rPr lang="de-DE" dirty="0"/>
-              <a:t> pole</a:t>
-            </a:r>
-          </a:p>
-          <a:p>
-            <a:r>
-              <a:rPr lang="de-DE" dirty="0"/>
-              <a:t>PT2: </a:t>
-            </a:r>
-            <a:r>
-              <a:rPr lang="de-DE" dirty="0" err="1"/>
-              <a:t>two</a:t>
-            </a:r>
-            <a:r>
-              <a:rPr lang="de-DE" dirty="0"/>
-              <a:t> </a:t>
-            </a:r>
-            <a:r>
-              <a:rPr lang="de-DE" dirty="0" err="1"/>
-              <a:t>poles</a:t>
-            </a:r>
-            <a:endParaRPr lang="de-DE" dirty="0"/>
-          </a:p>
-        </p:txBody>
-      </p:sp>
-    </p:spTree>
-    <p:extLst>
-      <p:ext uri="{BB962C8B-B14F-4D97-AF65-F5344CB8AC3E}">
-        <p14:creationId xmlns:p14="http://schemas.microsoft.com/office/powerpoint/2010/main" val="3803669674"/>
-      </p:ext>
-    </p:extLst>
-  </p:cSld>
-  <p:clrMapOvr>
-    <a:masterClrMapping/>
-  </p:clrMapOvr>
-</p:sld>
-</file>
-
-<file path=ppt/slides/slide6.xml><?xml version="1.0" encoding="utf-8"?>
-<p:sld xmlns:a="http://schemas.openxmlformats.org/drawingml/2006/main" xmlns:r="http://schemas.openxmlformats.org/officeDocument/2006/relationships" xmlns:p="http://schemas.openxmlformats.org/presentationml/2006/main">
-  <p:cSld>
-    <p:spTree>
-      <p:nvGrpSpPr>
-        <p:cNvPr id="1" name=""/>
-        <p:cNvGrpSpPr/>
-        <p:nvPr/>
-      </p:nvGrpSpPr>
-      <p:grpSpPr>
-        <a:xfrm>
-          <a:off x="0" y="0"/>
-          <a:ext cx="0" cy="0"/>
-          <a:chOff x="0" y="0"/>
-          <a:chExt cx="0" cy="0"/>
-        </a:xfrm>
-      </p:grpSpPr>
-      <p:sp>
-        <p:nvSpPr>
-          <p:cNvPr id="2" name="Titel 1">
-            <a:extLst>
-              <a:ext uri="{FF2B5EF4-FFF2-40B4-BE49-F238E27FC236}">
-                <a16:creationId xmlns:a16="http://schemas.microsoft.com/office/drawing/2014/main" id="{B66F9A38-8992-E7C7-CEBD-AC1A098C1A2C}"/>
-              </a:ext>
-            </a:extLst>
-          </p:cNvPr>
-          <p:cNvSpPr>
-            <a:spLocks noGrp="1"/>
-          </p:cNvSpPr>
-          <p:nvPr>
-            <p:ph type="title"/>
-          </p:nvPr>
-        </p:nvSpPr>
-        <p:spPr/>
-        <p:txBody>
-          <a:bodyPr/>
-          <a:lstStyle/>
-          <a:p>
-            <a:r>
-              <a:rPr lang="de-DE" dirty="0"/>
-              <a:t>Pole Location</a:t>
-            </a:r>
-          </a:p>
-        </p:txBody>
-      </p:sp>
-      <p:sp>
-        <p:nvSpPr>
-          <p:cNvPr id="3" name="Inhaltsplatzhalter 2">
-            <a:extLst>
-              <a:ext uri="{FF2B5EF4-FFF2-40B4-BE49-F238E27FC236}">
-                <a16:creationId xmlns:a16="http://schemas.microsoft.com/office/drawing/2014/main" id="{C62C7A46-3151-BCA2-732D-A5FE2D3F7889}"/>
-              </a:ext>
-            </a:extLst>
-          </p:cNvPr>
-          <p:cNvSpPr>
-            <a:spLocks noGrp="1"/>
-          </p:cNvSpPr>
-          <p:nvPr>
-            <p:ph idx="1"/>
-          </p:nvPr>
-        </p:nvSpPr>
-        <p:spPr/>
-        <p:txBody>
-          <a:bodyPr/>
-          <a:lstStyle/>
-          <a:p>
-            <a:pPr marL="0" indent="0">
-              <a:buNone/>
-            </a:pPr>
-            <a:r>
-              <a:rPr lang="de-DE" dirty="0" err="1"/>
-              <a:t>Determines</a:t>
-            </a:r>
-            <a:r>
-              <a:rPr lang="de-DE" dirty="0"/>
-              <a:t> </a:t>
-            </a:r>
-            <a:r>
-              <a:rPr lang="de-DE" dirty="0" err="1"/>
-              <a:t>speed</a:t>
-            </a:r>
-            <a:r>
-              <a:rPr lang="de-DE" dirty="0"/>
-              <a:t> and </a:t>
-            </a:r>
-            <a:r>
-              <a:rPr lang="de-DE" dirty="0" err="1"/>
-              <a:t>damping</a:t>
-            </a:r>
-            <a:endParaRPr lang="de-DE" dirty="0"/>
-          </a:p>
-        </p:txBody>
-      </p:sp>
-      <p:sp>
-        <p:nvSpPr>
-          <p:cNvPr id="4" name="Foliennummernplatzhalter 3">
-            <a:extLst>
-              <a:ext uri="{FF2B5EF4-FFF2-40B4-BE49-F238E27FC236}">
-                <a16:creationId xmlns:a16="http://schemas.microsoft.com/office/drawing/2014/main" id="{DAAA6DAE-C973-9649-A3CB-300E719F60ED}"/>
-              </a:ext>
-            </a:extLst>
-          </p:cNvPr>
-          <p:cNvSpPr>
-            <a:spLocks noGrp="1"/>
-          </p:cNvSpPr>
-          <p:nvPr>
-            <p:ph type="sldNum" sz="quarter" idx="12"/>
-          </p:nvPr>
-        </p:nvSpPr>
-        <p:spPr/>
-        <p:txBody>
-          <a:bodyPr/>
-          <a:lstStyle/>
-          <a:p>
-            <a:fld id="{08C366F5-AFAD-49CB-854A-9D9E238FCA13}" type="slidenum">
-              <a:rPr lang="en-GB" smtClean="0"/>
-              <a:t>6</a:t>
-            </a:fld>
-            <a:endParaRPr lang="en-GB"/>
-          </a:p>
-        </p:txBody>
-      </p:sp>
-    </p:spTree>
-    <p:extLst>
-      <p:ext uri="{BB962C8B-B14F-4D97-AF65-F5344CB8AC3E}">
-        <p14:creationId xmlns:p14="http://schemas.microsoft.com/office/powerpoint/2010/main" val="2051008682"/>
-      </p:ext>
-    </p:extLst>
-  </p:cSld>
-  <p:clrMapOvr>
-    <a:masterClrMapping/>
-  </p:clrMapOvr>
-</p:sld>
-</file>
-
-<file path=ppt/slides/slide7.xml><?xml version="1.0" encoding="utf-8"?>
-<p:sld xmlns:a="http://schemas.openxmlformats.org/drawingml/2006/main" xmlns:r="http://schemas.openxmlformats.org/officeDocument/2006/relationships" xmlns:p="http://schemas.openxmlformats.org/presentationml/2006/main">
-  <p:cSld>
-    <p:spTree>
-      <p:nvGrpSpPr>
-        <p:cNvPr id="1" name=""/>
-        <p:cNvGrpSpPr/>
-        <p:nvPr/>
-      </p:nvGrpSpPr>
-      <p:grpSpPr>
-        <a:xfrm>
-          <a:off x="0" y="0"/>
-          <a:ext cx="0" cy="0"/>
-          <a:chOff x="0" y="0"/>
-          <a:chExt cx="0" cy="0"/>
-        </a:xfrm>
-      </p:grpSpPr>
-      <p:sp>
-        <p:nvSpPr>
-          <p:cNvPr id="2" name="Titel 1">
-            <a:extLst>
-              <a:ext uri="{FF2B5EF4-FFF2-40B4-BE49-F238E27FC236}">
-                <a16:creationId xmlns:a16="http://schemas.microsoft.com/office/drawing/2014/main" id="{FA400246-61A5-767F-909C-8A5B4C446DD2}"/>
-              </a:ext>
-            </a:extLst>
-          </p:cNvPr>
-          <p:cNvSpPr>
-            <a:spLocks noGrp="1"/>
-          </p:cNvSpPr>
-          <p:nvPr>
-            <p:ph type="title"/>
-          </p:nvPr>
-        </p:nvSpPr>
-        <p:spPr/>
-        <p:txBody>
-          <a:bodyPr/>
-          <a:lstStyle/>
-          <a:p>
-            <a:r>
-              <a:rPr lang="de-DE" dirty="0"/>
-              <a:t>Interpretation </a:t>
-            </a:r>
-            <a:r>
-              <a:rPr lang="de-DE" dirty="0" err="1"/>
-              <a:t>of</a:t>
-            </a:r>
-            <a:r>
-              <a:rPr lang="de-DE" dirty="0"/>
-              <a:t> Zeros</a:t>
-            </a:r>
-          </a:p>
-        </p:txBody>
-      </p:sp>
-      <p:sp>
-        <p:nvSpPr>
-          <p:cNvPr id="3" name="Inhaltsplatzhalter 2">
-            <a:extLst>
-              <a:ext uri="{FF2B5EF4-FFF2-40B4-BE49-F238E27FC236}">
-                <a16:creationId xmlns:a16="http://schemas.microsoft.com/office/drawing/2014/main" id="{FDEECDF6-3FEB-A177-D7A8-7BB02317806C}"/>
-              </a:ext>
-            </a:extLst>
-          </p:cNvPr>
-          <p:cNvSpPr>
-            <a:spLocks noGrp="1"/>
-          </p:cNvSpPr>
-          <p:nvPr>
-            <p:ph idx="1"/>
-          </p:nvPr>
-        </p:nvSpPr>
-        <p:spPr/>
-        <p:txBody>
-          <a:bodyPr>
-            <a:normAutofit/>
-          </a:bodyPr>
-          <a:lstStyle/>
-          <a:p>
-            <a:pPr marL="0" indent="0">
-              <a:buNone/>
-            </a:pPr>
-            <a:r>
-              <a:rPr lang="de-DE" dirty="0"/>
-              <a:t>More </a:t>
-            </a:r>
-            <a:r>
-              <a:rPr lang="de-DE" dirty="0" err="1"/>
-              <a:t>zeros</a:t>
-            </a:r>
-            <a:r>
-              <a:rPr lang="de-DE" dirty="0"/>
-              <a:t> </a:t>
-            </a:r>
-            <a:r>
-              <a:rPr lang="de-DE" dirty="0" err="1"/>
-              <a:t>mean</a:t>
-            </a:r>
-            <a:endParaRPr lang="de-DE" dirty="0"/>
-          </a:p>
-          <a:p>
-            <a:r>
-              <a:rPr lang="de-DE" dirty="0" err="1"/>
-              <a:t>stronger</a:t>
-            </a:r>
-            <a:r>
-              <a:rPr lang="de-DE" dirty="0"/>
-              <a:t> </a:t>
-            </a:r>
-            <a:r>
-              <a:rPr lang="de-DE" dirty="0" err="1"/>
-              <a:t>shaping</a:t>
-            </a:r>
-            <a:r>
-              <a:rPr lang="de-DE" dirty="0"/>
-              <a:t> </a:t>
-            </a:r>
-            <a:r>
-              <a:rPr lang="de-DE" dirty="0" err="1"/>
-              <a:t>of</a:t>
-            </a:r>
-            <a:r>
-              <a:rPr lang="de-DE" dirty="0"/>
-              <a:t> </a:t>
-            </a:r>
-            <a:r>
-              <a:rPr lang="de-DE" dirty="0" err="1"/>
-              <a:t>the</a:t>
-            </a:r>
-            <a:r>
-              <a:rPr lang="de-DE" dirty="0"/>
-              <a:t> </a:t>
-            </a:r>
-            <a:r>
-              <a:rPr lang="de-DE" dirty="0" err="1"/>
-              <a:t>input</a:t>
-            </a:r>
-            <a:r>
-              <a:rPr lang="de-DE" dirty="0"/>
-              <a:t> </a:t>
-            </a:r>
-            <a:r>
-              <a:rPr lang="de-DE" dirty="0" err="1"/>
-              <a:t>response</a:t>
-            </a:r>
-            <a:endParaRPr lang="de-DE" dirty="0"/>
-          </a:p>
-          <a:p>
-            <a:r>
-              <a:rPr lang="de-DE" dirty="0"/>
-              <a:t>high-</a:t>
-            </a:r>
-            <a:r>
-              <a:rPr lang="de-DE" dirty="0" err="1"/>
-              <a:t>frequency</a:t>
-            </a:r>
-            <a:r>
-              <a:rPr lang="de-DE" dirty="0"/>
-              <a:t> </a:t>
-            </a:r>
-            <a:r>
-              <a:rPr lang="de-DE" dirty="0" err="1"/>
-              <a:t>gain</a:t>
-            </a:r>
-            <a:r>
-              <a:rPr lang="de-DE" dirty="0"/>
-              <a:t> </a:t>
-            </a:r>
-            <a:r>
-              <a:rPr lang="de-DE" dirty="0" err="1"/>
-              <a:t>increases</a:t>
-            </a:r>
-            <a:endParaRPr lang="de-DE" dirty="0"/>
-          </a:p>
-          <a:p>
-            <a:pPr marL="0" indent="0">
-              <a:buNone/>
-            </a:pPr>
-            <a:endParaRPr lang="de-DE" dirty="0"/>
-          </a:p>
-          <a:p>
-            <a:pPr marL="0" indent="0">
-              <a:buNone/>
-            </a:pPr>
-            <a:r>
-              <a:rPr lang="de-DE" dirty="0" err="1"/>
-              <a:t>If</a:t>
-            </a:r>
-            <a:r>
-              <a:rPr lang="de-DE" dirty="0"/>
-              <a:t> real: </a:t>
-            </a:r>
-            <a:r>
-              <a:rPr lang="de-DE" dirty="0" err="1"/>
-              <a:t>affect</a:t>
-            </a:r>
-            <a:r>
-              <a:rPr lang="de-DE" dirty="0"/>
-              <a:t> </a:t>
-            </a:r>
-            <a:r>
-              <a:rPr lang="de-DE" dirty="0" err="1"/>
-              <a:t>slope</a:t>
-            </a:r>
-            <a:r>
-              <a:rPr lang="de-DE" dirty="0"/>
-              <a:t> and initial </a:t>
-            </a:r>
-            <a:r>
-              <a:rPr lang="de-DE" dirty="0" err="1"/>
-              <a:t>behavior</a:t>
-            </a:r>
-            <a:endParaRPr lang="de-DE" dirty="0"/>
-          </a:p>
-          <a:p>
-            <a:pPr marL="0" indent="0">
-              <a:buNone/>
-            </a:pPr>
-            <a:endParaRPr lang="de-DE" dirty="0"/>
-          </a:p>
-          <a:p>
-            <a:pPr marL="0" indent="0">
-              <a:buNone/>
-            </a:pPr>
-            <a:r>
-              <a:rPr lang="de-DE" dirty="0" err="1"/>
-              <a:t>If</a:t>
-            </a:r>
-            <a:r>
-              <a:rPr lang="de-DE" dirty="0"/>
-              <a:t> </a:t>
-            </a:r>
-            <a:r>
-              <a:rPr lang="de-DE" dirty="0" err="1"/>
-              <a:t>complex</a:t>
-            </a:r>
-            <a:r>
-              <a:rPr lang="de-DE" dirty="0"/>
-              <a:t>: </a:t>
-            </a:r>
-            <a:r>
-              <a:rPr lang="de-DE" dirty="0" err="1"/>
-              <a:t>affect</a:t>
-            </a:r>
-            <a:r>
-              <a:rPr lang="de-DE" dirty="0"/>
-              <a:t> </a:t>
-            </a:r>
-            <a:r>
-              <a:rPr lang="de-DE" dirty="0" err="1"/>
-              <a:t>phase</a:t>
-            </a:r>
-            <a:r>
-              <a:rPr lang="de-DE" dirty="0"/>
-              <a:t> and </a:t>
-            </a:r>
-            <a:r>
-              <a:rPr lang="de-DE" dirty="0" err="1"/>
-              <a:t>shape</a:t>
-            </a:r>
-            <a:r>
-              <a:rPr lang="de-DE" dirty="0"/>
-              <a:t> </a:t>
-            </a:r>
-            <a:r>
-              <a:rPr lang="de-DE" dirty="0" err="1"/>
-              <a:t>of</a:t>
-            </a:r>
-            <a:r>
-              <a:rPr lang="de-DE" dirty="0"/>
-              <a:t> </a:t>
-            </a:r>
-            <a:r>
-              <a:rPr lang="de-DE" dirty="0" err="1"/>
-              <a:t>the</a:t>
-            </a:r>
-            <a:r>
-              <a:rPr lang="de-DE" dirty="0"/>
-              <a:t> transient </a:t>
-            </a:r>
-            <a:r>
-              <a:rPr lang="de-DE" dirty="0" err="1"/>
-              <a:t>response</a:t>
-            </a:r>
-            <a:endParaRPr lang="de-DE" dirty="0"/>
-          </a:p>
-        </p:txBody>
-      </p:sp>
-      <p:sp>
-        <p:nvSpPr>
-          <p:cNvPr id="4" name="Foliennummernplatzhalter 3">
-            <a:extLst>
-              <a:ext uri="{FF2B5EF4-FFF2-40B4-BE49-F238E27FC236}">
-                <a16:creationId xmlns:a16="http://schemas.microsoft.com/office/drawing/2014/main" id="{F75A1E12-F588-EDED-8AD9-0CC86AD6B7B4}"/>
-              </a:ext>
-            </a:extLst>
-          </p:cNvPr>
-          <p:cNvSpPr>
-            <a:spLocks noGrp="1"/>
-          </p:cNvSpPr>
-          <p:nvPr>
-            <p:ph type="sldNum" sz="quarter" idx="12"/>
-          </p:nvPr>
-        </p:nvSpPr>
-        <p:spPr/>
-        <p:txBody>
-          <a:bodyPr/>
-          <a:lstStyle/>
-          <a:p>
-            <a:fld id="{08C366F5-AFAD-49CB-854A-9D9E238FCA13}" type="slidenum">
-              <a:rPr lang="en-GB" smtClean="0"/>
-              <a:t>7</a:t>
-            </a:fld>
-            <a:endParaRPr lang="en-GB"/>
-          </a:p>
-        </p:txBody>
-      </p:sp>
-    </p:spTree>
-    <p:extLst>
-      <p:ext uri="{BB962C8B-B14F-4D97-AF65-F5344CB8AC3E}">
-        <p14:creationId xmlns:p14="http://schemas.microsoft.com/office/powerpoint/2010/main" val="77516454"/>
-      </p:ext>
-    </p:extLst>
-  </p:cSld>
-  <p:clrMapOvr>
-    <a:masterClrMapping/>
-  </p:clrMapOvr>
-</p:sld>
-</file>
-
-<file path=ppt/slides/slide8.xml><?xml version="1.0" encoding="utf-8"?>
-<p:sld xmlns:a="http://schemas.openxmlformats.org/drawingml/2006/main" xmlns:r="http://schemas.openxmlformats.org/officeDocument/2006/relationships" xmlns:p="http://schemas.openxmlformats.org/presentationml/2006/main">
-  <p:cSld>
-    <p:spTree>
-      <p:nvGrpSpPr>
-        <p:cNvPr id="1" name=""/>
-        <p:cNvGrpSpPr/>
-        <p:nvPr/>
-      </p:nvGrpSpPr>
-      <p:grpSpPr>
-        <a:xfrm>
-          <a:off x="0" y="0"/>
-          <a:ext cx="0" cy="0"/>
-          <a:chOff x="0" y="0"/>
-          <a:chExt cx="0" cy="0"/>
-        </a:xfrm>
-      </p:grpSpPr>
-      <p:sp>
-        <p:nvSpPr>
-          <p:cNvPr id="2" name="Titel 1">
-            <a:extLst>
-              <a:ext uri="{FF2B5EF4-FFF2-40B4-BE49-F238E27FC236}">
-                <a16:creationId xmlns:a16="http://schemas.microsoft.com/office/drawing/2014/main" id="{1174229D-E0D0-4F27-687E-14E5F50EF990}"/>
-              </a:ext>
-            </a:extLst>
-          </p:cNvPr>
-          <p:cNvSpPr>
-            <a:spLocks noGrp="1"/>
-          </p:cNvSpPr>
-          <p:nvPr>
-            <p:ph type="title"/>
-          </p:nvPr>
-        </p:nvSpPr>
-        <p:spPr/>
-        <p:txBody>
-          <a:bodyPr/>
-          <a:lstStyle/>
-          <a:p>
-            <a:r>
-              <a:rPr lang="de-DE" dirty="0"/>
-              <a:t>Zero Location</a:t>
-            </a:r>
-          </a:p>
-        </p:txBody>
-      </p:sp>
-      <mc:AlternateContent xmlns:mc="http://schemas.openxmlformats.org/markup-compatibility/2006">
-        <mc:Choice xmlns:a14="http://schemas.microsoft.com/office/drawing/2010/main" Requires="a14">
-          <p:sp>
-            <p:nvSpPr>
-              <p:cNvPr id="3" name="Inhaltsplatzhalter 2">
-                <a:extLst>
-                  <a:ext uri="{FF2B5EF4-FFF2-40B4-BE49-F238E27FC236}">
-                    <a16:creationId xmlns:a16="http://schemas.microsoft.com/office/drawing/2014/main" id="{9DB4A523-7894-C0D4-3451-DAD8F7E33D7D}"/>
-                  </a:ext>
-                </a:extLst>
-              </p:cNvPr>
-              <p:cNvSpPr>
-                <a:spLocks noGrp="1"/>
-              </p:cNvSpPr>
-              <p:nvPr>
-                <p:ph idx="1"/>
-              </p:nvPr>
-            </p:nvSpPr>
-            <p:spPr/>
-            <p:txBody>
-              <a:bodyPr>
-                <a:normAutofit fontScale="70000" lnSpcReduction="20000"/>
-              </a:bodyPr>
-              <a:lstStyle/>
-              <a:p>
-                <a:pPr marL="0" indent="0">
-                  <a:buNone/>
-                </a:pPr>
-                <a:r>
-                  <a:rPr lang="de-DE" dirty="0"/>
-                  <a:t>Zeros in </a:t>
-                </a:r>
-                <a:r>
-                  <a:rPr lang="de-DE" dirty="0" err="1"/>
-                  <a:t>left</a:t>
-                </a:r>
-                <a:r>
-                  <a:rPr lang="de-DE" dirty="0"/>
-                  <a:t> half-plane (LHP), i.e., </a:t>
-                </a:r>
                 <a14:m>
                   <m:oMath xmlns:m="http://schemas.openxmlformats.org/officeDocument/2006/math">
                     <m:sSub>
@@ -7162,7 +8278,7 @@
                           <a:rPr lang="de-DE" i="1">
                             <a:latin typeface="Cambria Math" panose="02040503050406030204" pitchFamily="18" charset="0"/>
                           </a:rPr>
-                          <m:t>0</m:t>
+                          <m:t>𝑝</m:t>
                         </m:r>
                       </m:sub>
                     </m:sSub>
@@ -7170,17 +8286,25 @@
                       <a:rPr lang="de-DE" i="1">
                         <a:latin typeface="Cambria Math" panose="02040503050406030204" pitchFamily="18" charset="0"/>
                       </a:rPr>
-                      <m:t>)&lt;0</m:t>
+                      <m:t>)&gt;0</m:t>
                     </m:r>
                   </m:oMath>
                 </a14:m>
                 <a:r>
                   <a:rPr lang="de-DE" dirty="0"/>
-                  <a:t>, </a:t>
+                  <a:t> , i.e., </a:t>
                 </a:r>
                 <a:r>
                   <a:rPr lang="de-DE" dirty="0" err="1"/>
-                  <a:t>are</a:t>
+                  <a:t>right</a:t>
+                </a:r>
+                <a:r>
+                  <a:rPr lang="de-DE" dirty="0"/>
+                  <a:t> half-plane (RHP): </a:t>
+                </a:r>
+                <a:r>
+                  <a:rPr lang="de-DE" dirty="0" err="1"/>
+                  <a:t>exponential</a:t>
                 </a:r>
                 <a:r>
                   <a:rPr lang="de-DE" dirty="0"/>
@@ -7188,325 +8312,23 @@
                 </a:r>
                 <a:r>
                   <a:rPr lang="de-DE" dirty="0" err="1"/>
-                  <a:t>called</a:t>
-                </a:r>
-                <a:r>
-                  <a:rPr lang="de-DE" dirty="0"/>
-                  <a:t> minimum-phase </a:t>
-                </a:r>
-                <a:r>
-                  <a:rPr lang="de-DE" dirty="0" err="1"/>
-                  <a:t>zeros</a:t>
-                </a:r>
-                <a:r>
-                  <a:rPr lang="de-DE" dirty="0"/>
-                  <a:t>:</a:t>
-                </a:r>
-              </a:p>
-              <a:p>
-                <a:pPr marL="0" indent="0">
-                  <a:buNone/>
-                </a:pPr>
-                <a:r>
-                  <a:rPr lang="de-DE" dirty="0" err="1"/>
-                  <a:t>speed</a:t>
+                  <a:t>growth</a:t>
                 </a:r>
                 <a:r>
                   <a:rPr lang="de-DE" dirty="0"/>
                   <a:t> </a:t>
                 </a:r>
                 <a:r>
-                  <a:rPr lang="de-DE" dirty="0" err="1"/>
-                  <a:t>up</a:t>
-                </a:r>
-                <a:r>
-                  <a:rPr lang="de-DE" dirty="0"/>
-                  <a:t> </a:t>
-                </a:r>
-                <a:r>
-                  <a:rPr lang="de-DE" dirty="0" err="1"/>
-                  <a:t>response</a:t>
-                </a:r>
-                <a:r>
-                  <a:rPr lang="de-DE" dirty="0"/>
-                  <a:t>, </a:t>
-                </a:r>
-                <a:r>
-                  <a:rPr lang="de-DE" dirty="0" err="1"/>
-                  <a:t>can</a:t>
-                </a:r>
-                <a:r>
-                  <a:rPr lang="de-DE" dirty="0"/>
-                  <a:t> </a:t>
-                </a:r>
-                <a:r>
-                  <a:rPr lang="de-DE" dirty="0" err="1"/>
-                  <a:t>increase</a:t>
-                </a:r>
-                <a:r>
-                  <a:rPr lang="de-DE" dirty="0"/>
-                  <a:t> </a:t>
-                </a:r>
-                <a:r>
-                  <a:rPr lang="de-DE" dirty="0" err="1"/>
-                  <a:t>overshoot</a:t>
-                </a:r>
-                <a:r>
-                  <a:rPr lang="de-DE" dirty="0"/>
-                  <a:t> (</a:t>
-                </a:r>
-                <a:r>
-                  <a:rPr lang="de-DE" dirty="0" err="1"/>
-                  <a:t>caused</a:t>
-                </a:r>
-                <a:r>
-                  <a:rPr lang="de-DE" dirty="0"/>
-                  <a:t> </a:t>
-                </a:r>
-                <a:r>
-                  <a:rPr lang="de-DE" dirty="0" err="1"/>
-                  <a:t>by</a:t>
-                </a:r>
-                <a:r>
-                  <a:rPr lang="de-DE" dirty="0"/>
-                  <a:t> </a:t>
-                </a:r>
-                <a:r>
-                  <a:rPr lang="de-DE" dirty="0" err="1"/>
-                  <a:t>complex</a:t>
-                </a:r>
-                <a:r>
-                  <a:rPr lang="de-DE" dirty="0"/>
-                  <a:t> </a:t>
-                </a:r>
-                <a:r>
-                  <a:rPr lang="de-DE" dirty="0" err="1"/>
-                  <a:t>poles</a:t>
-                </a:r>
-                <a:r>
-                  <a:rPr lang="de-DE" dirty="0"/>
-                  <a:t>), </a:t>
-                </a:r>
-                <a:r>
-                  <a:rPr lang="de-DE" dirty="0" err="1"/>
-                  <a:t>add</a:t>
-                </a:r>
-                <a:r>
-                  <a:rPr lang="de-DE" dirty="0"/>
-                  <a:t> </a:t>
-                </a:r>
-                <a:r>
-                  <a:rPr lang="de-DE" dirty="0" err="1"/>
-                  <a:t>phase</a:t>
-                </a:r>
-                <a:r>
-                  <a:rPr lang="de-DE" dirty="0"/>
-                  <a:t> </a:t>
-                </a:r>
-                <a:r>
-                  <a:rPr lang="de-DE" dirty="0" err="1"/>
-                  <a:t>lead</a:t>
-                </a:r>
-                <a:r>
-                  <a:rPr lang="de-DE" dirty="0"/>
-                  <a:t> </a:t>
-                </a:r>
-                <a:endParaRPr lang="de-DE" i="1" dirty="0">
-                  <a:latin typeface="Cambria Math" panose="02040503050406030204" pitchFamily="18" charset="0"/>
-                </a:endParaRPr>
-              </a:p>
-              <a:p>
-                <a:pPr marL="0" indent="0">
-                  <a:buNone/>
-                </a:pPr>
-                <a:endParaRPr lang="de-DE" i="1" dirty="0">
-                  <a:latin typeface="Cambria Math" panose="02040503050406030204" pitchFamily="18" charset="0"/>
-                </a:endParaRPr>
-              </a:p>
-              <a:p>
-                <a:pPr marL="0" indent="0">
-                  <a:buNone/>
-                </a:pPr>
-                <a:r>
-                  <a:rPr lang="de-DE" dirty="0"/>
-                  <a:t>Zeros in </a:t>
-                </a:r>
-                <a:r>
-                  <a:rPr lang="de-DE" dirty="0" err="1"/>
-                  <a:t>right</a:t>
-                </a:r>
-                <a:r>
-                  <a:rPr lang="de-DE" dirty="0"/>
-                  <a:t> half-plane (RHP), i.e., </a:t>
-                </a:r>
-                <a14:m>
-                  <m:oMath xmlns:m="http://schemas.openxmlformats.org/officeDocument/2006/math">
-                    <m:sSub>
-                      <m:sSubPr>
-                        <m:ctrlPr>
-                          <a:rPr lang="de-DE" i="1">
-                            <a:latin typeface="Cambria Math" panose="02040503050406030204" pitchFamily="18" charset="0"/>
-                          </a:rPr>
-                        </m:ctrlPr>
-                      </m:sSubPr>
-                      <m:e>
-                        <m:r>
-                          <m:rPr>
-                            <m:sty m:val="p"/>
-                          </m:rPr>
-                          <a:rPr lang="de-DE">
-                            <a:latin typeface="Cambria Math" panose="02040503050406030204" pitchFamily="18" charset="0"/>
-                          </a:rPr>
-                          <m:t>Re</m:t>
-                        </m:r>
-                        <m:r>
-                          <a:rPr lang="de-DE" i="1">
-                            <a:latin typeface="Cambria Math" panose="02040503050406030204" pitchFamily="18" charset="0"/>
-                          </a:rPr>
-                          <m:t>(</m:t>
-                        </m:r>
-                        <m:r>
-                          <a:rPr lang="de-DE" i="1">
-                            <a:latin typeface="Cambria Math" panose="02040503050406030204" pitchFamily="18" charset="0"/>
-                          </a:rPr>
-                          <m:t>𝑠</m:t>
-                        </m:r>
-                      </m:e>
-                      <m:sub>
-                        <m:r>
-                          <a:rPr lang="de-DE" i="1">
-                            <a:latin typeface="Cambria Math" panose="02040503050406030204" pitchFamily="18" charset="0"/>
-                          </a:rPr>
-                          <m:t>0</m:t>
-                        </m:r>
-                      </m:sub>
-                    </m:sSub>
-                    <m:r>
-                      <a:rPr lang="de-DE" i="1">
-                        <a:latin typeface="Cambria Math" panose="02040503050406030204" pitchFamily="18" charset="0"/>
-                      </a:rPr>
-                      <m:t>)&lt;0</m:t>
-                    </m:r>
-                  </m:oMath>
-                </a14:m>
-                <a:r>
-                  <a:rPr lang="de-DE" dirty="0"/>
-                  <a:t>, </a:t>
-                </a:r>
-                <a:r>
-                  <a:rPr lang="de-DE" dirty="0" err="1"/>
-                  <a:t>are</a:t>
-                </a:r>
-                <a:r>
-                  <a:rPr lang="de-DE" dirty="0"/>
-                  <a:t> </a:t>
-                </a:r>
-                <a:r>
-                  <a:rPr lang="de-DE" dirty="0" err="1"/>
-                  <a:t>called</a:t>
-                </a:r>
-                <a:r>
-                  <a:rPr lang="de-DE" dirty="0"/>
-                  <a:t> non-minimum-phase </a:t>
-                </a:r>
-                <a:r>
-                  <a:rPr lang="de-DE" dirty="0" err="1"/>
-                  <a:t>zeros</a:t>
-                </a:r>
-                <a:r>
-                  <a:rPr lang="de-DE" dirty="0"/>
-                  <a:t>:</a:t>
-                </a:r>
-                <a:endParaRPr lang="de-DE" i="1" dirty="0">
-                  <a:latin typeface="Cambria Math" panose="02040503050406030204" pitchFamily="18" charset="0"/>
-                </a:endParaRPr>
-              </a:p>
-              <a:p>
-                <a:pPr marL="0" indent="0">
-                  <a:buNone/>
-                </a:pPr>
-                <a:r>
-                  <a:rPr lang="de-DE" dirty="0" err="1"/>
-                  <a:t>cause</a:t>
-                </a:r>
-                <a:r>
-                  <a:rPr lang="de-DE" dirty="0"/>
-                  <a:t> inverse </a:t>
-                </a:r>
-                <a:r>
-                  <a:rPr lang="de-DE" dirty="0" err="1"/>
-                  <a:t>response</a:t>
-                </a:r>
-                <a:r>
-                  <a:rPr lang="de-DE" i="1" dirty="0"/>
-                  <a:t>, </a:t>
-                </a:r>
-                <a:r>
-                  <a:rPr lang="de-DE" dirty="0" err="1"/>
-                  <a:t>add</a:t>
-                </a:r>
-                <a:r>
-                  <a:rPr lang="de-DE" dirty="0"/>
-                  <a:t> </a:t>
-                </a:r>
-                <a:r>
-                  <a:rPr lang="de-DE" dirty="0" err="1"/>
-                  <a:t>phase</a:t>
-                </a:r>
-                <a:r>
-                  <a:rPr lang="de-DE" dirty="0"/>
-                  <a:t> lag</a:t>
-                </a:r>
-              </a:p>
-              <a:p>
-                <a:pPr marL="0" indent="0">
-                  <a:buNone/>
-                </a:pPr>
-                <a:endParaRPr lang="de-DE" dirty="0"/>
-              </a:p>
-              <a:p>
-                <a:pPr marL="0" indent="0">
-                  <a:buNone/>
-                </a:pPr>
-                <a:r>
-                  <a:rPr lang="de-DE" dirty="0"/>
-                  <a:t>At </a:t>
-                </a:r>
-                <a:r>
-                  <a:rPr lang="de-DE" dirty="0" err="1"/>
-                  <a:t>the</a:t>
-                </a:r>
-                <a:r>
-                  <a:rPr lang="de-DE" dirty="0"/>
-                  <a:t> </a:t>
-                </a:r>
-                <a:r>
-                  <a:rPr lang="de-DE" dirty="0" err="1"/>
-                  <a:t>origin</a:t>
-                </a:r>
-                <a:r>
-                  <a:rPr lang="de-DE" dirty="0"/>
-                  <a:t>: </a:t>
-                </a:r>
-                <a:r>
-                  <a:rPr lang="de-DE" dirty="0" err="1"/>
-                  <a:t>introduce</a:t>
-                </a:r>
-                <a:r>
-                  <a:rPr lang="de-DE" dirty="0"/>
-                  <a:t> </a:t>
-                </a:r>
-                <a:r>
-                  <a:rPr lang="de-DE" dirty="0" err="1"/>
-                  <a:t>differentiating</a:t>
-                </a:r>
-                <a:r>
-                  <a:rPr lang="de-DE" dirty="0"/>
-                  <a:t> </a:t>
-                </a:r>
-                <a:r>
-                  <a:rPr lang="de-DE" dirty="0" err="1"/>
-                  <a:t>behavior</a:t>
+                  <a:rPr lang="de-DE" dirty="0">
+                    <a:sym typeface="Wingdings" pitchFamily="2" charset="2"/>
+                  </a:rPr>
+                  <a:t> </a:t>
+                </a:r>
+                <a:r>
+                  <a:rPr lang="de-DE" dirty="0" err="1">
+                    <a:sym typeface="Wingdings" pitchFamily="2" charset="2"/>
+                  </a:rPr>
+                  <a:t>unstable</a:t>
                 </a:r>
                 <a:endParaRPr lang="de-DE" dirty="0"/>
               </a:p>
@@ -7517,12 +8339,9 @@
                 <a:endParaRPr lang="de-DE" dirty="0"/>
               </a:p>
               <a:p>
-                <a:pPr marL="0" indent="0">
-                  <a:buNone/>
-                </a:pPr>
                 <a:r>
                   <a:rPr lang="de-DE" dirty="0" err="1"/>
-                  <a:t>Near</a:t>
+                  <a:t>Far</a:t>
                 </a:r>
                 <a:r>
                   <a:rPr lang="de-DE" dirty="0"/>
@@ -7530,7 +8349,112 @@
                 </a:r>
                 <a:r>
                   <a:rPr lang="de-DE" dirty="0" err="1"/>
-                  <a:t>poles</a:t>
+                  <a:t>to</a:t>
+                </a:r>
+                <a:r>
+                  <a:rPr lang="de-DE" dirty="0"/>
+                  <a:t> </a:t>
+                </a:r>
+                <a:r>
+                  <a:rPr lang="de-DE" dirty="0" err="1"/>
+                  <a:t>the</a:t>
+                </a:r>
+                <a:r>
+                  <a:rPr lang="de-DE" dirty="0"/>
+                  <a:t> </a:t>
+                </a:r>
+                <a:r>
+                  <a:rPr lang="de-DE" dirty="0" err="1"/>
+                  <a:t>left</a:t>
+                </a:r>
+                <a:r>
+                  <a:rPr lang="de-DE" dirty="0"/>
+                  <a:t>: fast </a:t>
+                </a:r>
+                <a:r>
+                  <a:rPr lang="de-DE" dirty="0" err="1"/>
+                  <a:t>decay</a:t>
+                </a:r>
+                <a:r>
+                  <a:rPr lang="de-DE" dirty="0"/>
+                  <a:t> </a:t>
+                </a:r>
+                <a14:m>
+                  <m:oMath xmlns:m="http://schemas.openxmlformats.org/officeDocument/2006/math">
+                    <m:sSup>
+                      <m:sSupPr>
+                        <m:ctrlPr>
+                          <a:rPr lang="de-DE" i="1">
+                            <a:latin typeface="Cambria Math" panose="02040503050406030204" pitchFamily="18" charset="0"/>
+                          </a:rPr>
+                        </m:ctrlPr>
+                      </m:sSupPr>
+                      <m:e>
+                        <m:r>
+                          <a:rPr lang="de-DE" i="1">
+                            <a:latin typeface="Cambria Math" panose="02040503050406030204" pitchFamily="18" charset="0"/>
+                          </a:rPr>
+                          <m:t>𝑒</m:t>
+                        </m:r>
+                      </m:e>
+                      <m:sup>
+                        <m:r>
+                          <a:rPr lang="de-DE" b="0" i="1" smtClean="0">
+                            <a:latin typeface="Cambria Math" panose="02040503050406030204" pitchFamily="18" charset="0"/>
+                          </a:rPr>
+                          <m:t>−</m:t>
+                        </m:r>
+                        <m:r>
+                          <a:rPr lang="de-DE" i="1">
+                            <a:latin typeface="Cambria Math" panose="02040503050406030204" pitchFamily="18" charset="0"/>
+                            <a:ea typeface="Cambria Math" panose="02040503050406030204" pitchFamily="18" charset="0"/>
+                          </a:rPr>
+                          <m:t>𝜎</m:t>
+                        </m:r>
+                        <m:r>
+                          <a:rPr lang="de-DE" i="1">
+                            <a:latin typeface="Cambria Math" panose="02040503050406030204" pitchFamily="18" charset="0"/>
+                          </a:rPr>
+                          <m:t>𝑡</m:t>
+                        </m:r>
+                      </m:sup>
+                    </m:sSup>
+                  </m:oMath>
+                </a14:m>
+                <a:endParaRPr lang="de-DE" dirty="0"/>
+              </a:p>
+              <a:p>
+                <a:r>
+                  <a:rPr lang="de-DE" dirty="0"/>
+                  <a:t>Closer </a:t>
+                </a:r>
+                <a:r>
+                  <a:rPr lang="de-DE" dirty="0" err="1"/>
+                  <a:t>to</a:t>
+                </a:r>
+                <a:r>
+                  <a:rPr lang="de-DE" dirty="0"/>
+                  <a:t> </a:t>
+                </a:r>
+                <a:r>
+                  <a:rPr lang="de-DE" dirty="0" err="1"/>
+                  <a:t>the</a:t>
+                </a:r>
+                <a:r>
+                  <a:rPr lang="de-DE" dirty="0"/>
+                  <a:t> </a:t>
+                </a:r>
+                <a:r>
+                  <a:rPr lang="de-DE" dirty="0" err="1"/>
+                  <a:t>imaginary</a:t>
+                </a:r>
+                <a:r>
+                  <a:rPr lang="de-DE" dirty="0"/>
+                  <a:t> </a:t>
+                </a:r>
+                <a:r>
+                  <a:rPr lang="de-DE" dirty="0" err="1"/>
+                  <a:t>axis</a:t>
                 </a:r>
                 <a:r>
                   <a:rPr lang="de-DE" dirty="0"/>
@@ -7538,7 +8462,7 @@
                 </a:r>
                 <a:r>
                   <a:rPr lang="de-DE" dirty="0" err="1"/>
-                  <a:t>modify</a:t>
+                  <a:t>slower</a:t>
                 </a:r>
                 <a:r>
                   <a:rPr lang="de-DE" dirty="0"/>
@@ -7546,31 +8470,7 @@
                 </a:r>
                 <a:r>
                   <a:rPr lang="de-DE" dirty="0" err="1"/>
-                  <a:t>or</a:t>
-                </a:r>
-                <a:r>
-                  <a:rPr lang="de-DE" dirty="0"/>
-                  <a:t> </a:t>
-                </a:r>
-                <a:r>
-                  <a:rPr lang="de-DE" dirty="0" err="1"/>
-                  <a:t>cancel</a:t>
-                </a:r>
-                <a:r>
-                  <a:rPr lang="de-DE" dirty="0"/>
-                  <a:t> </a:t>
-                </a:r>
-                <a:r>
-                  <a:rPr lang="de-DE" dirty="0" err="1"/>
-                  <a:t>dynamic</a:t>
-                </a:r>
-                <a:r>
-                  <a:rPr lang="de-DE" dirty="0"/>
-                  <a:t> </a:t>
-                </a:r>
-                <a:r>
-                  <a:rPr lang="de-DE" dirty="0" err="1"/>
-                  <a:t>modes</a:t>
+                  <a:t>decay</a:t>
                 </a:r>
                 <a:endParaRPr lang="de-DE" dirty="0"/>
               </a:p>
@@ -7581,16 +8481,13 @@
                 <a:endParaRPr lang="de-DE" dirty="0"/>
               </a:p>
               <a:p>
-                <a:pPr marL="0" indent="0">
-                  <a:buNone/>
-                </a:pPr>
                 <a:r>
                   <a:rPr lang="de-DE" dirty="0"/>
-                  <a:t>An LHP </a:t>
+                  <a:t>Overall transient </a:t>
                 </a:r>
                 <a:r>
                   <a:rPr lang="de-DE" dirty="0" err="1"/>
-                  <a:t>zero</a:t>
+                  <a:t>dominated</a:t>
                 </a:r>
                 <a:r>
                   <a:rPr lang="de-DE" dirty="0"/>
@@ -7598,7 +8495,15 @@
                 </a:r>
                 <a:r>
                   <a:rPr lang="de-DE" dirty="0" err="1"/>
-                  <a:t>close</a:t>
+                  <a:t>by</a:t>
+                </a:r>
+                <a:r>
+                  <a:rPr lang="de-DE" dirty="0"/>
+                  <a:t> pole </a:t>
+                </a:r>
+                <a:r>
+                  <a:rPr lang="de-DE" dirty="0" err="1"/>
+                  <a:t>closest</a:t>
                 </a:r>
                 <a:r>
                   <a:rPr lang="de-DE" dirty="0"/>
@@ -7614,7 +8519,7 @@
                 </a:r>
                 <a:r>
                   <a:rPr lang="de-DE" dirty="0" err="1"/>
-                  <a:t>the</a:t>
+                  <a:t>imaginary</a:t>
                 </a:r>
                 <a:r>
                   <a:rPr lang="de-DE" dirty="0"/>
@@ -7622,95 +8527,20 @@
                 </a:r>
                 <a:r>
                   <a:rPr lang="de-DE" dirty="0" err="1"/>
-                  <a:t>imaginary</a:t>
-                </a:r>
-                <a:r>
-                  <a:rPr lang="de-DE" dirty="0"/>
-                  <a:t> </a:t>
-                </a:r>
-                <a:r>
-                  <a:rPr lang="de-DE" dirty="0" err="1"/>
                   <a:t>axis</a:t>
                 </a:r>
-                <a:r>
-                  <a:rPr lang="de-DE" dirty="0"/>
-                  <a:t> </a:t>
-                </a:r>
-                <a:r>
-                  <a:rPr lang="de-DE" dirty="0" err="1"/>
-                  <a:t>or</a:t>
-                </a:r>
-                <a:r>
-                  <a:rPr lang="de-DE" dirty="0"/>
-                  <a:t> a </a:t>
-                </a:r>
-                <a:r>
-                  <a:rPr lang="de-DE" dirty="0" err="1"/>
-                  <a:t>zero</a:t>
-                </a:r>
-                <a:r>
-                  <a:rPr lang="de-DE" dirty="0"/>
-                  <a:t> </a:t>
-                </a:r>
-                <a:r>
-                  <a:rPr lang="de-DE" dirty="0" err="1"/>
-                  <a:t>close</a:t>
-                </a:r>
-                <a:r>
-                  <a:rPr lang="de-DE" dirty="0"/>
-                  <a:t> </a:t>
-                </a:r>
-                <a:r>
-                  <a:rPr lang="de-DE" dirty="0" err="1"/>
-                  <a:t>to</a:t>
-                </a:r>
-                <a:r>
-                  <a:rPr lang="de-DE" dirty="0"/>
-                  <a:t> a dominant pole </a:t>
-                </a:r>
-                <a:r>
-                  <a:rPr lang="de-DE" dirty="0" err="1"/>
-                  <a:t>can</a:t>
-                </a:r>
-                <a:r>
-                  <a:rPr lang="de-DE" dirty="0"/>
-                  <a:t> </a:t>
-                </a:r>
-                <a:r>
-                  <a:rPr lang="de-DE" dirty="0" err="1"/>
-                  <a:t>increase</a:t>
-                </a:r>
-                <a:r>
-                  <a:rPr lang="de-DE" dirty="0"/>
-                  <a:t> </a:t>
-                </a:r>
-                <a:r>
-                  <a:rPr lang="de-DE" dirty="0" err="1"/>
-                  <a:t>overshoot</a:t>
-                </a:r>
-                <a:r>
-                  <a:rPr lang="de-DE" dirty="0"/>
-                  <a:t> </a:t>
-                </a:r>
-                <a:r>
-                  <a:rPr lang="de-DE" dirty="0" err="1"/>
-                  <a:t>significantly</a:t>
-                </a:r>
-                <a:r>
-                  <a:rPr lang="de-DE" dirty="0"/>
-                  <a:t>.</a:t>
-                </a:r>
+                <a:endParaRPr lang="de-DE" dirty="0"/>
               </a:p>
             </p:txBody>
           </p:sp>
         </mc:Choice>
-        <mc:Fallback>
+        <mc:Fallback xmlns="">
           <p:sp>
             <p:nvSpPr>
               <p:cNvPr id="3" name="Inhaltsplatzhalter 2">
                 <a:extLst>
                   <a:ext uri="{FF2B5EF4-FFF2-40B4-BE49-F238E27FC236}">
-                    <a16:creationId xmlns:a16="http://schemas.microsoft.com/office/drawing/2014/main" id="{9DB4A523-7894-C0D4-3451-DAD8F7E33D7D}"/>
+                    <a16:creationId xmlns:a16="http://schemas.microsoft.com/office/drawing/2014/main" id="{C62C7A46-3151-BCA2-732D-A5FE2D3F7889}"/>
                   </a:ext>
                 </a:extLst>
               </p:cNvPr>
@@ -7725,7 +8555,7 @@
               <a:blipFill>
                 <a:blip r:embed="rId2"/>
                 <a:stretch>
-                  <a:fillRect l="-724" t="-2035"/>
+                  <a:fillRect l="-1086" t="-2616"/>
                 </a:stretch>
               </a:blipFill>
             </p:spPr>
@@ -7744,6 +8574,942 @@
           </p:sp>
         </mc:Fallback>
       </mc:AlternateContent>
+      <p:sp>
+        <p:nvSpPr>
+          <p:cNvPr id="4" name="Foliennummernplatzhalter 3">
+            <a:extLst>
+              <a:ext uri="{FF2B5EF4-FFF2-40B4-BE49-F238E27FC236}">
+                <a16:creationId xmlns:a16="http://schemas.microsoft.com/office/drawing/2014/main" id="{DAAA6DAE-C973-9649-A3CB-300E719F60ED}"/>
+              </a:ext>
+            </a:extLst>
+          </p:cNvPr>
+          <p:cNvSpPr>
+            <a:spLocks noGrp="1"/>
+          </p:cNvSpPr>
+          <p:nvPr>
+            <p:ph type="sldNum" sz="quarter" idx="12"/>
+          </p:nvPr>
+        </p:nvSpPr>
+        <p:spPr/>
+        <p:txBody>
+          <a:bodyPr/>
+          <a:lstStyle/>
+          <a:p>
+            <a:fld id="{08C366F5-AFAD-49CB-854A-9D9E238FCA13}" type="slidenum">
+              <a:rPr lang="en-GB" smtClean="0"/>
+              <a:t>6</a:t>
+            </a:fld>
+            <a:endParaRPr lang="en-GB"/>
+          </a:p>
+        </p:txBody>
+      </p:sp>
+    </p:spTree>
+    <p:extLst>
+      <p:ext uri="{BB962C8B-B14F-4D97-AF65-F5344CB8AC3E}">
+        <p14:creationId xmlns:p14="http://schemas.microsoft.com/office/powerpoint/2010/main" val="2051008682"/>
+      </p:ext>
+    </p:extLst>
+  </p:cSld>
+  <p:clrMapOvr>
+    <a:masterClrMapping/>
+  </p:clrMapOvr>
+</p:sld>
+</file>
+
+<file path=ppt/slides/slide7.xml><?xml version="1.0" encoding="utf-8"?>
+<p:sld xmlns:a="http://schemas.openxmlformats.org/drawingml/2006/main" xmlns:r="http://schemas.openxmlformats.org/officeDocument/2006/relationships" xmlns:p="http://schemas.openxmlformats.org/presentationml/2006/main">
+  <p:cSld>
+    <p:spTree>
+      <p:nvGrpSpPr>
+        <p:cNvPr id="1" name=""/>
+        <p:cNvGrpSpPr/>
+        <p:nvPr/>
+      </p:nvGrpSpPr>
+      <p:grpSpPr>
+        <a:xfrm>
+          <a:off x="0" y="0"/>
+          <a:ext cx="0" cy="0"/>
+          <a:chOff x="0" y="0"/>
+          <a:chExt cx="0" cy="0"/>
+        </a:xfrm>
+      </p:grpSpPr>
+      <p:sp>
+        <p:nvSpPr>
+          <p:cNvPr id="2" name="Titel 1">
+            <a:extLst>
+              <a:ext uri="{FF2B5EF4-FFF2-40B4-BE49-F238E27FC236}">
+                <a16:creationId xmlns:a16="http://schemas.microsoft.com/office/drawing/2014/main" id="{B43EB291-3617-973F-8E27-86ACF15D8731}"/>
+              </a:ext>
+            </a:extLst>
+          </p:cNvPr>
+          <p:cNvSpPr>
+            <a:spLocks noGrp="1"/>
+          </p:cNvSpPr>
+          <p:nvPr>
+            <p:ph type="title"/>
+          </p:nvPr>
+        </p:nvSpPr>
+        <p:spPr/>
+        <p:txBody>
+          <a:bodyPr/>
+          <a:lstStyle/>
+          <a:p>
+            <a:r>
+              <a:rPr lang="de-DE" dirty="0" err="1"/>
+              <a:t>Stability</a:t>
+            </a:r>
+            <a:r>
+              <a:rPr lang="de-DE" dirty="0"/>
+              <a:t> </a:t>
+            </a:r>
+            <a:r>
+              <a:rPr lang="de-DE" dirty="0" err="1"/>
+              <a:t>of</a:t>
+            </a:r>
+            <a:r>
+              <a:rPr lang="de-DE" dirty="0"/>
+              <a:t> </a:t>
+            </a:r>
+            <a:r>
+              <a:rPr lang="de-DE" dirty="0" err="1"/>
+              <a:t>Continuous</a:t>
+            </a:r>
+            <a:r>
+              <a:rPr lang="de-DE" dirty="0"/>
+              <a:t>-Time Systems</a:t>
+            </a:r>
+          </a:p>
+        </p:txBody>
+      </p:sp>
+      <p:sp>
+        <p:nvSpPr>
+          <p:cNvPr id="3" name="Inhaltsplatzhalter 2">
+            <a:extLst>
+              <a:ext uri="{FF2B5EF4-FFF2-40B4-BE49-F238E27FC236}">
+                <a16:creationId xmlns:a16="http://schemas.microsoft.com/office/drawing/2014/main" id="{5D956592-B7CC-DA1D-26BD-9F6DCF27D941}"/>
+              </a:ext>
+            </a:extLst>
+          </p:cNvPr>
+          <p:cNvSpPr>
+            <a:spLocks noGrp="1"/>
+          </p:cNvSpPr>
+          <p:nvPr>
+            <p:ph idx="1"/>
+          </p:nvPr>
+        </p:nvSpPr>
+        <p:spPr/>
+        <p:txBody>
+          <a:bodyPr/>
+          <a:lstStyle/>
+          <a:p>
+            <a:r>
+              <a:rPr lang="de-DE" dirty="0" err="1"/>
+              <a:t>Stable</a:t>
+            </a:r>
+            <a:r>
+              <a:rPr lang="de-DE" dirty="0"/>
+              <a:t> </a:t>
+            </a:r>
+            <a:r>
+              <a:rPr lang="de-DE" dirty="0" err="1"/>
+              <a:t>if</a:t>
+            </a:r>
+            <a:r>
+              <a:rPr lang="de-DE" dirty="0"/>
+              <a:t> all </a:t>
+            </a:r>
+            <a:r>
+              <a:rPr lang="de-DE" dirty="0" err="1"/>
+              <a:t>poles</a:t>
+            </a:r>
+            <a:r>
+              <a:rPr lang="de-DE" dirty="0"/>
+              <a:t> </a:t>
+            </a:r>
+            <a:r>
+              <a:rPr lang="de-DE" dirty="0" err="1"/>
+              <a:t>have</a:t>
+            </a:r>
+            <a:r>
+              <a:rPr lang="de-DE" dirty="0"/>
+              <a:t> negative real </a:t>
+            </a:r>
+            <a:r>
+              <a:rPr lang="de-DE" dirty="0" err="1"/>
+              <a:t>part</a:t>
+            </a:r>
+            <a:endParaRPr lang="de-DE" dirty="0"/>
+          </a:p>
+          <a:p>
+            <a:pPr marL="0" indent="0">
+              <a:buNone/>
+            </a:pPr>
+            <a:endParaRPr lang="de-DE" dirty="0"/>
+          </a:p>
+          <a:p>
+            <a:r>
+              <a:rPr lang="de-DE" dirty="0" err="1"/>
+              <a:t>Marginally</a:t>
+            </a:r>
+            <a:r>
+              <a:rPr lang="de-DE" dirty="0"/>
+              <a:t> </a:t>
+            </a:r>
+            <a:r>
+              <a:rPr lang="de-DE" dirty="0" err="1"/>
+              <a:t>stable</a:t>
+            </a:r>
+            <a:r>
+              <a:rPr lang="de-DE" dirty="0"/>
+              <a:t> </a:t>
+            </a:r>
+            <a:r>
+              <a:rPr lang="de-DE" dirty="0" err="1"/>
+              <a:t>if</a:t>
+            </a:r>
+            <a:r>
+              <a:rPr lang="de-DE" dirty="0"/>
+              <a:t> </a:t>
+            </a:r>
+            <a:r>
+              <a:rPr lang="de-DE" dirty="0" err="1"/>
+              <a:t>poles</a:t>
+            </a:r>
+            <a:r>
+              <a:rPr lang="de-DE" dirty="0"/>
+              <a:t> on </a:t>
+            </a:r>
+            <a:r>
+              <a:rPr lang="de-DE" dirty="0" err="1"/>
+              <a:t>imaginary</a:t>
+            </a:r>
+            <a:r>
+              <a:rPr lang="de-DE" dirty="0"/>
+              <a:t> </a:t>
+            </a:r>
+            <a:r>
+              <a:rPr lang="de-DE" dirty="0" err="1"/>
+              <a:t>axis</a:t>
+            </a:r>
+            <a:endParaRPr lang="de-DE" dirty="0"/>
+          </a:p>
+          <a:p>
+            <a:pPr marL="0" indent="0">
+              <a:buNone/>
+            </a:pPr>
+            <a:endParaRPr lang="de-DE" dirty="0"/>
+          </a:p>
+          <a:p>
+            <a:r>
+              <a:rPr lang="de-DE" dirty="0" err="1"/>
+              <a:t>Unstable</a:t>
+            </a:r>
+            <a:r>
+              <a:rPr lang="de-DE" dirty="0"/>
+              <a:t> </a:t>
+            </a:r>
+            <a:r>
+              <a:rPr lang="de-DE" dirty="0" err="1"/>
+              <a:t>otherwise</a:t>
+            </a:r>
+            <a:endParaRPr lang="de-DE" dirty="0"/>
+          </a:p>
+        </p:txBody>
+      </p:sp>
+      <p:sp>
+        <p:nvSpPr>
+          <p:cNvPr id="4" name="Foliennummernplatzhalter 3">
+            <a:extLst>
+              <a:ext uri="{FF2B5EF4-FFF2-40B4-BE49-F238E27FC236}">
+                <a16:creationId xmlns:a16="http://schemas.microsoft.com/office/drawing/2014/main" id="{1D91BC1F-3367-2175-29F8-BD9E03A1D44E}"/>
+              </a:ext>
+            </a:extLst>
+          </p:cNvPr>
+          <p:cNvSpPr>
+            <a:spLocks noGrp="1"/>
+          </p:cNvSpPr>
+          <p:nvPr>
+            <p:ph type="sldNum" sz="quarter" idx="12"/>
+          </p:nvPr>
+        </p:nvSpPr>
+        <p:spPr/>
+        <p:txBody>
+          <a:bodyPr/>
+          <a:lstStyle/>
+          <a:p>
+            <a:fld id="{08C366F5-AFAD-49CB-854A-9D9E238FCA13}" type="slidenum">
+              <a:rPr lang="en-GB" smtClean="0"/>
+              <a:t>7</a:t>
+            </a:fld>
+            <a:endParaRPr lang="en-GB"/>
+          </a:p>
+        </p:txBody>
+      </p:sp>
+    </p:spTree>
+    <p:extLst>
+      <p:ext uri="{BB962C8B-B14F-4D97-AF65-F5344CB8AC3E}">
+        <p14:creationId xmlns:p14="http://schemas.microsoft.com/office/powerpoint/2010/main" val="843895330"/>
+      </p:ext>
+    </p:extLst>
+  </p:cSld>
+  <p:clrMapOvr>
+    <a:masterClrMapping/>
+  </p:clrMapOvr>
+</p:sld>
+</file>
+
+<file path=ppt/slides/slide8.xml><?xml version="1.0" encoding="utf-8"?>
+<p:sld xmlns:a="http://schemas.openxmlformats.org/drawingml/2006/main" xmlns:r="http://schemas.openxmlformats.org/officeDocument/2006/relationships" xmlns:p="http://schemas.openxmlformats.org/presentationml/2006/main">
+  <p:cSld>
+    <p:spTree>
+      <p:nvGrpSpPr>
+        <p:cNvPr id="1" name=""/>
+        <p:cNvGrpSpPr/>
+        <p:nvPr/>
+      </p:nvGrpSpPr>
+      <p:grpSpPr>
+        <a:xfrm>
+          <a:off x="0" y="0"/>
+          <a:ext cx="0" cy="0"/>
+          <a:chOff x="0" y="0"/>
+          <a:chExt cx="0" cy="0"/>
+        </a:xfrm>
+      </p:grpSpPr>
+      <p:sp>
+        <p:nvSpPr>
+          <p:cNvPr id="2" name="Titel 1">
+            <a:extLst>
+              <a:ext uri="{FF2B5EF4-FFF2-40B4-BE49-F238E27FC236}">
+                <a16:creationId xmlns:a16="http://schemas.microsoft.com/office/drawing/2014/main" id="{1174229D-E0D0-4F27-687E-14E5F50EF990}"/>
+              </a:ext>
+            </a:extLst>
+          </p:cNvPr>
+          <p:cNvSpPr>
+            <a:spLocks noGrp="1"/>
+          </p:cNvSpPr>
+          <p:nvPr>
+            <p:ph type="title"/>
+          </p:nvPr>
+        </p:nvSpPr>
+        <p:spPr/>
+        <p:txBody>
+          <a:bodyPr/>
+          <a:lstStyle/>
+          <a:p>
+            <a:r>
+              <a:rPr lang="de-DE" dirty="0"/>
+              <a:t>Zero Location</a:t>
+            </a:r>
+          </a:p>
+        </p:txBody>
+      </p:sp>
+      <p:sp>
+        <p:nvSpPr>
+          <p:cNvPr id="3" name="Inhaltsplatzhalter 2">
+            <a:extLst>
+              <a:ext uri="{FF2B5EF4-FFF2-40B4-BE49-F238E27FC236}">
+                <a16:creationId xmlns:a16="http://schemas.microsoft.com/office/drawing/2014/main" id="{9DB4A523-7894-C0D4-3451-DAD8F7E33D7D}"/>
+              </a:ext>
+            </a:extLst>
+          </p:cNvPr>
+          <p:cNvSpPr>
+            <a:spLocks noGrp="1"/>
+          </p:cNvSpPr>
+          <p:nvPr>
+            <p:ph idx="1"/>
+          </p:nvPr>
+        </p:nvSpPr>
+        <p:spPr>
+          <a:xfrm>
+            <a:off x="838200" y="1580322"/>
+            <a:ext cx="10515600" cy="5141153"/>
+          </a:xfrm>
+        </p:spPr>
+        <p:txBody>
+          <a:bodyPr>
+            <a:normAutofit fontScale="77500" lnSpcReduction="20000"/>
+          </a:bodyPr>
+          <a:lstStyle/>
+          <a:p>
+            <a:pPr marL="0" indent="0">
+              <a:buNone/>
+            </a:pPr>
+            <a:r>
+              <a:rPr lang="de-DE" dirty="0"/>
+              <a:t>Zeros in LHP:</a:t>
+            </a:r>
+          </a:p>
+          <a:p>
+            <a:r>
+              <a:rPr lang="de-DE" dirty="0" err="1"/>
+              <a:t>speed</a:t>
+            </a:r>
+            <a:r>
+              <a:rPr lang="de-DE" dirty="0"/>
+              <a:t> </a:t>
+            </a:r>
+            <a:r>
+              <a:rPr lang="de-DE" dirty="0" err="1"/>
+              <a:t>up</a:t>
+            </a:r>
+            <a:r>
+              <a:rPr lang="de-DE" dirty="0"/>
+              <a:t> </a:t>
+            </a:r>
+            <a:r>
+              <a:rPr lang="de-DE" dirty="0" err="1"/>
+              <a:t>response</a:t>
+            </a:r>
+            <a:r>
+              <a:rPr lang="de-DE" dirty="0"/>
+              <a:t> (derivative </a:t>
+            </a:r>
+            <a:r>
+              <a:rPr lang="de-DE" dirty="0" err="1"/>
+              <a:t>behavior</a:t>
+            </a:r>
+            <a:r>
+              <a:rPr lang="de-DE" dirty="0"/>
+              <a:t>)</a:t>
+            </a:r>
+          </a:p>
+          <a:p>
+            <a:r>
+              <a:rPr lang="de-DE" dirty="0" err="1"/>
+              <a:t>can</a:t>
+            </a:r>
+            <a:r>
+              <a:rPr lang="de-DE" dirty="0"/>
+              <a:t> </a:t>
+            </a:r>
+            <a:r>
+              <a:rPr lang="de-DE" dirty="0" err="1"/>
+              <a:t>increase</a:t>
+            </a:r>
+            <a:r>
+              <a:rPr lang="de-DE" dirty="0"/>
+              <a:t> </a:t>
+            </a:r>
+            <a:r>
+              <a:rPr lang="de-DE" dirty="0" err="1"/>
+              <a:t>overshoot</a:t>
+            </a:r>
+            <a:r>
+              <a:rPr lang="de-DE" dirty="0"/>
+              <a:t> (</a:t>
+            </a:r>
+            <a:r>
+              <a:rPr lang="de-DE" dirty="0" err="1"/>
+              <a:t>caused</a:t>
+            </a:r>
+            <a:r>
+              <a:rPr lang="de-DE" dirty="0"/>
+              <a:t> </a:t>
+            </a:r>
+            <a:r>
+              <a:rPr lang="de-DE" dirty="0" err="1"/>
+              <a:t>by</a:t>
+            </a:r>
+            <a:r>
+              <a:rPr lang="de-DE" dirty="0"/>
+              <a:t> </a:t>
+            </a:r>
+            <a:r>
+              <a:rPr lang="de-DE" dirty="0" err="1"/>
+              <a:t>complex</a:t>
+            </a:r>
+            <a:r>
+              <a:rPr lang="de-DE" dirty="0"/>
+              <a:t> </a:t>
+            </a:r>
+            <a:r>
+              <a:rPr lang="de-DE" dirty="0" err="1"/>
+              <a:t>poles</a:t>
+            </a:r>
+            <a:r>
+              <a:rPr lang="de-DE" dirty="0"/>
+              <a:t>)</a:t>
+            </a:r>
+          </a:p>
+          <a:p>
+            <a:r>
+              <a:rPr lang="de-DE" dirty="0" err="1"/>
+              <a:t>add</a:t>
+            </a:r>
+            <a:r>
+              <a:rPr lang="de-DE" dirty="0"/>
+              <a:t> </a:t>
+            </a:r>
+            <a:r>
+              <a:rPr lang="de-DE" dirty="0" err="1"/>
+              <a:t>phase</a:t>
+            </a:r>
+            <a:r>
+              <a:rPr lang="de-DE" dirty="0"/>
+              <a:t> </a:t>
+            </a:r>
+            <a:r>
+              <a:rPr lang="de-DE" dirty="0" err="1"/>
+              <a:t>lead</a:t>
+            </a:r>
+            <a:r>
+              <a:rPr lang="de-DE" dirty="0"/>
+              <a:t> (LHP </a:t>
+            </a:r>
+            <a:r>
+              <a:rPr lang="de-DE" dirty="0" err="1"/>
+              <a:t>poles</a:t>
+            </a:r>
+            <a:r>
+              <a:rPr lang="de-DE" dirty="0"/>
+              <a:t> </a:t>
+            </a:r>
+            <a:r>
+              <a:rPr lang="de-DE" dirty="0" err="1"/>
+              <a:t>have</a:t>
+            </a:r>
+            <a:r>
+              <a:rPr lang="de-DE" dirty="0"/>
+              <a:t> negative </a:t>
+            </a:r>
+            <a:r>
+              <a:rPr lang="de-DE" dirty="0" err="1"/>
+              <a:t>phase</a:t>
+            </a:r>
+            <a:r>
+              <a:rPr lang="de-DE" dirty="0"/>
+              <a:t>, so LHP </a:t>
+            </a:r>
+            <a:r>
+              <a:rPr lang="de-DE" dirty="0" err="1"/>
+              <a:t>zeros</a:t>
+            </a:r>
+            <a:r>
+              <a:rPr lang="de-DE" dirty="0"/>
+              <a:t> </a:t>
+            </a:r>
+            <a:r>
+              <a:rPr lang="de-DE" dirty="0" err="1"/>
+              <a:t>give</a:t>
+            </a:r>
+            <a:r>
+              <a:rPr lang="de-DE" dirty="0"/>
+              <a:t> </a:t>
+            </a:r>
+            <a:r>
+              <a:rPr lang="de-DE" dirty="0" err="1"/>
+              <a:t>the</a:t>
+            </a:r>
+            <a:r>
+              <a:rPr lang="de-DE" dirty="0"/>
+              <a:t> </a:t>
+            </a:r>
+            <a:r>
+              <a:rPr lang="de-DE" dirty="0" err="1"/>
+              <a:t>smallest</a:t>
+            </a:r>
+            <a:r>
+              <a:rPr lang="de-DE" dirty="0"/>
+              <a:t> possible </a:t>
+            </a:r>
+            <a:r>
+              <a:rPr lang="de-DE" dirty="0" err="1"/>
+              <a:t>phase</a:t>
+            </a:r>
+            <a:r>
+              <a:rPr lang="de-DE" dirty="0"/>
+              <a:t> lag </a:t>
+            </a:r>
+            <a:r>
+              <a:rPr lang="de-DE" dirty="0">
+                <a:sym typeface="Wingdings" pitchFamily="2" charset="2"/>
+              </a:rPr>
+              <a:t> minimum-phase </a:t>
+            </a:r>
+            <a:r>
+              <a:rPr lang="de-DE" dirty="0" err="1">
+                <a:sym typeface="Wingdings" pitchFamily="2" charset="2"/>
+              </a:rPr>
+              <a:t>zeros</a:t>
+            </a:r>
+            <a:r>
+              <a:rPr lang="de-DE" dirty="0"/>
+              <a:t>)</a:t>
+            </a:r>
+            <a:endParaRPr lang="de-DE" i="1" dirty="0">
+              <a:latin typeface="Cambria Math" panose="02040503050406030204" pitchFamily="18" charset="0"/>
+            </a:endParaRPr>
+          </a:p>
+          <a:p>
+            <a:pPr marL="0" indent="0">
+              <a:buNone/>
+            </a:pPr>
+            <a:endParaRPr lang="de-DE" dirty="0"/>
+          </a:p>
+          <a:p>
+            <a:pPr marL="0" indent="0">
+              <a:buNone/>
+            </a:pPr>
+            <a:r>
+              <a:rPr lang="de-DE" dirty="0"/>
+              <a:t>Zeros in RHP:</a:t>
+            </a:r>
+          </a:p>
+          <a:p>
+            <a:r>
+              <a:rPr lang="de-DE" dirty="0" err="1"/>
+              <a:t>cause</a:t>
+            </a:r>
+            <a:r>
+              <a:rPr lang="de-DE" dirty="0"/>
+              <a:t> inverse </a:t>
+            </a:r>
+            <a:r>
+              <a:rPr lang="de-DE" dirty="0" err="1"/>
+              <a:t>response</a:t>
+            </a:r>
+            <a:r>
+              <a:rPr lang="de-DE" dirty="0"/>
+              <a:t> (initial </a:t>
+            </a:r>
+            <a:r>
+              <a:rPr lang="de-DE" dirty="0" err="1"/>
+              <a:t>motion</a:t>
+            </a:r>
+            <a:r>
+              <a:rPr lang="de-DE" dirty="0"/>
+              <a:t> </a:t>
+            </a:r>
+            <a:r>
+              <a:rPr lang="de-DE" dirty="0" err="1"/>
+              <a:t>opposite</a:t>
+            </a:r>
+            <a:r>
+              <a:rPr lang="de-DE" dirty="0"/>
+              <a:t> </a:t>
+            </a:r>
+            <a:r>
+              <a:rPr lang="de-DE" dirty="0" err="1"/>
+              <a:t>to</a:t>
+            </a:r>
+            <a:r>
+              <a:rPr lang="de-DE" dirty="0"/>
+              <a:t> final </a:t>
+            </a:r>
+            <a:r>
+              <a:rPr lang="de-DE" dirty="0" err="1"/>
+              <a:t>steady-state</a:t>
+            </a:r>
+            <a:r>
+              <a:rPr lang="de-DE" dirty="0"/>
+              <a:t> </a:t>
+            </a:r>
+            <a:r>
+              <a:rPr lang="de-DE" dirty="0" err="1"/>
+              <a:t>direction</a:t>
+            </a:r>
+            <a:r>
+              <a:rPr lang="de-DE" dirty="0"/>
+              <a:t>)</a:t>
+            </a:r>
+            <a:endParaRPr lang="de-DE" i="1" dirty="0"/>
+          </a:p>
+          <a:p>
+            <a:r>
+              <a:rPr lang="de-DE" dirty="0" err="1"/>
+              <a:t>add</a:t>
+            </a:r>
+            <a:r>
+              <a:rPr lang="de-DE" dirty="0"/>
+              <a:t> </a:t>
+            </a:r>
+            <a:r>
+              <a:rPr lang="de-DE" dirty="0" err="1"/>
+              <a:t>phase</a:t>
+            </a:r>
+            <a:r>
+              <a:rPr lang="de-DE" dirty="0"/>
+              <a:t> lag (</a:t>
+            </a:r>
+            <a:r>
+              <a:rPr lang="de-DE" dirty="0">
+                <a:sym typeface="Wingdings" pitchFamily="2" charset="2"/>
+              </a:rPr>
+              <a:t> n</a:t>
+            </a:r>
+            <a:r>
+              <a:rPr lang="de-DE" dirty="0"/>
+              <a:t>on-minimum-phase </a:t>
+            </a:r>
+            <a:r>
+              <a:rPr lang="de-DE" dirty="0" err="1"/>
+              <a:t>zeros</a:t>
+            </a:r>
+            <a:r>
+              <a:rPr lang="de-DE" dirty="0"/>
+              <a:t>)</a:t>
+            </a:r>
+          </a:p>
+          <a:p>
+            <a:pPr marL="0" indent="0">
+              <a:buNone/>
+            </a:pPr>
+            <a:endParaRPr lang="de-DE" dirty="0"/>
+          </a:p>
+          <a:p>
+            <a:r>
+              <a:rPr lang="de-DE" dirty="0"/>
+              <a:t>Zeros at </a:t>
+            </a:r>
+            <a:r>
+              <a:rPr lang="de-DE" dirty="0" err="1"/>
+              <a:t>the</a:t>
+            </a:r>
+            <a:r>
+              <a:rPr lang="de-DE" dirty="0"/>
+              <a:t> </a:t>
+            </a:r>
+            <a:r>
+              <a:rPr lang="de-DE" dirty="0" err="1"/>
+              <a:t>origin</a:t>
+            </a:r>
+            <a:r>
+              <a:rPr lang="de-DE" dirty="0"/>
+              <a:t> </a:t>
+            </a:r>
+            <a:r>
+              <a:rPr lang="de-DE" dirty="0" err="1"/>
+              <a:t>introduce</a:t>
+            </a:r>
+            <a:r>
+              <a:rPr lang="de-DE" dirty="0"/>
+              <a:t> </a:t>
+            </a:r>
+            <a:r>
+              <a:rPr lang="de-DE" dirty="0" err="1"/>
+              <a:t>differentiating</a:t>
+            </a:r>
+            <a:r>
+              <a:rPr lang="de-DE" dirty="0"/>
+              <a:t> </a:t>
+            </a:r>
+            <a:r>
+              <a:rPr lang="de-DE" dirty="0" err="1"/>
+              <a:t>behavior</a:t>
+            </a:r>
+            <a:endParaRPr lang="de-DE" dirty="0"/>
+          </a:p>
+          <a:p>
+            <a:r>
+              <a:rPr lang="de-DE" dirty="0"/>
+              <a:t>Zeros </a:t>
+            </a:r>
+            <a:r>
+              <a:rPr lang="de-DE" dirty="0" err="1"/>
+              <a:t>near</a:t>
+            </a:r>
+            <a:r>
+              <a:rPr lang="de-DE" dirty="0"/>
+              <a:t> </a:t>
+            </a:r>
+            <a:r>
+              <a:rPr lang="de-DE" dirty="0" err="1"/>
+              <a:t>poles</a:t>
+            </a:r>
+            <a:r>
+              <a:rPr lang="de-DE" dirty="0"/>
+              <a:t> </a:t>
+            </a:r>
+            <a:r>
+              <a:rPr lang="de-DE" dirty="0" err="1"/>
+              <a:t>modify</a:t>
+            </a:r>
+            <a:r>
+              <a:rPr lang="de-DE" dirty="0"/>
+              <a:t> </a:t>
+            </a:r>
+            <a:r>
+              <a:rPr lang="de-DE" dirty="0" err="1"/>
+              <a:t>or</a:t>
+            </a:r>
+            <a:r>
+              <a:rPr lang="de-DE" dirty="0"/>
+              <a:t> </a:t>
+            </a:r>
+            <a:r>
+              <a:rPr lang="de-DE" dirty="0" err="1"/>
+              <a:t>cancel</a:t>
+            </a:r>
+            <a:r>
+              <a:rPr lang="de-DE" dirty="0"/>
+              <a:t> </a:t>
+            </a:r>
+            <a:r>
+              <a:rPr lang="de-DE" dirty="0" err="1"/>
+              <a:t>dynamic</a:t>
+            </a:r>
+            <a:r>
+              <a:rPr lang="de-DE" dirty="0"/>
+              <a:t> </a:t>
+            </a:r>
+            <a:r>
+              <a:rPr lang="de-DE" dirty="0" err="1"/>
+              <a:t>modes</a:t>
+            </a:r>
+            <a:endParaRPr lang="de-DE" dirty="0"/>
+          </a:p>
+          <a:p>
+            <a:r>
+              <a:rPr lang="de-DE" dirty="0"/>
+              <a:t>An LHP </a:t>
+            </a:r>
+            <a:r>
+              <a:rPr lang="de-DE" dirty="0" err="1"/>
+              <a:t>zero</a:t>
+            </a:r>
+            <a:r>
+              <a:rPr lang="de-DE" dirty="0"/>
+              <a:t> </a:t>
+            </a:r>
+            <a:r>
+              <a:rPr lang="de-DE" dirty="0" err="1"/>
+              <a:t>close</a:t>
+            </a:r>
+            <a:r>
+              <a:rPr lang="de-DE" dirty="0"/>
+              <a:t> </a:t>
+            </a:r>
+            <a:r>
+              <a:rPr lang="de-DE" dirty="0" err="1"/>
+              <a:t>to</a:t>
+            </a:r>
+            <a:r>
+              <a:rPr lang="de-DE" dirty="0"/>
+              <a:t> </a:t>
+            </a:r>
+            <a:r>
+              <a:rPr lang="de-DE" dirty="0" err="1"/>
+              <a:t>the</a:t>
+            </a:r>
+            <a:r>
+              <a:rPr lang="de-DE" dirty="0"/>
+              <a:t> </a:t>
+            </a:r>
+            <a:r>
+              <a:rPr lang="de-DE" dirty="0" err="1"/>
+              <a:t>imaginary</a:t>
+            </a:r>
+            <a:r>
+              <a:rPr lang="de-DE" dirty="0"/>
+              <a:t> </a:t>
+            </a:r>
+            <a:r>
+              <a:rPr lang="de-DE" dirty="0" err="1"/>
+              <a:t>axis</a:t>
+            </a:r>
+            <a:r>
+              <a:rPr lang="de-DE" dirty="0"/>
+              <a:t> </a:t>
+            </a:r>
+            <a:r>
+              <a:rPr lang="de-DE" dirty="0" err="1"/>
+              <a:t>or</a:t>
+            </a:r>
+            <a:r>
+              <a:rPr lang="de-DE" dirty="0"/>
+              <a:t> a </a:t>
+            </a:r>
+            <a:r>
+              <a:rPr lang="de-DE" dirty="0" err="1"/>
+              <a:t>zero</a:t>
+            </a:r>
+            <a:r>
+              <a:rPr lang="de-DE" dirty="0"/>
+              <a:t> </a:t>
+            </a:r>
+            <a:r>
+              <a:rPr lang="de-DE" dirty="0" err="1"/>
+              <a:t>close</a:t>
+            </a:r>
+            <a:r>
+              <a:rPr lang="de-DE" dirty="0"/>
+              <a:t> </a:t>
+            </a:r>
+            <a:r>
+              <a:rPr lang="de-DE" dirty="0" err="1"/>
+              <a:t>to</a:t>
+            </a:r>
+            <a:r>
+              <a:rPr lang="de-DE" dirty="0"/>
+              <a:t> a dominant pole (</a:t>
+            </a:r>
+            <a:r>
+              <a:rPr lang="de-DE" dirty="0" err="1"/>
+              <a:t>slowest-decaying</a:t>
+            </a:r>
+            <a:r>
+              <a:rPr lang="de-DE" dirty="0"/>
+              <a:t> </a:t>
+            </a:r>
+            <a:r>
+              <a:rPr lang="de-DE" dirty="0" err="1"/>
+              <a:t>exponential</a:t>
+            </a:r>
+            <a:r>
+              <a:rPr lang="de-DE" dirty="0"/>
+              <a:t>, i.e., pole </a:t>
+            </a:r>
+            <a:r>
+              <a:rPr lang="de-DE" dirty="0" err="1"/>
+              <a:t>with</a:t>
+            </a:r>
+            <a:r>
+              <a:rPr lang="de-DE" dirty="0"/>
+              <a:t> least negative real </a:t>
+            </a:r>
+            <a:r>
+              <a:rPr lang="de-DE" dirty="0" err="1"/>
+              <a:t>part</a:t>
+            </a:r>
+            <a:r>
+              <a:rPr lang="de-DE" dirty="0"/>
+              <a:t>) </a:t>
+            </a:r>
+            <a:r>
+              <a:rPr lang="de-DE" dirty="0" err="1"/>
+              <a:t>can</a:t>
+            </a:r>
+            <a:r>
+              <a:rPr lang="de-DE" dirty="0"/>
+              <a:t> </a:t>
+            </a:r>
+            <a:r>
+              <a:rPr lang="de-DE" dirty="0" err="1"/>
+              <a:t>increase</a:t>
+            </a:r>
+            <a:r>
+              <a:rPr lang="de-DE" dirty="0"/>
+              <a:t> </a:t>
+            </a:r>
+            <a:r>
+              <a:rPr lang="de-DE" dirty="0" err="1"/>
+              <a:t>overshoot</a:t>
+            </a:r>
+            <a:r>
+              <a:rPr lang="de-DE" dirty="0"/>
+              <a:t> </a:t>
+            </a:r>
+            <a:r>
+              <a:rPr lang="de-DE" dirty="0" err="1"/>
+              <a:t>significantly</a:t>
+            </a:r>
+            <a:r>
+              <a:rPr lang="de-DE" dirty="0"/>
+              <a:t>.</a:t>
+            </a:r>
+          </a:p>
+        </p:txBody>
+      </p:sp>
       <p:sp>
         <p:nvSpPr>
           <p:cNvPr id="4" name="Foliennummernplatzhalter 3">
@@ -7808,7 +9574,7 @@
           <p:cNvPr id="2" name="Titel 1">
             <a:extLst>
               <a:ext uri="{FF2B5EF4-FFF2-40B4-BE49-F238E27FC236}">
-                <a16:creationId xmlns:a16="http://schemas.microsoft.com/office/drawing/2014/main" id="{B5DFCC16-0D2B-21AE-232A-0DDA543647C4}"/>
+                <a16:creationId xmlns:a16="http://schemas.microsoft.com/office/drawing/2014/main" id="{FA400246-61A5-767F-909C-8A5B4C446DD2}"/>
               </a:ext>
             </a:extLst>
           </p:cNvPr>
@@ -7825,130 +9591,926 @@
           <a:lstStyle/>
           <a:p>
             <a:r>
-              <a:rPr lang="de-DE" dirty="0" err="1"/>
-              <a:t>Resonance</a:t>
-            </a:r>
-            <a:endParaRPr lang="de-DE" dirty="0"/>
-          </a:p>
-        </p:txBody>
-      </p:sp>
-      <p:sp>
-        <p:nvSpPr>
-          <p:cNvPr id="3" name="Inhaltsplatzhalter 2">
-            <a:extLst>
-              <a:ext uri="{FF2B5EF4-FFF2-40B4-BE49-F238E27FC236}">
-                <a16:creationId xmlns:a16="http://schemas.microsoft.com/office/drawing/2014/main" id="{39744DD0-77F3-3905-9B5D-BBD65695955C}"/>
-              </a:ext>
-            </a:extLst>
-          </p:cNvPr>
-          <p:cNvSpPr>
-            <a:spLocks noGrp="1"/>
-          </p:cNvSpPr>
-          <p:nvPr>
-            <p:ph idx="1"/>
-          </p:nvPr>
-        </p:nvSpPr>
-        <p:spPr/>
-        <p:txBody>
-          <a:bodyPr/>
-          <a:lstStyle/>
-          <a:p>
-            <a:r>
-              <a:rPr lang="de-DE" dirty="0"/>
-              <a:t>Large </a:t>
-            </a:r>
-            <a:r>
-              <a:rPr lang="de-DE" dirty="0" err="1"/>
-              <a:t>response</a:t>
-            </a:r>
-            <a:r>
-              <a:rPr lang="de-DE" dirty="0"/>
-              <a:t> at </a:t>
-            </a:r>
-            <a:r>
-              <a:rPr lang="de-DE" dirty="0" err="1"/>
-              <a:t>certain</a:t>
-            </a:r>
-            <a:r>
-              <a:rPr lang="de-DE" dirty="0"/>
-              <a:t> </a:t>
-            </a:r>
-            <a:r>
-              <a:rPr lang="de-DE" dirty="0" err="1"/>
-              <a:t>frequencies</a:t>
-            </a:r>
-            <a:endParaRPr lang="de-DE" dirty="0"/>
-          </a:p>
-          <a:p>
-            <a:r>
-              <a:rPr lang="de-DE" dirty="0" err="1"/>
-              <a:t>Related</a:t>
-            </a:r>
-            <a:r>
-              <a:rPr lang="de-DE" dirty="0"/>
-              <a:t> </a:t>
-            </a:r>
-            <a:r>
-              <a:rPr lang="de-DE" dirty="0" err="1"/>
-              <a:t>to</a:t>
-            </a:r>
-            <a:r>
-              <a:rPr lang="de-DE" dirty="0"/>
-              <a:t> </a:t>
-            </a:r>
-            <a:r>
-              <a:rPr lang="de-DE" dirty="0" err="1"/>
-              <a:t>lightly</a:t>
-            </a:r>
-            <a:r>
-              <a:rPr lang="de-DE" dirty="0"/>
-              <a:t> </a:t>
-            </a:r>
-            <a:r>
-              <a:rPr lang="de-DE" dirty="0" err="1"/>
-              <a:t>damped</a:t>
-            </a:r>
-            <a:r>
-              <a:rPr lang="de-DE" dirty="0"/>
-              <a:t> </a:t>
-            </a:r>
-            <a:r>
-              <a:rPr lang="de-DE" dirty="0" err="1"/>
-              <a:t>poles</a:t>
-            </a:r>
-            <a:endParaRPr lang="de-DE" dirty="0"/>
-          </a:p>
-          <a:p>
-            <a:r>
-              <a:rPr lang="de-DE" dirty="0" err="1"/>
-              <a:t>Important</a:t>
-            </a:r>
-            <a:r>
-              <a:rPr lang="de-DE" dirty="0"/>
-              <a:t> in </a:t>
-            </a:r>
-            <a:r>
-              <a:rPr lang="de-DE" dirty="0" err="1"/>
-              <a:t>mechanical</a:t>
-            </a:r>
-            <a:r>
-              <a:rPr lang="de-DE" dirty="0"/>
-              <a:t> </a:t>
-            </a:r>
-            <a:r>
-              <a:rPr lang="de-DE" dirty="0" err="1"/>
-              <a:t>systems</a:t>
-            </a:r>
-            <a:endParaRPr lang="de-DE" dirty="0"/>
-          </a:p>
-        </p:txBody>
-      </p:sp>
+              <a:rPr lang="de-DE" dirty="0"/>
+              <a:t>Interpretation </a:t>
+            </a:r>
+            <a:r>
+              <a:rPr lang="de-DE" dirty="0" err="1"/>
+              <a:t>of</a:t>
+            </a:r>
+            <a:r>
+              <a:rPr lang="de-DE" dirty="0"/>
+              <a:t> Zeros</a:t>
+            </a:r>
+          </a:p>
+        </p:txBody>
+      </p:sp>
+      <mc:AlternateContent xmlns:mc="http://schemas.openxmlformats.org/markup-compatibility/2006" xmlns:a14="http://schemas.microsoft.com/office/drawing/2010/main">
+        <mc:Choice Requires="a14">
+          <p:sp>
+            <p:nvSpPr>
+              <p:cNvPr id="3" name="Inhaltsplatzhalter 2">
+                <a:extLst>
+                  <a:ext uri="{FF2B5EF4-FFF2-40B4-BE49-F238E27FC236}">
+                    <a16:creationId xmlns:a16="http://schemas.microsoft.com/office/drawing/2014/main" id="{FDEECDF6-3FEB-A177-D7A8-7BB02317806C}"/>
+                  </a:ext>
+                </a:extLst>
+              </p:cNvPr>
+              <p:cNvSpPr>
+                <a:spLocks noGrp="1"/>
+              </p:cNvSpPr>
+              <p:nvPr>
+                <p:ph idx="1"/>
+              </p:nvPr>
+            </p:nvSpPr>
+            <p:spPr/>
+            <p:txBody>
+              <a:bodyPr>
+                <a:normAutofit fontScale="85000" lnSpcReduction="20000"/>
+              </a:bodyPr>
+              <a:lstStyle/>
+              <a:p>
+                <a:pPr marL="0" indent="0">
+                  <a:buNone/>
+                </a:pPr>
+                <a:r>
+                  <a:rPr lang="de-DE" dirty="0"/>
+                  <a:t>Zeros </a:t>
+                </a:r>
+                <a:r>
+                  <a:rPr lang="de-DE" dirty="0" err="1"/>
+                  <a:t>correspond</a:t>
+                </a:r>
+                <a:r>
+                  <a:rPr lang="de-DE" dirty="0"/>
+                  <a:t> </a:t>
+                </a:r>
+                <a:r>
+                  <a:rPr lang="de-DE" dirty="0" err="1"/>
+                  <a:t>to</a:t>
+                </a:r>
+                <a:r>
+                  <a:rPr lang="de-DE" dirty="0"/>
+                  <a:t> </a:t>
+                </a:r>
+                <a:r>
+                  <a:rPr lang="de-DE" dirty="0" err="1"/>
+                  <a:t>multiplications</a:t>
+                </a:r>
+                <a:r>
+                  <a:rPr lang="de-DE" dirty="0"/>
+                  <a:t> </a:t>
+                </a:r>
+                <a:r>
+                  <a:rPr lang="de-DE" dirty="0" err="1"/>
+                  <a:t>with</a:t>
+                </a:r>
+                <a:r>
+                  <a:rPr lang="de-DE" dirty="0"/>
+                  <a:t> </a:t>
+                </a:r>
+                <a14:m>
+                  <m:oMath xmlns:m="http://schemas.openxmlformats.org/officeDocument/2006/math">
+                    <m:r>
+                      <a:rPr lang="de-DE" i="1">
+                        <a:latin typeface="Cambria Math" panose="02040503050406030204" pitchFamily="18" charset="0"/>
+                      </a:rPr>
+                      <m:t>𝑠</m:t>
+                    </m:r>
+                  </m:oMath>
+                </a14:m>
+                <a:r>
+                  <a:rPr lang="de-DE" dirty="0">
+                    <a:sym typeface="Wingdings" pitchFamily="2" charset="2"/>
+                  </a:rPr>
+                  <a:t> </a:t>
+                </a:r>
+                <a:r>
+                  <a:rPr lang="de-DE" dirty="0"/>
+                  <a:t> derivatives </a:t>
+                </a:r>
+                <a:r>
+                  <a:rPr lang="de-DE" dirty="0" err="1"/>
+                  <a:t>of</a:t>
+                </a:r>
+                <a:r>
+                  <a:rPr lang="de-DE" dirty="0"/>
+                  <a:t> </a:t>
+                </a:r>
+                <a:r>
+                  <a:rPr lang="de-DE" dirty="0" err="1"/>
+                  <a:t>the</a:t>
+                </a:r>
+                <a:r>
+                  <a:rPr lang="de-DE" dirty="0"/>
+                  <a:t> </a:t>
+                </a:r>
+                <a:r>
+                  <a:rPr lang="de-DE" dirty="0" err="1"/>
+                  <a:t>input</a:t>
+                </a:r>
+                <a:endParaRPr lang="de-DE" dirty="0"/>
+              </a:p>
+              <a:p>
+                <a:r>
+                  <a:rPr lang="de-DE" dirty="0" err="1"/>
+                  <a:t>Describe</a:t>
+                </a:r>
+                <a:r>
+                  <a:rPr lang="de-DE" dirty="0"/>
+                  <a:t> </a:t>
+                </a:r>
+                <a:r>
+                  <a:rPr lang="de-DE" dirty="0" err="1"/>
+                  <a:t>how</a:t>
+                </a:r>
+                <a:r>
+                  <a:rPr lang="de-DE" dirty="0"/>
+                  <a:t> </a:t>
+                </a:r>
+                <a:r>
+                  <a:rPr lang="de-DE" dirty="0" err="1"/>
+                  <a:t>the</a:t>
+                </a:r>
+                <a:r>
+                  <a:rPr lang="de-DE" dirty="0"/>
+                  <a:t> </a:t>
+                </a:r>
+                <a:r>
+                  <a:rPr lang="de-DE" dirty="0" err="1"/>
+                  <a:t>input</a:t>
+                </a:r>
+                <a:r>
+                  <a:rPr lang="de-DE" dirty="0"/>
+                  <a:t> </a:t>
+                </a:r>
+                <a:r>
+                  <a:rPr lang="de-DE" dirty="0" err="1"/>
+                  <a:t>excites</a:t>
+                </a:r>
+                <a:r>
+                  <a:rPr lang="de-DE" dirty="0"/>
+                  <a:t> </a:t>
+                </a:r>
+                <a:r>
+                  <a:rPr lang="de-DE" dirty="0" err="1"/>
+                  <a:t>the</a:t>
+                </a:r>
+                <a:r>
+                  <a:rPr lang="de-DE" dirty="0"/>
+                  <a:t> </a:t>
+                </a:r>
+                <a:r>
+                  <a:rPr lang="de-DE" dirty="0" err="1"/>
+                  <a:t>natural</a:t>
+                </a:r>
+                <a:r>
+                  <a:rPr lang="de-DE" dirty="0"/>
+                  <a:t> </a:t>
+                </a:r>
+                <a:r>
+                  <a:rPr lang="de-DE" dirty="0" err="1"/>
+                  <a:t>modes</a:t>
+                </a:r>
+                <a:r>
+                  <a:rPr lang="de-DE" dirty="0"/>
+                  <a:t> (</a:t>
+                </a:r>
+                <a:r>
+                  <a:rPr lang="de-DE" dirty="0" err="1"/>
+                  <a:t>described</a:t>
+                </a:r>
+                <a:r>
+                  <a:rPr lang="de-DE" dirty="0"/>
+                  <a:t> </a:t>
+                </a:r>
+                <a:r>
+                  <a:rPr lang="de-DE" dirty="0" err="1"/>
+                  <a:t>by</a:t>
+                </a:r>
+                <a:r>
+                  <a:rPr lang="de-DE" dirty="0"/>
+                  <a:t> </a:t>
+                </a:r>
+                <a:r>
+                  <a:rPr lang="de-DE" dirty="0" err="1"/>
+                  <a:t>the</a:t>
+                </a:r>
+                <a:r>
+                  <a:rPr lang="de-DE" dirty="0"/>
+                  <a:t> </a:t>
+                </a:r>
+                <a:r>
+                  <a:rPr lang="de-DE" dirty="0" err="1"/>
+                  <a:t>poles</a:t>
+                </a:r>
+                <a:r>
+                  <a:rPr lang="de-DE" dirty="0"/>
+                  <a:t>)</a:t>
+                </a:r>
+              </a:p>
+              <a:p>
+                <a:r>
+                  <a:rPr lang="de-DE" dirty="0" err="1"/>
+                  <a:t>Creates</a:t>
+                </a:r>
+                <a:r>
+                  <a:rPr lang="de-DE" dirty="0"/>
+                  <a:t> </a:t>
+                </a:r>
+                <a:r>
+                  <a:rPr lang="de-DE" dirty="0" err="1"/>
+                  <a:t>impulse</a:t>
+                </a:r>
+                <a:r>
+                  <a:rPr lang="de-DE" dirty="0"/>
+                  <a:t>-like </a:t>
+                </a:r>
+                <a:r>
+                  <a:rPr lang="de-DE" dirty="0" err="1"/>
+                  <a:t>behavior</a:t>
+                </a:r>
+                <a:r>
+                  <a:rPr lang="de-DE" dirty="0"/>
+                  <a:t> </a:t>
+                </a:r>
+                <a:r>
+                  <a:rPr lang="de-DE" dirty="0" err="1"/>
+                  <a:t>from</a:t>
+                </a:r>
+                <a:r>
+                  <a:rPr lang="de-DE" dirty="0"/>
+                  <a:t> </a:t>
+                </a:r>
+                <a:r>
+                  <a:rPr lang="de-DE" dirty="0" err="1"/>
+                  <a:t>step</a:t>
+                </a:r>
+                <a:r>
+                  <a:rPr lang="de-DE" dirty="0"/>
+                  <a:t> (</a:t>
+                </a:r>
+                <a14:m>
+                  <m:oMath xmlns:m="http://schemas.openxmlformats.org/officeDocument/2006/math">
+                    <m:f>
+                      <m:fPr>
+                        <m:type m:val="lin"/>
+                        <m:ctrlPr>
+                          <a:rPr lang="de-DE" i="1" smtClean="0">
+                            <a:latin typeface="Cambria Math" panose="02040503050406030204" pitchFamily="18" charset="0"/>
+                          </a:rPr>
+                        </m:ctrlPr>
+                      </m:fPr>
+                      <m:num>
+                        <m:r>
+                          <a:rPr lang="de-DE" b="0" i="1" smtClean="0">
+                            <a:latin typeface="Cambria Math" panose="02040503050406030204" pitchFamily="18" charset="0"/>
+                          </a:rPr>
+                          <m:t>1</m:t>
+                        </m:r>
+                      </m:num>
+                      <m:den>
+                        <m:r>
+                          <a:rPr lang="de-DE" b="0" i="1" smtClean="0">
+                            <a:latin typeface="Cambria Math" panose="02040503050406030204" pitchFamily="18" charset="0"/>
+                          </a:rPr>
+                          <m:t>𝑠</m:t>
+                        </m:r>
+                      </m:den>
+                    </m:f>
+                  </m:oMath>
+                </a14:m>
+                <a:r>
+                  <a:rPr lang="de-DE" dirty="0"/>
+                  <a:t>) </a:t>
+                </a:r>
+                <a:r>
+                  <a:rPr lang="de-DE" dirty="0">
+                    <a:sym typeface="Wingdings" pitchFamily="2" charset="2"/>
+                  </a:rPr>
+                  <a:t> </a:t>
+                </a:r>
+                <a:r>
+                  <a:rPr lang="de-DE" dirty="0" err="1">
+                    <a:sym typeface="Wingdings" pitchFamily="2" charset="2"/>
+                  </a:rPr>
+                  <a:t>faster</a:t>
+                </a:r>
+                <a:r>
+                  <a:rPr lang="de-DE" dirty="0">
+                    <a:sym typeface="Wingdings" pitchFamily="2" charset="2"/>
+                  </a:rPr>
+                  <a:t> initial </a:t>
+                </a:r>
+                <a:r>
+                  <a:rPr lang="de-DE" dirty="0" err="1">
+                    <a:sym typeface="Wingdings" pitchFamily="2" charset="2"/>
+                  </a:rPr>
+                  <a:t>rise</a:t>
+                </a:r>
+                <a:endParaRPr lang="de-DE" dirty="0"/>
+              </a:p>
+              <a:p>
+                <a:r>
+                  <a:rPr lang="de-DE" dirty="0" err="1">
+                    <a:sym typeface="Wingdings" pitchFamily="2" charset="2"/>
+                  </a:rPr>
+                  <a:t>One</a:t>
+                </a:r>
+                <a:r>
+                  <a:rPr lang="de-DE" dirty="0">
+                    <a:sym typeface="Wingdings" pitchFamily="2" charset="2"/>
+                  </a:rPr>
+                  <a:t> </a:t>
+                </a:r>
+                <a:r>
+                  <a:rPr lang="de-DE" dirty="0" err="1">
+                    <a:sym typeface="Wingdings" pitchFamily="2" charset="2"/>
+                  </a:rPr>
+                  <a:t>can</a:t>
+                </a:r>
+                <a:r>
+                  <a:rPr lang="de-DE" dirty="0">
+                    <a:sym typeface="Wingdings" pitchFamily="2" charset="2"/>
+                  </a:rPr>
+                  <a:t> </a:t>
+                </a:r>
+                <a:r>
+                  <a:rPr lang="de-DE" dirty="0" err="1">
+                    <a:sym typeface="Wingdings" pitchFamily="2" charset="2"/>
+                  </a:rPr>
+                  <a:t>cancel</a:t>
+                </a:r>
+                <a:r>
+                  <a:rPr lang="de-DE" dirty="0">
+                    <a:sym typeface="Wingdings" pitchFamily="2" charset="2"/>
+                  </a:rPr>
+                  <a:t> a pole </a:t>
+                </a:r>
+                <a:r>
+                  <a:rPr lang="de-DE" dirty="0" err="1">
+                    <a:sym typeface="Wingdings" pitchFamily="2" charset="2"/>
+                  </a:rPr>
+                  <a:t>with</a:t>
+                </a:r>
+                <a:r>
+                  <a:rPr lang="de-DE" dirty="0">
+                    <a:sym typeface="Wingdings" pitchFamily="2" charset="2"/>
+                  </a:rPr>
+                  <a:t> a </a:t>
+                </a:r>
+                <a:r>
+                  <a:rPr lang="de-DE" dirty="0" err="1">
+                    <a:sym typeface="Wingdings" pitchFamily="2" charset="2"/>
+                  </a:rPr>
+                  <a:t>zero</a:t>
+                </a:r>
+                <a:r>
+                  <a:rPr lang="de-DE" dirty="0">
+                    <a:sym typeface="Wingdings" pitchFamily="2" charset="2"/>
+                  </a:rPr>
+                  <a:t>  </a:t>
+                </a:r>
+                <a:r>
+                  <a:rPr lang="de-DE" dirty="0" err="1">
+                    <a:sym typeface="Wingdings" pitchFamily="2" charset="2"/>
+                  </a:rPr>
+                  <a:t>corresponding</a:t>
+                </a:r>
+                <a:r>
+                  <a:rPr lang="de-DE" dirty="0">
+                    <a:sym typeface="Wingdings" pitchFamily="2" charset="2"/>
+                  </a:rPr>
+                  <a:t> </a:t>
+                </a:r>
+                <a:r>
+                  <a:rPr lang="de-DE" dirty="0" err="1"/>
+                  <a:t>exponential</a:t>
+                </a:r>
+                <a:r>
+                  <a:rPr lang="de-DE" dirty="0"/>
+                  <a:t> </a:t>
+                </a:r>
+                <a:r>
+                  <a:rPr lang="de-DE" dirty="0" err="1"/>
+                  <a:t>term</a:t>
+                </a:r>
+                <a:r>
+                  <a:rPr lang="de-DE" dirty="0"/>
+                  <a:t> </a:t>
+                </a:r>
+                <a:r>
+                  <a:rPr lang="de-DE" dirty="0" err="1"/>
+                  <a:t>of</a:t>
+                </a:r>
+                <a:r>
+                  <a:rPr lang="de-DE" dirty="0"/>
+                  <a:t> </a:t>
+                </a:r>
+                <a:r>
+                  <a:rPr lang="de-DE" dirty="0" err="1"/>
+                  <a:t>the</a:t>
+                </a:r>
+                <a:r>
+                  <a:rPr lang="de-DE" dirty="0"/>
+                  <a:t> pole </a:t>
+                </a:r>
+                <a:r>
+                  <a:rPr lang="de-DE" dirty="0" err="1"/>
+                  <a:t>disappears</a:t>
+                </a:r>
+                <a:r>
+                  <a:rPr lang="de-DE" dirty="0"/>
+                  <a:t> </a:t>
+                </a:r>
+                <a:r>
+                  <a:rPr lang="de-DE" dirty="0" err="1"/>
+                  <a:t>from</a:t>
+                </a:r>
+                <a:r>
+                  <a:rPr lang="de-DE" dirty="0"/>
+                  <a:t> </a:t>
+                </a:r>
+                <a:r>
+                  <a:rPr lang="de-DE" dirty="0" err="1"/>
+                  <a:t>the</a:t>
+                </a:r>
+                <a:r>
+                  <a:rPr lang="de-DE" dirty="0"/>
+                  <a:t> </a:t>
+                </a:r>
+                <a:r>
+                  <a:rPr lang="de-DE" dirty="0" err="1"/>
+                  <a:t>forced</a:t>
+                </a:r>
+                <a:r>
+                  <a:rPr lang="de-DE" dirty="0"/>
+                  <a:t> </a:t>
+                </a:r>
+                <a:r>
+                  <a:rPr lang="de-DE" dirty="0" err="1"/>
+                  <a:t>response</a:t>
+                </a:r>
+                <a:endParaRPr lang="de-DE" dirty="0"/>
+              </a:p>
+              <a:p>
+                <a:r>
+                  <a:rPr lang="de-DE" dirty="0" err="1"/>
+                  <a:t>Amplification</a:t>
+                </a:r>
+                <a:r>
+                  <a:rPr lang="de-DE" dirty="0"/>
+                  <a:t> </a:t>
+                </a:r>
+                <a:r>
+                  <a:rPr lang="de-DE" dirty="0" err="1"/>
+                  <a:t>of</a:t>
+                </a:r>
+                <a:r>
+                  <a:rPr lang="de-DE" dirty="0"/>
+                  <a:t> </a:t>
+                </a:r>
+                <a:r>
+                  <a:rPr lang="de-DE" dirty="0" err="1"/>
+                  <a:t>higher</a:t>
+                </a:r>
+                <a:r>
+                  <a:rPr lang="de-DE" dirty="0"/>
+                  <a:t> </a:t>
+                </a:r>
+                <a:r>
+                  <a:rPr lang="de-DE" dirty="0" err="1"/>
+                  <a:t>frequencies</a:t>
+                </a:r>
+                <a:r>
+                  <a:rPr lang="de-DE" dirty="0"/>
+                  <a:t> (</a:t>
+                </a:r>
+                <a14:m>
+                  <m:oMath xmlns:m="http://schemas.openxmlformats.org/officeDocument/2006/math">
+                    <m:f>
+                      <m:fPr>
+                        <m:ctrlPr>
+                          <a:rPr lang="de-DE" i="1" smtClean="0">
+                            <a:latin typeface="Cambria Math" panose="02040503050406030204" pitchFamily="18" charset="0"/>
+                          </a:rPr>
+                        </m:ctrlPr>
+                      </m:fPr>
+                      <m:num>
+                        <m:r>
+                          <a:rPr lang="de-DE" i="1" smtClean="0">
+                            <a:latin typeface="Cambria Math" panose="02040503050406030204" pitchFamily="18" charset="0"/>
+                          </a:rPr>
+                          <m:t>𝑑</m:t>
+                        </m:r>
+                      </m:num>
+                      <m:den>
+                        <m:r>
+                          <a:rPr lang="de-DE" i="1" smtClean="0">
+                            <a:latin typeface="Cambria Math" panose="02040503050406030204" pitchFamily="18" charset="0"/>
+                          </a:rPr>
+                          <m:t>𝑑</m:t>
+                        </m:r>
+                        <m:r>
+                          <a:rPr lang="de-DE" b="0" i="1" smtClean="0">
+                            <a:latin typeface="Cambria Math" panose="02040503050406030204" pitchFamily="18" charset="0"/>
+                          </a:rPr>
+                          <m:t>𝑡</m:t>
+                        </m:r>
+                      </m:den>
+                    </m:f>
+                    <m:func>
+                      <m:funcPr>
+                        <m:ctrlPr>
+                          <a:rPr lang="de-DE" i="1" smtClean="0">
+                            <a:latin typeface="Cambria Math" panose="02040503050406030204" pitchFamily="18" charset="0"/>
+                          </a:rPr>
+                        </m:ctrlPr>
+                      </m:funcPr>
+                      <m:fName>
+                        <m:r>
+                          <m:rPr>
+                            <m:sty m:val="p"/>
+                          </m:rPr>
+                          <a:rPr lang="de-DE" i="0" smtClean="0">
+                            <a:latin typeface="Cambria Math" panose="02040503050406030204" pitchFamily="18" charset="0"/>
+                          </a:rPr>
+                          <m:t>sin</m:t>
+                        </m:r>
+                      </m:fName>
+                      <m:e>
+                        <m:r>
+                          <a:rPr lang="de-DE" i="1" smtClean="0">
+                            <a:latin typeface="Cambria Math" panose="02040503050406030204" pitchFamily="18" charset="0"/>
+                            <a:ea typeface="Cambria Math" panose="02040503050406030204" pitchFamily="18" charset="0"/>
+                          </a:rPr>
+                          <m:t>𝜔</m:t>
+                        </m:r>
+                        <m:r>
+                          <a:rPr lang="de-DE" b="0" i="1" smtClean="0">
+                            <a:latin typeface="Cambria Math" panose="02040503050406030204" pitchFamily="18" charset="0"/>
+                            <a:ea typeface="Cambria Math" panose="02040503050406030204" pitchFamily="18" charset="0"/>
+                          </a:rPr>
+                          <m:t>𝑡</m:t>
+                        </m:r>
+                      </m:e>
+                    </m:func>
+                    <m:r>
+                      <a:rPr lang="de-DE" b="0" i="1" smtClean="0">
+                        <a:latin typeface="Cambria Math" panose="02040503050406030204" pitchFamily="18" charset="0"/>
+                      </a:rPr>
+                      <m:t>=</m:t>
+                    </m:r>
+                    <m:r>
+                      <a:rPr lang="de-DE" b="0" i="1" smtClean="0">
+                        <a:latin typeface="Cambria Math" panose="02040503050406030204" pitchFamily="18" charset="0"/>
+                        <a:ea typeface="Cambria Math" panose="02040503050406030204" pitchFamily="18" charset="0"/>
+                      </a:rPr>
+                      <m:t>𝜔</m:t>
+                    </m:r>
+                    <m:r>
+                      <a:rPr lang="de-DE" b="0" i="1" smtClean="0">
+                        <a:latin typeface="Cambria Math" panose="02040503050406030204" pitchFamily="18" charset="0"/>
+                        <a:ea typeface="Cambria Math" panose="02040503050406030204" pitchFamily="18" charset="0"/>
+                      </a:rPr>
+                      <m:t>∙</m:t>
+                    </m:r>
+                    <m:func>
+                      <m:funcPr>
+                        <m:ctrlPr>
+                          <a:rPr lang="de-DE" b="0" i="1" smtClean="0">
+                            <a:latin typeface="Cambria Math" panose="02040503050406030204" pitchFamily="18" charset="0"/>
+                            <a:ea typeface="Cambria Math" panose="02040503050406030204" pitchFamily="18" charset="0"/>
+                          </a:rPr>
+                        </m:ctrlPr>
+                      </m:funcPr>
+                      <m:fName>
+                        <m:r>
+                          <m:rPr>
+                            <m:sty m:val="p"/>
+                          </m:rPr>
+                          <a:rPr lang="de-DE" b="0" i="0" smtClean="0">
+                            <a:latin typeface="Cambria Math" panose="02040503050406030204" pitchFamily="18" charset="0"/>
+                            <a:ea typeface="Cambria Math" panose="02040503050406030204" pitchFamily="18" charset="0"/>
+                          </a:rPr>
+                          <m:t>cos</m:t>
+                        </m:r>
+                      </m:fName>
+                      <m:e>
+                        <m:r>
+                          <a:rPr lang="de-DE" b="0" i="1" smtClean="0">
+                            <a:latin typeface="Cambria Math" panose="02040503050406030204" pitchFamily="18" charset="0"/>
+                            <a:ea typeface="Cambria Math" panose="02040503050406030204" pitchFamily="18" charset="0"/>
+                          </a:rPr>
+                          <m:t>𝜔</m:t>
+                        </m:r>
+                        <m:r>
+                          <a:rPr lang="de-DE" b="0" i="1" smtClean="0">
+                            <a:latin typeface="Cambria Math" panose="02040503050406030204" pitchFamily="18" charset="0"/>
+                            <a:ea typeface="Cambria Math" panose="02040503050406030204" pitchFamily="18" charset="0"/>
+                          </a:rPr>
+                          <m:t>𝑡</m:t>
+                        </m:r>
+                      </m:e>
+                    </m:func>
+                  </m:oMath>
+                </a14:m>
+                <a:r>
+                  <a:rPr lang="de-DE" dirty="0"/>
+                  <a:t>)</a:t>
+                </a:r>
+              </a:p>
+              <a:p>
+                <a:pPr marL="0" indent="0">
+                  <a:buNone/>
+                </a:pPr>
+                <a:endParaRPr lang="de-DE" dirty="0"/>
+              </a:p>
+              <a:p>
+                <a:pPr marL="0" indent="0">
+                  <a:buNone/>
+                </a:pPr>
+                <a:r>
+                  <a:rPr lang="de-DE" dirty="0" err="1"/>
+                  <a:t>Frequency-selective</a:t>
+                </a:r>
+                <a:r>
+                  <a:rPr lang="de-DE" dirty="0"/>
+                  <a:t> </a:t>
+                </a:r>
+                <a:r>
+                  <a:rPr lang="de-DE" dirty="0" err="1"/>
+                  <a:t>property</a:t>
+                </a:r>
+                <a:r>
+                  <a:rPr lang="de-DE" dirty="0"/>
+                  <a:t>: </a:t>
+                </a:r>
+                <a:r>
+                  <a:rPr lang="de-DE" dirty="0" err="1"/>
+                  <a:t>system</a:t>
+                </a:r>
+                <a:r>
+                  <a:rPr lang="de-DE" dirty="0"/>
+                  <a:t> </a:t>
+                </a:r>
+                <a:r>
+                  <a:rPr lang="de-DE" dirty="0" err="1"/>
+                  <a:t>blocks</a:t>
+                </a:r>
+                <a:r>
+                  <a:rPr lang="de-DE" dirty="0"/>
+                  <a:t> </a:t>
+                </a:r>
+                <a:r>
+                  <a:rPr lang="de-DE" dirty="0" err="1"/>
+                  <a:t>steady-state</a:t>
+                </a:r>
+                <a:r>
+                  <a:rPr lang="de-DE" dirty="0"/>
+                  <a:t> </a:t>
+                </a:r>
+                <a:r>
+                  <a:rPr lang="de-DE" dirty="0" err="1"/>
+                  <a:t>sinusoidal</a:t>
+                </a:r>
+                <a:r>
+                  <a:rPr lang="de-DE" dirty="0"/>
+                  <a:t> </a:t>
+                </a:r>
+                <a:r>
+                  <a:rPr lang="de-DE" dirty="0" err="1"/>
+                  <a:t>response</a:t>
+                </a:r>
+                <a:r>
+                  <a:rPr lang="de-DE" dirty="0"/>
+                  <a:t> </a:t>
+                </a:r>
+                <a:r>
+                  <a:rPr lang="de-DE" dirty="0" err="1"/>
+                  <a:t>of</a:t>
+                </a:r>
+                <a:r>
+                  <a:rPr lang="de-DE" dirty="0"/>
+                  <a:t> </a:t>
+                </a:r>
+                <a:r>
+                  <a:rPr lang="de-DE" dirty="0" err="1"/>
+                  <a:t>complex</a:t>
+                </a:r>
+                <a:r>
+                  <a:rPr lang="de-DE" dirty="0"/>
+                  <a:t> </a:t>
+                </a:r>
+                <a:r>
+                  <a:rPr lang="de-DE" dirty="0" err="1"/>
+                  <a:t>frequency</a:t>
+                </a:r>
+                <a:r>
+                  <a:rPr lang="de-DE" dirty="0"/>
+                  <a:t> </a:t>
+                </a:r>
+                <a:r>
+                  <a:rPr lang="de-DE" dirty="0" err="1"/>
+                  <a:t>of</a:t>
+                </a:r>
+                <a:r>
+                  <a:rPr lang="de-DE" dirty="0"/>
+                  <a:t> a </a:t>
+                </a:r>
+                <a:r>
+                  <a:rPr lang="de-DE" dirty="0" err="1"/>
+                  <a:t>zero</a:t>
+                </a:r>
+                <a:r>
+                  <a:rPr lang="de-DE" dirty="0"/>
+                  <a:t> (</a:t>
+                </a:r>
+                <a:r>
+                  <a:rPr lang="de-DE" dirty="0" err="1"/>
+                  <a:t>despite</a:t>
+                </a:r>
+                <a:r>
+                  <a:rPr lang="de-DE" dirty="0"/>
+                  <a:t> </a:t>
+                </a:r>
+                <a:r>
+                  <a:rPr lang="de-DE" dirty="0" err="1"/>
+                  <a:t>nonzero</a:t>
+                </a:r>
+                <a:r>
+                  <a:rPr lang="de-DE" dirty="0"/>
+                  <a:t> </a:t>
+                </a:r>
+                <a:r>
+                  <a:rPr lang="de-DE" dirty="0" err="1"/>
+                  <a:t>input</a:t>
+                </a:r>
+                <a:r>
+                  <a:rPr lang="de-DE" dirty="0"/>
+                  <a:t>)</a:t>
+                </a:r>
+              </a:p>
+              <a:p>
+                <a:pPr marL="0" indent="0">
+                  <a:buNone/>
+                </a:pPr>
+                <a:endParaRPr lang="de-DE" dirty="0"/>
+              </a:p>
+              <a:p>
+                <a:pPr marL="0" indent="0">
+                  <a:buNone/>
+                </a:pPr>
+                <a:r>
+                  <a:rPr lang="de-DE" dirty="0"/>
+                  <a:t>More </a:t>
+                </a:r>
+                <a:r>
+                  <a:rPr lang="de-DE" dirty="0" err="1"/>
+                  <a:t>zeros</a:t>
+                </a:r>
+                <a:r>
+                  <a:rPr lang="de-DE" dirty="0"/>
+                  <a:t> </a:t>
+                </a:r>
+                <a:r>
+                  <a:rPr lang="de-DE" dirty="0" err="1"/>
+                  <a:t>mean</a:t>
+                </a:r>
+                <a:r>
+                  <a:rPr lang="de-DE" dirty="0"/>
+                  <a:t> a </a:t>
+                </a:r>
+                <a:r>
+                  <a:rPr lang="de-DE" dirty="0" err="1"/>
+                  <a:t>stronger</a:t>
+                </a:r>
+                <a:r>
+                  <a:rPr lang="de-DE" dirty="0"/>
+                  <a:t> </a:t>
+                </a:r>
+                <a:r>
+                  <a:rPr lang="de-DE" dirty="0" err="1"/>
+                  <a:t>shaping</a:t>
+                </a:r>
+                <a:r>
+                  <a:rPr lang="de-DE" dirty="0"/>
+                  <a:t> </a:t>
+                </a:r>
+                <a:r>
+                  <a:rPr lang="de-DE" dirty="0" err="1"/>
+                  <a:t>of</a:t>
+                </a:r>
+                <a:r>
+                  <a:rPr lang="de-DE" dirty="0"/>
+                  <a:t> </a:t>
+                </a:r>
+                <a:r>
+                  <a:rPr lang="de-DE" dirty="0" err="1"/>
+                  <a:t>the</a:t>
+                </a:r>
+                <a:r>
+                  <a:rPr lang="de-DE" dirty="0"/>
+                  <a:t> </a:t>
+                </a:r>
+                <a:r>
+                  <a:rPr lang="de-DE" dirty="0" err="1"/>
+                  <a:t>input</a:t>
+                </a:r>
+                <a:r>
+                  <a:rPr lang="de-DE" dirty="0"/>
+                  <a:t> </a:t>
+                </a:r>
+                <a:r>
+                  <a:rPr lang="de-DE" dirty="0" err="1"/>
+                  <a:t>response</a:t>
+                </a:r>
+                <a:r>
+                  <a:rPr lang="de-DE" dirty="0"/>
+                  <a:t> and an </a:t>
+                </a:r>
+                <a:r>
+                  <a:rPr lang="de-DE" dirty="0" err="1"/>
+                  <a:t>increase</a:t>
+                </a:r>
+                <a:r>
+                  <a:rPr lang="de-DE" dirty="0"/>
+                  <a:t> </a:t>
+                </a:r>
+                <a:r>
+                  <a:rPr lang="de-DE" dirty="0" err="1"/>
+                  <a:t>of</a:t>
+                </a:r>
+                <a:r>
+                  <a:rPr lang="de-DE" dirty="0"/>
+                  <a:t> high-</a:t>
+                </a:r>
+                <a:r>
+                  <a:rPr lang="de-DE" dirty="0" err="1"/>
+                  <a:t>frequency</a:t>
+                </a:r>
+                <a:r>
+                  <a:rPr lang="de-DE" dirty="0"/>
+                  <a:t> </a:t>
+                </a:r>
+                <a:r>
+                  <a:rPr lang="de-DE" dirty="0" err="1"/>
+                  <a:t>gain</a:t>
+                </a:r>
+                <a:r>
+                  <a:rPr lang="de-DE" dirty="0"/>
+                  <a:t>.</a:t>
+                </a:r>
+              </a:p>
+            </p:txBody>
+          </p:sp>
+        </mc:Choice>
+        <mc:Fallback xmlns="">
+          <p:sp>
+            <p:nvSpPr>
+              <p:cNvPr id="3" name="Inhaltsplatzhalter 2">
+                <a:extLst>
+                  <a:ext uri="{FF2B5EF4-FFF2-40B4-BE49-F238E27FC236}">
+                    <a16:creationId xmlns:a16="http://schemas.microsoft.com/office/drawing/2014/main" id="{FDEECDF6-3FEB-A177-D7A8-7BB02317806C}"/>
+                  </a:ext>
+                </a:extLst>
+              </p:cNvPr>
+              <p:cNvSpPr>
+                <a:spLocks noGrp="1" noRot="1" noChangeAspect="1" noMove="1" noResize="1" noEditPoints="1" noAdjustHandles="1" noChangeArrowheads="1" noChangeShapeType="1" noTextEdit="1"/>
+              </p:cNvSpPr>
+              <p:nvPr>
+                <p:ph idx="1"/>
+              </p:nvPr>
+            </p:nvSpPr>
+            <p:spPr>
+              <a:blipFill>
+                <a:blip r:embed="rId2"/>
+                <a:stretch>
+                  <a:fillRect l="-965" t="-3198" r="-121" b="-2326"/>
+                </a:stretch>
+              </a:blipFill>
+            </p:spPr>
+            <p:txBody>
+              <a:bodyPr/>
+              <a:lstStyle/>
+              <a:p>
+                <a:r>
+                  <a:rPr lang="de-DE">
+                    <a:noFill/>
+                  </a:rPr>
+                  <a:t> </a:t>
+                </a:r>
+              </a:p>
+            </p:txBody>
+          </p:sp>
+        </mc:Fallback>
+      </mc:AlternateContent>
       <p:sp>
         <p:nvSpPr>
           <p:cNvPr id="4" name="Foliennummernplatzhalter 3">
             <a:extLst>
               <a:ext uri="{FF2B5EF4-FFF2-40B4-BE49-F238E27FC236}">
-                <a16:creationId xmlns:a16="http://schemas.microsoft.com/office/drawing/2014/main" id="{918F3785-E407-2135-F374-A57AC02B317E}"/>
+                <a16:creationId xmlns:a16="http://schemas.microsoft.com/office/drawing/2014/main" id="{F75A1E12-F588-EDED-8AD9-0CC86AD6B7B4}"/>
               </a:ext>
             </a:extLst>
           </p:cNvPr>
@@ -7972,10 +10534,98 @@
           </a:p>
         </p:txBody>
       </p:sp>
+      <p:sp>
+        <p:nvSpPr>
+          <p:cNvPr id="5" name="Textfeld 4">
+            <a:extLst>
+              <a:ext uri="{FF2B5EF4-FFF2-40B4-BE49-F238E27FC236}">
+                <a16:creationId xmlns:a16="http://schemas.microsoft.com/office/drawing/2014/main" id="{7E10F2AA-6871-F9EE-6FE9-AA54AF034574}"/>
+              </a:ext>
+            </a:extLst>
+          </p:cNvPr>
+          <p:cNvSpPr txBox="1"/>
+          <p:nvPr/>
+        </p:nvSpPr>
+        <p:spPr>
+          <a:xfrm>
+            <a:off x="8368748" y="230188"/>
+            <a:ext cx="3516795" cy="646331"/>
+          </a:xfrm>
+          <a:prstGeom prst="rect">
+            <a:avLst/>
+          </a:prstGeom>
+          <a:noFill/>
+          <a:ln>
+            <a:solidFill>
+              <a:schemeClr val="tx1"/>
+            </a:solidFill>
+          </a:ln>
+        </p:spPr>
+        <p:txBody>
+          <a:bodyPr wrap="square" rtlCol="0">
+            <a:spAutoFit/>
+          </a:bodyPr>
+          <a:lstStyle/>
+          <a:p>
+            <a:r>
+              <a:rPr lang="de-DE" dirty="0"/>
+              <a:t>Zeros </a:t>
+            </a:r>
+            <a:r>
+              <a:rPr lang="de-DE" dirty="0" err="1"/>
+              <a:t>alone</a:t>
+            </a:r>
+            <a:r>
+              <a:rPr lang="de-DE" dirty="0"/>
+              <a:t> do not </a:t>
+            </a:r>
+            <a:r>
+              <a:rPr lang="de-DE" dirty="0" err="1"/>
+              <a:t>make</a:t>
+            </a:r>
+            <a:r>
+              <a:rPr lang="de-DE" dirty="0"/>
+              <a:t> a </a:t>
+            </a:r>
+            <a:r>
+              <a:rPr lang="de-DE" dirty="0" err="1"/>
+              <a:t>system</a:t>
+            </a:r>
+            <a:r>
+              <a:rPr lang="de-DE" dirty="0"/>
+              <a:t> </a:t>
+            </a:r>
+            <a:r>
+              <a:rPr lang="de-DE" dirty="0" err="1"/>
+              <a:t>unstable</a:t>
+            </a:r>
+            <a:r>
+              <a:rPr lang="de-DE" dirty="0"/>
+              <a:t>, </a:t>
+            </a:r>
+            <a:r>
+              <a:rPr lang="de-DE" dirty="0" err="1"/>
+              <a:t>only</a:t>
+            </a:r>
+            <a:r>
+              <a:rPr lang="de-DE" dirty="0"/>
+              <a:t> </a:t>
+            </a:r>
+            <a:r>
+              <a:rPr lang="de-DE" dirty="0" err="1"/>
+              <a:t>poles</a:t>
+            </a:r>
+            <a:r>
+              <a:rPr lang="de-DE" dirty="0"/>
+              <a:t> in RHP do.</a:t>
+            </a:r>
+          </a:p>
+        </p:txBody>
+      </p:sp>
     </p:spTree>
     <p:extLst>
       <p:ext uri="{BB962C8B-B14F-4D97-AF65-F5344CB8AC3E}">
-        <p14:creationId xmlns:p14="http://schemas.microsoft.com/office/powerpoint/2010/main" val="1490908636"/>
+        <p14:creationId xmlns:p14="http://schemas.microsoft.com/office/powerpoint/2010/main" val="77516454"/>
       </p:ext>
     </p:extLst>
   </p:cSld>

--- a/slides/4_stability.pptx
+++ b/slides/4_stability.pptx
@@ -5,7 +5,7 @@
     <p:sldMasterId id="2147483648" r:id="rId1"/>
   </p:sldMasterIdLst>
   <p:notesMasterIdLst>
-    <p:notesMasterId r:id="rId19"/>
+    <p:notesMasterId r:id="rId20"/>
   </p:notesMasterIdLst>
   <p:sldIdLst>
     <p:sldId id="256" r:id="rId2"/>
@@ -22,9 +22,10 @@
     <p:sldId id="298" r:id="rId13"/>
     <p:sldId id="271" r:id="rId14"/>
     <p:sldId id="270" r:id="rId15"/>
-    <p:sldId id="273" r:id="rId16"/>
-    <p:sldId id="274" r:id="rId17"/>
-    <p:sldId id="275" r:id="rId18"/>
+    <p:sldId id="300" r:id="rId16"/>
+    <p:sldId id="273" r:id="rId17"/>
+    <p:sldId id="274" r:id="rId18"/>
+    <p:sldId id="275" r:id="rId19"/>
   </p:sldIdLst>
   <p:sldSz cx="12192000" cy="6858000"/>
   <p:notesSz cx="6858000" cy="9144000"/>
@@ -5581,117 +5582,680 @@
           </a:p>
         </p:txBody>
       </p:sp>
-      <p:sp>
-        <p:nvSpPr>
-          <p:cNvPr id="3" name="Inhaltsplatzhalter 2">
-            <a:extLst>
-              <a:ext uri="{FF2B5EF4-FFF2-40B4-BE49-F238E27FC236}">
-                <a16:creationId xmlns:a16="http://schemas.microsoft.com/office/drawing/2014/main" id="{39744DD0-77F3-3905-9B5D-BBD65695955C}"/>
-              </a:ext>
-            </a:extLst>
-          </p:cNvPr>
-          <p:cNvSpPr>
-            <a:spLocks noGrp="1"/>
-          </p:cNvSpPr>
-          <p:nvPr>
-            <p:ph idx="1"/>
-          </p:nvPr>
-        </p:nvSpPr>
-        <p:spPr/>
-        <p:txBody>
-          <a:bodyPr/>
-          <a:lstStyle/>
-          <a:p>
-            <a:r>
-              <a:rPr lang="de-DE" dirty="0"/>
-              <a:t>Large </a:t>
-            </a:r>
-            <a:r>
-              <a:rPr lang="de-DE" dirty="0" err="1"/>
-              <a:t>response</a:t>
-            </a:r>
-            <a:r>
-              <a:rPr lang="de-DE" dirty="0"/>
-              <a:t> at </a:t>
-            </a:r>
-            <a:r>
-              <a:rPr lang="de-DE" dirty="0" err="1"/>
-              <a:t>certain</a:t>
-            </a:r>
-            <a:r>
-              <a:rPr lang="de-DE" dirty="0"/>
-              <a:t> </a:t>
-            </a:r>
-            <a:r>
-              <a:rPr lang="de-DE" dirty="0" err="1"/>
-              <a:t>frequencies</a:t>
-            </a:r>
-            <a:endParaRPr lang="de-DE" dirty="0"/>
-          </a:p>
-          <a:p>
-            <a:r>
-              <a:rPr lang="de-DE" dirty="0" err="1"/>
-              <a:t>Related</a:t>
-            </a:r>
-            <a:r>
-              <a:rPr lang="de-DE" dirty="0"/>
-              <a:t> </a:t>
-            </a:r>
-            <a:r>
-              <a:rPr lang="de-DE" dirty="0" err="1"/>
-              <a:t>to</a:t>
-            </a:r>
-            <a:r>
-              <a:rPr lang="de-DE" dirty="0"/>
-              <a:t> </a:t>
-            </a:r>
-            <a:r>
-              <a:rPr lang="de-DE" dirty="0" err="1"/>
-              <a:t>lightly</a:t>
-            </a:r>
-            <a:r>
-              <a:rPr lang="de-DE" dirty="0"/>
-              <a:t> </a:t>
-            </a:r>
-            <a:r>
-              <a:rPr lang="de-DE" dirty="0" err="1"/>
-              <a:t>damped</a:t>
-            </a:r>
-            <a:r>
-              <a:rPr lang="de-DE" dirty="0"/>
-              <a:t> </a:t>
-            </a:r>
-            <a:r>
-              <a:rPr lang="de-DE" dirty="0" err="1"/>
-              <a:t>poles</a:t>
-            </a:r>
-            <a:endParaRPr lang="de-DE" dirty="0"/>
-          </a:p>
-          <a:p>
-            <a:r>
-              <a:rPr lang="de-DE" dirty="0" err="1"/>
-              <a:t>Important</a:t>
-            </a:r>
-            <a:r>
-              <a:rPr lang="de-DE" dirty="0"/>
-              <a:t> in </a:t>
-            </a:r>
-            <a:r>
-              <a:rPr lang="de-DE" dirty="0" err="1"/>
-              <a:t>mechanical</a:t>
-            </a:r>
-            <a:r>
-              <a:rPr lang="de-DE" dirty="0"/>
-              <a:t> </a:t>
-            </a:r>
-            <a:r>
-              <a:rPr lang="de-DE" dirty="0" err="1"/>
-              <a:t>systems</a:t>
-            </a:r>
-            <a:endParaRPr lang="de-DE" dirty="0"/>
-          </a:p>
-        </p:txBody>
-      </p:sp>
+      <mc:AlternateContent xmlns:mc="http://schemas.openxmlformats.org/markup-compatibility/2006">
+        <mc:Choice xmlns:a14="http://schemas.microsoft.com/office/drawing/2010/main" Requires="a14">
+          <p:sp>
+            <p:nvSpPr>
+              <p:cNvPr id="3" name="Inhaltsplatzhalter 2">
+                <a:extLst>
+                  <a:ext uri="{FF2B5EF4-FFF2-40B4-BE49-F238E27FC236}">
+                    <a16:creationId xmlns:a16="http://schemas.microsoft.com/office/drawing/2014/main" id="{39744DD0-77F3-3905-9B5D-BBD65695955C}"/>
+                  </a:ext>
+                </a:extLst>
+              </p:cNvPr>
+              <p:cNvSpPr>
+                <a:spLocks noGrp="1"/>
+              </p:cNvSpPr>
+              <p:nvPr>
+                <p:ph idx="1"/>
+              </p:nvPr>
+            </p:nvSpPr>
+            <p:spPr/>
+            <p:txBody>
+              <a:bodyPr>
+                <a:normAutofit fontScale="77500" lnSpcReduction="20000"/>
+              </a:bodyPr>
+              <a:lstStyle/>
+              <a:p>
+                <a:pPr marL="0" indent="0">
+                  <a:buNone/>
+                </a:pPr>
+                <a:r>
+                  <a:rPr lang="de-DE" dirty="0"/>
+                  <a:t>Large </a:t>
+                </a:r>
+                <a:r>
+                  <a:rPr lang="de-DE" dirty="0" err="1"/>
+                  <a:t>response</a:t>
+                </a:r>
+                <a:r>
+                  <a:rPr lang="de-DE" dirty="0"/>
+                  <a:t> at </a:t>
+                </a:r>
+                <a:r>
+                  <a:rPr lang="de-DE" dirty="0" err="1"/>
+                  <a:t>certain</a:t>
+                </a:r>
+                <a:r>
+                  <a:rPr lang="de-DE" dirty="0"/>
+                  <a:t> </a:t>
+                </a:r>
+                <a:r>
+                  <a:rPr lang="de-DE" dirty="0" err="1"/>
+                  <a:t>frequencies</a:t>
+                </a:r>
+                <a:r>
+                  <a:rPr lang="de-DE" dirty="0"/>
+                  <a:t> (</a:t>
+                </a:r>
+                <a:r>
+                  <a:rPr lang="de-DE" dirty="0" err="1"/>
+                  <a:t>if</a:t>
+                </a:r>
+                <a:r>
+                  <a:rPr lang="de-DE" dirty="0"/>
+                  <a:t> </a:t>
+                </a:r>
+                <a:r>
+                  <a:rPr lang="de-DE" dirty="0" err="1"/>
+                  <a:t>the</a:t>
+                </a:r>
+                <a:r>
+                  <a:rPr lang="de-DE" dirty="0"/>
+                  <a:t> </a:t>
+                </a:r>
+                <a:r>
+                  <a:rPr lang="de-DE" dirty="0" err="1"/>
+                  <a:t>system’s</a:t>
+                </a:r>
+                <a:r>
+                  <a:rPr lang="de-DE" dirty="0"/>
+                  <a:t> </a:t>
+                </a:r>
+                <a:r>
+                  <a:rPr lang="de-DE" dirty="0" err="1"/>
+                  <a:t>energy</a:t>
+                </a:r>
+                <a:r>
+                  <a:rPr lang="de-DE" dirty="0"/>
+                  <a:t> </a:t>
+                </a:r>
+                <a:r>
+                  <a:rPr lang="de-DE" dirty="0" err="1"/>
+                  <a:t>storage</a:t>
+                </a:r>
+                <a:r>
+                  <a:rPr lang="de-DE" dirty="0"/>
+                  <a:t> </a:t>
+                </a:r>
+                <a:r>
+                  <a:rPr lang="de-DE" dirty="0" err="1"/>
+                  <a:t>allows</a:t>
+                </a:r>
+                <a:r>
+                  <a:rPr lang="de-DE" dirty="0"/>
+                  <a:t> </a:t>
+                </a:r>
+                <a:r>
+                  <a:rPr lang="de-DE" dirty="0" err="1"/>
+                  <a:t>buildup</a:t>
+                </a:r>
+                <a:r>
+                  <a:rPr lang="de-DE" dirty="0"/>
+                  <a:t>)</a:t>
+                </a:r>
+              </a:p>
+              <a:p>
+                <a:pPr marL="0" indent="0">
+                  <a:buNone/>
+                </a:pPr>
+                <a:r>
+                  <a:rPr lang="de-DE" dirty="0">
+                    <a:sym typeface="Wingdings" pitchFamily="2" charset="2"/>
+                  </a:rPr>
+                  <a:t> </a:t>
+                </a:r>
+                <a:r>
+                  <a:rPr lang="de-DE" dirty="0" err="1"/>
+                  <a:t>peaks</a:t>
+                </a:r>
+                <a:r>
+                  <a:rPr lang="de-DE" dirty="0"/>
+                  <a:t> in </a:t>
+                </a:r>
+                <a:r>
+                  <a:rPr lang="de-DE" dirty="0" err="1"/>
+                  <a:t>frequency</a:t>
+                </a:r>
+                <a:r>
+                  <a:rPr lang="de-DE" dirty="0"/>
+                  <a:t> </a:t>
+                </a:r>
+                <a:r>
+                  <a:rPr lang="de-DE" dirty="0" err="1"/>
+                  <a:t>response</a:t>
+                </a:r>
+                <a:r>
+                  <a:rPr lang="de-DE" dirty="0"/>
+                  <a:t> (Bode </a:t>
+                </a:r>
+                <a:r>
+                  <a:rPr lang="de-DE" dirty="0" err="1"/>
+                  <a:t>magnitude</a:t>
+                </a:r>
+                <a:r>
+                  <a:rPr lang="de-DE" dirty="0"/>
+                  <a:t>, </a:t>
+                </a:r>
+                <a:r>
+                  <a:rPr lang="de-DE" dirty="0" err="1"/>
+                  <a:t>sinusoidal</a:t>
+                </a:r>
+                <a:r>
+                  <a:rPr lang="de-DE" dirty="0"/>
+                  <a:t> </a:t>
+                </a:r>
+                <a:r>
+                  <a:rPr lang="de-DE" dirty="0" err="1"/>
+                  <a:t>response</a:t>
+                </a:r>
+                <a:r>
+                  <a:rPr lang="de-DE" dirty="0"/>
+                  <a:t>)</a:t>
+                </a:r>
+              </a:p>
+              <a:p>
+                <a:pPr marL="0" indent="0">
+                  <a:buNone/>
+                </a:pPr>
+                <a:endParaRPr lang="de-DE" dirty="0"/>
+              </a:p>
+              <a:p>
+                <a:pPr marL="0" indent="0">
+                  <a:buNone/>
+                </a:pPr>
+                <a:r>
+                  <a:rPr lang="de-DE" dirty="0"/>
+                  <a:t>Due </a:t>
+                </a:r>
+                <a:r>
+                  <a:rPr lang="de-DE" dirty="0" err="1"/>
+                  <a:t>to</a:t>
+                </a:r>
+                <a:r>
+                  <a:rPr lang="de-DE" dirty="0"/>
+                  <a:t> </a:t>
+                </a:r>
+                <a:r>
+                  <a:rPr lang="de-DE" dirty="0" err="1"/>
+                  <a:t>lightly</a:t>
+                </a:r>
+                <a:r>
+                  <a:rPr lang="de-DE" dirty="0"/>
+                  <a:t> </a:t>
+                </a:r>
+                <a:r>
+                  <a:rPr lang="de-DE" dirty="0" err="1"/>
+                  <a:t>damped</a:t>
+                </a:r>
+                <a:r>
+                  <a:rPr lang="de-DE" dirty="0"/>
+                  <a:t> </a:t>
+                </a:r>
+                <a:r>
+                  <a:rPr lang="de-DE" dirty="0" err="1"/>
+                  <a:t>complex</a:t>
+                </a:r>
+                <a:r>
+                  <a:rPr lang="de-DE" dirty="0"/>
+                  <a:t> </a:t>
+                </a:r>
+                <a:r>
+                  <a:rPr lang="de-DE" dirty="0" err="1"/>
+                  <a:t>poles</a:t>
+                </a:r>
+                <a:r>
+                  <a:rPr lang="de-DE" dirty="0"/>
+                  <a:t> (</a:t>
+                </a:r>
+                <a:r>
+                  <a:rPr lang="de-DE" dirty="0" err="1"/>
+                  <a:t>natural</a:t>
+                </a:r>
+                <a:r>
+                  <a:rPr lang="de-DE" dirty="0"/>
+                  <a:t> </a:t>
+                </a:r>
+                <a:r>
+                  <a:rPr lang="de-DE" dirty="0" err="1"/>
+                  <a:t>modes</a:t>
+                </a:r>
+                <a:r>
+                  <a:rPr lang="de-DE" dirty="0"/>
+                  <a:t>)</a:t>
+                </a:r>
+              </a:p>
+              <a:p>
+                <a:pPr marL="0" indent="0">
+                  <a:buNone/>
+                </a:pPr>
+                <a:endParaRPr lang="de-DE" dirty="0"/>
+              </a:p>
+              <a:p>
+                <a:pPr marL="0" indent="0">
+                  <a:buNone/>
+                </a:pPr>
+                <a:r>
+                  <a:rPr lang="de-DE" dirty="0"/>
+                  <a:t>Resonant </a:t>
+                </a:r>
+                <a:r>
+                  <a:rPr lang="de-DE" dirty="0" err="1"/>
+                  <a:t>frequency</a:t>
+                </a:r>
+                <a:r>
+                  <a:rPr lang="de-DE" dirty="0"/>
+                  <a:t> </a:t>
+                </a:r>
+                <a:r>
+                  <a:rPr lang="de-DE" dirty="0" err="1"/>
+                  <a:t>near</a:t>
+                </a:r>
+                <a:r>
+                  <a:rPr lang="de-DE" dirty="0"/>
+                  <a:t> </a:t>
+                </a:r>
+                <a:r>
+                  <a:rPr lang="de-DE" dirty="0" err="1"/>
+                  <a:t>imaginary</a:t>
+                </a:r>
+                <a:r>
+                  <a:rPr lang="de-DE" dirty="0"/>
+                  <a:t> </a:t>
+                </a:r>
+                <a:r>
+                  <a:rPr lang="de-DE" dirty="0" err="1"/>
+                  <a:t>part</a:t>
+                </a:r>
+                <a:r>
+                  <a:rPr lang="de-DE" dirty="0"/>
+                  <a:t> </a:t>
+                </a:r>
+                <a:r>
+                  <a:rPr lang="de-DE" dirty="0" err="1"/>
+                  <a:t>of</a:t>
+                </a:r>
+                <a:r>
+                  <a:rPr lang="de-DE" dirty="0"/>
+                  <a:t> </a:t>
+                </a:r>
+                <a:r>
+                  <a:rPr lang="de-DE" dirty="0" err="1"/>
+                  <a:t>the</a:t>
+                </a:r>
+                <a:r>
+                  <a:rPr lang="de-DE" dirty="0"/>
+                  <a:t> pole</a:t>
+                </a:r>
+              </a:p>
+              <a:p>
+                <a:pPr marL="0" indent="0">
+                  <a:buNone/>
+                </a:pPr>
+                <a:r>
+                  <a:rPr lang="de-DE" dirty="0" err="1"/>
+                  <a:t>For</a:t>
+                </a:r>
+                <a:r>
+                  <a:rPr lang="de-DE" dirty="0"/>
+                  <a:t> second-order system: </a:t>
+                </a:r>
+                <a14:m>
+                  <m:oMath xmlns:m="http://schemas.openxmlformats.org/officeDocument/2006/math">
+                    <m:sSub>
+                      <m:sSubPr>
+                        <m:ctrlPr>
+                          <a:rPr lang="de-DE" i="1" smtClean="0">
+                            <a:latin typeface="Cambria Math" panose="02040503050406030204" pitchFamily="18" charset="0"/>
+                          </a:rPr>
+                        </m:ctrlPr>
+                      </m:sSubPr>
+                      <m:e>
+                        <m:r>
+                          <a:rPr lang="de-DE" i="1" smtClean="0">
+                            <a:latin typeface="Cambria Math" panose="02040503050406030204" pitchFamily="18" charset="0"/>
+                            <a:ea typeface="Cambria Math" panose="02040503050406030204" pitchFamily="18" charset="0"/>
+                          </a:rPr>
+                          <m:t>𝜔</m:t>
+                        </m:r>
+                      </m:e>
+                      <m:sub>
+                        <m:r>
+                          <a:rPr lang="de-DE" b="0" i="1" smtClean="0">
+                            <a:latin typeface="Cambria Math" panose="02040503050406030204" pitchFamily="18" charset="0"/>
+                          </a:rPr>
+                          <m:t>𝑟</m:t>
+                        </m:r>
+                      </m:sub>
+                    </m:sSub>
+                    <m:r>
+                      <a:rPr lang="de-DE" b="0" i="1" smtClean="0">
+                        <a:latin typeface="Cambria Math" panose="02040503050406030204" pitchFamily="18" charset="0"/>
+                      </a:rPr>
+                      <m:t>=</m:t>
+                    </m:r>
+                    <m:sSub>
+                      <m:sSubPr>
+                        <m:ctrlPr>
+                          <a:rPr lang="de-DE" i="1" smtClean="0">
+                            <a:latin typeface="Cambria Math" panose="02040503050406030204" pitchFamily="18" charset="0"/>
+                            <a:ea typeface="Cambria Math" panose="02040503050406030204" pitchFamily="18" charset="0"/>
+                          </a:rPr>
+                        </m:ctrlPr>
+                      </m:sSubPr>
+                      <m:e>
+                        <m:r>
+                          <a:rPr lang="de-DE" i="1" smtClean="0">
+                            <a:latin typeface="Cambria Math" panose="02040503050406030204" pitchFamily="18" charset="0"/>
+                            <a:ea typeface="Cambria Math" panose="02040503050406030204" pitchFamily="18" charset="0"/>
+                          </a:rPr>
+                          <m:t>𝜔</m:t>
+                        </m:r>
+                      </m:e>
+                      <m:sub>
+                        <m:r>
+                          <a:rPr lang="de-DE" b="0" i="1" smtClean="0">
+                            <a:latin typeface="Cambria Math" panose="02040503050406030204" pitchFamily="18" charset="0"/>
+                            <a:ea typeface="Cambria Math" panose="02040503050406030204" pitchFamily="18" charset="0"/>
+                          </a:rPr>
+                          <m:t>𝑛</m:t>
+                        </m:r>
+                      </m:sub>
+                    </m:sSub>
+                    <m:rad>
+                      <m:radPr>
+                        <m:degHide m:val="on"/>
+                        <m:ctrlPr>
+                          <a:rPr lang="de-DE" i="1" smtClean="0">
+                            <a:latin typeface="Cambria Math" panose="02040503050406030204" pitchFamily="18" charset="0"/>
+                            <a:ea typeface="Cambria Math" panose="02040503050406030204" pitchFamily="18" charset="0"/>
+                          </a:rPr>
+                        </m:ctrlPr>
+                      </m:radPr>
+                      <m:deg/>
+                      <m:e>
+                        <m:r>
+                          <a:rPr lang="de-DE" b="0" i="1" smtClean="0">
+                            <a:latin typeface="Cambria Math" panose="02040503050406030204" pitchFamily="18" charset="0"/>
+                            <a:ea typeface="Cambria Math" panose="02040503050406030204" pitchFamily="18" charset="0"/>
+                          </a:rPr>
+                          <m:t>1−2</m:t>
+                        </m:r>
+                        <m:sSup>
+                          <m:sSupPr>
+                            <m:ctrlPr>
+                              <a:rPr lang="de-DE" b="0" i="1" smtClean="0">
+                                <a:latin typeface="Cambria Math" panose="02040503050406030204" pitchFamily="18" charset="0"/>
+                                <a:ea typeface="Cambria Math" panose="02040503050406030204" pitchFamily="18" charset="0"/>
+                              </a:rPr>
+                            </m:ctrlPr>
+                          </m:sSupPr>
+                          <m:e>
+                            <m:r>
+                              <a:rPr lang="el-GR" i="1">
+                                <a:latin typeface="Cambria Math" panose="02040503050406030204" pitchFamily="18" charset="0"/>
+                                <a:ea typeface="Cambria Math" panose="02040503050406030204" pitchFamily="18" charset="0"/>
+                              </a:rPr>
+                              <m:t>𝜁</m:t>
+                            </m:r>
+                          </m:e>
+                          <m:sup>
+                            <m:r>
+                              <a:rPr lang="de-DE" b="0" i="1" smtClean="0">
+                                <a:latin typeface="Cambria Math" panose="02040503050406030204" pitchFamily="18" charset="0"/>
+                                <a:ea typeface="Cambria Math" panose="02040503050406030204" pitchFamily="18" charset="0"/>
+                              </a:rPr>
+                              <m:t>2</m:t>
+                            </m:r>
+                          </m:sup>
+                        </m:sSup>
+                      </m:e>
+                    </m:rad>
+                  </m:oMath>
+                </a14:m>
+                <a:r>
+                  <a:rPr lang="de-DE" dirty="0"/>
+                  <a:t>   (</a:t>
+                </a:r>
+                <a:r>
+                  <a:rPr lang="de-DE" dirty="0" err="1"/>
+                  <a:t>for</a:t>
+                </a:r>
+                <a:r>
+                  <a:rPr lang="de-DE" dirty="0"/>
+                  <a:t> </a:t>
+                </a:r>
+                <a:r>
+                  <a:rPr lang="de-DE" dirty="0" err="1"/>
+                  <a:t>small</a:t>
+                </a:r>
+                <a:r>
+                  <a:rPr lang="de-DE" dirty="0"/>
+                  <a:t> </a:t>
+                </a:r>
+                <a14:m>
+                  <m:oMath xmlns:m="http://schemas.openxmlformats.org/officeDocument/2006/math">
+                    <m:r>
+                      <a:rPr lang="el-GR" i="1">
+                        <a:latin typeface="Cambria Math" panose="02040503050406030204" pitchFamily="18" charset="0"/>
+                        <a:ea typeface="Cambria Math" panose="02040503050406030204" pitchFamily="18" charset="0"/>
+                      </a:rPr>
+                      <m:t>𝜁</m:t>
+                    </m:r>
+                  </m:oMath>
+                </a14:m>
+                <a:r>
+                  <a:rPr lang="de-DE" dirty="0"/>
+                  <a:t>)</a:t>
+                </a:r>
+              </a:p>
+              <a:p>
+                <a:pPr marL="0" indent="0">
+                  <a:buNone/>
+                </a:pPr>
+                <a:endParaRPr lang="de-DE" dirty="0"/>
+              </a:p>
+              <a:p>
+                <a:pPr marL="0" indent="0">
+                  <a:buNone/>
+                </a:pPr>
+                <a:r>
+                  <a:rPr lang="de-DE" dirty="0" err="1"/>
+                  <a:t>Mechanical</a:t>
+                </a:r>
+                <a:r>
+                  <a:rPr lang="de-DE" dirty="0"/>
+                  <a:t> </a:t>
+                </a:r>
+                <a:r>
+                  <a:rPr lang="de-DE" dirty="0" err="1"/>
+                  <a:t>systems</a:t>
+                </a:r>
+                <a:r>
+                  <a:rPr lang="de-DE" dirty="0"/>
+                  <a:t> </a:t>
+                </a:r>
+                <a:r>
+                  <a:rPr lang="de-DE" dirty="0" err="1"/>
+                  <a:t>often</a:t>
+                </a:r>
+                <a:r>
+                  <a:rPr lang="de-DE" dirty="0"/>
+                  <a:t> </a:t>
+                </a:r>
+                <a:r>
+                  <a:rPr lang="de-DE" dirty="0" err="1"/>
+                  <a:t>have</a:t>
+                </a:r>
+                <a:r>
+                  <a:rPr lang="de-DE" dirty="0"/>
+                  <a:t> </a:t>
+                </a:r>
+                <a:r>
+                  <a:rPr lang="de-DE" dirty="0" err="1"/>
+                  <a:t>very</a:t>
+                </a:r>
+                <a:r>
+                  <a:rPr lang="de-DE" dirty="0"/>
+                  <a:t> </a:t>
+                </a:r>
+                <a:r>
+                  <a:rPr lang="de-DE" dirty="0" err="1"/>
+                  <a:t>small</a:t>
+                </a:r>
+                <a:r>
+                  <a:rPr lang="de-DE" dirty="0"/>
+                  <a:t> </a:t>
+                </a:r>
+                <a:r>
+                  <a:rPr lang="de-DE" dirty="0" err="1"/>
+                  <a:t>damping</a:t>
+                </a:r>
+                <a:r>
+                  <a:rPr lang="de-DE" dirty="0"/>
+                  <a:t> </a:t>
+                </a:r>
+                <a:r>
+                  <a:rPr lang="de-DE" dirty="0">
+                    <a:sym typeface="Wingdings" pitchFamily="2" charset="2"/>
+                  </a:rPr>
+                  <a:t></a:t>
+                </a:r>
+                <a:r>
+                  <a:rPr lang="de-DE" dirty="0"/>
+                  <a:t> </a:t>
+                </a:r>
+                <a:r>
+                  <a:rPr lang="de-DE" dirty="0" err="1"/>
+                  <a:t>resonances</a:t>
+                </a:r>
+                <a:r>
+                  <a:rPr lang="de-DE" dirty="0"/>
+                  <a:t> </a:t>
+                </a:r>
+                <a:r>
+                  <a:rPr lang="de-DE" dirty="0" err="1"/>
+                  <a:t>dominate</a:t>
+                </a:r>
+                <a:r>
+                  <a:rPr lang="de-DE" dirty="0"/>
+                  <a:t> </a:t>
+                </a:r>
+                <a:r>
+                  <a:rPr lang="de-DE" dirty="0" err="1"/>
+                  <a:t>behavior</a:t>
+                </a:r>
+                <a:endParaRPr lang="de-DE" dirty="0"/>
+              </a:p>
+              <a:p>
+                <a:pPr marL="0" indent="0">
+                  <a:buNone/>
+                </a:pPr>
+                <a:endParaRPr lang="de-DE" dirty="0"/>
+              </a:p>
+              <a:p>
+                <a:pPr marL="0" indent="0">
+                  <a:buNone/>
+                </a:pPr>
+                <a:r>
+                  <a:rPr lang="de-DE" dirty="0">
+                    <a:sym typeface="Wingdings" pitchFamily="2" charset="2"/>
+                  </a:rPr>
+                  <a:t> </a:t>
+                </a:r>
+                <a:r>
+                  <a:rPr lang="de-DE" dirty="0"/>
+                  <a:t>Controllers </a:t>
+                </a:r>
+                <a:r>
+                  <a:rPr lang="de-DE" dirty="0" err="1"/>
+                  <a:t>must</a:t>
+                </a:r>
+                <a:r>
+                  <a:rPr lang="de-DE" dirty="0"/>
+                  <a:t> </a:t>
+                </a:r>
+                <a:r>
+                  <a:rPr lang="de-DE" dirty="0" err="1"/>
+                  <a:t>avoid</a:t>
+                </a:r>
+                <a:r>
+                  <a:rPr lang="de-DE" dirty="0"/>
+                  <a:t> </a:t>
+                </a:r>
+                <a:r>
+                  <a:rPr lang="de-DE" dirty="0" err="1"/>
+                  <a:t>exciting</a:t>
+                </a:r>
+                <a:r>
+                  <a:rPr lang="de-DE" dirty="0"/>
+                  <a:t> </a:t>
+                </a:r>
+                <a:r>
+                  <a:rPr lang="de-DE" dirty="0" err="1"/>
+                  <a:t>lightly</a:t>
+                </a:r>
+                <a:r>
+                  <a:rPr lang="de-DE" dirty="0"/>
+                  <a:t> </a:t>
+                </a:r>
+                <a:r>
+                  <a:rPr lang="de-DE" dirty="0" err="1"/>
+                  <a:t>damped</a:t>
+                </a:r>
+                <a:r>
+                  <a:rPr lang="de-DE" dirty="0"/>
+                  <a:t> </a:t>
+                </a:r>
+                <a:r>
+                  <a:rPr lang="de-DE" dirty="0" err="1"/>
+                  <a:t>poles</a:t>
+                </a:r>
+                <a:endParaRPr lang="de-DE" dirty="0"/>
+              </a:p>
+            </p:txBody>
+          </p:sp>
+        </mc:Choice>
+        <mc:Fallback>
+          <p:sp>
+            <p:nvSpPr>
+              <p:cNvPr id="3" name="Inhaltsplatzhalter 2">
+                <a:extLst>
+                  <a:ext uri="{FF2B5EF4-FFF2-40B4-BE49-F238E27FC236}">
+                    <a16:creationId xmlns:a16="http://schemas.microsoft.com/office/drawing/2014/main" id="{39744DD0-77F3-3905-9B5D-BBD65695955C}"/>
+                  </a:ext>
+                </a:extLst>
+              </p:cNvPr>
+              <p:cNvSpPr>
+                <a:spLocks noGrp="1" noRot="1" noChangeAspect="1" noMove="1" noResize="1" noEditPoints="1" noAdjustHandles="1" noChangeArrowheads="1" noChangeShapeType="1" noTextEdit="1"/>
+              </p:cNvSpPr>
+              <p:nvPr>
+                <p:ph idx="1"/>
+              </p:nvPr>
+            </p:nvSpPr>
+            <p:spPr>
+              <a:blipFill>
+                <a:blip r:embed="rId2"/>
+                <a:stretch>
+                  <a:fillRect l="-724" t="-2616" r="-362"/>
+                </a:stretch>
+              </a:blipFill>
+            </p:spPr>
+            <p:txBody>
+              <a:bodyPr/>
+              <a:lstStyle/>
+              <a:p>
+                <a:r>
+                  <a:rPr lang="de-DE">
+                    <a:noFill/>
+                  </a:rPr>
+                  <a:t> </a:t>
+                </a:r>
+              </a:p>
+            </p:txBody>
+          </p:sp>
+        </mc:Fallback>
+      </mc:AlternateContent>
       <p:sp>
         <p:nvSpPr>
           <p:cNvPr id="4" name="Foliennummernplatzhalter 3">
@@ -5753,123 +6317,10 @@
       </p:grpSpPr>
       <p:sp>
         <p:nvSpPr>
-          <p:cNvPr id="2" name="Titel 1">
-            <a:extLst>
-              <a:ext uri="{FF2B5EF4-FFF2-40B4-BE49-F238E27FC236}">
-                <a16:creationId xmlns:a16="http://schemas.microsoft.com/office/drawing/2014/main" id="{F6FE5387-4C13-F9A0-420D-3C1E54D948AB}"/>
-              </a:ext>
-            </a:extLst>
-          </p:cNvPr>
-          <p:cNvSpPr>
-            <a:spLocks noGrp="1"/>
-          </p:cNvSpPr>
-          <p:nvPr>
-            <p:ph type="title"/>
-          </p:nvPr>
-        </p:nvSpPr>
-        <p:spPr/>
-        <p:txBody>
-          <a:bodyPr/>
-          <a:lstStyle/>
-          <a:p>
-            <a:r>
-              <a:rPr lang="de-DE" dirty="0" err="1"/>
-              <a:t>Frequency</a:t>
-            </a:r>
-            <a:r>
-              <a:rPr lang="de-DE" dirty="0"/>
-              <a:t>-Domain </a:t>
-            </a:r>
-            <a:r>
-              <a:rPr lang="de-DE" dirty="0" err="1"/>
-              <a:t>Stability</a:t>
-            </a:r>
-            <a:endParaRPr lang="de-DE" dirty="0"/>
-          </a:p>
-        </p:txBody>
-      </p:sp>
-      <p:sp>
-        <p:nvSpPr>
-          <p:cNvPr id="3" name="Inhaltsplatzhalter 2">
-            <a:extLst>
-              <a:ext uri="{FF2B5EF4-FFF2-40B4-BE49-F238E27FC236}">
-                <a16:creationId xmlns:a16="http://schemas.microsoft.com/office/drawing/2014/main" id="{453D7CE1-C65E-F11F-3A4B-8EC03F1E1BC8}"/>
-              </a:ext>
-            </a:extLst>
-          </p:cNvPr>
-          <p:cNvSpPr>
-            <a:spLocks noGrp="1"/>
-          </p:cNvSpPr>
-          <p:nvPr>
-            <p:ph idx="1"/>
-          </p:nvPr>
-        </p:nvSpPr>
-        <p:spPr/>
-        <p:txBody>
-          <a:bodyPr/>
-          <a:lstStyle/>
-          <a:p>
-            <a:r>
-              <a:rPr lang="de-DE" dirty="0" err="1"/>
-              <a:t>Stability</a:t>
-            </a:r>
-            <a:r>
-              <a:rPr lang="de-DE" dirty="0"/>
-              <a:t> </a:t>
-            </a:r>
-            <a:r>
-              <a:rPr lang="de-DE" dirty="0" err="1"/>
-              <a:t>inferred</a:t>
-            </a:r>
-            <a:r>
-              <a:rPr lang="de-DE" dirty="0"/>
-              <a:t> </a:t>
-            </a:r>
-            <a:r>
-              <a:rPr lang="de-DE" dirty="0" err="1"/>
-              <a:t>from</a:t>
-            </a:r>
-            <a:r>
-              <a:rPr lang="de-DE" dirty="0"/>
-              <a:t> </a:t>
-            </a:r>
-            <a:r>
-              <a:rPr lang="de-DE" dirty="0" err="1"/>
-              <a:t>frequency</a:t>
-            </a:r>
-            <a:r>
-              <a:rPr lang="de-DE" dirty="0"/>
-              <a:t> </a:t>
-            </a:r>
-            <a:r>
-              <a:rPr lang="de-DE" dirty="0" err="1"/>
-              <a:t>response</a:t>
-            </a:r>
-            <a:endParaRPr lang="de-DE" dirty="0"/>
-          </a:p>
-          <a:p>
-            <a:r>
-              <a:rPr lang="de-DE" dirty="0" err="1"/>
-              <a:t>Avoids</a:t>
-            </a:r>
-            <a:r>
-              <a:rPr lang="de-DE" dirty="0"/>
-              <a:t> explicit pole </a:t>
-            </a:r>
-            <a:r>
-              <a:rPr lang="de-DE" dirty="0" err="1"/>
-              <a:t>calculation</a:t>
-            </a:r>
-            <a:endParaRPr lang="de-DE" dirty="0"/>
-          </a:p>
-        </p:txBody>
-      </p:sp>
-      <p:sp>
-        <p:nvSpPr>
           <p:cNvPr id="4" name="Foliennummernplatzhalter 3">
             <a:extLst>
               <a:ext uri="{FF2B5EF4-FFF2-40B4-BE49-F238E27FC236}">
-                <a16:creationId xmlns:a16="http://schemas.microsoft.com/office/drawing/2014/main" id="{D854C762-1E44-BE87-DF59-C1B9C35E2945}"/>
+                <a16:creationId xmlns:a16="http://schemas.microsoft.com/office/drawing/2014/main" id="{BEC5013F-77AC-6401-3AAE-E98E5D82CA8E}"/>
               </a:ext>
             </a:extLst>
           </p:cNvPr>
@@ -5893,10 +6344,100 @@
           </a:p>
         </p:txBody>
       </p:sp>
+      <p:pic>
+        <p:nvPicPr>
+          <p:cNvPr id="5" name="Grafik 4">
+            <a:extLst>
+              <a:ext uri="{FF2B5EF4-FFF2-40B4-BE49-F238E27FC236}">
+                <a16:creationId xmlns:a16="http://schemas.microsoft.com/office/drawing/2014/main" id="{7E35B5B5-0C0A-5C50-EF3F-AF09BB1EB188}"/>
+              </a:ext>
+            </a:extLst>
+          </p:cNvPr>
+          <p:cNvPicPr>
+            <a:picLocks noChangeAspect="1"/>
+          </p:cNvPicPr>
+          <p:nvPr/>
+        </p:nvPicPr>
+        <p:blipFill>
+          <a:blip r:embed="rId2"/>
+          <a:stretch>
+            <a:fillRect/>
+          </a:stretch>
+        </p:blipFill>
+        <p:spPr>
+          <a:xfrm>
+            <a:off x="142461" y="2400661"/>
+            <a:ext cx="5677114" cy="2609480"/>
+          </a:xfrm>
+          <a:prstGeom prst="rect">
+            <a:avLst/>
+          </a:prstGeom>
+        </p:spPr>
+      </p:pic>
+      <p:pic>
+        <p:nvPicPr>
+          <p:cNvPr id="6" name="Grafik 5">
+            <a:extLst>
+              <a:ext uri="{FF2B5EF4-FFF2-40B4-BE49-F238E27FC236}">
+                <a16:creationId xmlns:a16="http://schemas.microsoft.com/office/drawing/2014/main" id="{92D73B4A-B1BB-6DFB-4C6F-807E944A8509}"/>
+              </a:ext>
+            </a:extLst>
+          </p:cNvPr>
+          <p:cNvPicPr>
+            <a:picLocks noChangeAspect="1"/>
+          </p:cNvPicPr>
+          <p:nvPr/>
+        </p:nvPicPr>
+        <p:blipFill>
+          <a:blip r:embed="rId3"/>
+          <a:stretch>
+            <a:fillRect/>
+          </a:stretch>
+        </p:blipFill>
+        <p:spPr>
+          <a:xfrm>
+            <a:off x="5819575" y="522171"/>
+            <a:ext cx="6229964" cy="2906829"/>
+          </a:xfrm>
+          <a:prstGeom prst="rect">
+            <a:avLst/>
+          </a:prstGeom>
+        </p:spPr>
+      </p:pic>
+      <p:pic>
+        <p:nvPicPr>
+          <p:cNvPr id="7" name="Grafik 6">
+            <a:extLst>
+              <a:ext uri="{FF2B5EF4-FFF2-40B4-BE49-F238E27FC236}">
+                <a16:creationId xmlns:a16="http://schemas.microsoft.com/office/drawing/2014/main" id="{FDD3D5BF-5E2D-B506-24A5-C0BC924C362E}"/>
+              </a:ext>
+            </a:extLst>
+          </p:cNvPr>
+          <p:cNvPicPr>
+            <a:picLocks noChangeAspect="1"/>
+          </p:cNvPicPr>
+          <p:nvPr/>
+        </p:nvPicPr>
+        <p:blipFill>
+          <a:blip r:embed="rId4"/>
+          <a:stretch>
+            <a:fillRect/>
+          </a:stretch>
+        </p:blipFill>
+        <p:spPr>
+          <a:xfrm>
+            <a:off x="6096000" y="3541724"/>
+            <a:ext cx="6096000" cy="2814626"/>
+          </a:xfrm>
+          <a:prstGeom prst="rect">
+            <a:avLst/>
+          </a:prstGeom>
+        </p:spPr>
+      </p:pic>
     </p:spTree>
     <p:extLst>
       <p:ext uri="{BB962C8B-B14F-4D97-AF65-F5344CB8AC3E}">
-        <p14:creationId xmlns:p14="http://schemas.microsoft.com/office/powerpoint/2010/main" val="890260999"/>
+        <p14:creationId xmlns:p14="http://schemas.microsoft.com/office/powerpoint/2010/main" val="1170569556"/>
       </p:ext>
     </p:extLst>
   </p:cSld>
@@ -5928,7 +6469,7 @@
           <p:cNvPr id="2" name="Titel 1">
             <a:extLst>
               <a:ext uri="{FF2B5EF4-FFF2-40B4-BE49-F238E27FC236}">
-                <a16:creationId xmlns:a16="http://schemas.microsoft.com/office/drawing/2014/main" id="{2A122470-E3B4-6307-0EA5-F1B7F554835F}"/>
+                <a16:creationId xmlns:a16="http://schemas.microsoft.com/office/drawing/2014/main" id="{F6FE5387-4C13-F9A0-420D-3C1E54D948AB}"/>
               </a:ext>
             </a:extLst>
           </p:cNvPr>
@@ -5946,15 +6487,15 @@
           <a:p>
             <a:r>
               <a:rPr lang="de-DE" dirty="0" err="1"/>
-              <a:t>Nyquist</a:t>
-            </a:r>
-            <a:r>
-              <a:rPr lang="de-DE" dirty="0"/>
-              <a:t> </a:t>
-            </a:r>
-            <a:r>
-              <a:rPr lang="de-DE" dirty="0" err="1"/>
-              <a:t>Criterion</a:t>
+              <a:t>Frequency</a:t>
+            </a:r>
+            <a:r>
+              <a:rPr lang="de-DE" dirty="0"/>
+              <a:t>-Domain </a:t>
+            </a:r>
+            <a:r>
+              <a:rPr lang="de-DE" dirty="0" err="1"/>
+              <a:t>Stability</a:t>
             </a:r>
             <a:endParaRPr lang="de-DE" dirty="0"/>
           </a:p>
@@ -5965,7 +6506,7 @@
           <p:cNvPr id="3" name="Inhaltsplatzhalter 2">
             <a:extLst>
               <a:ext uri="{FF2B5EF4-FFF2-40B4-BE49-F238E27FC236}">
-                <a16:creationId xmlns:a16="http://schemas.microsoft.com/office/drawing/2014/main" id="{C52AFC97-0C0F-D7E6-966D-ED72FE114700}"/>
+                <a16:creationId xmlns:a16="http://schemas.microsoft.com/office/drawing/2014/main" id="{453D7CE1-C65E-F11F-3A4B-8EC03F1E1BC8}"/>
               </a:ext>
             </a:extLst>
           </p:cNvPr>
@@ -5983,7 +6524,7 @@
           <a:p>
             <a:r>
               <a:rPr lang="de-DE" dirty="0" err="1"/>
-              <a:t>Encirclement</a:t>
+              <a:t>Stability</a:t>
             </a:r>
             <a:r>
               <a:rPr lang="de-DE" dirty="0"/>
@@ -5991,7 +6532,7 @@
             </a:r>
             <a:r>
               <a:rPr lang="de-DE" dirty="0" err="1"/>
-              <a:t>of</a:t>
+              <a:t>inferred</a:t>
             </a:r>
             <a:r>
               <a:rPr lang="de-DE" dirty="0"/>
@@ -5999,7 +6540,7 @@
             </a:r>
             <a:r>
               <a:rPr lang="de-DE" dirty="0" err="1"/>
-              <a:t>critical</a:t>
+              <a:t>from</a:t>
             </a:r>
             <a:r>
               <a:rPr lang="de-DE" dirty="0"/>
@@ -6007,64 +6548,33 @@
             </a:r>
             <a:r>
               <a:rPr lang="de-DE" dirty="0" err="1"/>
-              <a:t>point</a:t>
+              <a:t>frequency</a:t>
+            </a:r>
+            <a:r>
+              <a:rPr lang="de-DE" dirty="0"/>
+              <a:t> </a:t>
+            </a:r>
+            <a:r>
+              <a:rPr lang="de-DE" dirty="0" err="1"/>
+              <a:t>response</a:t>
             </a:r>
             <a:endParaRPr lang="de-DE" dirty="0"/>
           </a:p>
           <a:p>
             <a:r>
-              <a:rPr lang="de-DE" dirty="0"/>
-              <a:t>Links </a:t>
-            </a:r>
-            <a:r>
-              <a:rPr lang="de-DE" dirty="0" err="1"/>
-              <a:t>frequency</a:t>
-            </a:r>
-            <a:r>
-              <a:rPr lang="de-DE" dirty="0"/>
-              <a:t> </a:t>
-            </a:r>
-            <a:r>
-              <a:rPr lang="de-DE" dirty="0" err="1"/>
-              <a:t>response</a:t>
-            </a:r>
-            <a:r>
-              <a:rPr lang="de-DE" dirty="0"/>
-              <a:t> </a:t>
-            </a:r>
-            <a:r>
-              <a:rPr lang="de-DE" dirty="0" err="1"/>
-              <a:t>to</a:t>
-            </a:r>
-            <a:r>
-              <a:rPr lang="de-DE" dirty="0"/>
-              <a:t> </a:t>
-            </a:r>
-            <a:r>
-              <a:rPr lang="de-DE" dirty="0" err="1"/>
-              <a:t>stability</a:t>
+              <a:rPr lang="de-DE" dirty="0" err="1"/>
+              <a:t>Avoids</a:t>
+            </a:r>
+            <a:r>
+              <a:rPr lang="de-DE" dirty="0"/>
+              <a:t> explicit pole </a:t>
+            </a:r>
+            <a:r>
+              <a:rPr lang="de-DE" dirty="0" err="1"/>
+              <a:t>calculation</a:t>
             </a:r>
             <a:endParaRPr lang="de-DE" dirty="0"/>
           </a:p>
-          <a:p>
-            <a:r>
-              <a:rPr lang="de-DE" dirty="0"/>
-              <a:t>Powerful but </a:t>
-            </a:r>
-            <a:r>
-              <a:rPr lang="de-DE" dirty="0" err="1"/>
-              <a:t>conceptually</a:t>
-            </a:r>
-            <a:r>
-              <a:rPr lang="de-DE" dirty="0"/>
-              <a:t> </a:t>
-            </a:r>
-            <a:r>
-              <a:rPr lang="de-DE" dirty="0" err="1"/>
-              <a:t>challenging</a:t>
-            </a:r>
-            <a:endParaRPr lang="de-DE" dirty="0"/>
-          </a:p>
         </p:txBody>
       </p:sp>
       <p:sp>
@@ -6072,7 +6582,7 @@
           <p:cNvPr id="4" name="Foliennummernplatzhalter 3">
             <a:extLst>
               <a:ext uri="{FF2B5EF4-FFF2-40B4-BE49-F238E27FC236}">
-                <a16:creationId xmlns:a16="http://schemas.microsoft.com/office/drawing/2014/main" id="{9695D79B-140F-ED0F-12F1-D63F0CD77AA1}"/>
+                <a16:creationId xmlns:a16="http://schemas.microsoft.com/office/drawing/2014/main" id="{D854C762-1E44-BE87-DF59-C1B9C35E2945}"/>
               </a:ext>
             </a:extLst>
           </p:cNvPr>
@@ -6099,7 +6609,7 @@
     </p:spTree>
     <p:extLst>
       <p:ext uri="{BB962C8B-B14F-4D97-AF65-F5344CB8AC3E}">
-        <p14:creationId xmlns:p14="http://schemas.microsoft.com/office/powerpoint/2010/main" val="1043321803"/>
+        <p14:creationId xmlns:p14="http://schemas.microsoft.com/office/powerpoint/2010/main" val="890260999"/>
       </p:ext>
     </p:extLst>
   </p:cSld>
@@ -6131,7 +6641,7 @@
           <p:cNvPr id="2" name="Titel 1">
             <a:extLst>
               <a:ext uri="{FF2B5EF4-FFF2-40B4-BE49-F238E27FC236}">
-                <a16:creationId xmlns:a16="http://schemas.microsoft.com/office/drawing/2014/main" id="{E3D76B9D-A952-FA61-3FEA-B2C35BC9EBA5}"/>
+                <a16:creationId xmlns:a16="http://schemas.microsoft.com/office/drawing/2014/main" id="{2A122470-E3B4-6307-0EA5-F1B7F554835F}"/>
               </a:ext>
             </a:extLst>
           </p:cNvPr>
@@ -6149,15 +6659,15 @@
           <a:p>
             <a:r>
               <a:rPr lang="de-DE" dirty="0" err="1"/>
-              <a:t>Gain</a:t>
-            </a:r>
-            <a:r>
-              <a:rPr lang="de-DE" dirty="0"/>
-              <a:t> and Phase </a:t>
-            </a:r>
-            <a:r>
-              <a:rPr lang="de-DE" dirty="0" err="1"/>
-              <a:t>Margins</a:t>
+              <a:t>Nyquist</a:t>
+            </a:r>
+            <a:r>
+              <a:rPr lang="de-DE" dirty="0"/>
+              <a:t> </a:t>
+            </a:r>
+            <a:r>
+              <a:rPr lang="de-DE" dirty="0" err="1"/>
+              <a:t>Criterion</a:t>
             </a:r>
             <a:endParaRPr lang="de-DE" dirty="0"/>
           </a:p>
@@ -6168,7 +6678,7 @@
           <p:cNvPr id="3" name="Inhaltsplatzhalter 2">
             <a:extLst>
               <a:ext uri="{FF2B5EF4-FFF2-40B4-BE49-F238E27FC236}">
-                <a16:creationId xmlns:a16="http://schemas.microsoft.com/office/drawing/2014/main" id="{841DCEC5-E062-73EC-599B-965A44B5F682}"/>
+                <a16:creationId xmlns:a16="http://schemas.microsoft.com/office/drawing/2014/main" id="{C52AFC97-0C0F-D7E6-966D-ED72FE114700}"/>
               </a:ext>
             </a:extLst>
           </p:cNvPr>
@@ -6186,7 +6696,7 @@
           <a:p>
             <a:r>
               <a:rPr lang="de-DE" dirty="0" err="1"/>
-              <a:t>Measure</a:t>
+              <a:t>Encirclement</a:t>
             </a:r>
             <a:r>
               <a:rPr lang="de-DE" dirty="0"/>
@@ -6194,7 +6704,7 @@
             </a:r>
             <a:r>
               <a:rPr lang="de-DE" dirty="0" err="1"/>
-              <a:t>distance</a:t>
+              <a:t>of</a:t>
             </a:r>
             <a:r>
               <a:rPr lang="de-DE" dirty="0"/>
@@ -6202,6 +6712,41 @@
             </a:r>
             <a:r>
               <a:rPr lang="de-DE" dirty="0" err="1"/>
+              <a:t>critical</a:t>
+            </a:r>
+            <a:r>
+              <a:rPr lang="de-DE" dirty="0"/>
+              <a:t> </a:t>
+            </a:r>
+            <a:r>
+              <a:rPr lang="de-DE" dirty="0" err="1"/>
+              <a:t>point</a:t>
+            </a:r>
+            <a:endParaRPr lang="de-DE" dirty="0"/>
+          </a:p>
+          <a:p>
+            <a:r>
+              <a:rPr lang="de-DE" dirty="0"/>
+              <a:t>Links </a:t>
+            </a:r>
+            <a:r>
+              <a:rPr lang="de-DE" dirty="0" err="1"/>
+              <a:t>frequency</a:t>
+            </a:r>
+            <a:r>
+              <a:rPr lang="de-DE" dirty="0"/>
+              <a:t> </a:t>
+            </a:r>
+            <a:r>
+              <a:rPr lang="de-DE" dirty="0" err="1"/>
+              <a:t>response</a:t>
+            </a:r>
+            <a:r>
+              <a:rPr lang="de-DE" dirty="0"/>
+              <a:t> </a:t>
+            </a:r>
+            <a:r>
+              <a:rPr lang="de-DE" dirty="0" err="1"/>
               <a:t>to</a:t>
             </a:r>
             <a:r>
@@ -6210,14 +6755,18 @@
             </a:r>
             <a:r>
               <a:rPr lang="de-DE" dirty="0" err="1"/>
-              <a:t>instability</a:t>
+              <a:t>stability</a:t>
             </a:r>
             <a:endParaRPr lang="de-DE" dirty="0"/>
           </a:p>
           <a:p>
             <a:r>
-              <a:rPr lang="de-DE" dirty="0" err="1"/>
-              <a:t>Practical</a:t>
+              <a:rPr lang="de-DE" dirty="0"/>
+              <a:t>Powerful but </a:t>
+            </a:r>
+            <a:r>
+              <a:rPr lang="de-DE" dirty="0" err="1"/>
+              <a:t>conceptually</a:t>
             </a:r>
             <a:r>
               <a:rPr lang="de-DE" dirty="0"/>
@@ -6225,45 +6774,10 @@
             </a:r>
             <a:r>
               <a:rPr lang="de-DE" dirty="0" err="1"/>
-              <a:t>robustness</a:t>
-            </a:r>
-            <a:r>
-              <a:rPr lang="de-DE" dirty="0"/>
-              <a:t> </a:t>
-            </a:r>
-            <a:r>
-              <a:rPr lang="de-DE" dirty="0" err="1"/>
-              <a:t>indicators</a:t>
+              <a:t>challenging</a:t>
             </a:r>
             <a:endParaRPr lang="de-DE" dirty="0"/>
           </a:p>
-          <a:p>
-            <a:r>
-              <a:rPr lang="de-DE" dirty="0"/>
-              <a:t>Read </a:t>
-            </a:r>
-            <a:r>
-              <a:rPr lang="de-DE" dirty="0" err="1"/>
-              <a:t>directly</a:t>
-            </a:r>
-            <a:r>
-              <a:rPr lang="de-DE" dirty="0"/>
-              <a:t> </a:t>
-            </a:r>
-            <a:r>
-              <a:rPr lang="de-DE" dirty="0" err="1"/>
-              <a:t>from</a:t>
-            </a:r>
-            <a:r>
-              <a:rPr lang="de-DE" dirty="0"/>
-              <a:t> Bode </a:t>
-            </a:r>
-            <a:r>
-              <a:rPr lang="de-DE" dirty="0" err="1"/>
-              <a:t>plots</a:t>
-            </a:r>
-            <a:endParaRPr lang="de-DE" dirty="0"/>
-          </a:p>
         </p:txBody>
       </p:sp>
       <p:sp>
@@ -6271,7 +6785,7 @@
           <p:cNvPr id="4" name="Foliennummernplatzhalter 3">
             <a:extLst>
               <a:ext uri="{FF2B5EF4-FFF2-40B4-BE49-F238E27FC236}">
-                <a16:creationId xmlns:a16="http://schemas.microsoft.com/office/drawing/2014/main" id="{B0C0EBA0-2646-D649-137B-265D744CEEEB}"/>
+                <a16:creationId xmlns:a16="http://schemas.microsoft.com/office/drawing/2014/main" id="{9695D79B-140F-ED0F-12F1-D63F0CD77AA1}"/>
               </a:ext>
             </a:extLst>
           </p:cNvPr>
@@ -6290,6 +6804,205 @@
             <a:fld id="{08C366F5-AFAD-49CB-854A-9D9E238FCA13}" type="slidenum">
               <a:rPr lang="en-GB" smtClean="0"/>
               <a:t>17</a:t>
+            </a:fld>
+            <a:endParaRPr lang="en-GB"/>
+          </a:p>
+        </p:txBody>
+      </p:sp>
+    </p:spTree>
+    <p:extLst>
+      <p:ext uri="{BB962C8B-B14F-4D97-AF65-F5344CB8AC3E}">
+        <p14:creationId xmlns:p14="http://schemas.microsoft.com/office/powerpoint/2010/main" val="1043321803"/>
+      </p:ext>
+    </p:extLst>
+  </p:cSld>
+  <p:clrMapOvr>
+    <a:masterClrMapping/>
+  </p:clrMapOvr>
+</p:sld>
+</file>
+
+<file path=ppt/slides/slide18.xml><?xml version="1.0" encoding="utf-8"?>
+<p:sld xmlns:a="http://schemas.openxmlformats.org/drawingml/2006/main" xmlns:r="http://schemas.openxmlformats.org/officeDocument/2006/relationships" xmlns:p="http://schemas.openxmlformats.org/presentationml/2006/main">
+  <p:cSld>
+    <p:spTree>
+      <p:nvGrpSpPr>
+        <p:cNvPr id="1" name=""/>
+        <p:cNvGrpSpPr/>
+        <p:nvPr/>
+      </p:nvGrpSpPr>
+      <p:grpSpPr>
+        <a:xfrm>
+          <a:off x="0" y="0"/>
+          <a:ext cx="0" cy="0"/>
+          <a:chOff x="0" y="0"/>
+          <a:chExt cx="0" cy="0"/>
+        </a:xfrm>
+      </p:grpSpPr>
+      <p:sp>
+        <p:nvSpPr>
+          <p:cNvPr id="2" name="Titel 1">
+            <a:extLst>
+              <a:ext uri="{FF2B5EF4-FFF2-40B4-BE49-F238E27FC236}">
+                <a16:creationId xmlns:a16="http://schemas.microsoft.com/office/drawing/2014/main" id="{E3D76B9D-A952-FA61-3FEA-B2C35BC9EBA5}"/>
+              </a:ext>
+            </a:extLst>
+          </p:cNvPr>
+          <p:cNvSpPr>
+            <a:spLocks noGrp="1"/>
+          </p:cNvSpPr>
+          <p:nvPr>
+            <p:ph type="title"/>
+          </p:nvPr>
+        </p:nvSpPr>
+        <p:spPr/>
+        <p:txBody>
+          <a:bodyPr/>
+          <a:lstStyle/>
+          <a:p>
+            <a:r>
+              <a:rPr lang="de-DE" dirty="0" err="1"/>
+              <a:t>Gain</a:t>
+            </a:r>
+            <a:r>
+              <a:rPr lang="de-DE" dirty="0"/>
+              <a:t> and Phase </a:t>
+            </a:r>
+            <a:r>
+              <a:rPr lang="de-DE" dirty="0" err="1"/>
+              <a:t>Margins</a:t>
+            </a:r>
+            <a:endParaRPr lang="de-DE" dirty="0"/>
+          </a:p>
+        </p:txBody>
+      </p:sp>
+      <p:sp>
+        <p:nvSpPr>
+          <p:cNvPr id="3" name="Inhaltsplatzhalter 2">
+            <a:extLst>
+              <a:ext uri="{FF2B5EF4-FFF2-40B4-BE49-F238E27FC236}">
+                <a16:creationId xmlns:a16="http://schemas.microsoft.com/office/drawing/2014/main" id="{841DCEC5-E062-73EC-599B-965A44B5F682}"/>
+              </a:ext>
+            </a:extLst>
+          </p:cNvPr>
+          <p:cNvSpPr>
+            <a:spLocks noGrp="1"/>
+          </p:cNvSpPr>
+          <p:nvPr>
+            <p:ph idx="1"/>
+          </p:nvPr>
+        </p:nvSpPr>
+        <p:spPr/>
+        <p:txBody>
+          <a:bodyPr/>
+          <a:lstStyle/>
+          <a:p>
+            <a:r>
+              <a:rPr lang="de-DE" dirty="0" err="1"/>
+              <a:t>Measure</a:t>
+            </a:r>
+            <a:r>
+              <a:rPr lang="de-DE" dirty="0"/>
+              <a:t> </a:t>
+            </a:r>
+            <a:r>
+              <a:rPr lang="de-DE" dirty="0" err="1"/>
+              <a:t>distance</a:t>
+            </a:r>
+            <a:r>
+              <a:rPr lang="de-DE" dirty="0"/>
+              <a:t> </a:t>
+            </a:r>
+            <a:r>
+              <a:rPr lang="de-DE" dirty="0" err="1"/>
+              <a:t>to</a:t>
+            </a:r>
+            <a:r>
+              <a:rPr lang="de-DE" dirty="0"/>
+              <a:t> </a:t>
+            </a:r>
+            <a:r>
+              <a:rPr lang="de-DE" dirty="0" err="1"/>
+              <a:t>instability</a:t>
+            </a:r>
+            <a:endParaRPr lang="de-DE" dirty="0"/>
+          </a:p>
+          <a:p>
+            <a:r>
+              <a:rPr lang="de-DE" dirty="0" err="1"/>
+              <a:t>Practical</a:t>
+            </a:r>
+            <a:r>
+              <a:rPr lang="de-DE" dirty="0"/>
+              <a:t> </a:t>
+            </a:r>
+            <a:r>
+              <a:rPr lang="de-DE" dirty="0" err="1"/>
+              <a:t>robustness</a:t>
+            </a:r>
+            <a:r>
+              <a:rPr lang="de-DE" dirty="0"/>
+              <a:t> </a:t>
+            </a:r>
+            <a:r>
+              <a:rPr lang="de-DE" dirty="0" err="1"/>
+              <a:t>indicators</a:t>
+            </a:r>
+            <a:endParaRPr lang="de-DE" dirty="0"/>
+          </a:p>
+          <a:p>
+            <a:r>
+              <a:rPr lang="de-DE" dirty="0"/>
+              <a:t>Read </a:t>
+            </a:r>
+            <a:r>
+              <a:rPr lang="de-DE" dirty="0" err="1"/>
+              <a:t>directly</a:t>
+            </a:r>
+            <a:r>
+              <a:rPr lang="de-DE" dirty="0"/>
+              <a:t> </a:t>
+            </a:r>
+            <a:r>
+              <a:rPr lang="de-DE" dirty="0" err="1"/>
+              <a:t>from</a:t>
+            </a:r>
+            <a:r>
+              <a:rPr lang="de-DE" dirty="0"/>
+              <a:t> Bode </a:t>
+            </a:r>
+            <a:r>
+              <a:rPr lang="de-DE" dirty="0" err="1"/>
+              <a:t>plots</a:t>
+            </a:r>
+            <a:endParaRPr lang="de-DE" dirty="0"/>
+          </a:p>
+        </p:txBody>
+      </p:sp>
+      <p:sp>
+        <p:nvSpPr>
+          <p:cNvPr id="4" name="Foliennummernplatzhalter 3">
+            <a:extLst>
+              <a:ext uri="{FF2B5EF4-FFF2-40B4-BE49-F238E27FC236}">
+                <a16:creationId xmlns:a16="http://schemas.microsoft.com/office/drawing/2014/main" id="{B0C0EBA0-2646-D649-137B-265D744CEEEB}"/>
+              </a:ext>
+            </a:extLst>
+          </p:cNvPr>
+          <p:cNvSpPr>
+            <a:spLocks noGrp="1"/>
+          </p:cNvSpPr>
+          <p:nvPr>
+            <p:ph type="sldNum" sz="quarter" idx="12"/>
+          </p:nvPr>
+        </p:nvSpPr>
+        <p:spPr/>
+        <p:txBody>
+          <a:bodyPr/>
+          <a:lstStyle/>
+          <a:p>
+            <a:fld id="{08C366F5-AFAD-49CB-854A-9D9E238FCA13}" type="slidenum">
+              <a:rPr lang="en-GB" smtClean="0"/>
+              <a:t>18</a:t>
             </a:fld>
             <a:endParaRPr lang="en-GB"/>
           </a:p>
@@ -6657,6 +7370,12 @@
         <p:txBody>
           <a:bodyPr/>
           <a:lstStyle/>
+          <a:p>
+            <a:pPr marL="0" indent="0">
+              <a:buNone/>
+            </a:pPr>
+            <a:endParaRPr lang="de-DE" dirty="0"/>
+          </a:p>
           <a:p>
             <a:r>
               <a:rPr lang="de-DE" dirty="0" err="1"/>

--- a/slides/4_stability.pptx
+++ b/slides/4_stability.pptx
@@ -496,7 +496,7 @@
           <a:p>
             <a:fld id="{506E0FD1-891F-4B1E-916D-E9B585160BB8}" type="datetimeFigureOut">
               <a:rPr lang="en-GB" smtClean="0"/>
-              <a:t>17/02/2026</a:t>
+              <a:t>18/02/2026</a:t>
             </a:fld>
             <a:endParaRPr lang="en-GB"/>
           </a:p>
@@ -913,7 +913,7 @@
           <a:p>
             <a:fld id="{D68C3F22-27B2-44E3-9C5F-D08126455F6F}" type="datetime1">
               <a:rPr lang="en-GB" smtClean="0"/>
-              <a:t>17/02/2026</a:t>
+              <a:t>18/02/2026</a:t>
             </a:fld>
             <a:endParaRPr lang="en-GB"/>
           </a:p>
@@ -1113,7 +1113,7 @@
           <a:p>
             <a:fld id="{1CD03846-7BF6-4FB6-A921-FF3379ADBD4C}" type="datetime1">
               <a:rPr lang="en-GB" smtClean="0"/>
-              <a:t>17/02/2026</a:t>
+              <a:t>18/02/2026</a:t>
             </a:fld>
             <a:endParaRPr lang="en-GB"/>
           </a:p>
@@ -1323,7 +1323,7 @@
           <a:p>
             <a:fld id="{99E1B91A-3FD0-4144-9C84-63E9688ED2FE}" type="datetime1">
               <a:rPr lang="en-GB" smtClean="0"/>
-              <a:t>17/02/2026</a:t>
+              <a:t>18/02/2026</a:t>
             </a:fld>
             <a:endParaRPr lang="en-GB"/>
           </a:p>
@@ -1523,7 +1523,7 @@
           <a:p>
             <a:fld id="{5295ED7B-FEAD-4734-819F-93EF4B0EA908}" type="datetime1">
               <a:rPr lang="en-GB" smtClean="0"/>
-              <a:t>17/02/2026</a:t>
+              <a:t>18/02/2026</a:t>
             </a:fld>
             <a:endParaRPr lang="en-GB"/>
           </a:p>
@@ -1799,7 +1799,7 @@
           <a:p>
             <a:fld id="{D2D5D4B4-C926-4B45-8815-1ED8911179A2}" type="datetime1">
               <a:rPr lang="en-GB" smtClean="0"/>
-              <a:t>17/02/2026</a:t>
+              <a:t>18/02/2026</a:t>
             </a:fld>
             <a:endParaRPr lang="en-GB"/>
           </a:p>
@@ -2067,7 +2067,7 @@
           <a:p>
             <a:fld id="{B4C5210A-0E37-4935-93AF-69F21A5F712F}" type="datetime1">
               <a:rPr lang="en-GB" smtClean="0"/>
-              <a:t>17/02/2026</a:t>
+              <a:t>18/02/2026</a:t>
             </a:fld>
             <a:endParaRPr lang="en-GB"/>
           </a:p>
@@ -2482,7 +2482,7 @@
           <a:p>
             <a:fld id="{3D3A6B2F-436C-4691-80E8-9C890E000E9D}" type="datetime1">
               <a:rPr lang="en-GB" smtClean="0"/>
-              <a:t>17/02/2026</a:t>
+              <a:t>18/02/2026</a:t>
             </a:fld>
             <a:endParaRPr lang="en-GB"/>
           </a:p>
@@ -2624,7 +2624,7 @@
           <a:p>
             <a:fld id="{84385F4C-D74B-496F-8D21-97E3549C783B}" type="datetime1">
               <a:rPr lang="en-GB" smtClean="0"/>
-              <a:t>17/02/2026</a:t>
+              <a:t>18/02/2026</a:t>
             </a:fld>
             <a:endParaRPr lang="en-GB"/>
           </a:p>
@@ -2737,7 +2737,7 @@
           <a:p>
             <a:fld id="{0CBDCB32-C241-4703-A832-4EB47BD54E83}" type="datetime1">
               <a:rPr lang="en-GB" smtClean="0"/>
-              <a:t>17/02/2026</a:t>
+              <a:t>18/02/2026</a:t>
             </a:fld>
             <a:endParaRPr lang="en-GB"/>
           </a:p>
@@ -3050,7 +3050,7 @@
           <a:p>
             <a:fld id="{85C150FF-BE95-4D25-A16A-E368A81CBF24}" type="datetime1">
               <a:rPr lang="en-GB" smtClean="0"/>
-              <a:t>17/02/2026</a:t>
+              <a:t>18/02/2026</a:t>
             </a:fld>
             <a:endParaRPr lang="en-GB"/>
           </a:p>
@@ -3339,7 +3339,7 @@
           <a:p>
             <a:fld id="{F3C5DB4B-B349-43C9-A424-BADA723AD9F1}" type="datetime1">
               <a:rPr lang="en-GB" smtClean="0"/>
-              <a:t>17/02/2026</a:t>
+              <a:t>18/02/2026</a:t>
             </a:fld>
             <a:endParaRPr lang="en-GB"/>
           </a:p>
@@ -3582,7 +3582,7 @@
           <a:p>
             <a:fld id="{12632426-0A0C-405F-A3D0-2D11AA44702A}" type="datetime1">
               <a:rPr lang="en-GB" smtClean="0"/>
-              <a:t>17/02/2026</a:t>
+              <a:t>18/02/2026</a:t>
             </a:fld>
             <a:endParaRPr lang="en-GB"/>
           </a:p>
@@ -5342,6 +5342,29 @@
             </a:r>
             <a:endParaRPr lang="de-DE" dirty="0"/>
           </a:p>
+          <a:p>
+            <a:r>
+              <a:rPr lang="de-DE" dirty="0" err="1"/>
+              <a:t>Often</a:t>
+            </a:r>
+            <a:r>
+              <a:rPr lang="de-DE" dirty="0"/>
+              <a:t> </a:t>
+            </a:r>
+            <a:r>
+              <a:rPr lang="de-DE" dirty="0" err="1"/>
+              <a:t>calculated</a:t>
+            </a:r>
+            <a:r>
+              <a:rPr lang="de-DE" dirty="0"/>
+              <a:t> </a:t>
+            </a:r>
+            <a:r>
+              <a:rPr lang="de-DE" dirty="0" err="1"/>
+              <a:t>numerically</a:t>
+            </a:r>
+            <a:endParaRPr lang="de-DE" dirty="0"/>
+          </a:p>
         </p:txBody>
       </p:sp>
       <p:sp>
@@ -5582,8 +5605,8 @@
           </a:p>
         </p:txBody>
       </p:sp>
-      <mc:AlternateContent xmlns:mc="http://schemas.openxmlformats.org/markup-compatibility/2006">
-        <mc:Choice xmlns:a14="http://schemas.microsoft.com/office/drawing/2010/main" Requires="a14">
+      <mc:AlternateContent xmlns:mc="http://schemas.openxmlformats.org/markup-compatibility/2006" xmlns:a14="http://schemas.microsoft.com/office/drawing/2010/main">
+        <mc:Choice Requires="a14">
           <p:sp>
             <p:nvSpPr>
               <p:cNvPr id="3" name="Inhaltsplatzhalter 2">
@@ -6216,7 +6239,7 @@
             </p:txBody>
           </p:sp>
         </mc:Choice>
-        <mc:Fallback>
+        <mc:Fallback xmlns="">
           <p:sp>
             <p:nvSpPr>
               <p:cNvPr id="3" name="Inhaltsplatzhalter 2">
@@ -6501,82 +6524,388 @@
           </a:p>
         </p:txBody>
       </p:sp>
-      <p:sp>
-        <p:nvSpPr>
-          <p:cNvPr id="3" name="Inhaltsplatzhalter 2">
-            <a:extLst>
-              <a:ext uri="{FF2B5EF4-FFF2-40B4-BE49-F238E27FC236}">
-                <a16:creationId xmlns:a16="http://schemas.microsoft.com/office/drawing/2014/main" id="{453D7CE1-C65E-F11F-3A4B-8EC03F1E1BC8}"/>
-              </a:ext>
-            </a:extLst>
-          </p:cNvPr>
-          <p:cNvSpPr>
-            <a:spLocks noGrp="1"/>
-          </p:cNvSpPr>
-          <p:nvPr>
-            <p:ph idx="1"/>
-          </p:nvPr>
-        </p:nvSpPr>
-        <p:spPr/>
-        <p:txBody>
-          <a:bodyPr/>
-          <a:lstStyle/>
-          <a:p>
-            <a:r>
-              <a:rPr lang="de-DE" dirty="0" err="1"/>
-              <a:t>Stability</a:t>
-            </a:r>
-            <a:r>
-              <a:rPr lang="de-DE" dirty="0"/>
-              <a:t> </a:t>
-            </a:r>
-            <a:r>
-              <a:rPr lang="de-DE" dirty="0" err="1"/>
-              <a:t>inferred</a:t>
-            </a:r>
-            <a:r>
-              <a:rPr lang="de-DE" dirty="0"/>
-              <a:t> </a:t>
-            </a:r>
-            <a:r>
-              <a:rPr lang="de-DE" dirty="0" err="1"/>
-              <a:t>from</a:t>
-            </a:r>
-            <a:r>
-              <a:rPr lang="de-DE" dirty="0"/>
-              <a:t> </a:t>
-            </a:r>
-            <a:r>
-              <a:rPr lang="de-DE" dirty="0" err="1"/>
-              <a:t>frequency</a:t>
-            </a:r>
-            <a:r>
-              <a:rPr lang="de-DE" dirty="0"/>
-              <a:t> </a:t>
-            </a:r>
-            <a:r>
-              <a:rPr lang="de-DE" dirty="0" err="1"/>
-              <a:t>response</a:t>
-            </a:r>
-            <a:endParaRPr lang="de-DE" dirty="0"/>
-          </a:p>
-          <a:p>
-            <a:r>
-              <a:rPr lang="de-DE" dirty="0" err="1"/>
-              <a:t>Avoids</a:t>
-            </a:r>
-            <a:r>
-              <a:rPr lang="de-DE" dirty="0"/>
-              <a:t> explicit pole </a:t>
-            </a:r>
-            <a:r>
-              <a:rPr lang="de-DE" dirty="0" err="1"/>
-              <a:t>calculation</a:t>
-            </a:r>
-            <a:endParaRPr lang="de-DE" dirty="0"/>
-          </a:p>
-        </p:txBody>
-      </p:sp>
+      <mc:AlternateContent xmlns:mc="http://schemas.openxmlformats.org/markup-compatibility/2006">
+        <mc:Choice xmlns:a14="http://schemas.microsoft.com/office/drawing/2010/main" Requires="a14">
+          <p:sp>
+            <p:nvSpPr>
+              <p:cNvPr id="3" name="Inhaltsplatzhalter 2">
+                <a:extLst>
+                  <a:ext uri="{FF2B5EF4-FFF2-40B4-BE49-F238E27FC236}">
+                    <a16:creationId xmlns:a16="http://schemas.microsoft.com/office/drawing/2014/main" id="{453D7CE1-C65E-F11F-3A4B-8EC03F1E1BC8}"/>
+                  </a:ext>
+                </a:extLst>
+              </p:cNvPr>
+              <p:cNvSpPr>
+                <a:spLocks noGrp="1"/>
+              </p:cNvSpPr>
+              <p:nvPr>
+                <p:ph idx="1"/>
+              </p:nvPr>
+            </p:nvSpPr>
+            <p:spPr/>
+            <p:txBody>
+              <a:bodyPr>
+                <a:normAutofit/>
+              </a:bodyPr>
+              <a:lstStyle/>
+              <a:p>
+                <a:pPr marL="0" indent="0">
+                  <a:buNone/>
+                </a:pPr>
+                <a:r>
+                  <a:rPr lang="de-DE" sz="2600" dirty="0" err="1"/>
+                  <a:t>Stability</a:t>
+                </a:r>
+                <a:r>
+                  <a:rPr lang="de-DE" sz="2600" dirty="0"/>
+                  <a:t> </a:t>
+                </a:r>
+                <a:r>
+                  <a:rPr lang="de-DE" sz="2600" dirty="0" err="1"/>
+                  <a:t>inferred</a:t>
+                </a:r>
+                <a:r>
+                  <a:rPr lang="de-DE" sz="2600" dirty="0"/>
+                  <a:t> </a:t>
+                </a:r>
+                <a:r>
+                  <a:rPr lang="de-DE" sz="2600" dirty="0" err="1"/>
+                  <a:t>from</a:t>
+                </a:r>
+                <a:r>
+                  <a:rPr lang="de-DE" sz="2600" dirty="0"/>
+                  <a:t> </a:t>
+                </a:r>
+                <a:r>
+                  <a:rPr lang="de-DE" sz="2600" dirty="0" err="1"/>
+                  <a:t>frequency</a:t>
+                </a:r>
+                <a:r>
+                  <a:rPr lang="de-DE" sz="2600" dirty="0"/>
+                  <a:t> </a:t>
+                </a:r>
+                <a:r>
+                  <a:rPr lang="de-DE" sz="2600" dirty="0" err="1"/>
+                  <a:t>response</a:t>
+                </a:r>
+                <a:r>
+                  <a:rPr lang="de-DE" sz="2600" dirty="0"/>
+                  <a:t>, i.e., </a:t>
+                </a:r>
+                <a:r>
+                  <a:rPr lang="de-DE" sz="2600" dirty="0" err="1"/>
+                  <a:t>examination</a:t>
+                </a:r>
+                <a:r>
+                  <a:rPr lang="de-DE" sz="2600" dirty="0"/>
+                  <a:t> </a:t>
+                </a:r>
+                <a:r>
+                  <a:rPr lang="de-DE" sz="2600" dirty="0" err="1"/>
+                  <a:t>of</a:t>
+                </a:r>
+                <a:r>
+                  <a:rPr lang="de-DE" sz="2600" dirty="0"/>
+                  <a:t> </a:t>
+                </a:r>
+                <a14:m>
+                  <m:oMath xmlns:m="http://schemas.openxmlformats.org/officeDocument/2006/math">
+                    <m:r>
+                      <a:rPr lang="de-DE" sz="2600" b="0" i="1" smtClean="0">
+                        <a:latin typeface="Cambria Math" panose="02040503050406030204" pitchFamily="18" charset="0"/>
+                      </a:rPr>
+                      <m:t>𝐺</m:t>
+                    </m:r>
+                    <m:d>
+                      <m:dPr>
+                        <m:ctrlPr>
+                          <a:rPr lang="de-DE" sz="2600" b="0" i="1" smtClean="0">
+                            <a:latin typeface="Cambria Math" panose="02040503050406030204" pitchFamily="18" charset="0"/>
+                          </a:rPr>
+                        </m:ctrlPr>
+                      </m:dPr>
+                      <m:e>
+                        <m:r>
+                          <a:rPr lang="de-DE" sz="2600" b="0" i="1" smtClean="0">
+                            <a:latin typeface="Cambria Math" panose="02040503050406030204" pitchFamily="18" charset="0"/>
+                          </a:rPr>
+                          <m:t>𝑗</m:t>
+                        </m:r>
+                        <m:r>
+                          <a:rPr lang="de-DE" sz="2600" b="0" i="1" smtClean="0">
+                            <a:latin typeface="Cambria Math" panose="02040503050406030204" pitchFamily="18" charset="0"/>
+                            <a:ea typeface="Cambria Math" panose="02040503050406030204" pitchFamily="18" charset="0"/>
+                          </a:rPr>
+                          <m:t>𝜔</m:t>
+                        </m:r>
+                      </m:e>
+                    </m:d>
+                  </m:oMath>
+                </a14:m>
+                <a:endParaRPr lang="de-DE" sz="2600" dirty="0"/>
+              </a:p>
+              <a:p>
+                <a:r>
+                  <a:rPr lang="de-DE" sz="2600" dirty="0" err="1"/>
+                  <a:t>Purely</a:t>
+                </a:r>
+                <a:r>
+                  <a:rPr lang="de-DE" sz="2600" dirty="0"/>
+                  <a:t> experimental </a:t>
+                </a:r>
+                <a:r>
+                  <a:rPr lang="de-DE" sz="2600" dirty="0" err="1"/>
+                  <a:t>approach</a:t>
+                </a:r>
+                <a:r>
+                  <a:rPr lang="de-DE" sz="2600" dirty="0"/>
+                  <a:t>, </a:t>
+                </a:r>
+                <a:r>
+                  <a:rPr lang="de-DE" sz="2600" dirty="0" err="1"/>
+                  <a:t>n</a:t>
+                </a:r>
+                <a:r>
+                  <a:rPr lang="de-DE" sz="2400" dirty="0" err="1"/>
+                  <a:t>o</a:t>
+                </a:r>
+                <a:r>
+                  <a:rPr lang="de-DE" sz="2400" dirty="0"/>
+                  <a:t> </a:t>
+                </a:r>
+                <a:r>
+                  <a:rPr lang="de-DE" sz="2400" dirty="0" err="1"/>
+                  <a:t>mathematical</a:t>
+                </a:r>
+                <a:r>
+                  <a:rPr lang="de-DE" sz="2400" dirty="0"/>
+                  <a:t> </a:t>
+                </a:r>
+                <a:r>
+                  <a:rPr lang="de-DE" sz="2400" dirty="0" err="1"/>
+                  <a:t>model</a:t>
+                </a:r>
+                <a:r>
+                  <a:rPr lang="de-DE" sz="2400" dirty="0"/>
+                  <a:t> </a:t>
+                </a:r>
+                <a:r>
+                  <a:rPr lang="de-DE" sz="2400" dirty="0" err="1"/>
+                  <a:t>needed</a:t>
+                </a:r>
+                <a:r>
+                  <a:rPr lang="de-DE" sz="2400" dirty="0"/>
+                  <a:t>, </a:t>
+                </a:r>
+                <a:r>
+                  <a:rPr lang="de-DE" sz="2600" dirty="0" err="1"/>
+                  <a:t>no</a:t>
+                </a:r>
+                <a:r>
+                  <a:rPr lang="de-DE" sz="2600" dirty="0"/>
+                  <a:t> explicit pole </a:t>
+                </a:r>
+                <a:r>
+                  <a:rPr lang="de-DE" sz="2600" dirty="0" err="1"/>
+                  <a:t>calculation</a:t>
+                </a:r>
+                <a:endParaRPr lang="de-DE" sz="2600" dirty="0"/>
+              </a:p>
+              <a:p>
+                <a:r>
+                  <a:rPr lang="de-DE" sz="2600" dirty="0" err="1"/>
+                  <a:t>Graphical</a:t>
+                </a:r>
+                <a:r>
+                  <a:rPr lang="de-DE" sz="2600" dirty="0"/>
+                  <a:t> </a:t>
+                </a:r>
+                <a:r>
+                  <a:rPr lang="de-DE" sz="2600" dirty="0" err="1"/>
+                  <a:t>instead</a:t>
+                </a:r>
+                <a:r>
+                  <a:rPr lang="de-DE" sz="2600" dirty="0"/>
+                  <a:t> </a:t>
+                </a:r>
+                <a:r>
+                  <a:rPr lang="de-DE" sz="2600" dirty="0" err="1"/>
+                  <a:t>of</a:t>
+                </a:r>
+                <a:r>
+                  <a:rPr lang="de-DE" sz="2600" dirty="0"/>
+                  <a:t> </a:t>
+                </a:r>
+                <a:r>
+                  <a:rPr lang="de-DE" sz="2600" dirty="0" err="1"/>
+                  <a:t>numerical</a:t>
+                </a:r>
+                <a:r>
+                  <a:rPr lang="de-DE" sz="2600" dirty="0"/>
+                  <a:t> </a:t>
+                </a:r>
+                <a:r>
+                  <a:rPr lang="de-DE" sz="2600" dirty="0" err="1"/>
+                  <a:t>methods</a:t>
+                </a:r>
+                <a:r>
+                  <a:rPr lang="de-DE" sz="2600" dirty="0"/>
+                  <a:t>: </a:t>
+                </a:r>
+                <a:r>
+                  <a:rPr lang="de-DE" sz="2600" dirty="0" err="1"/>
+                  <a:t>Nyquist</a:t>
+                </a:r>
+                <a:r>
+                  <a:rPr lang="de-DE" sz="2600" dirty="0"/>
+                  <a:t> </a:t>
+                </a:r>
+                <a:r>
+                  <a:rPr lang="de-DE" sz="2600" dirty="0" err="1"/>
+                  <a:t>curve</a:t>
+                </a:r>
+                <a:r>
+                  <a:rPr lang="de-DE" sz="2600" dirty="0"/>
+                  <a:t>, Bode </a:t>
+                </a:r>
+                <a:r>
+                  <a:rPr lang="de-DE" sz="2600" dirty="0" err="1"/>
+                  <a:t>plots</a:t>
+                </a:r>
+                <a:endParaRPr lang="de-DE" sz="2600" dirty="0"/>
+              </a:p>
+              <a:p>
+                <a:pPr marL="0" indent="0">
+                  <a:buNone/>
+                </a:pPr>
+                <a:endParaRPr lang="de-DE" sz="2600" dirty="0"/>
+              </a:p>
+              <a:p>
+                <a:pPr marL="0" indent="0">
+                  <a:buNone/>
+                </a:pPr>
+                <a:r>
+                  <a:rPr lang="de-DE" sz="2600" dirty="0"/>
+                  <a:t>So </a:t>
+                </a:r>
+                <a:r>
+                  <a:rPr lang="de-DE" sz="2600" dirty="0" err="1"/>
+                  <a:t>far</a:t>
+                </a:r>
+                <a:r>
+                  <a:rPr lang="de-DE" sz="2600" dirty="0"/>
+                  <a:t>: open-loop </a:t>
+                </a:r>
+                <a:r>
+                  <a:rPr lang="de-DE" sz="2600" dirty="0" err="1"/>
+                  <a:t>analysis</a:t>
+                </a:r>
+                <a:r>
+                  <a:rPr lang="de-DE" sz="2600" dirty="0"/>
+                  <a:t> via Bode </a:t>
+                </a:r>
+                <a:r>
+                  <a:rPr lang="de-DE" sz="2600" dirty="0" err="1"/>
+                  <a:t>plots</a:t>
+                </a:r>
+                <a:endParaRPr lang="de-DE" sz="2600" dirty="0"/>
+              </a:p>
+              <a:p>
+                <a:pPr marL="0" indent="0">
+                  <a:buNone/>
+                </a:pPr>
+                <a:r>
+                  <a:rPr lang="de-DE" sz="2600" dirty="0" err="1"/>
+                  <a:t>Now</a:t>
+                </a:r>
+                <a:r>
+                  <a:rPr lang="de-DE" sz="2600" dirty="0"/>
+                  <a:t> </a:t>
+                </a:r>
+                <a:r>
+                  <a:rPr lang="de-DE" sz="2600" dirty="0" err="1"/>
+                  <a:t>consider</a:t>
+                </a:r>
+                <a:r>
+                  <a:rPr lang="de-DE" sz="2600" dirty="0"/>
+                  <a:t> </a:t>
+                </a:r>
+                <a:r>
+                  <a:rPr lang="de-DE" sz="2600" dirty="0" err="1"/>
+                  <a:t>closed</a:t>
+                </a:r>
+                <a:r>
+                  <a:rPr lang="de-DE" sz="2600" dirty="0"/>
+                  <a:t>-loop </a:t>
+                </a:r>
+                <a:r>
+                  <a:rPr lang="de-DE" sz="2600" dirty="0" err="1"/>
+                  <a:t>stability</a:t>
+                </a:r>
+                <a:r>
+                  <a:rPr lang="de-DE" sz="2600" dirty="0"/>
+                  <a:t> (</a:t>
+                </a:r>
+                <a:r>
+                  <a:rPr lang="de-DE" sz="2600" dirty="0" err="1"/>
+                  <a:t>feedback</a:t>
+                </a:r>
+                <a:r>
+                  <a:rPr lang="de-DE" sz="2600" dirty="0"/>
+                  <a:t> </a:t>
+                </a:r>
+                <a:r>
+                  <a:rPr lang="de-DE" sz="2600" dirty="0" err="1"/>
+                  <a:t>systems</a:t>
+                </a:r>
+                <a:r>
+                  <a:rPr lang="de-DE" sz="2600" dirty="0"/>
+                  <a:t>)</a:t>
+                </a:r>
+              </a:p>
+            </p:txBody>
+          </p:sp>
+        </mc:Choice>
+        <mc:Fallback>
+          <p:sp>
+            <p:nvSpPr>
+              <p:cNvPr id="3" name="Inhaltsplatzhalter 2">
+                <a:extLst>
+                  <a:ext uri="{FF2B5EF4-FFF2-40B4-BE49-F238E27FC236}">
+                    <a16:creationId xmlns:a16="http://schemas.microsoft.com/office/drawing/2014/main" id="{453D7CE1-C65E-F11F-3A4B-8EC03F1E1BC8}"/>
+                  </a:ext>
+                </a:extLst>
+              </p:cNvPr>
+              <p:cNvSpPr>
+                <a:spLocks noGrp="1" noRot="1" noChangeAspect="1" noMove="1" noResize="1" noEditPoints="1" noAdjustHandles="1" noChangeArrowheads="1" noChangeShapeType="1" noTextEdit="1"/>
+              </p:cNvSpPr>
+              <p:nvPr>
+                <p:ph idx="1"/>
+              </p:nvPr>
+            </p:nvSpPr>
+            <p:spPr>
+              <a:blipFill>
+                <a:blip r:embed="rId2"/>
+                <a:stretch>
+                  <a:fillRect l="-1086" t="-2035"/>
+                </a:stretch>
+              </a:blipFill>
+            </p:spPr>
+            <p:txBody>
+              <a:bodyPr/>
+              <a:lstStyle/>
+              <a:p>
+                <a:r>
+                  <a:rPr lang="de-DE">
+                    <a:noFill/>
+                  </a:rPr>
+                  <a:t> </a:t>
+                </a:r>
+              </a:p>
+            </p:txBody>
+          </p:sp>
+        </mc:Fallback>
+      </mc:AlternateContent>
       <p:sp>
         <p:nvSpPr>
           <p:cNvPr id="4" name="Foliennummernplatzhalter 3">
@@ -9418,120 +9747,440 @@
         </p:nvSpPr>
         <p:spPr/>
         <p:txBody>
-          <a:bodyPr/>
+          <a:bodyPr>
+            <a:normAutofit/>
+          </a:bodyPr>
           <a:lstStyle/>
           <a:p>
             <a:r>
-              <a:rPr lang="de-DE" dirty="0" err="1"/>
+              <a:rPr lang="de-DE" sz="2400" dirty="0" err="1"/>
               <a:t>Stable</a:t>
             </a:r>
             <a:r>
-              <a:rPr lang="de-DE" dirty="0"/>
+              <a:rPr lang="de-DE" sz="2400" dirty="0"/>
               <a:t> </a:t>
             </a:r>
             <a:r>
-              <a:rPr lang="de-DE" dirty="0" err="1"/>
+              <a:rPr lang="de-DE" sz="2400" dirty="0" err="1"/>
               <a:t>if</a:t>
             </a:r>
             <a:r>
-              <a:rPr lang="de-DE" dirty="0"/>
+              <a:rPr lang="de-DE" sz="2400" dirty="0"/>
               <a:t> all </a:t>
             </a:r>
             <a:r>
-              <a:rPr lang="de-DE" dirty="0" err="1"/>
+              <a:rPr lang="de-DE" sz="2400" dirty="0" err="1"/>
               <a:t>poles</a:t>
             </a:r>
             <a:r>
-              <a:rPr lang="de-DE" dirty="0"/>
+              <a:rPr lang="de-DE" sz="2400" dirty="0"/>
               <a:t> </a:t>
             </a:r>
             <a:r>
-              <a:rPr lang="de-DE" dirty="0" err="1"/>
+              <a:rPr lang="de-DE" sz="2400" dirty="0" err="1"/>
               <a:t>have</a:t>
             </a:r>
             <a:r>
-              <a:rPr lang="de-DE" dirty="0"/>
+              <a:rPr lang="de-DE" sz="2400" dirty="0"/>
               <a:t> negative real </a:t>
             </a:r>
             <a:r>
-              <a:rPr lang="de-DE" dirty="0" err="1"/>
+              <a:rPr lang="de-DE" sz="2400" dirty="0" err="1"/>
               <a:t>part</a:t>
             </a:r>
-            <a:endParaRPr lang="de-DE" dirty="0"/>
+            <a:endParaRPr lang="de-DE" sz="2400" dirty="0"/>
+          </a:p>
+          <a:p>
+            <a:r>
+              <a:rPr lang="de-DE" sz="2400" dirty="0" err="1"/>
+              <a:t>Marginally</a:t>
+            </a:r>
+            <a:r>
+              <a:rPr lang="de-DE" sz="2400" dirty="0"/>
+              <a:t> </a:t>
+            </a:r>
+            <a:r>
+              <a:rPr lang="de-DE" sz="2400" dirty="0" err="1"/>
+              <a:t>stable</a:t>
+            </a:r>
+            <a:r>
+              <a:rPr lang="de-DE" sz="2400" dirty="0"/>
+              <a:t> </a:t>
+            </a:r>
+            <a:r>
+              <a:rPr lang="de-DE" sz="2400" dirty="0" err="1"/>
+              <a:t>if</a:t>
+            </a:r>
+            <a:r>
+              <a:rPr lang="de-DE" sz="2400" dirty="0"/>
+              <a:t> </a:t>
+            </a:r>
+            <a:r>
+              <a:rPr lang="de-DE" sz="2400" dirty="0" err="1"/>
+              <a:t>poles</a:t>
+            </a:r>
+            <a:r>
+              <a:rPr lang="de-DE" sz="2400" dirty="0"/>
+              <a:t> on </a:t>
+            </a:r>
+            <a:r>
+              <a:rPr lang="de-DE" sz="2400" dirty="0" err="1"/>
+              <a:t>imaginary</a:t>
+            </a:r>
+            <a:r>
+              <a:rPr lang="de-DE" sz="2400" dirty="0"/>
+              <a:t> </a:t>
+            </a:r>
+            <a:r>
+              <a:rPr lang="de-DE" sz="2400" dirty="0" err="1"/>
+              <a:t>axis</a:t>
+            </a:r>
+            <a:endParaRPr lang="de-DE" sz="2400" dirty="0"/>
+          </a:p>
+          <a:p>
+            <a:r>
+              <a:rPr lang="de-DE" sz="2400" dirty="0" err="1"/>
+              <a:t>Unstable</a:t>
+            </a:r>
+            <a:r>
+              <a:rPr lang="de-DE" sz="2400" dirty="0"/>
+              <a:t> </a:t>
+            </a:r>
+            <a:r>
+              <a:rPr lang="de-DE" sz="2400" dirty="0" err="1"/>
+              <a:t>otherwise</a:t>
+            </a:r>
+            <a:endParaRPr lang="de-DE" sz="2400" dirty="0"/>
           </a:p>
           <a:p>
             <a:pPr marL="0" indent="0">
               <a:buNone/>
             </a:pPr>
-            <a:endParaRPr lang="de-DE" dirty="0"/>
-          </a:p>
-          <a:p>
-            <a:r>
-              <a:rPr lang="de-DE" dirty="0" err="1"/>
-              <a:t>Marginally</a:t>
-            </a:r>
-            <a:r>
-              <a:rPr lang="de-DE" dirty="0"/>
-              <a:t> </a:t>
-            </a:r>
-            <a:r>
-              <a:rPr lang="de-DE" dirty="0" err="1"/>
-              <a:t>stable</a:t>
-            </a:r>
-            <a:r>
-              <a:rPr lang="de-DE" dirty="0"/>
-              <a:t> </a:t>
-            </a:r>
-            <a:r>
-              <a:rPr lang="de-DE" dirty="0" err="1"/>
-              <a:t>if</a:t>
-            </a:r>
-            <a:r>
-              <a:rPr lang="de-DE" dirty="0"/>
-              <a:t> </a:t>
-            </a:r>
-            <a:r>
-              <a:rPr lang="de-DE" dirty="0" err="1"/>
-              <a:t>poles</a:t>
-            </a:r>
-            <a:r>
-              <a:rPr lang="de-DE" dirty="0"/>
-              <a:t> on </a:t>
-            </a:r>
-            <a:r>
-              <a:rPr lang="de-DE" dirty="0" err="1"/>
-              <a:t>imaginary</a:t>
-            </a:r>
-            <a:r>
-              <a:rPr lang="de-DE" dirty="0"/>
-              <a:t> </a:t>
-            </a:r>
-            <a:r>
-              <a:rPr lang="de-DE" dirty="0" err="1"/>
-              <a:t>axis</a:t>
-            </a:r>
-            <a:endParaRPr lang="de-DE" dirty="0"/>
+            <a:endParaRPr lang="de-DE" sz="2400" dirty="0"/>
           </a:p>
           <a:p>
             <a:pPr marL="0" indent="0">
               <a:buNone/>
             </a:pPr>
-            <a:endParaRPr lang="de-DE" dirty="0"/>
-          </a:p>
-          <a:p>
-            <a:r>
-              <a:rPr lang="de-DE" dirty="0" err="1"/>
-              <a:t>Unstable</a:t>
-            </a:r>
-            <a:r>
-              <a:rPr lang="de-DE" dirty="0"/>
+            <a:r>
+              <a:rPr lang="de-DE" sz="2400" dirty="0" err="1"/>
+              <a:t>Stability</a:t>
+            </a:r>
+            <a:r>
+              <a:rPr lang="de-DE" sz="2400" dirty="0"/>
               <a:t> </a:t>
             </a:r>
             <a:r>
-              <a:rPr lang="de-DE" dirty="0" err="1"/>
-              <a:t>otherwise</a:t>
-            </a:r>
-            <a:endParaRPr lang="de-DE" dirty="0"/>
+              <a:rPr lang="de-DE" sz="2400" dirty="0" err="1"/>
+              <a:t>checks</a:t>
+            </a:r>
+            <a:r>
+              <a:rPr lang="de-DE" sz="2400" dirty="0"/>
+              <a:t> </a:t>
+            </a:r>
+            <a:r>
+              <a:rPr lang="de-DE" sz="2400" dirty="0" err="1"/>
+              <a:t>for</a:t>
+            </a:r>
+            <a:r>
+              <a:rPr lang="de-DE" sz="2400" dirty="0"/>
+              <a:t> a </a:t>
+            </a:r>
+            <a:r>
+              <a:rPr lang="de-DE" sz="2400" dirty="0" err="1"/>
+              <a:t>known</a:t>
+            </a:r>
+            <a:r>
+              <a:rPr lang="de-DE" sz="2400" dirty="0"/>
+              <a:t> </a:t>
+            </a:r>
+            <a:r>
+              <a:rPr lang="de-DE" sz="2400" dirty="0" err="1"/>
+              <a:t>fixed</a:t>
+            </a:r>
+            <a:r>
+              <a:rPr lang="de-DE" sz="2400" dirty="0"/>
+              <a:t> </a:t>
+            </a:r>
+            <a:r>
+              <a:rPr lang="de-DE" sz="2400" dirty="0" err="1"/>
+              <a:t>transfer</a:t>
+            </a:r>
+            <a:r>
+              <a:rPr lang="de-DE" sz="2400" dirty="0"/>
+              <a:t> </a:t>
+            </a:r>
+            <a:r>
+              <a:rPr lang="de-DE" sz="2400" dirty="0" err="1"/>
+              <a:t>function</a:t>
+            </a:r>
+            <a:r>
+              <a:rPr lang="de-DE" sz="2400" dirty="0"/>
+              <a:t> </a:t>
+            </a:r>
+            <a:r>
+              <a:rPr lang="de-DE" sz="2400" dirty="0" err="1"/>
+              <a:t>of</a:t>
+            </a:r>
+            <a:r>
+              <a:rPr lang="de-DE" sz="2400" dirty="0"/>
+              <a:t> </a:t>
+            </a:r>
+            <a:r>
+              <a:rPr lang="de-DE" sz="2400" dirty="0" err="1"/>
+              <a:t>higher</a:t>
+            </a:r>
+            <a:r>
+              <a:rPr lang="de-DE" sz="2400" dirty="0"/>
+              <a:t> </a:t>
+            </a:r>
+            <a:r>
+              <a:rPr lang="de-DE" sz="2400" dirty="0" err="1"/>
+              <a:t>order</a:t>
+            </a:r>
+            <a:r>
+              <a:rPr lang="de-DE" sz="2400" dirty="0"/>
+              <a:t>:</a:t>
+            </a:r>
+          </a:p>
+          <a:p>
+            <a:r>
+              <a:rPr lang="de-DE" sz="2400" dirty="0" err="1"/>
+              <a:t>Numerical</a:t>
+            </a:r>
+            <a:r>
+              <a:rPr lang="de-DE" sz="2400" dirty="0"/>
+              <a:t> </a:t>
+            </a:r>
+            <a:r>
+              <a:rPr lang="de-DE" sz="2400" dirty="0" err="1"/>
+              <a:t>solver</a:t>
+            </a:r>
+            <a:r>
+              <a:rPr lang="de-DE" sz="2400" dirty="0"/>
+              <a:t> </a:t>
+            </a:r>
+            <a:r>
+              <a:rPr lang="de-DE" sz="2400" dirty="0" err="1"/>
+              <a:t>for</a:t>
+            </a:r>
+            <a:r>
+              <a:rPr lang="de-DE" sz="2400" dirty="0"/>
+              <a:t> root </a:t>
+            </a:r>
+            <a:r>
+              <a:rPr lang="de-DE" sz="2400" dirty="0" err="1"/>
+              <a:t>finding</a:t>
+            </a:r>
+            <a:r>
+              <a:rPr lang="de-DE" sz="2400" dirty="0"/>
+              <a:t>: </a:t>
+            </a:r>
+            <a:r>
+              <a:rPr lang="de-DE" sz="2400" dirty="0" err="1"/>
+              <a:t>easiest</a:t>
+            </a:r>
+            <a:r>
+              <a:rPr lang="de-DE" sz="2400" dirty="0"/>
+              <a:t> and </a:t>
+            </a:r>
+            <a:r>
+              <a:rPr lang="de-DE" sz="2400" dirty="0" err="1"/>
+              <a:t>standard</a:t>
+            </a:r>
+            <a:r>
+              <a:rPr lang="de-DE" sz="2400" dirty="0"/>
+              <a:t> </a:t>
+            </a:r>
+            <a:r>
+              <a:rPr lang="de-DE" sz="2400" dirty="0" err="1"/>
+              <a:t>practice</a:t>
+            </a:r>
+            <a:endParaRPr lang="de-DE" sz="2400" dirty="0"/>
+          </a:p>
+          <a:p>
+            <a:r>
+              <a:rPr lang="de-DE" sz="2400" dirty="0"/>
+              <a:t>Analytical alternatives </a:t>
+            </a:r>
+            <a:r>
+              <a:rPr lang="de-DE" sz="2400" dirty="0" err="1"/>
+              <a:t>without</a:t>
+            </a:r>
+            <a:r>
+              <a:rPr lang="de-DE" sz="2400" dirty="0"/>
+              <a:t> </a:t>
+            </a:r>
+            <a:r>
+              <a:rPr lang="de-DE" sz="2400" dirty="0" err="1"/>
+              <a:t>computing</a:t>
+            </a:r>
+            <a:r>
+              <a:rPr lang="de-DE" sz="2400" dirty="0"/>
+              <a:t> </a:t>
+            </a:r>
+            <a:r>
+              <a:rPr lang="de-DE" sz="2400" dirty="0" err="1"/>
+              <a:t>any</a:t>
+            </a:r>
+            <a:r>
+              <a:rPr lang="de-DE" sz="2400" dirty="0"/>
+              <a:t> </a:t>
+            </a:r>
+            <a:r>
+              <a:rPr lang="de-DE" sz="2400" dirty="0" err="1"/>
+              <a:t>roots</a:t>
+            </a:r>
+            <a:r>
+              <a:rPr lang="de-DE" sz="2400" dirty="0"/>
+              <a:t>, e.g., </a:t>
+            </a:r>
+            <a:r>
+              <a:rPr lang="de-DE" sz="2400" dirty="0" err="1"/>
+              <a:t>Hurwitz</a:t>
+            </a:r>
+            <a:r>
+              <a:rPr lang="de-DE" sz="2400" dirty="0"/>
+              <a:t> </a:t>
+            </a:r>
+            <a:r>
+              <a:rPr lang="de-DE" sz="2400" dirty="0" err="1"/>
+              <a:t>criterion</a:t>
+            </a:r>
+            <a:r>
+              <a:rPr lang="de-DE" sz="2400" dirty="0"/>
+              <a:t> (</a:t>
+            </a:r>
+            <a:r>
+              <a:rPr lang="de-DE" sz="2400" dirty="0" err="1"/>
+              <a:t>using</a:t>
+            </a:r>
+            <a:r>
+              <a:rPr lang="de-DE" sz="2400" dirty="0"/>
+              <a:t> </a:t>
+            </a:r>
+            <a:r>
+              <a:rPr lang="de-DE" sz="2400" dirty="0" err="1"/>
+              <a:t>determinants</a:t>
+            </a:r>
+            <a:r>
+              <a:rPr lang="de-DE" sz="2400" dirty="0"/>
+              <a:t>):</a:t>
+            </a:r>
+          </a:p>
+          <a:p>
+            <a:pPr lvl="1"/>
+            <a:r>
+              <a:rPr lang="de-DE" sz="2000" dirty="0"/>
+              <a:t>Are </a:t>
+            </a:r>
+            <a:r>
+              <a:rPr lang="de-DE" sz="2000" dirty="0" err="1"/>
+              <a:t>there</a:t>
+            </a:r>
+            <a:r>
+              <a:rPr lang="de-DE" sz="2000" dirty="0"/>
+              <a:t> </a:t>
+            </a:r>
+            <a:r>
+              <a:rPr lang="de-DE" sz="2000" dirty="0" err="1"/>
+              <a:t>any</a:t>
+            </a:r>
+            <a:r>
+              <a:rPr lang="de-DE" sz="2000" dirty="0"/>
+              <a:t> RHP </a:t>
+            </a:r>
+            <a:r>
+              <a:rPr lang="de-DE" sz="2000" dirty="0" err="1"/>
+              <a:t>poles</a:t>
+            </a:r>
+            <a:r>
+              <a:rPr lang="de-DE" sz="2000" dirty="0"/>
+              <a:t>?</a:t>
+            </a:r>
+          </a:p>
+          <a:p>
+            <a:pPr lvl="1"/>
+            <a:r>
+              <a:rPr lang="de-DE" sz="2000" dirty="0" err="1"/>
+              <a:t>Does</a:t>
+            </a:r>
+            <a:r>
+              <a:rPr lang="de-DE" sz="2000" dirty="0"/>
+              <a:t> </a:t>
+            </a:r>
+            <a:r>
+              <a:rPr lang="de-DE" sz="2000" dirty="0" err="1"/>
+              <a:t>stability</a:t>
+            </a:r>
+            <a:r>
+              <a:rPr lang="de-DE" sz="2000" dirty="0"/>
+              <a:t> </a:t>
+            </a:r>
+            <a:r>
+              <a:rPr lang="de-DE" sz="2000" dirty="0" err="1"/>
+              <a:t>change</a:t>
+            </a:r>
+            <a:r>
+              <a:rPr lang="de-DE" sz="2000" dirty="0"/>
+              <a:t> </a:t>
+            </a:r>
+            <a:r>
+              <a:rPr lang="de-DE" sz="2000" dirty="0" err="1"/>
+              <a:t>with</a:t>
+            </a:r>
+            <a:r>
+              <a:rPr lang="de-DE" sz="2000" dirty="0"/>
+              <a:t> a </a:t>
+            </a:r>
+            <a:r>
+              <a:rPr lang="de-DE" sz="2000" dirty="0" err="1"/>
+              <a:t>parameter</a:t>
+            </a:r>
+            <a:r>
+              <a:rPr lang="de-DE" sz="2000" dirty="0"/>
+              <a:t>? (root </a:t>
+            </a:r>
+            <a:r>
+              <a:rPr lang="de-DE" sz="2000" dirty="0" err="1"/>
+              <a:t>finding</a:t>
+            </a:r>
+            <a:r>
+              <a:rPr lang="de-DE" sz="2000" dirty="0"/>
+              <a:t> </a:t>
+            </a:r>
+            <a:r>
+              <a:rPr lang="de-DE" sz="2000" dirty="0" err="1"/>
+              <a:t>would</a:t>
+            </a:r>
+            <a:r>
+              <a:rPr lang="de-DE" sz="2000" dirty="0"/>
+              <a:t> </a:t>
+            </a:r>
+            <a:r>
+              <a:rPr lang="de-DE" sz="2000" dirty="0" err="1"/>
+              <a:t>require</a:t>
+            </a:r>
+            <a:r>
+              <a:rPr lang="de-DE" sz="2000" dirty="0"/>
+              <a:t> </a:t>
+            </a:r>
+            <a:r>
+              <a:rPr lang="de-DE" sz="2000" dirty="0" err="1"/>
+              <a:t>parameter</a:t>
+            </a:r>
+            <a:r>
+              <a:rPr lang="de-DE" sz="2000" dirty="0"/>
+              <a:t> </a:t>
+            </a:r>
+            <a:r>
+              <a:rPr lang="de-DE" sz="2000" dirty="0" err="1"/>
+              <a:t>scan</a:t>
+            </a:r>
+            <a:r>
+              <a:rPr lang="de-DE" sz="2000" dirty="0"/>
+              <a:t>)</a:t>
+            </a:r>
           </a:p>
         </p:txBody>
       </p:sp>

--- a/slides/4_stability.pptx
+++ b/slides/4_stability.pptx
@@ -5,7 +5,7 @@
     <p:sldMasterId id="2147483648" r:id="rId1"/>
   </p:sldMasterIdLst>
   <p:notesMasterIdLst>
-    <p:notesMasterId r:id="rId20"/>
+    <p:notesMasterId r:id="rId23"/>
   </p:notesMasterIdLst>
   <p:sldIdLst>
     <p:sldId id="256" r:id="rId2"/>
@@ -24,8 +24,11 @@
     <p:sldId id="270" r:id="rId15"/>
     <p:sldId id="300" r:id="rId16"/>
     <p:sldId id="273" r:id="rId17"/>
-    <p:sldId id="274" r:id="rId18"/>
-    <p:sldId id="275" r:id="rId19"/>
+    <p:sldId id="301" r:id="rId18"/>
+    <p:sldId id="274" r:id="rId19"/>
+    <p:sldId id="302" r:id="rId20"/>
+    <p:sldId id="275" r:id="rId21"/>
+    <p:sldId id="303" r:id="rId22"/>
   </p:sldIdLst>
   <p:sldSz cx="12192000" cy="6858000"/>
   <p:notesSz cx="6858000" cy="9144000"/>
@@ -496,7 +499,7 @@
           <a:p>
             <a:fld id="{506E0FD1-891F-4B1E-916D-E9B585160BB8}" type="datetimeFigureOut">
               <a:rPr lang="en-GB" smtClean="0"/>
-              <a:t>18/02/2026</a:t>
+              <a:t>20/02/2026</a:t>
             </a:fld>
             <a:endParaRPr lang="en-GB"/>
           </a:p>
@@ -913,7 +916,7 @@
           <a:p>
             <a:fld id="{D68C3F22-27B2-44E3-9C5F-D08126455F6F}" type="datetime1">
               <a:rPr lang="en-GB" smtClean="0"/>
-              <a:t>18/02/2026</a:t>
+              <a:t>20/02/2026</a:t>
             </a:fld>
             <a:endParaRPr lang="en-GB"/>
           </a:p>
@@ -1113,7 +1116,7 @@
           <a:p>
             <a:fld id="{1CD03846-7BF6-4FB6-A921-FF3379ADBD4C}" type="datetime1">
               <a:rPr lang="en-GB" smtClean="0"/>
-              <a:t>18/02/2026</a:t>
+              <a:t>20/02/2026</a:t>
             </a:fld>
             <a:endParaRPr lang="en-GB"/>
           </a:p>
@@ -1323,7 +1326,7 @@
           <a:p>
             <a:fld id="{99E1B91A-3FD0-4144-9C84-63E9688ED2FE}" type="datetime1">
               <a:rPr lang="en-GB" smtClean="0"/>
-              <a:t>18/02/2026</a:t>
+              <a:t>20/02/2026</a:t>
             </a:fld>
             <a:endParaRPr lang="en-GB"/>
           </a:p>
@@ -1523,7 +1526,7 @@
           <a:p>
             <a:fld id="{5295ED7B-FEAD-4734-819F-93EF4B0EA908}" type="datetime1">
               <a:rPr lang="en-GB" smtClean="0"/>
-              <a:t>18/02/2026</a:t>
+              <a:t>20/02/2026</a:t>
             </a:fld>
             <a:endParaRPr lang="en-GB"/>
           </a:p>
@@ -1799,7 +1802,7 @@
           <a:p>
             <a:fld id="{D2D5D4B4-C926-4B45-8815-1ED8911179A2}" type="datetime1">
               <a:rPr lang="en-GB" smtClean="0"/>
-              <a:t>18/02/2026</a:t>
+              <a:t>20/02/2026</a:t>
             </a:fld>
             <a:endParaRPr lang="en-GB"/>
           </a:p>
@@ -2067,7 +2070,7 @@
           <a:p>
             <a:fld id="{B4C5210A-0E37-4935-93AF-69F21A5F712F}" type="datetime1">
               <a:rPr lang="en-GB" smtClean="0"/>
-              <a:t>18/02/2026</a:t>
+              <a:t>20/02/2026</a:t>
             </a:fld>
             <a:endParaRPr lang="en-GB"/>
           </a:p>
@@ -2482,7 +2485,7 @@
           <a:p>
             <a:fld id="{3D3A6B2F-436C-4691-80E8-9C890E000E9D}" type="datetime1">
               <a:rPr lang="en-GB" smtClean="0"/>
-              <a:t>18/02/2026</a:t>
+              <a:t>20/02/2026</a:t>
             </a:fld>
             <a:endParaRPr lang="en-GB"/>
           </a:p>
@@ -2624,7 +2627,7 @@
           <a:p>
             <a:fld id="{84385F4C-D74B-496F-8D21-97E3549C783B}" type="datetime1">
               <a:rPr lang="en-GB" smtClean="0"/>
-              <a:t>18/02/2026</a:t>
+              <a:t>20/02/2026</a:t>
             </a:fld>
             <a:endParaRPr lang="en-GB"/>
           </a:p>
@@ -2737,7 +2740,7 @@
           <a:p>
             <a:fld id="{0CBDCB32-C241-4703-A832-4EB47BD54E83}" type="datetime1">
               <a:rPr lang="en-GB" smtClean="0"/>
-              <a:t>18/02/2026</a:t>
+              <a:t>20/02/2026</a:t>
             </a:fld>
             <a:endParaRPr lang="en-GB"/>
           </a:p>
@@ -3050,7 +3053,7 @@
           <a:p>
             <a:fld id="{85C150FF-BE95-4D25-A16A-E368A81CBF24}" type="datetime1">
               <a:rPr lang="en-GB" smtClean="0"/>
-              <a:t>18/02/2026</a:t>
+              <a:t>20/02/2026</a:t>
             </a:fld>
             <a:endParaRPr lang="en-GB"/>
           </a:p>
@@ -3339,7 +3342,7 @@
           <a:p>
             <a:fld id="{F3C5DB4B-B349-43C9-A424-BADA723AD9F1}" type="datetime1">
               <a:rPr lang="en-GB" smtClean="0"/>
-              <a:t>18/02/2026</a:t>
+              <a:t>20/02/2026</a:t>
             </a:fld>
             <a:endParaRPr lang="en-GB"/>
           </a:p>
@@ -3582,7 +3585,7 @@
           <a:p>
             <a:fld id="{12632426-0A0C-405F-A3D0-2D11AA44702A}" type="datetime1">
               <a:rPr lang="en-GB" smtClean="0"/>
-              <a:t>18/02/2026</a:t>
+              <a:t>20/02/2026</a:t>
             </a:fld>
             <a:endParaRPr lang="en-GB"/>
           </a:p>
@@ -6663,38 +6666,34 @@
                 </a:r>
                 <a:r>
                   <a:rPr lang="de-DE" sz="2600" dirty="0" err="1"/>
-                  <a:t>n</a:t>
-                </a:r>
-                <a:r>
-                  <a:rPr lang="de-DE" sz="2400" dirty="0" err="1"/>
-                  <a:t>o</a:t>
-                </a:r>
-                <a:r>
-                  <a:rPr lang="de-DE" sz="2400" dirty="0"/>
-                  <a:t> </a:t>
-                </a:r>
-                <a:r>
-                  <a:rPr lang="de-DE" sz="2400" dirty="0" err="1"/>
+                  <a:t>no</a:t>
+                </a:r>
+                <a:r>
+                  <a:rPr lang="de-DE" sz="2600" dirty="0"/>
+                  <a:t> </a:t>
+                </a:r>
+                <a:r>
+                  <a:rPr lang="de-DE" sz="2600" dirty="0" err="1"/>
                   <a:t>mathematical</a:t>
                 </a:r>
                 <a:r>
-                  <a:rPr lang="de-DE" sz="2400" dirty="0"/>
-                  <a:t> </a:t>
-                </a:r>
-                <a:r>
-                  <a:rPr lang="de-DE" sz="2400" dirty="0" err="1"/>
+                  <a:rPr lang="de-DE" sz="2600" dirty="0"/>
+                  <a:t> </a:t>
+                </a:r>
+                <a:r>
+                  <a:rPr lang="de-DE" sz="2600" dirty="0" err="1"/>
                   <a:t>model</a:t>
                 </a:r>
                 <a:r>
-                  <a:rPr lang="de-DE" sz="2400" dirty="0"/>
-                  <a:t> </a:t>
-                </a:r>
-                <a:r>
-                  <a:rPr lang="de-DE" sz="2400" dirty="0" err="1"/>
+                  <a:rPr lang="de-DE" sz="2600" dirty="0"/>
+                  <a:t> </a:t>
+                </a:r>
+                <a:r>
+                  <a:rPr lang="de-DE" sz="2600" dirty="0" err="1"/>
                   <a:t>needed</a:t>
                 </a:r>
                 <a:r>
-                  <a:rPr lang="de-DE" sz="2400" dirty="0"/>
+                  <a:rPr lang="de-DE" sz="2600" dirty="0"/>
                   <a:t>, </a:t>
                 </a:r>
                 <a:r>
@@ -6814,6 +6813,12 @@
                 <a:pPr marL="0" indent="0">
                   <a:buNone/>
                 </a:pPr>
+                <a:endParaRPr lang="de-DE" sz="2600" dirty="0"/>
+              </a:p>
+              <a:p>
+                <a:pPr marL="0" indent="0">
+                  <a:buNone/>
+                </a:pPr>
                 <a:r>
                   <a:rPr lang="de-DE" sz="2600" dirty="0" err="1"/>
                   <a:t>Now</a:t>
@@ -6860,7 +6865,64 @@
                 </a:r>
                 <a:r>
                   <a:rPr lang="de-DE" sz="2600" dirty="0"/>
-                  <a:t>)</a:t>
+                  <a:t>):</a:t>
+                </a:r>
+              </a:p>
+              <a:p>
+                <a:pPr marL="0" indent="0">
+                  <a:buNone/>
+                </a:pPr>
+                <a:r>
+                  <a:rPr lang="de-DE" sz="2600" dirty="0"/>
+                  <a:t>Given an open-loop </a:t>
+                </a:r>
+                <a:r>
+                  <a:rPr lang="de-DE" sz="2600" dirty="0" err="1"/>
+                  <a:t>transfer</a:t>
+                </a:r>
+                <a:r>
+                  <a:rPr lang="de-DE" sz="2600" dirty="0"/>
+                  <a:t> </a:t>
+                </a:r>
+                <a:r>
+                  <a:rPr lang="de-DE" sz="2600" dirty="0" err="1"/>
+                  <a:t>function</a:t>
+                </a:r>
+                <a:r>
+                  <a:rPr lang="de-DE" sz="2600" dirty="0"/>
+                  <a:t>, </a:t>
+                </a:r>
+                <a:r>
+                  <a:rPr lang="de-DE" sz="2600" dirty="0" err="1"/>
+                  <a:t>is</a:t>
+                </a:r>
+                <a:r>
+                  <a:rPr lang="de-DE" sz="2600" dirty="0"/>
+                  <a:t> </a:t>
+                </a:r>
+                <a:r>
+                  <a:rPr lang="de-DE" sz="2600" dirty="0" err="1"/>
+                  <a:t>the</a:t>
+                </a:r>
+                <a:r>
+                  <a:rPr lang="de-DE" sz="2600" dirty="0"/>
+                  <a:t> </a:t>
+                </a:r>
+                <a:r>
+                  <a:rPr lang="de-DE" sz="2600" dirty="0" err="1"/>
+                  <a:t>closed</a:t>
+                </a:r>
+                <a:r>
+                  <a:rPr lang="de-DE" sz="2600" dirty="0"/>
+                  <a:t> loop </a:t>
+                </a:r>
+                <a:r>
+                  <a:rPr lang="de-DE" sz="2600" dirty="0" err="1"/>
+                  <a:t>stable</a:t>
+                </a:r>
+                <a:r>
+                  <a:rPr lang="de-DE" sz="2600" dirty="0"/>
+                  <a:t>?</a:t>
                 </a:r>
               </a:p>
             </p:txBody>
@@ -6970,7 +7032,7 @@
           <p:cNvPr id="2" name="Titel 1">
             <a:extLst>
               <a:ext uri="{FF2B5EF4-FFF2-40B4-BE49-F238E27FC236}">
-                <a16:creationId xmlns:a16="http://schemas.microsoft.com/office/drawing/2014/main" id="{2A122470-E3B4-6307-0EA5-F1B7F554835F}"/>
+                <a16:creationId xmlns:a16="http://schemas.microsoft.com/office/drawing/2014/main" id="{7AC9ED36-91BE-6966-D5EF-6F327905D39B}"/>
               </a:ext>
             </a:extLst>
           </p:cNvPr>
@@ -6988,133 +7050,557 @@
           <a:p>
             <a:r>
               <a:rPr lang="de-DE" dirty="0" err="1"/>
-              <a:t>Nyquist</a:t>
+              <a:t>Closed</a:t>
             </a:r>
             <a:r>
               <a:rPr lang="de-DE" dirty="0"/>
-              <a:t> </a:t>
+              <a:t>-Loop </a:t>
             </a:r>
             <a:r>
               <a:rPr lang="de-DE" dirty="0" err="1"/>
-              <a:t>Criterion</a:t>
+              <a:t>Stability</a:t>
             </a:r>
             <a:endParaRPr lang="de-DE" dirty="0"/>
           </a:p>
         </p:txBody>
       </p:sp>
-      <p:sp>
-        <p:nvSpPr>
-          <p:cNvPr id="3" name="Inhaltsplatzhalter 2">
-            <a:extLst>
-              <a:ext uri="{FF2B5EF4-FFF2-40B4-BE49-F238E27FC236}">
-                <a16:creationId xmlns:a16="http://schemas.microsoft.com/office/drawing/2014/main" id="{C52AFC97-0C0F-D7E6-966D-ED72FE114700}"/>
-              </a:ext>
-            </a:extLst>
-          </p:cNvPr>
-          <p:cNvSpPr>
-            <a:spLocks noGrp="1"/>
-          </p:cNvSpPr>
-          <p:nvPr>
-            <p:ph idx="1"/>
-          </p:nvPr>
-        </p:nvSpPr>
-        <p:spPr/>
-        <p:txBody>
-          <a:bodyPr/>
-          <a:lstStyle/>
-          <a:p>
-            <a:r>
-              <a:rPr lang="de-DE" dirty="0" err="1"/>
-              <a:t>Encirclement</a:t>
-            </a:r>
-            <a:r>
-              <a:rPr lang="de-DE" dirty="0"/>
-              <a:t> </a:t>
-            </a:r>
-            <a:r>
-              <a:rPr lang="de-DE" dirty="0" err="1"/>
-              <a:t>of</a:t>
-            </a:r>
-            <a:r>
-              <a:rPr lang="de-DE" dirty="0"/>
-              <a:t> </a:t>
-            </a:r>
-            <a:r>
-              <a:rPr lang="de-DE" dirty="0" err="1"/>
-              <a:t>critical</a:t>
-            </a:r>
-            <a:r>
-              <a:rPr lang="de-DE" dirty="0"/>
-              <a:t> </a:t>
-            </a:r>
-            <a:r>
-              <a:rPr lang="de-DE" dirty="0" err="1"/>
-              <a:t>point</a:t>
-            </a:r>
-            <a:endParaRPr lang="de-DE" dirty="0"/>
-          </a:p>
-          <a:p>
-            <a:r>
-              <a:rPr lang="de-DE" dirty="0"/>
-              <a:t>Links </a:t>
-            </a:r>
-            <a:r>
-              <a:rPr lang="de-DE" dirty="0" err="1"/>
-              <a:t>frequency</a:t>
-            </a:r>
-            <a:r>
-              <a:rPr lang="de-DE" dirty="0"/>
-              <a:t> </a:t>
-            </a:r>
-            <a:r>
-              <a:rPr lang="de-DE" dirty="0" err="1"/>
-              <a:t>response</a:t>
-            </a:r>
-            <a:r>
-              <a:rPr lang="de-DE" dirty="0"/>
-              <a:t> </a:t>
-            </a:r>
-            <a:r>
-              <a:rPr lang="de-DE" dirty="0" err="1"/>
-              <a:t>to</a:t>
-            </a:r>
-            <a:r>
-              <a:rPr lang="de-DE" dirty="0"/>
-              <a:t> </a:t>
-            </a:r>
-            <a:r>
-              <a:rPr lang="de-DE" dirty="0" err="1"/>
-              <a:t>stability</a:t>
-            </a:r>
-            <a:endParaRPr lang="de-DE" dirty="0"/>
-          </a:p>
-          <a:p>
-            <a:r>
-              <a:rPr lang="de-DE" dirty="0"/>
-              <a:t>Powerful but </a:t>
-            </a:r>
-            <a:r>
-              <a:rPr lang="de-DE" dirty="0" err="1"/>
-              <a:t>conceptually</a:t>
-            </a:r>
-            <a:r>
-              <a:rPr lang="de-DE" dirty="0"/>
-              <a:t> </a:t>
-            </a:r>
-            <a:r>
-              <a:rPr lang="de-DE" dirty="0" err="1"/>
-              <a:t>challenging</a:t>
-            </a:r>
-            <a:endParaRPr lang="de-DE" dirty="0"/>
-          </a:p>
-        </p:txBody>
-      </p:sp>
+      <mc:AlternateContent xmlns:mc="http://schemas.openxmlformats.org/markup-compatibility/2006">
+        <mc:Choice xmlns:a14="http://schemas.microsoft.com/office/drawing/2010/main" Requires="a14">
+          <p:sp>
+            <p:nvSpPr>
+              <p:cNvPr id="3" name="Inhaltsplatzhalter 2">
+                <a:extLst>
+                  <a:ext uri="{FF2B5EF4-FFF2-40B4-BE49-F238E27FC236}">
+                    <a16:creationId xmlns:a16="http://schemas.microsoft.com/office/drawing/2014/main" id="{35D72C74-EA2A-7E93-E737-35EBB0F1C4CD}"/>
+                  </a:ext>
+                </a:extLst>
+              </p:cNvPr>
+              <p:cNvSpPr>
+                <a:spLocks noGrp="1"/>
+              </p:cNvSpPr>
+              <p:nvPr>
+                <p:ph idx="1"/>
+              </p:nvPr>
+            </p:nvSpPr>
+            <p:spPr/>
+            <p:txBody>
+              <a:bodyPr>
+                <a:normAutofit/>
+              </a:bodyPr>
+              <a:lstStyle/>
+              <a:p>
+                <a:pPr marL="0" indent="0">
+                  <a:buNone/>
+                </a:pPr>
+                <a:r>
+                  <a:rPr lang="de-DE" dirty="0"/>
+                  <a:t>Given an open-loop </a:t>
+                </a:r>
+                <a:r>
+                  <a:rPr lang="de-DE" dirty="0" err="1"/>
+                  <a:t>transfer</a:t>
+                </a:r>
+                <a:r>
+                  <a:rPr lang="de-DE" dirty="0"/>
+                  <a:t> </a:t>
+                </a:r>
+                <a:r>
+                  <a:rPr lang="de-DE" dirty="0" err="1"/>
+                  <a:t>function</a:t>
+                </a:r>
+                <a:r>
+                  <a:rPr lang="de-DE" dirty="0"/>
+                  <a:t> </a:t>
+                </a:r>
+                <a14:m>
+                  <m:oMath xmlns:m="http://schemas.openxmlformats.org/officeDocument/2006/math">
+                    <m:r>
+                      <a:rPr lang="de-DE" b="0" i="1" smtClean="0">
+                        <a:latin typeface="Cambria Math" panose="02040503050406030204" pitchFamily="18" charset="0"/>
+                        <a:ea typeface="Cambria Math" panose="02040503050406030204" pitchFamily="18" charset="0"/>
+                      </a:rPr>
+                      <m:t>𝐺</m:t>
+                    </m:r>
+                    <m:d>
+                      <m:dPr>
+                        <m:ctrlPr>
+                          <a:rPr lang="de-DE" i="1">
+                            <a:latin typeface="Cambria Math" panose="02040503050406030204" pitchFamily="18" charset="0"/>
+                            <a:ea typeface="Cambria Math" panose="02040503050406030204" pitchFamily="18" charset="0"/>
+                          </a:rPr>
+                        </m:ctrlPr>
+                      </m:dPr>
+                      <m:e>
+                        <m:r>
+                          <a:rPr lang="de-DE" i="1">
+                            <a:latin typeface="Cambria Math" panose="02040503050406030204" pitchFamily="18" charset="0"/>
+                            <a:ea typeface="Cambria Math" panose="02040503050406030204" pitchFamily="18" charset="0"/>
+                          </a:rPr>
+                          <m:t>𝑠</m:t>
+                        </m:r>
+                      </m:e>
+                    </m:d>
+                  </m:oMath>
+                </a14:m>
+                <a:r>
+                  <a:rPr lang="de-DE" dirty="0"/>
+                  <a:t>, </a:t>
+                </a:r>
+                <a:r>
+                  <a:rPr lang="de-DE" dirty="0" err="1"/>
+                  <a:t>the</a:t>
+                </a:r>
+                <a:r>
+                  <a:rPr lang="de-DE" dirty="0"/>
+                  <a:t> </a:t>
+                </a:r>
+                <a:r>
+                  <a:rPr lang="de-DE" dirty="0" err="1"/>
+                  <a:t>closed</a:t>
+                </a:r>
+                <a:r>
+                  <a:rPr lang="de-DE" dirty="0"/>
+                  <a:t>-loop </a:t>
+                </a:r>
+                <a:r>
+                  <a:rPr lang="de-DE" dirty="0" err="1"/>
+                  <a:t>transfer</a:t>
+                </a:r>
+                <a:r>
+                  <a:rPr lang="de-DE" dirty="0"/>
+                  <a:t> </a:t>
+                </a:r>
+                <a:r>
+                  <a:rPr lang="de-DE" dirty="0" err="1"/>
+                  <a:t>function</a:t>
+                </a:r>
+                <a:r>
+                  <a:rPr lang="de-DE" dirty="0"/>
+                  <a:t> </a:t>
+                </a:r>
+                <a:r>
+                  <a:rPr lang="de-DE" dirty="0" err="1"/>
+                  <a:t>for</a:t>
+                </a:r>
+                <a:r>
+                  <a:rPr lang="de-DE" dirty="0"/>
+                  <a:t> negative </a:t>
+                </a:r>
+                <a:r>
+                  <a:rPr lang="de-DE" dirty="0" err="1"/>
+                  <a:t>feedback</a:t>
+                </a:r>
+                <a:r>
+                  <a:rPr lang="de-DE" dirty="0"/>
+                  <a:t> </a:t>
+                </a:r>
+                <a:r>
+                  <a:rPr lang="de-DE" dirty="0" err="1"/>
+                  <a:t>with</a:t>
+                </a:r>
+                <a:r>
+                  <a:rPr lang="de-DE" dirty="0"/>
+                  <a:t> </a:t>
+                </a:r>
+                <a:r>
+                  <a:rPr lang="de-DE" dirty="0" err="1"/>
+                  <a:t>feedback</a:t>
+                </a:r>
+                <a:r>
+                  <a:rPr lang="de-DE" dirty="0"/>
+                  <a:t> </a:t>
+                </a:r>
+                <a:r>
+                  <a:rPr lang="de-DE" dirty="0" err="1"/>
+                  <a:t>path</a:t>
+                </a:r>
+                <a:r>
+                  <a:rPr lang="de-DE" dirty="0"/>
+                  <a:t> </a:t>
+                </a:r>
+                <a14:m>
+                  <m:oMath xmlns:m="http://schemas.openxmlformats.org/officeDocument/2006/math">
+                    <m:r>
+                      <a:rPr lang="de-DE" i="1">
+                        <a:latin typeface="Cambria Math" panose="02040503050406030204" pitchFamily="18" charset="0"/>
+                      </a:rPr>
+                      <m:t>𝐻</m:t>
+                    </m:r>
+                    <m:r>
+                      <a:rPr lang="de-DE" i="1">
+                        <a:latin typeface="Cambria Math" panose="02040503050406030204" pitchFamily="18" charset="0"/>
+                      </a:rPr>
+                      <m:t>(</m:t>
+                    </m:r>
+                    <m:r>
+                      <a:rPr lang="de-DE" i="1">
+                        <a:latin typeface="Cambria Math" panose="02040503050406030204" pitchFamily="18" charset="0"/>
+                      </a:rPr>
+                      <m:t>𝑠</m:t>
+                    </m:r>
+                    <m:r>
+                      <a:rPr lang="de-DE" b="0" i="1" smtClean="0">
+                        <a:latin typeface="Cambria Math" panose="02040503050406030204" pitchFamily="18" charset="0"/>
+                      </a:rPr>
+                      <m:t>)</m:t>
+                    </m:r>
+                  </m:oMath>
+                </a14:m>
+                <a:r>
+                  <a:rPr lang="de-DE" dirty="0"/>
+                  <a:t> </a:t>
+                </a:r>
+                <a:r>
+                  <a:rPr lang="de-DE" dirty="0" err="1"/>
+                  <a:t>reads</a:t>
+                </a:r>
+                <a:r>
+                  <a:rPr lang="de-DE" dirty="0"/>
+                  <a:t>:</a:t>
+                </a:r>
+              </a:p>
+              <a:p>
+                <a:pPr marL="0" indent="0">
+                  <a:buNone/>
+                </a:pPr>
+                <a:endParaRPr lang="de-DE" b="0" i="1" dirty="0">
+                  <a:latin typeface="Cambria Math" panose="02040503050406030204" pitchFamily="18" charset="0"/>
+                </a:endParaRPr>
+              </a:p>
+              <a:p>
+                <a:pPr marL="0" indent="0">
+                  <a:buNone/>
+                </a:pPr>
+                <a14:m>
+                  <m:oMathPara xmlns:m="http://schemas.openxmlformats.org/officeDocument/2006/math">
+                    <m:oMathParaPr>
+                      <m:jc m:val="center"/>
+                    </m:oMathParaPr>
+                    <m:oMath xmlns:m="http://schemas.openxmlformats.org/officeDocument/2006/math">
+                      <m:r>
+                        <a:rPr lang="de-DE" b="0" i="1" smtClean="0">
+                          <a:latin typeface="Cambria Math" panose="02040503050406030204" pitchFamily="18" charset="0"/>
+                        </a:rPr>
+                        <m:t>𝑇</m:t>
+                      </m:r>
+                      <m:d>
+                        <m:dPr>
+                          <m:ctrlPr>
+                            <a:rPr lang="de-DE" b="0" i="1" smtClean="0">
+                              <a:latin typeface="Cambria Math" panose="02040503050406030204" pitchFamily="18" charset="0"/>
+                            </a:rPr>
+                          </m:ctrlPr>
+                        </m:dPr>
+                        <m:e>
+                          <m:r>
+                            <a:rPr lang="de-DE" b="0" i="1" smtClean="0">
+                              <a:latin typeface="Cambria Math" panose="02040503050406030204" pitchFamily="18" charset="0"/>
+                            </a:rPr>
+                            <m:t>𝑠</m:t>
+                          </m:r>
+                        </m:e>
+                      </m:d>
+                      <m:r>
+                        <a:rPr lang="de-DE" b="0" i="1" smtClean="0">
+                          <a:latin typeface="Cambria Math" panose="02040503050406030204" pitchFamily="18" charset="0"/>
+                        </a:rPr>
+                        <m:t>=</m:t>
+                      </m:r>
+                      <m:f>
+                        <m:fPr>
+                          <m:ctrlPr>
+                            <a:rPr lang="de-DE" i="1" smtClean="0">
+                              <a:latin typeface="Cambria Math" panose="02040503050406030204" pitchFamily="18" charset="0"/>
+                            </a:rPr>
+                          </m:ctrlPr>
+                        </m:fPr>
+                        <m:num>
+                          <m:r>
+                            <a:rPr lang="de-DE" b="0" i="1" smtClean="0">
+                              <a:latin typeface="Cambria Math" panose="02040503050406030204" pitchFamily="18" charset="0"/>
+                            </a:rPr>
+                            <m:t>𝐺</m:t>
+                          </m:r>
+                          <m:r>
+                            <a:rPr lang="de-DE" b="0" i="1" smtClean="0">
+                              <a:latin typeface="Cambria Math" panose="02040503050406030204" pitchFamily="18" charset="0"/>
+                            </a:rPr>
+                            <m:t>(</m:t>
+                          </m:r>
+                          <m:r>
+                            <a:rPr lang="de-DE" b="0" i="1" smtClean="0">
+                              <a:latin typeface="Cambria Math" panose="02040503050406030204" pitchFamily="18" charset="0"/>
+                            </a:rPr>
+                            <m:t>𝑠</m:t>
+                          </m:r>
+                          <m:r>
+                            <a:rPr lang="de-DE" b="0" i="1" smtClean="0">
+                              <a:latin typeface="Cambria Math" panose="02040503050406030204" pitchFamily="18" charset="0"/>
+                            </a:rPr>
+                            <m:t>)</m:t>
+                          </m:r>
+                        </m:num>
+                        <m:den>
+                          <m:r>
+                            <a:rPr lang="de-DE" b="0" i="1" smtClean="0">
+                              <a:latin typeface="Cambria Math" panose="02040503050406030204" pitchFamily="18" charset="0"/>
+                            </a:rPr>
+                            <m:t>1+</m:t>
+                          </m:r>
+                          <m:r>
+                            <a:rPr lang="de-DE" b="0" i="1" smtClean="0">
+                              <a:latin typeface="Cambria Math" panose="02040503050406030204" pitchFamily="18" charset="0"/>
+                            </a:rPr>
+                            <m:t>𝐺</m:t>
+                          </m:r>
+                          <m:d>
+                            <m:dPr>
+                              <m:ctrlPr>
+                                <a:rPr lang="de-DE" b="0" i="1" smtClean="0">
+                                  <a:latin typeface="Cambria Math" panose="02040503050406030204" pitchFamily="18" charset="0"/>
+                                </a:rPr>
+                              </m:ctrlPr>
+                            </m:dPr>
+                            <m:e>
+                              <m:r>
+                                <a:rPr lang="de-DE" b="0" i="1" smtClean="0">
+                                  <a:latin typeface="Cambria Math" panose="02040503050406030204" pitchFamily="18" charset="0"/>
+                                </a:rPr>
+                                <m:t>𝑠</m:t>
+                              </m:r>
+                            </m:e>
+                          </m:d>
+                          <m:r>
+                            <a:rPr lang="de-DE" b="0" i="1" smtClean="0">
+                              <a:latin typeface="Cambria Math" panose="02040503050406030204" pitchFamily="18" charset="0"/>
+                            </a:rPr>
+                            <m:t>𝐻</m:t>
+                          </m:r>
+                          <m:r>
+                            <a:rPr lang="de-DE" b="0" i="1" smtClean="0">
+                              <a:latin typeface="Cambria Math" panose="02040503050406030204" pitchFamily="18" charset="0"/>
+                            </a:rPr>
+                            <m:t>(</m:t>
+                          </m:r>
+                          <m:r>
+                            <a:rPr lang="de-DE" b="0" i="1" smtClean="0">
+                              <a:latin typeface="Cambria Math" panose="02040503050406030204" pitchFamily="18" charset="0"/>
+                            </a:rPr>
+                            <m:t>𝑠</m:t>
+                          </m:r>
+                          <m:r>
+                            <a:rPr lang="de-DE" b="0" i="1" smtClean="0">
+                              <a:latin typeface="Cambria Math" panose="02040503050406030204" pitchFamily="18" charset="0"/>
+                            </a:rPr>
+                            <m:t>)</m:t>
+                          </m:r>
+                        </m:den>
+                      </m:f>
+                    </m:oMath>
+                  </m:oMathPara>
+                </a14:m>
+                <a:endParaRPr lang="de-DE" dirty="0"/>
+              </a:p>
+              <a:p>
+                <a:pPr marL="0" indent="0">
+                  <a:buNone/>
+                </a:pPr>
+                <a:endParaRPr lang="de-DE" dirty="0">
+                  <a:sym typeface="Wingdings" pitchFamily="2" charset="2"/>
+                </a:endParaRPr>
+              </a:p>
+              <a:p>
+                <a:pPr marL="0" indent="0">
+                  <a:buNone/>
+                </a:pPr>
+                <a:endParaRPr lang="de-DE" dirty="0">
+                  <a:sym typeface="Wingdings" pitchFamily="2" charset="2"/>
+                </a:endParaRPr>
+              </a:p>
+              <a:p>
+                <a:pPr marL="0" indent="0">
+                  <a:buNone/>
+                </a:pPr>
+                <a:r>
+                  <a:rPr lang="de-DE" dirty="0">
+                    <a:sym typeface="Wingdings" pitchFamily="2" charset="2"/>
+                  </a:rPr>
+                  <a:t> </a:t>
+                </a:r>
+                <a:r>
+                  <a:rPr lang="de-DE" dirty="0" err="1">
+                    <a:sym typeface="Wingdings" pitchFamily="2" charset="2"/>
+                  </a:rPr>
+                  <a:t>For</a:t>
+                </a:r>
+                <a:r>
+                  <a:rPr lang="de-DE" dirty="0">
+                    <a:sym typeface="Wingdings" pitchFamily="2" charset="2"/>
+                  </a:rPr>
+                  <a:t> </a:t>
+                </a:r>
+                <a:r>
+                  <a:rPr lang="de-DE" dirty="0" err="1">
+                    <a:sym typeface="Wingdings" pitchFamily="2" charset="2"/>
+                  </a:rPr>
+                  <a:t>closed</a:t>
+                </a:r>
+                <a:r>
+                  <a:rPr lang="de-DE" dirty="0">
+                    <a:sym typeface="Wingdings" pitchFamily="2" charset="2"/>
+                  </a:rPr>
+                  <a:t>-loop </a:t>
+                </a:r>
+                <a:r>
+                  <a:rPr lang="de-DE" dirty="0" err="1">
+                    <a:sym typeface="Wingdings" pitchFamily="2" charset="2"/>
+                  </a:rPr>
+                  <a:t>poles</a:t>
+                </a:r>
+                <a:r>
+                  <a:rPr lang="de-DE" dirty="0">
+                    <a:sym typeface="Wingdings" pitchFamily="2" charset="2"/>
+                  </a:rPr>
+                  <a:t>: </a:t>
+                </a:r>
+                <a14:m>
+                  <m:oMath xmlns:m="http://schemas.openxmlformats.org/officeDocument/2006/math">
+                    <m:r>
+                      <a:rPr lang="de-DE" b="0" i="1" smtClean="0">
+                        <a:latin typeface="Cambria Math" panose="02040503050406030204" pitchFamily="18" charset="0"/>
+                      </a:rPr>
+                      <m:t>𝐿</m:t>
+                    </m:r>
+                    <m:r>
+                      <a:rPr lang="de-DE" b="0" i="1" smtClean="0">
+                        <a:latin typeface="Cambria Math" panose="02040503050406030204" pitchFamily="18" charset="0"/>
+                      </a:rPr>
+                      <m:t>(</m:t>
+                    </m:r>
+                    <m:r>
+                      <a:rPr lang="de-DE" b="0" i="1" smtClean="0">
+                        <a:latin typeface="Cambria Math" panose="02040503050406030204" pitchFamily="18" charset="0"/>
+                      </a:rPr>
+                      <m:t>𝑠</m:t>
+                    </m:r>
+                    <m:r>
+                      <a:rPr lang="de-DE" b="0" i="1" smtClean="0">
+                        <a:latin typeface="Cambria Math" panose="02040503050406030204" pitchFamily="18" charset="0"/>
+                      </a:rPr>
+                      <m:t>)=−1</m:t>
+                    </m:r>
+                  </m:oMath>
+                </a14:m>
+                <a:endParaRPr lang="de-DE" dirty="0"/>
+              </a:p>
+              <a:p>
+                <a:pPr marL="0" indent="0">
+                  <a:buNone/>
+                </a:pPr>
+                <a:r>
+                  <a:rPr lang="de-DE" dirty="0" err="1"/>
+                  <a:t>Unstable</a:t>
+                </a:r>
+                <a:r>
+                  <a:rPr lang="de-DE" dirty="0"/>
+                  <a:t> </a:t>
+                </a:r>
+                <a:r>
+                  <a:rPr lang="de-DE" dirty="0" err="1"/>
+                  <a:t>if</a:t>
+                </a:r>
+                <a:r>
+                  <a:rPr lang="de-DE" dirty="0"/>
+                  <a:t> </a:t>
+                </a:r>
+                <a:r>
+                  <a:rPr lang="de-DE" dirty="0" err="1"/>
+                  <a:t>any</a:t>
+                </a:r>
+                <a:r>
+                  <a:rPr lang="de-DE" dirty="0"/>
+                  <a:t> </a:t>
+                </a:r>
+                <a:r>
+                  <a:rPr lang="de-DE" dirty="0" err="1"/>
+                  <a:t>solution</a:t>
+                </a:r>
+                <a:r>
+                  <a:rPr lang="de-DE" dirty="0"/>
+                  <a:t> </a:t>
+                </a:r>
+                <a:r>
+                  <a:rPr lang="de-DE" dirty="0" err="1"/>
+                  <a:t>for</a:t>
+                </a:r>
+                <a:r>
+                  <a:rPr lang="de-DE" dirty="0"/>
+                  <a:t> </a:t>
+                </a:r>
+                <a14:m>
+                  <m:oMath xmlns:m="http://schemas.openxmlformats.org/officeDocument/2006/math">
+                    <m:r>
+                      <a:rPr lang="de-DE" i="1">
+                        <a:latin typeface="Cambria Math" panose="02040503050406030204" pitchFamily="18" charset="0"/>
+                      </a:rPr>
+                      <m:t>𝑠</m:t>
+                    </m:r>
+                  </m:oMath>
+                </a14:m>
+                <a:r>
+                  <a:rPr lang="de-DE" dirty="0"/>
+                  <a:t> lies in RHP</a:t>
+                </a:r>
+              </a:p>
+            </p:txBody>
+          </p:sp>
+        </mc:Choice>
+        <mc:Fallback>
+          <p:sp>
+            <p:nvSpPr>
+              <p:cNvPr id="3" name="Inhaltsplatzhalter 2">
+                <a:extLst>
+                  <a:ext uri="{FF2B5EF4-FFF2-40B4-BE49-F238E27FC236}">
+                    <a16:creationId xmlns:a16="http://schemas.microsoft.com/office/drawing/2014/main" id="{35D72C74-EA2A-7E93-E737-35EBB0F1C4CD}"/>
+                  </a:ext>
+                </a:extLst>
+              </p:cNvPr>
+              <p:cNvSpPr>
+                <a:spLocks noGrp="1" noRot="1" noChangeAspect="1" noMove="1" noResize="1" noEditPoints="1" noAdjustHandles="1" noChangeArrowheads="1" noChangeShapeType="1" noTextEdit="1"/>
+              </p:cNvSpPr>
+              <p:nvPr>
+                <p:ph idx="1"/>
+              </p:nvPr>
+            </p:nvSpPr>
+            <p:spPr>
+              <a:blipFill>
+                <a:blip r:embed="rId2"/>
+                <a:stretch>
+                  <a:fillRect l="-1206" t="-2326" r="-241" b="-872"/>
+                </a:stretch>
+              </a:blipFill>
+            </p:spPr>
+            <p:txBody>
+              <a:bodyPr/>
+              <a:lstStyle/>
+              <a:p>
+                <a:r>
+                  <a:rPr lang="de-DE">
+                    <a:noFill/>
+                  </a:rPr>
+                  <a:t> </a:t>
+                </a:r>
+              </a:p>
+            </p:txBody>
+          </p:sp>
+        </mc:Fallback>
+      </mc:AlternateContent>
       <p:sp>
         <p:nvSpPr>
           <p:cNvPr id="4" name="Foliennummernplatzhalter 3">
             <a:extLst>
               <a:ext uri="{FF2B5EF4-FFF2-40B4-BE49-F238E27FC236}">
-                <a16:creationId xmlns:a16="http://schemas.microsoft.com/office/drawing/2014/main" id="{9695D79B-140F-ED0F-12F1-D63F0CD77AA1}"/>
+                <a16:creationId xmlns:a16="http://schemas.microsoft.com/office/drawing/2014/main" id="{049E60DA-4975-1021-EC76-A48FC45FE876}"/>
               </a:ext>
             </a:extLst>
           </p:cNvPr>
@@ -7138,10 +7624,257 @@
           </a:p>
         </p:txBody>
       </p:sp>
+      <mc:AlternateContent xmlns:mc="http://schemas.openxmlformats.org/markup-compatibility/2006">
+        <mc:Choice xmlns:a14="http://schemas.microsoft.com/office/drawing/2010/main" Requires="a14">
+          <p:sp>
+            <p:nvSpPr>
+              <p:cNvPr id="5" name="Textfeld 4">
+                <a:extLst>
+                  <a:ext uri="{FF2B5EF4-FFF2-40B4-BE49-F238E27FC236}">
+                    <a16:creationId xmlns:a16="http://schemas.microsoft.com/office/drawing/2014/main" id="{B9FBA90F-DB98-46B0-3BF8-07E81D37F651}"/>
+                  </a:ext>
+                </a:extLst>
+              </p:cNvPr>
+              <p:cNvSpPr txBox="1"/>
+              <p:nvPr/>
+            </p:nvSpPr>
+            <p:spPr>
+              <a:xfrm>
+                <a:off x="6281532" y="4253949"/>
+                <a:ext cx="2032031" cy="461665"/>
+              </a:xfrm>
+              <a:prstGeom prst="rect">
+                <a:avLst/>
+              </a:prstGeom>
+              <a:noFill/>
+            </p:spPr>
+            <p:txBody>
+              <a:bodyPr wrap="none" rtlCol="0">
+                <a:spAutoFit/>
+              </a:bodyPr>
+              <a:lstStyle/>
+              <a:p>
+                <a:r>
+                  <a:rPr lang="de-DE" sz="2400" dirty="0"/>
+                  <a:t>loop </a:t>
+                </a:r>
+                <a:r>
+                  <a:rPr lang="de-DE" sz="2400" dirty="0" err="1"/>
+                  <a:t>gain</a:t>
+                </a:r>
+                <a:r>
+                  <a:rPr lang="de-DE" sz="2400" dirty="0"/>
+                  <a:t> </a:t>
+                </a:r>
+                <a14:m>
+                  <m:oMath xmlns:m="http://schemas.openxmlformats.org/officeDocument/2006/math">
+                    <m:r>
+                      <a:rPr lang="de-DE" sz="2400" b="0" i="1" smtClean="0">
+                        <a:latin typeface="Cambria Math" panose="02040503050406030204" pitchFamily="18" charset="0"/>
+                      </a:rPr>
+                      <m:t>𝐿</m:t>
+                    </m:r>
+                    <m:r>
+                      <a:rPr lang="de-DE" sz="2400" i="1">
+                        <a:latin typeface="Cambria Math" panose="02040503050406030204" pitchFamily="18" charset="0"/>
+                      </a:rPr>
+                      <m:t>(</m:t>
+                    </m:r>
+                    <m:r>
+                      <a:rPr lang="de-DE" sz="2400" i="1">
+                        <a:latin typeface="Cambria Math" panose="02040503050406030204" pitchFamily="18" charset="0"/>
+                      </a:rPr>
+                      <m:t>𝑠</m:t>
+                    </m:r>
+                    <m:r>
+                      <a:rPr lang="de-DE" sz="2400" b="0" i="1" smtClean="0">
+                        <a:latin typeface="Cambria Math" panose="02040503050406030204" pitchFamily="18" charset="0"/>
+                      </a:rPr>
+                      <m:t>)</m:t>
+                    </m:r>
+                  </m:oMath>
+                </a14:m>
+                <a:endParaRPr lang="de-DE" sz="2400" dirty="0"/>
+              </a:p>
+            </p:txBody>
+          </p:sp>
+        </mc:Choice>
+        <mc:Fallback>
+          <p:sp>
+            <p:nvSpPr>
+              <p:cNvPr id="5" name="Textfeld 4">
+                <a:extLst>
+                  <a:ext uri="{FF2B5EF4-FFF2-40B4-BE49-F238E27FC236}">
+                    <a16:creationId xmlns:a16="http://schemas.microsoft.com/office/drawing/2014/main" id="{B9FBA90F-DB98-46B0-3BF8-07E81D37F651}"/>
+                  </a:ext>
+                </a:extLst>
+              </p:cNvPr>
+              <p:cNvSpPr txBox="1">
+                <a:spLocks noRot="1" noChangeAspect="1" noMove="1" noResize="1" noEditPoints="1" noAdjustHandles="1" noChangeArrowheads="1" noChangeShapeType="1" noTextEdit="1"/>
+              </p:cNvSpPr>
+              <p:nvPr/>
+            </p:nvSpPr>
+            <p:spPr>
+              <a:xfrm>
+                <a:off x="6281532" y="4253949"/>
+                <a:ext cx="2032031" cy="461665"/>
+              </a:xfrm>
+              <a:prstGeom prst="rect">
+                <a:avLst/>
+              </a:prstGeom>
+              <a:blipFill>
+                <a:blip r:embed="rId3"/>
+                <a:stretch>
+                  <a:fillRect l="-4348" t="-10811" r="-1863" b="-29730"/>
+                </a:stretch>
+              </a:blipFill>
+            </p:spPr>
+            <p:txBody>
+              <a:bodyPr/>
+              <a:lstStyle/>
+              <a:p>
+                <a:r>
+                  <a:rPr lang="de-DE">
+                    <a:noFill/>
+                  </a:rPr>
+                  <a:t> </a:t>
+                </a:r>
+              </a:p>
+            </p:txBody>
+          </p:sp>
+        </mc:Fallback>
+      </mc:AlternateContent>
+      <p:sp>
+        <p:nvSpPr>
+          <p:cNvPr id="6" name="Geschweifte Klammer links 5">
+            <a:extLst>
+              <a:ext uri="{FF2B5EF4-FFF2-40B4-BE49-F238E27FC236}">
+                <a16:creationId xmlns:a16="http://schemas.microsoft.com/office/drawing/2014/main" id="{04F4D8CD-9653-AD6A-8452-E42BCF2DAC17}"/>
+              </a:ext>
+            </a:extLst>
+          </p:cNvPr>
+          <p:cNvSpPr/>
+          <p:nvPr/>
+        </p:nvSpPr>
+        <p:spPr>
+          <a:xfrm rot="16200000">
+            <a:off x="6864378" y="3442503"/>
+            <a:ext cx="228600" cy="1394292"/>
+          </a:xfrm>
+          <a:prstGeom prst="leftBrace">
+            <a:avLst/>
+          </a:prstGeom>
+        </p:spPr>
+        <p:style>
+          <a:lnRef idx="2">
+            <a:schemeClr val="accent1"/>
+          </a:lnRef>
+          <a:fillRef idx="0">
+            <a:schemeClr val="accent1"/>
+          </a:fillRef>
+          <a:effectRef idx="1">
+            <a:schemeClr val="accent1"/>
+          </a:effectRef>
+          <a:fontRef idx="minor">
+            <a:schemeClr val="tx1"/>
+          </a:fontRef>
+        </p:style>
+        <p:txBody>
+          <a:bodyPr rtlCol="0" anchor="ctr"/>
+          <a:lstStyle/>
+          <a:p>
+            <a:pPr algn="ctr"/>
+            <a:endParaRPr lang="de-DE"/>
+          </a:p>
+        </p:txBody>
+      </p:sp>
+      <p:sp>
+        <p:nvSpPr>
+          <p:cNvPr id="7" name="Textfeld 6">
+            <a:extLst>
+              <a:ext uri="{FF2B5EF4-FFF2-40B4-BE49-F238E27FC236}">
+                <a16:creationId xmlns:a16="http://schemas.microsoft.com/office/drawing/2014/main" id="{CBD6FFE9-3BFD-8E37-B50F-B0B119EED47E}"/>
+              </a:ext>
+            </a:extLst>
+          </p:cNvPr>
+          <p:cNvSpPr txBox="1"/>
+          <p:nvPr/>
+        </p:nvSpPr>
+        <p:spPr>
+          <a:xfrm>
+            <a:off x="8292548" y="2782956"/>
+            <a:ext cx="1871859" cy="461665"/>
+          </a:xfrm>
+          <a:prstGeom prst="rect">
+            <a:avLst/>
+          </a:prstGeom>
+          <a:noFill/>
+        </p:spPr>
+        <p:txBody>
+          <a:bodyPr wrap="none" rtlCol="0">
+            <a:spAutoFit/>
+          </a:bodyPr>
+          <a:lstStyle/>
+          <a:p>
+            <a:r>
+              <a:rPr lang="de-DE" sz="2400" dirty="0" err="1"/>
+              <a:t>forward</a:t>
+            </a:r>
+            <a:r>
+              <a:rPr lang="de-DE" sz="2400" dirty="0"/>
+              <a:t> </a:t>
+            </a:r>
+            <a:r>
+              <a:rPr lang="de-DE" sz="2400" dirty="0" err="1"/>
+              <a:t>path</a:t>
+            </a:r>
+            <a:endParaRPr lang="de-DE" sz="2400" dirty="0"/>
+          </a:p>
+        </p:txBody>
+      </p:sp>
+      <p:cxnSp>
+        <p:nvCxnSpPr>
+          <p:cNvPr id="9" name="Gerade Verbindung mit Pfeil 8">
+            <a:extLst>
+              <a:ext uri="{FF2B5EF4-FFF2-40B4-BE49-F238E27FC236}">
+                <a16:creationId xmlns:a16="http://schemas.microsoft.com/office/drawing/2014/main" id="{0DC74A13-5E56-7588-1E09-FFDD12F1E938}"/>
+              </a:ext>
+            </a:extLst>
+          </p:cNvPr>
+          <p:cNvCxnSpPr/>
+          <p:nvPr/>
+        </p:nvCxnSpPr>
+        <p:spPr>
+          <a:xfrm flipH="1">
+            <a:off x="7056783" y="3001617"/>
+            <a:ext cx="1202634" cy="228600"/>
+          </a:xfrm>
+          <a:prstGeom prst="straightConnector1">
+            <a:avLst/>
+          </a:prstGeom>
+          <a:ln>
+            <a:tailEnd type="triangle"/>
+          </a:ln>
+        </p:spPr>
+        <p:style>
+          <a:lnRef idx="2">
+            <a:schemeClr val="accent1"/>
+          </a:lnRef>
+          <a:fillRef idx="0">
+            <a:schemeClr val="accent1"/>
+          </a:fillRef>
+          <a:effectRef idx="1">
+            <a:schemeClr val="accent1"/>
+          </a:effectRef>
+          <a:fontRef idx="minor">
+            <a:schemeClr val="tx1"/>
+          </a:fontRef>
+        </p:style>
+      </p:cxnSp>
     </p:spTree>
     <p:extLst>
       <p:ext uri="{BB962C8B-B14F-4D97-AF65-F5344CB8AC3E}">
-        <p14:creationId xmlns:p14="http://schemas.microsoft.com/office/powerpoint/2010/main" val="1043321803"/>
+        <p14:creationId xmlns:p14="http://schemas.microsoft.com/office/powerpoint/2010/main" val="4228420220"/>
       </p:ext>
     </p:extLst>
   </p:cSld>
@@ -7173,7 +7906,7 @@
           <p:cNvPr id="2" name="Titel 1">
             <a:extLst>
               <a:ext uri="{FF2B5EF4-FFF2-40B4-BE49-F238E27FC236}">
-                <a16:creationId xmlns:a16="http://schemas.microsoft.com/office/drawing/2014/main" id="{E3D76B9D-A952-FA61-3FEA-B2C35BC9EBA5}"/>
+                <a16:creationId xmlns:a16="http://schemas.microsoft.com/office/drawing/2014/main" id="{2A122470-E3B4-6307-0EA5-F1B7F554835F}"/>
               </a:ext>
             </a:extLst>
           </p:cNvPr>
@@ -7191,129 +7924,586 @@
           <a:p>
             <a:r>
               <a:rPr lang="de-DE" dirty="0" err="1"/>
-              <a:t>Gain</a:t>
+              <a:t>Nyquist</a:t>
             </a:r>
             <a:r>
               <a:rPr lang="de-DE" dirty="0"/>
-              <a:t> and Phase </a:t>
+              <a:t> </a:t>
             </a:r>
             <a:r>
               <a:rPr lang="de-DE" dirty="0" err="1"/>
-              <a:t>Margins</a:t>
+              <a:t>Stability</a:t>
+            </a:r>
+            <a:r>
+              <a:rPr lang="de-DE" dirty="0"/>
+              <a:t> </a:t>
+            </a:r>
+            <a:r>
+              <a:rPr lang="de-DE" dirty="0" err="1"/>
+              <a:t>Criterion</a:t>
             </a:r>
             <a:endParaRPr lang="de-DE" dirty="0"/>
           </a:p>
         </p:txBody>
       </p:sp>
-      <p:sp>
-        <p:nvSpPr>
-          <p:cNvPr id="3" name="Inhaltsplatzhalter 2">
-            <a:extLst>
-              <a:ext uri="{FF2B5EF4-FFF2-40B4-BE49-F238E27FC236}">
-                <a16:creationId xmlns:a16="http://schemas.microsoft.com/office/drawing/2014/main" id="{841DCEC5-E062-73EC-599B-965A44B5F682}"/>
-              </a:ext>
-            </a:extLst>
-          </p:cNvPr>
-          <p:cNvSpPr>
-            <a:spLocks noGrp="1"/>
-          </p:cNvSpPr>
-          <p:nvPr>
-            <p:ph idx="1"/>
-          </p:nvPr>
-        </p:nvSpPr>
-        <p:spPr/>
-        <p:txBody>
-          <a:bodyPr/>
-          <a:lstStyle/>
-          <a:p>
-            <a:r>
-              <a:rPr lang="de-DE" dirty="0" err="1"/>
-              <a:t>Measure</a:t>
-            </a:r>
-            <a:r>
-              <a:rPr lang="de-DE" dirty="0"/>
-              <a:t> </a:t>
-            </a:r>
-            <a:r>
-              <a:rPr lang="de-DE" dirty="0" err="1"/>
-              <a:t>distance</a:t>
-            </a:r>
-            <a:r>
-              <a:rPr lang="de-DE" dirty="0"/>
-              <a:t> </a:t>
-            </a:r>
-            <a:r>
-              <a:rPr lang="de-DE" dirty="0" err="1"/>
-              <a:t>to</a:t>
-            </a:r>
-            <a:r>
-              <a:rPr lang="de-DE" dirty="0"/>
-              <a:t> </a:t>
-            </a:r>
-            <a:r>
-              <a:rPr lang="de-DE" dirty="0" err="1"/>
-              <a:t>instability</a:t>
-            </a:r>
-            <a:endParaRPr lang="de-DE" dirty="0"/>
-          </a:p>
-          <a:p>
-            <a:r>
-              <a:rPr lang="de-DE" dirty="0" err="1"/>
-              <a:t>Practical</a:t>
-            </a:r>
-            <a:r>
-              <a:rPr lang="de-DE" dirty="0"/>
-              <a:t> </a:t>
-            </a:r>
-            <a:r>
-              <a:rPr lang="de-DE" dirty="0" err="1"/>
-              <a:t>robustness</a:t>
-            </a:r>
-            <a:r>
-              <a:rPr lang="de-DE" dirty="0"/>
-              <a:t> </a:t>
-            </a:r>
-            <a:r>
-              <a:rPr lang="de-DE" dirty="0" err="1"/>
-              <a:t>indicators</a:t>
-            </a:r>
-            <a:endParaRPr lang="de-DE" dirty="0"/>
-          </a:p>
-          <a:p>
-            <a:r>
-              <a:rPr lang="de-DE" dirty="0"/>
-              <a:t>Read </a:t>
-            </a:r>
-            <a:r>
-              <a:rPr lang="de-DE" dirty="0" err="1"/>
-              <a:t>directly</a:t>
-            </a:r>
-            <a:r>
-              <a:rPr lang="de-DE" dirty="0"/>
-              <a:t> </a:t>
-            </a:r>
-            <a:r>
-              <a:rPr lang="de-DE" dirty="0" err="1"/>
-              <a:t>from</a:t>
-            </a:r>
-            <a:r>
-              <a:rPr lang="de-DE" dirty="0"/>
-              <a:t> Bode </a:t>
-            </a:r>
-            <a:r>
-              <a:rPr lang="de-DE" dirty="0" err="1"/>
-              <a:t>plots</a:t>
-            </a:r>
-            <a:endParaRPr lang="de-DE" dirty="0"/>
-          </a:p>
-        </p:txBody>
-      </p:sp>
+      <mc:AlternateContent xmlns:mc="http://schemas.openxmlformats.org/markup-compatibility/2006">
+        <mc:Choice xmlns:a14="http://schemas.microsoft.com/office/drawing/2010/main" Requires="a14">
+          <p:sp>
+            <p:nvSpPr>
+              <p:cNvPr id="3" name="Inhaltsplatzhalter 2">
+                <a:extLst>
+                  <a:ext uri="{FF2B5EF4-FFF2-40B4-BE49-F238E27FC236}">
+                    <a16:creationId xmlns:a16="http://schemas.microsoft.com/office/drawing/2014/main" id="{C52AFC97-0C0F-D7E6-966D-ED72FE114700}"/>
+                  </a:ext>
+                </a:extLst>
+              </p:cNvPr>
+              <p:cNvSpPr>
+                <a:spLocks noGrp="1"/>
+              </p:cNvSpPr>
+              <p:nvPr>
+                <p:ph idx="1"/>
+              </p:nvPr>
+            </p:nvSpPr>
+            <p:spPr>
+              <a:xfrm>
+                <a:off x="838200" y="1825625"/>
+                <a:ext cx="6691124" cy="4667250"/>
+              </a:xfrm>
+            </p:spPr>
+            <p:txBody>
+              <a:bodyPr>
+                <a:normAutofit/>
+              </a:bodyPr>
+              <a:lstStyle/>
+              <a:p>
+                <a:pPr marL="0" indent="0">
+                  <a:buNone/>
+                </a:pPr>
+                <a:r>
+                  <a:rPr lang="de-DE" sz="2400" dirty="0"/>
+                  <a:t>Consider </a:t>
+                </a:r>
+                <a:r>
+                  <a:rPr lang="de-DE" sz="2400" dirty="0" err="1"/>
+                  <a:t>Nyquist</a:t>
+                </a:r>
+                <a:r>
+                  <a:rPr lang="de-DE" sz="2400" dirty="0"/>
+                  <a:t> </a:t>
+                </a:r>
+                <a:r>
+                  <a:rPr lang="de-DE" sz="2400" dirty="0" err="1"/>
+                  <a:t>curve</a:t>
+                </a:r>
+                <a:r>
+                  <a:rPr lang="de-DE" sz="2400" dirty="0"/>
+                  <a:t> </a:t>
+                </a:r>
+                <a:r>
+                  <a:rPr lang="de-DE" sz="2400" dirty="0" err="1"/>
+                  <a:t>for</a:t>
+                </a:r>
+                <a:r>
+                  <a:rPr lang="de-DE" sz="2400" dirty="0"/>
+                  <a:t> </a:t>
+                </a:r>
+                <a14:m>
+                  <m:oMath xmlns:m="http://schemas.openxmlformats.org/officeDocument/2006/math">
+                    <m:r>
+                      <a:rPr lang="de-DE" sz="2400" b="0" i="1" smtClean="0">
+                        <a:latin typeface="Cambria Math" panose="02040503050406030204" pitchFamily="18" charset="0"/>
+                        <a:ea typeface="Cambria Math" panose="02040503050406030204" pitchFamily="18" charset="0"/>
+                      </a:rPr>
+                      <m:t>𝐿</m:t>
+                    </m:r>
+                    <m:d>
+                      <m:dPr>
+                        <m:ctrlPr>
+                          <a:rPr lang="de-DE" sz="2400" i="1">
+                            <a:latin typeface="Cambria Math" panose="02040503050406030204" pitchFamily="18" charset="0"/>
+                          </a:rPr>
+                        </m:ctrlPr>
+                      </m:dPr>
+                      <m:e>
+                        <m:r>
+                          <a:rPr lang="de-DE" sz="2400" i="1">
+                            <a:latin typeface="Cambria Math" panose="02040503050406030204" pitchFamily="18" charset="0"/>
+                          </a:rPr>
+                          <m:t>𝑗</m:t>
+                        </m:r>
+                        <m:r>
+                          <a:rPr lang="de-DE" sz="2400" i="1">
+                            <a:latin typeface="Cambria Math" panose="02040503050406030204" pitchFamily="18" charset="0"/>
+                            <a:ea typeface="Cambria Math" panose="02040503050406030204" pitchFamily="18" charset="0"/>
+                          </a:rPr>
+                          <m:t>𝜔</m:t>
+                        </m:r>
+                      </m:e>
+                    </m:d>
+                  </m:oMath>
+                </a14:m>
+                <a:endParaRPr lang="de-DE" sz="2400" dirty="0"/>
+              </a:p>
+              <a:p>
+                <a:pPr marL="0" indent="0">
+                  <a:buNone/>
+                </a:pPr>
+                <a:r>
+                  <a:rPr lang="de-DE" sz="2400" dirty="0">
+                    <a:sym typeface="Wingdings" pitchFamily="2" charset="2"/>
+                  </a:rPr>
+                  <a:t> </a:t>
+                </a:r>
+                <a:r>
+                  <a:rPr lang="de-DE" sz="2400" dirty="0" err="1">
+                    <a:sym typeface="Wingdings" pitchFamily="2" charset="2"/>
+                  </a:rPr>
+                  <a:t>e</a:t>
+                </a:r>
+                <a:r>
+                  <a:rPr lang="de-DE" sz="2400" dirty="0" err="1"/>
+                  <a:t>valuation</a:t>
+                </a:r>
+                <a:r>
+                  <a:rPr lang="de-DE" sz="2400" dirty="0"/>
+                  <a:t> </a:t>
+                </a:r>
+                <a:r>
+                  <a:rPr lang="de-DE" sz="2400" dirty="0" err="1"/>
+                  <a:t>along</a:t>
+                </a:r>
+                <a:r>
+                  <a:rPr lang="de-DE" sz="2400" dirty="0"/>
+                  <a:t> </a:t>
+                </a:r>
+                <a:r>
+                  <a:rPr lang="de-DE" sz="2400" dirty="0" err="1"/>
+                  <a:t>the</a:t>
+                </a:r>
+                <a:r>
+                  <a:rPr lang="de-DE" sz="2400" dirty="0"/>
+                  <a:t> </a:t>
+                </a:r>
+                <a:r>
+                  <a:rPr lang="de-DE" sz="2400" dirty="0" err="1"/>
+                  <a:t>imaginary</a:t>
+                </a:r>
+                <a:r>
+                  <a:rPr lang="de-DE" sz="2400" dirty="0"/>
+                  <a:t> </a:t>
+                </a:r>
+                <a:r>
+                  <a:rPr lang="de-DE" sz="2400" dirty="0" err="1"/>
+                  <a:t>axis</a:t>
+                </a:r>
+                <a:r>
+                  <a:rPr lang="de-DE" sz="2400" dirty="0"/>
+                  <a:t> </a:t>
+                </a:r>
+                <a:r>
+                  <a:rPr lang="de-DE" sz="2400" dirty="0" err="1"/>
+                  <a:t>of</a:t>
+                </a:r>
+                <a:r>
+                  <a:rPr lang="de-DE" sz="2400" dirty="0"/>
+                  <a:t> </a:t>
+                </a:r>
+                <a14:m>
+                  <m:oMath xmlns:m="http://schemas.openxmlformats.org/officeDocument/2006/math">
+                    <m:r>
+                      <a:rPr lang="de-DE" sz="2400" i="1">
+                        <a:latin typeface="Cambria Math" panose="02040503050406030204" pitchFamily="18" charset="0"/>
+                      </a:rPr>
+                      <m:t>𝑠</m:t>
+                    </m:r>
+                  </m:oMath>
+                </a14:m>
+                <a:r>
+                  <a:rPr lang="de-DE" sz="2400" dirty="0"/>
+                  <a:t> (</a:t>
+                </a:r>
+                <a:r>
+                  <a:rPr lang="de-DE" sz="2400" dirty="0" err="1"/>
+                  <a:t>boundary</a:t>
+                </a:r>
+                <a:r>
+                  <a:rPr lang="de-DE" sz="2400" dirty="0"/>
+                  <a:t> </a:t>
+                </a:r>
+                <a:r>
+                  <a:rPr lang="de-DE" sz="2400" dirty="0" err="1"/>
+                  <a:t>of</a:t>
+                </a:r>
+                <a:r>
+                  <a:rPr lang="de-DE" sz="2400" dirty="0"/>
+                  <a:t> RHP)</a:t>
+                </a:r>
+              </a:p>
+              <a:p>
+                <a:pPr marL="0" indent="0">
+                  <a:buNone/>
+                </a:pPr>
+                <a:endParaRPr lang="de-DE" sz="2400" dirty="0"/>
+              </a:p>
+              <a:p>
+                <a:pPr marL="0" indent="0">
+                  <a:buNone/>
+                </a:pPr>
+                <a:r>
+                  <a:rPr lang="de-DE" sz="2400" dirty="0"/>
+                  <a:t>Critical </a:t>
+                </a:r>
+                <a:r>
+                  <a:rPr lang="de-DE" sz="2400" dirty="0" err="1"/>
+                  <a:t>point</a:t>
+                </a:r>
+                <a:r>
+                  <a:rPr lang="de-DE" sz="2400" dirty="0"/>
+                  <a:t> </a:t>
+                </a:r>
+                <a14:m>
+                  <m:oMath xmlns:m="http://schemas.openxmlformats.org/officeDocument/2006/math">
+                    <m:r>
+                      <a:rPr lang="de-DE" sz="2400" b="0" i="1" smtClean="0">
+                        <a:latin typeface="Cambria Math" panose="02040503050406030204" pitchFamily="18" charset="0"/>
+                      </a:rPr>
+                      <m:t>−1+</m:t>
+                    </m:r>
+                    <m:r>
+                      <a:rPr lang="de-DE" sz="2400" b="0" i="1" smtClean="0">
+                        <a:latin typeface="Cambria Math" panose="02040503050406030204" pitchFamily="18" charset="0"/>
+                      </a:rPr>
+                      <m:t>𝑗</m:t>
+                    </m:r>
+                    <m:r>
+                      <a:rPr lang="de-DE" sz="2400" b="0" i="1" smtClean="0">
+                        <a:latin typeface="Cambria Math" panose="02040503050406030204" pitchFamily="18" charset="0"/>
+                      </a:rPr>
+                      <m:t>0</m:t>
+                    </m:r>
+                  </m:oMath>
+                </a14:m>
+                <a:r>
+                  <a:rPr lang="de-DE" sz="2400" dirty="0">
+                    <a:sym typeface="Wingdings" pitchFamily="2" charset="2"/>
+                  </a:rPr>
+                  <a:t>: </a:t>
+                </a:r>
+                <a:r>
+                  <a:rPr lang="de-DE" sz="2400" dirty="0" err="1">
+                    <a:sym typeface="Wingdings" pitchFamily="2" charset="2"/>
+                  </a:rPr>
+                  <a:t>closed</a:t>
+                </a:r>
+                <a:r>
+                  <a:rPr lang="de-DE" sz="2400" dirty="0">
+                    <a:sym typeface="Wingdings" pitchFamily="2" charset="2"/>
+                  </a:rPr>
+                  <a:t>-loop pole</a:t>
+                </a:r>
+              </a:p>
+              <a:p>
+                <a:pPr marL="0" indent="0">
+                  <a:buNone/>
+                </a:pPr>
+                <a:endParaRPr lang="de-DE" sz="2400" dirty="0"/>
+              </a:p>
+              <a:p>
+                <a:pPr marL="0" indent="0">
+                  <a:buNone/>
+                </a:pPr>
+                <a:r>
+                  <a:rPr lang="de-DE" sz="2400" dirty="0" err="1"/>
+                  <a:t>If</a:t>
+                </a:r>
+                <a:r>
+                  <a:rPr lang="de-DE" sz="2400" dirty="0"/>
+                  <a:t> </a:t>
+                </a:r>
+                <a:r>
+                  <a:rPr lang="de-DE" sz="2400" dirty="0" err="1"/>
+                  <a:t>curve</a:t>
+                </a:r>
+                <a:r>
+                  <a:rPr lang="de-DE" sz="2400" dirty="0"/>
+                  <a:t> </a:t>
+                </a:r>
+                <a:r>
+                  <a:rPr lang="de-DE" sz="2400" dirty="0" err="1"/>
+                  <a:t>encircles</a:t>
+                </a:r>
+                <a:r>
+                  <a:rPr lang="de-DE" sz="2400" dirty="0"/>
+                  <a:t> </a:t>
+                </a:r>
+                <a:r>
+                  <a:rPr lang="de-DE" sz="2400" dirty="0" err="1"/>
+                  <a:t>critical</a:t>
+                </a:r>
+                <a:r>
+                  <a:rPr lang="de-DE" sz="2400" dirty="0"/>
+                  <a:t> </a:t>
+                </a:r>
+                <a:r>
+                  <a:rPr lang="de-DE" sz="2400" dirty="0" err="1"/>
+                  <a:t>point</a:t>
+                </a:r>
+                <a:r>
+                  <a:rPr lang="de-DE" sz="2400" dirty="0"/>
+                  <a:t>,</a:t>
+                </a:r>
+                <a:r>
+                  <a:rPr lang="de-DE" sz="2400" dirty="0">
+                    <a:sym typeface="Wingdings" pitchFamily="2" charset="2"/>
+                  </a:rPr>
+                  <a:t> </a:t>
+                </a:r>
+                <a14:m>
+                  <m:oMath xmlns:m="http://schemas.openxmlformats.org/officeDocument/2006/math">
+                    <m:r>
+                      <a:rPr lang="de-DE" sz="2400" b="0" i="1" smtClean="0">
+                        <a:latin typeface="Cambria Math" panose="02040503050406030204" pitchFamily="18" charset="0"/>
+                      </a:rPr>
+                      <m:t>𝐿</m:t>
+                    </m:r>
+                    <m:r>
+                      <a:rPr lang="de-DE" sz="2400" i="1">
+                        <a:latin typeface="Cambria Math" panose="02040503050406030204" pitchFamily="18" charset="0"/>
+                      </a:rPr>
+                      <m:t>(</m:t>
+                    </m:r>
+                    <m:r>
+                      <a:rPr lang="de-DE" sz="2400" i="1">
+                        <a:latin typeface="Cambria Math" panose="02040503050406030204" pitchFamily="18" charset="0"/>
+                      </a:rPr>
+                      <m:t>𝑠</m:t>
+                    </m:r>
+                    <m:r>
+                      <a:rPr lang="de-DE" sz="2400" i="1">
+                        <a:latin typeface="Cambria Math" panose="02040503050406030204" pitchFamily="18" charset="0"/>
+                      </a:rPr>
+                      <m:t>)=−1</m:t>
+                    </m:r>
+                  </m:oMath>
+                </a14:m>
+                <a:r>
+                  <a:rPr lang="de-DE" sz="2400" dirty="0"/>
+                  <a:t> has </a:t>
+                </a:r>
+                <a:r>
+                  <a:rPr lang="de-DE" sz="2400" dirty="0" err="1"/>
+                  <a:t>solutions</a:t>
+                </a:r>
+                <a:r>
+                  <a:rPr lang="de-DE" sz="2400" dirty="0"/>
+                  <a:t> in RHP </a:t>
+                </a:r>
+                <a:r>
+                  <a:rPr lang="de-DE" sz="2400" dirty="0">
+                    <a:sym typeface="Wingdings" pitchFamily="2" charset="2"/>
+                  </a:rPr>
+                  <a:t> </a:t>
+                </a:r>
+                <a:r>
+                  <a:rPr lang="de-DE" sz="2400" dirty="0" err="1">
+                    <a:sym typeface="Wingdings" pitchFamily="2" charset="2"/>
+                  </a:rPr>
+                  <a:t>closed</a:t>
+                </a:r>
+                <a:r>
+                  <a:rPr lang="de-DE" sz="2400" dirty="0">
+                    <a:sym typeface="Wingdings" pitchFamily="2" charset="2"/>
+                  </a:rPr>
+                  <a:t> loop </a:t>
+                </a:r>
+                <a:r>
+                  <a:rPr lang="de-DE" sz="2400" dirty="0" err="1">
+                    <a:sym typeface="Wingdings" pitchFamily="2" charset="2"/>
+                  </a:rPr>
+                  <a:t>unstable</a:t>
+                </a:r>
+                <a:endParaRPr lang="de-DE" sz="2400" dirty="0"/>
+              </a:p>
+              <a:p>
+                <a:pPr marL="0" indent="0">
+                  <a:buNone/>
+                </a:pPr>
+                <a:r>
+                  <a:rPr lang="de-DE" sz="2400" dirty="0"/>
+                  <a:t>(</a:t>
+                </a:r>
+                <a:r>
+                  <a:rPr lang="de-DE" sz="2400" dirty="0" err="1"/>
+                  <a:t>Encirclement</a:t>
+                </a:r>
+                <a:r>
+                  <a:rPr lang="de-DE" sz="2400" dirty="0"/>
+                  <a:t> </a:t>
+                </a:r>
+                <a:r>
+                  <a:rPr lang="de-DE" sz="2400" dirty="0" err="1"/>
+                  <a:t>is</a:t>
+                </a:r>
+                <a:r>
+                  <a:rPr lang="de-DE" sz="2400" dirty="0"/>
+                  <a:t> a </a:t>
+                </a:r>
+                <a:r>
+                  <a:rPr lang="de-DE" sz="2400" dirty="0" err="1"/>
+                  <a:t>topological</a:t>
+                </a:r>
+                <a:r>
+                  <a:rPr lang="de-DE" sz="2400" dirty="0"/>
+                  <a:t> </a:t>
+                </a:r>
+                <a:r>
+                  <a:rPr lang="de-DE" sz="2400" dirty="0" err="1"/>
+                  <a:t>signature</a:t>
+                </a:r>
+                <a:r>
+                  <a:rPr lang="de-DE" sz="2400" dirty="0"/>
+                  <a:t> </a:t>
+                </a:r>
+                <a:r>
+                  <a:rPr lang="de-DE" sz="2400" dirty="0" err="1"/>
+                  <a:t>of</a:t>
+                </a:r>
+                <a:r>
+                  <a:rPr lang="de-DE" sz="2400" dirty="0"/>
+                  <a:t> a root </a:t>
+                </a:r>
+                <a:r>
+                  <a:rPr lang="de-DE" sz="2400" dirty="0" err="1"/>
+                  <a:t>inside</a:t>
+                </a:r>
+                <a:r>
+                  <a:rPr lang="de-DE" sz="2400" dirty="0"/>
+                  <a:t>. </a:t>
+                </a:r>
+                <a:r>
+                  <a:rPr lang="de-DE" sz="2400" dirty="0" err="1"/>
+                  <a:t>It</a:t>
+                </a:r>
+                <a:r>
+                  <a:rPr lang="de-DE" sz="2400" dirty="0"/>
+                  <a:t> </a:t>
+                </a:r>
+                <a:r>
+                  <a:rPr lang="de-DE" sz="2400" dirty="0" err="1"/>
+                  <a:t>considers</a:t>
+                </a:r>
+                <a:r>
+                  <a:rPr lang="de-DE" sz="2400" dirty="0"/>
+                  <a:t> </a:t>
+                </a:r>
+                <a:r>
+                  <a:rPr lang="de-DE" sz="2400" dirty="0" err="1"/>
+                  <a:t>both</a:t>
+                </a:r>
+                <a:r>
+                  <a:rPr lang="de-DE" sz="2400" dirty="0"/>
+                  <a:t> positive-</a:t>
+                </a:r>
+                <a:r>
+                  <a:rPr lang="de-DE" sz="2400" dirty="0" err="1"/>
+                  <a:t>frequency</a:t>
+                </a:r>
+                <a:r>
+                  <a:rPr lang="de-DE" sz="2400" dirty="0"/>
+                  <a:t> and negative-</a:t>
+                </a:r>
+                <a:r>
+                  <a:rPr lang="de-DE" sz="2400" dirty="0" err="1"/>
+                  <a:t>frequency</a:t>
+                </a:r>
+                <a:r>
+                  <a:rPr lang="de-DE" sz="2400" dirty="0"/>
+                  <a:t> </a:t>
+                </a:r>
+                <a:r>
+                  <a:rPr lang="de-DE" sz="2400" dirty="0" err="1"/>
+                  <a:t>branches</a:t>
+                </a:r>
+                <a:r>
+                  <a:rPr lang="de-DE" sz="2400" dirty="0"/>
+                  <a:t>: </a:t>
+                </a:r>
+                <a14:m>
+                  <m:oMath xmlns:m="http://schemas.openxmlformats.org/officeDocument/2006/math">
+                    <m:r>
+                      <a:rPr lang="de-DE" sz="2400" i="1" smtClean="0">
+                        <a:latin typeface="Cambria Math" panose="02040503050406030204" pitchFamily="18" charset="0"/>
+                        <a:ea typeface="Cambria Math" panose="02040503050406030204" pitchFamily="18" charset="0"/>
+                      </a:rPr>
+                      <m:t>𝜔</m:t>
+                    </m:r>
+                    <m:r>
+                      <a:rPr lang="de-DE" sz="2400" b="0" i="1" smtClean="0">
+                        <a:latin typeface="Cambria Math" panose="02040503050406030204" pitchFamily="18" charset="0"/>
+                        <a:ea typeface="Cambria Math" panose="02040503050406030204" pitchFamily="18" charset="0"/>
+                      </a:rPr>
+                      <m:t>:−∞→+∞</m:t>
+                    </m:r>
+                  </m:oMath>
+                </a14:m>
+                <a:r>
+                  <a:rPr lang="de-DE" sz="2400" dirty="0"/>
+                  <a:t>)</a:t>
+                </a:r>
+              </a:p>
+            </p:txBody>
+          </p:sp>
+        </mc:Choice>
+        <mc:Fallback>
+          <p:sp>
+            <p:nvSpPr>
+              <p:cNvPr id="3" name="Inhaltsplatzhalter 2">
+                <a:extLst>
+                  <a:ext uri="{FF2B5EF4-FFF2-40B4-BE49-F238E27FC236}">
+                    <a16:creationId xmlns:a16="http://schemas.microsoft.com/office/drawing/2014/main" id="{C52AFC97-0C0F-D7E6-966D-ED72FE114700}"/>
+                  </a:ext>
+                </a:extLst>
+              </p:cNvPr>
+              <p:cNvSpPr>
+                <a:spLocks noGrp="1" noRot="1" noChangeAspect="1" noMove="1" noResize="1" noEditPoints="1" noAdjustHandles="1" noChangeArrowheads="1" noChangeShapeType="1" noTextEdit="1"/>
+              </p:cNvSpPr>
+              <p:nvPr>
+                <p:ph idx="1"/>
+              </p:nvPr>
+            </p:nvSpPr>
+            <p:spPr>
+              <a:xfrm>
+                <a:off x="838200" y="1825625"/>
+                <a:ext cx="6691124" cy="4667250"/>
+              </a:xfrm>
+              <a:blipFill>
+                <a:blip r:embed="rId2"/>
+                <a:stretch>
+                  <a:fillRect l="-1518" t="-1897"/>
+                </a:stretch>
+              </a:blipFill>
+            </p:spPr>
+            <p:txBody>
+              <a:bodyPr/>
+              <a:lstStyle/>
+              <a:p>
+                <a:r>
+                  <a:rPr lang="de-DE">
+                    <a:noFill/>
+                  </a:rPr>
+                  <a:t> </a:t>
+                </a:r>
+              </a:p>
+            </p:txBody>
+          </p:sp>
+        </mc:Fallback>
+      </mc:AlternateContent>
       <p:sp>
         <p:nvSpPr>
           <p:cNvPr id="4" name="Foliennummernplatzhalter 3">
             <a:extLst>
               <a:ext uri="{FF2B5EF4-FFF2-40B4-BE49-F238E27FC236}">
-                <a16:creationId xmlns:a16="http://schemas.microsoft.com/office/drawing/2014/main" id="{B0C0EBA0-2646-D649-137B-265D744CEEEB}"/>
+                <a16:creationId xmlns:a16="http://schemas.microsoft.com/office/drawing/2014/main" id="{9695D79B-140F-ED0F-12F1-D63F0CD77AA1}"/>
               </a:ext>
             </a:extLst>
           </p:cNvPr>
@@ -7337,10 +8527,1122 @@
           </a:p>
         </p:txBody>
       </p:sp>
+      <p:pic>
+        <p:nvPicPr>
+          <p:cNvPr id="5" name="Grafik 4">
+            <a:extLst>
+              <a:ext uri="{FF2B5EF4-FFF2-40B4-BE49-F238E27FC236}">
+                <a16:creationId xmlns:a16="http://schemas.microsoft.com/office/drawing/2014/main" id="{654FF782-4E84-BA12-3F7C-27131846C387}"/>
+              </a:ext>
+            </a:extLst>
+          </p:cNvPr>
+          <p:cNvPicPr>
+            <a:picLocks noChangeAspect="1"/>
+          </p:cNvPicPr>
+          <p:nvPr/>
+        </p:nvPicPr>
+        <p:blipFill>
+          <a:blip r:embed="rId3">
+            <a:extLst>
+              <a:ext uri="{96DAC541-7B7A-43D3-8B79-37D633B846F1}">
+                <asvg:svgBlip xmlns:asvg="http://schemas.microsoft.com/office/drawing/2016/SVG/main" r:embed="rId4"/>
+              </a:ext>
+            </a:extLst>
+          </a:blip>
+          <a:stretch>
+            <a:fillRect/>
+          </a:stretch>
+        </p:blipFill>
+        <p:spPr>
+          <a:xfrm>
+            <a:off x="7529324" y="2118473"/>
+            <a:ext cx="4662676" cy="3511838"/>
+          </a:xfrm>
+          <a:prstGeom prst="rect">
+            <a:avLst/>
+          </a:prstGeom>
+        </p:spPr>
+      </p:pic>
+      <p:sp>
+        <p:nvSpPr>
+          <p:cNvPr id="6" name="Textfeld 5">
+            <a:extLst>
+              <a:ext uri="{FF2B5EF4-FFF2-40B4-BE49-F238E27FC236}">
+                <a16:creationId xmlns:a16="http://schemas.microsoft.com/office/drawing/2014/main" id="{FD5F9AD0-872D-1DB9-C798-4EE5637DFA00}"/>
+              </a:ext>
+            </a:extLst>
+          </p:cNvPr>
+          <p:cNvSpPr txBox="1"/>
+          <p:nvPr/>
+        </p:nvSpPr>
+        <p:spPr>
+          <a:xfrm>
+            <a:off x="9293999" y="1749141"/>
+            <a:ext cx="1376402" cy="369332"/>
+          </a:xfrm>
+          <a:prstGeom prst="rect">
+            <a:avLst/>
+          </a:prstGeom>
+          <a:noFill/>
+        </p:spPr>
+        <p:txBody>
+          <a:bodyPr wrap="none" rtlCol="0">
+            <a:spAutoFit/>
+          </a:bodyPr>
+          <a:lstStyle/>
+          <a:p>
+            <a:r>
+              <a:rPr lang="de-DE" dirty="0"/>
+              <a:t>PT2 </a:t>
+            </a:r>
+            <a:r>
+              <a:rPr lang="de-DE" dirty="0" err="1"/>
+              <a:t>system</a:t>
+            </a:r>
+            <a:r>
+              <a:rPr lang="de-DE" dirty="0"/>
+              <a:t>:</a:t>
+            </a:r>
+          </a:p>
+        </p:txBody>
+      </p:sp>
+      <mc:AlternateContent xmlns:mc="http://schemas.openxmlformats.org/markup-compatibility/2006">
+        <mc:Choice xmlns:a14="http://schemas.microsoft.com/office/drawing/2010/main" Requires="a14">
+          <p:sp>
+            <p:nvSpPr>
+              <p:cNvPr id="7" name="Textfeld 6">
+                <a:extLst>
+                  <a:ext uri="{FF2B5EF4-FFF2-40B4-BE49-F238E27FC236}">
+                    <a16:creationId xmlns:a16="http://schemas.microsoft.com/office/drawing/2014/main" id="{17E210C8-E109-EF33-DEEA-6DE2BF901B68}"/>
+                  </a:ext>
+                </a:extLst>
+              </p:cNvPr>
+              <p:cNvSpPr txBox="1"/>
+              <p:nvPr/>
+            </p:nvSpPr>
+            <p:spPr>
+              <a:xfrm>
+                <a:off x="9435576" y="5581505"/>
+                <a:ext cx="1065420" cy="276999"/>
+              </a:xfrm>
+              <a:prstGeom prst="rect">
+                <a:avLst/>
+              </a:prstGeom>
+              <a:noFill/>
+            </p:spPr>
+            <p:txBody>
+              <a:bodyPr wrap="none" lIns="0" tIns="0" rIns="0" bIns="0" rtlCol="0">
+                <a:spAutoFit/>
+              </a:bodyPr>
+              <a:lstStyle/>
+              <a:p>
+                <a14:m>
+                  <m:oMathPara xmlns:m="http://schemas.openxmlformats.org/officeDocument/2006/math">
+                    <m:oMathParaPr>
+                      <m:jc m:val="centerGroup"/>
+                    </m:oMathParaPr>
+                    <m:oMath xmlns:m="http://schemas.openxmlformats.org/officeDocument/2006/math">
+                      <m:r>
+                        <m:rPr>
+                          <m:sty m:val="p"/>
+                        </m:rPr>
+                        <a:rPr lang="de-DE" b="0" i="0" smtClean="0">
+                          <a:latin typeface="Cambria Math" panose="02040503050406030204" pitchFamily="18" charset="0"/>
+                        </a:rPr>
+                        <m:t>Re</m:t>
+                      </m:r>
+                      <m:r>
+                        <a:rPr lang="de-DE" b="0" i="1" smtClean="0">
+                          <a:latin typeface="Cambria Math" panose="02040503050406030204" pitchFamily="18" charset="0"/>
+                        </a:rPr>
+                        <m:t>(</m:t>
+                      </m:r>
+                      <m:r>
+                        <a:rPr lang="de-DE" b="0" i="1" smtClean="0">
+                          <a:latin typeface="Cambria Math" panose="02040503050406030204" pitchFamily="18" charset="0"/>
+                        </a:rPr>
+                        <m:t>𝐿</m:t>
+                      </m:r>
+                      <m:d>
+                        <m:dPr>
+                          <m:ctrlPr>
+                            <a:rPr lang="de-DE" i="1">
+                              <a:latin typeface="Cambria Math" panose="02040503050406030204" pitchFamily="18" charset="0"/>
+                            </a:rPr>
+                          </m:ctrlPr>
+                        </m:dPr>
+                        <m:e>
+                          <m:r>
+                            <a:rPr lang="de-DE" i="1">
+                              <a:latin typeface="Cambria Math" panose="02040503050406030204" pitchFamily="18" charset="0"/>
+                            </a:rPr>
+                            <m:t>𝑗</m:t>
+                          </m:r>
+                          <m:r>
+                            <a:rPr lang="de-DE" i="1">
+                              <a:latin typeface="Cambria Math" panose="02040503050406030204" pitchFamily="18" charset="0"/>
+                              <a:ea typeface="Cambria Math" panose="02040503050406030204" pitchFamily="18" charset="0"/>
+                            </a:rPr>
+                            <m:t>𝜔</m:t>
+                          </m:r>
+                        </m:e>
+                      </m:d>
+                      <m:r>
+                        <a:rPr lang="de-DE" b="0" i="1" smtClean="0">
+                          <a:latin typeface="Cambria Math" panose="02040503050406030204" pitchFamily="18" charset="0"/>
+                        </a:rPr>
+                        <m:t>)</m:t>
+                      </m:r>
+                    </m:oMath>
+                  </m:oMathPara>
+                </a14:m>
+                <a:endParaRPr lang="de-DE" dirty="0"/>
+              </a:p>
+            </p:txBody>
+          </p:sp>
+        </mc:Choice>
+        <mc:Fallback>
+          <p:sp>
+            <p:nvSpPr>
+              <p:cNvPr id="7" name="Textfeld 6">
+                <a:extLst>
+                  <a:ext uri="{FF2B5EF4-FFF2-40B4-BE49-F238E27FC236}">
+                    <a16:creationId xmlns:a16="http://schemas.microsoft.com/office/drawing/2014/main" id="{17E210C8-E109-EF33-DEEA-6DE2BF901B68}"/>
+                  </a:ext>
+                </a:extLst>
+              </p:cNvPr>
+              <p:cNvSpPr txBox="1">
+                <a:spLocks noRot="1" noChangeAspect="1" noMove="1" noResize="1" noEditPoints="1" noAdjustHandles="1" noChangeArrowheads="1" noChangeShapeType="1" noTextEdit="1"/>
+              </p:cNvSpPr>
+              <p:nvPr/>
+            </p:nvSpPr>
+            <p:spPr>
+              <a:xfrm>
+                <a:off x="9435576" y="5581505"/>
+                <a:ext cx="1065420" cy="276999"/>
+              </a:xfrm>
+              <a:prstGeom prst="rect">
+                <a:avLst/>
+              </a:prstGeom>
+              <a:blipFill>
+                <a:blip r:embed="rId5"/>
+                <a:stretch>
+                  <a:fillRect l="-5882" r="-7059" b="-34783"/>
+                </a:stretch>
+              </a:blipFill>
+            </p:spPr>
+            <p:txBody>
+              <a:bodyPr/>
+              <a:lstStyle/>
+              <a:p>
+                <a:r>
+                  <a:rPr lang="de-DE">
+                    <a:noFill/>
+                  </a:rPr>
+                  <a:t> </a:t>
+                </a:r>
+              </a:p>
+            </p:txBody>
+          </p:sp>
+        </mc:Fallback>
+      </mc:AlternateContent>
+      <mc:AlternateContent xmlns:mc="http://schemas.openxmlformats.org/markup-compatibility/2006">
+        <mc:Choice xmlns:a14="http://schemas.microsoft.com/office/drawing/2010/main" Requires="a14">
+          <p:sp>
+            <p:nvSpPr>
+              <p:cNvPr id="8" name="Textfeld 7">
+                <a:extLst>
+                  <a:ext uri="{FF2B5EF4-FFF2-40B4-BE49-F238E27FC236}">
+                    <a16:creationId xmlns:a16="http://schemas.microsoft.com/office/drawing/2014/main" id="{D0FC0F33-8594-06B5-7542-62F48ACACB3A}"/>
+                  </a:ext>
+                </a:extLst>
+              </p:cNvPr>
+              <p:cNvSpPr txBox="1"/>
+              <p:nvPr/>
+            </p:nvSpPr>
+            <p:spPr>
+              <a:xfrm rot="16200000">
+                <a:off x="7127099" y="3735892"/>
+                <a:ext cx="1081450" cy="276999"/>
+              </a:xfrm>
+              <a:prstGeom prst="rect">
+                <a:avLst/>
+              </a:prstGeom>
+              <a:noFill/>
+            </p:spPr>
+            <p:txBody>
+              <a:bodyPr wrap="none" lIns="0" tIns="0" rIns="0" bIns="0" rtlCol="0">
+                <a:spAutoFit/>
+              </a:bodyPr>
+              <a:lstStyle/>
+              <a:p>
+                <a14:m>
+                  <m:oMathPara xmlns:m="http://schemas.openxmlformats.org/officeDocument/2006/math">
+                    <m:oMathParaPr>
+                      <m:jc m:val="centerGroup"/>
+                    </m:oMathParaPr>
+                    <m:oMath xmlns:m="http://schemas.openxmlformats.org/officeDocument/2006/math">
+                      <m:r>
+                        <m:rPr>
+                          <m:sty m:val="p"/>
+                        </m:rPr>
+                        <a:rPr lang="de-DE" b="0" i="0" smtClean="0">
+                          <a:latin typeface="Cambria Math" panose="02040503050406030204" pitchFamily="18" charset="0"/>
+                        </a:rPr>
+                        <m:t>Im</m:t>
+                      </m:r>
+                      <m:r>
+                        <a:rPr lang="de-DE" b="0" i="1" smtClean="0">
+                          <a:latin typeface="Cambria Math" panose="02040503050406030204" pitchFamily="18" charset="0"/>
+                        </a:rPr>
+                        <m:t>(</m:t>
+                      </m:r>
+                      <m:r>
+                        <a:rPr lang="de-DE" b="0" i="1" smtClean="0">
+                          <a:latin typeface="Cambria Math" panose="02040503050406030204" pitchFamily="18" charset="0"/>
+                        </a:rPr>
+                        <m:t>𝐿</m:t>
+                      </m:r>
+                      <m:d>
+                        <m:dPr>
+                          <m:ctrlPr>
+                            <a:rPr lang="de-DE" i="1">
+                              <a:latin typeface="Cambria Math" panose="02040503050406030204" pitchFamily="18" charset="0"/>
+                            </a:rPr>
+                          </m:ctrlPr>
+                        </m:dPr>
+                        <m:e>
+                          <m:r>
+                            <a:rPr lang="de-DE" i="1">
+                              <a:latin typeface="Cambria Math" panose="02040503050406030204" pitchFamily="18" charset="0"/>
+                            </a:rPr>
+                            <m:t>𝑗</m:t>
+                          </m:r>
+                          <m:r>
+                            <a:rPr lang="de-DE" i="1">
+                              <a:latin typeface="Cambria Math" panose="02040503050406030204" pitchFamily="18" charset="0"/>
+                              <a:ea typeface="Cambria Math" panose="02040503050406030204" pitchFamily="18" charset="0"/>
+                            </a:rPr>
+                            <m:t>𝜔</m:t>
+                          </m:r>
+                        </m:e>
+                      </m:d>
+                      <m:r>
+                        <a:rPr lang="de-DE" b="0" i="1" smtClean="0">
+                          <a:latin typeface="Cambria Math" panose="02040503050406030204" pitchFamily="18" charset="0"/>
+                        </a:rPr>
+                        <m:t>)</m:t>
+                      </m:r>
+                    </m:oMath>
+                  </m:oMathPara>
+                </a14:m>
+                <a:endParaRPr lang="de-DE" dirty="0"/>
+              </a:p>
+            </p:txBody>
+          </p:sp>
+        </mc:Choice>
+        <mc:Fallback>
+          <p:sp>
+            <p:nvSpPr>
+              <p:cNvPr id="8" name="Textfeld 7">
+                <a:extLst>
+                  <a:ext uri="{FF2B5EF4-FFF2-40B4-BE49-F238E27FC236}">
+                    <a16:creationId xmlns:a16="http://schemas.microsoft.com/office/drawing/2014/main" id="{D0FC0F33-8594-06B5-7542-62F48ACACB3A}"/>
+                  </a:ext>
+                </a:extLst>
+              </p:cNvPr>
+              <p:cNvSpPr txBox="1">
+                <a:spLocks noRot="1" noChangeAspect="1" noMove="1" noResize="1" noEditPoints="1" noAdjustHandles="1" noChangeArrowheads="1" noChangeShapeType="1" noTextEdit="1"/>
+              </p:cNvSpPr>
+              <p:nvPr/>
+            </p:nvSpPr>
+            <p:spPr>
+              <a:xfrm rot="16200000">
+                <a:off x="7127099" y="3735892"/>
+                <a:ext cx="1081450" cy="276999"/>
+              </a:xfrm>
+              <a:prstGeom prst="rect">
+                <a:avLst/>
+              </a:prstGeom>
+              <a:blipFill>
+                <a:blip r:embed="rId6"/>
+                <a:stretch>
+                  <a:fillRect t="-8140" r="-34783" b="-4651"/>
+                </a:stretch>
+              </a:blipFill>
+            </p:spPr>
+            <p:txBody>
+              <a:bodyPr/>
+              <a:lstStyle/>
+              <a:p>
+                <a:r>
+                  <a:rPr lang="de-DE">
+                    <a:noFill/>
+                  </a:rPr>
+                  <a:t> </a:t>
+                </a:r>
+              </a:p>
+            </p:txBody>
+          </p:sp>
+        </mc:Fallback>
+      </mc:AlternateContent>
     </p:spTree>
     <p:extLst>
       <p:ext uri="{BB962C8B-B14F-4D97-AF65-F5344CB8AC3E}">
-        <p14:creationId xmlns:p14="http://schemas.microsoft.com/office/powerpoint/2010/main" val="4254092505"/>
+        <p14:creationId xmlns:p14="http://schemas.microsoft.com/office/powerpoint/2010/main" val="1043321803"/>
+      </p:ext>
+    </p:extLst>
+  </p:cSld>
+  <p:clrMapOvr>
+    <a:masterClrMapping/>
+  </p:clrMapOvr>
+</p:sld>
+</file>
+
+<file path=ppt/slides/slide19.xml><?xml version="1.0" encoding="utf-8"?>
+<p:sld xmlns:a="http://schemas.openxmlformats.org/drawingml/2006/main" xmlns:r="http://schemas.openxmlformats.org/officeDocument/2006/relationships" xmlns:p="http://schemas.openxmlformats.org/presentationml/2006/main">
+  <p:cSld>
+    <p:spTree>
+      <p:nvGrpSpPr>
+        <p:cNvPr id="1" name=""/>
+        <p:cNvGrpSpPr/>
+        <p:nvPr/>
+      </p:nvGrpSpPr>
+      <p:grpSpPr>
+        <a:xfrm>
+          <a:off x="0" y="0"/>
+          <a:ext cx="0" cy="0"/>
+          <a:chOff x="0" y="0"/>
+          <a:chExt cx="0" cy="0"/>
+        </a:xfrm>
+      </p:grpSpPr>
+      <p:sp>
+        <p:nvSpPr>
+          <p:cNvPr id="2" name="Titel 1">
+            <a:extLst>
+              <a:ext uri="{FF2B5EF4-FFF2-40B4-BE49-F238E27FC236}">
+                <a16:creationId xmlns:a16="http://schemas.microsoft.com/office/drawing/2014/main" id="{839D0819-63A4-5FE2-C3BC-F96F50CE9BCA}"/>
+              </a:ext>
+            </a:extLst>
+          </p:cNvPr>
+          <p:cNvSpPr>
+            <a:spLocks noGrp="1"/>
+          </p:cNvSpPr>
+          <p:nvPr>
+            <p:ph type="title"/>
+          </p:nvPr>
+        </p:nvSpPr>
+        <p:spPr/>
+        <p:txBody>
+          <a:bodyPr/>
+          <a:lstStyle/>
+          <a:p>
+            <a:r>
+              <a:rPr lang="de-DE" dirty="0" err="1"/>
+              <a:t>Nyquist</a:t>
+            </a:r>
+            <a:r>
+              <a:rPr lang="de-DE" dirty="0"/>
+              <a:t> Formula</a:t>
+            </a:r>
+          </a:p>
+        </p:txBody>
+      </p:sp>
+      <mc:AlternateContent xmlns:mc="http://schemas.openxmlformats.org/markup-compatibility/2006">
+        <mc:Choice xmlns:a14="http://schemas.microsoft.com/office/drawing/2010/main" Requires="a14">
+          <p:sp>
+            <p:nvSpPr>
+              <p:cNvPr id="3" name="Inhaltsplatzhalter 2">
+                <a:extLst>
+                  <a:ext uri="{FF2B5EF4-FFF2-40B4-BE49-F238E27FC236}">
+                    <a16:creationId xmlns:a16="http://schemas.microsoft.com/office/drawing/2014/main" id="{7DF119EF-E5CD-E6C3-DBEF-451E2BB0BEA6}"/>
+                  </a:ext>
+                </a:extLst>
+              </p:cNvPr>
+              <p:cNvSpPr>
+                <a:spLocks noGrp="1"/>
+              </p:cNvSpPr>
+              <p:nvPr>
+                <p:ph idx="1"/>
+              </p:nvPr>
+            </p:nvSpPr>
+            <p:spPr/>
+            <p:txBody>
+              <a:bodyPr>
+                <a:normAutofit/>
+              </a:bodyPr>
+              <a:lstStyle/>
+              <a:p>
+                <a:pPr marL="0" indent="0">
+                  <a:buNone/>
+                </a:pPr>
+                <a:r>
+                  <a:rPr lang="de-DE" sz="2400" dirty="0"/>
+                  <a:t>Number </a:t>
+                </a:r>
+                <a:r>
+                  <a:rPr lang="de-DE" sz="2400" dirty="0" err="1"/>
+                  <a:t>of</a:t>
+                </a:r>
+                <a:r>
+                  <a:rPr lang="de-DE" sz="2400" dirty="0"/>
+                  <a:t> </a:t>
+                </a:r>
+                <a:r>
+                  <a:rPr lang="de-DE" sz="2400" dirty="0" err="1"/>
+                  <a:t>encirclements</a:t>
+                </a:r>
+                <a:r>
+                  <a:rPr lang="de-DE" sz="2400" dirty="0"/>
+                  <a:t> </a:t>
+                </a:r>
+                <a:r>
+                  <a:rPr lang="de-DE" sz="2400" dirty="0">
+                    <a:sym typeface="Wingdings" pitchFamily="2" charset="2"/>
+                  </a:rPr>
+                  <a:t></a:t>
+                </a:r>
+                <a:r>
+                  <a:rPr lang="de-DE" sz="2400" dirty="0"/>
+                  <a:t> </a:t>
+                </a:r>
+                <a:r>
+                  <a:rPr lang="de-DE" sz="2400" dirty="0" err="1"/>
+                  <a:t>how</a:t>
+                </a:r>
+                <a:r>
+                  <a:rPr lang="de-DE" sz="2400" dirty="0"/>
+                  <a:t> </a:t>
+                </a:r>
+                <a:r>
+                  <a:rPr lang="de-DE" sz="2400" dirty="0" err="1"/>
+                  <a:t>many</a:t>
+                </a:r>
+                <a:r>
+                  <a:rPr lang="de-DE" sz="2400" dirty="0"/>
+                  <a:t> </a:t>
+                </a:r>
+                <a:r>
+                  <a:rPr lang="de-DE" sz="2400" dirty="0" err="1"/>
+                  <a:t>closed</a:t>
+                </a:r>
+                <a:r>
+                  <a:rPr lang="de-DE" sz="2400" dirty="0"/>
+                  <a:t>-loop </a:t>
+                </a:r>
+                <a:r>
+                  <a:rPr lang="de-DE" sz="2400" dirty="0" err="1"/>
+                  <a:t>poles</a:t>
+                </a:r>
+                <a:r>
+                  <a:rPr lang="de-DE" sz="2400" dirty="0"/>
+                  <a:t> in RHP</a:t>
+                </a:r>
+              </a:p>
+              <a:p>
+                <a:pPr marL="0" indent="0">
+                  <a:buNone/>
+                </a:pPr>
+                <a:endParaRPr lang="de-DE" sz="2400" dirty="0"/>
+              </a:p>
+              <a:p>
+                <a14:m>
+                  <m:oMath xmlns:m="http://schemas.openxmlformats.org/officeDocument/2006/math">
+                    <m:r>
+                      <a:rPr lang="de-DE" sz="2400" i="1">
+                        <a:latin typeface="Cambria Math" panose="02040503050406030204" pitchFamily="18" charset="0"/>
+                      </a:rPr>
+                      <m:t>𝑃</m:t>
+                    </m:r>
+                    <m:r>
+                      <a:rPr lang="de-DE" sz="2400" b="0" i="0" smtClean="0">
+                        <a:latin typeface="Cambria Math" panose="02040503050406030204" pitchFamily="18" charset="0"/>
+                      </a:rPr>
+                      <m:t>=</m:t>
+                    </m:r>
+                  </m:oMath>
+                </a14:m>
+                <a:r>
+                  <a:rPr lang="de-DE" sz="2400" dirty="0"/>
+                  <a:t> </a:t>
+                </a:r>
+                <a:r>
+                  <a:rPr lang="de-DE" sz="2400" dirty="0" err="1"/>
+                  <a:t>number</a:t>
+                </a:r>
+                <a:r>
+                  <a:rPr lang="de-DE" sz="2400" dirty="0"/>
+                  <a:t> </a:t>
+                </a:r>
+                <a:r>
+                  <a:rPr lang="de-DE" sz="2400" dirty="0" err="1"/>
+                  <a:t>of</a:t>
+                </a:r>
+                <a:r>
+                  <a:rPr lang="de-DE" sz="2400" dirty="0"/>
+                  <a:t> RHP </a:t>
+                </a:r>
+                <a:r>
+                  <a:rPr lang="de-DE" sz="2400" dirty="0" err="1"/>
+                  <a:t>poles</a:t>
+                </a:r>
+                <a:r>
+                  <a:rPr lang="de-DE" sz="2400" dirty="0"/>
+                  <a:t> </a:t>
+                </a:r>
+                <a:r>
+                  <a:rPr lang="de-DE" sz="2400" dirty="0" err="1"/>
+                  <a:t>of</a:t>
+                </a:r>
+                <a:r>
+                  <a:rPr lang="de-DE" sz="2400" dirty="0"/>
+                  <a:t> </a:t>
+                </a:r>
+                <a14:m>
+                  <m:oMath xmlns:m="http://schemas.openxmlformats.org/officeDocument/2006/math">
+                    <m:r>
+                      <a:rPr lang="de-DE" sz="2400" i="1">
+                        <a:latin typeface="Cambria Math" panose="02040503050406030204" pitchFamily="18" charset="0"/>
+                      </a:rPr>
+                      <m:t>𝐿</m:t>
+                    </m:r>
+                    <m:r>
+                      <a:rPr lang="de-DE" sz="2400" i="1">
+                        <a:latin typeface="Cambria Math" panose="02040503050406030204" pitchFamily="18" charset="0"/>
+                      </a:rPr>
+                      <m:t>(</m:t>
+                    </m:r>
+                    <m:r>
+                      <a:rPr lang="de-DE" sz="2400" i="1">
+                        <a:latin typeface="Cambria Math" panose="02040503050406030204" pitchFamily="18" charset="0"/>
+                      </a:rPr>
+                      <m:t>𝑠</m:t>
+                    </m:r>
+                    <m:r>
+                      <a:rPr lang="de-DE" sz="2400" b="0" i="1" smtClean="0">
+                        <a:latin typeface="Cambria Math" panose="02040503050406030204" pitchFamily="18" charset="0"/>
+                      </a:rPr>
+                      <m:t>)</m:t>
+                    </m:r>
+                  </m:oMath>
+                </a14:m>
+                <a:endParaRPr lang="de-DE" sz="2400" dirty="0"/>
+              </a:p>
+              <a:p>
+                <a14:m>
+                  <m:oMath xmlns:m="http://schemas.openxmlformats.org/officeDocument/2006/math">
+                    <m:r>
+                      <a:rPr lang="de-DE" sz="2400" i="1">
+                        <a:latin typeface="Cambria Math" panose="02040503050406030204" pitchFamily="18" charset="0"/>
+                      </a:rPr>
+                      <m:t>𝑍</m:t>
+                    </m:r>
+                    <m:r>
+                      <a:rPr lang="de-DE" sz="2400" b="0" i="0" smtClean="0">
+                        <a:latin typeface="Cambria Math" panose="02040503050406030204" pitchFamily="18" charset="0"/>
+                      </a:rPr>
+                      <m:t>=</m:t>
+                    </m:r>
+                  </m:oMath>
+                </a14:m>
+                <a:r>
+                  <a:rPr lang="de-DE" sz="2400" dirty="0"/>
+                  <a:t> </a:t>
+                </a:r>
+                <a:r>
+                  <a:rPr lang="de-DE" sz="2400" dirty="0" err="1"/>
+                  <a:t>number</a:t>
+                </a:r>
+                <a:r>
+                  <a:rPr lang="de-DE" sz="2400" dirty="0"/>
+                  <a:t> </a:t>
+                </a:r>
+                <a:r>
+                  <a:rPr lang="de-DE" sz="2400" dirty="0" err="1"/>
+                  <a:t>of</a:t>
+                </a:r>
+                <a:r>
+                  <a:rPr lang="de-DE" sz="2400" dirty="0"/>
+                  <a:t> </a:t>
+                </a:r>
+                <a:r>
+                  <a:rPr lang="de-DE" sz="2400" dirty="0" err="1"/>
+                  <a:t>closed</a:t>
+                </a:r>
+                <a:r>
+                  <a:rPr lang="de-DE" sz="2400" dirty="0"/>
+                  <a:t>-loop </a:t>
+                </a:r>
+                <a:r>
+                  <a:rPr lang="de-DE" sz="2400" dirty="0" err="1"/>
+                  <a:t>poles</a:t>
+                </a:r>
+                <a:r>
+                  <a:rPr lang="de-DE" sz="2400" dirty="0"/>
+                  <a:t> in RHP (</a:t>
+                </a:r>
+                <a14:m>
+                  <m:oMath xmlns:m="http://schemas.openxmlformats.org/officeDocument/2006/math">
+                    <m:r>
+                      <a:rPr lang="de-DE" sz="2400" i="1">
+                        <a:latin typeface="Cambria Math" panose="02040503050406030204" pitchFamily="18" charset="0"/>
+                      </a:rPr>
+                      <m:t>𝐿</m:t>
+                    </m:r>
+                    <m:r>
+                      <a:rPr lang="de-DE" sz="2400" i="1">
+                        <a:latin typeface="Cambria Math" panose="02040503050406030204" pitchFamily="18" charset="0"/>
+                      </a:rPr>
+                      <m:t>(</m:t>
+                    </m:r>
+                    <m:r>
+                      <a:rPr lang="de-DE" sz="2400" i="1">
+                        <a:latin typeface="Cambria Math" panose="02040503050406030204" pitchFamily="18" charset="0"/>
+                      </a:rPr>
+                      <m:t>𝑠</m:t>
+                    </m:r>
+                    <m:r>
+                      <a:rPr lang="de-DE" sz="2400" i="1">
+                        <a:latin typeface="Cambria Math" panose="02040503050406030204" pitchFamily="18" charset="0"/>
+                      </a:rPr>
+                      <m:t>)=−1</m:t>
+                    </m:r>
+                  </m:oMath>
+                </a14:m>
+                <a:r>
+                  <a:rPr lang="de-DE" sz="2400" dirty="0"/>
+                  <a:t> )</a:t>
+                </a:r>
+              </a:p>
+              <a:p>
+                <a14:m>
+                  <m:oMath xmlns:m="http://schemas.openxmlformats.org/officeDocument/2006/math">
+                    <m:r>
+                      <a:rPr lang="de-DE" sz="2400" i="1">
+                        <a:latin typeface="Cambria Math" panose="02040503050406030204" pitchFamily="18" charset="0"/>
+                      </a:rPr>
+                      <m:t>𝑁</m:t>
+                    </m:r>
+                    <m:r>
+                      <a:rPr lang="de-DE" sz="2400" b="0" i="0" smtClean="0">
+                        <a:latin typeface="Cambria Math" panose="02040503050406030204" pitchFamily="18" charset="0"/>
+                      </a:rPr>
+                      <m:t>=</m:t>
+                    </m:r>
+                  </m:oMath>
+                </a14:m>
+                <a:r>
+                  <a:rPr lang="de-DE" sz="2400" dirty="0"/>
+                  <a:t> </a:t>
+                </a:r>
+                <a:r>
+                  <a:rPr lang="de-DE" sz="2400" dirty="0" err="1"/>
+                  <a:t>number</a:t>
+                </a:r>
+                <a:r>
+                  <a:rPr lang="de-DE" sz="2400" dirty="0"/>
+                  <a:t> </a:t>
+                </a:r>
+                <a:r>
+                  <a:rPr lang="de-DE" sz="2400" dirty="0" err="1"/>
+                  <a:t>of</a:t>
+                </a:r>
+                <a:r>
+                  <a:rPr lang="de-DE" sz="2400" dirty="0"/>
+                  <a:t> </a:t>
+                </a:r>
+                <a:r>
+                  <a:rPr lang="de-DE" sz="2400" dirty="0" err="1"/>
+                  <a:t>encirclements</a:t>
+                </a:r>
+                <a:r>
+                  <a:rPr lang="de-DE" sz="2400" dirty="0"/>
+                  <a:t> </a:t>
+                </a:r>
+                <a:r>
+                  <a:rPr lang="de-DE" sz="2400" dirty="0" err="1"/>
+                  <a:t>of</a:t>
+                </a:r>
+                <a:r>
+                  <a:rPr lang="de-DE" sz="2400" dirty="0"/>
+                  <a:t> </a:t>
+                </a:r>
+                <a14:m>
+                  <m:oMath xmlns:m="http://schemas.openxmlformats.org/officeDocument/2006/math">
+                    <m:r>
+                      <a:rPr lang="de-DE" sz="2400" b="0" i="1" smtClean="0">
+                        <a:latin typeface="Cambria Math" panose="02040503050406030204" pitchFamily="18" charset="0"/>
+                      </a:rPr>
+                      <m:t>−1</m:t>
+                    </m:r>
+                  </m:oMath>
+                </a14:m>
+                <a:r>
+                  <a:rPr lang="de-DE" sz="2400" dirty="0"/>
+                  <a:t> </a:t>
+                </a:r>
+                <a:r>
+                  <a:rPr lang="de-DE" sz="2400" dirty="0" err="1"/>
+                  <a:t>by</a:t>
+                </a:r>
+                <a:r>
+                  <a:rPr lang="de-DE" sz="2400" dirty="0"/>
+                  <a:t> </a:t>
+                </a:r>
+                <a:r>
+                  <a:rPr lang="de-DE" sz="2400" dirty="0" err="1"/>
+                  <a:t>the</a:t>
+                </a:r>
+                <a:r>
+                  <a:rPr lang="de-DE" sz="2400" dirty="0"/>
+                  <a:t> </a:t>
+                </a:r>
+                <a:r>
+                  <a:rPr lang="de-DE" sz="2400" dirty="0" err="1"/>
+                  <a:t>Nyquist</a:t>
+                </a:r>
+                <a:r>
+                  <a:rPr lang="de-DE" sz="2400" dirty="0"/>
+                  <a:t> </a:t>
+                </a:r>
+                <a:r>
+                  <a:rPr lang="de-DE" sz="2400" dirty="0" err="1"/>
+                  <a:t>plot</a:t>
+                </a:r>
+                <a:r>
+                  <a:rPr lang="de-DE" sz="2400" dirty="0"/>
+                  <a:t> </a:t>
+                </a:r>
+                <a:r>
+                  <a:rPr lang="de-DE" sz="2400" dirty="0" err="1"/>
+                  <a:t>of</a:t>
+                </a:r>
+                <a:r>
+                  <a:rPr lang="de-DE" sz="2400" dirty="0"/>
+                  <a:t> </a:t>
+                </a:r>
+                <a14:m>
+                  <m:oMath xmlns:m="http://schemas.openxmlformats.org/officeDocument/2006/math">
+                    <m:r>
+                      <a:rPr lang="de-DE" sz="2400" i="1">
+                        <a:latin typeface="Cambria Math" panose="02040503050406030204" pitchFamily="18" charset="0"/>
+                      </a:rPr>
+                      <m:t>𝐿</m:t>
+                    </m:r>
+                    <m:r>
+                      <a:rPr lang="de-DE" sz="2400" i="1">
+                        <a:latin typeface="Cambria Math" panose="02040503050406030204" pitchFamily="18" charset="0"/>
+                      </a:rPr>
+                      <m:t>(</m:t>
+                    </m:r>
+                    <m:r>
+                      <a:rPr lang="de-DE" sz="2400" i="1">
+                        <a:latin typeface="Cambria Math" panose="02040503050406030204" pitchFamily="18" charset="0"/>
+                      </a:rPr>
+                      <m:t>𝑠</m:t>
+                    </m:r>
+                    <m:r>
+                      <a:rPr lang="de-DE" sz="2400" b="0" i="1" smtClean="0">
+                        <a:latin typeface="Cambria Math" panose="02040503050406030204" pitchFamily="18" charset="0"/>
+                      </a:rPr>
+                      <m:t>)</m:t>
+                    </m:r>
+                  </m:oMath>
+                </a14:m>
+                <a:r>
+                  <a:rPr lang="de-DE" sz="2400" dirty="0"/>
+                  <a:t>, </a:t>
+                </a:r>
+                <a:r>
+                  <a:rPr lang="de-DE" sz="2400" dirty="0" err="1"/>
+                  <a:t>where</a:t>
+                </a:r>
+                <a:r>
+                  <a:rPr lang="de-DE" sz="2400" dirty="0"/>
+                  <a:t> </a:t>
+                </a:r>
+                <a:r>
+                  <a:rPr lang="de-DE" sz="2400" dirty="0" err="1"/>
+                  <a:t>the</a:t>
+                </a:r>
+                <a:r>
+                  <a:rPr lang="de-DE" sz="2400" dirty="0"/>
+                  <a:t> </a:t>
+                </a:r>
+                <a:r>
+                  <a:rPr lang="de-DE" sz="2400" dirty="0" err="1"/>
+                  <a:t>sign</a:t>
+                </a:r>
+                <a:r>
+                  <a:rPr lang="de-DE" sz="2400" dirty="0"/>
+                  <a:t> </a:t>
+                </a:r>
+                <a:r>
+                  <a:rPr lang="de-DE" sz="2400" dirty="0" err="1"/>
+                  <a:t>reflects</a:t>
+                </a:r>
+                <a:r>
+                  <a:rPr lang="de-DE" sz="2400" dirty="0"/>
+                  <a:t> </a:t>
+                </a:r>
+                <a:r>
+                  <a:rPr lang="de-DE" sz="2400" dirty="0" err="1"/>
+                  <a:t>the</a:t>
+                </a:r>
+                <a:r>
+                  <a:rPr lang="de-DE" sz="2400" dirty="0"/>
+                  <a:t> </a:t>
+                </a:r>
+                <a:r>
+                  <a:rPr lang="de-DE" sz="2400" dirty="0" err="1"/>
+                  <a:t>encirclement</a:t>
+                </a:r>
+                <a:r>
+                  <a:rPr lang="de-DE" sz="2400" dirty="0"/>
+                  <a:t> </a:t>
+                </a:r>
+                <a:r>
+                  <a:rPr lang="de-DE" sz="2400" dirty="0" err="1"/>
+                  <a:t>direction</a:t>
+                </a:r>
+                <a:endParaRPr lang="de-DE" sz="2400" dirty="0"/>
+              </a:p>
+              <a:p>
+                <a:pPr marL="0" indent="0">
+                  <a:buNone/>
+                </a:pPr>
+                <a:endParaRPr lang="de-DE" sz="2400" dirty="0"/>
+              </a:p>
+              <a:p>
+                <a:pPr marL="0" indent="0">
+                  <a:buNone/>
+                </a:pPr>
+                <a14:m>
+                  <m:oMathPara xmlns:m="http://schemas.openxmlformats.org/officeDocument/2006/math">
+                    <m:oMathParaPr>
+                      <m:jc m:val="centerGroup"/>
+                    </m:oMathParaPr>
+                    <m:oMath xmlns:m="http://schemas.openxmlformats.org/officeDocument/2006/math">
+                      <m:r>
+                        <a:rPr lang="de-DE" sz="2400" b="0" i="1" smtClean="0">
+                          <a:latin typeface="Cambria Math" panose="02040503050406030204" pitchFamily="18" charset="0"/>
+                        </a:rPr>
+                        <m:t>𝑍</m:t>
+                      </m:r>
+                      <m:r>
+                        <a:rPr lang="de-DE" sz="2400" b="0" i="1" smtClean="0">
+                          <a:latin typeface="Cambria Math" panose="02040503050406030204" pitchFamily="18" charset="0"/>
+                        </a:rPr>
+                        <m:t>=</m:t>
+                      </m:r>
+                      <m:r>
+                        <a:rPr lang="de-DE" sz="2400" b="0" i="1" smtClean="0">
+                          <a:latin typeface="Cambria Math" panose="02040503050406030204" pitchFamily="18" charset="0"/>
+                        </a:rPr>
+                        <m:t>𝑁</m:t>
+                      </m:r>
+                      <m:r>
+                        <a:rPr lang="de-DE" sz="2400" b="0" i="1" smtClean="0">
+                          <a:latin typeface="Cambria Math" panose="02040503050406030204" pitchFamily="18" charset="0"/>
+                        </a:rPr>
+                        <m:t>+</m:t>
+                      </m:r>
+                      <m:r>
+                        <a:rPr lang="de-DE" sz="2400" b="0" i="1" smtClean="0">
+                          <a:latin typeface="Cambria Math" panose="02040503050406030204" pitchFamily="18" charset="0"/>
+                        </a:rPr>
+                        <m:t>𝑃</m:t>
+                      </m:r>
+                    </m:oMath>
+                  </m:oMathPara>
+                </a14:m>
+                <a:endParaRPr lang="de-DE" sz="2400" dirty="0"/>
+              </a:p>
+              <a:p>
+                <a:pPr marL="0" indent="0">
+                  <a:buNone/>
+                </a:pPr>
+                <a:endParaRPr lang="de-DE" sz="2400" dirty="0"/>
+              </a:p>
+              <a:p>
+                <a:pPr marL="0" indent="0">
+                  <a:buNone/>
+                </a:pPr>
+                <a:r>
+                  <a:rPr lang="de-DE" sz="2400" dirty="0">
+                    <a:sym typeface="Wingdings" pitchFamily="2" charset="2"/>
+                  </a:rPr>
+                  <a:t> </a:t>
+                </a:r>
+                <a:r>
+                  <a:rPr lang="de-DE" sz="2400" dirty="0"/>
+                  <a:t>An </a:t>
+                </a:r>
+                <a:r>
+                  <a:rPr lang="de-DE" sz="2400" dirty="0" err="1"/>
+                  <a:t>unstable</a:t>
+                </a:r>
+                <a:r>
+                  <a:rPr lang="de-DE" sz="2400" dirty="0"/>
+                  <a:t> plant (e.g., </a:t>
+                </a:r>
+                <a14:m>
+                  <m:oMath xmlns:m="http://schemas.openxmlformats.org/officeDocument/2006/math">
+                    <m:r>
+                      <a:rPr lang="de-DE" sz="2400" i="1">
+                        <a:latin typeface="Cambria Math" panose="02040503050406030204" pitchFamily="18" charset="0"/>
+                      </a:rPr>
+                      <m:t>𝑃</m:t>
+                    </m:r>
+                    <m:r>
+                      <a:rPr lang="de-DE" sz="2400" b="0" i="1" smtClean="0">
+                        <a:latin typeface="Cambria Math" panose="02040503050406030204" pitchFamily="18" charset="0"/>
+                      </a:rPr>
+                      <m:t>=1</m:t>
+                    </m:r>
+                  </m:oMath>
+                </a14:m>
+                <a:r>
+                  <a:rPr lang="de-DE" sz="2400" dirty="0"/>
+                  <a:t>) </a:t>
+                </a:r>
+                <a:r>
+                  <a:rPr lang="de-DE" sz="2400" dirty="0" err="1"/>
+                  <a:t>can</a:t>
+                </a:r>
+                <a:r>
+                  <a:rPr lang="de-DE" sz="2400" dirty="0"/>
+                  <a:t> </a:t>
+                </a:r>
+                <a:r>
+                  <a:rPr lang="de-DE" sz="2400" dirty="0" err="1"/>
+                  <a:t>be</a:t>
+                </a:r>
+                <a:r>
+                  <a:rPr lang="de-DE" sz="2400" dirty="0"/>
+                  <a:t> </a:t>
+                </a:r>
+                <a:r>
+                  <a:rPr lang="de-DE" sz="2400" dirty="0" err="1"/>
+                  <a:t>stabilized</a:t>
+                </a:r>
+                <a:r>
+                  <a:rPr lang="de-DE" sz="2400" dirty="0"/>
+                  <a:t> </a:t>
+                </a:r>
+                <a:r>
+                  <a:rPr lang="de-DE" sz="2400" dirty="0" err="1"/>
+                  <a:t>by</a:t>
+                </a:r>
+                <a:r>
+                  <a:rPr lang="de-DE" sz="2400" dirty="0"/>
+                  <a:t> </a:t>
+                </a:r>
+                <a:r>
+                  <a:rPr lang="de-DE" sz="2400" dirty="0" err="1"/>
+                  <a:t>feedback</a:t>
+                </a:r>
+                <a:r>
+                  <a:rPr lang="de-DE" sz="2400" dirty="0"/>
+                  <a:t> (e.g., </a:t>
+                </a:r>
+                <a14:m>
+                  <m:oMath xmlns:m="http://schemas.openxmlformats.org/officeDocument/2006/math">
+                    <m:r>
+                      <a:rPr lang="de-DE" sz="2400" i="1">
+                        <a:latin typeface="Cambria Math" panose="02040503050406030204" pitchFamily="18" charset="0"/>
+                      </a:rPr>
+                      <m:t>𝑁</m:t>
+                    </m:r>
+                    <m:r>
+                      <a:rPr lang="de-DE" sz="2400" b="0" i="1" smtClean="0">
+                        <a:latin typeface="Cambria Math" panose="02040503050406030204" pitchFamily="18" charset="0"/>
+                      </a:rPr>
+                      <m:t>=−1</m:t>
+                    </m:r>
+                  </m:oMath>
+                </a14:m>
+                <a:r>
+                  <a:rPr lang="de-DE" sz="2400" dirty="0"/>
+                  <a:t>).</a:t>
+                </a:r>
+              </a:p>
+            </p:txBody>
+          </p:sp>
+        </mc:Choice>
+        <mc:Fallback>
+          <p:sp>
+            <p:nvSpPr>
+              <p:cNvPr id="3" name="Inhaltsplatzhalter 2">
+                <a:extLst>
+                  <a:ext uri="{FF2B5EF4-FFF2-40B4-BE49-F238E27FC236}">
+                    <a16:creationId xmlns:a16="http://schemas.microsoft.com/office/drawing/2014/main" id="{7DF119EF-E5CD-E6C3-DBEF-451E2BB0BEA6}"/>
+                  </a:ext>
+                </a:extLst>
+              </p:cNvPr>
+              <p:cNvSpPr>
+                <a:spLocks noGrp="1" noRot="1" noChangeAspect="1" noMove="1" noResize="1" noEditPoints="1" noAdjustHandles="1" noChangeArrowheads="1" noChangeShapeType="1" noTextEdit="1"/>
+              </p:cNvSpPr>
+              <p:nvPr>
+                <p:ph idx="1"/>
+              </p:nvPr>
+            </p:nvSpPr>
+            <p:spPr>
+              <a:blipFill>
+                <a:blip r:embed="rId2"/>
+                <a:stretch>
+                  <a:fillRect l="-965" t="-2035" b="-1744"/>
+                </a:stretch>
+              </a:blipFill>
+            </p:spPr>
+            <p:txBody>
+              <a:bodyPr/>
+              <a:lstStyle/>
+              <a:p>
+                <a:r>
+                  <a:rPr lang="de-DE">
+                    <a:noFill/>
+                  </a:rPr>
+                  <a:t> </a:t>
+                </a:r>
+              </a:p>
+            </p:txBody>
+          </p:sp>
+        </mc:Fallback>
+      </mc:AlternateContent>
+      <p:sp>
+        <p:nvSpPr>
+          <p:cNvPr id="4" name="Foliennummernplatzhalter 3">
+            <a:extLst>
+              <a:ext uri="{FF2B5EF4-FFF2-40B4-BE49-F238E27FC236}">
+                <a16:creationId xmlns:a16="http://schemas.microsoft.com/office/drawing/2014/main" id="{996B3FA0-89A5-6D59-0860-E7F83C416852}"/>
+              </a:ext>
+            </a:extLst>
+          </p:cNvPr>
+          <p:cNvSpPr>
+            <a:spLocks noGrp="1"/>
+          </p:cNvSpPr>
+          <p:nvPr>
+            <p:ph type="sldNum" sz="quarter" idx="12"/>
+          </p:nvPr>
+        </p:nvSpPr>
+        <p:spPr/>
+        <p:txBody>
+          <a:bodyPr/>
+          <a:lstStyle/>
+          <a:p>
+            <a:fld id="{08C366F5-AFAD-49CB-854A-9D9E238FCA13}" type="slidenum">
+              <a:rPr lang="en-GB" smtClean="0"/>
+              <a:t>19</a:t>
+            </a:fld>
+            <a:endParaRPr lang="en-GB"/>
+          </a:p>
+        </p:txBody>
+      </p:sp>
+    </p:spTree>
+    <p:extLst>
+      <p:ext uri="{BB962C8B-B14F-4D97-AF65-F5344CB8AC3E}">
+        <p14:creationId xmlns:p14="http://schemas.microsoft.com/office/powerpoint/2010/main" val="2031628033"/>
       </p:ext>
     </p:extLst>
   </p:cSld>
@@ -7620,6 +9922,1623 @@
     <p:extLst>
       <p:ext uri="{BB962C8B-B14F-4D97-AF65-F5344CB8AC3E}">
         <p14:creationId xmlns:p14="http://schemas.microsoft.com/office/powerpoint/2010/main" val="310336692"/>
+      </p:ext>
+    </p:extLst>
+  </p:cSld>
+  <p:clrMapOvr>
+    <a:masterClrMapping/>
+  </p:clrMapOvr>
+</p:sld>
+</file>
+
+<file path=ppt/slides/slide20.xml><?xml version="1.0" encoding="utf-8"?>
+<p:sld xmlns:a="http://schemas.openxmlformats.org/drawingml/2006/main" xmlns:r="http://schemas.openxmlformats.org/officeDocument/2006/relationships" xmlns:p="http://schemas.openxmlformats.org/presentationml/2006/main">
+  <p:cSld>
+    <p:spTree>
+      <p:nvGrpSpPr>
+        <p:cNvPr id="1" name=""/>
+        <p:cNvGrpSpPr/>
+        <p:nvPr/>
+      </p:nvGrpSpPr>
+      <p:grpSpPr>
+        <a:xfrm>
+          <a:off x="0" y="0"/>
+          <a:ext cx="0" cy="0"/>
+          <a:chOff x="0" y="0"/>
+          <a:chExt cx="0" cy="0"/>
+        </a:xfrm>
+      </p:grpSpPr>
+      <p:sp>
+        <p:nvSpPr>
+          <p:cNvPr id="2" name="Titel 1">
+            <a:extLst>
+              <a:ext uri="{FF2B5EF4-FFF2-40B4-BE49-F238E27FC236}">
+                <a16:creationId xmlns:a16="http://schemas.microsoft.com/office/drawing/2014/main" id="{E3D76B9D-A952-FA61-3FEA-B2C35BC9EBA5}"/>
+              </a:ext>
+            </a:extLst>
+          </p:cNvPr>
+          <p:cNvSpPr>
+            <a:spLocks noGrp="1"/>
+          </p:cNvSpPr>
+          <p:nvPr>
+            <p:ph type="title"/>
+          </p:nvPr>
+        </p:nvSpPr>
+        <p:spPr/>
+        <p:txBody>
+          <a:bodyPr/>
+          <a:lstStyle/>
+          <a:p>
+            <a:r>
+              <a:rPr lang="de-DE" dirty="0" err="1"/>
+              <a:t>Gain</a:t>
+            </a:r>
+            <a:r>
+              <a:rPr lang="de-DE" dirty="0"/>
+              <a:t> and Phase </a:t>
+            </a:r>
+            <a:r>
+              <a:rPr lang="de-DE" dirty="0" err="1"/>
+              <a:t>Margins</a:t>
+            </a:r>
+            <a:endParaRPr lang="de-DE" dirty="0"/>
+          </a:p>
+        </p:txBody>
+      </p:sp>
+      <mc:AlternateContent xmlns:mc="http://schemas.openxmlformats.org/markup-compatibility/2006">
+        <mc:Choice xmlns:a14="http://schemas.microsoft.com/office/drawing/2010/main" Requires="a14">
+          <p:sp>
+            <p:nvSpPr>
+              <p:cNvPr id="3" name="Inhaltsplatzhalter 2">
+                <a:extLst>
+                  <a:ext uri="{FF2B5EF4-FFF2-40B4-BE49-F238E27FC236}">
+                    <a16:creationId xmlns:a16="http://schemas.microsoft.com/office/drawing/2014/main" id="{841DCEC5-E062-73EC-599B-965A44B5F682}"/>
+                  </a:ext>
+                </a:extLst>
+              </p:cNvPr>
+              <p:cNvSpPr>
+                <a:spLocks noGrp="1"/>
+              </p:cNvSpPr>
+              <p:nvPr>
+                <p:ph idx="1"/>
+              </p:nvPr>
+            </p:nvSpPr>
+            <p:spPr/>
+            <p:txBody>
+              <a:bodyPr>
+                <a:normAutofit fontScale="85000" lnSpcReduction="20000"/>
+              </a:bodyPr>
+              <a:lstStyle/>
+              <a:p>
+                <a:pPr marL="0" indent="0">
+                  <a:buNone/>
+                </a:pPr>
+                <a:r>
+                  <a:rPr lang="de-DE" dirty="0"/>
+                  <a:t>Idea: </a:t>
+                </a:r>
+                <a:r>
+                  <a:rPr lang="de-DE" dirty="0" err="1"/>
+                  <a:t>measure</a:t>
+                </a:r>
+                <a:r>
+                  <a:rPr lang="de-DE" dirty="0"/>
+                  <a:t> </a:t>
+                </a:r>
+                <a:r>
+                  <a:rPr lang="de-DE" dirty="0" err="1"/>
+                  <a:t>distance</a:t>
+                </a:r>
+                <a:r>
+                  <a:rPr lang="de-DE" dirty="0"/>
+                  <a:t> </a:t>
+                </a:r>
+                <a:r>
+                  <a:rPr lang="de-DE" dirty="0" err="1"/>
+                  <a:t>to</a:t>
+                </a:r>
+                <a:r>
+                  <a:rPr lang="de-DE" dirty="0"/>
+                  <a:t> </a:t>
+                </a:r>
+                <a:r>
+                  <a:rPr lang="de-DE" dirty="0" err="1"/>
+                  <a:t>instability</a:t>
+                </a:r>
+                <a:r>
+                  <a:rPr lang="de-DE" dirty="0"/>
+                  <a:t> (</a:t>
+                </a:r>
+                <a:r>
+                  <a:rPr lang="de-DE" dirty="0" err="1"/>
+                  <a:t>of</a:t>
+                </a:r>
+                <a:r>
+                  <a:rPr lang="de-DE" dirty="0"/>
+                  <a:t> </a:t>
+                </a:r>
+                <a:r>
+                  <a:rPr lang="de-DE" dirty="0" err="1"/>
+                  <a:t>closed</a:t>
+                </a:r>
+                <a:r>
+                  <a:rPr lang="de-DE" dirty="0"/>
+                  <a:t>-loop </a:t>
+                </a:r>
+                <a:r>
+                  <a:rPr lang="de-DE" dirty="0" err="1"/>
+                  <a:t>system</a:t>
+                </a:r>
+                <a:r>
+                  <a:rPr lang="de-DE" dirty="0"/>
+                  <a:t>) </a:t>
+                </a:r>
+                <a:r>
+                  <a:rPr lang="de-DE" dirty="0" err="1"/>
+                  <a:t>from</a:t>
+                </a:r>
+                <a:r>
+                  <a:rPr lang="de-DE" dirty="0"/>
+                  <a:t> Bode </a:t>
+                </a:r>
+                <a:r>
+                  <a:rPr lang="de-DE" dirty="0" err="1"/>
+                  <a:t>plots</a:t>
+                </a:r>
+                <a:endParaRPr lang="de-DE" dirty="0"/>
+              </a:p>
+              <a:p>
+                <a:pPr marL="0" indent="0">
+                  <a:buNone/>
+                </a:pPr>
+                <a:r>
+                  <a:rPr lang="de-DE" dirty="0">
+                    <a:sym typeface="Wingdings" pitchFamily="2" charset="2"/>
+                  </a:rPr>
+                  <a:t> </a:t>
+                </a:r>
+                <a:r>
+                  <a:rPr lang="de-DE" dirty="0" err="1">
+                    <a:sym typeface="Wingdings" pitchFamily="2" charset="2"/>
+                  </a:rPr>
+                  <a:t>p</a:t>
+                </a:r>
+                <a:r>
+                  <a:rPr lang="de-DE" dirty="0" err="1"/>
+                  <a:t>ractical</a:t>
+                </a:r>
+                <a:r>
+                  <a:rPr lang="de-DE" dirty="0"/>
+                  <a:t> </a:t>
+                </a:r>
+                <a:r>
+                  <a:rPr lang="de-DE" dirty="0" err="1"/>
+                  <a:t>robustness</a:t>
+                </a:r>
+                <a:r>
+                  <a:rPr lang="de-DE" dirty="0"/>
+                  <a:t> </a:t>
+                </a:r>
+                <a:r>
+                  <a:rPr lang="de-DE" dirty="0" err="1"/>
+                  <a:t>indicators</a:t>
+                </a:r>
+                <a:endParaRPr lang="de-DE" dirty="0"/>
+              </a:p>
+              <a:p>
+                <a:pPr marL="0" indent="0">
+                  <a:buNone/>
+                </a:pPr>
+                <a:endParaRPr lang="de-DE" dirty="0"/>
+              </a:p>
+              <a:p>
+                <a:pPr marL="0" indent="0">
+                  <a:buNone/>
+                </a:pPr>
+                <a:r>
+                  <a:rPr lang="de-DE" dirty="0" err="1"/>
+                  <a:t>Instability</a:t>
+                </a:r>
+                <a:r>
+                  <a:rPr lang="de-DE" dirty="0"/>
+                  <a:t>: </a:t>
+                </a:r>
+                <a14:m>
+                  <m:oMath xmlns:m="http://schemas.openxmlformats.org/officeDocument/2006/math">
+                    <m:r>
+                      <a:rPr lang="de-DE" i="1">
+                        <a:latin typeface="Cambria Math" panose="02040503050406030204" pitchFamily="18" charset="0"/>
+                        <a:ea typeface="Cambria Math" panose="02040503050406030204" pitchFamily="18" charset="0"/>
+                      </a:rPr>
+                      <m:t>𝐿</m:t>
+                    </m:r>
+                    <m:d>
+                      <m:dPr>
+                        <m:ctrlPr>
+                          <a:rPr lang="de-DE" i="1">
+                            <a:latin typeface="Cambria Math" panose="02040503050406030204" pitchFamily="18" charset="0"/>
+                          </a:rPr>
+                        </m:ctrlPr>
+                      </m:dPr>
+                      <m:e>
+                        <m:r>
+                          <a:rPr lang="de-DE" i="1">
+                            <a:latin typeface="Cambria Math" panose="02040503050406030204" pitchFamily="18" charset="0"/>
+                          </a:rPr>
+                          <m:t>𝑗</m:t>
+                        </m:r>
+                        <m:r>
+                          <a:rPr lang="de-DE" i="1">
+                            <a:latin typeface="Cambria Math" panose="02040503050406030204" pitchFamily="18" charset="0"/>
+                            <a:ea typeface="Cambria Math" panose="02040503050406030204" pitchFamily="18" charset="0"/>
+                          </a:rPr>
+                          <m:t>𝜔</m:t>
+                        </m:r>
+                      </m:e>
+                    </m:d>
+                    <m:r>
+                      <a:rPr lang="de-DE" b="0" i="1" smtClean="0">
+                        <a:latin typeface="Cambria Math" panose="02040503050406030204" pitchFamily="18" charset="0"/>
+                        <a:ea typeface="Cambria Math" panose="02040503050406030204" pitchFamily="18" charset="0"/>
+                      </a:rPr>
+                      <m:t>=−1</m:t>
+                    </m:r>
+                  </m:oMath>
+                </a14:m>
+                <a:endParaRPr lang="de-DE" dirty="0"/>
+              </a:p>
+              <a:p>
+                <a:pPr marL="0" indent="0">
+                  <a:buNone/>
+                </a:pPr>
+                <a:r>
+                  <a:rPr lang="de-DE" dirty="0"/>
+                  <a:t>In polar form: </a:t>
+                </a:r>
+                <a14:m>
+                  <m:oMath xmlns:m="http://schemas.openxmlformats.org/officeDocument/2006/math">
+                    <m:d>
+                      <m:dPr>
+                        <m:begChr m:val="|"/>
+                        <m:endChr m:val="|"/>
+                        <m:ctrlPr>
+                          <a:rPr lang="de-DE" i="1" smtClean="0">
+                            <a:latin typeface="Cambria Math" panose="02040503050406030204" pitchFamily="18" charset="0"/>
+                            <a:ea typeface="Cambria Math" panose="02040503050406030204" pitchFamily="18" charset="0"/>
+                          </a:rPr>
+                        </m:ctrlPr>
+                      </m:dPr>
+                      <m:e>
+                        <m:r>
+                          <a:rPr lang="de-DE" i="1">
+                            <a:latin typeface="Cambria Math" panose="02040503050406030204" pitchFamily="18" charset="0"/>
+                            <a:ea typeface="Cambria Math" panose="02040503050406030204" pitchFamily="18" charset="0"/>
+                          </a:rPr>
+                          <m:t>𝐿</m:t>
+                        </m:r>
+                        <m:d>
+                          <m:dPr>
+                            <m:ctrlPr>
+                              <a:rPr lang="de-DE" i="1">
+                                <a:latin typeface="Cambria Math" panose="02040503050406030204" pitchFamily="18" charset="0"/>
+                              </a:rPr>
+                            </m:ctrlPr>
+                          </m:dPr>
+                          <m:e>
+                            <m:r>
+                              <a:rPr lang="de-DE" i="1">
+                                <a:latin typeface="Cambria Math" panose="02040503050406030204" pitchFamily="18" charset="0"/>
+                              </a:rPr>
+                              <m:t>𝑗</m:t>
+                            </m:r>
+                            <m:r>
+                              <a:rPr lang="de-DE" i="1">
+                                <a:latin typeface="Cambria Math" panose="02040503050406030204" pitchFamily="18" charset="0"/>
+                                <a:ea typeface="Cambria Math" panose="02040503050406030204" pitchFamily="18" charset="0"/>
+                              </a:rPr>
+                              <m:t>𝜔</m:t>
+                            </m:r>
+                          </m:e>
+                        </m:d>
+                      </m:e>
+                    </m:d>
+                    <m:r>
+                      <a:rPr lang="de-DE" b="0" i="1" smtClean="0">
+                        <a:latin typeface="Cambria Math" panose="02040503050406030204" pitchFamily="18" charset="0"/>
+                        <a:ea typeface="Cambria Math" panose="02040503050406030204" pitchFamily="18" charset="0"/>
+                      </a:rPr>
+                      <m:t>=1,     ∠</m:t>
+                    </m:r>
+                    <m:r>
+                      <a:rPr lang="de-DE" i="1">
+                        <a:latin typeface="Cambria Math" panose="02040503050406030204" pitchFamily="18" charset="0"/>
+                        <a:ea typeface="Cambria Math" panose="02040503050406030204" pitchFamily="18" charset="0"/>
+                      </a:rPr>
+                      <m:t>𝐿</m:t>
+                    </m:r>
+                    <m:d>
+                      <m:dPr>
+                        <m:ctrlPr>
+                          <a:rPr lang="de-DE" i="1">
+                            <a:latin typeface="Cambria Math" panose="02040503050406030204" pitchFamily="18" charset="0"/>
+                          </a:rPr>
+                        </m:ctrlPr>
+                      </m:dPr>
+                      <m:e>
+                        <m:r>
+                          <a:rPr lang="de-DE" i="1">
+                            <a:latin typeface="Cambria Math" panose="02040503050406030204" pitchFamily="18" charset="0"/>
+                          </a:rPr>
+                          <m:t>𝑗</m:t>
+                        </m:r>
+                        <m:r>
+                          <a:rPr lang="de-DE" i="1">
+                            <a:latin typeface="Cambria Math" panose="02040503050406030204" pitchFamily="18" charset="0"/>
+                            <a:ea typeface="Cambria Math" panose="02040503050406030204" pitchFamily="18" charset="0"/>
+                          </a:rPr>
+                          <m:t>𝜔</m:t>
+                        </m:r>
+                      </m:e>
+                    </m:d>
+                    <m:r>
+                      <a:rPr lang="de-DE" b="0" i="1" smtClean="0">
+                        <a:latin typeface="Cambria Math" panose="02040503050406030204" pitchFamily="18" charset="0"/>
+                        <a:ea typeface="Cambria Math" panose="02040503050406030204" pitchFamily="18" charset="0"/>
+                      </a:rPr>
+                      <m:t>=−180°</m:t>
+                    </m:r>
+                  </m:oMath>
+                </a14:m>
+                <a:endParaRPr lang="de-DE" dirty="0"/>
+              </a:p>
+              <a:p>
+                <a:r>
+                  <a:rPr lang="de-DE" dirty="0" err="1"/>
+                  <a:t>If</a:t>
+                </a:r>
+                <a:r>
+                  <a:rPr lang="de-DE" dirty="0"/>
+                  <a:t> </a:t>
+                </a:r>
+                <a:r>
+                  <a:rPr lang="de-DE" dirty="0" err="1"/>
+                  <a:t>magnitude</a:t>
+                </a:r>
+                <a:r>
+                  <a:rPr lang="de-DE" dirty="0"/>
+                  <a:t> </a:t>
+                </a:r>
+                <a:r>
+                  <a:rPr lang="de-DE" dirty="0" err="1"/>
+                  <a:t>is</a:t>
+                </a:r>
+                <a:r>
+                  <a:rPr lang="de-DE" dirty="0"/>
+                  <a:t> </a:t>
+                </a:r>
+                <a:r>
+                  <a:rPr lang="de-DE" dirty="0" err="1"/>
+                  <a:t>less</a:t>
+                </a:r>
+                <a:r>
+                  <a:rPr lang="de-DE" dirty="0"/>
+                  <a:t> </a:t>
+                </a:r>
+                <a:r>
+                  <a:rPr lang="de-DE" dirty="0" err="1"/>
+                  <a:t>than</a:t>
+                </a:r>
+                <a:r>
+                  <a:rPr lang="de-DE" dirty="0"/>
+                  <a:t> </a:t>
+                </a:r>
+                <a14:m>
+                  <m:oMath xmlns:m="http://schemas.openxmlformats.org/officeDocument/2006/math">
+                    <m:r>
+                      <a:rPr lang="de-DE" i="1">
+                        <a:latin typeface="Cambria Math" panose="02040503050406030204" pitchFamily="18" charset="0"/>
+                        <a:ea typeface="Cambria Math" panose="02040503050406030204" pitchFamily="18" charset="0"/>
+                      </a:rPr>
+                      <m:t>1</m:t>
+                    </m:r>
+                  </m:oMath>
+                </a14:m>
+                <a:r>
+                  <a:rPr lang="de-DE" dirty="0"/>
+                  <a:t> at </a:t>
+                </a:r>
+                <a:r>
+                  <a:rPr lang="de-DE" dirty="0" err="1"/>
+                  <a:t>phase</a:t>
+                </a:r>
+                <a:r>
+                  <a:rPr lang="de-DE" dirty="0"/>
+                  <a:t> </a:t>
+                </a:r>
+                <a14:m>
+                  <m:oMath xmlns:m="http://schemas.openxmlformats.org/officeDocument/2006/math">
+                    <m:r>
+                      <a:rPr lang="de-DE" i="1">
+                        <a:latin typeface="Cambria Math" panose="02040503050406030204" pitchFamily="18" charset="0"/>
+                        <a:ea typeface="Cambria Math" panose="02040503050406030204" pitchFamily="18" charset="0"/>
+                      </a:rPr>
+                      <m:t>−180°</m:t>
+                    </m:r>
+                  </m:oMath>
+                </a14:m>
+                <a:r>
+                  <a:rPr lang="de-DE" dirty="0">
+                    <a:sym typeface="Wingdings" pitchFamily="2" charset="2"/>
+                  </a:rPr>
+                  <a:t>  </a:t>
+                </a:r>
+                <a:r>
+                  <a:rPr lang="de-DE" dirty="0" err="1"/>
+                  <a:t>stable</a:t>
+                </a:r>
+                <a:endParaRPr lang="de-DE" dirty="0"/>
+              </a:p>
+              <a:p>
+                <a:r>
+                  <a:rPr lang="de-DE" dirty="0" err="1"/>
+                  <a:t>If</a:t>
+                </a:r>
+                <a:r>
+                  <a:rPr lang="de-DE" dirty="0"/>
+                  <a:t> </a:t>
+                </a:r>
+                <a:r>
+                  <a:rPr lang="de-DE" dirty="0" err="1"/>
+                  <a:t>magnitude</a:t>
+                </a:r>
+                <a:r>
+                  <a:rPr lang="de-DE" dirty="0"/>
+                  <a:t> </a:t>
+                </a:r>
+                <a:r>
+                  <a:rPr lang="de-DE" dirty="0" err="1"/>
+                  <a:t>is</a:t>
+                </a:r>
+                <a:r>
+                  <a:rPr lang="de-DE" dirty="0"/>
+                  <a:t> </a:t>
+                </a:r>
+                <a:r>
+                  <a:rPr lang="de-DE" dirty="0" err="1"/>
+                  <a:t>greater</a:t>
+                </a:r>
+                <a:r>
+                  <a:rPr lang="de-DE" dirty="0"/>
+                  <a:t> </a:t>
+                </a:r>
+                <a:r>
+                  <a:rPr lang="de-DE" dirty="0" err="1"/>
+                  <a:t>than</a:t>
+                </a:r>
+                <a:r>
+                  <a:rPr lang="de-DE" dirty="0"/>
+                  <a:t> </a:t>
+                </a:r>
+                <a14:m>
+                  <m:oMath xmlns:m="http://schemas.openxmlformats.org/officeDocument/2006/math">
+                    <m:r>
+                      <a:rPr lang="de-DE" i="1">
+                        <a:latin typeface="Cambria Math" panose="02040503050406030204" pitchFamily="18" charset="0"/>
+                        <a:ea typeface="Cambria Math" panose="02040503050406030204" pitchFamily="18" charset="0"/>
+                      </a:rPr>
+                      <m:t>1</m:t>
+                    </m:r>
+                  </m:oMath>
+                </a14:m>
+                <a:r>
+                  <a:rPr lang="de-DE" dirty="0"/>
+                  <a:t> at </a:t>
+                </a:r>
+                <a:r>
+                  <a:rPr lang="de-DE" dirty="0" err="1"/>
+                  <a:t>phase</a:t>
+                </a:r>
+                <a:r>
+                  <a:rPr lang="de-DE" dirty="0"/>
+                  <a:t> </a:t>
+                </a:r>
+                <a14:m>
+                  <m:oMath xmlns:m="http://schemas.openxmlformats.org/officeDocument/2006/math">
+                    <m:r>
+                      <a:rPr lang="de-DE" i="1">
+                        <a:latin typeface="Cambria Math" panose="02040503050406030204" pitchFamily="18" charset="0"/>
+                        <a:ea typeface="Cambria Math" panose="02040503050406030204" pitchFamily="18" charset="0"/>
+                      </a:rPr>
+                      <m:t>−180°</m:t>
+                    </m:r>
+                  </m:oMath>
+                </a14:m>
+                <a:r>
+                  <a:rPr lang="de-DE" dirty="0"/>
+                  <a:t> </a:t>
+                </a:r>
+                <a:r>
+                  <a:rPr lang="de-DE" dirty="0">
+                    <a:sym typeface="Wingdings" pitchFamily="2" charset="2"/>
+                  </a:rPr>
+                  <a:t> </a:t>
+                </a:r>
+                <a:r>
+                  <a:rPr lang="de-DE" dirty="0" err="1"/>
+                  <a:t>unstable</a:t>
+                </a:r>
+                <a:endParaRPr lang="de-DE" dirty="0"/>
+              </a:p>
+              <a:p>
+                <a:pPr marL="0" indent="0">
+                  <a:buNone/>
+                </a:pPr>
+                <a:endParaRPr lang="de-DE" dirty="0"/>
+              </a:p>
+              <a:p>
+                <a:pPr marL="0" indent="0">
+                  <a:buNone/>
+                </a:pPr>
+                <a:r>
+                  <a:rPr lang="de-DE" dirty="0" err="1"/>
+                  <a:t>Margins</a:t>
+                </a:r>
+                <a:r>
+                  <a:rPr lang="de-DE" dirty="0"/>
+                  <a:t> </a:t>
+                </a:r>
+                <a:r>
+                  <a:rPr lang="de-DE" dirty="0" err="1"/>
+                  <a:t>measure</a:t>
+                </a:r>
+                <a:r>
+                  <a:rPr lang="de-DE" dirty="0"/>
+                  <a:t> </a:t>
+                </a:r>
+                <a:r>
+                  <a:rPr lang="de-DE" dirty="0" err="1"/>
+                  <a:t>distance</a:t>
+                </a:r>
+                <a:r>
+                  <a:rPr lang="de-DE" dirty="0"/>
+                  <a:t> </a:t>
+                </a:r>
+                <a:r>
+                  <a:rPr lang="de-DE" dirty="0" err="1"/>
+                  <a:t>from</a:t>
+                </a:r>
+                <a:r>
+                  <a:rPr lang="de-DE" dirty="0"/>
+                  <a:t> </a:t>
+                </a:r>
+                <a:r>
+                  <a:rPr lang="de-DE" dirty="0" err="1"/>
+                  <a:t>that</a:t>
+                </a:r>
+                <a:r>
+                  <a:rPr lang="de-DE" dirty="0"/>
+                  <a:t> </a:t>
+                </a:r>
+                <a:r>
+                  <a:rPr lang="de-DE" dirty="0" err="1"/>
+                  <a:t>dangerous</a:t>
+                </a:r>
+                <a:r>
+                  <a:rPr lang="de-DE" dirty="0"/>
+                  <a:t> </a:t>
+                </a:r>
+                <a:r>
+                  <a:rPr lang="de-DE" dirty="0" err="1"/>
+                  <a:t>condition</a:t>
+                </a:r>
+                <a:endParaRPr lang="de-DE" dirty="0"/>
+              </a:p>
+              <a:p>
+                <a:r>
+                  <a:rPr lang="de-DE" dirty="0" err="1"/>
+                  <a:t>Gain</a:t>
+                </a:r>
+                <a:r>
+                  <a:rPr lang="de-DE" dirty="0"/>
+                  <a:t> </a:t>
+                </a:r>
+                <a:r>
+                  <a:rPr lang="de-DE" dirty="0" err="1"/>
+                  <a:t>margin</a:t>
+                </a:r>
+                <a:r>
+                  <a:rPr lang="de-DE" dirty="0"/>
+                  <a:t>: </a:t>
+                </a:r>
+                <a:r>
+                  <a:rPr lang="de-DE" dirty="0" err="1"/>
+                  <a:t>how</a:t>
+                </a:r>
+                <a:r>
+                  <a:rPr lang="de-DE" dirty="0"/>
+                  <a:t> </a:t>
+                </a:r>
+                <a:r>
+                  <a:rPr lang="de-DE" dirty="0" err="1"/>
+                  <a:t>much</a:t>
+                </a:r>
+                <a:r>
+                  <a:rPr lang="de-DE" dirty="0"/>
+                  <a:t> </a:t>
+                </a:r>
+                <a:r>
+                  <a:rPr lang="de-DE" dirty="0" err="1"/>
+                  <a:t>the</a:t>
+                </a:r>
+                <a:r>
+                  <a:rPr lang="de-DE" dirty="0"/>
+                  <a:t> loop </a:t>
+                </a:r>
+                <a:r>
+                  <a:rPr lang="de-DE" dirty="0" err="1"/>
+                  <a:t>gain</a:t>
+                </a:r>
+                <a:r>
+                  <a:rPr lang="de-DE" dirty="0"/>
+                  <a:t> </a:t>
+                </a:r>
+                <a:r>
+                  <a:rPr lang="de-DE" dirty="0" err="1"/>
+                  <a:t>can</a:t>
+                </a:r>
+                <a:r>
+                  <a:rPr lang="de-DE" dirty="0"/>
+                  <a:t> </a:t>
+                </a:r>
+                <a:r>
+                  <a:rPr lang="de-DE" dirty="0" err="1"/>
+                  <a:t>be</a:t>
+                </a:r>
+                <a:r>
+                  <a:rPr lang="de-DE" dirty="0"/>
+                  <a:t> </a:t>
+                </a:r>
+                <a:r>
+                  <a:rPr lang="de-DE" dirty="0" err="1"/>
+                  <a:t>increased</a:t>
+                </a:r>
+                <a:r>
+                  <a:rPr lang="de-DE" dirty="0"/>
+                  <a:t> </a:t>
+                </a:r>
+                <a:r>
+                  <a:rPr lang="de-DE" dirty="0" err="1"/>
+                  <a:t>before</a:t>
+                </a:r>
+                <a:r>
+                  <a:rPr lang="de-DE" dirty="0"/>
+                  <a:t> </a:t>
+                </a:r>
+                <a:r>
+                  <a:rPr lang="de-DE" dirty="0" err="1"/>
+                  <a:t>instability</a:t>
+                </a:r>
+                <a:endParaRPr lang="de-DE" dirty="0"/>
+              </a:p>
+              <a:p>
+                <a:r>
+                  <a:rPr lang="de-DE" dirty="0"/>
+                  <a:t>Phase </a:t>
+                </a:r>
+                <a:r>
+                  <a:rPr lang="de-DE" dirty="0" err="1"/>
+                  <a:t>margin</a:t>
+                </a:r>
+                <a:r>
+                  <a:rPr lang="de-DE" dirty="0"/>
+                  <a:t>: </a:t>
+                </a:r>
+                <a:r>
+                  <a:rPr lang="de-DE" dirty="0" err="1"/>
+                  <a:t>how</a:t>
+                </a:r>
+                <a:r>
+                  <a:rPr lang="de-DE" dirty="0"/>
+                  <a:t> </a:t>
+                </a:r>
+                <a:r>
+                  <a:rPr lang="de-DE" dirty="0" err="1"/>
+                  <a:t>much</a:t>
+                </a:r>
+                <a:r>
+                  <a:rPr lang="de-DE" dirty="0"/>
+                  <a:t> </a:t>
+                </a:r>
+                <a:r>
+                  <a:rPr lang="de-DE" dirty="0" err="1"/>
+                  <a:t>more</a:t>
+                </a:r>
+                <a:r>
+                  <a:rPr lang="de-DE" dirty="0"/>
+                  <a:t> </a:t>
+                </a:r>
+                <a:r>
+                  <a:rPr lang="de-DE" dirty="0" err="1"/>
+                  <a:t>phase</a:t>
+                </a:r>
+                <a:r>
+                  <a:rPr lang="de-DE" dirty="0"/>
+                  <a:t> lag </a:t>
+                </a:r>
+                <a:r>
+                  <a:rPr lang="de-DE" dirty="0" err="1"/>
+                  <a:t>can</a:t>
+                </a:r>
+                <a:r>
+                  <a:rPr lang="de-DE" dirty="0"/>
+                  <a:t> </a:t>
+                </a:r>
+                <a:r>
+                  <a:rPr lang="de-DE" dirty="0" err="1"/>
+                  <a:t>be</a:t>
+                </a:r>
+                <a:r>
+                  <a:rPr lang="de-DE" dirty="0"/>
+                  <a:t> </a:t>
+                </a:r>
+                <a:r>
+                  <a:rPr lang="de-DE" dirty="0" err="1"/>
+                  <a:t>tolerated</a:t>
+                </a:r>
+                <a:r>
+                  <a:rPr lang="de-DE" dirty="0"/>
+                  <a:t> </a:t>
+                </a:r>
+                <a:r>
+                  <a:rPr lang="de-DE" dirty="0" err="1"/>
+                  <a:t>before</a:t>
+                </a:r>
+                <a:r>
+                  <a:rPr lang="de-DE" dirty="0"/>
+                  <a:t> </a:t>
+                </a:r>
+                <a:r>
+                  <a:rPr lang="de-DE" dirty="0" err="1"/>
+                  <a:t>instability</a:t>
+                </a:r>
+                <a:endParaRPr lang="de-DE" dirty="0"/>
+              </a:p>
+            </p:txBody>
+          </p:sp>
+        </mc:Choice>
+        <mc:Fallback>
+          <p:sp>
+            <p:nvSpPr>
+              <p:cNvPr id="3" name="Inhaltsplatzhalter 2">
+                <a:extLst>
+                  <a:ext uri="{FF2B5EF4-FFF2-40B4-BE49-F238E27FC236}">
+                    <a16:creationId xmlns:a16="http://schemas.microsoft.com/office/drawing/2014/main" id="{841DCEC5-E062-73EC-599B-965A44B5F682}"/>
+                  </a:ext>
+                </a:extLst>
+              </p:cNvPr>
+              <p:cNvSpPr>
+                <a:spLocks noGrp="1" noRot="1" noChangeAspect="1" noMove="1" noResize="1" noEditPoints="1" noAdjustHandles="1" noChangeArrowheads="1" noChangeShapeType="1" noTextEdit="1"/>
+              </p:cNvSpPr>
+              <p:nvPr>
+                <p:ph idx="1"/>
+              </p:nvPr>
+            </p:nvSpPr>
+            <p:spPr>
+              <a:blipFill>
+                <a:blip r:embed="rId2"/>
+                <a:stretch>
+                  <a:fillRect l="-965" t="-3198"/>
+                </a:stretch>
+              </a:blipFill>
+            </p:spPr>
+            <p:txBody>
+              <a:bodyPr/>
+              <a:lstStyle/>
+              <a:p>
+                <a:r>
+                  <a:rPr lang="de-DE">
+                    <a:noFill/>
+                  </a:rPr>
+                  <a:t> </a:t>
+                </a:r>
+              </a:p>
+            </p:txBody>
+          </p:sp>
+        </mc:Fallback>
+      </mc:AlternateContent>
+      <p:sp>
+        <p:nvSpPr>
+          <p:cNvPr id="4" name="Foliennummernplatzhalter 3">
+            <a:extLst>
+              <a:ext uri="{FF2B5EF4-FFF2-40B4-BE49-F238E27FC236}">
+                <a16:creationId xmlns:a16="http://schemas.microsoft.com/office/drawing/2014/main" id="{B0C0EBA0-2646-D649-137B-265D744CEEEB}"/>
+              </a:ext>
+            </a:extLst>
+          </p:cNvPr>
+          <p:cNvSpPr>
+            <a:spLocks noGrp="1"/>
+          </p:cNvSpPr>
+          <p:nvPr>
+            <p:ph type="sldNum" sz="quarter" idx="12"/>
+          </p:nvPr>
+        </p:nvSpPr>
+        <p:spPr/>
+        <p:txBody>
+          <a:bodyPr/>
+          <a:lstStyle/>
+          <a:p>
+            <a:fld id="{08C366F5-AFAD-49CB-854A-9D9E238FCA13}" type="slidenum">
+              <a:rPr lang="en-GB" smtClean="0"/>
+              <a:t>20</a:t>
+            </a:fld>
+            <a:endParaRPr lang="en-GB"/>
+          </a:p>
+        </p:txBody>
+      </p:sp>
+    </p:spTree>
+    <p:extLst>
+      <p:ext uri="{BB962C8B-B14F-4D97-AF65-F5344CB8AC3E}">
+        <p14:creationId xmlns:p14="http://schemas.microsoft.com/office/powerpoint/2010/main" val="4254092505"/>
+      </p:ext>
+    </p:extLst>
+  </p:cSld>
+  <p:clrMapOvr>
+    <a:masterClrMapping/>
+  </p:clrMapOvr>
+</p:sld>
+</file>
+
+<file path=ppt/slides/slide21.xml><?xml version="1.0" encoding="utf-8"?>
+<p:sld xmlns:a="http://schemas.openxmlformats.org/drawingml/2006/main" xmlns:r="http://schemas.openxmlformats.org/officeDocument/2006/relationships" xmlns:p="http://schemas.openxmlformats.org/presentationml/2006/main">
+  <p:cSld>
+    <p:spTree>
+      <p:nvGrpSpPr>
+        <p:cNvPr id="1" name=""/>
+        <p:cNvGrpSpPr/>
+        <p:nvPr/>
+      </p:nvGrpSpPr>
+      <p:grpSpPr>
+        <a:xfrm>
+          <a:off x="0" y="0"/>
+          <a:ext cx="0" cy="0"/>
+          <a:chOff x="0" y="0"/>
+          <a:chExt cx="0" cy="0"/>
+        </a:xfrm>
+      </p:grpSpPr>
+      <p:sp>
+        <p:nvSpPr>
+          <p:cNvPr id="2" name="Titel 1">
+            <a:extLst>
+              <a:ext uri="{FF2B5EF4-FFF2-40B4-BE49-F238E27FC236}">
+                <a16:creationId xmlns:a16="http://schemas.microsoft.com/office/drawing/2014/main" id="{F5F2C1E1-478C-0BD9-8D82-4876E52562BC}"/>
+              </a:ext>
+            </a:extLst>
+          </p:cNvPr>
+          <p:cNvSpPr>
+            <a:spLocks noGrp="1"/>
+          </p:cNvSpPr>
+          <p:nvPr>
+            <p:ph type="title"/>
+          </p:nvPr>
+        </p:nvSpPr>
+        <p:spPr/>
+        <p:txBody>
+          <a:bodyPr/>
+          <a:lstStyle/>
+          <a:p>
+            <a:r>
+              <a:rPr lang="de-DE" dirty="0"/>
+              <a:t>Crossover </a:t>
+            </a:r>
+            <a:r>
+              <a:rPr lang="de-DE" dirty="0" err="1"/>
+              <a:t>Frequencies</a:t>
+            </a:r>
+            <a:endParaRPr lang="de-DE" dirty="0"/>
+          </a:p>
+        </p:txBody>
+      </p:sp>
+      <mc:AlternateContent xmlns:mc="http://schemas.openxmlformats.org/markup-compatibility/2006">
+        <mc:Choice xmlns:a14="http://schemas.microsoft.com/office/drawing/2010/main" Requires="a14">
+          <p:sp>
+            <p:nvSpPr>
+              <p:cNvPr id="3" name="Inhaltsplatzhalter 2">
+                <a:extLst>
+                  <a:ext uri="{FF2B5EF4-FFF2-40B4-BE49-F238E27FC236}">
+                    <a16:creationId xmlns:a16="http://schemas.microsoft.com/office/drawing/2014/main" id="{07BA2F6C-A63D-4870-28C6-4BE78A35D9B6}"/>
+                  </a:ext>
+                </a:extLst>
+              </p:cNvPr>
+              <p:cNvSpPr>
+                <a:spLocks noGrp="1"/>
+              </p:cNvSpPr>
+              <p:nvPr>
+                <p:ph idx="1"/>
+              </p:nvPr>
+            </p:nvSpPr>
+            <p:spPr/>
+            <p:txBody>
+              <a:bodyPr>
+                <a:normAutofit fontScale="92500" lnSpcReduction="10000"/>
+              </a:bodyPr>
+              <a:lstStyle/>
+              <a:p>
+                <a:pPr marL="0" indent="0">
+                  <a:buNone/>
+                </a:pPr>
+                <a:r>
+                  <a:rPr lang="de-DE" dirty="0"/>
+                  <a:t>Phase </a:t>
+                </a:r>
+                <a:r>
+                  <a:rPr lang="de-DE" dirty="0" err="1"/>
+                  <a:t>crossover</a:t>
+                </a:r>
+                <a:r>
+                  <a:rPr lang="de-DE" dirty="0"/>
+                  <a:t> </a:t>
+                </a:r>
+                <a:r>
+                  <a:rPr lang="de-DE" dirty="0" err="1"/>
+                  <a:t>frequency</a:t>
+                </a:r>
+                <a:r>
+                  <a:rPr lang="de-DE" dirty="0"/>
+                  <a:t>:</a:t>
+                </a:r>
+                <a:endParaRPr lang="de-DE" dirty="0">
+                  <a:ea typeface="Cambria Math" panose="02040503050406030204" pitchFamily="18" charset="0"/>
+                </a:endParaRPr>
+              </a:p>
+              <a:p>
+                <a:pPr marL="0" indent="0">
+                  <a:buNone/>
+                </a:pPr>
+                <a:r>
+                  <a:rPr lang="de-DE" dirty="0">
+                    <a:ea typeface="Cambria Math" panose="02040503050406030204" pitchFamily="18" charset="0"/>
+                  </a:rPr>
+                  <a:t>	</a:t>
+                </a:r>
+                <a14:m>
+                  <m:oMath xmlns:m="http://schemas.openxmlformats.org/officeDocument/2006/math">
+                    <m:r>
+                      <a:rPr lang="de-DE" i="1">
+                        <a:latin typeface="Cambria Math" panose="02040503050406030204" pitchFamily="18" charset="0"/>
+                        <a:ea typeface="Cambria Math" panose="02040503050406030204" pitchFamily="18" charset="0"/>
+                      </a:rPr>
+                      <m:t>∠</m:t>
+                    </m:r>
+                    <m:r>
+                      <a:rPr lang="de-DE" i="1">
+                        <a:latin typeface="Cambria Math" panose="02040503050406030204" pitchFamily="18" charset="0"/>
+                        <a:ea typeface="Cambria Math" panose="02040503050406030204" pitchFamily="18" charset="0"/>
+                      </a:rPr>
+                      <m:t>𝐿</m:t>
+                    </m:r>
+                    <m:d>
+                      <m:dPr>
+                        <m:ctrlPr>
+                          <a:rPr lang="de-DE" i="1">
+                            <a:latin typeface="Cambria Math" panose="02040503050406030204" pitchFamily="18" charset="0"/>
+                          </a:rPr>
+                        </m:ctrlPr>
+                      </m:dPr>
+                      <m:e>
+                        <m:r>
+                          <a:rPr lang="de-DE" i="1">
+                            <a:latin typeface="Cambria Math" panose="02040503050406030204" pitchFamily="18" charset="0"/>
+                          </a:rPr>
+                          <m:t>𝑗</m:t>
+                        </m:r>
+                        <m:sSub>
+                          <m:sSubPr>
+                            <m:ctrlPr>
+                              <a:rPr lang="de-DE" i="1">
+                                <a:latin typeface="Cambria Math" panose="02040503050406030204" pitchFamily="18" charset="0"/>
+                                <a:ea typeface="Cambria Math" panose="02040503050406030204" pitchFamily="18" charset="0"/>
+                              </a:rPr>
+                            </m:ctrlPr>
+                          </m:sSubPr>
+                          <m:e>
+                            <m:r>
+                              <a:rPr lang="de-DE" i="1">
+                                <a:latin typeface="Cambria Math" panose="02040503050406030204" pitchFamily="18" charset="0"/>
+                                <a:ea typeface="Cambria Math" panose="02040503050406030204" pitchFamily="18" charset="0"/>
+                              </a:rPr>
+                              <m:t>𝜔</m:t>
+                            </m:r>
+                          </m:e>
+                          <m:sub>
+                            <m:r>
+                              <a:rPr lang="de-DE" i="1">
+                                <a:latin typeface="Cambria Math" panose="02040503050406030204" pitchFamily="18" charset="0"/>
+                                <a:ea typeface="Cambria Math" panose="02040503050406030204" pitchFamily="18" charset="0"/>
+                              </a:rPr>
+                              <m:t>𝑝</m:t>
+                            </m:r>
+                            <m:r>
+                              <a:rPr lang="de-DE" i="1">
+                                <a:latin typeface="Cambria Math" panose="02040503050406030204" pitchFamily="18" charset="0"/>
+                                <a:ea typeface="Cambria Math" panose="02040503050406030204" pitchFamily="18" charset="0"/>
+                              </a:rPr>
+                              <m:t>𝑐</m:t>
+                            </m:r>
+                          </m:sub>
+                        </m:sSub>
+                      </m:e>
+                    </m:d>
+                    <m:r>
+                      <a:rPr lang="de-DE">
+                        <a:latin typeface="Cambria Math" panose="02040503050406030204" pitchFamily="18" charset="0"/>
+                        <a:ea typeface="Cambria Math" panose="02040503050406030204" pitchFamily="18" charset="0"/>
+                      </a:rPr>
+                      <m:t>=</m:t>
+                    </m:r>
+                    <m:r>
+                      <a:rPr lang="de-DE" i="1">
+                        <a:latin typeface="Cambria Math" panose="02040503050406030204" pitchFamily="18" charset="0"/>
+                        <a:ea typeface="Cambria Math" panose="02040503050406030204" pitchFamily="18" charset="0"/>
+                      </a:rPr>
+                      <m:t>−</m:t>
+                    </m:r>
+                    <m:r>
+                      <a:rPr lang="de-DE" i="1">
+                        <a:latin typeface="Cambria Math" panose="02040503050406030204" pitchFamily="18" charset="0"/>
+                        <a:ea typeface="Cambria Math" panose="02040503050406030204" pitchFamily="18" charset="0"/>
+                      </a:rPr>
+                      <m:t>180°</m:t>
+                    </m:r>
+                  </m:oMath>
+                </a14:m>
+                <a:endParaRPr lang="de-DE" dirty="0"/>
+              </a:p>
+              <a:p>
+                <a:pPr marL="0" indent="0">
+                  <a:buNone/>
+                </a:pPr>
+                <a:r>
+                  <a:rPr lang="de-DE" dirty="0" err="1"/>
+                  <a:t>Gain</a:t>
+                </a:r>
+                <a:r>
+                  <a:rPr lang="de-DE" dirty="0"/>
+                  <a:t> </a:t>
+                </a:r>
+                <a:r>
+                  <a:rPr lang="de-DE" dirty="0" err="1"/>
+                  <a:t>margin</a:t>
+                </a:r>
+                <a:r>
+                  <a:rPr lang="de-DE" dirty="0"/>
+                  <a:t>:</a:t>
+                </a:r>
+              </a:p>
+              <a:p>
+                <a:pPr marL="0" indent="0">
+                  <a:buNone/>
+                </a:pPr>
+                <a:r>
+                  <a:rPr lang="de-DE" dirty="0"/>
+                  <a:t>	</a:t>
+                </a:r>
+                <a14:m>
+                  <m:oMath xmlns:m="http://schemas.openxmlformats.org/officeDocument/2006/math">
+                    <m:r>
+                      <a:rPr lang="de-DE" i="1">
+                        <a:latin typeface="Cambria Math" panose="02040503050406030204" pitchFamily="18" charset="0"/>
+                      </a:rPr>
+                      <m:t>𝐺𝑀</m:t>
+                    </m:r>
+                    <m:r>
+                      <a:rPr lang="de-DE" i="1">
+                        <a:latin typeface="Cambria Math" panose="02040503050406030204" pitchFamily="18" charset="0"/>
+                      </a:rPr>
+                      <m:t>=</m:t>
+                    </m:r>
+                    <m:f>
+                      <m:fPr>
+                        <m:ctrlPr>
+                          <a:rPr lang="de-DE" i="1">
+                            <a:latin typeface="Cambria Math" panose="02040503050406030204" pitchFamily="18" charset="0"/>
+                          </a:rPr>
+                        </m:ctrlPr>
+                      </m:fPr>
+                      <m:num>
+                        <m:r>
+                          <a:rPr lang="de-DE" i="1">
+                            <a:latin typeface="Cambria Math" panose="02040503050406030204" pitchFamily="18" charset="0"/>
+                          </a:rPr>
+                          <m:t>1</m:t>
+                        </m:r>
+                      </m:num>
+                      <m:den>
+                        <m:d>
+                          <m:dPr>
+                            <m:begChr m:val="|"/>
+                            <m:endChr m:val="|"/>
+                            <m:ctrlPr>
+                              <a:rPr lang="de-DE" i="1">
+                                <a:latin typeface="Cambria Math" panose="02040503050406030204" pitchFamily="18" charset="0"/>
+                                <a:ea typeface="Cambria Math" panose="02040503050406030204" pitchFamily="18" charset="0"/>
+                              </a:rPr>
+                            </m:ctrlPr>
+                          </m:dPr>
+                          <m:e>
+                            <m:r>
+                              <a:rPr lang="de-DE" i="1">
+                                <a:latin typeface="Cambria Math" panose="02040503050406030204" pitchFamily="18" charset="0"/>
+                                <a:ea typeface="Cambria Math" panose="02040503050406030204" pitchFamily="18" charset="0"/>
+                              </a:rPr>
+                              <m:t>𝐿</m:t>
+                            </m:r>
+                            <m:d>
+                              <m:dPr>
+                                <m:ctrlPr>
+                                  <a:rPr lang="de-DE" i="1">
+                                    <a:latin typeface="Cambria Math" panose="02040503050406030204" pitchFamily="18" charset="0"/>
+                                  </a:rPr>
+                                </m:ctrlPr>
+                              </m:dPr>
+                              <m:e>
+                                <m:r>
+                                  <a:rPr lang="de-DE" i="1">
+                                    <a:latin typeface="Cambria Math" panose="02040503050406030204" pitchFamily="18" charset="0"/>
+                                  </a:rPr>
+                                  <m:t>𝑗</m:t>
+                                </m:r>
+                                <m:sSub>
+                                  <m:sSubPr>
+                                    <m:ctrlPr>
+                                      <a:rPr lang="de-DE" i="1">
+                                        <a:latin typeface="Cambria Math" panose="02040503050406030204" pitchFamily="18" charset="0"/>
+                                        <a:ea typeface="Cambria Math" panose="02040503050406030204" pitchFamily="18" charset="0"/>
+                                      </a:rPr>
+                                    </m:ctrlPr>
+                                  </m:sSubPr>
+                                  <m:e>
+                                    <m:r>
+                                      <a:rPr lang="de-DE" i="1">
+                                        <a:latin typeface="Cambria Math" panose="02040503050406030204" pitchFamily="18" charset="0"/>
+                                        <a:ea typeface="Cambria Math" panose="02040503050406030204" pitchFamily="18" charset="0"/>
+                                      </a:rPr>
+                                      <m:t>𝜔</m:t>
+                                    </m:r>
+                                  </m:e>
+                                  <m:sub>
+                                    <m:r>
+                                      <a:rPr lang="de-DE" i="1">
+                                        <a:latin typeface="Cambria Math" panose="02040503050406030204" pitchFamily="18" charset="0"/>
+                                        <a:ea typeface="Cambria Math" panose="02040503050406030204" pitchFamily="18" charset="0"/>
+                                      </a:rPr>
+                                      <m:t>𝑝</m:t>
+                                    </m:r>
+                                    <m:r>
+                                      <a:rPr lang="de-DE" i="1">
+                                        <a:latin typeface="Cambria Math" panose="02040503050406030204" pitchFamily="18" charset="0"/>
+                                        <a:ea typeface="Cambria Math" panose="02040503050406030204" pitchFamily="18" charset="0"/>
+                                      </a:rPr>
+                                      <m:t>𝑐</m:t>
+                                    </m:r>
+                                  </m:sub>
+                                </m:sSub>
+                              </m:e>
+                            </m:d>
+                          </m:e>
+                        </m:d>
+                      </m:den>
+                    </m:f>
+                  </m:oMath>
+                </a14:m>
+                <a:endParaRPr lang="de-DE" dirty="0"/>
+              </a:p>
+              <a:p>
+                <a:pPr marL="0" indent="0">
+                  <a:buNone/>
+                </a:pPr>
+                <a:endParaRPr lang="de-DE" dirty="0"/>
+              </a:p>
+              <a:p>
+                <a:pPr marL="0" indent="0">
+                  <a:buNone/>
+                </a:pPr>
+                <a:r>
+                  <a:rPr lang="de-DE" dirty="0" err="1"/>
+                  <a:t>Gain</a:t>
+                </a:r>
+                <a:r>
+                  <a:rPr lang="de-DE" dirty="0"/>
+                  <a:t> </a:t>
+                </a:r>
+                <a:r>
+                  <a:rPr lang="de-DE" dirty="0" err="1"/>
+                  <a:t>crossover</a:t>
+                </a:r>
+                <a:r>
+                  <a:rPr lang="de-DE" dirty="0"/>
+                  <a:t> </a:t>
+                </a:r>
+                <a:r>
+                  <a:rPr lang="de-DE" dirty="0" err="1"/>
+                  <a:t>frequency</a:t>
+                </a:r>
+                <a:r>
+                  <a:rPr lang="de-DE" dirty="0"/>
+                  <a:t>:</a:t>
+                </a:r>
+              </a:p>
+              <a:p>
+                <a:pPr marL="0" indent="0">
+                  <a:buNone/>
+                </a:pPr>
+                <a:r>
+                  <a:rPr lang="de-DE" dirty="0">
+                    <a:ea typeface="Cambria Math" panose="02040503050406030204" pitchFamily="18" charset="0"/>
+                  </a:rPr>
+                  <a:t>	</a:t>
+                </a:r>
+                <a14:m>
+                  <m:oMath xmlns:m="http://schemas.openxmlformats.org/officeDocument/2006/math">
+                    <m:d>
+                      <m:dPr>
+                        <m:begChr m:val="|"/>
+                        <m:endChr m:val="|"/>
+                        <m:ctrlPr>
+                          <a:rPr lang="de-DE" i="1">
+                            <a:latin typeface="Cambria Math" panose="02040503050406030204" pitchFamily="18" charset="0"/>
+                            <a:ea typeface="Cambria Math" panose="02040503050406030204" pitchFamily="18" charset="0"/>
+                          </a:rPr>
+                        </m:ctrlPr>
+                      </m:dPr>
+                      <m:e>
+                        <m:r>
+                          <a:rPr lang="de-DE" i="1">
+                            <a:latin typeface="Cambria Math" panose="02040503050406030204" pitchFamily="18" charset="0"/>
+                            <a:ea typeface="Cambria Math" panose="02040503050406030204" pitchFamily="18" charset="0"/>
+                          </a:rPr>
+                          <m:t>𝐿</m:t>
+                        </m:r>
+                        <m:d>
+                          <m:dPr>
+                            <m:ctrlPr>
+                              <a:rPr lang="de-DE" i="1">
+                                <a:latin typeface="Cambria Math" panose="02040503050406030204" pitchFamily="18" charset="0"/>
+                              </a:rPr>
+                            </m:ctrlPr>
+                          </m:dPr>
+                          <m:e>
+                            <m:r>
+                              <a:rPr lang="de-DE" i="1">
+                                <a:latin typeface="Cambria Math" panose="02040503050406030204" pitchFamily="18" charset="0"/>
+                              </a:rPr>
+                              <m:t>𝑗</m:t>
+                            </m:r>
+                            <m:sSub>
+                              <m:sSubPr>
+                                <m:ctrlPr>
+                                  <a:rPr lang="de-DE" i="1" smtClean="0">
+                                    <a:latin typeface="Cambria Math" panose="02040503050406030204" pitchFamily="18" charset="0"/>
+                                    <a:ea typeface="Cambria Math" panose="02040503050406030204" pitchFamily="18" charset="0"/>
+                                  </a:rPr>
+                                </m:ctrlPr>
+                              </m:sSubPr>
+                              <m:e>
+                                <m:r>
+                                  <a:rPr lang="de-DE" i="1" smtClean="0">
+                                    <a:latin typeface="Cambria Math" panose="02040503050406030204" pitchFamily="18" charset="0"/>
+                                    <a:ea typeface="Cambria Math" panose="02040503050406030204" pitchFamily="18" charset="0"/>
+                                  </a:rPr>
+                                  <m:t>𝜔</m:t>
+                                </m:r>
+                              </m:e>
+                              <m:sub>
+                                <m:r>
+                                  <a:rPr lang="de-DE" b="0" i="1" smtClean="0">
+                                    <a:latin typeface="Cambria Math" panose="02040503050406030204" pitchFamily="18" charset="0"/>
+                                    <a:ea typeface="Cambria Math" panose="02040503050406030204" pitchFamily="18" charset="0"/>
+                                  </a:rPr>
+                                  <m:t>𝑔𝑐</m:t>
+                                </m:r>
+                              </m:sub>
+                            </m:sSub>
+                          </m:e>
+                        </m:d>
+                      </m:e>
+                    </m:d>
+                    <m:r>
+                      <a:rPr lang="de-DE" i="1">
+                        <a:latin typeface="Cambria Math" panose="02040503050406030204" pitchFamily="18" charset="0"/>
+                        <a:ea typeface="Cambria Math" panose="02040503050406030204" pitchFamily="18" charset="0"/>
+                      </a:rPr>
+                      <m:t>=1</m:t>
+                    </m:r>
+                  </m:oMath>
+                </a14:m>
+                <a:endParaRPr lang="de-DE" dirty="0"/>
+              </a:p>
+              <a:p>
+                <a:pPr marL="0" indent="0">
+                  <a:buNone/>
+                </a:pPr>
+                <a:r>
+                  <a:rPr lang="de-DE" dirty="0"/>
+                  <a:t>Phase </a:t>
+                </a:r>
+                <a:r>
+                  <a:rPr lang="de-DE" dirty="0" err="1"/>
+                  <a:t>margin</a:t>
+                </a:r>
+                <a:r>
+                  <a:rPr lang="de-DE" dirty="0"/>
+                  <a:t>:</a:t>
+                </a:r>
+              </a:p>
+              <a:p>
+                <a:pPr marL="0" indent="0">
+                  <a:buNone/>
+                </a:pPr>
+                <a:r>
+                  <a:rPr lang="de-DE" b="0" dirty="0">
+                    <a:ea typeface="Cambria Math" panose="02040503050406030204" pitchFamily="18" charset="0"/>
+                  </a:rPr>
+                  <a:t>	</a:t>
+                </a:r>
+                <a14:m>
+                  <m:oMath xmlns:m="http://schemas.openxmlformats.org/officeDocument/2006/math">
+                    <m:r>
+                      <a:rPr lang="de-DE" b="0" i="1" smtClean="0">
+                        <a:latin typeface="Cambria Math" panose="02040503050406030204" pitchFamily="18" charset="0"/>
+                        <a:ea typeface="Cambria Math" panose="02040503050406030204" pitchFamily="18" charset="0"/>
+                      </a:rPr>
+                      <m:t>𝑃𝑀</m:t>
+                    </m:r>
+                    <m:r>
+                      <a:rPr lang="de-DE" b="0" i="0" smtClean="0">
+                        <a:latin typeface="Cambria Math" panose="02040503050406030204" pitchFamily="18" charset="0"/>
+                        <a:ea typeface="Cambria Math" panose="02040503050406030204" pitchFamily="18" charset="0"/>
+                      </a:rPr>
+                      <m:t>=</m:t>
+                    </m:r>
+                    <m:r>
+                      <a:rPr lang="de-DE" i="1">
+                        <a:latin typeface="Cambria Math" panose="02040503050406030204" pitchFamily="18" charset="0"/>
+                        <a:ea typeface="Cambria Math" panose="02040503050406030204" pitchFamily="18" charset="0"/>
+                      </a:rPr>
+                      <m:t>180°</m:t>
+                    </m:r>
+                    <m:r>
+                      <a:rPr lang="de-DE" b="0" i="1" smtClean="0">
+                        <a:latin typeface="Cambria Math" panose="02040503050406030204" pitchFamily="18" charset="0"/>
+                        <a:ea typeface="Cambria Math" panose="02040503050406030204" pitchFamily="18" charset="0"/>
+                      </a:rPr>
+                      <m:t>+</m:t>
+                    </m:r>
+                    <m:r>
+                      <a:rPr lang="de-DE" i="1">
+                        <a:latin typeface="Cambria Math" panose="02040503050406030204" pitchFamily="18" charset="0"/>
+                        <a:ea typeface="Cambria Math" panose="02040503050406030204" pitchFamily="18" charset="0"/>
+                      </a:rPr>
+                      <m:t>∠</m:t>
+                    </m:r>
+                    <m:r>
+                      <a:rPr lang="de-DE" i="1">
+                        <a:latin typeface="Cambria Math" panose="02040503050406030204" pitchFamily="18" charset="0"/>
+                        <a:ea typeface="Cambria Math" panose="02040503050406030204" pitchFamily="18" charset="0"/>
+                      </a:rPr>
+                      <m:t>𝐿</m:t>
+                    </m:r>
+                    <m:d>
+                      <m:dPr>
+                        <m:ctrlPr>
+                          <a:rPr lang="de-DE" i="1">
+                            <a:latin typeface="Cambria Math" panose="02040503050406030204" pitchFamily="18" charset="0"/>
+                          </a:rPr>
+                        </m:ctrlPr>
+                      </m:dPr>
+                      <m:e>
+                        <m:r>
+                          <a:rPr lang="de-DE" i="1">
+                            <a:latin typeface="Cambria Math" panose="02040503050406030204" pitchFamily="18" charset="0"/>
+                          </a:rPr>
+                          <m:t>𝑗</m:t>
+                        </m:r>
+                        <m:sSub>
+                          <m:sSubPr>
+                            <m:ctrlPr>
+                              <a:rPr lang="de-DE" i="1">
+                                <a:latin typeface="Cambria Math" panose="02040503050406030204" pitchFamily="18" charset="0"/>
+                                <a:ea typeface="Cambria Math" panose="02040503050406030204" pitchFamily="18" charset="0"/>
+                              </a:rPr>
+                            </m:ctrlPr>
+                          </m:sSubPr>
+                          <m:e>
+                            <m:r>
+                              <a:rPr lang="de-DE" i="1">
+                                <a:latin typeface="Cambria Math" panose="02040503050406030204" pitchFamily="18" charset="0"/>
+                                <a:ea typeface="Cambria Math" panose="02040503050406030204" pitchFamily="18" charset="0"/>
+                              </a:rPr>
+                              <m:t>𝜔</m:t>
+                            </m:r>
+                          </m:e>
+                          <m:sub>
+                            <m:r>
+                              <a:rPr lang="de-DE" i="1">
+                                <a:latin typeface="Cambria Math" panose="02040503050406030204" pitchFamily="18" charset="0"/>
+                                <a:ea typeface="Cambria Math" panose="02040503050406030204" pitchFamily="18" charset="0"/>
+                              </a:rPr>
+                              <m:t>𝑔𝑐</m:t>
+                            </m:r>
+                          </m:sub>
+                        </m:sSub>
+                      </m:e>
+                    </m:d>
+                  </m:oMath>
+                </a14:m>
+                <a:endParaRPr lang="de-DE" dirty="0"/>
+              </a:p>
+              <a:p>
+                <a:pPr marL="0" indent="0">
+                  <a:buNone/>
+                </a:pPr>
+                <a:endParaRPr lang="de-DE" dirty="0"/>
+              </a:p>
+            </p:txBody>
+          </p:sp>
+        </mc:Choice>
+        <mc:Fallback>
+          <p:sp>
+            <p:nvSpPr>
+              <p:cNvPr id="3" name="Inhaltsplatzhalter 2">
+                <a:extLst>
+                  <a:ext uri="{FF2B5EF4-FFF2-40B4-BE49-F238E27FC236}">
+                    <a16:creationId xmlns:a16="http://schemas.microsoft.com/office/drawing/2014/main" id="{07BA2F6C-A63D-4870-28C6-4BE78A35D9B6}"/>
+                  </a:ext>
+                </a:extLst>
+              </p:cNvPr>
+              <p:cNvSpPr>
+                <a:spLocks noGrp="1" noRot="1" noChangeAspect="1" noMove="1" noResize="1" noEditPoints="1" noAdjustHandles="1" noChangeArrowheads="1" noChangeShapeType="1" noTextEdit="1"/>
+              </p:cNvSpPr>
+              <p:nvPr>
+                <p:ph idx="1"/>
+              </p:nvPr>
+            </p:nvSpPr>
+            <p:spPr>
+              <a:blipFill>
+                <a:blip r:embed="rId2"/>
+                <a:stretch>
+                  <a:fillRect l="-1086" t="-2616" b="-1163"/>
+                </a:stretch>
+              </a:blipFill>
+            </p:spPr>
+            <p:txBody>
+              <a:bodyPr/>
+              <a:lstStyle/>
+              <a:p>
+                <a:r>
+                  <a:rPr lang="de-DE">
+                    <a:noFill/>
+                  </a:rPr>
+                  <a:t> </a:t>
+                </a:r>
+              </a:p>
+            </p:txBody>
+          </p:sp>
+        </mc:Fallback>
+      </mc:AlternateContent>
+      <p:sp>
+        <p:nvSpPr>
+          <p:cNvPr id="4" name="Foliennummernplatzhalter 3">
+            <a:extLst>
+              <a:ext uri="{FF2B5EF4-FFF2-40B4-BE49-F238E27FC236}">
+                <a16:creationId xmlns:a16="http://schemas.microsoft.com/office/drawing/2014/main" id="{A4AABD63-47D9-6DAA-DBC5-4FF4463915CD}"/>
+              </a:ext>
+            </a:extLst>
+          </p:cNvPr>
+          <p:cNvSpPr>
+            <a:spLocks noGrp="1"/>
+          </p:cNvSpPr>
+          <p:nvPr>
+            <p:ph type="sldNum" sz="quarter" idx="12"/>
+          </p:nvPr>
+        </p:nvSpPr>
+        <p:spPr/>
+        <p:txBody>
+          <a:bodyPr/>
+          <a:lstStyle/>
+          <a:p>
+            <a:fld id="{08C366F5-AFAD-49CB-854A-9D9E238FCA13}" type="slidenum">
+              <a:rPr lang="en-GB" smtClean="0"/>
+              <a:t>21</a:t>
+            </a:fld>
+            <a:endParaRPr lang="en-GB"/>
+          </a:p>
+        </p:txBody>
+      </p:sp>
+      <p:pic>
+        <p:nvPicPr>
+          <p:cNvPr id="5" name="Grafik 4">
+            <a:extLst>
+              <a:ext uri="{FF2B5EF4-FFF2-40B4-BE49-F238E27FC236}">
+                <a16:creationId xmlns:a16="http://schemas.microsoft.com/office/drawing/2014/main" id="{2413211B-6B0F-D6B5-2986-85580905E851}"/>
+              </a:ext>
+            </a:extLst>
+          </p:cNvPr>
+          <p:cNvPicPr>
+            <a:picLocks noChangeAspect="1"/>
+          </p:cNvPicPr>
+          <p:nvPr/>
+        </p:nvPicPr>
+        <p:blipFill>
+          <a:blip r:embed="rId3"/>
+          <a:stretch>
+            <a:fillRect/>
+          </a:stretch>
+        </p:blipFill>
+        <p:spPr>
+          <a:xfrm>
+            <a:off x="5342494" y="1825625"/>
+            <a:ext cx="6849506" cy="4227305"/>
+          </a:xfrm>
+          <a:prstGeom prst="rect">
+            <a:avLst/>
+          </a:prstGeom>
+        </p:spPr>
+      </p:pic>
+      <p:sp>
+        <p:nvSpPr>
+          <p:cNvPr id="7" name="Textfeld 6">
+            <a:extLst>
+              <a:ext uri="{FF2B5EF4-FFF2-40B4-BE49-F238E27FC236}">
+                <a16:creationId xmlns:a16="http://schemas.microsoft.com/office/drawing/2014/main" id="{71728122-EEA6-FB12-AC4A-3F62F7695D8D}"/>
+              </a:ext>
+            </a:extLst>
+          </p:cNvPr>
+          <p:cNvSpPr txBox="1"/>
+          <p:nvPr/>
+        </p:nvSpPr>
+        <p:spPr>
+          <a:xfrm>
+            <a:off x="8458201" y="1332260"/>
+            <a:ext cx="1944443" cy="369332"/>
+          </a:xfrm>
+          <a:prstGeom prst="rect">
+            <a:avLst/>
+          </a:prstGeom>
+          <a:noFill/>
+        </p:spPr>
+        <p:txBody>
+          <a:bodyPr wrap="none" rtlCol="0">
+            <a:spAutoFit/>
+          </a:bodyPr>
+          <a:lstStyle/>
+          <a:p>
+            <a:r>
+              <a:rPr lang="de-DE" dirty="0"/>
+              <a:t>just </a:t>
+            </a:r>
+            <a:r>
+              <a:rPr lang="de-DE" dirty="0" err="1"/>
+              <a:t>barely</a:t>
+            </a:r>
+            <a:r>
+              <a:rPr lang="de-DE" dirty="0"/>
+              <a:t> </a:t>
+            </a:r>
+            <a:r>
+              <a:rPr lang="de-DE" dirty="0" err="1"/>
+              <a:t>stable</a:t>
+            </a:r>
+            <a:r>
+              <a:rPr lang="de-DE" dirty="0"/>
+              <a:t>:</a:t>
+            </a:r>
+          </a:p>
+        </p:txBody>
+      </p:sp>
+    </p:spTree>
+    <p:extLst>
+      <p:ext uri="{BB962C8B-B14F-4D97-AF65-F5344CB8AC3E}">
+        <p14:creationId xmlns:p14="http://schemas.microsoft.com/office/powerpoint/2010/main" val="2178820404"/>
       </p:ext>
     </p:extLst>
   </p:cSld>

--- a/slides/4_stability.pptx
+++ b/slides/4_stability.pptx
@@ -6527,8 +6527,8 @@
           </a:p>
         </p:txBody>
       </p:sp>
-      <mc:AlternateContent xmlns:mc="http://schemas.openxmlformats.org/markup-compatibility/2006">
-        <mc:Choice xmlns:a14="http://schemas.microsoft.com/office/drawing/2010/main" Requires="a14">
+      <mc:AlternateContent xmlns:mc="http://schemas.openxmlformats.org/markup-compatibility/2006" xmlns:a14="http://schemas.microsoft.com/office/drawing/2010/main">
+        <mc:Choice Requires="a14">
           <p:sp>
             <p:nvSpPr>
               <p:cNvPr id="3" name="Inhaltsplatzhalter 2">
@@ -6928,7 +6928,7 @@
             </p:txBody>
           </p:sp>
         </mc:Choice>
-        <mc:Fallback>
+        <mc:Fallback xmlns="">
           <p:sp>
             <p:nvSpPr>
               <p:cNvPr id="3" name="Inhaltsplatzhalter 2">
@@ -7064,8 +7064,8 @@
           </a:p>
         </p:txBody>
       </p:sp>
-      <mc:AlternateContent xmlns:mc="http://schemas.openxmlformats.org/markup-compatibility/2006">
-        <mc:Choice xmlns:a14="http://schemas.microsoft.com/office/drawing/2010/main" Requires="a14">
+      <mc:AlternateContent xmlns:mc="http://schemas.openxmlformats.org/markup-compatibility/2006" xmlns:a14="http://schemas.microsoft.com/office/drawing/2010/main">
+        <mc:Choice Requires="a14">
           <p:sp>
             <p:nvSpPr>
               <p:cNvPr id="3" name="Inhaltsplatzhalter 2">
@@ -7555,7 +7555,7 @@
             </p:txBody>
           </p:sp>
         </mc:Choice>
-        <mc:Fallback>
+        <mc:Fallback xmlns="">
           <p:sp>
             <p:nvSpPr>
               <p:cNvPr id="3" name="Inhaltsplatzhalter 2">
@@ -7624,8 +7624,8 @@
           </a:p>
         </p:txBody>
       </p:sp>
-      <mc:AlternateContent xmlns:mc="http://schemas.openxmlformats.org/markup-compatibility/2006">
-        <mc:Choice xmlns:a14="http://schemas.microsoft.com/office/drawing/2010/main" Requires="a14">
+      <mc:AlternateContent xmlns:mc="http://schemas.openxmlformats.org/markup-compatibility/2006" xmlns:a14="http://schemas.microsoft.com/office/drawing/2010/main">
+        <mc:Choice Requires="a14">
           <p:sp>
             <p:nvSpPr>
               <p:cNvPr id="5" name="Textfeld 4">
@@ -7699,7 +7699,7 @@
             </p:txBody>
           </p:sp>
         </mc:Choice>
-        <mc:Fallback>
+        <mc:Fallback xmlns="">
           <p:sp>
             <p:nvSpPr>
               <p:cNvPr id="5" name="Textfeld 4">
@@ -7946,8 +7946,8 @@
           </a:p>
         </p:txBody>
       </p:sp>
-      <mc:AlternateContent xmlns:mc="http://schemas.openxmlformats.org/markup-compatibility/2006">
-        <mc:Choice xmlns:a14="http://schemas.microsoft.com/office/drawing/2010/main" Requires="a14">
+      <mc:AlternateContent xmlns:mc="http://schemas.openxmlformats.org/markup-compatibility/2006" xmlns:a14="http://schemas.microsoft.com/office/drawing/2010/main">
+        <mc:Choice Requires="a14">
           <p:sp>
             <p:nvSpPr>
               <p:cNvPr id="3" name="Inhaltsplatzhalter 2">
@@ -8454,7 +8454,7 @@
             </p:txBody>
           </p:sp>
         </mc:Choice>
-        <mc:Fallback>
+        <mc:Fallback xmlns="">
           <p:sp>
             <p:nvSpPr>
               <p:cNvPr id="3" name="Inhaltsplatzhalter 2">
@@ -8606,8 +8606,8 @@
           </a:p>
         </p:txBody>
       </p:sp>
-      <mc:AlternateContent xmlns:mc="http://schemas.openxmlformats.org/markup-compatibility/2006">
-        <mc:Choice xmlns:a14="http://schemas.microsoft.com/office/drawing/2010/main" Requires="a14">
+      <mc:AlternateContent xmlns:mc="http://schemas.openxmlformats.org/markup-compatibility/2006" xmlns:a14="http://schemas.microsoft.com/office/drawing/2010/main">
+        <mc:Choice Requires="a14">
           <p:sp>
             <p:nvSpPr>
               <p:cNvPr id="7" name="Textfeld 6">
@@ -8636,6 +8636,7 @@
               </a:bodyPr>
               <a:lstStyle/>
               <a:p>
+                <a:pPr/>
                 <a14:m>
                   <m:oMathPara xmlns:m="http://schemas.openxmlformats.org/officeDocument/2006/math">
                     <m:oMathParaPr>
@@ -8701,7 +8702,7 @@
             </p:txBody>
           </p:sp>
         </mc:Choice>
-        <mc:Fallback>
+        <mc:Fallback xmlns="">
           <p:sp>
             <p:nvSpPr>
               <p:cNvPr id="7" name="Textfeld 6">
@@ -8746,8 +8747,8 @@
           </p:sp>
         </mc:Fallback>
       </mc:AlternateContent>
-      <mc:AlternateContent xmlns:mc="http://schemas.openxmlformats.org/markup-compatibility/2006">
-        <mc:Choice xmlns:a14="http://schemas.microsoft.com/office/drawing/2010/main" Requires="a14">
+      <mc:AlternateContent xmlns:mc="http://schemas.openxmlformats.org/markup-compatibility/2006" xmlns:a14="http://schemas.microsoft.com/office/drawing/2010/main">
+        <mc:Choice Requires="a14">
           <p:sp>
             <p:nvSpPr>
               <p:cNvPr id="8" name="Textfeld 7">
@@ -8776,6 +8777,7 @@
               </a:bodyPr>
               <a:lstStyle/>
               <a:p>
+                <a:pPr/>
                 <a14:m>
                   <m:oMathPara xmlns:m="http://schemas.openxmlformats.org/officeDocument/2006/math">
                     <m:oMathParaPr>
@@ -8841,7 +8843,7 @@
             </p:txBody>
           </p:sp>
         </mc:Choice>
-        <mc:Fallback>
+        <mc:Fallback xmlns="">
           <p:sp>
             <p:nvSpPr>
               <p:cNvPr id="8" name="Textfeld 7">
@@ -8948,8 +8950,8 @@
           </a:p>
         </p:txBody>
       </p:sp>
-      <mc:AlternateContent xmlns:mc="http://schemas.openxmlformats.org/markup-compatibility/2006">
-        <mc:Choice xmlns:a14="http://schemas.microsoft.com/office/drawing/2010/main" Requires="a14">
+      <mc:AlternateContent xmlns:mc="http://schemas.openxmlformats.org/markup-compatibility/2006" xmlns:a14="http://schemas.microsoft.com/office/drawing/2010/main">
+        <mc:Choice Requires="a14">
           <p:sp>
             <p:nvSpPr>
               <p:cNvPr id="3" name="Inhaltsplatzhalter 2">
@@ -9570,7 +9572,7 @@
             </p:txBody>
           </p:sp>
         </mc:Choice>
-        <mc:Fallback>
+        <mc:Fallback xmlns="">
           <p:sp>
             <p:nvSpPr>
               <p:cNvPr id="3" name="Inhaltsplatzhalter 2">
@@ -9985,8 +9987,8 @@
           </a:p>
         </p:txBody>
       </p:sp>
-      <mc:AlternateContent xmlns:mc="http://schemas.openxmlformats.org/markup-compatibility/2006">
-        <mc:Choice xmlns:a14="http://schemas.microsoft.com/office/drawing/2010/main" Requires="a14">
+      <mc:AlternateContent xmlns:mc="http://schemas.openxmlformats.org/markup-compatibility/2006" xmlns:a14="http://schemas.microsoft.com/office/drawing/2010/main">
+        <mc:Choice Requires="a14">
           <p:sp>
             <p:nvSpPr>
               <p:cNvPr id="3" name="Inhaltsplatzhalter 2">
@@ -10706,7 +10708,7 @@
             </p:txBody>
           </p:sp>
         </mc:Choice>
-        <mc:Fallback>
+        <mc:Fallback xmlns="">
           <p:sp>
             <p:nvSpPr>
               <p:cNvPr id="3" name="Inhaltsplatzhalter 2">
@@ -10805,6 +10807,36 @@
           <a:chExt cx="0" cy="0"/>
         </a:xfrm>
       </p:grpSpPr>
+      <p:pic>
+        <p:nvPicPr>
+          <p:cNvPr id="5" name="Grafik 4">
+            <a:extLst>
+              <a:ext uri="{FF2B5EF4-FFF2-40B4-BE49-F238E27FC236}">
+                <a16:creationId xmlns:a16="http://schemas.microsoft.com/office/drawing/2014/main" id="{2413211B-6B0F-D6B5-2986-85580905E851}"/>
+              </a:ext>
+            </a:extLst>
+          </p:cNvPr>
+          <p:cNvPicPr>
+            <a:picLocks noChangeAspect="1"/>
+          </p:cNvPicPr>
+          <p:nvPr/>
+        </p:nvPicPr>
+        <p:blipFill>
+          <a:blip r:embed="rId2"/>
+          <a:stretch>
+            <a:fillRect/>
+          </a:stretch>
+        </p:blipFill>
+        <p:spPr>
+          <a:xfrm>
+            <a:off x="5456583" y="1978847"/>
+            <a:ext cx="6735417" cy="4156893"/>
+          </a:xfrm>
+          <a:prstGeom prst="rect">
+            <a:avLst/>
+          </a:prstGeom>
+        </p:spPr>
+      </p:pic>
       <p:sp>
         <p:nvSpPr>
           <p:cNvPr id="2" name="Titel 1">
@@ -10856,7 +10888,12 @@
                 <p:ph idx="1"/>
               </p:nvPr>
             </p:nvSpPr>
-            <p:spPr/>
+            <p:spPr>
+              <a:xfrm>
+                <a:off x="341247" y="1825625"/>
+                <a:ext cx="4996070" cy="4351338"/>
+              </a:xfrm>
+            </p:spPr>
             <p:txBody>
               <a:bodyPr>
                 <a:normAutofit fontScale="92500" lnSpcReduction="10000"/>
@@ -10955,14 +10992,7 @@
                                 <a:latin typeface="Cambria Math" panose="02040503050406030204" pitchFamily="18" charset="0"/>
                                 <a:ea typeface="Cambria Math" panose="02040503050406030204" pitchFamily="18" charset="0"/>
                               </a:rPr>
-                              <m:t>𝑝</m:t>
-                            </m:r>
-                            <m:r>
-                              <a:rPr lang="de-DE" i="1">
-                                <a:latin typeface="Cambria Math" panose="02040503050406030204" pitchFamily="18" charset="0"/>
-                                <a:ea typeface="Cambria Math" panose="02040503050406030204" pitchFamily="18" charset="0"/>
-                              </a:rPr>
-                              <m:t>𝑐</m:t>
+                              <m:t>𝑝𝑐</m:t>
                             </m:r>
                           </m:sub>
                         </m:sSub>
@@ -10980,14 +11010,7 @@
                         <a:latin typeface="Cambria Math" panose="02040503050406030204" pitchFamily="18" charset="0"/>
                         <a:ea typeface="Cambria Math" panose="02040503050406030204" pitchFamily="18" charset="0"/>
                       </a:rPr>
-                      <m:t>−</m:t>
-                    </m:r>
-                    <m:r>
-                      <a:rPr lang="de-DE" i="1">
-                        <a:latin typeface="Cambria Math" panose="02040503050406030204" pitchFamily="18" charset="0"/>
-                        <a:ea typeface="Cambria Math" panose="02040503050406030204" pitchFamily="18" charset="0"/>
-                      </a:rPr>
-                      <m:t>180°</m:t>
+                      <m:t>−180°</m:t>
                     </m:r>
                   </m:oMath>
                 </a14:m>
@@ -11011,7 +11034,23 @@
                 </a:r>
                 <a:r>
                   <a:rPr lang="de-DE" dirty="0"/>
-                  <a:t>:</a:t>
+                  <a:t> (</a:t>
+                </a:r>
+                <a:r>
+                  <a:rPr lang="de-DE" dirty="0" err="1"/>
+                  <a:t>unstable</a:t>
+                </a:r>
+                <a:r>
+                  <a:rPr lang="de-DE" dirty="0"/>
+                  <a:t> </a:t>
+                </a:r>
+                <a:r>
+                  <a:rPr lang="de-DE" dirty="0" err="1"/>
+                  <a:t>when</a:t>
+                </a:r>
+                <a:r>
+                  <a:rPr lang="de-DE" dirty="0"/>
+                  <a:t> &lt;0):</a:t>
                 </a:r>
               </a:p>
               <a:p>
@@ -11111,14 +11150,7 @@
                                         <a:latin typeface="Cambria Math" panose="02040503050406030204" pitchFamily="18" charset="0"/>
                                         <a:ea typeface="Cambria Math" panose="02040503050406030204" pitchFamily="18" charset="0"/>
                                       </a:rPr>
-                                      <m:t>𝑝</m:t>
-                                    </m:r>
-                                    <m:r>
-                                      <a:rPr lang="de-DE" i="1">
-                                        <a:latin typeface="Cambria Math" panose="02040503050406030204" pitchFamily="18" charset="0"/>
-                                        <a:ea typeface="Cambria Math" panose="02040503050406030204" pitchFamily="18" charset="0"/>
-                                      </a:rPr>
-                                      <m:t>𝑐</m:t>
+                                      <m:t>𝑝𝑐</m:t>
                                     </m:r>
                                   </m:sub>
                                 </m:sSub>
@@ -11270,7 +11302,23 @@
                 </a:r>
                 <a:r>
                   <a:rPr lang="de-DE" dirty="0"/>
-                  <a:t>:</a:t>
+                  <a:t> (</a:t>
+                </a:r>
+                <a:r>
+                  <a:rPr lang="de-DE" dirty="0" err="1"/>
+                  <a:t>unstable</a:t>
+                </a:r>
+                <a:r>
+                  <a:rPr lang="de-DE" dirty="0"/>
+                  <a:t> </a:t>
+                </a:r>
+                <a:r>
+                  <a:rPr lang="de-DE" dirty="0" err="1"/>
+                  <a:t>when</a:t>
+                </a:r>
+                <a:r>
+                  <a:rPr lang="de-DE" dirty="0"/>
+                  <a:t> &lt;0):</a:t>
                 </a:r>
               </a:p>
               <a:p>
@@ -11403,10 +11451,14 @@
               </p:nvPr>
             </p:nvSpPr>
             <p:spPr>
+              <a:xfrm>
+                <a:off x="341247" y="1825625"/>
+                <a:ext cx="4996070" cy="4351338"/>
+              </a:xfrm>
               <a:blipFill>
-                <a:blip r:embed="rId2"/>
+                <a:blip r:embed="rId3"/>
                 <a:stretch>
-                  <a:fillRect l="-1086" t="-2616" b="-1163"/>
+                  <a:fillRect l="-2025" t="-2616" r="-2025" b="-1163"/>
                 </a:stretch>
               </a:blipFill>
             </p:spPr>
@@ -11454,36 +11506,6 @@
           </a:p>
         </p:txBody>
       </p:sp>
-      <p:pic>
-        <p:nvPicPr>
-          <p:cNvPr id="5" name="Grafik 4">
-            <a:extLst>
-              <a:ext uri="{FF2B5EF4-FFF2-40B4-BE49-F238E27FC236}">
-                <a16:creationId xmlns:a16="http://schemas.microsoft.com/office/drawing/2014/main" id="{2413211B-6B0F-D6B5-2986-85580905E851}"/>
-              </a:ext>
-            </a:extLst>
-          </p:cNvPr>
-          <p:cNvPicPr>
-            <a:picLocks noChangeAspect="1"/>
-          </p:cNvPicPr>
-          <p:nvPr/>
-        </p:nvPicPr>
-        <p:blipFill>
-          <a:blip r:embed="rId3"/>
-          <a:stretch>
-            <a:fillRect/>
-          </a:stretch>
-        </p:blipFill>
-        <p:spPr>
-          <a:xfrm>
-            <a:off x="5342494" y="1825625"/>
-            <a:ext cx="6849506" cy="4227305"/>
-          </a:xfrm>
-          <a:prstGeom prst="rect">
-            <a:avLst/>
-          </a:prstGeom>
-        </p:spPr>
-      </p:pic>
       <p:sp>
         <p:nvSpPr>
           <p:cNvPr id="7" name="Textfeld 6">
@@ -11498,7 +11520,7 @@
         </p:nvSpPr>
         <p:spPr>
           <a:xfrm>
-            <a:off x="8458201" y="1332260"/>
+            <a:off x="8468140" y="1541966"/>
             <a:ext cx="1944443" cy="369332"/>
           </a:xfrm>
           <a:prstGeom prst="rect">

--- a/slides/4_stability.pptx
+++ b/slides/4_stability.pptx
@@ -5,7 +5,7 @@
     <p:sldMasterId id="2147483648" r:id="rId1"/>
   </p:sldMasterIdLst>
   <p:notesMasterIdLst>
-    <p:notesMasterId r:id="rId23"/>
+    <p:notesMasterId r:id="rId25"/>
   </p:notesMasterIdLst>
   <p:sldIdLst>
     <p:sldId id="256" r:id="rId2"/>
@@ -26,9 +26,11 @@
     <p:sldId id="273" r:id="rId17"/>
     <p:sldId id="301" r:id="rId18"/>
     <p:sldId id="274" r:id="rId19"/>
-    <p:sldId id="302" r:id="rId20"/>
-    <p:sldId id="275" r:id="rId21"/>
-    <p:sldId id="303" r:id="rId22"/>
+    <p:sldId id="304" r:id="rId20"/>
+    <p:sldId id="302" r:id="rId21"/>
+    <p:sldId id="275" r:id="rId22"/>
+    <p:sldId id="303" r:id="rId23"/>
+    <p:sldId id="305" r:id="rId24"/>
   </p:sldIdLst>
   <p:sldSz cx="12192000" cy="6858000"/>
   <p:notesSz cx="6858000" cy="9144000"/>
@@ -499,7 +501,7 @@
           <a:p>
             <a:fld id="{506E0FD1-891F-4B1E-916D-E9B585160BB8}" type="datetimeFigureOut">
               <a:rPr lang="en-GB" smtClean="0"/>
-              <a:t>20/02/2026</a:t>
+              <a:t>21/02/2026</a:t>
             </a:fld>
             <a:endParaRPr lang="en-GB"/>
           </a:p>
@@ -916,7 +918,7 @@
           <a:p>
             <a:fld id="{D68C3F22-27B2-44E3-9C5F-D08126455F6F}" type="datetime1">
               <a:rPr lang="en-GB" smtClean="0"/>
-              <a:t>20/02/2026</a:t>
+              <a:t>21/02/2026</a:t>
             </a:fld>
             <a:endParaRPr lang="en-GB"/>
           </a:p>
@@ -1116,7 +1118,7 @@
           <a:p>
             <a:fld id="{1CD03846-7BF6-4FB6-A921-FF3379ADBD4C}" type="datetime1">
               <a:rPr lang="en-GB" smtClean="0"/>
-              <a:t>20/02/2026</a:t>
+              <a:t>21/02/2026</a:t>
             </a:fld>
             <a:endParaRPr lang="en-GB"/>
           </a:p>
@@ -1326,7 +1328,7 @@
           <a:p>
             <a:fld id="{99E1B91A-3FD0-4144-9C84-63E9688ED2FE}" type="datetime1">
               <a:rPr lang="en-GB" smtClean="0"/>
-              <a:t>20/02/2026</a:t>
+              <a:t>21/02/2026</a:t>
             </a:fld>
             <a:endParaRPr lang="en-GB"/>
           </a:p>
@@ -1526,7 +1528,7 @@
           <a:p>
             <a:fld id="{5295ED7B-FEAD-4734-819F-93EF4B0EA908}" type="datetime1">
               <a:rPr lang="en-GB" smtClean="0"/>
-              <a:t>20/02/2026</a:t>
+              <a:t>21/02/2026</a:t>
             </a:fld>
             <a:endParaRPr lang="en-GB"/>
           </a:p>
@@ -1802,7 +1804,7 @@
           <a:p>
             <a:fld id="{D2D5D4B4-C926-4B45-8815-1ED8911179A2}" type="datetime1">
               <a:rPr lang="en-GB" smtClean="0"/>
-              <a:t>20/02/2026</a:t>
+              <a:t>21/02/2026</a:t>
             </a:fld>
             <a:endParaRPr lang="en-GB"/>
           </a:p>
@@ -2070,7 +2072,7 @@
           <a:p>
             <a:fld id="{B4C5210A-0E37-4935-93AF-69F21A5F712F}" type="datetime1">
               <a:rPr lang="en-GB" smtClean="0"/>
-              <a:t>20/02/2026</a:t>
+              <a:t>21/02/2026</a:t>
             </a:fld>
             <a:endParaRPr lang="en-GB"/>
           </a:p>
@@ -2485,7 +2487,7 @@
           <a:p>
             <a:fld id="{3D3A6B2F-436C-4691-80E8-9C890E000E9D}" type="datetime1">
               <a:rPr lang="en-GB" smtClean="0"/>
-              <a:t>20/02/2026</a:t>
+              <a:t>21/02/2026</a:t>
             </a:fld>
             <a:endParaRPr lang="en-GB"/>
           </a:p>
@@ -2627,7 +2629,7 @@
           <a:p>
             <a:fld id="{84385F4C-D74B-496F-8D21-97E3549C783B}" type="datetime1">
               <a:rPr lang="en-GB" smtClean="0"/>
-              <a:t>20/02/2026</a:t>
+              <a:t>21/02/2026</a:t>
             </a:fld>
             <a:endParaRPr lang="en-GB"/>
           </a:p>
@@ -2740,7 +2742,7 @@
           <a:p>
             <a:fld id="{0CBDCB32-C241-4703-A832-4EB47BD54E83}" type="datetime1">
               <a:rPr lang="en-GB" smtClean="0"/>
-              <a:t>20/02/2026</a:t>
+              <a:t>21/02/2026</a:t>
             </a:fld>
             <a:endParaRPr lang="en-GB"/>
           </a:p>
@@ -3053,7 +3055,7 @@
           <a:p>
             <a:fld id="{85C150FF-BE95-4D25-A16A-E368A81CBF24}" type="datetime1">
               <a:rPr lang="en-GB" smtClean="0"/>
-              <a:t>20/02/2026</a:t>
+              <a:t>21/02/2026</a:t>
             </a:fld>
             <a:endParaRPr lang="en-GB"/>
           </a:p>
@@ -3342,7 +3344,7 @@
           <a:p>
             <a:fld id="{F3C5DB4B-B349-43C9-A424-BADA723AD9F1}" type="datetime1">
               <a:rPr lang="en-GB" smtClean="0"/>
-              <a:t>20/02/2026</a:t>
+              <a:t>21/02/2026</a:t>
             </a:fld>
             <a:endParaRPr lang="en-GB"/>
           </a:p>
@@ -3585,7 +3587,7 @@
           <a:p>
             <a:fld id="{12632426-0A0C-405F-A3D0-2D11AA44702A}" type="datetime1">
               <a:rPr lang="en-GB" smtClean="0"/>
-              <a:t>20/02/2026</a:t>
+              <a:t>21/02/2026</a:t>
             </a:fld>
             <a:endParaRPr lang="en-GB"/>
           </a:p>
@@ -8577,8 +8579,8 @@
         </p:nvSpPr>
         <p:spPr>
           <a:xfrm>
-            <a:off x="9293999" y="1749141"/>
-            <a:ext cx="1376402" cy="369332"/>
+            <a:off x="8960895" y="1754945"/>
+            <a:ext cx="2042610" cy="369332"/>
           </a:xfrm>
           <a:prstGeom prst="rect">
             <a:avLst/>
@@ -8592,8 +8594,12 @@
           <a:lstStyle/>
           <a:p>
             <a:r>
+              <a:rPr lang="de-DE" dirty="0" err="1"/>
+              <a:t>Stable</a:t>
+            </a:r>
+            <a:r>
               <a:rPr lang="de-DE" dirty="0"/>
-              <a:t>PT2 </a:t>
+              <a:t> PT2 </a:t>
             </a:r>
             <a:r>
               <a:rPr lang="de-DE" dirty="0" err="1"/>
@@ -8920,6 +8926,451 @@
       </p:grpSpPr>
       <p:sp>
         <p:nvSpPr>
+          <p:cNvPr id="4" name="Foliennummernplatzhalter 3">
+            <a:extLst>
+              <a:ext uri="{FF2B5EF4-FFF2-40B4-BE49-F238E27FC236}">
+                <a16:creationId xmlns:a16="http://schemas.microsoft.com/office/drawing/2014/main" id="{554A70F2-723A-C281-2565-DB05C7C3AAC4}"/>
+              </a:ext>
+            </a:extLst>
+          </p:cNvPr>
+          <p:cNvSpPr>
+            <a:spLocks noGrp="1"/>
+          </p:cNvSpPr>
+          <p:nvPr>
+            <p:ph type="sldNum" sz="quarter" idx="12"/>
+          </p:nvPr>
+        </p:nvSpPr>
+        <p:spPr/>
+        <p:txBody>
+          <a:bodyPr/>
+          <a:lstStyle/>
+          <a:p>
+            <a:fld id="{08C366F5-AFAD-49CB-854A-9D9E238FCA13}" type="slidenum">
+              <a:rPr lang="en-GB" smtClean="0"/>
+              <a:t>19</a:t>
+            </a:fld>
+            <a:endParaRPr lang="en-GB"/>
+          </a:p>
+        </p:txBody>
+      </p:sp>
+      <p:pic>
+        <p:nvPicPr>
+          <p:cNvPr id="5" name="Grafik 4">
+            <a:extLst>
+              <a:ext uri="{FF2B5EF4-FFF2-40B4-BE49-F238E27FC236}">
+                <a16:creationId xmlns:a16="http://schemas.microsoft.com/office/drawing/2014/main" id="{10CB9ED4-DB62-B4A2-34DC-8783EE69D4A3}"/>
+              </a:ext>
+            </a:extLst>
+          </p:cNvPr>
+          <p:cNvPicPr>
+            <a:picLocks noChangeAspect="1"/>
+          </p:cNvPicPr>
+          <p:nvPr/>
+        </p:nvPicPr>
+        <p:blipFill>
+          <a:blip r:embed="rId2"/>
+          <a:stretch>
+            <a:fillRect/>
+          </a:stretch>
+        </p:blipFill>
+        <p:spPr>
+          <a:xfrm>
+            <a:off x="2678565" y="0"/>
+            <a:ext cx="6834870" cy="6858000"/>
+          </a:xfrm>
+          <a:prstGeom prst="rect">
+            <a:avLst/>
+          </a:prstGeom>
+        </p:spPr>
+      </p:pic>
+      <p:sp>
+        <p:nvSpPr>
+          <p:cNvPr id="6" name="Textfeld 5">
+            <a:extLst>
+              <a:ext uri="{FF2B5EF4-FFF2-40B4-BE49-F238E27FC236}">
+                <a16:creationId xmlns:a16="http://schemas.microsoft.com/office/drawing/2014/main" id="{8CB6CB6B-7EC6-9ECF-CB71-8A1686A5D7DF}"/>
+              </a:ext>
+            </a:extLst>
+          </p:cNvPr>
+          <p:cNvSpPr txBox="1"/>
+          <p:nvPr/>
+        </p:nvSpPr>
+        <p:spPr>
+          <a:xfrm>
+            <a:off x="1361661" y="4860235"/>
+            <a:ext cx="1059264" cy="369332"/>
+          </a:xfrm>
+          <a:prstGeom prst="rect">
+            <a:avLst/>
+          </a:prstGeom>
+          <a:noFill/>
+        </p:spPr>
+        <p:txBody>
+          <a:bodyPr wrap="none" rtlCol="0">
+            <a:spAutoFit/>
+          </a:bodyPr>
+          <a:lstStyle/>
+          <a:p>
+            <a:r>
+              <a:rPr lang="de-DE" dirty="0" err="1"/>
+              <a:t>unstable</a:t>
+            </a:r>
+            <a:endParaRPr lang="de-DE" dirty="0"/>
+          </a:p>
+        </p:txBody>
+      </p:sp>
+      <p:cxnSp>
+        <p:nvCxnSpPr>
+          <p:cNvPr id="8" name="Gerade Verbindung mit Pfeil 7">
+            <a:extLst>
+              <a:ext uri="{FF2B5EF4-FFF2-40B4-BE49-F238E27FC236}">
+                <a16:creationId xmlns:a16="http://schemas.microsoft.com/office/drawing/2014/main" id="{D498DE1B-5B06-E90C-F0B8-4F10C8A337DD}"/>
+              </a:ext>
+            </a:extLst>
+          </p:cNvPr>
+          <p:cNvCxnSpPr>
+            <a:stCxn id="6" idx="3"/>
+          </p:cNvCxnSpPr>
+          <p:nvPr/>
+        </p:nvCxnSpPr>
+        <p:spPr>
+          <a:xfrm flipV="1">
+            <a:off x="2420925" y="4442791"/>
+            <a:ext cx="1972171" cy="602110"/>
+          </a:xfrm>
+          <a:prstGeom prst="straightConnector1">
+            <a:avLst/>
+          </a:prstGeom>
+          <a:ln>
+            <a:tailEnd type="triangle"/>
+          </a:ln>
+        </p:spPr>
+        <p:style>
+          <a:lnRef idx="2">
+            <a:schemeClr val="accent1"/>
+          </a:lnRef>
+          <a:fillRef idx="0">
+            <a:schemeClr val="accent1"/>
+          </a:fillRef>
+          <a:effectRef idx="1">
+            <a:schemeClr val="accent1"/>
+          </a:effectRef>
+          <a:fontRef idx="minor">
+            <a:schemeClr val="tx1"/>
+          </a:fontRef>
+        </p:style>
+      </p:cxnSp>
+    </p:spTree>
+    <p:extLst>
+      <p:ext uri="{BB962C8B-B14F-4D97-AF65-F5344CB8AC3E}">
+        <p14:creationId xmlns:p14="http://schemas.microsoft.com/office/powerpoint/2010/main" val="1140757115"/>
+      </p:ext>
+    </p:extLst>
+  </p:cSld>
+  <p:clrMapOvr>
+    <a:masterClrMapping/>
+  </p:clrMapOvr>
+</p:sld>
+</file>
+
+<file path=ppt/slides/slide2.xml><?xml version="1.0" encoding="utf-8"?>
+<p:sld xmlns:a="http://schemas.openxmlformats.org/drawingml/2006/main" xmlns:r="http://schemas.openxmlformats.org/officeDocument/2006/relationships" xmlns:p="http://schemas.openxmlformats.org/presentationml/2006/main">
+  <p:cSld>
+    <p:spTree>
+      <p:nvGrpSpPr>
+        <p:cNvPr id="1" name=""/>
+        <p:cNvGrpSpPr/>
+        <p:nvPr/>
+      </p:nvGrpSpPr>
+      <p:grpSpPr>
+        <a:xfrm>
+          <a:off x="0" y="0"/>
+          <a:ext cx="0" cy="0"/>
+          <a:chOff x="0" y="0"/>
+          <a:chExt cx="0" cy="0"/>
+        </a:xfrm>
+      </p:grpSpPr>
+      <p:sp>
+        <p:nvSpPr>
+          <p:cNvPr id="4" name="Title 3">
+            <a:extLst>
+              <a:ext uri="{FF2B5EF4-FFF2-40B4-BE49-F238E27FC236}">
+                <a16:creationId xmlns:a16="http://schemas.microsoft.com/office/drawing/2014/main" id="{080AD447-446B-E09E-6F4A-522C1DBB462E}"/>
+              </a:ext>
+            </a:extLst>
+          </p:cNvPr>
+          <p:cNvSpPr>
+            <a:spLocks noGrp="1"/>
+          </p:cNvSpPr>
+          <p:nvPr>
+            <p:ph type="title"/>
+          </p:nvPr>
+        </p:nvSpPr>
+        <p:spPr/>
+        <p:txBody>
+          <a:bodyPr/>
+          <a:lstStyle/>
+          <a:p>
+            <a:r>
+              <a:rPr lang="en-GB" dirty="0"/>
+              <a:t>Course Schedule</a:t>
+            </a:r>
+          </a:p>
+        </p:txBody>
+      </p:sp>
+      <p:sp>
+        <p:nvSpPr>
+          <p:cNvPr id="6" name="Inhaltsplatzhalter 5">
+            <a:extLst>
+              <a:ext uri="{FF2B5EF4-FFF2-40B4-BE49-F238E27FC236}">
+                <a16:creationId xmlns:a16="http://schemas.microsoft.com/office/drawing/2014/main" id="{CF502483-E45D-7D7D-D169-ACA4F8327D26}"/>
+              </a:ext>
+            </a:extLst>
+          </p:cNvPr>
+          <p:cNvSpPr>
+            <a:spLocks noGrp="1"/>
+          </p:cNvSpPr>
+          <p:nvPr>
+            <p:ph sz="half" idx="1"/>
+          </p:nvPr>
+        </p:nvSpPr>
+        <p:spPr/>
+        <p:txBody>
+          <a:bodyPr>
+            <a:normAutofit/>
+          </a:bodyPr>
+          <a:lstStyle/>
+          <a:p>
+            <a:pPr marL="514350" indent="-514350">
+              <a:buFont typeface="+mj-lt"/>
+              <a:buAutoNum type="arabicPeriod"/>
+            </a:pPr>
+            <a:r>
+              <a:rPr lang="de-DE" dirty="0"/>
+              <a:t>Systems</a:t>
+            </a:r>
+          </a:p>
+          <a:p>
+            <a:pPr marL="514350" indent="-514350">
+              <a:buFont typeface="+mj-lt"/>
+              <a:buAutoNum type="arabicPeriod"/>
+            </a:pPr>
+            <a:endParaRPr lang="de-DE" dirty="0"/>
+          </a:p>
+          <a:p>
+            <a:pPr marL="514350" indent="-514350">
+              <a:buFont typeface="+mj-lt"/>
+              <a:buAutoNum type="arabicPeriod"/>
+            </a:pPr>
+            <a:r>
+              <a:rPr lang="de-DE" dirty="0" err="1"/>
+              <a:t>Continuous</a:t>
+            </a:r>
+            <a:r>
+              <a:rPr lang="de-DE" dirty="0"/>
+              <a:t>-time Controllers</a:t>
+            </a:r>
+          </a:p>
+          <a:p>
+            <a:pPr marL="514350" indent="-514350">
+              <a:buFont typeface="+mj-lt"/>
+              <a:buAutoNum type="arabicPeriod"/>
+            </a:pPr>
+            <a:endParaRPr lang="de-DE" dirty="0"/>
+          </a:p>
+          <a:p>
+            <a:pPr marL="514350" indent="-514350">
+              <a:buFont typeface="+mj-lt"/>
+              <a:buAutoNum type="arabicPeriod"/>
+            </a:pPr>
+            <a:r>
+              <a:rPr lang="de-DE" dirty="0"/>
+              <a:t>Laplace Domain</a:t>
+            </a:r>
+          </a:p>
+          <a:p>
+            <a:pPr marL="514350" indent="-514350">
+              <a:buFont typeface="+mj-lt"/>
+              <a:buAutoNum type="arabicPeriod"/>
+            </a:pPr>
+            <a:endParaRPr lang="de-DE" dirty="0"/>
+          </a:p>
+          <a:p>
+            <a:pPr marL="514350" indent="-514350">
+              <a:buFont typeface="+mj-lt"/>
+              <a:buAutoNum type="arabicPeriod"/>
+            </a:pPr>
+            <a:r>
+              <a:rPr lang="de-DE" dirty="0"/>
+              <a:t>Poles/Zeros &amp; </a:t>
+            </a:r>
+            <a:r>
+              <a:rPr lang="de-DE" dirty="0" err="1"/>
+              <a:t>Stability</a:t>
+            </a:r>
+            <a:endParaRPr lang="de-DE" dirty="0"/>
+          </a:p>
+        </p:txBody>
+      </p:sp>
+      <p:sp>
+        <p:nvSpPr>
+          <p:cNvPr id="7" name="Inhaltsplatzhalter 6">
+            <a:extLst>
+              <a:ext uri="{FF2B5EF4-FFF2-40B4-BE49-F238E27FC236}">
+                <a16:creationId xmlns:a16="http://schemas.microsoft.com/office/drawing/2014/main" id="{B671907E-FFFA-73EF-8E7D-4AB4EBDD957B}"/>
+              </a:ext>
+            </a:extLst>
+          </p:cNvPr>
+          <p:cNvSpPr>
+            <a:spLocks noGrp="1"/>
+          </p:cNvSpPr>
+          <p:nvPr>
+            <p:ph sz="half" idx="2"/>
+          </p:nvPr>
+        </p:nvSpPr>
+        <p:spPr/>
+        <p:txBody>
+          <a:bodyPr>
+            <a:normAutofit/>
+          </a:bodyPr>
+          <a:lstStyle/>
+          <a:p>
+            <a:pPr marL="514350" indent="-514350">
+              <a:buFont typeface="+mj-lt"/>
+              <a:buAutoNum type="arabicPeriod" startAt="5"/>
+            </a:pPr>
+            <a:r>
+              <a:rPr lang="de-DE" dirty="0"/>
+              <a:t>Controller Design</a:t>
+            </a:r>
+          </a:p>
+          <a:p>
+            <a:pPr marL="514350" indent="-514350">
+              <a:buFont typeface="+mj-lt"/>
+              <a:buAutoNum type="arabicPeriod" startAt="5"/>
+            </a:pPr>
+            <a:endParaRPr lang="de-DE" dirty="0"/>
+          </a:p>
+          <a:p>
+            <a:pPr marL="514350" indent="-514350">
+              <a:buFont typeface="+mj-lt"/>
+              <a:buAutoNum type="arabicPeriod" startAt="5"/>
+            </a:pPr>
+            <a:r>
+              <a:rPr lang="de-DE" dirty="0" err="1"/>
+              <a:t>Discrete</a:t>
+            </a:r>
+            <a:r>
+              <a:rPr lang="de-DE" dirty="0"/>
+              <a:t>-time Controllers</a:t>
+            </a:r>
+          </a:p>
+          <a:p>
+            <a:pPr marL="514350" indent="-514350">
+              <a:buFont typeface="+mj-lt"/>
+              <a:buAutoNum type="arabicPeriod" startAt="5"/>
+            </a:pPr>
+            <a:endParaRPr lang="de-DE" dirty="0"/>
+          </a:p>
+          <a:p>
+            <a:pPr marL="514350" indent="-514350">
+              <a:buFont typeface="+mj-lt"/>
+              <a:buAutoNum type="arabicPeriod" startAt="5"/>
+            </a:pPr>
+            <a:r>
+              <a:rPr lang="de-DE" dirty="0"/>
+              <a:t>State Space </a:t>
+            </a:r>
+            <a:r>
+              <a:rPr lang="de-DE" dirty="0" err="1"/>
+              <a:t>Representation</a:t>
+            </a:r>
+            <a:endParaRPr lang="de-DE" dirty="0"/>
+          </a:p>
+          <a:p>
+            <a:pPr marL="514350" indent="-514350">
+              <a:buFont typeface="+mj-lt"/>
+              <a:buAutoNum type="arabicPeriod" startAt="5"/>
+            </a:pPr>
+            <a:endParaRPr lang="de-DE" dirty="0"/>
+          </a:p>
+          <a:p>
+            <a:pPr marL="514350" indent="-514350">
+              <a:buFont typeface="+mj-lt"/>
+              <a:buAutoNum type="arabicPeriod" startAt="5"/>
+            </a:pPr>
+            <a:r>
+              <a:rPr lang="de-DE" dirty="0" err="1"/>
+              <a:t>Advanced</a:t>
+            </a:r>
+            <a:r>
+              <a:rPr lang="de-DE" dirty="0"/>
+              <a:t> Control Methods</a:t>
+            </a:r>
+          </a:p>
+        </p:txBody>
+      </p:sp>
+      <p:sp>
+        <p:nvSpPr>
+          <p:cNvPr id="3" name="Slide Number Placeholder 2">
+            <a:extLst>
+              <a:ext uri="{FF2B5EF4-FFF2-40B4-BE49-F238E27FC236}">
+                <a16:creationId xmlns:a16="http://schemas.microsoft.com/office/drawing/2014/main" id="{A0664D44-83AC-6A7A-17E0-C1AE2ED18FF5}"/>
+              </a:ext>
+            </a:extLst>
+          </p:cNvPr>
+          <p:cNvSpPr>
+            <a:spLocks noGrp="1"/>
+          </p:cNvSpPr>
+          <p:nvPr>
+            <p:ph type="sldNum" sz="quarter" idx="12"/>
+          </p:nvPr>
+        </p:nvSpPr>
+        <p:spPr/>
+        <p:txBody>
+          <a:bodyPr/>
+          <a:lstStyle/>
+          <a:p>
+            <a:fld id="{08C366F5-AFAD-49CB-854A-9D9E238FCA13}" type="slidenum">
+              <a:rPr lang="en-GB" smtClean="0"/>
+              <a:t>2</a:t>
+            </a:fld>
+            <a:endParaRPr lang="en-GB" dirty="0"/>
+          </a:p>
+        </p:txBody>
+      </p:sp>
+    </p:spTree>
+    <p:extLst>
+      <p:ext uri="{BB962C8B-B14F-4D97-AF65-F5344CB8AC3E}">
+        <p14:creationId xmlns:p14="http://schemas.microsoft.com/office/powerpoint/2010/main" val="310336692"/>
+      </p:ext>
+    </p:extLst>
+  </p:cSld>
+  <p:clrMapOvr>
+    <a:masterClrMapping/>
+  </p:clrMapOvr>
+</p:sld>
+</file>
+
+<file path=ppt/slides/slide20.xml><?xml version="1.0" encoding="utf-8"?>
+<p:sld xmlns:a="http://schemas.openxmlformats.org/drawingml/2006/main" xmlns:r="http://schemas.openxmlformats.org/officeDocument/2006/relationships" xmlns:p="http://schemas.openxmlformats.org/presentationml/2006/main">
+  <p:cSld>
+    <p:spTree>
+      <p:nvGrpSpPr>
+        <p:cNvPr id="1" name=""/>
+        <p:cNvGrpSpPr/>
+        <p:nvPr/>
+      </p:nvGrpSpPr>
+      <p:grpSpPr>
+        <a:xfrm>
+          <a:off x="0" y="0"/>
+          <a:ext cx="0" cy="0"/>
+          <a:chOff x="0" y="0"/>
+          <a:chExt cx="0" cy="0"/>
+        </a:xfrm>
+      </p:grpSpPr>
+      <p:sp>
+        <p:nvSpPr>
           <p:cNvPr id="2" name="Titel 1">
             <a:extLst>
               <a:ext uri="{FF2B5EF4-FFF2-40B4-BE49-F238E27FC236}">
@@ -9635,7 +10086,7 @@
           <a:p>
             <a:fld id="{08C366F5-AFAD-49CB-854A-9D9E238FCA13}" type="slidenum">
               <a:rPr lang="en-GB" smtClean="0"/>
-              <a:t>19</a:t>
+              <a:t>20</a:t>
             </a:fld>
             <a:endParaRPr lang="en-GB"/>
           </a:p>
@@ -9654,286 +10105,7 @@
 </p:sld>
 </file>
 
-<file path=ppt/slides/slide2.xml><?xml version="1.0" encoding="utf-8"?>
-<p:sld xmlns:a="http://schemas.openxmlformats.org/drawingml/2006/main" xmlns:r="http://schemas.openxmlformats.org/officeDocument/2006/relationships" xmlns:p="http://schemas.openxmlformats.org/presentationml/2006/main">
-  <p:cSld>
-    <p:spTree>
-      <p:nvGrpSpPr>
-        <p:cNvPr id="1" name=""/>
-        <p:cNvGrpSpPr/>
-        <p:nvPr/>
-      </p:nvGrpSpPr>
-      <p:grpSpPr>
-        <a:xfrm>
-          <a:off x="0" y="0"/>
-          <a:ext cx="0" cy="0"/>
-          <a:chOff x="0" y="0"/>
-          <a:chExt cx="0" cy="0"/>
-        </a:xfrm>
-      </p:grpSpPr>
-      <p:sp>
-        <p:nvSpPr>
-          <p:cNvPr id="4" name="Title 3">
-            <a:extLst>
-              <a:ext uri="{FF2B5EF4-FFF2-40B4-BE49-F238E27FC236}">
-                <a16:creationId xmlns:a16="http://schemas.microsoft.com/office/drawing/2014/main" id="{080AD447-446B-E09E-6F4A-522C1DBB462E}"/>
-              </a:ext>
-            </a:extLst>
-          </p:cNvPr>
-          <p:cNvSpPr>
-            <a:spLocks noGrp="1"/>
-          </p:cNvSpPr>
-          <p:nvPr>
-            <p:ph type="title"/>
-          </p:nvPr>
-        </p:nvSpPr>
-        <p:spPr/>
-        <p:txBody>
-          <a:bodyPr/>
-          <a:lstStyle/>
-          <a:p>
-            <a:r>
-              <a:rPr lang="en-GB" dirty="0"/>
-              <a:t>Course Schedule</a:t>
-            </a:r>
-          </a:p>
-        </p:txBody>
-      </p:sp>
-      <p:sp>
-        <p:nvSpPr>
-          <p:cNvPr id="6" name="Inhaltsplatzhalter 5">
-            <a:extLst>
-              <a:ext uri="{FF2B5EF4-FFF2-40B4-BE49-F238E27FC236}">
-                <a16:creationId xmlns:a16="http://schemas.microsoft.com/office/drawing/2014/main" id="{CF502483-E45D-7D7D-D169-ACA4F8327D26}"/>
-              </a:ext>
-            </a:extLst>
-          </p:cNvPr>
-          <p:cNvSpPr>
-            <a:spLocks noGrp="1"/>
-          </p:cNvSpPr>
-          <p:nvPr>
-            <p:ph sz="half" idx="1"/>
-          </p:nvPr>
-        </p:nvSpPr>
-        <p:spPr/>
-        <p:txBody>
-          <a:bodyPr>
-            <a:normAutofit/>
-          </a:bodyPr>
-          <a:lstStyle/>
-          <a:p>
-            <a:pPr marL="514350" indent="-514350">
-              <a:buFont typeface="+mj-lt"/>
-              <a:buAutoNum type="arabicPeriod"/>
-            </a:pPr>
-            <a:r>
-              <a:rPr lang="de-DE" dirty="0"/>
-              <a:t>Systems</a:t>
-            </a:r>
-          </a:p>
-          <a:p>
-            <a:pPr marL="514350" indent="-514350">
-              <a:buFont typeface="+mj-lt"/>
-              <a:buAutoNum type="arabicPeriod"/>
-            </a:pPr>
-            <a:endParaRPr lang="de-DE" dirty="0"/>
-          </a:p>
-          <a:p>
-            <a:pPr marL="514350" indent="-514350">
-              <a:buFont typeface="+mj-lt"/>
-              <a:buAutoNum type="arabicPeriod"/>
-            </a:pPr>
-            <a:r>
-              <a:rPr lang="de-DE" dirty="0" err="1"/>
-              <a:t>Continuous</a:t>
-            </a:r>
-            <a:r>
-              <a:rPr lang="de-DE" dirty="0"/>
-              <a:t>-time Controllers</a:t>
-            </a:r>
-          </a:p>
-          <a:p>
-            <a:pPr marL="514350" indent="-514350">
-              <a:buFont typeface="+mj-lt"/>
-              <a:buAutoNum type="arabicPeriod"/>
-            </a:pPr>
-            <a:endParaRPr lang="de-DE" dirty="0"/>
-          </a:p>
-          <a:p>
-            <a:pPr marL="514350" indent="-514350">
-              <a:buFont typeface="+mj-lt"/>
-              <a:buAutoNum type="arabicPeriod"/>
-            </a:pPr>
-            <a:r>
-              <a:rPr lang="de-DE" dirty="0"/>
-              <a:t>Laplace Domain</a:t>
-            </a:r>
-          </a:p>
-          <a:p>
-            <a:pPr marL="514350" indent="-514350">
-              <a:buFont typeface="+mj-lt"/>
-              <a:buAutoNum type="arabicPeriod"/>
-            </a:pPr>
-            <a:endParaRPr lang="de-DE" dirty="0"/>
-          </a:p>
-          <a:p>
-            <a:pPr marL="514350" indent="-514350">
-              <a:buFont typeface="+mj-lt"/>
-              <a:buAutoNum type="arabicPeriod"/>
-            </a:pPr>
-            <a:r>
-              <a:rPr lang="de-DE" dirty="0"/>
-              <a:t>Poles/Zeros &amp; </a:t>
-            </a:r>
-            <a:r>
-              <a:rPr lang="de-DE" dirty="0" err="1"/>
-              <a:t>Stability</a:t>
-            </a:r>
-            <a:endParaRPr lang="de-DE" dirty="0"/>
-          </a:p>
-        </p:txBody>
-      </p:sp>
-      <p:sp>
-        <p:nvSpPr>
-          <p:cNvPr id="7" name="Inhaltsplatzhalter 6">
-            <a:extLst>
-              <a:ext uri="{FF2B5EF4-FFF2-40B4-BE49-F238E27FC236}">
-                <a16:creationId xmlns:a16="http://schemas.microsoft.com/office/drawing/2014/main" id="{B671907E-FFFA-73EF-8E7D-4AB4EBDD957B}"/>
-              </a:ext>
-            </a:extLst>
-          </p:cNvPr>
-          <p:cNvSpPr>
-            <a:spLocks noGrp="1"/>
-          </p:cNvSpPr>
-          <p:nvPr>
-            <p:ph sz="half" idx="2"/>
-          </p:nvPr>
-        </p:nvSpPr>
-        <p:spPr/>
-        <p:txBody>
-          <a:bodyPr>
-            <a:normAutofit/>
-          </a:bodyPr>
-          <a:lstStyle/>
-          <a:p>
-            <a:pPr marL="514350" indent="-514350">
-              <a:buFont typeface="+mj-lt"/>
-              <a:buAutoNum type="arabicPeriod" startAt="5"/>
-            </a:pPr>
-            <a:r>
-              <a:rPr lang="de-DE" dirty="0"/>
-              <a:t>Controller Design</a:t>
-            </a:r>
-          </a:p>
-          <a:p>
-            <a:pPr marL="514350" indent="-514350">
-              <a:buFont typeface="+mj-lt"/>
-              <a:buAutoNum type="arabicPeriod" startAt="5"/>
-            </a:pPr>
-            <a:endParaRPr lang="de-DE" dirty="0"/>
-          </a:p>
-          <a:p>
-            <a:pPr marL="514350" indent="-514350">
-              <a:buFont typeface="+mj-lt"/>
-              <a:buAutoNum type="arabicPeriod" startAt="5"/>
-            </a:pPr>
-            <a:r>
-              <a:rPr lang="de-DE" dirty="0" err="1"/>
-              <a:t>Discrete</a:t>
-            </a:r>
-            <a:r>
-              <a:rPr lang="de-DE" dirty="0"/>
-              <a:t>-time Controllers</a:t>
-            </a:r>
-          </a:p>
-          <a:p>
-            <a:pPr marL="514350" indent="-514350">
-              <a:buFont typeface="+mj-lt"/>
-              <a:buAutoNum type="arabicPeriod" startAt="5"/>
-            </a:pPr>
-            <a:endParaRPr lang="de-DE" dirty="0"/>
-          </a:p>
-          <a:p>
-            <a:pPr marL="514350" indent="-514350">
-              <a:buFont typeface="+mj-lt"/>
-              <a:buAutoNum type="arabicPeriod" startAt="5"/>
-            </a:pPr>
-            <a:r>
-              <a:rPr lang="de-DE" dirty="0"/>
-              <a:t>State Space </a:t>
-            </a:r>
-            <a:r>
-              <a:rPr lang="de-DE" dirty="0" err="1"/>
-              <a:t>Representation</a:t>
-            </a:r>
-            <a:endParaRPr lang="de-DE" dirty="0"/>
-          </a:p>
-          <a:p>
-            <a:pPr marL="514350" indent="-514350">
-              <a:buFont typeface="+mj-lt"/>
-              <a:buAutoNum type="arabicPeriod" startAt="5"/>
-            </a:pPr>
-            <a:endParaRPr lang="de-DE" dirty="0"/>
-          </a:p>
-          <a:p>
-            <a:pPr marL="514350" indent="-514350">
-              <a:buFont typeface="+mj-lt"/>
-              <a:buAutoNum type="arabicPeriod" startAt="5"/>
-            </a:pPr>
-            <a:r>
-              <a:rPr lang="de-DE" dirty="0" err="1"/>
-              <a:t>Advanced</a:t>
-            </a:r>
-            <a:r>
-              <a:rPr lang="de-DE" dirty="0"/>
-              <a:t> Control Methods</a:t>
-            </a:r>
-          </a:p>
-        </p:txBody>
-      </p:sp>
-      <p:sp>
-        <p:nvSpPr>
-          <p:cNvPr id="3" name="Slide Number Placeholder 2">
-            <a:extLst>
-              <a:ext uri="{FF2B5EF4-FFF2-40B4-BE49-F238E27FC236}">
-                <a16:creationId xmlns:a16="http://schemas.microsoft.com/office/drawing/2014/main" id="{A0664D44-83AC-6A7A-17E0-C1AE2ED18FF5}"/>
-              </a:ext>
-            </a:extLst>
-          </p:cNvPr>
-          <p:cNvSpPr>
-            <a:spLocks noGrp="1"/>
-          </p:cNvSpPr>
-          <p:nvPr>
-            <p:ph type="sldNum" sz="quarter" idx="12"/>
-          </p:nvPr>
-        </p:nvSpPr>
-        <p:spPr/>
-        <p:txBody>
-          <a:bodyPr/>
-          <a:lstStyle/>
-          <a:p>
-            <a:fld id="{08C366F5-AFAD-49CB-854A-9D9E238FCA13}" type="slidenum">
-              <a:rPr lang="en-GB" smtClean="0"/>
-              <a:t>2</a:t>
-            </a:fld>
-            <a:endParaRPr lang="en-GB" dirty="0"/>
-          </a:p>
-        </p:txBody>
-      </p:sp>
-    </p:spTree>
-    <p:extLst>
-      <p:ext uri="{BB962C8B-B14F-4D97-AF65-F5344CB8AC3E}">
-        <p14:creationId xmlns:p14="http://schemas.microsoft.com/office/powerpoint/2010/main" val="310336692"/>
-      </p:ext>
-    </p:extLst>
-  </p:cSld>
-  <p:clrMapOvr>
-    <a:masterClrMapping/>
-  </p:clrMapOvr>
-</p:sld>
-</file>
-
-<file path=ppt/slides/slide20.xml><?xml version="1.0" encoding="utf-8"?>
+<file path=ppt/slides/slide21.xml><?xml version="1.0" encoding="utf-8"?>
 <p:sld xmlns:a="http://schemas.openxmlformats.org/drawingml/2006/main" xmlns:r="http://schemas.openxmlformats.org/officeDocument/2006/relationships" xmlns:p="http://schemas.openxmlformats.org/presentationml/2006/main">
   <p:cSld>
     <p:spTree>
@@ -9987,8 +10159,8 @@
           </a:p>
         </p:txBody>
       </p:sp>
-      <mc:AlternateContent xmlns:mc="http://schemas.openxmlformats.org/markup-compatibility/2006" xmlns:a14="http://schemas.microsoft.com/office/drawing/2010/main">
-        <mc:Choice Requires="a14">
+      <mc:AlternateContent xmlns:mc="http://schemas.openxmlformats.org/markup-compatibility/2006">
+        <mc:Choice xmlns:a14="http://schemas.microsoft.com/office/drawing/2010/main" Requires="a14">
           <p:sp>
             <p:nvSpPr>
               <p:cNvPr id="3" name="Inhaltsplatzhalter 2">
@@ -10020,7 +10192,7 @@
                   <a:t>Idea: </a:t>
                 </a:r>
                 <a:r>
-                  <a:rPr lang="de-DE" dirty="0" err="1"/>
+                  <a:rPr lang="de-DE" b="1" dirty="0" err="1"/>
                   <a:t>measure</a:t>
                 </a:r>
                 <a:r>
@@ -10708,7 +10880,7 @@
             </p:txBody>
           </p:sp>
         </mc:Choice>
-        <mc:Fallback xmlns="">
+        <mc:Fallback>
           <p:sp>
             <p:nvSpPr>
               <p:cNvPr id="3" name="Inhaltsplatzhalter 2">
@@ -10771,7 +10943,7 @@
           <a:p>
             <a:fld id="{08C366F5-AFAD-49CB-854A-9D9E238FCA13}" type="slidenum">
               <a:rPr lang="en-GB" smtClean="0"/>
-              <a:t>20</a:t>
+              <a:t>21</a:t>
             </a:fld>
             <a:endParaRPr lang="en-GB"/>
           </a:p>
@@ -10790,7 +10962,7 @@
 </p:sld>
 </file>
 
-<file path=ppt/slides/slide21.xml><?xml version="1.0" encoding="utf-8"?>
+<file path=ppt/slides/slide22.xml><?xml version="1.0" encoding="utf-8"?>
 <p:sld xmlns:a="http://schemas.openxmlformats.org/drawingml/2006/main" xmlns:r="http://schemas.openxmlformats.org/officeDocument/2006/relationships" xmlns:p="http://schemas.openxmlformats.org/presentationml/2006/main">
   <p:cSld>
     <p:spTree>
@@ -10870,8 +11042,8 @@
           </a:p>
         </p:txBody>
       </p:sp>
-      <mc:AlternateContent xmlns:mc="http://schemas.openxmlformats.org/markup-compatibility/2006">
-        <mc:Choice xmlns:a14="http://schemas.microsoft.com/office/drawing/2010/main" Requires="a14">
+      <mc:AlternateContent xmlns:mc="http://schemas.openxmlformats.org/markup-compatibility/2006" xmlns:a14="http://schemas.microsoft.com/office/drawing/2010/main">
+        <mc:Choice Requires="a14">
           <p:sp>
             <p:nvSpPr>
               <p:cNvPr id="3" name="Inhaltsplatzhalter 2">
@@ -11433,7 +11605,7 @@
             </p:txBody>
           </p:sp>
         </mc:Choice>
-        <mc:Fallback>
+        <mc:Fallback xmlns="">
           <p:sp>
             <p:nvSpPr>
               <p:cNvPr id="3" name="Inhaltsplatzhalter 2">
@@ -11500,7 +11672,7 @@
           <a:p>
             <a:fld id="{08C366F5-AFAD-49CB-854A-9D9E238FCA13}" type="slidenum">
               <a:rPr lang="en-GB" smtClean="0"/>
-              <a:t>21</a:t>
+              <a:t>22</a:t>
             </a:fld>
             <a:endParaRPr lang="en-GB"/>
           </a:p>
@@ -11561,6 +11733,134 @@
     <p:extLst>
       <p:ext uri="{BB962C8B-B14F-4D97-AF65-F5344CB8AC3E}">
         <p14:creationId xmlns:p14="http://schemas.microsoft.com/office/powerpoint/2010/main" val="2178820404"/>
+      </p:ext>
+    </p:extLst>
+  </p:cSld>
+  <p:clrMapOvr>
+    <a:masterClrMapping/>
+  </p:clrMapOvr>
+</p:sld>
+</file>
+
+<file path=ppt/slides/slide23.xml><?xml version="1.0" encoding="utf-8"?>
+<p:sld xmlns:a="http://schemas.openxmlformats.org/drawingml/2006/main" xmlns:r="http://schemas.openxmlformats.org/officeDocument/2006/relationships" xmlns:p="http://schemas.openxmlformats.org/presentationml/2006/main">
+  <p:cSld>
+    <p:spTree>
+      <p:nvGrpSpPr>
+        <p:cNvPr id="1" name=""/>
+        <p:cNvGrpSpPr/>
+        <p:nvPr/>
+      </p:nvGrpSpPr>
+      <p:grpSpPr>
+        <a:xfrm>
+          <a:off x="0" y="0"/>
+          <a:ext cx="0" cy="0"/>
+          <a:chOff x="0" y="0"/>
+          <a:chExt cx="0" cy="0"/>
+        </a:xfrm>
+      </p:grpSpPr>
+      <p:sp>
+        <p:nvSpPr>
+          <p:cNvPr id="4" name="Foliennummernplatzhalter 3">
+            <a:extLst>
+              <a:ext uri="{FF2B5EF4-FFF2-40B4-BE49-F238E27FC236}">
+                <a16:creationId xmlns:a16="http://schemas.microsoft.com/office/drawing/2014/main" id="{6FA7948B-6ED8-7CF1-490A-B18406C663D7}"/>
+              </a:ext>
+            </a:extLst>
+          </p:cNvPr>
+          <p:cNvSpPr>
+            <a:spLocks noGrp="1"/>
+          </p:cNvSpPr>
+          <p:nvPr>
+            <p:ph type="sldNum" sz="quarter" idx="12"/>
+          </p:nvPr>
+        </p:nvSpPr>
+        <p:spPr/>
+        <p:txBody>
+          <a:bodyPr/>
+          <a:lstStyle/>
+          <a:p>
+            <a:fld id="{08C366F5-AFAD-49CB-854A-9D9E238FCA13}" type="slidenum">
+              <a:rPr lang="en-GB" smtClean="0"/>
+              <a:t>23</a:t>
+            </a:fld>
+            <a:endParaRPr lang="en-GB"/>
+          </a:p>
+        </p:txBody>
+      </p:sp>
+      <p:pic>
+        <p:nvPicPr>
+          <p:cNvPr id="5" name="Grafik 4">
+            <a:extLst>
+              <a:ext uri="{FF2B5EF4-FFF2-40B4-BE49-F238E27FC236}">
+                <a16:creationId xmlns:a16="http://schemas.microsoft.com/office/drawing/2014/main" id="{442A853D-0B20-D918-284F-7BFB156CE286}"/>
+              </a:ext>
+            </a:extLst>
+          </p:cNvPr>
+          <p:cNvPicPr>
+            <a:picLocks noChangeAspect="1"/>
+          </p:cNvPicPr>
+          <p:nvPr/>
+        </p:nvPicPr>
+        <p:blipFill>
+          <a:blip r:embed="rId2"/>
+          <a:stretch>
+            <a:fillRect/>
+          </a:stretch>
+        </p:blipFill>
+        <p:spPr>
+          <a:xfrm>
+            <a:off x="2209800" y="1044081"/>
+            <a:ext cx="7772400" cy="4769837"/>
+          </a:xfrm>
+          <a:prstGeom prst="rect">
+            <a:avLst/>
+          </a:prstGeom>
+        </p:spPr>
+      </p:pic>
+      <p:sp>
+        <p:nvSpPr>
+          <p:cNvPr id="6" name="Textfeld 5">
+            <a:extLst>
+              <a:ext uri="{FF2B5EF4-FFF2-40B4-BE49-F238E27FC236}">
+                <a16:creationId xmlns:a16="http://schemas.microsoft.com/office/drawing/2014/main" id="{A7647B81-CEBA-DCA7-48F6-FE52BF214224}"/>
+              </a:ext>
+            </a:extLst>
+          </p:cNvPr>
+          <p:cNvSpPr txBox="1"/>
+          <p:nvPr/>
+        </p:nvSpPr>
+        <p:spPr>
+          <a:xfrm>
+            <a:off x="5519079" y="501649"/>
+            <a:ext cx="1124988" cy="369332"/>
+          </a:xfrm>
+          <a:prstGeom prst="rect">
+            <a:avLst/>
+          </a:prstGeom>
+          <a:noFill/>
+        </p:spPr>
+        <p:txBody>
+          <a:bodyPr wrap="none" rtlCol="0">
+            <a:spAutoFit/>
+          </a:bodyPr>
+          <a:lstStyle/>
+          <a:p>
+            <a:r>
+              <a:rPr lang="de-DE" dirty="0" err="1"/>
+              <a:t>unstable</a:t>
+            </a:r>
+            <a:r>
+              <a:rPr lang="de-DE" dirty="0"/>
+              <a:t>:</a:t>
+            </a:r>
+          </a:p>
+        </p:txBody>
+      </p:sp>
+    </p:spTree>
+    <p:extLst>
+      <p:ext uri="{BB962C8B-B14F-4D97-AF65-F5344CB8AC3E}">
+        <p14:creationId xmlns:p14="http://schemas.microsoft.com/office/powerpoint/2010/main" val="566779013"/>
       </p:ext>
     </p:extLst>
   </p:cSld>
